--- a/Разработка веб-сервисов. Часть 1.pptx
+++ b/Разработка веб-сервисов. Часть 1.pptx
@@ -5,24 +5,25 @@
     <p:sldMasterId id="2147483648" r:id="rId1"/>
   </p:sldMasterIdLst>
   <p:notesMasterIdLst>
-    <p:notesMasterId r:id="rId14"/>
+    <p:notesMasterId r:id="rId15"/>
   </p:notesMasterIdLst>
   <p:handoutMasterIdLst>
-    <p:handoutMasterId r:id="rId15"/>
+    <p:handoutMasterId r:id="rId16"/>
   </p:handoutMasterIdLst>
   <p:sldIdLst>
     <p:sldId id="256" r:id="rId2"/>
     <p:sldId id="372" r:id="rId3"/>
-    <p:sldId id="373" r:id="rId4"/>
+    <p:sldId id="403" r:id="rId4"/>
     <p:sldId id="374" r:id="rId5"/>
-    <p:sldId id="375" r:id="rId6"/>
-    <p:sldId id="402" r:id="rId7"/>
-    <p:sldId id="376" r:id="rId8"/>
-    <p:sldId id="401" r:id="rId9"/>
-    <p:sldId id="378" r:id="rId10"/>
-    <p:sldId id="377" r:id="rId11"/>
-    <p:sldId id="379" r:id="rId12"/>
-    <p:sldId id="380" r:id="rId13"/>
+    <p:sldId id="404" r:id="rId6"/>
+    <p:sldId id="375" r:id="rId7"/>
+    <p:sldId id="402" r:id="rId8"/>
+    <p:sldId id="376" r:id="rId9"/>
+    <p:sldId id="401" r:id="rId10"/>
+    <p:sldId id="378" r:id="rId11"/>
+    <p:sldId id="377" r:id="rId12"/>
+    <p:sldId id="379" r:id="rId13"/>
+    <p:sldId id="380" r:id="rId14"/>
   </p:sldIdLst>
   <p:sldSz cx="9144000" cy="6858000" type="screen4x3"/>
   <p:notesSz cx="6797675" cy="9775825"/>
@@ -297,7 +298,7 @@
               <a:pPr>
                 <a:defRPr/>
               </a:pPr>
-              <a:t>29.06.2018</a:t>
+              <a:t>30.06.2018</a:t>
             </a:fld>
             <a:endParaRPr lang="ru-RU"/>
           </a:p>
@@ -496,7 +497,7 @@
               <a:pPr>
                 <a:defRPr/>
               </a:pPr>
-              <a:t>29.06.2018</a:t>
+              <a:t>30.06.2018</a:t>
             </a:fld>
             <a:endParaRPr lang="ru-RU"/>
           </a:p>
@@ -803,6 +804,377 @@
 </p:notesMaster>
 </file>
 
+<file path=ppt/notesSlides/notesSlide1.xml><?xml version="1.0" encoding="utf-8"?>
+<p:notes xmlns:a="http://schemas.openxmlformats.org/drawingml/2006/main" xmlns:r="http://schemas.openxmlformats.org/officeDocument/2006/relationships" xmlns:p="http://schemas.openxmlformats.org/presentationml/2006/main">
+  <p:cSld>
+    <p:spTree>
+      <p:nvGrpSpPr>
+        <p:cNvPr id="1" name=""/>
+        <p:cNvGrpSpPr/>
+        <p:nvPr/>
+      </p:nvGrpSpPr>
+      <p:grpSpPr>
+        <a:xfrm>
+          <a:off x="0" y="0"/>
+          <a:ext cx="0" cy="0"/>
+          <a:chOff x="0" y="0"/>
+          <a:chExt cx="0" cy="0"/>
+        </a:xfrm>
+      </p:grpSpPr>
+      <p:sp>
+        <p:nvSpPr>
+          <p:cNvPr id="2" name="Образ слайда 1"/>
+          <p:cNvSpPr>
+            <a:spLocks noGrp="1" noRot="1" noChangeAspect="1"/>
+          </p:cNvSpPr>
+          <p:nvPr>
+            <p:ph type="sldImg"/>
+          </p:nvPr>
+        </p:nvSpPr>
+        <p:spPr/>
+      </p:sp>
+      <p:sp>
+        <p:nvSpPr>
+          <p:cNvPr id="3" name="Заметки 2"/>
+          <p:cNvSpPr>
+            <a:spLocks noGrp="1"/>
+          </p:cNvSpPr>
+          <p:nvPr>
+            <p:ph type="body" idx="1"/>
+          </p:nvPr>
+        </p:nvSpPr>
+        <p:spPr/>
+        <p:txBody>
+          <a:bodyPr/>
+          <a:lstStyle/>
+          <a:p>
+            <a:r>
+              <a:rPr lang="ru-RU" dirty="0" smtClean="0"/>
+              <a:t>Начнем</a:t>
+            </a:r>
+            <a:r>
+              <a:rPr lang="ru-RU" baseline="0" dirty="0" smtClean="0"/>
+              <a:t> издалека: с того, что такое Интернет и чем он отличается от </a:t>
+            </a:r>
+            <a:r>
+              <a:rPr lang="en-US" baseline="0" dirty="0" smtClean="0"/>
+              <a:t>WWW</a:t>
+            </a:r>
+            <a:endParaRPr lang="ru-RU" dirty="0"/>
+          </a:p>
+        </p:txBody>
+      </p:sp>
+      <p:sp>
+        <p:nvSpPr>
+          <p:cNvPr id="4" name="Номер слайда 3"/>
+          <p:cNvSpPr>
+            <a:spLocks noGrp="1"/>
+          </p:cNvSpPr>
+          <p:nvPr>
+            <p:ph type="sldNum" sz="quarter" idx="10"/>
+          </p:nvPr>
+        </p:nvSpPr>
+        <p:spPr/>
+        <p:txBody>
+          <a:bodyPr/>
+          <a:lstStyle/>
+          <a:p>
+            <a:pPr>
+              <a:defRPr/>
+            </a:pPr>
+            <a:fld id="{DB2C8497-7A30-49CA-AF05-93FA02A474A9}" type="slidenum">
+              <a:rPr lang="ru-RU" smtClean="0"/>
+              <a:pPr>
+                <a:defRPr/>
+              </a:pPr>
+              <a:t>1</a:t>
+            </a:fld>
+            <a:endParaRPr lang="ru-RU"/>
+          </a:p>
+        </p:txBody>
+      </p:sp>
+    </p:spTree>
+    <p:extLst>
+      <p:ext uri="{BB962C8B-B14F-4D97-AF65-F5344CB8AC3E}">
+        <p14:creationId xmlns:p14="http://schemas.microsoft.com/office/powerpoint/2010/main" val="225314297"/>
+      </p:ext>
+    </p:extLst>
+  </p:cSld>
+  <p:clrMapOvr>
+    <a:masterClrMapping/>
+  </p:clrMapOvr>
+</p:notes>
+</file>
+
+<file path=ppt/notesSlides/notesSlide2.xml><?xml version="1.0" encoding="utf-8"?>
+<p:notes xmlns:a="http://schemas.openxmlformats.org/drawingml/2006/main" xmlns:r="http://schemas.openxmlformats.org/officeDocument/2006/relationships" xmlns:p="http://schemas.openxmlformats.org/presentationml/2006/main">
+  <p:cSld>
+    <p:spTree>
+      <p:nvGrpSpPr>
+        <p:cNvPr id="1" name=""/>
+        <p:cNvGrpSpPr/>
+        <p:nvPr/>
+      </p:nvGrpSpPr>
+      <p:grpSpPr>
+        <a:xfrm>
+          <a:off x="0" y="0"/>
+          <a:ext cx="0" cy="0"/>
+          <a:chOff x="0" y="0"/>
+          <a:chExt cx="0" cy="0"/>
+        </a:xfrm>
+      </p:grpSpPr>
+      <p:sp>
+        <p:nvSpPr>
+          <p:cNvPr id="2" name="Образ слайда 1"/>
+          <p:cNvSpPr>
+            <a:spLocks noGrp="1" noRot="1" noChangeAspect="1"/>
+          </p:cNvSpPr>
+          <p:nvPr>
+            <p:ph type="sldImg"/>
+          </p:nvPr>
+        </p:nvSpPr>
+        <p:spPr/>
+      </p:sp>
+      <p:sp>
+        <p:nvSpPr>
+          <p:cNvPr id="3" name="Заметки 2"/>
+          <p:cNvSpPr>
+            <a:spLocks noGrp="1"/>
+          </p:cNvSpPr>
+          <p:nvPr>
+            <p:ph type="body" idx="1"/>
+          </p:nvPr>
+        </p:nvSpPr>
+        <p:spPr/>
+        <p:txBody>
+          <a:bodyPr/>
+          <a:lstStyle/>
+          <a:p>
+            <a:r>
+              <a:rPr lang="ru-RU" sz="1200" dirty="0" smtClean="0">
+                <a:solidFill>
+                  <a:schemeClr val="tx1"/>
+                </a:solidFill>
+                <a:latin typeface="Times New Roman" panose="02020603050405020304" pitchFamily="18" charset="0"/>
+                <a:cs typeface="Times New Roman" panose="02020603050405020304" pitchFamily="18" charset="0"/>
+              </a:rPr>
+              <a:t>Интернет – это глобальная сеть передачи данных.</a:t>
+            </a:r>
+          </a:p>
+          <a:p>
+            <a:r>
+              <a:rPr lang="ru-RU" sz="1200" dirty="0" smtClean="0">
+                <a:solidFill>
+                  <a:schemeClr val="tx1"/>
+                </a:solidFill>
+                <a:latin typeface="Times New Roman" panose="02020603050405020304" pitchFamily="18" charset="0"/>
+                <a:cs typeface="Times New Roman" panose="02020603050405020304" pitchFamily="18" charset="0"/>
+              </a:rPr>
+              <a:t>Образовался он, как объединение разнородных локальных сетей. </a:t>
+            </a:r>
+          </a:p>
+          <a:p>
+            <a:r>
+              <a:rPr lang="ru-RU" sz="1200" dirty="0" smtClean="0">
+                <a:solidFill>
+                  <a:schemeClr val="tx1"/>
+                </a:solidFill>
+                <a:latin typeface="Times New Roman" panose="02020603050405020304" pitchFamily="18" charset="0"/>
+                <a:cs typeface="Times New Roman" panose="02020603050405020304" pitchFamily="18" charset="0"/>
+              </a:rPr>
+              <a:t>Что такое локальная сеть? Это,</a:t>
+            </a:r>
+            <a:r>
+              <a:rPr lang="ru-RU" sz="1200" baseline="0" dirty="0" smtClean="0">
+                <a:solidFill>
+                  <a:schemeClr val="tx1"/>
+                </a:solidFill>
+                <a:latin typeface="Times New Roman" panose="02020603050405020304" pitchFamily="18" charset="0"/>
+                <a:cs typeface="Times New Roman" panose="02020603050405020304" pitchFamily="18" charset="0"/>
+              </a:rPr>
+              <a:t> г</a:t>
+            </a:r>
+            <a:r>
+              <a:rPr lang="ru-RU" sz="1200" dirty="0" smtClean="0">
+                <a:solidFill>
+                  <a:schemeClr val="tx1"/>
+                </a:solidFill>
+                <a:latin typeface="Times New Roman" panose="02020603050405020304" pitchFamily="18" charset="0"/>
+                <a:cs typeface="Times New Roman" panose="02020603050405020304" pitchFamily="18" charset="0"/>
+              </a:rPr>
+              <a:t>рубо</a:t>
+            </a:r>
+            <a:r>
+              <a:rPr lang="ru-RU" sz="1200" baseline="0" dirty="0" smtClean="0">
+                <a:solidFill>
+                  <a:schemeClr val="tx1"/>
+                </a:solidFill>
+                <a:latin typeface="Times New Roman" panose="02020603050405020304" pitchFamily="18" charset="0"/>
+                <a:cs typeface="Times New Roman" panose="02020603050405020304" pitchFamily="18" charset="0"/>
+              </a:rPr>
+              <a:t> говоря, взяли несколько компьютеров физически находящихся рядом: компьютеры в одном офисе, доме, школе или классе, объединили их с помощью каких-то каналов связи в единую систему – вот и получилась локальная сеть.</a:t>
+            </a:r>
+          </a:p>
+          <a:p>
+            <a:r>
+              <a:rPr lang="ru-RU" sz="1200" dirty="0" smtClean="0">
+                <a:solidFill>
+                  <a:schemeClr val="tx1"/>
+                </a:solidFill>
+                <a:latin typeface="Times New Roman" panose="02020603050405020304" pitchFamily="18" charset="0"/>
+                <a:cs typeface="Times New Roman" panose="02020603050405020304" pitchFamily="18" charset="0"/>
+              </a:rPr>
+              <a:t>Таким образом,</a:t>
+            </a:r>
+            <a:r>
+              <a:rPr lang="ru-RU" sz="1200" baseline="0" dirty="0" smtClean="0">
+                <a:solidFill>
+                  <a:schemeClr val="tx1"/>
+                </a:solidFill>
+                <a:latin typeface="Times New Roman" panose="02020603050405020304" pitchFamily="18" charset="0"/>
+                <a:cs typeface="Times New Roman" panose="02020603050405020304" pitchFamily="18" charset="0"/>
+              </a:rPr>
+              <a:t> были локальные сети разных научных</a:t>
+            </a:r>
+            <a:r>
+              <a:rPr lang="ru-RU" sz="1200" dirty="0" smtClean="0">
+                <a:solidFill>
+                  <a:schemeClr val="tx1"/>
+                </a:solidFill>
+                <a:latin typeface="Times New Roman" panose="02020603050405020304" pitchFamily="18" charset="0"/>
+                <a:cs typeface="Times New Roman" panose="02020603050405020304" pitchFamily="18" charset="0"/>
+              </a:rPr>
+              <a:t> институтов, каких-то местных провайдеров, они объединялись, объединялись, пока постепенно и не возникла глобальная сеть, которая</a:t>
+            </a:r>
+            <a:r>
+              <a:rPr lang="ru-RU" sz="1200" baseline="0" dirty="0" smtClean="0">
+                <a:solidFill>
+                  <a:schemeClr val="tx1"/>
+                </a:solidFill>
+                <a:latin typeface="Times New Roman" panose="02020603050405020304" pitchFamily="18" charset="0"/>
+                <a:cs typeface="Times New Roman" panose="02020603050405020304" pitchFamily="18" charset="0"/>
+              </a:rPr>
+              <a:t> и называется</a:t>
+            </a:r>
+            <a:r>
+              <a:rPr lang="ru-RU" sz="1200" dirty="0" smtClean="0">
+                <a:solidFill>
+                  <a:schemeClr val="tx1"/>
+                </a:solidFill>
+                <a:latin typeface="Times New Roman" panose="02020603050405020304" pitchFamily="18" charset="0"/>
+                <a:cs typeface="Times New Roman" panose="02020603050405020304" pitchFamily="18" charset="0"/>
+              </a:rPr>
+              <a:t> Интернет.</a:t>
+            </a:r>
+          </a:p>
+          <a:p>
+            <a:r>
+              <a:rPr lang="ru-RU" sz="1200" dirty="0" smtClean="0">
+                <a:solidFill>
+                  <a:schemeClr val="tx1"/>
+                </a:solidFill>
+                <a:latin typeface="Times New Roman" panose="02020603050405020304" pitchFamily="18" charset="0"/>
+                <a:cs typeface="Times New Roman" panose="02020603050405020304" pitchFamily="18" charset="0"/>
+              </a:rPr>
+              <a:t>Интернет</a:t>
+            </a:r>
+            <a:r>
+              <a:rPr lang="ru-RU" sz="1200" baseline="0" dirty="0" smtClean="0">
+                <a:solidFill>
+                  <a:schemeClr val="tx1"/>
+                </a:solidFill>
+                <a:latin typeface="Times New Roman" panose="02020603050405020304" pitchFamily="18" charset="0"/>
+                <a:cs typeface="Times New Roman" panose="02020603050405020304" pitchFamily="18" charset="0"/>
+              </a:rPr>
+              <a:t> п</a:t>
+            </a:r>
+            <a:r>
+              <a:rPr lang="ru-RU" sz="1200" dirty="0" smtClean="0">
+                <a:solidFill>
+                  <a:schemeClr val="tx1"/>
+                </a:solidFill>
+                <a:latin typeface="Times New Roman" panose="02020603050405020304" pitchFamily="18" charset="0"/>
+                <a:cs typeface="Times New Roman" panose="02020603050405020304" pitchFamily="18" charset="0"/>
+              </a:rPr>
+              <a:t>озволяет передавать любые виды данных, будь то видеосигнал, файл, отдельные байты, между произвольными двумя машинами, подключенными к сети интернет. </a:t>
+            </a:r>
+          </a:p>
+          <a:p>
+            <a:r>
+              <a:rPr lang="ru-RU" sz="1200" dirty="0" smtClean="0">
+                <a:solidFill>
+                  <a:schemeClr val="tx1"/>
+                </a:solidFill>
+                <a:latin typeface="Times New Roman" panose="02020603050405020304" pitchFamily="18" charset="0"/>
+                <a:cs typeface="Times New Roman" panose="02020603050405020304" pitchFamily="18" charset="0"/>
+              </a:rPr>
+              <a:t>Интернет – по</a:t>
+            </a:r>
+            <a:r>
+              <a:rPr lang="ru-RU" sz="1200" baseline="0" dirty="0" smtClean="0">
+                <a:solidFill>
+                  <a:schemeClr val="tx1"/>
+                </a:solidFill>
+                <a:latin typeface="Times New Roman" panose="02020603050405020304" pitchFamily="18" charset="0"/>
+                <a:cs typeface="Times New Roman" panose="02020603050405020304" pitchFamily="18" charset="0"/>
+              </a:rPr>
+              <a:t> сути, это</a:t>
+            </a:r>
+            <a:r>
+              <a:rPr lang="ru-RU" sz="1200" dirty="0" smtClean="0">
+                <a:solidFill>
+                  <a:schemeClr val="tx1"/>
+                </a:solidFill>
+                <a:latin typeface="Times New Roman" panose="02020603050405020304" pitchFamily="18" charset="0"/>
+                <a:cs typeface="Times New Roman" panose="02020603050405020304" pitchFamily="18" charset="0"/>
+              </a:rPr>
+              <a:t> просто среда для передачи данных.</a:t>
+            </a:r>
+          </a:p>
+        </p:txBody>
+      </p:sp>
+      <p:sp>
+        <p:nvSpPr>
+          <p:cNvPr id="4" name="Номер слайда 3"/>
+          <p:cNvSpPr>
+            <a:spLocks noGrp="1"/>
+          </p:cNvSpPr>
+          <p:nvPr>
+            <p:ph type="sldNum" sz="quarter" idx="10"/>
+          </p:nvPr>
+        </p:nvSpPr>
+        <p:spPr/>
+        <p:txBody>
+          <a:bodyPr/>
+          <a:lstStyle/>
+          <a:p>
+            <a:pPr>
+              <a:defRPr/>
+            </a:pPr>
+            <a:fld id="{DB2C8497-7A30-49CA-AF05-93FA02A474A9}" type="slidenum">
+              <a:rPr lang="ru-RU" smtClean="0"/>
+              <a:pPr>
+                <a:defRPr/>
+              </a:pPr>
+              <a:t>2</a:t>
+            </a:fld>
+            <a:endParaRPr lang="ru-RU"/>
+          </a:p>
+        </p:txBody>
+      </p:sp>
+    </p:spTree>
+    <p:extLst>
+      <p:ext uri="{BB962C8B-B14F-4D97-AF65-F5344CB8AC3E}">
+        <p14:creationId xmlns:p14="http://schemas.microsoft.com/office/powerpoint/2010/main" val="1851659095"/>
+      </p:ext>
+    </p:extLst>
+  </p:cSld>
+  <p:clrMapOvr>
+    <a:masterClrMapping/>
+  </p:clrMapOvr>
+</p:notes>
+</file>
+
 <file path=ppt/slideLayouts/slideLayout1.xml><?xml version="1.0" encoding="utf-8"?>
 <p:sldLayout xmlns:a="http://schemas.openxmlformats.org/drawingml/2006/main" xmlns:r="http://schemas.openxmlformats.org/officeDocument/2006/relationships" xmlns:p="http://schemas.openxmlformats.org/presentationml/2006/main" preserve="1" userDrawn="1">
   <p:cSld name="Титульный слайд">
@@ -1992,7 +2364,7 @@
               <a:pPr>
                 <a:defRPr/>
               </a:pPr>
-              <a:t>29.06.2018</a:t>
+              <a:t>30.06.2018</a:t>
             </a:fld>
             <a:endParaRPr lang="ru-RU"/>
           </a:p>
@@ -2512,7 +2884,7 @@
           <p:cNvPr id="5" name="Заголовок 4">
             <a:extLst>
               <a:ext uri="{FF2B5EF4-FFF2-40B4-BE49-F238E27FC236}">
-                <a16:creationId xmlns:a16="http://schemas.microsoft.com/office/drawing/2014/main" xmlns="" id="{0652B0D1-D537-4976-AE12-A44B1ECC7331}"/>
+                <a16:creationId xmlns:a16="http://schemas.microsoft.com/office/drawing/2014/main" id="{0652B0D1-D537-4976-AE12-A44B1ECC7331}"/>
               </a:ext>
             </a:extLst>
           </p:cNvPr>
@@ -2562,7 +2934,7 @@
           <p:cNvPr id="13" name="Заголовок 4">
             <a:extLst>
               <a:ext uri="{FF2B5EF4-FFF2-40B4-BE49-F238E27FC236}">
-                <a16:creationId xmlns:a16="http://schemas.microsoft.com/office/drawing/2014/main" xmlns="" id="{6547F86B-5F9B-44BF-AE78-A23AAF68EBF6}"/>
+                <a16:creationId xmlns:a16="http://schemas.microsoft.com/office/drawing/2014/main" id="{6547F86B-5F9B-44BF-AE78-A23AAF68EBF6}"/>
               </a:ext>
             </a:extLst>
           </p:cNvPr>
@@ -2630,6 +3002,13 @@
   <p:clrMapOvr>
     <a:masterClrMapping/>
   </p:clrMapOvr>
+  <p:timing>
+    <p:tnLst>
+      <p:par>
+        <p:cTn id="1" dur="indefinite" restart="never" nodeType="tmRoot"/>
+      </p:par>
+    </p:tnLst>
+  </p:timing>
 </p:sld>
 </file>
 
@@ -2671,7 +3050,7 @@
             </a:r>
             <a:r>
               <a:rPr lang="ru-RU" dirty="0" smtClean="0"/>
-              <a:t>клиенты</a:t>
+              <a:t>серверы</a:t>
             </a:r>
             <a:endParaRPr lang="ru-RU" dirty="0"/>
           </a:p>
@@ -2682,7 +3061,7 @@
           <p:cNvPr id="4" name="Текст 3">
             <a:extLst>
               <a:ext uri="{FF2B5EF4-FFF2-40B4-BE49-F238E27FC236}">
-                <a16:creationId xmlns:a16="http://schemas.microsoft.com/office/drawing/2014/main" xmlns="" id="{74C82C9C-F2A8-41A8-880B-73811E3EFC36}"/>
+                <a16:creationId xmlns:a16="http://schemas.microsoft.com/office/drawing/2014/main" id="{74C82C9C-F2A8-41A8-880B-73811E3EFC36}"/>
               </a:ext>
             </a:extLst>
           </p:cNvPr>
@@ -2710,7 +3089,7 @@
     </p:spTree>
     <p:extLst>
       <p:ext uri="{BB962C8B-B14F-4D97-AF65-F5344CB8AC3E}">
-        <p14:creationId xmlns:p14="http://schemas.microsoft.com/office/powerpoint/2010/main" val="4131561368"/>
+        <p14:creationId xmlns:p14="http://schemas.microsoft.com/office/powerpoint/2010/main" val="3824670363"/>
       </p:ext>
     </p:extLst>
   </p:cSld>
@@ -2758,11 +3137,7 @@
             </a:r>
             <a:r>
               <a:rPr lang="ru-RU" dirty="0" smtClean="0"/>
-              <a:t>сервер на </a:t>
-            </a:r>
-            <a:r>
-              <a:rPr lang="en-US" dirty="0" smtClean="0"/>
-              <a:t>Flask</a:t>
+              <a:t>клиенты</a:t>
             </a:r>
             <a:endParaRPr lang="ru-RU" dirty="0"/>
           </a:p>
@@ -2773,7 +3148,7 @@
           <p:cNvPr id="4" name="Текст 3">
             <a:extLst>
               <a:ext uri="{FF2B5EF4-FFF2-40B4-BE49-F238E27FC236}">
-                <a16:creationId xmlns:a16="http://schemas.microsoft.com/office/drawing/2014/main" xmlns="" id="{74C82C9C-F2A8-41A8-880B-73811E3EFC36}"/>
+                <a16:creationId xmlns:a16="http://schemas.microsoft.com/office/drawing/2014/main" id="{74C82C9C-F2A8-41A8-880B-73811E3EFC36}"/>
               </a:ext>
             </a:extLst>
           </p:cNvPr>
@@ -2801,7 +3176,7 @@
     </p:spTree>
     <p:extLst>
       <p:ext uri="{BB962C8B-B14F-4D97-AF65-F5344CB8AC3E}">
-        <p14:creationId xmlns:p14="http://schemas.microsoft.com/office/powerpoint/2010/main" val="4162874310"/>
+        <p14:creationId xmlns:p14="http://schemas.microsoft.com/office/powerpoint/2010/main" val="4131561368"/>
       </p:ext>
     </p:extLst>
   </p:cSld>
@@ -2840,18 +3215,20 @@
         </p:nvSpPr>
         <p:spPr/>
         <p:txBody>
-          <a:bodyPr>
-            <a:normAutofit/>
-          </a:bodyPr>
+          <a:bodyPr/>
           <a:lstStyle/>
           <a:p>
             <a:r>
+              <a:rPr lang="en-US" dirty="0" smtClean="0"/>
+              <a:t>Web-</a:t>
+            </a:r>
+            <a:r>
               <a:rPr lang="ru-RU" dirty="0" smtClean="0"/>
-              <a:t>Запросы с помощью </a:t>
+              <a:t>сервер на </a:t>
             </a:r>
             <a:r>
               <a:rPr lang="en-US" dirty="0" smtClean="0"/>
-              <a:t>curl</a:t>
+              <a:t>Flask</a:t>
             </a:r>
             <a:endParaRPr lang="ru-RU" dirty="0"/>
           </a:p>
@@ -2862,7 +3239,96 @@
           <p:cNvPr id="4" name="Текст 3">
             <a:extLst>
               <a:ext uri="{FF2B5EF4-FFF2-40B4-BE49-F238E27FC236}">
-                <a16:creationId xmlns:a16="http://schemas.microsoft.com/office/drawing/2014/main" xmlns="" id="{74C82C9C-F2A8-41A8-880B-73811E3EFC36}"/>
+                <a16:creationId xmlns:a16="http://schemas.microsoft.com/office/drawing/2014/main" id="{74C82C9C-F2A8-41A8-880B-73811E3EFC36}"/>
+              </a:ext>
+            </a:extLst>
+          </p:cNvPr>
+          <p:cNvSpPr>
+            <a:spLocks noGrp="1"/>
+          </p:cNvSpPr>
+          <p:nvPr>
+            <p:ph type="body" sz="quarter" idx="11"/>
+          </p:nvPr>
+        </p:nvSpPr>
+        <p:spPr>
+          <a:xfrm>
+            <a:off x="253096" y="6534445"/>
+            <a:ext cx="8602515" cy="323557"/>
+          </a:xfrm>
+        </p:spPr>
+        <p:txBody>
+          <a:bodyPr/>
+          <a:lstStyle/>
+          <a:p>
+            <a:endParaRPr lang="ru-RU" dirty="0"/>
+          </a:p>
+        </p:txBody>
+      </p:sp>
+    </p:spTree>
+    <p:extLst>
+      <p:ext uri="{BB962C8B-B14F-4D97-AF65-F5344CB8AC3E}">
+        <p14:creationId xmlns:p14="http://schemas.microsoft.com/office/powerpoint/2010/main" val="4162874310"/>
+      </p:ext>
+    </p:extLst>
+  </p:cSld>
+  <p:clrMapOvr>
+    <a:masterClrMapping/>
+  </p:clrMapOvr>
+</p:sld>
+</file>
+
+<file path=ppt/slides/slide13.xml><?xml version="1.0" encoding="utf-8"?>
+<p:sld xmlns:a="http://schemas.openxmlformats.org/drawingml/2006/main" xmlns:r="http://schemas.openxmlformats.org/officeDocument/2006/relationships" xmlns:p="http://schemas.openxmlformats.org/presentationml/2006/main">
+  <p:cSld>
+    <p:spTree>
+      <p:nvGrpSpPr>
+        <p:cNvPr id="1" name=""/>
+        <p:cNvGrpSpPr/>
+        <p:nvPr/>
+      </p:nvGrpSpPr>
+      <p:grpSpPr>
+        <a:xfrm>
+          <a:off x="0" y="0"/>
+          <a:ext cx="0" cy="0"/>
+          <a:chOff x="0" y="0"/>
+          <a:chExt cx="0" cy="0"/>
+        </a:xfrm>
+      </p:grpSpPr>
+      <p:sp>
+        <p:nvSpPr>
+          <p:cNvPr id="3" name="Заголовок 2"/>
+          <p:cNvSpPr>
+            <a:spLocks noGrp="1"/>
+          </p:cNvSpPr>
+          <p:nvPr>
+            <p:ph type="title"/>
+          </p:nvPr>
+        </p:nvSpPr>
+        <p:spPr/>
+        <p:txBody>
+          <a:bodyPr>
+            <a:normAutofit/>
+          </a:bodyPr>
+          <a:lstStyle/>
+          <a:p>
+            <a:r>
+              <a:rPr lang="ru-RU" dirty="0" smtClean="0"/>
+              <a:t>Запросы с помощью </a:t>
+            </a:r>
+            <a:r>
+              <a:rPr lang="en-US" dirty="0" smtClean="0"/>
+              <a:t>curl</a:t>
+            </a:r>
+            <a:endParaRPr lang="ru-RU" dirty="0"/>
+          </a:p>
+        </p:txBody>
+      </p:sp>
+      <p:sp>
+        <p:nvSpPr>
+          <p:cNvPr id="4" name="Текст 3">
+            <a:extLst>
+              <a:ext uri="{FF2B5EF4-FFF2-40B4-BE49-F238E27FC236}">
+                <a16:creationId xmlns:a16="http://schemas.microsoft.com/office/drawing/2014/main" id="{74C82C9C-F2A8-41A8-880B-73811E3EFC36}"/>
               </a:ext>
             </a:extLst>
           </p:cNvPr>
@@ -2934,7 +3400,11 @@
           <a:p>
             <a:r>
               <a:rPr lang="ru-RU" dirty="0" smtClean="0"/>
-              <a:t>Что такое интернет</a:t>
+              <a:t>Что такое </a:t>
+            </a:r>
+            <a:r>
+              <a:rPr lang="ru-RU" dirty="0" smtClean="0"/>
+              <a:t>интернет?</a:t>
             </a:r>
             <a:endParaRPr lang="ru-RU" dirty="0"/>
           </a:p>
@@ -2945,7 +3415,7 @@
           <p:cNvPr id="4" name="Текст 3">
             <a:extLst>
               <a:ext uri="{FF2B5EF4-FFF2-40B4-BE49-F238E27FC236}">
-                <a16:creationId xmlns:a16="http://schemas.microsoft.com/office/drawing/2014/main" xmlns="" id="{74C82C9C-F2A8-41A8-880B-73811E3EFC36}"/>
+                <a16:creationId xmlns:a16="http://schemas.microsoft.com/office/drawing/2014/main" id="{74C82C9C-F2A8-41A8-880B-73811E3EFC36}"/>
               </a:ext>
             </a:extLst>
           </p:cNvPr>
@@ -2958,15 +3428,221 @@
         </p:nvSpPr>
         <p:spPr>
           <a:xfrm>
-            <a:off x="253096" y="6534445"/>
-            <a:ext cx="8602515" cy="323557"/>
+            <a:off x="253096" y="1332411"/>
+            <a:ext cx="8333555" cy="4763589"/>
           </a:xfrm>
         </p:spPr>
         <p:txBody>
-          <a:bodyPr/>
+          <a:bodyPr anchor="t">
+            <a:normAutofit/>
+          </a:bodyPr>
           <a:lstStyle/>
           <a:p>
-            <a:endParaRPr lang="ru-RU" dirty="0"/>
+            <a:r>
+              <a:rPr lang="ru-RU" sz="1600" dirty="0" smtClean="0">
+                <a:solidFill>
+                  <a:schemeClr val="tx1"/>
+                </a:solidFill>
+                <a:latin typeface="Times New Roman" panose="02020603050405020304" pitchFamily="18" charset="0"/>
+                <a:cs typeface="Times New Roman" panose="02020603050405020304" pitchFamily="18" charset="0"/>
+              </a:rPr>
+              <a:t>Интернет – это глобальная сеть передачи данных.</a:t>
+            </a:r>
+          </a:p>
+          <a:p>
+            <a:endParaRPr lang="ru-RU" sz="1600" dirty="0" smtClean="0">
+              <a:solidFill>
+                <a:schemeClr val="tx1"/>
+              </a:solidFill>
+              <a:latin typeface="Times New Roman" panose="02020603050405020304" pitchFamily="18" charset="0"/>
+              <a:cs typeface="Times New Roman" panose="02020603050405020304" pitchFamily="18" charset="0"/>
+            </a:endParaRPr>
+          </a:p>
+          <a:p>
+            <a:r>
+              <a:rPr lang="ru-RU" sz="1600" dirty="0" smtClean="0">
+                <a:solidFill>
+                  <a:schemeClr val="tx1"/>
+                </a:solidFill>
+                <a:latin typeface="Times New Roman" panose="02020603050405020304" pitchFamily="18" charset="0"/>
+                <a:cs typeface="Times New Roman" panose="02020603050405020304" pitchFamily="18" charset="0"/>
+              </a:rPr>
+              <a:t>Интернет позволяет передавать любые виды данных:</a:t>
+            </a:r>
+          </a:p>
+          <a:p>
+            <a:pPr>
+              <a:buFont typeface="Arial" panose="020B0604020202020204" pitchFamily="34" charset="0"/>
+              <a:buChar char="•"/>
+            </a:pPr>
+            <a:r>
+              <a:rPr lang="ru-RU" sz="1600" dirty="0" smtClean="0">
+                <a:solidFill>
+                  <a:schemeClr val="tx1"/>
+                </a:solidFill>
+                <a:latin typeface="Times New Roman" panose="02020603050405020304" pitchFamily="18" charset="0"/>
+                <a:cs typeface="Times New Roman" panose="02020603050405020304" pitchFamily="18" charset="0"/>
+              </a:rPr>
+              <a:t>текст,</a:t>
+            </a:r>
+          </a:p>
+          <a:p>
+            <a:pPr>
+              <a:buFont typeface="Arial" panose="020B0604020202020204" pitchFamily="34" charset="0"/>
+              <a:buChar char="•"/>
+            </a:pPr>
+            <a:r>
+              <a:rPr lang="ru-RU" sz="1600" dirty="0" smtClean="0">
+                <a:solidFill>
+                  <a:schemeClr val="tx1"/>
+                </a:solidFill>
+                <a:latin typeface="Times New Roman" panose="02020603050405020304" pitchFamily="18" charset="0"/>
+                <a:cs typeface="Times New Roman" panose="02020603050405020304" pitchFamily="18" charset="0"/>
+              </a:rPr>
+              <a:t>видео,</a:t>
+            </a:r>
+          </a:p>
+          <a:p>
+            <a:pPr>
+              <a:buFont typeface="Arial" panose="020B0604020202020204" pitchFamily="34" charset="0"/>
+              <a:buChar char="•"/>
+            </a:pPr>
+            <a:r>
+              <a:rPr lang="ru-RU" sz="1600" dirty="0" smtClean="0">
+                <a:solidFill>
+                  <a:schemeClr val="tx1"/>
+                </a:solidFill>
+                <a:latin typeface="Times New Roman" panose="02020603050405020304" pitchFamily="18" charset="0"/>
+                <a:cs typeface="Times New Roman" panose="02020603050405020304" pitchFamily="18" charset="0"/>
+              </a:rPr>
+              <a:t>изображения,</a:t>
+            </a:r>
+          </a:p>
+          <a:p>
+            <a:pPr>
+              <a:buFont typeface="Arial" panose="020B0604020202020204" pitchFamily="34" charset="0"/>
+              <a:buChar char="•"/>
+            </a:pPr>
+            <a:r>
+              <a:rPr lang="ru-RU" sz="1600" dirty="0" smtClean="0">
+                <a:solidFill>
+                  <a:schemeClr val="tx1"/>
+                </a:solidFill>
+                <a:latin typeface="Times New Roman" panose="02020603050405020304" pitchFamily="18" charset="0"/>
+                <a:cs typeface="Times New Roman" panose="02020603050405020304" pitchFamily="18" charset="0"/>
+              </a:rPr>
+              <a:t>аудио, </a:t>
+            </a:r>
+          </a:p>
+          <a:p>
+            <a:pPr>
+              <a:buFont typeface="Arial" panose="020B0604020202020204" pitchFamily="34" charset="0"/>
+              <a:buChar char="•"/>
+            </a:pPr>
+            <a:r>
+              <a:rPr lang="ru-RU" sz="1600" dirty="0" smtClean="0">
+                <a:solidFill>
+                  <a:schemeClr val="tx1"/>
+                </a:solidFill>
+                <a:latin typeface="Times New Roman" panose="02020603050405020304" pitchFamily="18" charset="0"/>
+                <a:cs typeface="Times New Roman" panose="02020603050405020304" pitchFamily="18" charset="0"/>
+              </a:rPr>
+              <a:t>файл,</a:t>
+            </a:r>
+          </a:p>
+          <a:p>
+            <a:pPr>
+              <a:buFont typeface="Arial" panose="020B0604020202020204" pitchFamily="34" charset="0"/>
+              <a:buChar char="•"/>
+            </a:pPr>
+            <a:r>
+              <a:rPr lang="ru-RU" sz="1600" dirty="0" smtClean="0">
+                <a:solidFill>
+                  <a:schemeClr val="tx1"/>
+                </a:solidFill>
+                <a:latin typeface="Times New Roman" panose="02020603050405020304" pitchFamily="18" charset="0"/>
+                <a:cs typeface="Times New Roman" panose="02020603050405020304" pitchFamily="18" charset="0"/>
+              </a:rPr>
+              <a:t>отдельные байты </a:t>
+            </a:r>
+          </a:p>
+          <a:p>
+            <a:pPr>
+              <a:buFont typeface="Arial" panose="020B0604020202020204" pitchFamily="34" charset="0"/>
+              <a:buChar char="•"/>
+            </a:pPr>
+            <a:r>
+              <a:rPr lang="ru-RU" sz="1600" dirty="0">
+                <a:solidFill>
+                  <a:schemeClr val="tx1"/>
+                </a:solidFill>
+                <a:latin typeface="Times New Roman" panose="02020603050405020304" pitchFamily="18" charset="0"/>
+                <a:cs typeface="Times New Roman" panose="02020603050405020304" pitchFamily="18" charset="0"/>
+              </a:rPr>
+              <a:t>и</a:t>
+            </a:r>
+            <a:r>
+              <a:rPr lang="ru-RU" sz="1600" dirty="0" smtClean="0">
+                <a:solidFill>
+                  <a:schemeClr val="tx1"/>
+                </a:solidFill>
+                <a:latin typeface="Times New Roman" panose="02020603050405020304" pitchFamily="18" charset="0"/>
+                <a:cs typeface="Times New Roman" panose="02020603050405020304" pitchFamily="18" charset="0"/>
+              </a:rPr>
+              <a:t> т.д.</a:t>
+            </a:r>
+            <a:r>
+              <a:rPr lang="ru-RU" sz="1600" dirty="0" smtClean="0">
+                <a:solidFill>
+                  <a:schemeClr val="tx1"/>
+                </a:solidFill>
+                <a:latin typeface="Times New Roman" panose="02020603050405020304" pitchFamily="18" charset="0"/>
+                <a:cs typeface="Times New Roman" panose="02020603050405020304" pitchFamily="18" charset="0"/>
+              </a:rPr>
+              <a:t> </a:t>
+            </a:r>
+          </a:p>
+          <a:p>
+            <a:pPr indent="0"/>
+            <a:endParaRPr lang="ru-RU" sz="1600" dirty="0" smtClean="0">
+              <a:solidFill>
+                <a:schemeClr val="tx1"/>
+              </a:solidFill>
+              <a:latin typeface="Times New Roman" panose="02020603050405020304" pitchFamily="18" charset="0"/>
+              <a:cs typeface="Times New Roman" panose="02020603050405020304" pitchFamily="18" charset="0"/>
+            </a:endParaRPr>
+          </a:p>
+          <a:p>
+            <a:r>
+              <a:rPr lang="ru-RU" sz="1600" dirty="0" smtClean="0">
+                <a:solidFill>
+                  <a:schemeClr val="tx1"/>
+                </a:solidFill>
+                <a:latin typeface="Times New Roman" panose="02020603050405020304" pitchFamily="18" charset="0"/>
+                <a:cs typeface="Times New Roman" panose="02020603050405020304" pitchFamily="18" charset="0"/>
+              </a:rPr>
+              <a:t>Интернет – это </a:t>
+            </a:r>
+            <a:r>
+              <a:rPr lang="ru-RU" sz="1600" b="1" dirty="0" smtClean="0">
+                <a:solidFill>
+                  <a:schemeClr val="tx1"/>
+                </a:solidFill>
+                <a:latin typeface="Times New Roman" panose="02020603050405020304" pitchFamily="18" charset="0"/>
+                <a:cs typeface="Times New Roman" panose="02020603050405020304" pitchFamily="18" charset="0"/>
+              </a:rPr>
+              <a:t>среда</a:t>
+            </a:r>
+            <a:r>
+              <a:rPr lang="ru-RU" sz="1600" dirty="0" smtClean="0">
+                <a:solidFill>
+                  <a:schemeClr val="tx1"/>
+                </a:solidFill>
+                <a:latin typeface="Times New Roman" panose="02020603050405020304" pitchFamily="18" charset="0"/>
+                <a:cs typeface="Times New Roman" panose="02020603050405020304" pitchFamily="18" charset="0"/>
+              </a:rPr>
+              <a:t> для передачи данных.</a:t>
+            </a:r>
           </a:p>
         </p:txBody>
       </p:sp>
@@ -2980,6 +3656,13 @@
   <p:clrMapOvr>
     <a:masterClrMapping/>
   </p:clrMapOvr>
+  <p:timing>
+    <p:tnLst>
+      <p:par>
+        <p:cTn id="1" dur="indefinite" restart="never" nodeType="tmRoot"/>
+      </p:par>
+    </p:tnLst>
+  </p:timing>
 </p:sld>
 </file>
 
@@ -3023,6 +3706,10 @@
               <a:rPr lang="en-US" dirty="0" smtClean="0"/>
               <a:t>WWW</a:t>
             </a:r>
+            <a:r>
+              <a:rPr lang="ru-RU" dirty="0" smtClean="0"/>
+              <a:t>?</a:t>
+            </a:r>
             <a:endParaRPr lang="ru-RU" dirty="0"/>
           </a:p>
         </p:txBody>
@@ -3032,7 +3719,7 @@
           <p:cNvPr id="4" name="Текст 3">
             <a:extLst>
               <a:ext uri="{FF2B5EF4-FFF2-40B4-BE49-F238E27FC236}">
-                <a16:creationId xmlns:a16="http://schemas.microsoft.com/office/drawing/2014/main" xmlns="" id="{74C82C9C-F2A8-41A8-880B-73811E3EFC36}"/>
+                <a16:creationId xmlns:a16="http://schemas.microsoft.com/office/drawing/2014/main" id="{74C82C9C-F2A8-41A8-880B-73811E3EFC36}"/>
               </a:ext>
             </a:extLst>
           </p:cNvPr>
@@ -3045,28 +3732,406 @@
         </p:nvSpPr>
         <p:spPr>
           <a:xfrm>
-            <a:off x="253096" y="6534445"/>
-            <a:ext cx="8602515" cy="323557"/>
+            <a:off x="253096" y="1332411"/>
+            <a:ext cx="8333555" cy="4763589"/>
           </a:xfrm>
         </p:spPr>
         <p:txBody>
-          <a:bodyPr/>
+          <a:bodyPr anchor="t">
+            <a:normAutofit fontScale="92500" lnSpcReduction="20000"/>
+          </a:bodyPr>
           <a:lstStyle/>
           <a:p>
-            <a:endParaRPr lang="ru-RU" dirty="0"/>
+            <a:r>
+              <a:rPr lang="ru-RU" sz="1600" dirty="0">
+                <a:solidFill>
+                  <a:schemeClr val="tx1"/>
+                </a:solidFill>
+                <a:latin typeface="Times New Roman" panose="02020603050405020304" pitchFamily="18" charset="0"/>
+                <a:cs typeface="Times New Roman" panose="02020603050405020304" pitchFamily="18" charset="0"/>
+              </a:rPr>
+              <a:t>Что же такое </a:t>
+            </a:r>
+            <a:r>
+              <a:rPr lang="en-US" sz="1600" dirty="0">
+                <a:solidFill>
+                  <a:schemeClr val="tx1"/>
+                </a:solidFill>
+                <a:latin typeface="Times New Roman" panose="02020603050405020304" pitchFamily="18" charset="0"/>
+                <a:cs typeface="Times New Roman" panose="02020603050405020304" pitchFamily="18" charset="0"/>
+              </a:rPr>
+              <a:t>WWW</a:t>
+            </a:r>
+            <a:r>
+              <a:rPr lang="ru-RU" sz="1600" dirty="0">
+                <a:solidFill>
+                  <a:schemeClr val="tx1"/>
+                </a:solidFill>
+                <a:latin typeface="Times New Roman" panose="02020603050405020304" pitchFamily="18" charset="0"/>
+                <a:cs typeface="Times New Roman" panose="02020603050405020304" pitchFamily="18" charset="0"/>
+              </a:rPr>
+              <a:t>? </a:t>
+            </a:r>
+            <a:r>
+              <a:rPr lang="en-US" sz="1600" dirty="0">
+                <a:solidFill>
+                  <a:schemeClr val="tx1"/>
+                </a:solidFill>
+                <a:latin typeface="Times New Roman" panose="02020603050405020304" pitchFamily="18" charset="0"/>
+                <a:cs typeface="Times New Roman" panose="02020603050405020304" pitchFamily="18" charset="0"/>
+              </a:rPr>
+              <a:t>WWW</a:t>
+            </a:r>
+            <a:r>
+              <a:rPr lang="ru-RU" sz="1600" dirty="0">
+                <a:solidFill>
+                  <a:schemeClr val="tx1"/>
+                </a:solidFill>
+                <a:latin typeface="Times New Roman" panose="02020603050405020304" pitchFamily="18" charset="0"/>
+                <a:cs typeface="Times New Roman" panose="02020603050405020304" pitchFamily="18" charset="0"/>
+              </a:rPr>
+              <a:t> – это сеть которая работает, условно, поверх интернета. Это один из частных случаев применения сети интернет. Она состоит из документов.  </a:t>
+            </a:r>
+            <a:r>
+              <a:rPr lang="en-US" sz="1600" dirty="0">
+                <a:solidFill>
+                  <a:schemeClr val="tx1"/>
+                </a:solidFill>
+                <a:latin typeface="Times New Roman" panose="02020603050405020304" pitchFamily="18" charset="0"/>
+                <a:cs typeface="Times New Roman" panose="02020603050405020304" pitchFamily="18" charset="0"/>
+              </a:rPr>
+              <a:t>WWW</a:t>
+            </a:r>
+            <a:r>
+              <a:rPr lang="ru-RU" sz="1600" dirty="0">
+                <a:solidFill>
+                  <a:schemeClr val="tx1"/>
+                </a:solidFill>
+                <a:latin typeface="Times New Roman" panose="02020603050405020304" pitchFamily="18" charset="0"/>
+                <a:cs typeface="Times New Roman" panose="02020603050405020304" pitchFamily="18" charset="0"/>
+              </a:rPr>
+              <a:t> – это множество взаимосвязанных документов, которые находятся на различных компьютерах в сети Интернет. Это не только само множество документов но и правила и алгоритмы передачи этих документов по сети, с одной машины, на другую.</a:t>
+            </a:r>
+          </a:p>
+          <a:p>
+            <a:r>
+              <a:rPr lang="ru-RU" sz="1600" dirty="0">
+                <a:solidFill>
+                  <a:schemeClr val="tx1"/>
+                </a:solidFill>
+                <a:latin typeface="Times New Roman" panose="02020603050405020304" pitchFamily="18" charset="0"/>
+                <a:cs typeface="Times New Roman" panose="02020603050405020304" pitchFamily="18" charset="0"/>
+              </a:rPr>
+              <a:t>Что значит взаимосвязанных – это значит что документы ссылаются друг на друга. Ссылаются посредством ссылок, которые называются гиперссылками</a:t>
+            </a:r>
+            <a:r>
+              <a:rPr lang="ru-RU" sz="1600" dirty="0" smtClean="0">
+                <a:solidFill>
+                  <a:schemeClr val="tx1"/>
+                </a:solidFill>
+                <a:latin typeface="Times New Roman" panose="02020603050405020304" pitchFamily="18" charset="0"/>
+                <a:cs typeface="Times New Roman" panose="02020603050405020304" pitchFamily="18" charset="0"/>
+              </a:rPr>
+              <a:t>.</a:t>
+            </a:r>
+          </a:p>
+          <a:p>
+            <a:r>
+              <a:rPr lang="ru-RU" sz="1600" dirty="0" smtClean="0">
+                <a:solidFill>
+                  <a:schemeClr val="tx1"/>
+                </a:solidFill>
+                <a:latin typeface="Times New Roman" panose="02020603050405020304" pitchFamily="18" charset="0"/>
+                <a:cs typeface="Times New Roman" panose="02020603050405020304" pitchFamily="18" charset="0"/>
+              </a:rPr>
+              <a:t>Есть разные документы, они лежат на разных сайтах и ссылаются друг на друга посредством </a:t>
+            </a:r>
+            <a:r>
+              <a:rPr lang="ru-RU" sz="1600" dirty="0" smtClean="0">
+                <a:solidFill>
+                  <a:schemeClr val="tx1"/>
+                </a:solidFill>
+                <a:latin typeface="Times New Roman" panose="02020603050405020304" pitchFamily="18" charset="0"/>
+                <a:cs typeface="Times New Roman" panose="02020603050405020304" pitchFamily="18" charset="0"/>
+                <a:hlinkClick r:id="rId2"/>
+              </a:rPr>
+              <a:t>гиперссылок</a:t>
+            </a:r>
+            <a:r>
+              <a:rPr lang="ru-RU" sz="1600" dirty="0" smtClean="0">
+                <a:solidFill>
+                  <a:schemeClr val="tx1"/>
+                </a:solidFill>
+                <a:latin typeface="Times New Roman" panose="02020603050405020304" pitchFamily="18" charset="0"/>
+                <a:cs typeface="Times New Roman" panose="02020603050405020304" pitchFamily="18" charset="0"/>
+              </a:rPr>
+              <a:t>. *Щелкнуть по ссылке пройти на вики* Ссылки могут ссылаться как на документы лежащие на одном сайте *На страничке есть статья про </a:t>
+            </a:r>
+            <a:r>
+              <a:rPr lang="ru-RU" sz="1600" dirty="0" err="1" smtClean="0">
+                <a:solidFill>
+                  <a:schemeClr val="tx1"/>
+                </a:solidFill>
+                <a:latin typeface="Times New Roman" panose="02020603050405020304" pitchFamily="18" charset="0"/>
+                <a:cs typeface="Times New Roman" panose="02020603050405020304" pitchFamily="18" charset="0"/>
+              </a:rPr>
+              <a:t>троллинг</a:t>
+            </a:r>
+            <a:r>
+              <a:rPr lang="ru-RU" sz="1600" dirty="0" smtClean="0">
+                <a:solidFill>
+                  <a:schemeClr val="tx1"/>
+                </a:solidFill>
+                <a:latin typeface="Times New Roman" panose="02020603050405020304" pitchFamily="18" charset="0"/>
+                <a:cs typeface="Times New Roman" panose="02020603050405020304" pitchFamily="18" charset="0"/>
+              </a:rPr>
+              <a:t>*, так и на разных сайтах *Уйти на другой сайт по ссылке*. </a:t>
+            </a:r>
+          </a:p>
+          <a:p>
+            <a:r>
+              <a:rPr lang="ru-RU" sz="1600" dirty="0">
+                <a:solidFill>
+                  <a:schemeClr val="tx1"/>
+                </a:solidFill>
+                <a:latin typeface="Times New Roman" panose="02020603050405020304" pitchFamily="18" charset="0"/>
+                <a:cs typeface="Times New Roman" panose="02020603050405020304" pitchFamily="18" charset="0"/>
+              </a:rPr>
+              <a:t>В системе </a:t>
+            </a:r>
+            <a:r>
+              <a:rPr lang="en-US" sz="1600" dirty="0">
+                <a:solidFill>
+                  <a:schemeClr val="tx1"/>
+                </a:solidFill>
+                <a:latin typeface="Times New Roman" panose="02020603050405020304" pitchFamily="18" charset="0"/>
+                <a:cs typeface="Times New Roman" panose="02020603050405020304" pitchFamily="18" charset="0"/>
+              </a:rPr>
+              <a:t>WWW</a:t>
+            </a:r>
+            <a:r>
+              <a:rPr lang="ru-RU" sz="1600" dirty="0">
+                <a:solidFill>
+                  <a:schemeClr val="tx1"/>
+                </a:solidFill>
+                <a:latin typeface="Times New Roman" panose="02020603050405020304" pitchFamily="18" charset="0"/>
+                <a:cs typeface="Times New Roman" panose="02020603050405020304" pitchFamily="18" charset="0"/>
+              </a:rPr>
+              <a:t> помимо гипертекстовых документов (</a:t>
+            </a:r>
+            <a:r>
+              <a:rPr lang="ru-RU" sz="1600" dirty="0" err="1">
+                <a:solidFill>
+                  <a:schemeClr val="tx1"/>
+                </a:solidFill>
+                <a:latin typeface="Times New Roman" panose="02020603050405020304" pitchFamily="18" charset="0"/>
+                <a:cs typeface="Times New Roman" panose="02020603050405020304" pitchFamily="18" charset="0"/>
+              </a:rPr>
+              <a:t>хтмл</a:t>
+            </a:r>
+            <a:r>
+              <a:rPr lang="ru-RU" sz="1600" dirty="0">
+                <a:solidFill>
+                  <a:schemeClr val="tx1"/>
+                </a:solidFill>
+                <a:latin typeface="Times New Roman" panose="02020603050405020304" pitchFamily="18" charset="0"/>
+                <a:cs typeface="Times New Roman" panose="02020603050405020304" pitchFamily="18" charset="0"/>
+              </a:rPr>
+              <a:t> файлов), есть огромное количество других документов: изображения, стили (</a:t>
+            </a:r>
+            <a:r>
+              <a:rPr lang="ru-RU" sz="1600" dirty="0" err="1">
+                <a:solidFill>
+                  <a:schemeClr val="tx1"/>
+                </a:solidFill>
+                <a:latin typeface="Times New Roman" panose="02020603050405020304" pitchFamily="18" charset="0"/>
+                <a:cs typeface="Times New Roman" panose="02020603050405020304" pitchFamily="18" charset="0"/>
+              </a:rPr>
+              <a:t>сиэсэс</a:t>
+            </a:r>
+            <a:r>
+              <a:rPr lang="ru-RU" sz="1600" dirty="0">
+                <a:solidFill>
+                  <a:schemeClr val="tx1"/>
+                </a:solidFill>
+                <a:latin typeface="Times New Roman" panose="02020603050405020304" pitchFamily="18" charset="0"/>
+                <a:cs typeface="Times New Roman" panose="02020603050405020304" pitchFamily="18" charset="0"/>
+              </a:rPr>
+              <a:t> файлы), </a:t>
+            </a:r>
+            <a:r>
+              <a:rPr lang="ru-RU" sz="1600" dirty="0" err="1">
+                <a:solidFill>
+                  <a:schemeClr val="tx1"/>
+                </a:solidFill>
+                <a:latin typeface="Times New Roman" panose="02020603050405020304" pitchFamily="18" charset="0"/>
+                <a:cs typeface="Times New Roman" panose="02020603050405020304" pitchFamily="18" charset="0"/>
+              </a:rPr>
+              <a:t>джава</a:t>
+            </a:r>
+            <a:r>
+              <a:rPr lang="ru-RU" sz="1600" dirty="0">
+                <a:solidFill>
+                  <a:schemeClr val="tx1"/>
+                </a:solidFill>
+                <a:latin typeface="Times New Roman" panose="02020603050405020304" pitchFamily="18" charset="0"/>
+                <a:cs typeface="Times New Roman" panose="02020603050405020304" pitchFamily="18" charset="0"/>
+              </a:rPr>
+              <a:t> </a:t>
+            </a:r>
+            <a:r>
+              <a:rPr lang="ru-RU" sz="1600" dirty="0" err="1">
+                <a:solidFill>
+                  <a:schemeClr val="tx1"/>
+                </a:solidFill>
+                <a:latin typeface="Times New Roman" panose="02020603050405020304" pitchFamily="18" charset="0"/>
+                <a:cs typeface="Times New Roman" panose="02020603050405020304" pitchFamily="18" charset="0"/>
+              </a:rPr>
+              <a:t>срипт</a:t>
+            </a:r>
+            <a:r>
+              <a:rPr lang="ru-RU" sz="1600" dirty="0">
+                <a:solidFill>
+                  <a:schemeClr val="tx1"/>
+                </a:solidFill>
+                <a:latin typeface="Times New Roman" panose="02020603050405020304" pitchFamily="18" charset="0"/>
+                <a:cs typeface="Times New Roman" panose="02020603050405020304" pitchFamily="18" charset="0"/>
+              </a:rPr>
+              <a:t> для оживления </a:t>
+            </a:r>
+            <a:r>
+              <a:rPr lang="ru-RU" sz="1600" dirty="0" err="1">
+                <a:solidFill>
+                  <a:schemeClr val="tx1"/>
+                </a:solidFill>
+                <a:latin typeface="Times New Roman" panose="02020603050405020304" pitchFamily="18" charset="0"/>
+                <a:cs typeface="Times New Roman" panose="02020603050405020304" pitchFamily="18" charset="0"/>
+              </a:rPr>
+              <a:t>хтмл</a:t>
+            </a:r>
+            <a:r>
+              <a:rPr lang="ru-RU" sz="1600" dirty="0">
+                <a:solidFill>
+                  <a:schemeClr val="tx1"/>
+                </a:solidFill>
+                <a:latin typeface="Times New Roman" panose="02020603050405020304" pitchFamily="18" charset="0"/>
+                <a:cs typeface="Times New Roman" panose="02020603050405020304" pitchFamily="18" charset="0"/>
+              </a:rPr>
+              <a:t> документа.</a:t>
+            </a:r>
+          </a:p>
+          <a:p>
+            <a:r>
+              <a:rPr lang="ru-RU" sz="1600" dirty="0" smtClean="0">
+                <a:solidFill>
+                  <a:schemeClr val="tx1"/>
+                </a:solidFill>
+                <a:latin typeface="Times New Roman" panose="02020603050405020304" pitchFamily="18" charset="0"/>
+                <a:cs typeface="Times New Roman" panose="02020603050405020304" pitchFamily="18" charset="0"/>
+              </a:rPr>
+              <a:t>Эти документы могут загружаться совместно с загрузкой основного (</a:t>
+            </a:r>
+            <a:r>
+              <a:rPr lang="ru-RU" sz="1600" dirty="0" err="1" smtClean="0">
+                <a:solidFill>
+                  <a:schemeClr val="tx1"/>
+                </a:solidFill>
+                <a:latin typeface="Times New Roman" panose="02020603050405020304" pitchFamily="18" charset="0"/>
+                <a:cs typeface="Times New Roman" panose="02020603050405020304" pitchFamily="18" charset="0"/>
+              </a:rPr>
+              <a:t>хтмл</a:t>
+            </a:r>
+            <a:r>
+              <a:rPr lang="ru-RU" sz="1600" dirty="0" smtClean="0">
+                <a:solidFill>
+                  <a:schemeClr val="tx1"/>
+                </a:solidFill>
+                <a:latin typeface="Times New Roman" panose="02020603050405020304" pitchFamily="18" charset="0"/>
+                <a:cs typeface="Times New Roman" panose="02020603050405020304" pitchFamily="18" charset="0"/>
+              </a:rPr>
+              <a:t> документа). Вы видите загружались так же картинки на вики, как </a:t>
+            </a:r>
+            <a:r>
+              <a:rPr lang="ru-RU" sz="1600" dirty="0" err="1" smtClean="0">
+                <a:solidFill>
+                  <a:schemeClr val="tx1"/>
+                </a:solidFill>
+                <a:latin typeface="Times New Roman" panose="02020603050405020304" pitchFamily="18" charset="0"/>
+                <a:cs typeface="Times New Roman" panose="02020603050405020304" pitchFamily="18" charset="0"/>
+              </a:rPr>
+              <a:t>поялялось</a:t>
+            </a:r>
+            <a:r>
+              <a:rPr lang="ru-RU" sz="1600" dirty="0" smtClean="0">
+                <a:solidFill>
+                  <a:schemeClr val="tx1"/>
+                </a:solidFill>
+                <a:latin typeface="Times New Roman" panose="02020603050405020304" pitchFamily="18" charset="0"/>
+                <a:cs typeface="Times New Roman" panose="02020603050405020304" pitchFamily="18" charset="0"/>
+              </a:rPr>
+              <a:t> окошко при наведении на ссылку – это сработал </a:t>
+            </a:r>
+            <a:r>
+              <a:rPr lang="ru-RU" sz="1600" dirty="0" err="1" smtClean="0">
+                <a:solidFill>
+                  <a:schemeClr val="tx1"/>
+                </a:solidFill>
+                <a:latin typeface="Times New Roman" panose="02020603050405020304" pitchFamily="18" charset="0"/>
+                <a:cs typeface="Times New Roman" panose="02020603050405020304" pitchFamily="18" charset="0"/>
+              </a:rPr>
+              <a:t>джава</a:t>
+            </a:r>
+            <a:r>
+              <a:rPr lang="ru-RU" sz="1600" dirty="0" smtClean="0">
+                <a:solidFill>
+                  <a:schemeClr val="tx1"/>
+                </a:solidFill>
+                <a:latin typeface="Times New Roman" panose="02020603050405020304" pitchFamily="18" charset="0"/>
+                <a:cs typeface="Times New Roman" panose="02020603050405020304" pitchFamily="18" charset="0"/>
+              </a:rPr>
+              <a:t> скрипт.</a:t>
+            </a:r>
+          </a:p>
+          <a:p>
+            <a:r>
+              <a:rPr lang="ru-RU" sz="1600" dirty="0" smtClean="0">
+                <a:solidFill>
+                  <a:schemeClr val="tx1"/>
+                </a:solidFill>
+                <a:latin typeface="Times New Roman" panose="02020603050405020304" pitchFamily="18" charset="0"/>
+                <a:cs typeface="Times New Roman" panose="02020603050405020304" pitchFamily="18" charset="0"/>
+              </a:rPr>
+              <a:t>Изначально ВВВ задумывалась как система документации, предполагалось, что это система для научного сообщества. Люди могли публиковать результаты своих исследований и ссылаться друг на друга. В научном сообществе ссылки – это неотъемлемая часть научных работ, и ссылки очень важны. Со временем эта идея сильно переросла научное сообщество и стало намного шире. И получилось что получилось.</a:t>
+            </a:r>
+          </a:p>
+          <a:p>
+            <a:endParaRPr lang="ru-RU" sz="1600" dirty="0">
+              <a:solidFill>
+                <a:schemeClr val="tx1"/>
+              </a:solidFill>
+              <a:latin typeface="Times New Roman" panose="02020603050405020304" pitchFamily="18" charset="0"/>
+              <a:cs typeface="Times New Roman" panose="02020603050405020304" pitchFamily="18" charset="0"/>
+            </a:endParaRPr>
           </a:p>
         </p:txBody>
       </p:sp>
     </p:spTree>
     <p:extLst>
       <p:ext uri="{BB962C8B-B14F-4D97-AF65-F5344CB8AC3E}">
-        <p14:creationId xmlns:p14="http://schemas.microsoft.com/office/powerpoint/2010/main" val="1068888487"/>
+        <p14:creationId xmlns:p14="http://schemas.microsoft.com/office/powerpoint/2010/main" val="3508205850"/>
       </p:ext>
     </p:extLst>
   </p:cSld>
   <p:clrMapOvr>
     <a:masterClrMapping/>
   </p:clrMapOvr>
+  <p:timing>
+    <p:tnLst>
+      <p:par>
+        <p:cTn id="1" dur="indefinite" restart="never" nodeType="tmRoot"/>
+      </p:par>
+    </p:tnLst>
+  </p:timing>
 </p:sld>
 </file>
 
@@ -3115,7 +4180,7 @@
           <p:cNvPr id="4" name="Текст 3">
             <a:extLst>
               <a:ext uri="{FF2B5EF4-FFF2-40B4-BE49-F238E27FC236}">
-                <a16:creationId xmlns:a16="http://schemas.microsoft.com/office/drawing/2014/main" xmlns="" id="{74C82C9C-F2A8-41A8-880B-73811E3EFC36}"/>
+                <a16:creationId xmlns:a16="http://schemas.microsoft.com/office/drawing/2014/main" id="{74C82C9C-F2A8-41A8-880B-73811E3EFC36}"/>
               </a:ext>
             </a:extLst>
           </p:cNvPr>
@@ -3140,6 +4205,587 @@
           </a:p>
         </p:txBody>
       </p:sp>
+      <p:sp>
+        <p:nvSpPr>
+          <p:cNvPr id="5" name="Текст 3">
+            <a:extLst>
+              <a:ext uri="{FF2B5EF4-FFF2-40B4-BE49-F238E27FC236}">
+                <a16:creationId xmlns:a16="http://schemas.microsoft.com/office/drawing/2014/main" id="{74C82C9C-F2A8-41A8-880B-73811E3EFC36}"/>
+              </a:ext>
+            </a:extLst>
+          </p:cNvPr>
+          <p:cNvSpPr txBox="1">
+            <a:spLocks/>
+          </p:cNvSpPr>
+          <p:nvPr/>
+        </p:nvSpPr>
+        <p:spPr bwMode="auto">
+          <a:xfrm>
+            <a:off x="253096" y="1332411"/>
+            <a:ext cx="8333555" cy="4763589"/>
+          </a:xfrm>
+          <a:prstGeom prst="rect">
+            <a:avLst/>
+          </a:prstGeom>
+          <a:noFill/>
+          <a:ln>
+            <a:noFill/>
+          </a:ln>
+          <a:extLst>
+            <a:ext uri="{909E8E84-426E-40DD-AFC4-6F175D3DCCD1}">
+              <a14:hiddenFill xmlns:a14="http://schemas.microsoft.com/office/drawing/2010/main">
+                <a:solidFill>
+                  <a:srgbClr val="FFFFFF"/>
+                </a:solidFill>
+              </a14:hiddenFill>
+            </a:ext>
+            <a:ext uri="{91240B29-F687-4F45-9708-019B960494DF}">
+              <a14:hiddenLine xmlns:a14="http://schemas.microsoft.com/office/drawing/2010/main" w="9525">
+                <a:solidFill>
+                  <a:srgbClr val="000000"/>
+                </a:solidFill>
+                <a:miter lim="800000"/>
+                <a:headEnd/>
+                <a:tailEnd/>
+              </a14:hiddenLine>
+            </a:ext>
+          </a:extLst>
+        </p:spPr>
+        <p:txBody>
+          <a:bodyPr vert="horz" wrap="square" lIns="91440" tIns="45720" rIns="91440" bIns="45720" numCol="1" anchor="t" anchorCtr="0" compatLnSpc="1">
+            <a:prstTxWarp prst="textNoShape">
+              <a:avLst/>
+            </a:prstTxWarp>
+            <a:normAutofit/>
+          </a:bodyPr>
+          <a:lstStyle>
+            <a:lvl1pPr marL="0" marR="0" indent="-342900" algn="l" defTabSz="180000" rtl="0" eaLnBrk="1" fontAlgn="auto" latinLnBrk="0" hangingPunct="1">
+              <a:lnSpc>
+                <a:spcPct val="100000"/>
+              </a:lnSpc>
+              <a:spcBef>
+                <a:spcPct val="20000"/>
+              </a:spcBef>
+              <a:spcAft>
+                <a:spcPts val="0"/>
+              </a:spcAft>
+              <a:buClrTx/>
+              <a:buSzTx/>
+              <a:buFont typeface="Arial" pitchFamily="34" charset="0"/>
+              <a:buNone/>
+              <a:tabLst/>
+              <a:defRPr sz="900" kern="1200">
+                <a:solidFill>
+                  <a:schemeClr val="tx1">
+                    <a:lumMod val="50000"/>
+                    <a:lumOff val="50000"/>
+                  </a:schemeClr>
+                </a:solidFill>
+                <a:latin typeface="Arial" pitchFamily="34" charset="0"/>
+                <a:ea typeface="+mn-ea"/>
+                <a:cs typeface="Arial" pitchFamily="34" charset="0"/>
+              </a:defRPr>
+            </a:lvl1pPr>
+            <a:lvl2pPr marL="742950" indent="-285750" algn="l" rtl="0" eaLnBrk="0" fontAlgn="base" hangingPunct="0">
+              <a:spcBef>
+                <a:spcPct val="20000"/>
+              </a:spcBef>
+              <a:spcAft>
+                <a:spcPct val="0"/>
+              </a:spcAft>
+              <a:buFont typeface="Arial" charset="0"/>
+              <a:buChar char="–"/>
+              <a:defRPr sz="2800" kern="1200">
+                <a:solidFill>
+                  <a:schemeClr val="tx1"/>
+                </a:solidFill>
+                <a:latin typeface="+mn-lt"/>
+                <a:ea typeface="+mn-ea"/>
+                <a:cs typeface="+mn-cs"/>
+              </a:defRPr>
+            </a:lvl2pPr>
+            <a:lvl3pPr marL="1143000" indent="-228600" algn="l" rtl="0" eaLnBrk="0" fontAlgn="base" hangingPunct="0">
+              <a:spcBef>
+                <a:spcPct val="20000"/>
+              </a:spcBef>
+              <a:spcAft>
+                <a:spcPct val="0"/>
+              </a:spcAft>
+              <a:buFont typeface="Arial" charset="0"/>
+              <a:buChar char="•"/>
+              <a:defRPr sz="2400" kern="1200">
+                <a:solidFill>
+                  <a:schemeClr val="tx1"/>
+                </a:solidFill>
+                <a:latin typeface="+mn-lt"/>
+                <a:ea typeface="+mn-ea"/>
+                <a:cs typeface="+mn-cs"/>
+              </a:defRPr>
+            </a:lvl3pPr>
+            <a:lvl4pPr marL="1600200" indent="-228600" algn="l" rtl="0" eaLnBrk="0" fontAlgn="base" hangingPunct="0">
+              <a:spcBef>
+                <a:spcPct val="20000"/>
+              </a:spcBef>
+              <a:spcAft>
+                <a:spcPct val="0"/>
+              </a:spcAft>
+              <a:buFont typeface="Arial" charset="0"/>
+              <a:buChar char="–"/>
+              <a:defRPr sz="2000" kern="1200">
+                <a:solidFill>
+                  <a:schemeClr val="tx1"/>
+                </a:solidFill>
+                <a:latin typeface="+mn-lt"/>
+                <a:ea typeface="+mn-ea"/>
+                <a:cs typeface="+mn-cs"/>
+              </a:defRPr>
+            </a:lvl4pPr>
+            <a:lvl5pPr marL="2057400" indent="-228600" algn="l" rtl="0" eaLnBrk="0" fontAlgn="base" hangingPunct="0">
+              <a:spcBef>
+                <a:spcPct val="20000"/>
+              </a:spcBef>
+              <a:spcAft>
+                <a:spcPct val="0"/>
+              </a:spcAft>
+              <a:buFont typeface="Arial" charset="0"/>
+              <a:buChar char="»"/>
+              <a:defRPr sz="2000" kern="1200">
+                <a:solidFill>
+                  <a:schemeClr val="tx1"/>
+                </a:solidFill>
+                <a:latin typeface="+mn-lt"/>
+                <a:ea typeface="+mn-ea"/>
+                <a:cs typeface="+mn-cs"/>
+              </a:defRPr>
+            </a:lvl5pPr>
+            <a:lvl6pPr marL="2514600" indent="-228600" algn="l" defTabSz="914400" rtl="0" eaLnBrk="1" latinLnBrk="0" hangingPunct="1">
+              <a:spcBef>
+                <a:spcPct val="20000"/>
+              </a:spcBef>
+              <a:buFont typeface="Arial" pitchFamily="34" charset="0"/>
+              <a:buChar char="•"/>
+              <a:defRPr sz="2000" kern="1200">
+                <a:solidFill>
+                  <a:schemeClr val="tx1"/>
+                </a:solidFill>
+                <a:latin typeface="+mn-lt"/>
+                <a:ea typeface="+mn-ea"/>
+                <a:cs typeface="+mn-cs"/>
+              </a:defRPr>
+            </a:lvl6pPr>
+            <a:lvl7pPr marL="2971800" indent="-228600" algn="l" defTabSz="914400" rtl="0" eaLnBrk="1" latinLnBrk="0" hangingPunct="1">
+              <a:spcBef>
+                <a:spcPct val="20000"/>
+              </a:spcBef>
+              <a:buFont typeface="Arial" pitchFamily="34" charset="0"/>
+              <a:buChar char="•"/>
+              <a:defRPr sz="2000" kern="1200">
+                <a:solidFill>
+                  <a:schemeClr val="tx1"/>
+                </a:solidFill>
+                <a:latin typeface="+mn-lt"/>
+                <a:ea typeface="+mn-ea"/>
+                <a:cs typeface="+mn-cs"/>
+              </a:defRPr>
+            </a:lvl7pPr>
+            <a:lvl8pPr marL="3429000" indent="-228600" algn="l" defTabSz="914400" rtl="0" eaLnBrk="1" latinLnBrk="0" hangingPunct="1">
+              <a:spcBef>
+                <a:spcPct val="20000"/>
+              </a:spcBef>
+              <a:buFont typeface="Arial" pitchFamily="34" charset="0"/>
+              <a:buChar char="•"/>
+              <a:defRPr sz="2000" kern="1200">
+                <a:solidFill>
+                  <a:schemeClr val="tx1"/>
+                </a:solidFill>
+                <a:latin typeface="+mn-lt"/>
+                <a:ea typeface="+mn-ea"/>
+                <a:cs typeface="+mn-cs"/>
+              </a:defRPr>
+            </a:lvl8pPr>
+            <a:lvl9pPr marL="3886200" indent="-228600" algn="l" defTabSz="914400" rtl="0" eaLnBrk="1" latinLnBrk="0" hangingPunct="1">
+              <a:spcBef>
+                <a:spcPct val="20000"/>
+              </a:spcBef>
+              <a:buFont typeface="Arial" pitchFamily="34" charset="0"/>
+              <a:buChar char="•"/>
+              <a:defRPr sz="2000" kern="1200">
+                <a:solidFill>
+                  <a:schemeClr val="tx1"/>
+                </a:solidFill>
+                <a:latin typeface="+mn-lt"/>
+                <a:ea typeface="+mn-ea"/>
+                <a:cs typeface="+mn-cs"/>
+              </a:defRPr>
+            </a:lvl9pPr>
+          </a:lstStyle>
+          <a:p>
+            <a:r>
+              <a:rPr lang="ru-RU" sz="1600" dirty="0" smtClean="0">
+                <a:solidFill>
+                  <a:schemeClr val="tx1"/>
+                </a:solidFill>
+                <a:latin typeface="Times New Roman" panose="02020603050405020304" pitchFamily="18" charset="0"/>
+                <a:cs typeface="Times New Roman" panose="02020603050405020304" pitchFamily="18" charset="0"/>
+              </a:rPr>
+              <a:t>Кратко о том какие бывают документы. Типы документов задаются с  помощью </a:t>
+            </a:r>
+            <a:r>
+              <a:rPr lang="en-US" sz="1600" dirty="0" smtClean="0">
+                <a:solidFill>
+                  <a:schemeClr val="tx1"/>
+                </a:solidFill>
+                <a:latin typeface="Times New Roman" panose="02020603050405020304" pitchFamily="18" charset="0"/>
+                <a:cs typeface="Times New Roman" panose="02020603050405020304" pitchFamily="18" charset="0"/>
+              </a:rPr>
+              <a:t>MIME</a:t>
+            </a:r>
+            <a:r>
+              <a:rPr lang="ru-RU" sz="1600" dirty="0">
+                <a:solidFill>
+                  <a:schemeClr val="tx1"/>
+                </a:solidFill>
+                <a:latin typeface="Times New Roman" panose="02020603050405020304" pitchFamily="18" charset="0"/>
+                <a:cs typeface="Times New Roman" panose="02020603050405020304" pitchFamily="18" charset="0"/>
+              </a:rPr>
+              <a:t>-</a:t>
+            </a:r>
+            <a:r>
+              <a:rPr lang="ru-RU" sz="1600" dirty="0" smtClean="0">
+                <a:solidFill>
+                  <a:schemeClr val="tx1"/>
+                </a:solidFill>
+                <a:latin typeface="Times New Roman" panose="02020603050405020304" pitchFamily="18" charset="0"/>
+                <a:cs typeface="Times New Roman" panose="02020603050405020304" pitchFamily="18" charset="0"/>
+              </a:rPr>
+              <a:t>типов: это строчка, обычно из двух слов, разделенных </a:t>
+            </a:r>
+            <a:r>
+              <a:rPr lang="ru-RU" sz="1600" dirty="0" err="1" smtClean="0">
+                <a:solidFill>
+                  <a:schemeClr val="tx1"/>
+                </a:solidFill>
+                <a:latin typeface="Times New Roman" panose="02020603050405020304" pitchFamily="18" charset="0"/>
+                <a:cs typeface="Times New Roman" panose="02020603050405020304" pitchFamily="18" charset="0"/>
+              </a:rPr>
+              <a:t>слешом</a:t>
+            </a:r>
+            <a:r>
+              <a:rPr lang="ru-RU" sz="1600" dirty="0" smtClean="0">
+                <a:solidFill>
+                  <a:schemeClr val="tx1"/>
+                </a:solidFill>
+                <a:latin typeface="Times New Roman" panose="02020603050405020304" pitchFamily="18" charset="0"/>
+                <a:cs typeface="Times New Roman" panose="02020603050405020304" pitchFamily="18" charset="0"/>
+              </a:rPr>
+              <a:t>. </a:t>
+            </a:r>
+          </a:p>
+          <a:p>
+            <a:pPr>
+              <a:buFont typeface="Arial" panose="020B0604020202020204" pitchFamily="34" charset="0"/>
+              <a:buChar char="•"/>
+            </a:pPr>
+            <a:r>
+              <a:rPr lang="en-US" sz="1600" dirty="0">
+                <a:solidFill>
+                  <a:schemeClr val="tx1"/>
+                </a:solidFill>
+                <a:latin typeface="Times New Roman" panose="02020603050405020304" pitchFamily="18" charset="0"/>
+                <a:cs typeface="Times New Roman" panose="02020603050405020304" pitchFamily="18" charset="0"/>
+              </a:rPr>
+              <a:t>text/html</a:t>
+            </a:r>
+          </a:p>
+          <a:p>
+            <a:pPr>
+              <a:buFont typeface="Arial" panose="020B0604020202020204" pitchFamily="34" charset="0"/>
+              <a:buChar char="•"/>
+            </a:pPr>
+            <a:r>
+              <a:rPr lang="en-US" sz="1600" dirty="0" smtClean="0">
+                <a:solidFill>
+                  <a:schemeClr val="tx1"/>
+                </a:solidFill>
+                <a:latin typeface="Times New Roman" panose="02020603050405020304" pitchFamily="18" charset="0"/>
+                <a:cs typeface="Times New Roman" panose="02020603050405020304" pitchFamily="18" charset="0"/>
+              </a:rPr>
+              <a:t>text/</a:t>
+            </a:r>
+            <a:r>
+              <a:rPr lang="en-US" sz="1600" dirty="0" err="1" smtClean="0">
+                <a:solidFill>
+                  <a:schemeClr val="tx1"/>
+                </a:solidFill>
+                <a:latin typeface="Times New Roman" panose="02020603050405020304" pitchFamily="18" charset="0"/>
+                <a:cs typeface="Times New Roman" panose="02020603050405020304" pitchFamily="18" charset="0"/>
+              </a:rPr>
+              <a:t>css</a:t>
+            </a:r>
+            <a:endParaRPr lang="en-US" sz="1600" dirty="0">
+              <a:solidFill>
+                <a:schemeClr val="tx1"/>
+              </a:solidFill>
+              <a:latin typeface="Times New Roman" panose="02020603050405020304" pitchFamily="18" charset="0"/>
+              <a:cs typeface="Times New Roman" panose="02020603050405020304" pitchFamily="18" charset="0"/>
+            </a:endParaRPr>
+          </a:p>
+          <a:p>
+            <a:pPr>
+              <a:buFont typeface="Arial" panose="020B0604020202020204" pitchFamily="34" charset="0"/>
+              <a:buChar char="•"/>
+            </a:pPr>
+            <a:r>
+              <a:rPr lang="en-US" sz="1600" dirty="0" smtClean="0">
+                <a:solidFill>
+                  <a:schemeClr val="tx1"/>
+                </a:solidFill>
+                <a:latin typeface="Times New Roman" panose="02020603050405020304" pitchFamily="18" charset="0"/>
+                <a:cs typeface="Times New Roman" panose="02020603050405020304" pitchFamily="18" charset="0"/>
+              </a:rPr>
+              <a:t>text/</a:t>
+            </a:r>
+            <a:r>
+              <a:rPr lang="en-US" sz="1600" dirty="0" err="1" smtClean="0">
+                <a:solidFill>
+                  <a:schemeClr val="tx1"/>
+                </a:solidFill>
+                <a:latin typeface="Times New Roman" panose="02020603050405020304" pitchFamily="18" charset="0"/>
+                <a:cs typeface="Times New Roman" panose="02020603050405020304" pitchFamily="18" charset="0"/>
+              </a:rPr>
+              <a:t>javascript</a:t>
+            </a:r>
+            <a:endParaRPr lang="en-US" sz="1600" dirty="0">
+              <a:solidFill>
+                <a:schemeClr val="tx1"/>
+              </a:solidFill>
+              <a:latin typeface="Times New Roman" panose="02020603050405020304" pitchFamily="18" charset="0"/>
+              <a:cs typeface="Times New Roman" panose="02020603050405020304" pitchFamily="18" charset="0"/>
+            </a:endParaRPr>
+          </a:p>
+          <a:p>
+            <a:pPr>
+              <a:buFont typeface="Arial" panose="020B0604020202020204" pitchFamily="34" charset="0"/>
+              <a:buChar char="•"/>
+            </a:pPr>
+            <a:r>
+              <a:rPr lang="en-US" sz="1600" dirty="0" smtClean="0">
+                <a:solidFill>
+                  <a:schemeClr val="tx1"/>
+                </a:solidFill>
+                <a:latin typeface="Times New Roman" panose="02020603050405020304" pitchFamily="18" charset="0"/>
+                <a:cs typeface="Times New Roman" panose="02020603050405020304" pitchFamily="18" charset="0"/>
+              </a:rPr>
+              <a:t>image/</a:t>
+            </a:r>
+            <a:r>
+              <a:rPr lang="en-US" sz="1600" dirty="0" err="1" smtClean="0">
+                <a:solidFill>
+                  <a:schemeClr val="tx1"/>
+                </a:solidFill>
+                <a:latin typeface="Times New Roman" panose="02020603050405020304" pitchFamily="18" charset="0"/>
+                <a:cs typeface="Times New Roman" panose="02020603050405020304" pitchFamily="18" charset="0"/>
+              </a:rPr>
+              <a:t>png</a:t>
+            </a:r>
+            <a:endParaRPr lang="en-US" sz="1600" dirty="0">
+              <a:solidFill>
+                <a:schemeClr val="tx1"/>
+              </a:solidFill>
+              <a:latin typeface="Times New Roman" panose="02020603050405020304" pitchFamily="18" charset="0"/>
+              <a:cs typeface="Times New Roman" panose="02020603050405020304" pitchFamily="18" charset="0"/>
+            </a:endParaRPr>
+          </a:p>
+          <a:p>
+            <a:pPr>
+              <a:buFont typeface="Arial" panose="020B0604020202020204" pitchFamily="34" charset="0"/>
+              <a:buChar char="•"/>
+            </a:pPr>
+            <a:r>
+              <a:rPr lang="en-US" sz="1600" dirty="0" smtClean="0">
+                <a:solidFill>
+                  <a:schemeClr val="tx1"/>
+                </a:solidFill>
+                <a:latin typeface="Times New Roman" panose="02020603050405020304" pitchFamily="18" charset="0"/>
+                <a:cs typeface="Times New Roman" panose="02020603050405020304" pitchFamily="18" charset="0"/>
+              </a:rPr>
+              <a:t>video/mp4</a:t>
+            </a:r>
+            <a:endParaRPr lang="en-US" sz="1600" dirty="0">
+              <a:solidFill>
+                <a:schemeClr val="tx1"/>
+              </a:solidFill>
+              <a:latin typeface="Times New Roman" panose="02020603050405020304" pitchFamily="18" charset="0"/>
+              <a:cs typeface="Times New Roman" panose="02020603050405020304" pitchFamily="18" charset="0"/>
+            </a:endParaRPr>
+          </a:p>
+          <a:p>
+            <a:pPr>
+              <a:buFont typeface="Arial" panose="020B0604020202020204" pitchFamily="34" charset="0"/>
+              <a:buChar char="•"/>
+            </a:pPr>
+            <a:r>
+              <a:rPr lang="en-US" sz="1600" dirty="0" smtClean="0">
+                <a:solidFill>
+                  <a:schemeClr val="tx1"/>
+                </a:solidFill>
+                <a:latin typeface="Times New Roman" panose="02020603050405020304" pitchFamily="18" charset="0"/>
+                <a:cs typeface="Times New Roman" panose="02020603050405020304" pitchFamily="18" charset="0"/>
+              </a:rPr>
+              <a:t>text/xml</a:t>
+            </a:r>
+            <a:endParaRPr lang="en-US" sz="1600" dirty="0">
+              <a:solidFill>
+                <a:schemeClr val="tx1"/>
+              </a:solidFill>
+              <a:latin typeface="Times New Roman" panose="02020603050405020304" pitchFamily="18" charset="0"/>
+              <a:cs typeface="Times New Roman" panose="02020603050405020304" pitchFamily="18" charset="0"/>
+            </a:endParaRPr>
+          </a:p>
+          <a:p>
+            <a:pPr>
+              <a:buFont typeface="Arial" panose="020B0604020202020204" pitchFamily="34" charset="0"/>
+              <a:buChar char="•"/>
+            </a:pPr>
+            <a:r>
+              <a:rPr lang="en-US" sz="1600" dirty="0" smtClean="0">
+                <a:solidFill>
+                  <a:schemeClr val="tx1"/>
+                </a:solidFill>
+                <a:latin typeface="Times New Roman" panose="02020603050405020304" pitchFamily="18" charset="0"/>
+                <a:cs typeface="Times New Roman" panose="02020603050405020304" pitchFamily="18" charset="0"/>
+              </a:rPr>
+              <a:t>application/</a:t>
+            </a:r>
+            <a:r>
+              <a:rPr lang="en-US" sz="1600" dirty="0" err="1" smtClean="0">
+                <a:solidFill>
+                  <a:schemeClr val="tx1"/>
+                </a:solidFill>
+                <a:latin typeface="Times New Roman" panose="02020603050405020304" pitchFamily="18" charset="0"/>
+                <a:cs typeface="Times New Roman" panose="02020603050405020304" pitchFamily="18" charset="0"/>
+              </a:rPr>
+              <a:t>json</a:t>
+            </a:r>
+            <a:endParaRPr lang="en-US" sz="1600" dirty="0">
+              <a:solidFill>
+                <a:schemeClr val="tx1"/>
+              </a:solidFill>
+              <a:latin typeface="Times New Roman" panose="02020603050405020304" pitchFamily="18" charset="0"/>
+              <a:cs typeface="Times New Roman" panose="02020603050405020304" pitchFamily="18" charset="0"/>
+            </a:endParaRPr>
+          </a:p>
+          <a:p>
+            <a:pPr>
+              <a:buFont typeface="Arial" panose="020B0604020202020204" pitchFamily="34" charset="0"/>
+              <a:buChar char="•"/>
+            </a:pPr>
+            <a:r>
+              <a:rPr lang="ru-RU" sz="1600" dirty="0" smtClean="0">
+                <a:solidFill>
+                  <a:schemeClr val="tx1"/>
+                </a:solidFill>
+                <a:latin typeface="Times New Roman" panose="02020603050405020304" pitchFamily="18" charset="0"/>
+                <a:cs typeface="Times New Roman" panose="02020603050405020304" pitchFamily="18" charset="0"/>
+                <a:hlinkClick r:id="rId2"/>
+              </a:rPr>
+              <a:t>Полный </a:t>
+            </a:r>
+            <a:r>
+              <a:rPr lang="ru-RU" sz="1600" dirty="0">
+                <a:solidFill>
+                  <a:schemeClr val="tx1"/>
+                </a:solidFill>
+                <a:latin typeface="Times New Roman" panose="02020603050405020304" pitchFamily="18" charset="0"/>
+                <a:cs typeface="Times New Roman" panose="02020603050405020304" pitchFamily="18" charset="0"/>
+                <a:hlinkClick r:id="rId2"/>
+              </a:rPr>
+              <a:t>список </a:t>
+            </a:r>
+            <a:r>
+              <a:rPr lang="en-US" sz="1600" dirty="0">
+                <a:solidFill>
+                  <a:schemeClr val="tx1"/>
+                </a:solidFill>
+                <a:latin typeface="Times New Roman" panose="02020603050405020304" pitchFamily="18" charset="0"/>
+                <a:cs typeface="Times New Roman" panose="02020603050405020304" pitchFamily="18" charset="0"/>
+                <a:hlinkClick r:id="rId2"/>
+              </a:rPr>
+              <a:t>MIME </a:t>
+            </a:r>
+            <a:r>
+              <a:rPr lang="ru-RU" sz="1600" dirty="0" smtClean="0">
+                <a:solidFill>
+                  <a:schemeClr val="tx1"/>
+                </a:solidFill>
+                <a:latin typeface="Times New Roman" panose="02020603050405020304" pitchFamily="18" charset="0"/>
+                <a:cs typeface="Times New Roman" panose="02020603050405020304" pitchFamily="18" charset="0"/>
+                <a:hlinkClick r:id="rId2"/>
+              </a:rPr>
+              <a:t>типов</a:t>
+            </a:r>
+            <a:endParaRPr lang="ru-RU" sz="1600" dirty="0" smtClean="0">
+              <a:solidFill>
+                <a:schemeClr val="tx1"/>
+              </a:solidFill>
+              <a:latin typeface="Times New Roman" panose="02020603050405020304" pitchFamily="18" charset="0"/>
+              <a:cs typeface="Times New Roman" panose="02020603050405020304" pitchFamily="18" charset="0"/>
+            </a:endParaRPr>
+          </a:p>
+          <a:p>
+            <a:pPr indent="0"/>
+            <a:r>
+              <a:rPr lang="ru-RU" sz="1600" dirty="0" smtClean="0">
+                <a:solidFill>
+                  <a:schemeClr val="tx1"/>
+                </a:solidFill>
+                <a:latin typeface="Times New Roman" panose="02020603050405020304" pitchFamily="18" charset="0"/>
+                <a:cs typeface="Times New Roman" panose="02020603050405020304" pitchFamily="18" charset="0"/>
+              </a:rPr>
+              <a:t>*Пару слов о каждом пункте, о </a:t>
+            </a:r>
+            <a:r>
+              <a:rPr lang="en-US" sz="1600" dirty="0" err="1" smtClean="0">
+                <a:solidFill>
+                  <a:schemeClr val="tx1"/>
+                </a:solidFill>
+                <a:latin typeface="Times New Roman" panose="02020603050405020304" pitchFamily="18" charset="0"/>
+                <a:cs typeface="Times New Roman" panose="02020603050405020304" pitchFamily="18" charset="0"/>
+              </a:rPr>
+              <a:t>json</a:t>
+            </a:r>
+            <a:r>
+              <a:rPr lang="ru-RU" sz="1600" dirty="0" smtClean="0">
+                <a:solidFill>
+                  <a:schemeClr val="tx1"/>
+                </a:solidFill>
+                <a:latin typeface="Times New Roman" panose="02020603050405020304" pitchFamily="18" charset="0"/>
+                <a:cs typeface="Times New Roman" panose="02020603050405020304" pitchFamily="18" charset="0"/>
+              </a:rPr>
+              <a:t> следующий слайд*</a:t>
+            </a:r>
+          </a:p>
+          <a:p>
+            <a:r>
+              <a:rPr lang="ru-RU" sz="1600" dirty="0" smtClean="0">
+                <a:solidFill>
+                  <a:schemeClr val="tx1"/>
+                </a:solidFill>
+                <a:latin typeface="Times New Roman" panose="02020603050405020304" pitchFamily="18" charset="0"/>
+                <a:cs typeface="Times New Roman" panose="02020603050405020304" pitchFamily="18" charset="0"/>
+              </a:rPr>
+              <a:t>Как видно документы бывают разных типов. Всегда важно указывать тип документы, чтобы компьютер мог понять, что это не текст, скажем, а изображение, или видео.</a:t>
+            </a:r>
+            <a:endParaRPr lang="ru-RU" sz="1600" dirty="0">
+              <a:solidFill>
+                <a:schemeClr val="tx1"/>
+              </a:solidFill>
+              <a:latin typeface="Times New Roman" panose="02020603050405020304" pitchFamily="18" charset="0"/>
+              <a:cs typeface="Times New Roman" panose="02020603050405020304" pitchFamily="18" charset="0"/>
+            </a:endParaRPr>
+          </a:p>
+        </p:txBody>
+      </p:sp>
     </p:spTree>
     <p:extLst>
       <p:ext uri="{BB962C8B-B14F-4D97-AF65-F5344CB8AC3E}">
@@ -3150,6 +4796,13 @@
   <p:clrMapOvr>
     <a:masterClrMapping/>
   </p:clrMapOvr>
+  <p:timing>
+    <p:tnLst>
+      <p:par>
+        <p:cTn id="1" dur="indefinite" restart="never" nodeType="tmRoot"/>
+      </p:par>
+    </p:tnLst>
+  </p:timing>
 </p:sld>
 </file>
 
@@ -3187,7 +4840,11 @@
           <a:p>
             <a:r>
               <a:rPr lang="en-US" dirty="0" smtClean="0"/>
-              <a:t>URL</a:t>
+              <a:t>application/</a:t>
+            </a:r>
+            <a:r>
+              <a:rPr lang="en-US" dirty="0" err="1" smtClean="0"/>
+              <a:t>json</a:t>
             </a:r>
             <a:endParaRPr lang="ru-RU" dirty="0"/>
           </a:p>
@@ -3198,7 +4855,7 @@
           <p:cNvPr id="4" name="Текст 3">
             <a:extLst>
               <a:ext uri="{FF2B5EF4-FFF2-40B4-BE49-F238E27FC236}">
-                <a16:creationId xmlns:a16="http://schemas.microsoft.com/office/drawing/2014/main" xmlns="" id="{74C82C9C-F2A8-41A8-880B-73811E3EFC36}"/>
+                <a16:creationId xmlns:a16="http://schemas.microsoft.com/office/drawing/2014/main" id="{74C82C9C-F2A8-41A8-880B-73811E3EFC36}"/>
               </a:ext>
             </a:extLst>
           </p:cNvPr>
@@ -3223,16 +4880,248 @@
           </a:p>
         </p:txBody>
       </p:sp>
+      <p:sp>
+        <p:nvSpPr>
+          <p:cNvPr id="5" name="Текст 3">
+            <a:extLst>
+              <a:ext uri="{FF2B5EF4-FFF2-40B4-BE49-F238E27FC236}">
+                <a16:creationId xmlns:a16="http://schemas.microsoft.com/office/drawing/2014/main" id="{74C82C9C-F2A8-41A8-880B-73811E3EFC36}"/>
+              </a:ext>
+            </a:extLst>
+          </p:cNvPr>
+          <p:cNvSpPr txBox="1">
+            <a:spLocks/>
+          </p:cNvSpPr>
+          <p:nvPr/>
+        </p:nvSpPr>
+        <p:spPr bwMode="auto">
+          <a:xfrm>
+            <a:off x="253096" y="1332411"/>
+            <a:ext cx="8333555" cy="4763589"/>
+          </a:xfrm>
+          <a:prstGeom prst="rect">
+            <a:avLst/>
+          </a:prstGeom>
+          <a:noFill/>
+          <a:ln>
+            <a:noFill/>
+          </a:ln>
+          <a:extLst>
+            <a:ext uri="{909E8E84-426E-40DD-AFC4-6F175D3DCCD1}">
+              <a14:hiddenFill xmlns:a14="http://schemas.microsoft.com/office/drawing/2010/main">
+                <a:solidFill>
+                  <a:srgbClr val="FFFFFF"/>
+                </a:solidFill>
+              </a14:hiddenFill>
+            </a:ext>
+            <a:ext uri="{91240B29-F687-4F45-9708-019B960494DF}">
+              <a14:hiddenLine xmlns:a14="http://schemas.microsoft.com/office/drawing/2010/main" w="9525">
+                <a:solidFill>
+                  <a:srgbClr val="000000"/>
+                </a:solidFill>
+                <a:miter lim="800000"/>
+                <a:headEnd/>
+                <a:tailEnd/>
+              </a14:hiddenLine>
+            </a:ext>
+          </a:extLst>
+        </p:spPr>
+        <p:txBody>
+          <a:bodyPr vert="horz" wrap="square" lIns="91440" tIns="45720" rIns="91440" bIns="45720" numCol="1" anchor="t" anchorCtr="0" compatLnSpc="1">
+            <a:prstTxWarp prst="textNoShape">
+              <a:avLst/>
+            </a:prstTxWarp>
+            <a:normAutofit/>
+          </a:bodyPr>
+          <a:lstStyle>
+            <a:lvl1pPr marL="0" marR="0" indent="-342900" algn="l" defTabSz="180000" rtl="0" eaLnBrk="1" fontAlgn="auto" latinLnBrk="0" hangingPunct="1">
+              <a:lnSpc>
+                <a:spcPct val="100000"/>
+              </a:lnSpc>
+              <a:spcBef>
+                <a:spcPct val="20000"/>
+              </a:spcBef>
+              <a:spcAft>
+                <a:spcPts val="0"/>
+              </a:spcAft>
+              <a:buClrTx/>
+              <a:buSzTx/>
+              <a:buFont typeface="Arial" pitchFamily="34" charset="0"/>
+              <a:buNone/>
+              <a:tabLst/>
+              <a:defRPr sz="900" kern="1200">
+                <a:solidFill>
+                  <a:schemeClr val="tx1">
+                    <a:lumMod val="50000"/>
+                    <a:lumOff val="50000"/>
+                  </a:schemeClr>
+                </a:solidFill>
+                <a:latin typeface="Arial" pitchFamily="34" charset="0"/>
+                <a:ea typeface="+mn-ea"/>
+                <a:cs typeface="Arial" pitchFamily="34" charset="0"/>
+              </a:defRPr>
+            </a:lvl1pPr>
+            <a:lvl2pPr marL="742950" indent="-285750" algn="l" rtl="0" eaLnBrk="0" fontAlgn="base" hangingPunct="0">
+              <a:spcBef>
+                <a:spcPct val="20000"/>
+              </a:spcBef>
+              <a:spcAft>
+                <a:spcPct val="0"/>
+              </a:spcAft>
+              <a:buFont typeface="Arial" charset="0"/>
+              <a:buChar char="–"/>
+              <a:defRPr sz="2800" kern="1200">
+                <a:solidFill>
+                  <a:schemeClr val="tx1"/>
+                </a:solidFill>
+                <a:latin typeface="+mn-lt"/>
+                <a:ea typeface="+mn-ea"/>
+                <a:cs typeface="+mn-cs"/>
+              </a:defRPr>
+            </a:lvl2pPr>
+            <a:lvl3pPr marL="1143000" indent="-228600" algn="l" rtl="0" eaLnBrk="0" fontAlgn="base" hangingPunct="0">
+              <a:spcBef>
+                <a:spcPct val="20000"/>
+              </a:spcBef>
+              <a:spcAft>
+                <a:spcPct val="0"/>
+              </a:spcAft>
+              <a:buFont typeface="Arial" charset="0"/>
+              <a:buChar char="•"/>
+              <a:defRPr sz="2400" kern="1200">
+                <a:solidFill>
+                  <a:schemeClr val="tx1"/>
+                </a:solidFill>
+                <a:latin typeface="+mn-lt"/>
+                <a:ea typeface="+mn-ea"/>
+                <a:cs typeface="+mn-cs"/>
+              </a:defRPr>
+            </a:lvl3pPr>
+            <a:lvl4pPr marL="1600200" indent="-228600" algn="l" rtl="0" eaLnBrk="0" fontAlgn="base" hangingPunct="0">
+              <a:spcBef>
+                <a:spcPct val="20000"/>
+              </a:spcBef>
+              <a:spcAft>
+                <a:spcPct val="0"/>
+              </a:spcAft>
+              <a:buFont typeface="Arial" charset="0"/>
+              <a:buChar char="–"/>
+              <a:defRPr sz="2000" kern="1200">
+                <a:solidFill>
+                  <a:schemeClr val="tx1"/>
+                </a:solidFill>
+                <a:latin typeface="+mn-lt"/>
+                <a:ea typeface="+mn-ea"/>
+                <a:cs typeface="+mn-cs"/>
+              </a:defRPr>
+            </a:lvl4pPr>
+            <a:lvl5pPr marL="2057400" indent="-228600" algn="l" rtl="0" eaLnBrk="0" fontAlgn="base" hangingPunct="0">
+              <a:spcBef>
+                <a:spcPct val="20000"/>
+              </a:spcBef>
+              <a:spcAft>
+                <a:spcPct val="0"/>
+              </a:spcAft>
+              <a:buFont typeface="Arial" charset="0"/>
+              <a:buChar char="»"/>
+              <a:defRPr sz="2000" kern="1200">
+                <a:solidFill>
+                  <a:schemeClr val="tx1"/>
+                </a:solidFill>
+                <a:latin typeface="+mn-lt"/>
+                <a:ea typeface="+mn-ea"/>
+                <a:cs typeface="+mn-cs"/>
+              </a:defRPr>
+            </a:lvl5pPr>
+            <a:lvl6pPr marL="2514600" indent="-228600" algn="l" defTabSz="914400" rtl="0" eaLnBrk="1" latinLnBrk="0" hangingPunct="1">
+              <a:spcBef>
+                <a:spcPct val="20000"/>
+              </a:spcBef>
+              <a:buFont typeface="Arial" pitchFamily="34" charset="0"/>
+              <a:buChar char="•"/>
+              <a:defRPr sz="2000" kern="1200">
+                <a:solidFill>
+                  <a:schemeClr val="tx1"/>
+                </a:solidFill>
+                <a:latin typeface="+mn-lt"/>
+                <a:ea typeface="+mn-ea"/>
+                <a:cs typeface="+mn-cs"/>
+              </a:defRPr>
+            </a:lvl6pPr>
+            <a:lvl7pPr marL="2971800" indent="-228600" algn="l" defTabSz="914400" rtl="0" eaLnBrk="1" latinLnBrk="0" hangingPunct="1">
+              <a:spcBef>
+                <a:spcPct val="20000"/>
+              </a:spcBef>
+              <a:buFont typeface="Arial" pitchFamily="34" charset="0"/>
+              <a:buChar char="•"/>
+              <a:defRPr sz="2000" kern="1200">
+                <a:solidFill>
+                  <a:schemeClr val="tx1"/>
+                </a:solidFill>
+                <a:latin typeface="+mn-lt"/>
+                <a:ea typeface="+mn-ea"/>
+                <a:cs typeface="+mn-cs"/>
+              </a:defRPr>
+            </a:lvl7pPr>
+            <a:lvl8pPr marL="3429000" indent="-228600" algn="l" defTabSz="914400" rtl="0" eaLnBrk="1" latinLnBrk="0" hangingPunct="1">
+              <a:spcBef>
+                <a:spcPct val="20000"/>
+              </a:spcBef>
+              <a:buFont typeface="Arial" pitchFamily="34" charset="0"/>
+              <a:buChar char="•"/>
+              <a:defRPr sz="2000" kern="1200">
+                <a:solidFill>
+                  <a:schemeClr val="tx1"/>
+                </a:solidFill>
+                <a:latin typeface="+mn-lt"/>
+                <a:ea typeface="+mn-ea"/>
+                <a:cs typeface="+mn-cs"/>
+              </a:defRPr>
+            </a:lvl8pPr>
+            <a:lvl9pPr marL="3886200" indent="-228600" algn="l" defTabSz="914400" rtl="0" eaLnBrk="1" latinLnBrk="0" hangingPunct="1">
+              <a:spcBef>
+                <a:spcPct val="20000"/>
+              </a:spcBef>
+              <a:buFont typeface="Arial" pitchFamily="34" charset="0"/>
+              <a:buChar char="•"/>
+              <a:defRPr sz="2000" kern="1200">
+                <a:solidFill>
+                  <a:schemeClr val="tx1"/>
+                </a:solidFill>
+                <a:latin typeface="+mn-lt"/>
+                <a:ea typeface="+mn-ea"/>
+                <a:cs typeface="+mn-cs"/>
+              </a:defRPr>
+            </a:lvl9pPr>
+          </a:lstStyle>
+          <a:p>
+            <a:endParaRPr lang="ru-RU" sz="1600" dirty="0">
+              <a:solidFill>
+                <a:schemeClr val="tx1"/>
+              </a:solidFill>
+              <a:latin typeface="Times New Roman" panose="02020603050405020304" pitchFamily="18" charset="0"/>
+              <a:cs typeface="Times New Roman" panose="02020603050405020304" pitchFamily="18" charset="0"/>
+            </a:endParaRPr>
+          </a:p>
+        </p:txBody>
+      </p:sp>
     </p:spTree>
     <p:extLst>
       <p:ext uri="{BB962C8B-B14F-4D97-AF65-F5344CB8AC3E}">
-        <p14:creationId xmlns:p14="http://schemas.microsoft.com/office/powerpoint/2010/main" val="748554564"/>
+        <p14:creationId xmlns:p14="http://schemas.microsoft.com/office/powerpoint/2010/main" val="3136048946"/>
       </p:ext>
     </p:extLst>
   </p:cSld>
   <p:clrMapOvr>
     <a:masterClrMapping/>
   </p:clrMapOvr>
+  <p:timing>
+    <p:tnLst>
+      <p:par>
+        <p:cTn id="1" dur="indefinite" restart="never" nodeType="tmRoot"/>
+      </p:par>
+    </p:tnLst>
+  </p:timing>
 </p:sld>
 </file>
 
@@ -3269,8 +5158,8 @@
           <a:lstStyle/>
           <a:p>
             <a:r>
-              <a:rPr lang="ru-RU" dirty="0" smtClean="0"/>
-              <a:t>Протоколы передачи данных</a:t>
+              <a:rPr lang="en-US" dirty="0" smtClean="0"/>
+              <a:t>URL</a:t>
             </a:r>
             <a:endParaRPr lang="ru-RU" dirty="0"/>
           </a:p>
@@ -3281,7 +5170,7 @@
           <p:cNvPr id="4" name="Текст 3">
             <a:extLst>
               <a:ext uri="{FF2B5EF4-FFF2-40B4-BE49-F238E27FC236}">
-                <a16:creationId xmlns:a16="http://schemas.microsoft.com/office/drawing/2014/main" xmlns="" id="{74C82C9C-F2A8-41A8-880B-73811E3EFC36}"/>
+                <a16:creationId xmlns:a16="http://schemas.microsoft.com/office/drawing/2014/main" id="{74C82C9C-F2A8-41A8-880B-73811E3EFC36}"/>
               </a:ext>
             </a:extLst>
           </p:cNvPr>
@@ -3309,7 +5198,7 @@
     </p:spTree>
     <p:extLst>
       <p:ext uri="{BB962C8B-B14F-4D97-AF65-F5344CB8AC3E}">
-        <p14:creationId xmlns:p14="http://schemas.microsoft.com/office/powerpoint/2010/main" val="274450019"/>
+        <p14:creationId xmlns:p14="http://schemas.microsoft.com/office/powerpoint/2010/main" val="748554564"/>
       </p:ext>
     </p:extLst>
   </p:cSld>
@@ -3353,7 +5242,7 @@
           <a:p>
             <a:r>
               <a:rPr lang="ru-RU" dirty="0" smtClean="0"/>
-              <a:t>Клиент-серверная архитектура</a:t>
+              <a:t>Протоколы передачи данных</a:t>
             </a:r>
             <a:endParaRPr lang="ru-RU" dirty="0"/>
           </a:p>
@@ -3364,7 +5253,7 @@
           <p:cNvPr id="4" name="Текст 3">
             <a:extLst>
               <a:ext uri="{FF2B5EF4-FFF2-40B4-BE49-F238E27FC236}">
-                <a16:creationId xmlns:a16="http://schemas.microsoft.com/office/drawing/2014/main" xmlns="" id="{74C82C9C-F2A8-41A8-880B-73811E3EFC36}"/>
+                <a16:creationId xmlns:a16="http://schemas.microsoft.com/office/drawing/2014/main" id="{74C82C9C-F2A8-41A8-880B-73811E3EFC36}"/>
               </a:ext>
             </a:extLst>
           </p:cNvPr>
@@ -3389,10 +5278,269 @@
           </a:p>
         </p:txBody>
       </p:sp>
+      <p:sp>
+        <p:nvSpPr>
+          <p:cNvPr id="5" name="Текст 3">
+            <a:extLst>
+              <a:ext uri="{FF2B5EF4-FFF2-40B4-BE49-F238E27FC236}">
+                <a16:creationId xmlns:a16="http://schemas.microsoft.com/office/drawing/2014/main" id="{74C82C9C-F2A8-41A8-880B-73811E3EFC36}"/>
+              </a:ext>
+            </a:extLst>
+          </p:cNvPr>
+          <p:cNvSpPr txBox="1">
+            <a:spLocks/>
+          </p:cNvSpPr>
+          <p:nvPr/>
+        </p:nvSpPr>
+        <p:spPr bwMode="auto">
+          <a:xfrm>
+            <a:off x="253096" y="1332411"/>
+            <a:ext cx="8333555" cy="4763589"/>
+          </a:xfrm>
+          <a:prstGeom prst="rect">
+            <a:avLst/>
+          </a:prstGeom>
+          <a:noFill/>
+          <a:ln>
+            <a:noFill/>
+          </a:ln>
+          <a:extLst>
+            <a:ext uri="{909E8E84-426E-40DD-AFC4-6F175D3DCCD1}">
+              <a14:hiddenFill xmlns:a14="http://schemas.microsoft.com/office/drawing/2010/main">
+                <a:solidFill>
+                  <a:srgbClr val="FFFFFF"/>
+                </a:solidFill>
+              </a14:hiddenFill>
+            </a:ext>
+            <a:ext uri="{91240B29-F687-4F45-9708-019B960494DF}">
+              <a14:hiddenLine xmlns:a14="http://schemas.microsoft.com/office/drawing/2010/main" w="9525">
+                <a:solidFill>
+                  <a:srgbClr val="000000"/>
+                </a:solidFill>
+                <a:miter lim="800000"/>
+                <a:headEnd/>
+                <a:tailEnd/>
+              </a14:hiddenLine>
+            </a:ext>
+          </a:extLst>
+        </p:spPr>
+        <p:txBody>
+          <a:bodyPr vert="horz" wrap="square" lIns="91440" tIns="45720" rIns="91440" bIns="45720" numCol="1" anchor="t" anchorCtr="0" compatLnSpc="1">
+            <a:prstTxWarp prst="textNoShape">
+              <a:avLst/>
+            </a:prstTxWarp>
+            <a:normAutofit/>
+          </a:bodyPr>
+          <a:lstStyle>
+            <a:lvl1pPr marL="0" marR="0" indent="-342900" algn="l" defTabSz="180000" rtl="0" eaLnBrk="1" fontAlgn="auto" latinLnBrk="0" hangingPunct="1">
+              <a:lnSpc>
+                <a:spcPct val="100000"/>
+              </a:lnSpc>
+              <a:spcBef>
+                <a:spcPct val="20000"/>
+              </a:spcBef>
+              <a:spcAft>
+                <a:spcPts val="0"/>
+              </a:spcAft>
+              <a:buClrTx/>
+              <a:buSzTx/>
+              <a:buFont typeface="Arial" pitchFamily="34" charset="0"/>
+              <a:buNone/>
+              <a:tabLst/>
+              <a:defRPr sz="900" kern="1200">
+                <a:solidFill>
+                  <a:schemeClr val="tx1">
+                    <a:lumMod val="50000"/>
+                    <a:lumOff val="50000"/>
+                  </a:schemeClr>
+                </a:solidFill>
+                <a:latin typeface="Arial" pitchFamily="34" charset="0"/>
+                <a:ea typeface="+mn-ea"/>
+                <a:cs typeface="Arial" pitchFamily="34" charset="0"/>
+              </a:defRPr>
+            </a:lvl1pPr>
+            <a:lvl2pPr marL="742950" indent="-285750" algn="l" rtl="0" eaLnBrk="0" fontAlgn="base" hangingPunct="0">
+              <a:spcBef>
+                <a:spcPct val="20000"/>
+              </a:spcBef>
+              <a:spcAft>
+                <a:spcPct val="0"/>
+              </a:spcAft>
+              <a:buFont typeface="Arial" charset="0"/>
+              <a:buChar char="–"/>
+              <a:defRPr sz="2800" kern="1200">
+                <a:solidFill>
+                  <a:schemeClr val="tx1"/>
+                </a:solidFill>
+                <a:latin typeface="+mn-lt"/>
+                <a:ea typeface="+mn-ea"/>
+                <a:cs typeface="+mn-cs"/>
+              </a:defRPr>
+            </a:lvl2pPr>
+            <a:lvl3pPr marL="1143000" indent="-228600" algn="l" rtl="0" eaLnBrk="0" fontAlgn="base" hangingPunct="0">
+              <a:spcBef>
+                <a:spcPct val="20000"/>
+              </a:spcBef>
+              <a:spcAft>
+                <a:spcPct val="0"/>
+              </a:spcAft>
+              <a:buFont typeface="Arial" charset="0"/>
+              <a:buChar char="•"/>
+              <a:defRPr sz="2400" kern="1200">
+                <a:solidFill>
+                  <a:schemeClr val="tx1"/>
+                </a:solidFill>
+                <a:latin typeface="+mn-lt"/>
+                <a:ea typeface="+mn-ea"/>
+                <a:cs typeface="+mn-cs"/>
+              </a:defRPr>
+            </a:lvl3pPr>
+            <a:lvl4pPr marL="1600200" indent="-228600" algn="l" rtl="0" eaLnBrk="0" fontAlgn="base" hangingPunct="0">
+              <a:spcBef>
+                <a:spcPct val="20000"/>
+              </a:spcBef>
+              <a:spcAft>
+                <a:spcPct val="0"/>
+              </a:spcAft>
+              <a:buFont typeface="Arial" charset="0"/>
+              <a:buChar char="–"/>
+              <a:defRPr sz="2000" kern="1200">
+                <a:solidFill>
+                  <a:schemeClr val="tx1"/>
+                </a:solidFill>
+                <a:latin typeface="+mn-lt"/>
+                <a:ea typeface="+mn-ea"/>
+                <a:cs typeface="+mn-cs"/>
+              </a:defRPr>
+            </a:lvl4pPr>
+            <a:lvl5pPr marL="2057400" indent="-228600" algn="l" rtl="0" eaLnBrk="0" fontAlgn="base" hangingPunct="0">
+              <a:spcBef>
+                <a:spcPct val="20000"/>
+              </a:spcBef>
+              <a:spcAft>
+                <a:spcPct val="0"/>
+              </a:spcAft>
+              <a:buFont typeface="Arial" charset="0"/>
+              <a:buChar char="»"/>
+              <a:defRPr sz="2000" kern="1200">
+                <a:solidFill>
+                  <a:schemeClr val="tx1"/>
+                </a:solidFill>
+                <a:latin typeface="+mn-lt"/>
+                <a:ea typeface="+mn-ea"/>
+                <a:cs typeface="+mn-cs"/>
+              </a:defRPr>
+            </a:lvl5pPr>
+            <a:lvl6pPr marL="2514600" indent="-228600" algn="l" defTabSz="914400" rtl="0" eaLnBrk="1" latinLnBrk="0" hangingPunct="1">
+              <a:spcBef>
+                <a:spcPct val="20000"/>
+              </a:spcBef>
+              <a:buFont typeface="Arial" pitchFamily="34" charset="0"/>
+              <a:buChar char="•"/>
+              <a:defRPr sz="2000" kern="1200">
+                <a:solidFill>
+                  <a:schemeClr val="tx1"/>
+                </a:solidFill>
+                <a:latin typeface="+mn-lt"/>
+                <a:ea typeface="+mn-ea"/>
+                <a:cs typeface="+mn-cs"/>
+              </a:defRPr>
+            </a:lvl6pPr>
+            <a:lvl7pPr marL="2971800" indent="-228600" algn="l" defTabSz="914400" rtl="0" eaLnBrk="1" latinLnBrk="0" hangingPunct="1">
+              <a:spcBef>
+                <a:spcPct val="20000"/>
+              </a:spcBef>
+              <a:buFont typeface="Arial" pitchFamily="34" charset="0"/>
+              <a:buChar char="•"/>
+              <a:defRPr sz="2000" kern="1200">
+                <a:solidFill>
+                  <a:schemeClr val="tx1"/>
+                </a:solidFill>
+                <a:latin typeface="+mn-lt"/>
+                <a:ea typeface="+mn-ea"/>
+                <a:cs typeface="+mn-cs"/>
+              </a:defRPr>
+            </a:lvl7pPr>
+            <a:lvl8pPr marL="3429000" indent="-228600" algn="l" defTabSz="914400" rtl="0" eaLnBrk="1" latinLnBrk="0" hangingPunct="1">
+              <a:spcBef>
+                <a:spcPct val="20000"/>
+              </a:spcBef>
+              <a:buFont typeface="Arial" pitchFamily="34" charset="0"/>
+              <a:buChar char="•"/>
+              <a:defRPr sz="2000" kern="1200">
+                <a:solidFill>
+                  <a:schemeClr val="tx1"/>
+                </a:solidFill>
+                <a:latin typeface="+mn-lt"/>
+                <a:ea typeface="+mn-ea"/>
+                <a:cs typeface="+mn-cs"/>
+              </a:defRPr>
+            </a:lvl8pPr>
+            <a:lvl9pPr marL="3886200" indent="-228600" algn="l" defTabSz="914400" rtl="0" eaLnBrk="1" latinLnBrk="0" hangingPunct="1">
+              <a:spcBef>
+                <a:spcPct val="20000"/>
+              </a:spcBef>
+              <a:buFont typeface="Arial" pitchFamily="34" charset="0"/>
+              <a:buChar char="•"/>
+              <a:defRPr sz="2000" kern="1200">
+                <a:solidFill>
+                  <a:schemeClr val="tx1"/>
+                </a:solidFill>
+                <a:latin typeface="+mn-lt"/>
+                <a:ea typeface="+mn-ea"/>
+                <a:cs typeface="+mn-cs"/>
+              </a:defRPr>
+            </a:lvl9pPr>
+          </a:lstStyle>
+          <a:p>
+            <a:r>
+              <a:rPr lang="ru-RU" sz="1600" smtClean="0">
+                <a:solidFill>
+                  <a:schemeClr val="tx1"/>
+                </a:solidFill>
+                <a:latin typeface="Times New Roman" panose="02020603050405020304" pitchFamily="18" charset="0"/>
+                <a:cs typeface="Times New Roman" panose="02020603050405020304" pitchFamily="18" charset="0"/>
+              </a:rPr>
+              <a:t>Интернет – это глобальная сеть передачи данных.</a:t>
+            </a:r>
+          </a:p>
+          <a:p>
+            <a:r>
+              <a:rPr lang="ru-RU" sz="1600" smtClean="0">
+                <a:solidFill>
+                  <a:schemeClr val="tx1"/>
+                </a:solidFill>
+                <a:latin typeface="Times New Roman" panose="02020603050405020304" pitchFamily="18" charset="0"/>
+                <a:cs typeface="Times New Roman" panose="02020603050405020304" pitchFamily="18" charset="0"/>
+              </a:rPr>
+              <a:t>Образовался как объединение разнородных локальных сетей: сети институтов, каких-то местных провайдеров, они объединялись, постепенно возникла гловальная сеть интернет.</a:t>
+            </a:r>
+          </a:p>
+          <a:p>
+            <a:r>
+              <a:rPr lang="ru-RU" sz="1600" smtClean="0">
+                <a:solidFill>
+                  <a:schemeClr val="tx1"/>
+                </a:solidFill>
+                <a:latin typeface="Times New Roman" panose="02020603050405020304" pitchFamily="18" charset="0"/>
+                <a:cs typeface="Times New Roman" panose="02020603050405020304" pitchFamily="18" charset="0"/>
+              </a:rPr>
+              <a:t>Позволяет передать любые виды данных, будьто втидео сигнал, файл, отделыьные байты, между произвольными двумя машинами, подключенными к сети интернет. Интернет – это просто среда для передачи данных. В интернете работает большое колличество </a:t>
+            </a:r>
+            <a:endParaRPr lang="ru-RU" sz="1600" dirty="0">
+              <a:solidFill>
+                <a:schemeClr val="tx1"/>
+              </a:solidFill>
+              <a:latin typeface="Times New Roman" panose="02020603050405020304" pitchFamily="18" charset="0"/>
+              <a:cs typeface="Times New Roman" panose="02020603050405020304" pitchFamily="18" charset="0"/>
+            </a:endParaRPr>
+          </a:p>
+        </p:txBody>
+      </p:sp>
     </p:spTree>
     <p:extLst>
       <p:ext uri="{BB962C8B-B14F-4D97-AF65-F5344CB8AC3E}">
-        <p14:creationId xmlns:p14="http://schemas.microsoft.com/office/powerpoint/2010/main" val="2226781273"/>
+        <p14:creationId xmlns:p14="http://schemas.microsoft.com/office/powerpoint/2010/main" val="274450019"/>
       </p:ext>
     </p:extLst>
   </p:cSld>
@@ -3435,16 +5583,8 @@
           <a:lstStyle/>
           <a:p>
             <a:r>
-              <a:rPr lang="en-US" dirty="0" smtClean="0"/>
-              <a:t>Frontend</a:t>
-            </a:r>
-            <a:r>
               <a:rPr lang="ru-RU" dirty="0" smtClean="0"/>
-              <a:t> и </a:t>
-            </a:r>
-            <a:r>
-              <a:rPr lang="en-US" dirty="0" smtClean="0"/>
-              <a:t>Backend</a:t>
+              <a:t>Клиент-серверная архитектура</a:t>
             </a:r>
             <a:endParaRPr lang="ru-RU" dirty="0"/>
           </a:p>
@@ -3455,7 +5595,7 @@
           <p:cNvPr id="4" name="Текст 3">
             <a:extLst>
               <a:ext uri="{FF2B5EF4-FFF2-40B4-BE49-F238E27FC236}">
-                <a16:creationId xmlns:a16="http://schemas.microsoft.com/office/drawing/2014/main" xmlns="" id="{74C82C9C-F2A8-41A8-880B-73811E3EFC36}"/>
+                <a16:creationId xmlns:a16="http://schemas.microsoft.com/office/drawing/2014/main" id="{74C82C9C-F2A8-41A8-880B-73811E3EFC36}"/>
               </a:ext>
             </a:extLst>
           </p:cNvPr>
@@ -3483,7 +5623,7 @@
     </p:spTree>
     <p:extLst>
       <p:ext uri="{BB962C8B-B14F-4D97-AF65-F5344CB8AC3E}">
-        <p14:creationId xmlns:p14="http://schemas.microsoft.com/office/powerpoint/2010/main" val="2283449239"/>
+        <p14:creationId xmlns:p14="http://schemas.microsoft.com/office/powerpoint/2010/main" val="2226781273"/>
       </p:ext>
     </p:extLst>
   </p:cSld>
@@ -3527,11 +5667,15 @@
           <a:p>
             <a:r>
               <a:rPr lang="en-US" dirty="0" smtClean="0"/>
-              <a:t>Web-</a:t>
+              <a:t>Frontend</a:t>
             </a:r>
             <a:r>
               <a:rPr lang="ru-RU" dirty="0" smtClean="0"/>
-              <a:t>серверы</a:t>
+              <a:t> и </a:t>
+            </a:r>
+            <a:r>
+              <a:rPr lang="en-US" dirty="0" smtClean="0"/>
+              <a:t>Backend</a:t>
             </a:r>
             <a:endParaRPr lang="ru-RU" dirty="0"/>
           </a:p>
@@ -3542,7 +5686,7 @@
           <p:cNvPr id="4" name="Текст 3">
             <a:extLst>
               <a:ext uri="{FF2B5EF4-FFF2-40B4-BE49-F238E27FC236}">
-                <a16:creationId xmlns:a16="http://schemas.microsoft.com/office/drawing/2014/main" xmlns="" id="{74C82C9C-F2A8-41A8-880B-73811E3EFC36}"/>
+                <a16:creationId xmlns:a16="http://schemas.microsoft.com/office/drawing/2014/main" id="{74C82C9C-F2A8-41A8-880B-73811E3EFC36}"/>
               </a:ext>
             </a:extLst>
           </p:cNvPr>
@@ -3570,7 +5714,7 @@
     </p:spTree>
     <p:extLst>
       <p:ext uri="{BB962C8B-B14F-4D97-AF65-F5344CB8AC3E}">
-        <p14:creationId xmlns:p14="http://schemas.microsoft.com/office/powerpoint/2010/main" val="3824670363"/>
+        <p14:creationId xmlns:p14="http://schemas.microsoft.com/office/powerpoint/2010/main" val="2283449239"/>
       </p:ext>
     </p:extLst>
   </p:cSld>

--- a/Разработка веб-сервисов. Часть 1.pptx
+++ b/Разработка веб-сервисов. Часть 1.pptx
@@ -5,25 +5,33 @@
     <p:sldMasterId id="2147483648" r:id="rId1"/>
   </p:sldMasterIdLst>
   <p:notesMasterIdLst>
-    <p:notesMasterId r:id="rId15"/>
+    <p:notesMasterId r:id="rId23"/>
   </p:notesMasterIdLst>
   <p:handoutMasterIdLst>
-    <p:handoutMasterId r:id="rId16"/>
+    <p:handoutMasterId r:id="rId24"/>
   </p:handoutMasterIdLst>
   <p:sldIdLst>
     <p:sldId id="256" r:id="rId2"/>
     <p:sldId id="372" r:id="rId3"/>
     <p:sldId id="403" r:id="rId4"/>
     <p:sldId id="374" r:id="rId5"/>
-    <p:sldId id="404" r:id="rId6"/>
-    <p:sldId id="375" r:id="rId7"/>
-    <p:sldId id="402" r:id="rId8"/>
-    <p:sldId id="376" r:id="rId9"/>
-    <p:sldId id="401" r:id="rId10"/>
-    <p:sldId id="378" r:id="rId11"/>
-    <p:sldId id="377" r:id="rId12"/>
-    <p:sldId id="379" r:id="rId13"/>
-    <p:sldId id="380" r:id="rId14"/>
+    <p:sldId id="405" r:id="rId6"/>
+    <p:sldId id="407" r:id="rId7"/>
+    <p:sldId id="404" r:id="rId8"/>
+    <p:sldId id="406" r:id="rId9"/>
+    <p:sldId id="408" r:id="rId10"/>
+    <p:sldId id="409" r:id="rId11"/>
+    <p:sldId id="375" r:id="rId12"/>
+    <p:sldId id="410" r:id="rId13"/>
+    <p:sldId id="411" r:id="rId14"/>
+    <p:sldId id="376" r:id="rId15"/>
+    <p:sldId id="413" r:id="rId16"/>
+    <p:sldId id="401" r:id="rId17"/>
+    <p:sldId id="412" r:id="rId18"/>
+    <p:sldId id="378" r:id="rId19"/>
+    <p:sldId id="377" r:id="rId20"/>
+    <p:sldId id="379" r:id="rId21"/>
+    <p:sldId id="380" r:id="rId22"/>
   </p:sldIdLst>
   <p:sldSz cx="9144000" cy="6858000" type="screen4x3"/>
   <p:notesSz cx="6797675" cy="9775825"/>
@@ -298,7 +306,7 @@
               <a:pPr>
                 <a:defRPr/>
               </a:pPr>
-              <a:t>30.06.2018</a:t>
+              <a:t>03.07.2018</a:t>
             </a:fld>
             <a:endParaRPr lang="ru-RU"/>
           </a:p>
@@ -497,7 +505,7 @@
               <a:pPr>
                 <a:defRPr/>
               </a:pPr>
-              <a:t>30.06.2018</a:t>
+              <a:t>03.07.2018</a:t>
             </a:fld>
             <a:endParaRPr lang="ru-RU"/>
           </a:p>
@@ -906,6 +914,798 @@
 </p:notes>
 </file>
 
+<file path=ppt/notesSlides/notesSlide10.xml><?xml version="1.0" encoding="utf-8"?>
+<p:notes xmlns:a="http://schemas.openxmlformats.org/drawingml/2006/main" xmlns:r="http://schemas.openxmlformats.org/officeDocument/2006/relationships" xmlns:p="http://schemas.openxmlformats.org/presentationml/2006/main">
+  <p:cSld>
+    <p:spTree>
+      <p:nvGrpSpPr>
+        <p:cNvPr id="1" name=""/>
+        <p:cNvGrpSpPr/>
+        <p:nvPr/>
+      </p:nvGrpSpPr>
+      <p:grpSpPr>
+        <a:xfrm>
+          <a:off x="0" y="0"/>
+          <a:ext cx="0" cy="0"/>
+          <a:chOff x="0" y="0"/>
+          <a:chExt cx="0" cy="0"/>
+        </a:xfrm>
+      </p:grpSpPr>
+      <p:sp>
+        <p:nvSpPr>
+          <p:cNvPr id="2" name="Образ слайда 1"/>
+          <p:cNvSpPr>
+            <a:spLocks noGrp="1" noRot="1" noChangeAspect="1"/>
+          </p:cNvSpPr>
+          <p:nvPr>
+            <p:ph type="sldImg"/>
+          </p:nvPr>
+        </p:nvSpPr>
+        <p:spPr/>
+      </p:sp>
+      <p:sp>
+        <p:nvSpPr>
+          <p:cNvPr id="3" name="Заметки 2"/>
+          <p:cNvSpPr>
+            <a:spLocks noGrp="1"/>
+          </p:cNvSpPr>
+          <p:nvPr>
+            <p:ph type="body" idx="1"/>
+          </p:nvPr>
+        </p:nvSpPr>
+        <p:spPr/>
+        <p:txBody>
+          <a:bodyPr/>
+          <a:lstStyle/>
+          <a:p>
+            <a:r>
+              <a:rPr lang="ru-RU" dirty="0" smtClean="0"/>
+              <a:t>По 1.</a:t>
+            </a:r>
+            <a:r>
+              <a:rPr lang="ru-RU" baseline="0" dirty="0" smtClean="0"/>
+              <a:t> Например, ключи: товар, количество, цена, артикул и </a:t>
+            </a:r>
+            <a:r>
+              <a:rPr lang="ru-RU" baseline="0" dirty="0" err="1" smtClean="0"/>
+              <a:t>тэдэ</a:t>
+            </a:r>
+            <a:endParaRPr lang="ru-RU" dirty="0"/>
+          </a:p>
+        </p:txBody>
+      </p:sp>
+      <p:sp>
+        <p:nvSpPr>
+          <p:cNvPr id="4" name="Номер слайда 3"/>
+          <p:cNvSpPr>
+            <a:spLocks noGrp="1"/>
+          </p:cNvSpPr>
+          <p:nvPr>
+            <p:ph type="sldNum" sz="quarter" idx="10"/>
+          </p:nvPr>
+        </p:nvSpPr>
+        <p:spPr/>
+        <p:txBody>
+          <a:bodyPr/>
+          <a:lstStyle/>
+          <a:p>
+            <a:pPr>
+              <a:defRPr/>
+            </a:pPr>
+            <a:fld id="{DB2C8497-7A30-49CA-AF05-93FA02A474A9}" type="slidenum">
+              <a:rPr lang="ru-RU" smtClean="0"/>
+              <a:pPr>
+                <a:defRPr/>
+              </a:pPr>
+              <a:t>10</a:t>
+            </a:fld>
+            <a:endParaRPr lang="ru-RU"/>
+          </a:p>
+        </p:txBody>
+      </p:sp>
+    </p:spTree>
+    <p:extLst>
+      <p:ext uri="{BB962C8B-B14F-4D97-AF65-F5344CB8AC3E}">
+        <p14:creationId xmlns:p14="http://schemas.microsoft.com/office/powerpoint/2010/main" val="253080296"/>
+      </p:ext>
+    </p:extLst>
+  </p:cSld>
+  <p:clrMapOvr>
+    <a:masterClrMapping/>
+  </p:clrMapOvr>
+</p:notes>
+</file>
+
+<file path=ppt/notesSlides/notesSlide11.xml><?xml version="1.0" encoding="utf-8"?>
+<p:notes xmlns:a="http://schemas.openxmlformats.org/drawingml/2006/main" xmlns:r="http://schemas.openxmlformats.org/officeDocument/2006/relationships" xmlns:p="http://schemas.openxmlformats.org/presentationml/2006/main">
+  <p:cSld>
+    <p:spTree>
+      <p:nvGrpSpPr>
+        <p:cNvPr id="1" name=""/>
+        <p:cNvGrpSpPr/>
+        <p:nvPr/>
+      </p:nvGrpSpPr>
+      <p:grpSpPr>
+        <a:xfrm>
+          <a:off x="0" y="0"/>
+          <a:ext cx="0" cy="0"/>
+          <a:chOff x="0" y="0"/>
+          <a:chExt cx="0" cy="0"/>
+        </a:xfrm>
+      </p:grpSpPr>
+      <p:sp>
+        <p:nvSpPr>
+          <p:cNvPr id="2" name="Образ слайда 1"/>
+          <p:cNvSpPr>
+            <a:spLocks noGrp="1" noRot="1" noChangeAspect="1"/>
+          </p:cNvSpPr>
+          <p:nvPr>
+            <p:ph type="sldImg"/>
+          </p:nvPr>
+        </p:nvSpPr>
+        <p:spPr/>
+      </p:sp>
+      <p:sp>
+        <p:nvSpPr>
+          <p:cNvPr id="3" name="Заметки 2"/>
+          <p:cNvSpPr>
+            <a:spLocks noGrp="1"/>
+          </p:cNvSpPr>
+          <p:nvPr>
+            <p:ph type="body" idx="1"/>
+          </p:nvPr>
+        </p:nvSpPr>
+        <p:spPr/>
+        <p:txBody>
+          <a:bodyPr/>
+          <a:lstStyle/>
+          <a:p>
+            <a:r>
+              <a:rPr lang="ru-RU" dirty="0" smtClean="0"/>
+              <a:t>Чтобы получить доступ к какому-то конкретному документу, надо знать адрес</a:t>
+            </a:r>
+            <a:r>
+              <a:rPr lang="ru-RU" baseline="0" dirty="0" smtClean="0"/>
+              <a:t> этого документа.</a:t>
+            </a:r>
+          </a:p>
+          <a:p>
+            <a:r>
+              <a:rPr lang="ru-RU" baseline="0" dirty="0" smtClean="0"/>
+              <a:t>Так как д</a:t>
+            </a:r>
+            <a:r>
+              <a:rPr lang="ru-RU" dirty="0" smtClean="0"/>
+              <a:t>окументы обычно лежат или</a:t>
+            </a:r>
+            <a:r>
+              <a:rPr lang="ru-RU" baseline="0" dirty="0" smtClean="0"/>
+              <a:t> генерируются на каких-то компьютерах, то адрес документа будет состоять из двух частей:</a:t>
+            </a:r>
+          </a:p>
+          <a:p>
+            <a:r>
+              <a:rPr lang="ru-RU" baseline="0" dirty="0" smtClean="0"/>
+              <a:t>из адреса машины и адреса документа на этой машине.</a:t>
+            </a:r>
+          </a:p>
+          <a:p>
+            <a:r>
+              <a:rPr lang="ru-RU" baseline="0" dirty="0" smtClean="0"/>
+              <a:t>У каждой машины подключенной к сети машины есть так называемый </a:t>
+            </a:r>
+            <a:r>
+              <a:rPr lang="en-US" baseline="0" dirty="0" err="1" smtClean="0"/>
+              <a:t>ip</a:t>
+            </a:r>
+            <a:r>
+              <a:rPr lang="en-US" baseline="0" dirty="0" smtClean="0"/>
+              <a:t>-</a:t>
+            </a:r>
+            <a:r>
+              <a:rPr lang="ru-RU" baseline="0" dirty="0" smtClean="0"/>
+              <a:t>адрес. Это и есть адрес компьютера.</a:t>
+            </a:r>
+          </a:p>
+          <a:p>
+            <a:r>
+              <a:rPr lang="ru-RU" baseline="0" dirty="0" smtClean="0"/>
+              <a:t>*ЕСЛИ ВДРУГ СПРОСЯТ, По </a:t>
+            </a:r>
+            <a:r>
+              <a:rPr lang="ru-RU" baseline="0" dirty="0" err="1" smtClean="0"/>
+              <a:t>айпи</a:t>
+            </a:r>
+            <a:r>
+              <a:rPr lang="ru-RU" baseline="0" dirty="0" smtClean="0"/>
+              <a:t> нереально зайти на сайт, так как, на одном </a:t>
+            </a:r>
+            <a:r>
+              <a:rPr lang="ru-RU" baseline="0" dirty="0" err="1" smtClean="0"/>
+              <a:t>айпи</a:t>
+            </a:r>
+            <a:r>
+              <a:rPr lang="ru-RU" baseline="0" dirty="0" smtClean="0"/>
+              <a:t> могут быть несколько сайтов, сайт может лежать на разных серверах, надо знать документ где лежит, порт и </a:t>
+            </a:r>
+            <a:r>
+              <a:rPr lang="ru-RU" baseline="0" dirty="0" err="1" smtClean="0"/>
+              <a:t>тэдэ</a:t>
+            </a:r>
+            <a:r>
+              <a:rPr lang="ru-RU" baseline="0" dirty="0" smtClean="0"/>
+              <a:t>*</a:t>
+            </a:r>
+            <a:endParaRPr lang="ru-RU" dirty="0"/>
+          </a:p>
+        </p:txBody>
+      </p:sp>
+      <p:sp>
+        <p:nvSpPr>
+          <p:cNvPr id="4" name="Номер слайда 3"/>
+          <p:cNvSpPr>
+            <a:spLocks noGrp="1"/>
+          </p:cNvSpPr>
+          <p:nvPr>
+            <p:ph type="sldNum" sz="quarter" idx="10"/>
+          </p:nvPr>
+        </p:nvSpPr>
+        <p:spPr/>
+        <p:txBody>
+          <a:bodyPr/>
+          <a:lstStyle/>
+          <a:p>
+            <a:pPr>
+              <a:defRPr/>
+            </a:pPr>
+            <a:fld id="{DB2C8497-7A30-49CA-AF05-93FA02A474A9}" type="slidenum">
+              <a:rPr lang="ru-RU" smtClean="0"/>
+              <a:pPr>
+                <a:defRPr/>
+              </a:pPr>
+              <a:t>11</a:t>
+            </a:fld>
+            <a:endParaRPr lang="ru-RU"/>
+          </a:p>
+        </p:txBody>
+      </p:sp>
+    </p:spTree>
+    <p:extLst>
+      <p:ext uri="{BB962C8B-B14F-4D97-AF65-F5344CB8AC3E}">
+        <p14:creationId xmlns:p14="http://schemas.microsoft.com/office/powerpoint/2010/main" val="253124027"/>
+      </p:ext>
+    </p:extLst>
+  </p:cSld>
+  <p:clrMapOvr>
+    <a:masterClrMapping/>
+  </p:clrMapOvr>
+</p:notes>
+</file>
+
+<file path=ppt/notesSlides/notesSlide12.xml><?xml version="1.0" encoding="utf-8"?>
+<p:notes xmlns:a="http://schemas.openxmlformats.org/drawingml/2006/main" xmlns:r="http://schemas.openxmlformats.org/officeDocument/2006/relationships" xmlns:p="http://schemas.openxmlformats.org/presentationml/2006/main">
+  <p:cSld>
+    <p:spTree>
+      <p:nvGrpSpPr>
+        <p:cNvPr id="1" name=""/>
+        <p:cNvGrpSpPr/>
+        <p:nvPr/>
+      </p:nvGrpSpPr>
+      <p:grpSpPr>
+        <a:xfrm>
+          <a:off x="0" y="0"/>
+          <a:ext cx="0" cy="0"/>
+          <a:chOff x="0" y="0"/>
+          <a:chExt cx="0" cy="0"/>
+        </a:xfrm>
+      </p:grpSpPr>
+      <p:sp>
+        <p:nvSpPr>
+          <p:cNvPr id="2" name="Образ слайда 1"/>
+          <p:cNvSpPr>
+            <a:spLocks noGrp="1" noRot="1" noChangeAspect="1"/>
+          </p:cNvSpPr>
+          <p:nvPr>
+            <p:ph type="sldImg"/>
+          </p:nvPr>
+        </p:nvSpPr>
+        <p:spPr/>
+      </p:sp>
+      <p:sp>
+        <p:nvSpPr>
+          <p:cNvPr id="3" name="Заметки 2"/>
+          <p:cNvSpPr>
+            <a:spLocks noGrp="1"/>
+          </p:cNvSpPr>
+          <p:nvPr>
+            <p:ph type="body" idx="1"/>
+          </p:nvPr>
+        </p:nvSpPr>
+        <p:spPr/>
+        <p:txBody>
+          <a:bodyPr/>
+          <a:lstStyle/>
+          <a:p>
+            <a:r>
+              <a:rPr lang="ru-RU" sz="1200" b="0" i="0" kern="1200" dirty="0" smtClean="0">
+                <a:solidFill>
+                  <a:schemeClr val="tx1"/>
+                </a:solidFill>
+                <a:effectLst/>
+                <a:latin typeface="+mn-lt"/>
+                <a:ea typeface="+mn-ea"/>
+                <a:cs typeface="+mn-cs"/>
+              </a:rPr>
+              <a:t>Машины</a:t>
+            </a:r>
+            <a:r>
+              <a:rPr lang="ru-RU" sz="1200" b="0" i="0" kern="1200" baseline="0" dirty="0" smtClean="0">
+                <a:solidFill>
+                  <a:schemeClr val="tx1"/>
+                </a:solidFill>
+                <a:effectLst/>
+                <a:latin typeface="+mn-lt"/>
+                <a:ea typeface="+mn-ea"/>
+                <a:cs typeface="+mn-cs"/>
+              </a:rPr>
+              <a:t> оперируют исключительно цифрами и что удобно для машины неудобно для человека, поэтому люди придумали так называемые доменные имена, которые этот ряд цифр заменят на буквы.</a:t>
+            </a:r>
+          </a:p>
+          <a:p>
+            <a:r>
+              <a:rPr lang="ru-RU" sz="1200" b="0" i="0" kern="1200" baseline="0" dirty="0" smtClean="0">
+                <a:solidFill>
+                  <a:schemeClr val="tx1"/>
+                </a:solidFill>
+                <a:effectLst/>
+                <a:latin typeface="+mn-lt"/>
+                <a:ea typeface="+mn-ea"/>
+                <a:cs typeface="+mn-cs"/>
+              </a:rPr>
+              <a:t>Таким образом, </a:t>
+            </a:r>
+            <a:r>
+              <a:rPr lang="ru-RU" sz="1200" b="0" i="0" kern="1200" baseline="0" dirty="0" smtClean="0">
+                <a:solidFill>
+                  <a:schemeClr val="tx1"/>
+                </a:solidFill>
+                <a:effectLst/>
+                <a:latin typeface="Times New Roman" panose="02020603050405020304" pitchFamily="18" charset="0"/>
+                <a:ea typeface="+mn-ea"/>
+                <a:cs typeface="Times New Roman" panose="02020603050405020304" pitchFamily="18" charset="0"/>
+              </a:rPr>
+              <a:t>д</a:t>
+            </a:r>
+            <a:r>
+              <a:rPr lang="ru-RU" sz="1200" dirty="0" smtClean="0">
+                <a:solidFill>
+                  <a:schemeClr val="tx1"/>
+                </a:solidFill>
+                <a:latin typeface="Times New Roman" panose="02020603050405020304" pitchFamily="18" charset="0"/>
+                <a:cs typeface="Times New Roman" panose="02020603050405020304" pitchFamily="18" charset="0"/>
+              </a:rPr>
+              <a:t>оменные имена служат двум основным целям:</a:t>
+            </a:r>
+            <a:r>
+              <a:rPr lang="ru-RU" sz="1200" baseline="0" dirty="0" smtClean="0">
+                <a:solidFill>
+                  <a:schemeClr val="tx1"/>
+                </a:solidFill>
+                <a:latin typeface="Times New Roman" panose="02020603050405020304" pitchFamily="18" charset="0"/>
+                <a:cs typeface="Times New Roman" panose="02020603050405020304" pitchFamily="18" charset="0"/>
+              </a:rPr>
+              <a:t> …</a:t>
+            </a:r>
+            <a:endParaRPr lang="ru-RU" dirty="0"/>
+          </a:p>
+        </p:txBody>
+      </p:sp>
+      <p:sp>
+        <p:nvSpPr>
+          <p:cNvPr id="4" name="Номер слайда 3"/>
+          <p:cNvSpPr>
+            <a:spLocks noGrp="1"/>
+          </p:cNvSpPr>
+          <p:nvPr>
+            <p:ph type="sldNum" sz="quarter" idx="10"/>
+          </p:nvPr>
+        </p:nvSpPr>
+        <p:spPr/>
+        <p:txBody>
+          <a:bodyPr/>
+          <a:lstStyle/>
+          <a:p>
+            <a:pPr>
+              <a:defRPr/>
+            </a:pPr>
+            <a:fld id="{DB2C8497-7A30-49CA-AF05-93FA02A474A9}" type="slidenum">
+              <a:rPr lang="ru-RU" smtClean="0"/>
+              <a:pPr>
+                <a:defRPr/>
+              </a:pPr>
+              <a:t>12</a:t>
+            </a:fld>
+            <a:endParaRPr lang="ru-RU"/>
+          </a:p>
+        </p:txBody>
+      </p:sp>
+    </p:spTree>
+    <p:extLst>
+      <p:ext uri="{BB962C8B-B14F-4D97-AF65-F5344CB8AC3E}">
+        <p14:creationId xmlns:p14="http://schemas.microsoft.com/office/powerpoint/2010/main" val="1364011116"/>
+      </p:ext>
+    </p:extLst>
+  </p:cSld>
+  <p:clrMapOvr>
+    <a:masterClrMapping/>
+  </p:clrMapOvr>
+</p:notes>
+</file>
+
+<file path=ppt/notesSlides/notesSlide13.xml><?xml version="1.0" encoding="utf-8"?>
+<p:notes xmlns:a="http://schemas.openxmlformats.org/drawingml/2006/main" xmlns:r="http://schemas.openxmlformats.org/officeDocument/2006/relationships" xmlns:p="http://schemas.openxmlformats.org/presentationml/2006/main">
+  <p:cSld>
+    <p:spTree>
+      <p:nvGrpSpPr>
+        <p:cNvPr id="1" name=""/>
+        <p:cNvGrpSpPr/>
+        <p:nvPr/>
+      </p:nvGrpSpPr>
+      <p:grpSpPr>
+        <a:xfrm>
+          <a:off x="0" y="0"/>
+          <a:ext cx="0" cy="0"/>
+          <a:chOff x="0" y="0"/>
+          <a:chExt cx="0" cy="0"/>
+        </a:xfrm>
+      </p:grpSpPr>
+      <p:sp>
+        <p:nvSpPr>
+          <p:cNvPr id="2" name="Образ слайда 1"/>
+          <p:cNvSpPr>
+            <a:spLocks noGrp="1" noRot="1" noChangeAspect="1"/>
+          </p:cNvSpPr>
+          <p:nvPr>
+            <p:ph type="sldImg"/>
+          </p:nvPr>
+        </p:nvSpPr>
+        <p:spPr/>
+      </p:sp>
+      <p:sp>
+        <p:nvSpPr>
+          <p:cNvPr id="3" name="Заметки 2"/>
+          <p:cNvSpPr>
+            <a:spLocks noGrp="1"/>
+          </p:cNvSpPr>
+          <p:nvPr>
+            <p:ph type="body" idx="1"/>
+          </p:nvPr>
+        </p:nvSpPr>
+        <p:spPr/>
+        <p:txBody>
+          <a:bodyPr/>
+          <a:lstStyle/>
+          <a:p>
+            <a:pPr>
+              <a:buFont typeface="Arial" panose="020B0604020202020204" pitchFamily="34" charset="0"/>
+              <a:buNone/>
+            </a:pPr>
+            <a:r>
+              <a:rPr lang="ru-RU" sz="1200" dirty="0" smtClean="0">
+                <a:solidFill>
+                  <a:schemeClr val="tx1"/>
+                </a:solidFill>
+                <a:latin typeface="Times New Roman" panose="02020603050405020304" pitchFamily="18" charset="0"/>
+                <a:cs typeface="Times New Roman" panose="02020603050405020304" pitchFamily="18" charset="0"/>
+              </a:rPr>
+              <a:t>Доступ к документу осуществляется по его адресу. </a:t>
+            </a:r>
+            <a:endParaRPr lang="en-US" sz="1200" dirty="0" smtClean="0">
+              <a:solidFill>
+                <a:schemeClr val="tx1"/>
+              </a:solidFill>
+              <a:latin typeface="Times New Roman" panose="02020603050405020304" pitchFamily="18" charset="0"/>
+              <a:cs typeface="Times New Roman" panose="02020603050405020304" pitchFamily="18" charset="0"/>
+            </a:endParaRPr>
+          </a:p>
+          <a:p>
+            <a:pPr>
+              <a:buFont typeface="Arial" panose="020B0604020202020204" pitchFamily="34" charset="0"/>
+              <a:buNone/>
+            </a:pPr>
+            <a:r>
+              <a:rPr lang="ru-RU" sz="1200" dirty="0" smtClean="0">
+                <a:solidFill>
+                  <a:schemeClr val="tx1"/>
+                </a:solidFill>
+                <a:latin typeface="Times New Roman" panose="02020603050405020304" pitchFamily="18" charset="0"/>
+                <a:cs typeface="Times New Roman" panose="02020603050405020304" pitchFamily="18" charset="0"/>
+              </a:rPr>
+              <a:t>Такой</a:t>
+            </a:r>
+            <a:r>
+              <a:rPr lang="ru-RU" sz="1200" baseline="0" dirty="0" smtClean="0">
+                <a:solidFill>
+                  <a:schemeClr val="tx1"/>
+                </a:solidFill>
+                <a:latin typeface="Times New Roman" panose="02020603050405020304" pitchFamily="18" charset="0"/>
+                <a:cs typeface="Times New Roman" panose="02020603050405020304" pitchFamily="18" charset="0"/>
+              </a:rPr>
+              <a:t> адрес в системе </a:t>
+            </a:r>
+            <a:r>
+              <a:rPr lang="en-US" sz="1200" baseline="0" dirty="0" smtClean="0">
+                <a:solidFill>
+                  <a:schemeClr val="tx1"/>
+                </a:solidFill>
+                <a:latin typeface="Times New Roman" panose="02020603050405020304" pitchFamily="18" charset="0"/>
+                <a:cs typeface="Times New Roman" panose="02020603050405020304" pitchFamily="18" charset="0"/>
+              </a:rPr>
+              <a:t>WWW </a:t>
+            </a:r>
+            <a:r>
+              <a:rPr lang="ru-RU" sz="1200" dirty="0" smtClean="0">
+                <a:solidFill>
+                  <a:schemeClr val="tx1"/>
+                </a:solidFill>
+                <a:latin typeface="Times New Roman" panose="02020603050405020304" pitchFamily="18" charset="0"/>
+                <a:cs typeface="Times New Roman" panose="02020603050405020304" pitchFamily="18" charset="0"/>
+              </a:rPr>
+              <a:t>называется</a:t>
+            </a:r>
+            <a:r>
+              <a:rPr lang="ru-RU" sz="1200" baseline="0" dirty="0" smtClean="0">
+                <a:solidFill>
+                  <a:schemeClr val="tx1"/>
+                </a:solidFill>
+                <a:latin typeface="Times New Roman" panose="02020603050405020304" pitchFamily="18" charset="0"/>
+                <a:cs typeface="Times New Roman" panose="02020603050405020304" pitchFamily="18" charset="0"/>
+              </a:rPr>
+              <a:t> </a:t>
+            </a:r>
+            <a:r>
+              <a:rPr lang="en-US" sz="1200" baseline="0" dirty="0" smtClean="0">
+                <a:solidFill>
+                  <a:schemeClr val="tx1"/>
+                </a:solidFill>
+                <a:latin typeface="Times New Roman" panose="02020603050405020304" pitchFamily="18" charset="0"/>
+                <a:cs typeface="Times New Roman" panose="02020603050405020304" pitchFamily="18" charset="0"/>
+              </a:rPr>
+              <a:t>URL</a:t>
+            </a:r>
+            <a:endParaRPr lang="ru-RU" sz="1200" baseline="0" dirty="0" smtClean="0">
+              <a:solidFill>
+                <a:schemeClr val="tx1"/>
+              </a:solidFill>
+              <a:latin typeface="Times New Roman" panose="02020603050405020304" pitchFamily="18" charset="0"/>
+              <a:cs typeface="Times New Roman" panose="02020603050405020304" pitchFamily="18" charset="0"/>
+            </a:endParaRPr>
+          </a:p>
+          <a:p>
+            <a:pPr>
+              <a:buFont typeface="Arial" panose="020B0604020202020204" pitchFamily="34" charset="0"/>
+              <a:buNone/>
+            </a:pPr>
+            <a:r>
+              <a:rPr lang="ru-RU" sz="1200" baseline="0" dirty="0" smtClean="0">
+                <a:solidFill>
+                  <a:schemeClr val="tx1"/>
+                </a:solidFill>
+                <a:latin typeface="Times New Roman" panose="02020603050405020304" pitchFamily="18" charset="0"/>
+                <a:cs typeface="Times New Roman" panose="02020603050405020304" pitchFamily="18" charset="0"/>
+              </a:rPr>
+              <a:t>Пример на слайде</a:t>
+            </a:r>
+          </a:p>
+          <a:p>
+            <a:pPr>
+              <a:buFont typeface="Arial" panose="020B0604020202020204" pitchFamily="34" charset="0"/>
+              <a:buNone/>
+            </a:pPr>
+            <a:r>
+              <a:rPr lang="ru-RU" sz="1200" baseline="0" dirty="0" smtClean="0">
+                <a:solidFill>
+                  <a:schemeClr val="tx1"/>
+                </a:solidFill>
+                <a:latin typeface="Times New Roman" panose="02020603050405020304" pitchFamily="18" charset="0"/>
+                <a:cs typeface="Times New Roman" panose="02020603050405020304" pitchFamily="18" charset="0"/>
+              </a:rPr>
+              <a:t>Первое с чего начинается </a:t>
+            </a:r>
+            <a:r>
+              <a:rPr lang="en-US" sz="1200" baseline="0" dirty="0" smtClean="0">
+                <a:solidFill>
+                  <a:schemeClr val="tx1"/>
+                </a:solidFill>
+                <a:latin typeface="Times New Roman" panose="02020603050405020304" pitchFamily="18" charset="0"/>
+                <a:cs typeface="Times New Roman" panose="02020603050405020304" pitchFamily="18" charset="0"/>
+              </a:rPr>
+              <a:t>URL</a:t>
+            </a:r>
+            <a:r>
+              <a:rPr lang="ru-RU" sz="1200" baseline="0" dirty="0" smtClean="0">
+                <a:solidFill>
+                  <a:schemeClr val="tx1"/>
+                </a:solidFill>
+                <a:latin typeface="Times New Roman" panose="02020603050405020304" pitchFamily="18" charset="0"/>
+                <a:cs typeface="Times New Roman" panose="02020603050405020304" pitchFamily="18" charset="0"/>
+              </a:rPr>
+              <a:t> это:</a:t>
+            </a:r>
+          </a:p>
+          <a:p>
+            <a:pPr marL="228600" indent="-228600">
+              <a:buFont typeface="Arial" panose="020B0604020202020204" pitchFamily="34" charset="0"/>
+              <a:buAutoNum type="arabicPeriod"/>
+            </a:pPr>
+            <a:r>
+              <a:rPr lang="ru-RU" sz="1200" baseline="0" dirty="0" smtClean="0">
+                <a:solidFill>
+                  <a:schemeClr val="tx1"/>
+                </a:solidFill>
+                <a:latin typeface="Times New Roman" panose="02020603050405020304" pitchFamily="18" charset="0"/>
+                <a:cs typeface="Times New Roman" panose="02020603050405020304" pitchFamily="18" charset="0"/>
+              </a:rPr>
+              <a:t>….</a:t>
+            </a:r>
+          </a:p>
+          <a:p>
+            <a:pPr marL="0" indent="0">
+              <a:buFont typeface="Arial" panose="020B0604020202020204" pitchFamily="34" charset="0"/>
+              <a:buNone/>
+            </a:pPr>
+            <a:r>
+              <a:rPr lang="ru-RU" sz="1200" baseline="0" dirty="0" smtClean="0">
+                <a:solidFill>
+                  <a:schemeClr val="tx1"/>
+                </a:solidFill>
+                <a:latin typeface="Times New Roman" panose="02020603050405020304" pitchFamily="18" charset="0"/>
+                <a:cs typeface="Times New Roman" panose="02020603050405020304" pitchFamily="18" charset="0"/>
+              </a:rPr>
+              <a:t>Протокол – это набор стандартных соглашений, которые определяют обмен между данными. </a:t>
+            </a:r>
+            <a:r>
+              <a:rPr lang="ru-RU" sz="1200" b="0" i="0" kern="1200" dirty="0" smtClean="0">
+                <a:solidFill>
+                  <a:schemeClr val="tx1"/>
+                </a:solidFill>
+                <a:effectLst/>
+                <a:latin typeface="+mn-lt"/>
+                <a:ea typeface="+mn-ea"/>
+                <a:cs typeface="+mn-cs"/>
+              </a:rPr>
+              <a:t>Протокол HTTP используется при пересылке </a:t>
+            </a:r>
+            <a:r>
+              <a:rPr lang="ru-RU" sz="1200" b="0" i="0" kern="1200" dirty="0" err="1" smtClean="0">
+                <a:solidFill>
+                  <a:schemeClr val="tx1"/>
+                </a:solidFill>
+                <a:effectLst/>
+                <a:latin typeface="+mn-lt"/>
+                <a:ea typeface="+mn-ea"/>
+                <a:cs typeface="+mn-cs"/>
+              </a:rPr>
+              <a:t>Web</a:t>
+            </a:r>
+            <a:r>
+              <a:rPr lang="ru-RU" sz="1200" b="0" i="0" kern="1200" dirty="0" smtClean="0">
+                <a:solidFill>
+                  <a:schemeClr val="tx1"/>
+                </a:solidFill>
+                <a:effectLst/>
+                <a:latin typeface="+mn-lt"/>
+                <a:ea typeface="+mn-ea"/>
+                <a:cs typeface="+mn-cs"/>
+              </a:rPr>
+              <a:t>-страниц между компьютерами, подключенными к одной сети</a:t>
+            </a:r>
+          </a:p>
+          <a:p>
+            <a:pPr marL="0" indent="0">
+              <a:buFont typeface="Arial" panose="020B0604020202020204" pitchFamily="34" charset="0"/>
+              <a:buNone/>
+            </a:pPr>
+            <a:r>
+              <a:rPr lang="ru-RU" sz="1200" b="0" i="0" kern="1200" dirty="0" smtClean="0">
+                <a:solidFill>
+                  <a:schemeClr val="tx1"/>
+                </a:solidFill>
+                <a:effectLst/>
+                <a:latin typeface="+mn-lt"/>
+                <a:ea typeface="+mn-ea"/>
+                <a:cs typeface="+mn-cs"/>
+              </a:rPr>
+              <a:t>Что</a:t>
+            </a:r>
+            <a:r>
+              <a:rPr lang="ru-RU" sz="1200" b="0" i="0" kern="1200" baseline="0" dirty="0" smtClean="0">
+                <a:solidFill>
+                  <a:schemeClr val="tx1"/>
+                </a:solidFill>
+                <a:effectLst/>
+                <a:latin typeface="+mn-lt"/>
+                <a:ea typeface="+mn-ea"/>
+                <a:cs typeface="+mn-cs"/>
+              </a:rPr>
+              <a:t> такое порт? Дело в том, что документы по интернету передаются не от машины к машине, на самом деле, а от конкретной программы к конкретной программе (например, веб сервер – на одной стороне, браузер Интернет эксплорер на другой </a:t>
+            </a:r>
+            <a:r>
+              <a:rPr lang="ru-RU" sz="1200" b="0" i="0" kern="1200" baseline="0" dirty="0" err="1" smtClean="0">
+                <a:solidFill>
+                  <a:schemeClr val="tx1"/>
+                </a:solidFill>
+                <a:effectLst/>
+                <a:latin typeface="+mn-lt"/>
+                <a:ea typeface="+mn-ea"/>
+                <a:cs typeface="+mn-cs"/>
+              </a:rPr>
+              <a:t>строне</a:t>
+            </a:r>
+            <a:r>
+              <a:rPr lang="ru-RU" sz="1200" b="0" i="0" kern="1200" baseline="0" dirty="0" smtClean="0">
+                <a:solidFill>
+                  <a:schemeClr val="tx1"/>
+                </a:solidFill>
+                <a:effectLst/>
+                <a:latin typeface="+mn-lt"/>
+                <a:ea typeface="+mn-ea"/>
+                <a:cs typeface="+mn-cs"/>
+              </a:rPr>
+              <a:t>). Но на компьютере очень много разных программ, которые имеют доступ к интернету и слушают его в ожидании запросов. Поэтому нужен для каждой такой программы особый канал, особый адрес, где она прослушивает интернет в ожидании запроса. С конкретной программой связан конкретный порт ( не более 65535 портов). Таким образом данные будут попадать к конкретной программе, а не к любой.</a:t>
+            </a:r>
+            <a:endParaRPr lang="ru-RU" sz="1200" dirty="0" smtClean="0">
+              <a:solidFill>
+                <a:schemeClr val="tx1"/>
+              </a:solidFill>
+              <a:latin typeface="Times New Roman" panose="02020603050405020304" pitchFamily="18" charset="0"/>
+              <a:cs typeface="Times New Roman" panose="02020603050405020304" pitchFamily="18" charset="0"/>
+            </a:endParaRPr>
+          </a:p>
+        </p:txBody>
+      </p:sp>
+      <p:sp>
+        <p:nvSpPr>
+          <p:cNvPr id="4" name="Номер слайда 3"/>
+          <p:cNvSpPr>
+            <a:spLocks noGrp="1"/>
+          </p:cNvSpPr>
+          <p:nvPr>
+            <p:ph type="sldNum" sz="quarter" idx="10"/>
+          </p:nvPr>
+        </p:nvSpPr>
+        <p:spPr/>
+        <p:txBody>
+          <a:bodyPr/>
+          <a:lstStyle/>
+          <a:p>
+            <a:pPr>
+              <a:defRPr/>
+            </a:pPr>
+            <a:fld id="{DB2C8497-7A30-49CA-AF05-93FA02A474A9}" type="slidenum">
+              <a:rPr lang="ru-RU" smtClean="0"/>
+              <a:pPr>
+                <a:defRPr/>
+              </a:pPr>
+              <a:t>13</a:t>
+            </a:fld>
+            <a:endParaRPr lang="ru-RU"/>
+          </a:p>
+        </p:txBody>
+      </p:sp>
+    </p:spTree>
+    <p:extLst>
+      <p:ext uri="{BB962C8B-B14F-4D97-AF65-F5344CB8AC3E}">
+        <p14:creationId xmlns:p14="http://schemas.microsoft.com/office/powerpoint/2010/main" val="1027259927"/>
+      </p:ext>
+    </p:extLst>
+  </p:cSld>
+  <p:clrMapOvr>
+    <a:masterClrMapping/>
+  </p:clrMapOvr>
+</p:notes>
+</file>
+
 <file path=ppt/notesSlides/notesSlide2.xml><?xml version="1.0" encoding="utf-8"?>
 <p:notes xmlns:a="http://schemas.openxmlformats.org/drawingml/2006/main" xmlns:r="http://schemas.openxmlformats.org/officeDocument/2006/relationships" xmlns:p="http://schemas.openxmlformats.org/presentationml/2006/main">
   <p:cSld>
@@ -1166,6 +1966,1997 @@
     <p:extLst>
       <p:ext uri="{BB962C8B-B14F-4D97-AF65-F5344CB8AC3E}">
         <p14:creationId xmlns:p14="http://schemas.microsoft.com/office/powerpoint/2010/main" val="1851659095"/>
+      </p:ext>
+    </p:extLst>
+  </p:cSld>
+  <p:clrMapOvr>
+    <a:masterClrMapping/>
+  </p:clrMapOvr>
+</p:notes>
+</file>
+
+<file path=ppt/notesSlides/notesSlide3.xml><?xml version="1.0" encoding="utf-8"?>
+<p:notes xmlns:a="http://schemas.openxmlformats.org/drawingml/2006/main" xmlns:r="http://schemas.openxmlformats.org/officeDocument/2006/relationships" xmlns:p="http://schemas.openxmlformats.org/presentationml/2006/main">
+  <p:cSld>
+    <p:spTree>
+      <p:nvGrpSpPr>
+        <p:cNvPr id="1" name=""/>
+        <p:cNvGrpSpPr/>
+        <p:nvPr/>
+      </p:nvGrpSpPr>
+      <p:grpSpPr>
+        <a:xfrm>
+          <a:off x="0" y="0"/>
+          <a:ext cx="0" cy="0"/>
+          <a:chOff x="0" y="0"/>
+          <a:chExt cx="0" cy="0"/>
+        </a:xfrm>
+      </p:grpSpPr>
+      <p:sp>
+        <p:nvSpPr>
+          <p:cNvPr id="2" name="Образ слайда 1"/>
+          <p:cNvSpPr>
+            <a:spLocks noGrp="1" noRot="1" noChangeAspect="1"/>
+          </p:cNvSpPr>
+          <p:nvPr>
+            <p:ph type="sldImg"/>
+          </p:nvPr>
+        </p:nvSpPr>
+        <p:spPr/>
+      </p:sp>
+      <p:sp>
+        <p:nvSpPr>
+          <p:cNvPr id="3" name="Заметки 2"/>
+          <p:cNvSpPr>
+            <a:spLocks noGrp="1"/>
+          </p:cNvSpPr>
+          <p:nvPr>
+            <p:ph type="body" idx="1"/>
+          </p:nvPr>
+        </p:nvSpPr>
+        <p:spPr/>
+        <p:txBody>
+          <a:bodyPr/>
+          <a:lstStyle/>
+          <a:p>
+            <a:r>
+              <a:rPr lang="ru-RU" sz="1200" dirty="0" smtClean="0">
+                <a:solidFill>
+                  <a:schemeClr val="tx1"/>
+                </a:solidFill>
+                <a:latin typeface="Times New Roman" panose="02020603050405020304" pitchFamily="18" charset="0"/>
+                <a:cs typeface="Times New Roman" panose="02020603050405020304" pitchFamily="18" charset="0"/>
+              </a:rPr>
+              <a:t>Что же такое </a:t>
+            </a:r>
+            <a:r>
+              <a:rPr lang="en-US" sz="1200" dirty="0" smtClean="0">
+                <a:solidFill>
+                  <a:schemeClr val="tx1"/>
+                </a:solidFill>
+                <a:latin typeface="Times New Roman" panose="02020603050405020304" pitchFamily="18" charset="0"/>
+                <a:cs typeface="Times New Roman" panose="02020603050405020304" pitchFamily="18" charset="0"/>
+              </a:rPr>
+              <a:t>WWW</a:t>
+            </a:r>
+            <a:r>
+              <a:rPr lang="ru-RU" sz="1200" dirty="0" smtClean="0">
+                <a:solidFill>
+                  <a:schemeClr val="tx1"/>
+                </a:solidFill>
+                <a:latin typeface="Times New Roman" panose="02020603050405020304" pitchFamily="18" charset="0"/>
+                <a:cs typeface="Times New Roman" panose="02020603050405020304" pitchFamily="18" charset="0"/>
+              </a:rPr>
+              <a:t>?</a:t>
+            </a:r>
+          </a:p>
+          <a:p>
+            <a:r>
+              <a:rPr lang="ru-RU" sz="1200" dirty="0" smtClean="0">
+                <a:solidFill>
+                  <a:schemeClr val="tx1"/>
+                </a:solidFill>
+                <a:latin typeface="Times New Roman" panose="02020603050405020304" pitchFamily="18" charset="0"/>
+                <a:cs typeface="Times New Roman" panose="02020603050405020304" pitchFamily="18" charset="0"/>
+              </a:rPr>
+              <a:t>Это один из частных случаев применения сети интернет. </a:t>
+            </a:r>
+          </a:p>
+          <a:p>
+            <a:r>
+              <a:rPr lang="ru-RU" sz="1200" dirty="0" smtClean="0">
+                <a:solidFill>
+                  <a:schemeClr val="tx1"/>
+                </a:solidFill>
+                <a:latin typeface="Times New Roman" panose="02020603050405020304" pitchFamily="18" charset="0"/>
+                <a:cs typeface="Times New Roman" panose="02020603050405020304" pitchFamily="18" charset="0"/>
+              </a:rPr>
+              <a:t>Это </a:t>
+            </a:r>
+            <a:r>
+              <a:rPr lang="ru-RU" sz="1200" dirty="0" smtClean="0">
+                <a:solidFill>
+                  <a:schemeClr val="tx1"/>
+                </a:solidFill>
+                <a:latin typeface="Times New Roman" panose="02020603050405020304" pitchFamily="18" charset="0"/>
+                <a:cs typeface="Times New Roman" panose="02020603050405020304" pitchFamily="18" charset="0"/>
+              </a:rPr>
+              <a:t>сеть которая работает, условно, поверх </a:t>
+            </a:r>
+            <a:r>
+              <a:rPr lang="ru-RU" sz="1200" dirty="0" smtClean="0">
+                <a:solidFill>
+                  <a:schemeClr val="tx1"/>
+                </a:solidFill>
+                <a:latin typeface="Times New Roman" panose="02020603050405020304" pitchFamily="18" charset="0"/>
+                <a:cs typeface="Times New Roman" panose="02020603050405020304" pitchFamily="18" charset="0"/>
+              </a:rPr>
+              <a:t>интернета и она </a:t>
+            </a:r>
+            <a:r>
+              <a:rPr lang="ru-RU" sz="1200" dirty="0" smtClean="0">
+                <a:solidFill>
+                  <a:schemeClr val="tx1"/>
+                </a:solidFill>
+                <a:latin typeface="Times New Roman" panose="02020603050405020304" pitchFamily="18" charset="0"/>
+                <a:cs typeface="Times New Roman" panose="02020603050405020304" pitchFamily="18" charset="0"/>
+              </a:rPr>
+              <a:t>состоит из документов. </a:t>
+            </a:r>
+            <a:r>
+              <a:rPr lang="ru-RU" sz="1200" dirty="0" smtClean="0">
+                <a:solidFill>
+                  <a:schemeClr val="tx1"/>
+                </a:solidFill>
+                <a:latin typeface="Times New Roman" panose="02020603050405020304" pitchFamily="18" charset="0"/>
+                <a:cs typeface="Times New Roman" panose="02020603050405020304" pitchFamily="18" charset="0"/>
+              </a:rPr>
+              <a:t>Причем документы, связаны друг с другом по средством ссылок, которые называются гиперссылками.</a:t>
+            </a:r>
+          </a:p>
+          <a:p>
+            <a:endParaRPr lang="ru-RU" sz="1200" dirty="0" smtClean="0">
+              <a:solidFill>
+                <a:schemeClr val="tx1"/>
+              </a:solidFill>
+              <a:latin typeface="Times New Roman" panose="02020603050405020304" pitchFamily="18" charset="0"/>
+              <a:cs typeface="Times New Roman" panose="02020603050405020304" pitchFamily="18" charset="0"/>
+            </a:endParaRPr>
+          </a:p>
+          <a:p>
+            <a:r>
+              <a:rPr lang="en-US" sz="1200" dirty="0" smtClean="0">
+                <a:solidFill>
+                  <a:schemeClr val="tx1"/>
+                </a:solidFill>
+                <a:latin typeface="Times New Roman" panose="02020603050405020304" pitchFamily="18" charset="0"/>
+                <a:cs typeface="Times New Roman" panose="02020603050405020304" pitchFamily="18" charset="0"/>
+              </a:rPr>
+              <a:t>WWW</a:t>
+            </a:r>
+            <a:r>
+              <a:rPr lang="ru-RU" sz="1200" dirty="0" smtClean="0">
+                <a:solidFill>
+                  <a:schemeClr val="tx1"/>
+                </a:solidFill>
+                <a:latin typeface="Times New Roman" panose="02020603050405020304" pitchFamily="18" charset="0"/>
+                <a:cs typeface="Times New Roman" panose="02020603050405020304" pitchFamily="18" charset="0"/>
+              </a:rPr>
+              <a:t> </a:t>
+            </a:r>
+            <a:r>
+              <a:rPr lang="ru-RU" sz="1200" dirty="0" smtClean="0">
+                <a:solidFill>
+                  <a:schemeClr val="tx1"/>
+                </a:solidFill>
+                <a:latin typeface="Times New Roman" panose="02020603050405020304" pitchFamily="18" charset="0"/>
+                <a:cs typeface="Times New Roman" panose="02020603050405020304" pitchFamily="18" charset="0"/>
+              </a:rPr>
+              <a:t>– это множество взаимосвязанных документов, которые находятся на различных компьютерах в сети Интернет. </a:t>
+            </a:r>
+          </a:p>
+          <a:p>
+            <a:r>
+              <a:rPr lang="ru-RU" sz="1200" dirty="0" smtClean="0">
+                <a:solidFill>
+                  <a:schemeClr val="tx1"/>
+                </a:solidFill>
+                <a:latin typeface="Times New Roman" panose="02020603050405020304" pitchFamily="18" charset="0"/>
+                <a:cs typeface="Times New Roman" panose="02020603050405020304" pitchFamily="18" charset="0"/>
+              </a:rPr>
+              <a:t>Что значит взаимосвязанных – это значит что документы ссылаются друг на </a:t>
+            </a:r>
+            <a:r>
+              <a:rPr lang="ru-RU" sz="1200" dirty="0" smtClean="0">
+                <a:solidFill>
+                  <a:schemeClr val="tx1"/>
+                </a:solidFill>
+                <a:latin typeface="Times New Roman" panose="02020603050405020304" pitchFamily="18" charset="0"/>
+                <a:cs typeface="Times New Roman" panose="02020603050405020304" pitchFamily="18" charset="0"/>
+              </a:rPr>
+              <a:t>друга.</a:t>
+            </a:r>
+          </a:p>
+          <a:p>
+            <a:r>
+              <a:rPr lang="ru-RU" sz="1200" dirty="0" smtClean="0">
+                <a:solidFill>
+                  <a:schemeClr val="tx1"/>
+                </a:solidFill>
+                <a:latin typeface="Times New Roman" panose="02020603050405020304" pitchFamily="18" charset="0"/>
+                <a:cs typeface="Times New Roman" panose="02020603050405020304" pitchFamily="18" charset="0"/>
+              </a:rPr>
+              <a:t>Есть </a:t>
+            </a:r>
+            <a:r>
+              <a:rPr lang="ru-RU" sz="1200" dirty="0" smtClean="0">
+                <a:solidFill>
+                  <a:schemeClr val="tx1"/>
+                </a:solidFill>
+                <a:latin typeface="Times New Roman" panose="02020603050405020304" pitchFamily="18" charset="0"/>
+                <a:cs typeface="Times New Roman" panose="02020603050405020304" pitchFamily="18" charset="0"/>
+              </a:rPr>
+              <a:t>разные документы, они лежат на разных сайтах и ссылаются друг на друга посредством </a:t>
+            </a:r>
+            <a:r>
+              <a:rPr lang="ru-RU" sz="1200" dirty="0" smtClean="0">
+                <a:solidFill>
+                  <a:schemeClr val="tx1"/>
+                </a:solidFill>
+                <a:latin typeface="Times New Roman" panose="02020603050405020304" pitchFamily="18" charset="0"/>
+                <a:cs typeface="Times New Roman" panose="02020603050405020304" pitchFamily="18" charset="0"/>
+                <a:hlinkClick r:id="rId3"/>
+              </a:rPr>
+              <a:t>гиперссылок</a:t>
+            </a:r>
+            <a:r>
+              <a:rPr lang="ru-RU" sz="1200" dirty="0" smtClean="0">
+                <a:solidFill>
+                  <a:schemeClr val="tx1"/>
+                </a:solidFill>
+                <a:latin typeface="Times New Roman" panose="02020603050405020304" pitchFamily="18" charset="0"/>
+                <a:cs typeface="Times New Roman" panose="02020603050405020304" pitchFamily="18" charset="0"/>
+              </a:rPr>
+              <a:t>.</a:t>
+            </a:r>
+          </a:p>
+          <a:p>
+            <a:endParaRPr lang="ru-RU" sz="1200" dirty="0" smtClean="0">
+              <a:solidFill>
+                <a:schemeClr val="tx1"/>
+              </a:solidFill>
+              <a:latin typeface="Times New Roman" panose="02020603050405020304" pitchFamily="18" charset="0"/>
+              <a:cs typeface="Times New Roman" panose="02020603050405020304" pitchFamily="18" charset="0"/>
+            </a:endParaRPr>
+          </a:p>
+          <a:p>
+            <a:r>
+              <a:rPr lang="ru-RU" sz="1200" dirty="0" smtClean="0">
+                <a:solidFill>
+                  <a:schemeClr val="tx1"/>
+                </a:solidFill>
+                <a:latin typeface="Times New Roman" panose="02020603050405020304" pitchFamily="18" charset="0"/>
+                <a:cs typeface="Times New Roman" panose="02020603050405020304" pitchFamily="18" charset="0"/>
+              </a:rPr>
+              <a:t> *Щелкнуть по ссылке пройти на вики* </a:t>
+            </a:r>
+          </a:p>
+          <a:p>
+            <a:r>
+              <a:rPr lang="ru-RU" sz="1200" dirty="0" smtClean="0">
+                <a:solidFill>
+                  <a:schemeClr val="tx1"/>
+                </a:solidFill>
+                <a:latin typeface="Times New Roman" panose="02020603050405020304" pitchFamily="18" charset="0"/>
+                <a:cs typeface="Times New Roman" panose="02020603050405020304" pitchFamily="18" charset="0"/>
+              </a:rPr>
+              <a:t>Ссылки могут ссылаться как на документы лежащие на одном сайте </a:t>
+            </a:r>
+          </a:p>
+          <a:p>
+            <a:r>
+              <a:rPr lang="ru-RU" sz="1200" dirty="0" smtClean="0">
+                <a:solidFill>
+                  <a:schemeClr val="tx1"/>
+                </a:solidFill>
+                <a:latin typeface="Times New Roman" panose="02020603050405020304" pitchFamily="18" charset="0"/>
+                <a:cs typeface="Times New Roman" panose="02020603050405020304" pitchFamily="18" charset="0"/>
+              </a:rPr>
+              <a:t>*На страничке есть статья про </a:t>
+            </a:r>
+            <a:r>
+              <a:rPr lang="ru-RU" sz="1200" dirty="0" err="1" smtClean="0">
+                <a:solidFill>
+                  <a:schemeClr val="tx1"/>
+                </a:solidFill>
+                <a:latin typeface="Times New Roman" panose="02020603050405020304" pitchFamily="18" charset="0"/>
+                <a:cs typeface="Times New Roman" panose="02020603050405020304" pitchFamily="18" charset="0"/>
+              </a:rPr>
+              <a:t>троллинг</a:t>
+            </a:r>
+            <a:r>
+              <a:rPr lang="ru-RU" sz="1200" dirty="0" smtClean="0">
+                <a:solidFill>
+                  <a:schemeClr val="tx1"/>
+                </a:solidFill>
+                <a:latin typeface="Times New Roman" panose="02020603050405020304" pitchFamily="18" charset="0"/>
+                <a:cs typeface="Times New Roman" panose="02020603050405020304" pitchFamily="18" charset="0"/>
+              </a:rPr>
+              <a:t>*,</a:t>
+            </a:r>
+          </a:p>
+          <a:p>
+            <a:r>
+              <a:rPr lang="ru-RU" sz="1200" dirty="0" smtClean="0">
+                <a:solidFill>
+                  <a:schemeClr val="tx1"/>
+                </a:solidFill>
+                <a:latin typeface="Times New Roman" panose="02020603050405020304" pitchFamily="18" charset="0"/>
+                <a:cs typeface="Times New Roman" panose="02020603050405020304" pitchFamily="18" charset="0"/>
+              </a:rPr>
+              <a:t> так и на разных сайтах </a:t>
+            </a:r>
+          </a:p>
+          <a:p>
+            <a:r>
+              <a:rPr lang="ru-RU" sz="1200" dirty="0" smtClean="0">
+                <a:solidFill>
+                  <a:schemeClr val="tx1"/>
+                </a:solidFill>
+                <a:latin typeface="Times New Roman" panose="02020603050405020304" pitchFamily="18" charset="0"/>
+                <a:cs typeface="Times New Roman" panose="02020603050405020304" pitchFamily="18" charset="0"/>
+              </a:rPr>
+              <a:t>*Уйти на другой сайт по ссылке*. </a:t>
+            </a:r>
+          </a:p>
+          <a:p>
+            <a:endParaRPr lang="ru-RU" sz="1200" dirty="0" smtClean="0">
+              <a:solidFill>
+                <a:schemeClr val="tx1"/>
+              </a:solidFill>
+              <a:latin typeface="Times New Roman" panose="02020603050405020304" pitchFamily="18" charset="0"/>
+              <a:cs typeface="Times New Roman" panose="02020603050405020304" pitchFamily="18" charset="0"/>
+            </a:endParaRPr>
+          </a:p>
+          <a:p>
+            <a:r>
+              <a:rPr lang="ru-RU" sz="1200" dirty="0" smtClean="0">
+                <a:solidFill>
+                  <a:schemeClr val="tx1"/>
+                </a:solidFill>
+                <a:latin typeface="Times New Roman" panose="02020603050405020304" pitchFamily="18" charset="0"/>
+                <a:cs typeface="Times New Roman" panose="02020603050405020304" pitchFamily="18" charset="0"/>
+              </a:rPr>
+              <a:t>Изначально ВВВ задумывалась как система документации, предполагалось, что это система для научного сообщества. Люди могли публиковать результаты своих исследований и ссылаться друг на друга. В научном сообществе ссылки – это неотъемлемая часть научных работ, и ссылки очень важны. Со временем эта идея сильно переросла научное сообщество и стала намного шире. И получилось что получилось.</a:t>
+            </a:r>
+          </a:p>
+        </p:txBody>
+      </p:sp>
+      <p:sp>
+        <p:nvSpPr>
+          <p:cNvPr id="4" name="Номер слайда 3"/>
+          <p:cNvSpPr>
+            <a:spLocks noGrp="1"/>
+          </p:cNvSpPr>
+          <p:nvPr>
+            <p:ph type="sldNum" sz="quarter" idx="10"/>
+          </p:nvPr>
+        </p:nvSpPr>
+        <p:spPr/>
+        <p:txBody>
+          <a:bodyPr/>
+          <a:lstStyle/>
+          <a:p>
+            <a:pPr>
+              <a:defRPr/>
+            </a:pPr>
+            <a:fld id="{DB2C8497-7A30-49CA-AF05-93FA02A474A9}" type="slidenum">
+              <a:rPr lang="ru-RU" smtClean="0"/>
+              <a:pPr>
+                <a:defRPr/>
+              </a:pPr>
+              <a:t>3</a:t>
+            </a:fld>
+            <a:endParaRPr lang="ru-RU"/>
+          </a:p>
+        </p:txBody>
+      </p:sp>
+    </p:spTree>
+    <p:extLst>
+      <p:ext uri="{BB962C8B-B14F-4D97-AF65-F5344CB8AC3E}">
+        <p14:creationId xmlns:p14="http://schemas.microsoft.com/office/powerpoint/2010/main" val="10662522"/>
+      </p:ext>
+    </p:extLst>
+  </p:cSld>
+  <p:clrMapOvr>
+    <a:masterClrMapping/>
+  </p:clrMapOvr>
+</p:notes>
+</file>
+
+<file path=ppt/notesSlides/notesSlide4.xml><?xml version="1.0" encoding="utf-8"?>
+<p:notes xmlns:a="http://schemas.openxmlformats.org/drawingml/2006/main" xmlns:r="http://schemas.openxmlformats.org/officeDocument/2006/relationships" xmlns:p="http://schemas.openxmlformats.org/presentationml/2006/main">
+  <p:cSld>
+    <p:spTree>
+      <p:nvGrpSpPr>
+        <p:cNvPr id="1" name=""/>
+        <p:cNvGrpSpPr/>
+        <p:nvPr/>
+      </p:nvGrpSpPr>
+      <p:grpSpPr>
+        <a:xfrm>
+          <a:off x="0" y="0"/>
+          <a:ext cx="0" cy="0"/>
+          <a:chOff x="0" y="0"/>
+          <a:chExt cx="0" cy="0"/>
+        </a:xfrm>
+      </p:grpSpPr>
+      <p:sp>
+        <p:nvSpPr>
+          <p:cNvPr id="2" name="Образ слайда 1"/>
+          <p:cNvSpPr>
+            <a:spLocks noGrp="1" noRot="1" noChangeAspect="1"/>
+          </p:cNvSpPr>
+          <p:nvPr>
+            <p:ph type="sldImg"/>
+          </p:nvPr>
+        </p:nvSpPr>
+        <p:spPr/>
+      </p:sp>
+      <p:sp>
+        <p:nvSpPr>
+          <p:cNvPr id="3" name="Заметки 2"/>
+          <p:cNvSpPr>
+            <a:spLocks noGrp="1"/>
+          </p:cNvSpPr>
+          <p:nvPr>
+            <p:ph type="body" idx="1"/>
+          </p:nvPr>
+        </p:nvSpPr>
+        <p:spPr/>
+        <p:txBody>
+          <a:bodyPr/>
+          <a:lstStyle/>
+          <a:p>
+            <a:r>
+              <a:rPr lang="ru-RU" sz="1200" dirty="0" smtClean="0">
+                <a:solidFill>
+                  <a:schemeClr val="tx1"/>
+                </a:solidFill>
+                <a:latin typeface="Times New Roman" panose="02020603050405020304" pitchFamily="18" charset="0"/>
+                <a:cs typeface="Times New Roman" panose="02020603050405020304" pitchFamily="18" charset="0"/>
+              </a:rPr>
+              <a:t>Кратко о том какие бывают документы. </a:t>
+            </a:r>
+          </a:p>
+          <a:p>
+            <a:pPr marL="0" marR="0" lvl="0" indent="0" algn="l" defTabSz="914400" rtl="0" eaLnBrk="1" fontAlgn="base" latinLnBrk="0" hangingPunct="1">
+              <a:lnSpc>
+                <a:spcPct val="100000"/>
+              </a:lnSpc>
+              <a:spcBef>
+                <a:spcPct val="30000"/>
+              </a:spcBef>
+              <a:spcAft>
+                <a:spcPct val="0"/>
+              </a:spcAft>
+              <a:buClrTx/>
+              <a:buSzTx/>
+              <a:buFontTx/>
+              <a:buNone/>
+              <a:tabLst/>
+              <a:defRPr/>
+            </a:pPr>
+            <a:r>
+              <a:rPr lang="ru-RU" sz="1200" dirty="0" smtClean="0">
+                <a:solidFill>
+                  <a:schemeClr val="tx1"/>
+                </a:solidFill>
+                <a:latin typeface="Times New Roman" panose="02020603050405020304" pitchFamily="18" charset="0"/>
+                <a:cs typeface="Times New Roman" panose="02020603050405020304" pitchFamily="18" charset="0"/>
+              </a:rPr>
+              <a:t>Как говорилось ранее, по интернету можно передавать текст, видео,</a:t>
+            </a:r>
+            <a:r>
+              <a:rPr lang="ru-RU" sz="1200" baseline="0" dirty="0" smtClean="0">
+                <a:solidFill>
+                  <a:schemeClr val="tx1"/>
+                </a:solidFill>
+                <a:latin typeface="Times New Roman" panose="02020603050405020304" pitchFamily="18" charset="0"/>
+                <a:cs typeface="Times New Roman" panose="02020603050405020304" pitchFamily="18" charset="0"/>
+              </a:rPr>
+              <a:t> изображения, аудио. То есть документы </a:t>
+            </a:r>
+            <a:r>
+              <a:rPr lang="ru-RU" sz="1200" dirty="0" smtClean="0">
+                <a:solidFill>
+                  <a:schemeClr val="tx1"/>
+                </a:solidFill>
+                <a:latin typeface="Times New Roman" panose="02020603050405020304" pitchFamily="18" charset="0"/>
+                <a:cs typeface="Times New Roman" panose="02020603050405020304" pitchFamily="18" charset="0"/>
+              </a:rPr>
+              <a:t>бывают разных типов. </a:t>
+            </a:r>
+          </a:p>
+          <a:p>
+            <a:pPr marL="0" marR="0" lvl="0" indent="0" algn="l" defTabSz="914400" rtl="0" eaLnBrk="1" fontAlgn="base" latinLnBrk="0" hangingPunct="1">
+              <a:lnSpc>
+                <a:spcPct val="100000"/>
+              </a:lnSpc>
+              <a:spcBef>
+                <a:spcPct val="30000"/>
+              </a:spcBef>
+              <a:spcAft>
+                <a:spcPct val="0"/>
+              </a:spcAft>
+              <a:buClrTx/>
+              <a:buSzTx/>
+              <a:buFontTx/>
+              <a:buNone/>
+              <a:tabLst/>
+              <a:defRPr/>
+            </a:pPr>
+            <a:r>
+              <a:rPr lang="ru-RU" sz="1200" dirty="0" smtClean="0">
+                <a:solidFill>
+                  <a:schemeClr val="tx1"/>
+                </a:solidFill>
+                <a:latin typeface="Times New Roman" panose="02020603050405020304" pitchFamily="18" charset="0"/>
+                <a:cs typeface="Times New Roman" panose="02020603050405020304" pitchFamily="18" charset="0"/>
+              </a:rPr>
+              <a:t>И всегда важно указывать тип документа, чтобы компьютер мог понять, что это не текст, скажем, а изображение. Для этого каждому</a:t>
+            </a:r>
+            <a:r>
+              <a:rPr lang="ru-RU" sz="1200" baseline="0" dirty="0" smtClean="0">
+                <a:solidFill>
+                  <a:schemeClr val="tx1"/>
+                </a:solidFill>
+                <a:latin typeface="Times New Roman" panose="02020603050405020304" pitchFamily="18" charset="0"/>
+                <a:cs typeface="Times New Roman" panose="02020603050405020304" pitchFamily="18" charset="0"/>
+              </a:rPr>
+              <a:t> документу соответствует его тип.</a:t>
+            </a:r>
+          </a:p>
+          <a:p>
+            <a:r>
+              <a:rPr lang="ru-RU" sz="1200" dirty="0" smtClean="0">
+                <a:solidFill>
+                  <a:schemeClr val="tx1"/>
+                </a:solidFill>
+                <a:latin typeface="Times New Roman" panose="02020603050405020304" pitchFamily="18" charset="0"/>
+                <a:cs typeface="Times New Roman" panose="02020603050405020304" pitchFamily="18" charset="0"/>
+              </a:rPr>
+              <a:t>Типы документов задаются с  помощью </a:t>
+            </a:r>
+            <a:r>
+              <a:rPr lang="en-US" sz="1200" dirty="0" smtClean="0">
+                <a:solidFill>
+                  <a:schemeClr val="tx1"/>
+                </a:solidFill>
+                <a:latin typeface="Times New Roman" panose="02020603050405020304" pitchFamily="18" charset="0"/>
+                <a:cs typeface="Times New Roman" panose="02020603050405020304" pitchFamily="18" charset="0"/>
+              </a:rPr>
+              <a:t>MIME</a:t>
+            </a:r>
+            <a:r>
+              <a:rPr lang="ru-RU" sz="1200" dirty="0" smtClean="0">
+                <a:solidFill>
+                  <a:schemeClr val="tx1"/>
+                </a:solidFill>
+                <a:latin typeface="Times New Roman" panose="02020603050405020304" pitchFamily="18" charset="0"/>
+                <a:cs typeface="Times New Roman" panose="02020603050405020304" pitchFamily="18" charset="0"/>
+              </a:rPr>
+              <a:t>-типов: это строчка, обычно из двух слов, разделенных слешем.</a:t>
+            </a:r>
+          </a:p>
+          <a:p>
+            <a:r>
+              <a:rPr lang="ru-RU" sz="1200" dirty="0" smtClean="0">
+                <a:solidFill>
+                  <a:schemeClr val="tx1"/>
+                </a:solidFill>
+                <a:latin typeface="Times New Roman" panose="02020603050405020304" pitchFamily="18" charset="0"/>
+                <a:cs typeface="Times New Roman" panose="02020603050405020304" pitchFamily="18" charset="0"/>
+              </a:rPr>
+              <a:t>Типы документов: </a:t>
+            </a:r>
+          </a:p>
+          <a:p>
+            <a:pPr marL="0" marR="0" lvl="0" indent="0" algn="l" defTabSz="914400" rtl="0" eaLnBrk="1" fontAlgn="base" latinLnBrk="0" hangingPunct="1">
+              <a:lnSpc>
+                <a:spcPct val="100000"/>
+              </a:lnSpc>
+              <a:spcBef>
+                <a:spcPct val="30000"/>
+              </a:spcBef>
+              <a:spcAft>
+                <a:spcPct val="0"/>
+              </a:spcAft>
+              <a:buClrTx/>
+              <a:buSzTx/>
+              <a:buFontTx/>
+              <a:buNone/>
+              <a:tabLst/>
+              <a:defRPr/>
+            </a:pPr>
+            <a:r>
+              <a:rPr lang="ru-RU" sz="1200" baseline="0" dirty="0" smtClean="0">
+                <a:solidFill>
+                  <a:schemeClr val="tx1"/>
+                </a:solidFill>
+                <a:latin typeface="Times New Roman" panose="02020603050405020304" pitchFamily="18" charset="0"/>
+                <a:cs typeface="Times New Roman" panose="02020603050405020304" pitchFamily="18" charset="0"/>
+              </a:rPr>
+              <a:t>*Перечисление*</a:t>
+            </a:r>
+          </a:p>
+          <a:p>
+            <a:pPr marL="0" marR="0" lvl="0" indent="0" algn="l" defTabSz="914400" rtl="0" eaLnBrk="1" fontAlgn="base" latinLnBrk="0" hangingPunct="1">
+              <a:lnSpc>
+                <a:spcPct val="100000"/>
+              </a:lnSpc>
+              <a:spcBef>
+                <a:spcPct val="30000"/>
+              </a:spcBef>
+              <a:spcAft>
+                <a:spcPct val="0"/>
+              </a:spcAft>
+              <a:buClrTx/>
+              <a:buSzTx/>
+              <a:buFontTx/>
+              <a:buNone/>
+              <a:tabLst/>
+              <a:defRPr/>
+            </a:pPr>
+            <a:r>
+              <a:rPr lang="ru-RU" sz="1200" baseline="0" dirty="0" smtClean="0">
+                <a:solidFill>
+                  <a:schemeClr val="tx1"/>
+                </a:solidFill>
+                <a:latin typeface="Times New Roman" panose="02020603050405020304" pitchFamily="18" charset="0"/>
+                <a:cs typeface="Times New Roman" panose="02020603050405020304" pitchFamily="18" charset="0"/>
+              </a:rPr>
+              <a:t>Рассмотрим некоторые из них.</a:t>
+            </a:r>
+          </a:p>
+          <a:p>
+            <a:pPr marL="0" marR="0" lvl="0" indent="0" algn="l" defTabSz="914400" rtl="0" eaLnBrk="1" fontAlgn="base" latinLnBrk="0" hangingPunct="1">
+              <a:lnSpc>
+                <a:spcPct val="100000"/>
+              </a:lnSpc>
+              <a:spcBef>
+                <a:spcPct val="30000"/>
+              </a:spcBef>
+              <a:spcAft>
+                <a:spcPct val="0"/>
+              </a:spcAft>
+              <a:buClrTx/>
+              <a:buSzTx/>
+              <a:buFontTx/>
+              <a:buNone/>
+              <a:tabLst/>
+              <a:defRPr/>
+            </a:pPr>
+            <a:endParaRPr lang="ru-RU" sz="1200" dirty="0" smtClean="0">
+              <a:solidFill>
+                <a:schemeClr val="tx1"/>
+              </a:solidFill>
+              <a:latin typeface="Times New Roman" panose="02020603050405020304" pitchFamily="18" charset="0"/>
+              <a:cs typeface="Times New Roman" panose="02020603050405020304" pitchFamily="18" charset="0"/>
+            </a:endParaRPr>
+          </a:p>
+          <a:p>
+            <a:endParaRPr lang="ru-RU" dirty="0"/>
+          </a:p>
+        </p:txBody>
+      </p:sp>
+      <p:sp>
+        <p:nvSpPr>
+          <p:cNvPr id="4" name="Номер слайда 3"/>
+          <p:cNvSpPr>
+            <a:spLocks noGrp="1"/>
+          </p:cNvSpPr>
+          <p:nvPr>
+            <p:ph type="sldNum" sz="quarter" idx="10"/>
+          </p:nvPr>
+        </p:nvSpPr>
+        <p:spPr/>
+        <p:txBody>
+          <a:bodyPr/>
+          <a:lstStyle/>
+          <a:p>
+            <a:pPr>
+              <a:defRPr/>
+            </a:pPr>
+            <a:fld id="{DB2C8497-7A30-49CA-AF05-93FA02A474A9}" type="slidenum">
+              <a:rPr lang="ru-RU" smtClean="0"/>
+              <a:pPr>
+                <a:defRPr/>
+              </a:pPr>
+              <a:t>4</a:t>
+            </a:fld>
+            <a:endParaRPr lang="ru-RU"/>
+          </a:p>
+        </p:txBody>
+      </p:sp>
+    </p:spTree>
+    <p:extLst>
+      <p:ext uri="{BB962C8B-B14F-4D97-AF65-F5344CB8AC3E}">
+        <p14:creationId xmlns:p14="http://schemas.microsoft.com/office/powerpoint/2010/main" val="1393404372"/>
+      </p:ext>
+    </p:extLst>
+  </p:cSld>
+  <p:clrMapOvr>
+    <a:masterClrMapping/>
+  </p:clrMapOvr>
+</p:notes>
+</file>
+
+<file path=ppt/notesSlides/notesSlide5.xml><?xml version="1.0" encoding="utf-8"?>
+<p:notes xmlns:a="http://schemas.openxmlformats.org/drawingml/2006/main" xmlns:r="http://schemas.openxmlformats.org/officeDocument/2006/relationships" xmlns:p="http://schemas.openxmlformats.org/presentationml/2006/main">
+  <p:cSld>
+    <p:spTree>
+      <p:nvGrpSpPr>
+        <p:cNvPr id="1" name=""/>
+        <p:cNvGrpSpPr/>
+        <p:nvPr/>
+      </p:nvGrpSpPr>
+      <p:grpSpPr>
+        <a:xfrm>
+          <a:off x="0" y="0"/>
+          <a:ext cx="0" cy="0"/>
+          <a:chOff x="0" y="0"/>
+          <a:chExt cx="0" cy="0"/>
+        </a:xfrm>
+      </p:grpSpPr>
+      <p:sp>
+        <p:nvSpPr>
+          <p:cNvPr id="2" name="Образ слайда 1"/>
+          <p:cNvSpPr>
+            <a:spLocks noGrp="1" noRot="1" noChangeAspect="1"/>
+          </p:cNvSpPr>
+          <p:nvPr>
+            <p:ph type="sldImg"/>
+          </p:nvPr>
+        </p:nvSpPr>
+        <p:spPr/>
+      </p:sp>
+      <p:sp>
+        <p:nvSpPr>
+          <p:cNvPr id="3" name="Заметки 2"/>
+          <p:cNvSpPr>
+            <a:spLocks noGrp="1"/>
+          </p:cNvSpPr>
+          <p:nvPr>
+            <p:ph type="body" idx="1"/>
+          </p:nvPr>
+        </p:nvSpPr>
+        <p:spPr/>
+        <p:txBody>
+          <a:bodyPr/>
+          <a:lstStyle/>
+          <a:p>
+            <a:r>
+              <a:rPr lang="ru-RU" sz="1200" dirty="0" smtClean="0">
+                <a:solidFill>
+                  <a:schemeClr val="tx1"/>
+                </a:solidFill>
+                <a:latin typeface="Times New Roman" panose="02020603050405020304" pitchFamily="18" charset="0"/>
+                <a:cs typeface="Times New Roman" panose="02020603050405020304" pitchFamily="18" charset="0"/>
+              </a:rPr>
+              <a:t>Это самые важные файлы.</a:t>
+            </a:r>
+            <a:r>
+              <a:rPr lang="ru-RU" sz="1200" baseline="0" dirty="0" smtClean="0">
+                <a:solidFill>
+                  <a:schemeClr val="tx1"/>
+                </a:solidFill>
+                <a:latin typeface="Times New Roman" panose="02020603050405020304" pitchFamily="18" charset="0"/>
+                <a:cs typeface="Times New Roman" panose="02020603050405020304" pitchFamily="18" charset="0"/>
+              </a:rPr>
+              <a:t> Для передачи и хранения таких файлов и был разработан </a:t>
+            </a:r>
+            <a:r>
+              <a:rPr lang="en-US" sz="1200" baseline="0" dirty="0" smtClean="0">
+                <a:solidFill>
+                  <a:schemeClr val="tx1"/>
+                </a:solidFill>
+                <a:latin typeface="Times New Roman" panose="02020603050405020304" pitchFamily="18" charset="0"/>
+                <a:cs typeface="Times New Roman" panose="02020603050405020304" pitchFamily="18" charset="0"/>
+              </a:rPr>
+              <a:t>WWW</a:t>
+            </a:r>
+            <a:r>
+              <a:rPr lang="ru-RU" sz="1200" baseline="0" dirty="0" smtClean="0">
+                <a:solidFill>
+                  <a:schemeClr val="tx1"/>
+                </a:solidFill>
+                <a:latin typeface="Times New Roman" panose="02020603050405020304" pitchFamily="18" charset="0"/>
+                <a:cs typeface="Times New Roman" panose="02020603050405020304" pitchFamily="18" charset="0"/>
+              </a:rPr>
+              <a:t>. По факту это </a:t>
+            </a:r>
+            <a:r>
+              <a:rPr lang="ru-RU" sz="1200" baseline="0" dirty="0" smtClean="0">
+                <a:solidFill>
+                  <a:schemeClr val="tx1"/>
+                </a:solidFill>
+                <a:latin typeface="Times New Roman" panose="02020603050405020304" pitchFamily="18" charset="0"/>
+                <a:cs typeface="Times New Roman" panose="02020603050405020304" pitchFamily="18" charset="0"/>
+              </a:rPr>
+              <a:t>не только текст, это разметка</a:t>
+            </a:r>
+            <a:r>
+              <a:rPr lang="ru-RU" sz="1200" baseline="0" dirty="0" smtClean="0">
+                <a:solidFill>
+                  <a:schemeClr val="tx1"/>
+                </a:solidFill>
+                <a:latin typeface="Times New Roman" panose="02020603050405020304" pitchFamily="18" charset="0"/>
+                <a:cs typeface="Times New Roman" panose="02020603050405020304" pitchFamily="18" charset="0"/>
+              </a:rPr>
+              <a:t>, сходная с разметкой книг</a:t>
+            </a:r>
+            <a:r>
+              <a:rPr lang="ru-RU" sz="1200" baseline="0" dirty="0" smtClean="0">
+                <a:solidFill>
+                  <a:schemeClr val="tx1"/>
+                </a:solidFill>
+                <a:latin typeface="Times New Roman" panose="02020603050405020304" pitchFamily="18" charset="0"/>
+                <a:cs typeface="Times New Roman" panose="02020603050405020304" pitchFamily="18" charset="0"/>
+              </a:rPr>
+              <a:t>: есть заголовки, основная часть, какие-то таблицы и так далее. По факту - </a:t>
+            </a:r>
+            <a:r>
+              <a:rPr lang="ru-RU" sz="1200" baseline="0" dirty="0" smtClean="0">
+                <a:solidFill>
+                  <a:schemeClr val="tx1"/>
+                </a:solidFill>
+                <a:latin typeface="Times New Roman" panose="02020603050405020304" pitchFamily="18" charset="0"/>
+                <a:cs typeface="Times New Roman" panose="02020603050405020304" pitchFamily="18" charset="0"/>
+              </a:rPr>
+              <a:t>это текст, смешанный с тегами. На слайде вы видите текст и теги. </a:t>
+            </a:r>
+            <a:endParaRPr lang="ru-RU" sz="1200" baseline="0" dirty="0" smtClean="0">
+              <a:solidFill>
+                <a:schemeClr val="tx1"/>
+              </a:solidFill>
+              <a:latin typeface="Times New Roman" panose="02020603050405020304" pitchFamily="18" charset="0"/>
+              <a:cs typeface="Times New Roman" panose="02020603050405020304" pitchFamily="18" charset="0"/>
+            </a:endParaRPr>
+          </a:p>
+          <a:p>
+            <a:r>
+              <a:rPr lang="ru-RU" sz="1200" baseline="0" dirty="0" smtClean="0">
+                <a:solidFill>
+                  <a:schemeClr val="tx1"/>
+                </a:solidFill>
+                <a:latin typeface="Times New Roman" panose="02020603050405020304" pitchFamily="18" charset="0"/>
+                <a:cs typeface="Times New Roman" panose="02020603050405020304" pitchFamily="18" charset="0"/>
+              </a:rPr>
+              <a:t>Теги </a:t>
+            </a:r>
+            <a:r>
+              <a:rPr lang="ru-RU" sz="1200" baseline="0" dirty="0" smtClean="0">
+                <a:solidFill>
+                  <a:schemeClr val="tx1"/>
+                </a:solidFill>
+                <a:latin typeface="Times New Roman" panose="02020603050405020304" pitchFamily="18" charset="0"/>
+                <a:cs typeface="Times New Roman" panose="02020603050405020304" pitchFamily="18" charset="0"/>
+              </a:rPr>
+              <a:t>- это конструкции в угловых скобках. </a:t>
+            </a:r>
+            <a:endParaRPr lang="ru-RU" sz="1200" baseline="0" dirty="0" smtClean="0">
+              <a:solidFill>
+                <a:schemeClr val="tx1"/>
+              </a:solidFill>
+              <a:latin typeface="Times New Roman" panose="02020603050405020304" pitchFamily="18" charset="0"/>
+              <a:cs typeface="Times New Roman" panose="02020603050405020304" pitchFamily="18" charset="0"/>
+            </a:endParaRPr>
+          </a:p>
+          <a:p>
+            <a:r>
+              <a:rPr lang="ru-RU" sz="1200" baseline="0" dirty="0" smtClean="0">
+                <a:solidFill>
+                  <a:schemeClr val="tx1"/>
+                </a:solidFill>
+                <a:latin typeface="Times New Roman" panose="02020603050405020304" pitchFamily="18" charset="0"/>
+                <a:cs typeface="Times New Roman" panose="02020603050405020304" pitchFamily="18" charset="0"/>
+              </a:rPr>
+              <a:t>У </a:t>
+            </a:r>
+            <a:r>
+              <a:rPr lang="ru-RU" sz="1200" baseline="0" dirty="0" smtClean="0">
+                <a:solidFill>
+                  <a:schemeClr val="tx1"/>
+                </a:solidFill>
+                <a:latin typeface="Times New Roman" panose="02020603050405020304" pitchFamily="18" charset="0"/>
+                <a:cs typeface="Times New Roman" panose="02020603050405020304" pitchFamily="18" charset="0"/>
+              </a:rPr>
+              <a:t>тегов есть </a:t>
+            </a:r>
+            <a:r>
+              <a:rPr lang="ru-RU" sz="1200" baseline="0" dirty="0" smtClean="0">
+                <a:solidFill>
+                  <a:schemeClr val="tx1"/>
+                </a:solidFill>
+                <a:latin typeface="Times New Roman" panose="02020603050405020304" pitchFamily="18" charset="0"/>
+                <a:cs typeface="Times New Roman" panose="02020603050405020304" pitchFamily="18" charset="0"/>
+              </a:rPr>
+              <a:t>атрибуты – это свойства, которые можно задавать, </a:t>
+            </a:r>
+            <a:r>
+              <a:rPr lang="ru-RU" sz="1200" baseline="0" dirty="0" smtClean="0">
+                <a:solidFill>
+                  <a:schemeClr val="tx1"/>
+                </a:solidFill>
+                <a:latin typeface="Times New Roman" panose="02020603050405020304" pitchFamily="18" charset="0"/>
+                <a:cs typeface="Times New Roman" panose="02020603050405020304" pitchFamily="18" charset="0"/>
+              </a:rPr>
+              <a:t>у которых есть имя и значение. </a:t>
+            </a:r>
+            <a:endParaRPr lang="ru-RU" sz="1200" baseline="0" dirty="0" smtClean="0">
+              <a:solidFill>
+                <a:schemeClr val="tx1"/>
+              </a:solidFill>
+              <a:latin typeface="Times New Roman" panose="02020603050405020304" pitchFamily="18" charset="0"/>
+              <a:cs typeface="Times New Roman" panose="02020603050405020304" pitchFamily="18" charset="0"/>
+            </a:endParaRPr>
+          </a:p>
+          <a:p>
+            <a:r>
+              <a:rPr lang="ru-RU" sz="1200" baseline="0" dirty="0" smtClean="0">
+                <a:solidFill>
+                  <a:schemeClr val="tx1"/>
+                </a:solidFill>
+                <a:latin typeface="Times New Roman" panose="02020603050405020304" pitchFamily="18" charset="0"/>
+                <a:cs typeface="Times New Roman" panose="02020603050405020304" pitchFamily="18" charset="0"/>
+              </a:rPr>
+              <a:t>И </a:t>
+            </a:r>
+            <a:r>
+              <a:rPr lang="ru-RU" sz="1200" baseline="0" dirty="0" smtClean="0">
+                <a:solidFill>
+                  <a:schemeClr val="tx1"/>
+                </a:solidFill>
+                <a:latin typeface="Times New Roman" panose="02020603050405020304" pitchFamily="18" charset="0"/>
+                <a:cs typeface="Times New Roman" panose="02020603050405020304" pitchFamily="18" charset="0"/>
+              </a:rPr>
+              <a:t>есть просто текст.</a:t>
+            </a:r>
+            <a:endParaRPr lang="en-US" sz="1200" baseline="0" dirty="0" smtClean="0">
+              <a:solidFill>
+                <a:schemeClr val="tx1"/>
+              </a:solidFill>
+              <a:latin typeface="Times New Roman" panose="02020603050405020304" pitchFamily="18" charset="0"/>
+              <a:cs typeface="Times New Roman" panose="02020603050405020304" pitchFamily="18" charset="0"/>
+            </a:endParaRPr>
+          </a:p>
+          <a:p>
+            <a:r>
+              <a:rPr lang="ru-RU" sz="1200" baseline="0" dirty="0" smtClean="0">
+                <a:solidFill>
+                  <a:schemeClr val="tx1"/>
+                </a:solidFill>
+                <a:latin typeface="Times New Roman" panose="02020603050405020304" pitchFamily="18" charset="0"/>
+                <a:cs typeface="Times New Roman" panose="02020603050405020304" pitchFamily="18" charset="0"/>
+              </a:rPr>
+              <a:t>Сейчас используется для проектирования пользовательского интерфейса</a:t>
+            </a:r>
+            <a:r>
+              <a:rPr lang="ru-RU" sz="1200" baseline="0" dirty="0" smtClean="0">
+                <a:solidFill>
+                  <a:schemeClr val="tx1"/>
+                </a:solidFill>
+                <a:latin typeface="Times New Roman" panose="02020603050405020304" pitchFamily="18" charset="0"/>
+                <a:cs typeface="Times New Roman" panose="02020603050405020304" pitchFamily="18" charset="0"/>
+              </a:rPr>
+              <a:t>.</a:t>
+            </a:r>
+          </a:p>
+          <a:p>
+            <a:r>
+              <a:rPr lang="ru-RU" sz="1200" baseline="0" dirty="0" smtClean="0">
+                <a:solidFill>
+                  <a:schemeClr val="tx1"/>
+                </a:solidFill>
+                <a:latin typeface="Times New Roman" panose="02020603050405020304" pitchFamily="18" charset="0"/>
+                <a:cs typeface="Times New Roman" panose="02020603050405020304" pitchFamily="18" charset="0"/>
+              </a:rPr>
+              <a:t>*Открыть последнюю ссылку в вики, показать что есть меню, слева текст, справа место для рекламы и </a:t>
+            </a:r>
+            <a:r>
+              <a:rPr lang="ru-RU" sz="1200" baseline="0" dirty="0" err="1" smtClean="0">
+                <a:solidFill>
+                  <a:schemeClr val="tx1"/>
+                </a:solidFill>
+                <a:latin typeface="Times New Roman" panose="02020603050405020304" pitchFamily="18" charset="0"/>
+                <a:cs typeface="Times New Roman" panose="02020603050405020304" pitchFamily="18" charset="0"/>
+              </a:rPr>
+              <a:t>тэдэ</a:t>
+            </a:r>
+            <a:r>
+              <a:rPr lang="ru-RU" sz="1200" baseline="0" dirty="0" smtClean="0">
+                <a:solidFill>
+                  <a:schemeClr val="tx1"/>
+                </a:solidFill>
+                <a:latin typeface="Times New Roman" panose="02020603050405020304" pitchFamily="18" charset="0"/>
+                <a:cs typeface="Times New Roman" panose="02020603050405020304" pitchFamily="18" charset="0"/>
+              </a:rPr>
+              <a:t>. Открыть страничку в режиме разработчика, объяснить как это делать*</a:t>
+            </a:r>
+            <a:endParaRPr lang="ru-RU" sz="1200" dirty="0" smtClean="0">
+              <a:solidFill>
+                <a:schemeClr val="tx1"/>
+              </a:solidFill>
+              <a:latin typeface="Times New Roman" panose="02020603050405020304" pitchFamily="18" charset="0"/>
+              <a:cs typeface="Times New Roman" panose="02020603050405020304" pitchFamily="18" charset="0"/>
+            </a:endParaRPr>
+          </a:p>
+          <a:p>
+            <a:endParaRPr lang="ru-RU" dirty="0" smtClean="0"/>
+          </a:p>
+          <a:p>
+            <a:r>
+              <a:rPr lang="ru-RU" dirty="0" smtClean="0"/>
+              <a:t>Когда вы заходите</a:t>
+            </a:r>
+            <a:r>
+              <a:rPr lang="ru-RU" baseline="0" dirty="0" smtClean="0"/>
+              <a:t> на какую-то страничку в интернете, то у вас чаще всего загружается </a:t>
+            </a:r>
+            <a:r>
+              <a:rPr lang="en-US" baseline="0" dirty="0" smtClean="0"/>
+              <a:t>html</a:t>
+            </a:r>
+            <a:r>
+              <a:rPr lang="ru-RU" baseline="0" dirty="0" smtClean="0"/>
+              <a:t> документ, который в свою очередь загружает другие документы.</a:t>
+            </a:r>
+          </a:p>
+          <a:p>
+            <a:r>
+              <a:rPr lang="ru-RU" baseline="0" dirty="0" smtClean="0"/>
+              <a:t>*На слайде показать какие файлы загружает</a:t>
+            </a:r>
+            <a:r>
+              <a:rPr lang="ru-RU" baseline="0" dirty="0" smtClean="0"/>
+              <a:t>*</a:t>
+            </a:r>
+            <a:endParaRPr lang="ru-RU" dirty="0" smtClean="0"/>
+          </a:p>
+          <a:p>
+            <a:endParaRPr lang="ru-RU" dirty="0"/>
+          </a:p>
+        </p:txBody>
+      </p:sp>
+      <p:sp>
+        <p:nvSpPr>
+          <p:cNvPr id="4" name="Номер слайда 3"/>
+          <p:cNvSpPr>
+            <a:spLocks noGrp="1"/>
+          </p:cNvSpPr>
+          <p:nvPr>
+            <p:ph type="sldNum" sz="quarter" idx="10"/>
+          </p:nvPr>
+        </p:nvSpPr>
+        <p:spPr/>
+        <p:txBody>
+          <a:bodyPr/>
+          <a:lstStyle/>
+          <a:p>
+            <a:pPr>
+              <a:defRPr/>
+            </a:pPr>
+            <a:fld id="{DB2C8497-7A30-49CA-AF05-93FA02A474A9}" type="slidenum">
+              <a:rPr lang="ru-RU" smtClean="0"/>
+              <a:pPr>
+                <a:defRPr/>
+              </a:pPr>
+              <a:t>5</a:t>
+            </a:fld>
+            <a:endParaRPr lang="ru-RU"/>
+          </a:p>
+        </p:txBody>
+      </p:sp>
+    </p:spTree>
+    <p:extLst>
+      <p:ext uri="{BB962C8B-B14F-4D97-AF65-F5344CB8AC3E}">
+        <p14:creationId xmlns:p14="http://schemas.microsoft.com/office/powerpoint/2010/main" val="1422340325"/>
+      </p:ext>
+    </p:extLst>
+  </p:cSld>
+  <p:clrMapOvr>
+    <a:masterClrMapping/>
+  </p:clrMapOvr>
+</p:notes>
+</file>
+
+<file path=ppt/notesSlides/notesSlide6.xml><?xml version="1.0" encoding="utf-8"?>
+<p:notes xmlns:a="http://schemas.openxmlformats.org/drawingml/2006/main" xmlns:r="http://schemas.openxmlformats.org/officeDocument/2006/relationships" xmlns:p="http://schemas.openxmlformats.org/presentationml/2006/main">
+  <p:cSld>
+    <p:spTree>
+      <p:nvGrpSpPr>
+        <p:cNvPr id="1" name=""/>
+        <p:cNvGrpSpPr/>
+        <p:nvPr/>
+      </p:nvGrpSpPr>
+      <p:grpSpPr>
+        <a:xfrm>
+          <a:off x="0" y="0"/>
+          <a:ext cx="0" cy="0"/>
+          <a:chOff x="0" y="0"/>
+          <a:chExt cx="0" cy="0"/>
+        </a:xfrm>
+      </p:grpSpPr>
+      <p:sp>
+        <p:nvSpPr>
+          <p:cNvPr id="2" name="Образ слайда 1"/>
+          <p:cNvSpPr>
+            <a:spLocks noGrp="1" noRot="1" noChangeAspect="1"/>
+          </p:cNvSpPr>
+          <p:nvPr>
+            <p:ph type="sldImg"/>
+          </p:nvPr>
+        </p:nvSpPr>
+        <p:spPr/>
+      </p:sp>
+      <p:sp>
+        <p:nvSpPr>
+          <p:cNvPr id="3" name="Заметки 2"/>
+          <p:cNvSpPr>
+            <a:spLocks noGrp="1"/>
+          </p:cNvSpPr>
+          <p:nvPr>
+            <p:ph type="body" idx="1"/>
+          </p:nvPr>
+        </p:nvSpPr>
+        <p:spPr/>
+        <p:txBody>
+          <a:bodyPr/>
+          <a:lstStyle/>
+          <a:p>
+            <a:endParaRPr lang="ru-RU" dirty="0"/>
+          </a:p>
+        </p:txBody>
+      </p:sp>
+      <p:sp>
+        <p:nvSpPr>
+          <p:cNvPr id="4" name="Номер слайда 3"/>
+          <p:cNvSpPr>
+            <a:spLocks noGrp="1"/>
+          </p:cNvSpPr>
+          <p:nvPr>
+            <p:ph type="sldNum" sz="quarter" idx="10"/>
+          </p:nvPr>
+        </p:nvSpPr>
+        <p:spPr/>
+        <p:txBody>
+          <a:bodyPr/>
+          <a:lstStyle/>
+          <a:p>
+            <a:pPr>
+              <a:defRPr/>
+            </a:pPr>
+            <a:fld id="{DB2C8497-7A30-49CA-AF05-93FA02A474A9}" type="slidenum">
+              <a:rPr lang="ru-RU" smtClean="0"/>
+              <a:pPr>
+                <a:defRPr/>
+              </a:pPr>
+              <a:t>6</a:t>
+            </a:fld>
+            <a:endParaRPr lang="ru-RU"/>
+          </a:p>
+        </p:txBody>
+      </p:sp>
+    </p:spTree>
+    <p:extLst>
+      <p:ext uri="{BB962C8B-B14F-4D97-AF65-F5344CB8AC3E}">
+        <p14:creationId xmlns:p14="http://schemas.microsoft.com/office/powerpoint/2010/main" val="3198554829"/>
+      </p:ext>
+    </p:extLst>
+  </p:cSld>
+  <p:clrMapOvr>
+    <a:masterClrMapping/>
+  </p:clrMapOvr>
+</p:notes>
+</file>
+
+<file path=ppt/notesSlides/notesSlide7.xml><?xml version="1.0" encoding="utf-8"?>
+<p:notes xmlns:a="http://schemas.openxmlformats.org/drawingml/2006/main" xmlns:r="http://schemas.openxmlformats.org/officeDocument/2006/relationships" xmlns:p="http://schemas.openxmlformats.org/presentationml/2006/main">
+  <p:cSld>
+    <p:spTree>
+      <p:nvGrpSpPr>
+        <p:cNvPr id="1" name=""/>
+        <p:cNvGrpSpPr/>
+        <p:nvPr/>
+      </p:nvGrpSpPr>
+      <p:grpSpPr>
+        <a:xfrm>
+          <a:off x="0" y="0"/>
+          <a:ext cx="0" cy="0"/>
+          <a:chOff x="0" y="0"/>
+          <a:chExt cx="0" cy="0"/>
+        </a:xfrm>
+      </p:grpSpPr>
+      <p:sp>
+        <p:nvSpPr>
+          <p:cNvPr id="2" name="Образ слайда 1"/>
+          <p:cNvSpPr>
+            <a:spLocks noGrp="1" noRot="1" noChangeAspect="1"/>
+          </p:cNvSpPr>
+          <p:nvPr>
+            <p:ph type="sldImg"/>
+          </p:nvPr>
+        </p:nvSpPr>
+        <p:spPr/>
+      </p:sp>
+      <p:sp>
+        <p:nvSpPr>
+          <p:cNvPr id="3" name="Заметки 2"/>
+          <p:cNvSpPr>
+            <a:spLocks noGrp="1"/>
+          </p:cNvSpPr>
+          <p:nvPr>
+            <p:ph type="body" idx="1"/>
+          </p:nvPr>
+        </p:nvSpPr>
+        <p:spPr/>
+        <p:txBody>
+          <a:bodyPr/>
+          <a:lstStyle/>
+          <a:p>
+            <a:r>
+              <a:rPr lang="ru-RU" sz="1200" b="0" i="0" kern="1200" dirty="0" smtClean="0">
+                <a:solidFill>
+                  <a:schemeClr val="tx1"/>
+                </a:solidFill>
+                <a:effectLst/>
+                <a:latin typeface="+mn-lt"/>
+                <a:ea typeface="+mn-ea"/>
+                <a:cs typeface="+mn-cs"/>
+              </a:rPr>
+              <a:t>Это формат который пришел из языка </a:t>
+            </a:r>
+            <a:r>
+              <a:rPr lang="en-US" sz="1200" b="0" i="0" kern="1200" dirty="0" smtClean="0">
+                <a:solidFill>
+                  <a:schemeClr val="tx1"/>
+                </a:solidFill>
+                <a:effectLst/>
+                <a:latin typeface="+mn-lt"/>
+                <a:ea typeface="+mn-ea"/>
+                <a:cs typeface="+mn-cs"/>
+              </a:rPr>
+              <a:t>JavaScript</a:t>
+            </a:r>
+          </a:p>
+          <a:p>
+            <a:r>
+              <a:rPr lang="ru-RU" sz="1200" b="0" i="0" kern="1200" dirty="0" smtClean="0">
+                <a:solidFill>
+                  <a:schemeClr val="tx1"/>
+                </a:solidFill>
+                <a:effectLst/>
+                <a:latin typeface="+mn-lt"/>
+                <a:ea typeface="+mn-ea"/>
+                <a:cs typeface="+mn-cs"/>
+              </a:rPr>
+              <a:t>Похож </a:t>
+            </a:r>
+            <a:r>
+              <a:rPr lang="ru-RU" sz="1200" b="0" i="0" kern="1200" dirty="0" smtClean="0">
+                <a:solidFill>
+                  <a:schemeClr val="tx1"/>
+                </a:solidFill>
+                <a:effectLst/>
+                <a:latin typeface="+mn-lt"/>
+                <a:ea typeface="+mn-ea"/>
+                <a:cs typeface="+mn-cs"/>
+              </a:rPr>
+              <a:t>на словарь </a:t>
+            </a:r>
+            <a:r>
+              <a:rPr lang="en-US" sz="1200" b="0" i="0" kern="1200" dirty="0" smtClean="0">
+                <a:solidFill>
+                  <a:schemeClr val="tx1"/>
+                </a:solidFill>
+                <a:effectLst/>
+                <a:latin typeface="+mn-lt"/>
+                <a:ea typeface="+mn-ea"/>
+                <a:cs typeface="+mn-cs"/>
+              </a:rPr>
+              <a:t>Python.</a:t>
+            </a:r>
+            <a:endParaRPr lang="ru-RU" sz="1200" b="0" i="0" kern="1200" dirty="0" smtClean="0">
+              <a:solidFill>
+                <a:schemeClr val="tx1"/>
+              </a:solidFill>
+              <a:effectLst/>
+              <a:latin typeface="+mn-lt"/>
+              <a:ea typeface="+mn-ea"/>
+              <a:cs typeface="+mn-cs"/>
+            </a:endParaRPr>
+          </a:p>
+          <a:p>
+            <a:r>
+              <a:rPr lang="ru-RU" sz="1200" b="0" i="0" kern="1200" dirty="0" smtClean="0">
+                <a:solidFill>
+                  <a:schemeClr val="tx1"/>
+                </a:solidFill>
+                <a:effectLst/>
+                <a:latin typeface="+mn-lt"/>
+                <a:ea typeface="+mn-ea"/>
+                <a:cs typeface="+mn-cs"/>
+              </a:rPr>
+              <a:t>JSON-текст представляет собой (в закодированном виде):</a:t>
+            </a:r>
+          </a:p>
+          <a:p>
+            <a:r>
+              <a:rPr lang="ru-RU" sz="1200" b="0" i="0" kern="1200" dirty="0" smtClean="0">
+                <a:solidFill>
+                  <a:schemeClr val="tx1"/>
+                </a:solidFill>
+                <a:effectLst/>
+                <a:latin typeface="+mn-lt"/>
+                <a:ea typeface="+mn-ea"/>
+                <a:cs typeface="+mn-cs"/>
+              </a:rPr>
+              <a:t>Набор пар </a:t>
+            </a:r>
+            <a:r>
+              <a:rPr lang="ru-RU" sz="1200" b="0" i="1" kern="1200" dirty="0" smtClean="0">
+                <a:solidFill>
+                  <a:schemeClr val="tx1"/>
+                </a:solidFill>
+                <a:effectLst/>
+                <a:latin typeface="+mn-lt"/>
+                <a:ea typeface="+mn-ea"/>
+                <a:cs typeface="+mn-cs"/>
+              </a:rPr>
+              <a:t>ключ: значение</a:t>
+            </a:r>
+            <a:r>
+              <a:rPr lang="ru-RU" sz="1200" b="0" i="0" kern="1200" dirty="0" smtClean="0">
+                <a:solidFill>
+                  <a:schemeClr val="tx1"/>
+                </a:solidFill>
+                <a:effectLst/>
+                <a:latin typeface="+mn-lt"/>
+                <a:ea typeface="+mn-ea"/>
+                <a:cs typeface="+mn-cs"/>
+              </a:rPr>
+              <a:t>.</a:t>
+            </a:r>
+          </a:p>
+          <a:p>
+            <a:pPr marL="0" marR="0" lvl="0" indent="0" algn="l" defTabSz="914400" rtl="0" eaLnBrk="1" fontAlgn="base" latinLnBrk="0" hangingPunct="1">
+              <a:lnSpc>
+                <a:spcPct val="100000"/>
+              </a:lnSpc>
+              <a:spcBef>
+                <a:spcPct val="30000"/>
+              </a:spcBef>
+              <a:spcAft>
+                <a:spcPct val="0"/>
+              </a:spcAft>
+              <a:buClrTx/>
+              <a:buSzTx/>
+              <a:buFontTx/>
+              <a:buNone/>
+              <a:tabLst/>
+              <a:defRPr/>
+            </a:pPr>
+            <a:r>
+              <a:rPr lang="ru-RU" sz="1200" b="0" i="0" kern="1200" dirty="0" smtClean="0">
+                <a:solidFill>
+                  <a:schemeClr val="tx1"/>
+                </a:solidFill>
+                <a:effectLst/>
+                <a:latin typeface="+mn-lt"/>
+                <a:ea typeface="+mn-ea"/>
+                <a:cs typeface="+mn-cs"/>
+              </a:rPr>
+              <a:t>Тело </a:t>
+            </a:r>
+            <a:r>
+              <a:rPr lang="en-US" sz="1200" b="0" i="0" kern="1200" dirty="0" smtClean="0">
+                <a:solidFill>
+                  <a:schemeClr val="tx1"/>
+                </a:solidFill>
+                <a:effectLst/>
+                <a:latin typeface="+mn-lt"/>
+                <a:ea typeface="+mn-ea"/>
+                <a:cs typeface="+mn-cs"/>
+              </a:rPr>
+              <a:t>JSON </a:t>
+            </a:r>
+            <a:r>
+              <a:rPr lang="ru-RU" sz="1200" b="0" i="0" kern="1200" dirty="0" smtClean="0">
+                <a:solidFill>
+                  <a:schemeClr val="tx1"/>
+                </a:solidFill>
+                <a:effectLst/>
+                <a:latin typeface="+mn-lt"/>
+                <a:ea typeface="+mn-ea"/>
+                <a:cs typeface="+mn-cs"/>
+              </a:rPr>
+              <a:t>заключено в фигурные скобки. Слева от двоеточия</a:t>
+            </a:r>
+            <a:r>
+              <a:rPr lang="ru-RU" sz="1200" b="0" i="0" kern="1200" baseline="0" dirty="0" smtClean="0">
+                <a:solidFill>
+                  <a:schemeClr val="tx1"/>
+                </a:solidFill>
+                <a:effectLst/>
+                <a:latin typeface="+mn-lt"/>
+                <a:ea typeface="+mn-ea"/>
+                <a:cs typeface="+mn-cs"/>
+              </a:rPr>
+              <a:t> – ключ, справа – значение. Например для первого </a:t>
+            </a:r>
+            <a:r>
+              <a:rPr lang="en-US" sz="1200" b="0" i="0" kern="1200" baseline="0" dirty="0" smtClean="0">
+                <a:solidFill>
+                  <a:schemeClr val="tx1"/>
+                </a:solidFill>
+                <a:effectLst/>
+                <a:latin typeface="+mn-lt"/>
+                <a:ea typeface="+mn-ea"/>
+                <a:cs typeface="+mn-cs"/>
+              </a:rPr>
+              <a:t>JSONA</a:t>
+            </a:r>
+            <a:r>
+              <a:rPr lang="ru-RU" sz="1200" b="0" i="0" kern="1200" baseline="0" dirty="0" smtClean="0">
+                <a:solidFill>
+                  <a:schemeClr val="tx1"/>
+                </a:solidFill>
+                <a:effectLst/>
+                <a:latin typeface="+mn-lt"/>
+                <a:ea typeface="+mn-ea"/>
+                <a:cs typeface="+mn-cs"/>
+              </a:rPr>
+              <a:t> и т.д.</a:t>
+            </a:r>
+            <a:endParaRPr lang="ru-RU" sz="1200" b="0" i="0" kern="1200" dirty="0" smtClean="0">
+              <a:solidFill>
+                <a:schemeClr val="tx1"/>
+              </a:solidFill>
+              <a:effectLst/>
+              <a:latin typeface="+mn-lt"/>
+              <a:ea typeface="+mn-ea"/>
+              <a:cs typeface="+mn-cs"/>
+            </a:endParaRPr>
+          </a:p>
+          <a:p>
+            <a:endParaRPr lang="en-US" sz="1200" b="0" i="0" kern="1200" dirty="0" smtClean="0">
+              <a:solidFill>
+                <a:schemeClr val="tx1"/>
+              </a:solidFill>
+              <a:effectLst/>
+              <a:latin typeface="+mn-lt"/>
+              <a:ea typeface="+mn-ea"/>
+              <a:cs typeface="+mn-cs"/>
+            </a:endParaRPr>
+          </a:p>
+          <a:p>
+            <a:r>
+              <a:rPr lang="ru-RU" sz="1200" b="0" i="0" kern="1200" dirty="0" smtClean="0">
+                <a:solidFill>
+                  <a:schemeClr val="tx1"/>
+                </a:solidFill>
+                <a:effectLst/>
+                <a:latin typeface="+mn-lt"/>
+                <a:ea typeface="+mn-ea"/>
+                <a:cs typeface="+mn-cs"/>
+              </a:rPr>
+              <a:t>Ключом может быть только строка</a:t>
+            </a:r>
+            <a:r>
+              <a:rPr lang="en-US" sz="1200" b="0" i="0" kern="1200" dirty="0" smtClean="0">
+                <a:solidFill>
+                  <a:schemeClr val="tx1"/>
+                </a:solidFill>
+                <a:effectLst/>
+                <a:latin typeface="+mn-lt"/>
+                <a:ea typeface="+mn-ea"/>
+                <a:cs typeface="+mn-cs"/>
+              </a:rPr>
+              <a:t>.</a:t>
+            </a:r>
+            <a:endParaRPr lang="ru-RU" sz="1200" b="0" i="0" kern="1200" dirty="0" smtClean="0">
+              <a:solidFill>
+                <a:schemeClr val="tx1"/>
+              </a:solidFill>
+              <a:effectLst/>
+              <a:latin typeface="+mn-lt"/>
+              <a:ea typeface="+mn-ea"/>
+              <a:cs typeface="+mn-cs"/>
+            </a:endParaRPr>
+          </a:p>
+          <a:p>
+            <a:r>
+              <a:rPr lang="ru-RU" sz="1200" b="0" i="0" kern="1200" dirty="0" smtClean="0">
+                <a:solidFill>
+                  <a:schemeClr val="tx1"/>
+                </a:solidFill>
+                <a:effectLst/>
+                <a:latin typeface="+mn-lt"/>
+                <a:ea typeface="+mn-ea"/>
+                <a:cs typeface="+mn-cs"/>
+              </a:rPr>
+              <a:t>В качестве значений в JSON могут быть использованы:</a:t>
+            </a:r>
+            <a:endParaRPr lang="en-US" sz="1200" b="0" i="0" kern="1200" dirty="0" smtClean="0">
+              <a:solidFill>
+                <a:schemeClr val="tx1"/>
+              </a:solidFill>
+              <a:effectLst/>
+              <a:latin typeface="+mn-lt"/>
+              <a:ea typeface="+mn-ea"/>
+              <a:cs typeface="+mn-cs"/>
+            </a:endParaRPr>
+          </a:p>
+          <a:p>
+            <a:r>
+              <a:rPr lang="ru-RU" sz="1200" b="1" i="0" kern="1200" dirty="0" smtClean="0">
+                <a:solidFill>
+                  <a:schemeClr val="tx1"/>
+                </a:solidFill>
+                <a:effectLst/>
+                <a:latin typeface="+mn-lt"/>
+                <a:ea typeface="+mn-ea"/>
+                <a:cs typeface="+mn-cs"/>
+              </a:rPr>
+              <a:t>Число</a:t>
+            </a:r>
+            <a:endParaRPr lang="en-US" sz="1200" b="1" i="0" kern="1200" dirty="0" smtClean="0">
+              <a:solidFill>
+                <a:schemeClr val="tx1"/>
+              </a:solidFill>
+              <a:effectLst/>
+              <a:latin typeface="+mn-lt"/>
+              <a:ea typeface="+mn-ea"/>
+              <a:cs typeface="+mn-cs"/>
+            </a:endParaRPr>
+          </a:p>
+          <a:p>
+            <a:r>
+              <a:rPr lang="ru-RU" sz="1200" b="1" i="0" kern="1200" dirty="0" smtClean="0">
+                <a:solidFill>
+                  <a:schemeClr val="tx1"/>
+                </a:solidFill>
+                <a:effectLst/>
+                <a:latin typeface="+mn-lt"/>
+                <a:ea typeface="+mn-ea"/>
+                <a:cs typeface="+mn-cs"/>
+              </a:rPr>
+              <a:t>Строка</a:t>
+            </a:r>
+            <a:endParaRPr lang="en-US" sz="1200" b="1" i="0" kern="1200" dirty="0" smtClean="0">
+              <a:solidFill>
+                <a:schemeClr val="tx1"/>
+              </a:solidFill>
+              <a:effectLst/>
+              <a:latin typeface="+mn-lt"/>
+              <a:ea typeface="+mn-ea"/>
+              <a:cs typeface="+mn-cs"/>
+            </a:endParaRPr>
+          </a:p>
+          <a:p>
+            <a:r>
+              <a:rPr lang="en-US" sz="1200" b="0" i="1" kern="1200" dirty="0" smtClean="0">
+                <a:solidFill>
+                  <a:schemeClr val="tx1"/>
+                </a:solidFill>
+                <a:effectLst/>
+                <a:latin typeface="+mn-lt"/>
+                <a:ea typeface="+mn-ea"/>
+                <a:cs typeface="+mn-cs"/>
+              </a:rPr>
+              <a:t>TRUE, FALSE</a:t>
+            </a:r>
+            <a:endParaRPr lang="en-US" sz="1200" b="0" i="0" kern="1200" dirty="0" smtClean="0">
+              <a:solidFill>
+                <a:schemeClr val="tx1"/>
+              </a:solidFill>
+              <a:effectLst/>
+              <a:latin typeface="+mn-lt"/>
+              <a:ea typeface="+mn-ea"/>
+              <a:cs typeface="+mn-cs"/>
+            </a:endParaRPr>
+          </a:p>
+          <a:p>
+            <a:r>
+              <a:rPr lang="ru-RU" sz="1200" b="1" i="0" kern="1200" dirty="0" smtClean="0">
+                <a:solidFill>
+                  <a:schemeClr val="tx1"/>
+                </a:solidFill>
+                <a:effectLst/>
+                <a:latin typeface="+mn-lt"/>
+                <a:ea typeface="+mn-ea"/>
+                <a:cs typeface="+mn-cs"/>
+              </a:rPr>
+              <a:t>Массив</a:t>
+            </a:r>
+            <a:endParaRPr lang="en-US" sz="1200" b="1" i="0" kern="1200" dirty="0" smtClean="0">
+              <a:solidFill>
+                <a:schemeClr val="tx1"/>
+              </a:solidFill>
+              <a:effectLst/>
+              <a:latin typeface="+mn-lt"/>
+              <a:ea typeface="+mn-ea"/>
+              <a:cs typeface="+mn-cs"/>
+            </a:endParaRPr>
+          </a:p>
+          <a:p>
+            <a:r>
+              <a:rPr lang="en-US" sz="1200" b="1" i="0" kern="1200" dirty="0" smtClean="0">
+                <a:solidFill>
+                  <a:schemeClr val="tx1"/>
+                </a:solidFill>
+                <a:effectLst/>
+                <a:latin typeface="+mn-lt"/>
+                <a:ea typeface="+mn-ea"/>
+                <a:cs typeface="+mn-cs"/>
+              </a:rPr>
+              <a:t>JSON</a:t>
+            </a:r>
+            <a:endParaRPr lang="ru-RU" sz="1200" b="1" i="0" kern="1200" dirty="0" smtClean="0">
+              <a:solidFill>
+                <a:schemeClr val="tx1"/>
+              </a:solidFill>
+              <a:effectLst/>
+              <a:latin typeface="+mn-lt"/>
+              <a:ea typeface="+mn-ea"/>
+              <a:cs typeface="+mn-cs"/>
+            </a:endParaRPr>
+          </a:p>
+          <a:p>
+            <a:endParaRPr lang="ru-RU" sz="1200" b="0" i="0" kern="1200" dirty="0" smtClean="0">
+              <a:solidFill>
+                <a:schemeClr val="tx1"/>
+              </a:solidFill>
+              <a:effectLst/>
+              <a:latin typeface="+mn-lt"/>
+              <a:ea typeface="+mn-ea"/>
+              <a:cs typeface="+mn-cs"/>
+            </a:endParaRPr>
+          </a:p>
+          <a:p>
+            <a:r>
+              <a:rPr lang="en-US" sz="1200" b="0" i="0" kern="1200" dirty="0" smtClean="0">
+                <a:solidFill>
+                  <a:schemeClr val="tx1"/>
+                </a:solidFill>
+                <a:effectLst/>
+                <a:latin typeface="+mn-lt"/>
+                <a:ea typeface="+mn-ea"/>
+                <a:cs typeface="+mn-cs"/>
+              </a:rPr>
+              <a:t>JSON</a:t>
+            </a:r>
+            <a:r>
+              <a:rPr lang="ru-RU" sz="1200" b="0" i="0" kern="1200" baseline="0" dirty="0" smtClean="0">
+                <a:solidFill>
+                  <a:schemeClr val="tx1"/>
+                </a:solidFill>
+                <a:effectLst/>
+                <a:latin typeface="+mn-lt"/>
+                <a:ea typeface="+mn-ea"/>
+                <a:cs typeface="+mn-cs"/>
+              </a:rPr>
+              <a:t> </a:t>
+            </a:r>
+            <a:r>
+              <a:rPr lang="ru-RU" sz="1200" b="0" i="0" kern="1200" baseline="0" dirty="0" smtClean="0">
+                <a:solidFill>
+                  <a:schemeClr val="tx1"/>
+                </a:solidFill>
+                <a:effectLst/>
+                <a:latin typeface="+mn-lt"/>
+                <a:ea typeface="+mn-ea"/>
+                <a:cs typeface="+mn-cs"/>
+              </a:rPr>
+              <a:t>мы будем использовать в наших веб </a:t>
+            </a:r>
+            <a:r>
+              <a:rPr lang="ru-RU" sz="1200" b="0" i="0" kern="1200" baseline="0" dirty="0" smtClean="0">
+                <a:solidFill>
+                  <a:schemeClr val="tx1"/>
+                </a:solidFill>
+                <a:effectLst/>
+                <a:latin typeface="+mn-lt"/>
+                <a:ea typeface="+mn-ea"/>
+                <a:cs typeface="+mn-cs"/>
+              </a:rPr>
+              <a:t>приложениях, поэтому пару задачек на эту тему</a:t>
+            </a:r>
+            <a:endParaRPr lang="ru-RU" dirty="0"/>
+          </a:p>
+        </p:txBody>
+      </p:sp>
+      <p:sp>
+        <p:nvSpPr>
+          <p:cNvPr id="4" name="Номер слайда 3"/>
+          <p:cNvSpPr>
+            <a:spLocks noGrp="1"/>
+          </p:cNvSpPr>
+          <p:nvPr>
+            <p:ph type="sldNum" sz="quarter" idx="10"/>
+          </p:nvPr>
+        </p:nvSpPr>
+        <p:spPr/>
+        <p:txBody>
+          <a:bodyPr/>
+          <a:lstStyle/>
+          <a:p>
+            <a:pPr>
+              <a:defRPr/>
+            </a:pPr>
+            <a:fld id="{DB2C8497-7A30-49CA-AF05-93FA02A474A9}" type="slidenum">
+              <a:rPr lang="ru-RU" smtClean="0"/>
+              <a:pPr>
+                <a:defRPr/>
+              </a:pPr>
+              <a:t>7</a:t>
+            </a:fld>
+            <a:endParaRPr lang="ru-RU"/>
+          </a:p>
+        </p:txBody>
+      </p:sp>
+    </p:spTree>
+    <p:extLst>
+      <p:ext uri="{BB962C8B-B14F-4D97-AF65-F5344CB8AC3E}">
+        <p14:creationId xmlns:p14="http://schemas.microsoft.com/office/powerpoint/2010/main" val="813356846"/>
+      </p:ext>
+    </p:extLst>
+  </p:cSld>
+  <p:clrMapOvr>
+    <a:masterClrMapping/>
+  </p:clrMapOvr>
+</p:notes>
+</file>
+
+<file path=ppt/notesSlides/notesSlide8.xml><?xml version="1.0" encoding="utf-8"?>
+<p:notes xmlns:a="http://schemas.openxmlformats.org/drawingml/2006/main" xmlns:r="http://schemas.openxmlformats.org/officeDocument/2006/relationships" xmlns:p="http://schemas.openxmlformats.org/presentationml/2006/main">
+  <p:cSld>
+    <p:spTree>
+      <p:nvGrpSpPr>
+        <p:cNvPr id="1" name=""/>
+        <p:cNvGrpSpPr/>
+        <p:nvPr/>
+      </p:nvGrpSpPr>
+      <p:grpSpPr>
+        <a:xfrm>
+          <a:off x="0" y="0"/>
+          <a:ext cx="0" cy="0"/>
+          <a:chOff x="0" y="0"/>
+          <a:chExt cx="0" cy="0"/>
+        </a:xfrm>
+      </p:grpSpPr>
+      <p:sp>
+        <p:nvSpPr>
+          <p:cNvPr id="2" name="Образ слайда 1"/>
+          <p:cNvSpPr>
+            <a:spLocks noGrp="1" noRot="1" noChangeAspect="1"/>
+          </p:cNvSpPr>
+          <p:nvPr>
+            <p:ph type="sldImg"/>
+          </p:nvPr>
+        </p:nvSpPr>
+        <p:spPr/>
+      </p:sp>
+      <p:sp>
+        <p:nvSpPr>
+          <p:cNvPr id="3" name="Заметки 2"/>
+          <p:cNvSpPr>
+            <a:spLocks noGrp="1"/>
+          </p:cNvSpPr>
+          <p:nvPr>
+            <p:ph type="body" idx="1"/>
+          </p:nvPr>
+        </p:nvSpPr>
+        <p:spPr/>
+        <p:txBody>
+          <a:bodyPr/>
+          <a:lstStyle/>
+          <a:p>
+            <a:r>
+              <a:rPr lang="ru-RU" dirty="0" smtClean="0"/>
+              <a:t>Сохранять их где-то,</a:t>
+            </a:r>
+            <a:r>
+              <a:rPr lang="ru-RU" baseline="0" dirty="0" smtClean="0"/>
+              <a:t> они потом нужны будут</a:t>
+            </a:r>
+            <a:endParaRPr lang="ru-RU" dirty="0"/>
+          </a:p>
+        </p:txBody>
+      </p:sp>
+      <p:sp>
+        <p:nvSpPr>
+          <p:cNvPr id="4" name="Номер слайда 3"/>
+          <p:cNvSpPr>
+            <a:spLocks noGrp="1"/>
+          </p:cNvSpPr>
+          <p:nvPr>
+            <p:ph type="sldNum" sz="quarter" idx="10"/>
+          </p:nvPr>
+        </p:nvSpPr>
+        <p:spPr/>
+        <p:txBody>
+          <a:bodyPr/>
+          <a:lstStyle/>
+          <a:p>
+            <a:pPr>
+              <a:defRPr/>
+            </a:pPr>
+            <a:fld id="{DB2C8497-7A30-49CA-AF05-93FA02A474A9}" type="slidenum">
+              <a:rPr lang="ru-RU" smtClean="0"/>
+              <a:pPr>
+                <a:defRPr/>
+              </a:pPr>
+              <a:t>8</a:t>
+            </a:fld>
+            <a:endParaRPr lang="ru-RU"/>
+          </a:p>
+        </p:txBody>
+      </p:sp>
+    </p:spTree>
+    <p:extLst>
+      <p:ext uri="{BB962C8B-B14F-4D97-AF65-F5344CB8AC3E}">
+        <p14:creationId xmlns:p14="http://schemas.microsoft.com/office/powerpoint/2010/main" val="2743639933"/>
+      </p:ext>
+    </p:extLst>
+  </p:cSld>
+  <p:clrMapOvr>
+    <a:masterClrMapping/>
+  </p:clrMapOvr>
+</p:notes>
+</file>
+
+<file path=ppt/notesSlides/notesSlide9.xml><?xml version="1.0" encoding="utf-8"?>
+<p:notes xmlns:a="http://schemas.openxmlformats.org/drawingml/2006/main" xmlns:r="http://schemas.openxmlformats.org/officeDocument/2006/relationships" xmlns:p="http://schemas.openxmlformats.org/presentationml/2006/main">
+  <p:cSld>
+    <p:spTree>
+      <p:nvGrpSpPr>
+        <p:cNvPr id="1" name=""/>
+        <p:cNvGrpSpPr/>
+        <p:nvPr/>
+      </p:nvGrpSpPr>
+      <p:grpSpPr>
+        <a:xfrm>
+          <a:off x="0" y="0"/>
+          <a:ext cx="0" cy="0"/>
+          <a:chOff x="0" y="0"/>
+          <a:chExt cx="0" cy="0"/>
+        </a:xfrm>
+      </p:grpSpPr>
+      <p:sp>
+        <p:nvSpPr>
+          <p:cNvPr id="2" name="Образ слайда 1"/>
+          <p:cNvSpPr>
+            <a:spLocks noGrp="1" noRot="1" noChangeAspect="1"/>
+          </p:cNvSpPr>
+          <p:nvPr>
+            <p:ph type="sldImg"/>
+          </p:nvPr>
+        </p:nvSpPr>
+        <p:spPr/>
+      </p:sp>
+      <p:sp>
+        <p:nvSpPr>
+          <p:cNvPr id="3" name="Заметки 2"/>
+          <p:cNvSpPr>
+            <a:spLocks noGrp="1"/>
+          </p:cNvSpPr>
+          <p:nvPr>
+            <p:ph type="body" idx="1"/>
+          </p:nvPr>
+        </p:nvSpPr>
+        <p:spPr/>
+        <p:txBody>
+          <a:bodyPr/>
+          <a:lstStyle/>
+          <a:p>
+            <a:r>
+              <a:rPr lang="ru-RU" dirty="0" smtClean="0"/>
+              <a:t>Документы это не тоже самое что и файлы, документы могут быть </a:t>
+            </a:r>
+            <a:r>
+              <a:rPr lang="ru-RU" dirty="0" err="1" smtClean="0"/>
+              <a:t>стат</a:t>
+            </a:r>
+            <a:r>
+              <a:rPr lang="ru-RU" dirty="0" smtClean="0"/>
+              <a:t>, могут быть динам.</a:t>
+            </a:r>
+          </a:p>
+          <a:p>
+            <a:r>
+              <a:rPr lang="ru-RU" dirty="0" smtClean="0"/>
+              <a:t>Статические</a:t>
+            </a:r>
+            <a:r>
+              <a:rPr lang="ru-RU" baseline="0" dirty="0" smtClean="0"/>
+              <a:t> – это файлы которые лежат на диске веб-сервера. </a:t>
+            </a:r>
+          </a:p>
+          <a:p>
+            <a:r>
+              <a:rPr lang="ru-RU" baseline="0" dirty="0" smtClean="0"/>
+              <a:t>Эти документы не существуют в виде какого-то файла, а генерируются на лету по запросу.</a:t>
+            </a:r>
+          </a:p>
+          <a:p>
+            <a:endParaRPr lang="ru-RU" baseline="0" dirty="0" smtClean="0"/>
+          </a:p>
+          <a:p>
+            <a:r>
+              <a:rPr lang="ru-RU" baseline="0" dirty="0" smtClean="0"/>
+              <a:t>Для примеры: статическим документом будет </a:t>
+            </a:r>
+            <a:r>
+              <a:rPr lang="en-US" baseline="0" dirty="0" smtClean="0"/>
+              <a:t>text/html </a:t>
+            </a:r>
+            <a:r>
+              <a:rPr lang="ru-RU" baseline="0" dirty="0" smtClean="0"/>
+              <a:t>из Задания 1, все картинки и стили из него. </a:t>
+            </a:r>
+          </a:p>
+          <a:p>
+            <a:r>
+              <a:rPr lang="ru-RU" baseline="0" dirty="0" smtClean="0"/>
+              <a:t>А динамическими могут быть </a:t>
+            </a:r>
+            <a:r>
+              <a:rPr lang="en-US" baseline="0" dirty="0" smtClean="0"/>
+              <a:t>JSON</a:t>
+            </a:r>
+            <a:r>
+              <a:rPr lang="ru-RU" baseline="0" dirty="0" smtClean="0"/>
+              <a:t> которые получаются по какому-либо запросу.</a:t>
+            </a:r>
+            <a:endParaRPr lang="ru-RU" dirty="0"/>
+          </a:p>
+        </p:txBody>
+      </p:sp>
+      <p:sp>
+        <p:nvSpPr>
+          <p:cNvPr id="4" name="Номер слайда 3"/>
+          <p:cNvSpPr>
+            <a:spLocks noGrp="1"/>
+          </p:cNvSpPr>
+          <p:nvPr>
+            <p:ph type="sldNum" sz="quarter" idx="10"/>
+          </p:nvPr>
+        </p:nvSpPr>
+        <p:spPr/>
+        <p:txBody>
+          <a:bodyPr/>
+          <a:lstStyle/>
+          <a:p>
+            <a:pPr>
+              <a:defRPr/>
+            </a:pPr>
+            <a:fld id="{DB2C8497-7A30-49CA-AF05-93FA02A474A9}" type="slidenum">
+              <a:rPr lang="ru-RU" smtClean="0"/>
+              <a:pPr>
+                <a:defRPr/>
+              </a:pPr>
+              <a:t>9</a:t>
+            </a:fld>
+            <a:endParaRPr lang="ru-RU"/>
+          </a:p>
+        </p:txBody>
+      </p:sp>
+    </p:spTree>
+    <p:extLst>
+      <p:ext uri="{BB962C8B-B14F-4D97-AF65-F5344CB8AC3E}">
+        <p14:creationId xmlns:p14="http://schemas.microsoft.com/office/powerpoint/2010/main" val="987596077"/>
       </p:ext>
     </p:extLst>
   </p:cSld>
@@ -2364,7 +5155,7 @@
               <a:pPr>
                 <a:defRPr/>
               </a:pPr>
-              <a:t>30.06.2018</a:t>
+              <a:t>03.07.2018</a:t>
             </a:fld>
             <a:endParaRPr lang="ru-RU"/>
           </a:p>
@@ -2897,8 +5688,8 @@
         </p:nvSpPr>
         <p:spPr>
           <a:xfrm>
-            <a:off x="5153820" y="4125120"/>
-            <a:ext cx="3509888" cy="511393"/>
+            <a:off x="4830417" y="4125120"/>
+            <a:ext cx="3833291" cy="511393"/>
           </a:xfrm>
         </p:spPr>
         <p:txBody>
@@ -2945,8 +5736,8 @@
         </p:nvSpPr>
         <p:spPr>
           <a:xfrm>
-            <a:off x="5144584" y="3352764"/>
-            <a:ext cx="3519124" cy="1143000"/>
+            <a:off x="4830417" y="3352764"/>
+            <a:ext cx="3833291" cy="1143000"/>
           </a:xfrm>
           <a:prstGeom prst="rect">
             <a:avLst/>
@@ -2974,14 +5765,14 @@
           </a:lstStyle>
           <a:p>
             <a:r>
-              <a:rPr lang="ru-RU" dirty="0"/>
+              <a:rPr lang="ru-RU" sz="2400" dirty="0"/>
               <a:t>Разработка </a:t>
             </a:r>
             <a:r>
-              <a:rPr lang="ru-RU" dirty="0" smtClean="0"/>
+              <a:rPr lang="ru-RU" sz="2400" dirty="0" smtClean="0"/>
               <a:t>веб-сервисов</a:t>
             </a:r>
-            <a:endParaRPr lang="ru-RU" b="1" dirty="0">
+            <a:endParaRPr lang="ru-RU" sz="2400" b="1" dirty="0">
               <a:solidFill>
                 <a:schemeClr val="tx1">
                   <a:lumMod val="50000"/>
@@ -3045,12 +5836,12 @@
           <a:lstStyle/>
           <a:p>
             <a:r>
-              <a:rPr lang="en-US" dirty="0" smtClean="0"/>
-              <a:t>Web-</a:t>
-            </a:r>
-            <a:r>
               <a:rPr lang="ru-RU" dirty="0" smtClean="0"/>
-              <a:t>серверы</a:t>
+              <a:t>Задание </a:t>
+            </a:r>
+            <a:r>
+              <a:rPr lang="ru-RU" dirty="0" smtClean="0"/>
+              <a:t>3</a:t>
             </a:r>
             <a:endParaRPr lang="ru-RU" dirty="0"/>
           </a:p>
@@ -3058,44 +5849,312 @@
       </p:sp>
       <p:sp>
         <p:nvSpPr>
-          <p:cNvPr id="4" name="Текст 3">
+          <p:cNvPr id="6" name="Текст 3">
             <a:extLst>
               <a:ext uri="{FF2B5EF4-FFF2-40B4-BE49-F238E27FC236}">
                 <a16:creationId xmlns:a16="http://schemas.microsoft.com/office/drawing/2014/main" id="{74C82C9C-F2A8-41A8-880B-73811E3EFC36}"/>
               </a:ext>
             </a:extLst>
           </p:cNvPr>
-          <p:cNvSpPr>
-            <a:spLocks noGrp="1"/>
+          <p:cNvSpPr txBox="1">
+            <a:spLocks/>
           </p:cNvSpPr>
-          <p:nvPr>
-            <p:ph type="body" sz="quarter" idx="11"/>
-          </p:nvPr>
+          <p:nvPr/>
         </p:nvSpPr>
-        <p:spPr>
+        <p:spPr bwMode="auto">
           <a:xfrm>
-            <a:off x="253096" y="6534445"/>
-            <a:ext cx="8602515" cy="323557"/>
+            <a:off x="253096" y="1332411"/>
+            <a:ext cx="8333555" cy="4763589"/>
           </a:xfrm>
+          <a:prstGeom prst="rect">
+            <a:avLst/>
+          </a:prstGeom>
+          <a:noFill/>
+          <a:ln>
+            <a:noFill/>
+          </a:ln>
+          <a:extLst>
+            <a:ext uri="{909E8E84-426E-40DD-AFC4-6F175D3DCCD1}">
+              <a14:hiddenFill xmlns:a14="http://schemas.microsoft.com/office/drawing/2010/main">
+                <a:solidFill>
+                  <a:srgbClr val="FFFFFF"/>
+                </a:solidFill>
+              </a14:hiddenFill>
+            </a:ext>
+            <a:ext uri="{91240B29-F687-4F45-9708-019B960494DF}">
+              <a14:hiddenLine xmlns:a14="http://schemas.microsoft.com/office/drawing/2010/main" w="9525">
+                <a:solidFill>
+                  <a:srgbClr val="000000"/>
+                </a:solidFill>
+                <a:miter lim="800000"/>
+                <a:headEnd/>
+                <a:tailEnd/>
+              </a14:hiddenLine>
+            </a:ext>
+          </a:extLst>
         </p:spPr>
         <p:txBody>
-          <a:bodyPr/>
-          <a:lstStyle/>
-          <a:p>
-            <a:endParaRPr lang="ru-RU" dirty="0"/>
+          <a:bodyPr vert="horz" wrap="square" lIns="91440" tIns="45720" rIns="91440" bIns="45720" numCol="1" anchor="t" anchorCtr="0" compatLnSpc="1">
+            <a:prstTxWarp prst="textNoShape">
+              <a:avLst/>
+            </a:prstTxWarp>
+            <a:normAutofit/>
+          </a:bodyPr>
+          <a:lstStyle>
+            <a:lvl1pPr marL="0" marR="0" indent="-342900" algn="l" defTabSz="180000" rtl="0" eaLnBrk="1" fontAlgn="auto" latinLnBrk="0" hangingPunct="1">
+              <a:lnSpc>
+                <a:spcPct val="100000"/>
+              </a:lnSpc>
+              <a:spcBef>
+                <a:spcPct val="20000"/>
+              </a:spcBef>
+              <a:spcAft>
+                <a:spcPts val="0"/>
+              </a:spcAft>
+              <a:buClrTx/>
+              <a:buSzTx/>
+              <a:buFont typeface="Arial" pitchFamily="34" charset="0"/>
+              <a:buNone/>
+              <a:tabLst/>
+              <a:defRPr sz="900" kern="1200">
+                <a:solidFill>
+                  <a:schemeClr val="tx1">
+                    <a:lumMod val="50000"/>
+                    <a:lumOff val="50000"/>
+                  </a:schemeClr>
+                </a:solidFill>
+                <a:latin typeface="Arial" pitchFamily="34" charset="0"/>
+                <a:ea typeface="+mn-ea"/>
+                <a:cs typeface="Arial" pitchFamily="34" charset="0"/>
+              </a:defRPr>
+            </a:lvl1pPr>
+            <a:lvl2pPr marL="742950" indent="-285750" algn="l" rtl="0" eaLnBrk="0" fontAlgn="base" hangingPunct="0">
+              <a:spcBef>
+                <a:spcPct val="20000"/>
+              </a:spcBef>
+              <a:spcAft>
+                <a:spcPct val="0"/>
+              </a:spcAft>
+              <a:buFont typeface="Arial" charset="0"/>
+              <a:buChar char="–"/>
+              <a:defRPr sz="2800" kern="1200">
+                <a:solidFill>
+                  <a:schemeClr val="tx1"/>
+                </a:solidFill>
+                <a:latin typeface="+mn-lt"/>
+                <a:ea typeface="+mn-ea"/>
+                <a:cs typeface="+mn-cs"/>
+              </a:defRPr>
+            </a:lvl2pPr>
+            <a:lvl3pPr marL="1143000" indent="-228600" algn="l" rtl="0" eaLnBrk="0" fontAlgn="base" hangingPunct="0">
+              <a:spcBef>
+                <a:spcPct val="20000"/>
+              </a:spcBef>
+              <a:spcAft>
+                <a:spcPct val="0"/>
+              </a:spcAft>
+              <a:buFont typeface="Arial" charset="0"/>
+              <a:buChar char="•"/>
+              <a:defRPr sz="2400" kern="1200">
+                <a:solidFill>
+                  <a:schemeClr val="tx1"/>
+                </a:solidFill>
+                <a:latin typeface="+mn-lt"/>
+                <a:ea typeface="+mn-ea"/>
+                <a:cs typeface="+mn-cs"/>
+              </a:defRPr>
+            </a:lvl3pPr>
+            <a:lvl4pPr marL="1600200" indent="-228600" algn="l" rtl="0" eaLnBrk="0" fontAlgn="base" hangingPunct="0">
+              <a:spcBef>
+                <a:spcPct val="20000"/>
+              </a:spcBef>
+              <a:spcAft>
+                <a:spcPct val="0"/>
+              </a:spcAft>
+              <a:buFont typeface="Arial" charset="0"/>
+              <a:buChar char="–"/>
+              <a:defRPr sz="2000" kern="1200">
+                <a:solidFill>
+                  <a:schemeClr val="tx1"/>
+                </a:solidFill>
+                <a:latin typeface="+mn-lt"/>
+                <a:ea typeface="+mn-ea"/>
+                <a:cs typeface="+mn-cs"/>
+              </a:defRPr>
+            </a:lvl4pPr>
+            <a:lvl5pPr marL="2057400" indent="-228600" algn="l" rtl="0" eaLnBrk="0" fontAlgn="base" hangingPunct="0">
+              <a:spcBef>
+                <a:spcPct val="20000"/>
+              </a:spcBef>
+              <a:spcAft>
+                <a:spcPct val="0"/>
+              </a:spcAft>
+              <a:buFont typeface="Arial" charset="0"/>
+              <a:buChar char="»"/>
+              <a:defRPr sz="2000" kern="1200">
+                <a:solidFill>
+                  <a:schemeClr val="tx1"/>
+                </a:solidFill>
+                <a:latin typeface="+mn-lt"/>
+                <a:ea typeface="+mn-ea"/>
+                <a:cs typeface="+mn-cs"/>
+              </a:defRPr>
+            </a:lvl5pPr>
+            <a:lvl6pPr marL="2514600" indent="-228600" algn="l" defTabSz="914400" rtl="0" eaLnBrk="1" latinLnBrk="0" hangingPunct="1">
+              <a:spcBef>
+                <a:spcPct val="20000"/>
+              </a:spcBef>
+              <a:buFont typeface="Arial" pitchFamily="34" charset="0"/>
+              <a:buChar char="•"/>
+              <a:defRPr sz="2000" kern="1200">
+                <a:solidFill>
+                  <a:schemeClr val="tx1"/>
+                </a:solidFill>
+                <a:latin typeface="+mn-lt"/>
+                <a:ea typeface="+mn-ea"/>
+                <a:cs typeface="+mn-cs"/>
+              </a:defRPr>
+            </a:lvl6pPr>
+            <a:lvl7pPr marL="2971800" indent="-228600" algn="l" defTabSz="914400" rtl="0" eaLnBrk="1" latinLnBrk="0" hangingPunct="1">
+              <a:spcBef>
+                <a:spcPct val="20000"/>
+              </a:spcBef>
+              <a:buFont typeface="Arial" pitchFamily="34" charset="0"/>
+              <a:buChar char="•"/>
+              <a:defRPr sz="2000" kern="1200">
+                <a:solidFill>
+                  <a:schemeClr val="tx1"/>
+                </a:solidFill>
+                <a:latin typeface="+mn-lt"/>
+                <a:ea typeface="+mn-ea"/>
+                <a:cs typeface="+mn-cs"/>
+              </a:defRPr>
+            </a:lvl7pPr>
+            <a:lvl8pPr marL="3429000" indent="-228600" algn="l" defTabSz="914400" rtl="0" eaLnBrk="1" latinLnBrk="0" hangingPunct="1">
+              <a:spcBef>
+                <a:spcPct val="20000"/>
+              </a:spcBef>
+              <a:buFont typeface="Arial" pitchFamily="34" charset="0"/>
+              <a:buChar char="•"/>
+              <a:defRPr sz="2000" kern="1200">
+                <a:solidFill>
+                  <a:schemeClr val="tx1"/>
+                </a:solidFill>
+                <a:latin typeface="+mn-lt"/>
+                <a:ea typeface="+mn-ea"/>
+                <a:cs typeface="+mn-cs"/>
+              </a:defRPr>
+            </a:lvl8pPr>
+            <a:lvl9pPr marL="3886200" indent="-228600" algn="l" defTabSz="914400" rtl="0" eaLnBrk="1" latinLnBrk="0" hangingPunct="1">
+              <a:spcBef>
+                <a:spcPct val="20000"/>
+              </a:spcBef>
+              <a:buFont typeface="Arial" pitchFamily="34" charset="0"/>
+              <a:buChar char="•"/>
+              <a:defRPr sz="2000" kern="1200">
+                <a:solidFill>
+                  <a:schemeClr val="tx1"/>
+                </a:solidFill>
+                <a:latin typeface="+mn-lt"/>
+                <a:ea typeface="+mn-ea"/>
+                <a:cs typeface="+mn-cs"/>
+              </a:defRPr>
+            </a:lvl9pPr>
+          </a:lstStyle>
+          <a:p>
+            <a:pPr indent="0"/>
+            <a:r>
+              <a:rPr lang="ru-RU" sz="2000" dirty="0" smtClean="0">
+                <a:solidFill>
+                  <a:schemeClr val="tx1"/>
+                </a:solidFill>
+                <a:latin typeface="Times New Roman" panose="02020603050405020304" pitchFamily="18" charset="0"/>
+                <a:cs typeface="Times New Roman" panose="02020603050405020304" pitchFamily="18" charset="0"/>
+              </a:rPr>
+              <a:t>Придумать </a:t>
+            </a:r>
+            <a:r>
+              <a:rPr lang="en-US" sz="2000" dirty="0" smtClean="0">
+                <a:solidFill>
+                  <a:schemeClr val="tx1"/>
+                </a:solidFill>
+                <a:latin typeface="Times New Roman" panose="02020603050405020304" pitchFamily="18" charset="0"/>
+                <a:cs typeface="Times New Roman" panose="02020603050405020304" pitchFamily="18" charset="0"/>
+              </a:rPr>
+              <a:t>JSON</a:t>
+            </a:r>
+            <a:r>
+              <a:rPr lang="ru-RU" sz="2000" dirty="0" smtClean="0">
+                <a:solidFill>
+                  <a:schemeClr val="tx1"/>
+                </a:solidFill>
+                <a:latin typeface="Times New Roman" panose="02020603050405020304" pitchFamily="18" charset="0"/>
+                <a:cs typeface="Times New Roman" panose="02020603050405020304" pitchFamily="18" charset="0"/>
+              </a:rPr>
+              <a:t>, который бы мы могли получить по запросу:</a:t>
+            </a:r>
+          </a:p>
+          <a:p>
+            <a:pPr>
+              <a:buAutoNum type="arabicPeriod"/>
+            </a:pPr>
+            <a:r>
+              <a:rPr lang="ru-RU" sz="2000" dirty="0" smtClean="0">
+                <a:solidFill>
+                  <a:schemeClr val="tx1"/>
+                </a:solidFill>
+                <a:latin typeface="Times New Roman" panose="02020603050405020304" pitchFamily="18" charset="0"/>
+                <a:cs typeface="Times New Roman" panose="02020603050405020304" pitchFamily="18" charset="0"/>
+              </a:rPr>
+              <a:t>о наиболее часто покупаемом товаре в интернет магазине</a:t>
+            </a:r>
+          </a:p>
+          <a:p>
+            <a:pPr>
+              <a:buAutoNum type="arabicPeriod"/>
+            </a:pPr>
+            <a:r>
+              <a:rPr lang="ru-RU" sz="2000" dirty="0" smtClean="0">
+                <a:solidFill>
+                  <a:schemeClr val="tx1"/>
+                </a:solidFill>
+                <a:latin typeface="Times New Roman" panose="02020603050405020304" pitchFamily="18" charset="0"/>
+                <a:cs typeface="Times New Roman" panose="02020603050405020304" pitchFamily="18" charset="0"/>
+              </a:rPr>
+              <a:t>касаемо вашего кейса</a:t>
+            </a:r>
+          </a:p>
+          <a:p>
+            <a:pPr>
+              <a:buAutoNum type="arabicPeriod"/>
+            </a:pPr>
+            <a:endParaRPr lang="ru-RU" sz="1800" dirty="0" smtClean="0">
+              <a:solidFill>
+                <a:schemeClr val="tx1"/>
+              </a:solidFill>
+              <a:latin typeface="Times New Roman" panose="02020603050405020304" pitchFamily="18" charset="0"/>
+              <a:cs typeface="Times New Roman" panose="02020603050405020304" pitchFamily="18" charset="0"/>
+            </a:endParaRPr>
           </a:p>
         </p:txBody>
       </p:sp>
     </p:spTree>
     <p:extLst>
       <p:ext uri="{BB962C8B-B14F-4D97-AF65-F5344CB8AC3E}">
-        <p14:creationId xmlns:p14="http://schemas.microsoft.com/office/powerpoint/2010/main" val="3824670363"/>
+        <p14:creationId xmlns:p14="http://schemas.microsoft.com/office/powerpoint/2010/main" val="3177216634"/>
       </p:ext>
     </p:extLst>
   </p:cSld>
   <p:clrMapOvr>
     <a:masterClrMapping/>
   </p:clrMapOvr>
+  <p:timing>
+    <p:tnLst>
+      <p:par>
+        <p:cTn id="1" dur="indefinite" restart="never" nodeType="tmRoot"/>
+      </p:par>
+    </p:tnLst>
+  </p:timing>
 </p:sld>
 </file>
 
@@ -3133,11 +6192,23 @@
           <a:p>
             <a:r>
               <a:rPr lang="en-US" dirty="0" smtClean="0"/>
-              <a:t>Web-</a:t>
+              <a:t>IP</a:t>
             </a:r>
             <a:r>
               <a:rPr lang="ru-RU" dirty="0" smtClean="0"/>
-              <a:t>клиенты</a:t>
+              <a:t>-адрес, </a:t>
+            </a:r>
+            <a:r>
+              <a:rPr lang="en-US" dirty="0" smtClean="0"/>
+              <a:t>DNS </a:t>
+            </a:r>
+            <a:r>
+              <a:rPr lang="ru-RU" dirty="0" smtClean="0"/>
+              <a:t>и </a:t>
+            </a:r>
+            <a:r>
+              <a:rPr lang="en-US" dirty="0" smtClean="0"/>
+              <a:t>URL</a:t>
             </a:r>
             <a:endParaRPr lang="ru-RU" dirty="0"/>
           </a:p>
@@ -3145,38 +6216,415 @@
       </p:sp>
       <p:sp>
         <p:nvSpPr>
-          <p:cNvPr id="4" name="Текст 3">
+          <p:cNvPr id="5" name="Текст 3">
             <a:extLst>
               <a:ext uri="{FF2B5EF4-FFF2-40B4-BE49-F238E27FC236}">
                 <a16:creationId xmlns:a16="http://schemas.microsoft.com/office/drawing/2014/main" id="{74C82C9C-F2A8-41A8-880B-73811E3EFC36}"/>
               </a:ext>
             </a:extLst>
           </p:cNvPr>
-          <p:cNvSpPr>
-            <a:spLocks noGrp="1"/>
+          <p:cNvSpPr txBox="1">
+            <a:spLocks/>
           </p:cNvSpPr>
-          <p:nvPr>
-            <p:ph type="body" sz="quarter" idx="11"/>
-          </p:nvPr>
+          <p:nvPr/>
         </p:nvSpPr>
-        <p:spPr>
+        <p:spPr bwMode="auto">
           <a:xfrm>
-            <a:off x="253096" y="6534445"/>
-            <a:ext cx="8602515" cy="323557"/>
+            <a:off x="253096" y="1332411"/>
+            <a:ext cx="8333555" cy="4763589"/>
           </a:xfrm>
+          <a:prstGeom prst="rect">
+            <a:avLst/>
+          </a:prstGeom>
+          <a:noFill/>
+          <a:ln>
+            <a:noFill/>
+          </a:ln>
+          <a:extLst>
+            <a:ext uri="{909E8E84-426E-40DD-AFC4-6F175D3DCCD1}">
+              <a14:hiddenFill xmlns:a14="http://schemas.microsoft.com/office/drawing/2010/main">
+                <a:solidFill>
+                  <a:srgbClr val="FFFFFF"/>
+                </a:solidFill>
+              </a14:hiddenFill>
+            </a:ext>
+            <a:ext uri="{91240B29-F687-4F45-9708-019B960494DF}">
+              <a14:hiddenLine xmlns:a14="http://schemas.microsoft.com/office/drawing/2010/main" w="9525">
+                <a:solidFill>
+                  <a:srgbClr val="000000"/>
+                </a:solidFill>
+                <a:miter lim="800000"/>
+                <a:headEnd/>
+                <a:tailEnd/>
+              </a14:hiddenLine>
+            </a:ext>
+          </a:extLst>
         </p:spPr>
         <p:txBody>
-          <a:bodyPr/>
-          <a:lstStyle/>
-          <a:p>
-            <a:endParaRPr lang="ru-RU" dirty="0"/>
+          <a:bodyPr vert="horz" wrap="square" lIns="91440" tIns="45720" rIns="91440" bIns="45720" numCol="1" anchor="t" anchorCtr="0" compatLnSpc="1">
+            <a:prstTxWarp prst="textNoShape">
+              <a:avLst/>
+            </a:prstTxWarp>
+            <a:normAutofit/>
+          </a:bodyPr>
+          <a:lstStyle>
+            <a:lvl1pPr marL="0" marR="0" indent="-342900" algn="l" defTabSz="180000" rtl="0" eaLnBrk="1" fontAlgn="auto" latinLnBrk="0" hangingPunct="1">
+              <a:lnSpc>
+                <a:spcPct val="100000"/>
+              </a:lnSpc>
+              <a:spcBef>
+                <a:spcPct val="20000"/>
+              </a:spcBef>
+              <a:spcAft>
+                <a:spcPts val="0"/>
+              </a:spcAft>
+              <a:buClrTx/>
+              <a:buSzTx/>
+              <a:buFont typeface="Arial" pitchFamily="34" charset="0"/>
+              <a:buNone/>
+              <a:tabLst/>
+              <a:defRPr sz="900" kern="1200">
+                <a:solidFill>
+                  <a:schemeClr val="tx1">
+                    <a:lumMod val="50000"/>
+                    <a:lumOff val="50000"/>
+                  </a:schemeClr>
+                </a:solidFill>
+                <a:latin typeface="Arial" pitchFamily="34" charset="0"/>
+                <a:ea typeface="+mn-ea"/>
+                <a:cs typeface="Arial" pitchFamily="34" charset="0"/>
+              </a:defRPr>
+            </a:lvl1pPr>
+            <a:lvl2pPr marL="742950" indent="-285750" algn="l" rtl="0" eaLnBrk="0" fontAlgn="base" hangingPunct="0">
+              <a:spcBef>
+                <a:spcPct val="20000"/>
+              </a:spcBef>
+              <a:spcAft>
+                <a:spcPct val="0"/>
+              </a:spcAft>
+              <a:buFont typeface="Arial" charset="0"/>
+              <a:buChar char="–"/>
+              <a:defRPr sz="2800" kern="1200">
+                <a:solidFill>
+                  <a:schemeClr val="tx1"/>
+                </a:solidFill>
+                <a:latin typeface="+mn-lt"/>
+                <a:ea typeface="+mn-ea"/>
+                <a:cs typeface="+mn-cs"/>
+              </a:defRPr>
+            </a:lvl2pPr>
+            <a:lvl3pPr marL="1143000" indent="-228600" algn="l" rtl="0" eaLnBrk="0" fontAlgn="base" hangingPunct="0">
+              <a:spcBef>
+                <a:spcPct val="20000"/>
+              </a:spcBef>
+              <a:spcAft>
+                <a:spcPct val="0"/>
+              </a:spcAft>
+              <a:buFont typeface="Arial" charset="0"/>
+              <a:buChar char="•"/>
+              <a:defRPr sz="2400" kern="1200">
+                <a:solidFill>
+                  <a:schemeClr val="tx1"/>
+                </a:solidFill>
+                <a:latin typeface="+mn-lt"/>
+                <a:ea typeface="+mn-ea"/>
+                <a:cs typeface="+mn-cs"/>
+              </a:defRPr>
+            </a:lvl3pPr>
+            <a:lvl4pPr marL="1600200" indent="-228600" algn="l" rtl="0" eaLnBrk="0" fontAlgn="base" hangingPunct="0">
+              <a:spcBef>
+                <a:spcPct val="20000"/>
+              </a:spcBef>
+              <a:spcAft>
+                <a:spcPct val="0"/>
+              </a:spcAft>
+              <a:buFont typeface="Arial" charset="0"/>
+              <a:buChar char="–"/>
+              <a:defRPr sz="2000" kern="1200">
+                <a:solidFill>
+                  <a:schemeClr val="tx1"/>
+                </a:solidFill>
+                <a:latin typeface="+mn-lt"/>
+                <a:ea typeface="+mn-ea"/>
+                <a:cs typeface="+mn-cs"/>
+              </a:defRPr>
+            </a:lvl4pPr>
+            <a:lvl5pPr marL="2057400" indent="-228600" algn="l" rtl="0" eaLnBrk="0" fontAlgn="base" hangingPunct="0">
+              <a:spcBef>
+                <a:spcPct val="20000"/>
+              </a:spcBef>
+              <a:spcAft>
+                <a:spcPct val="0"/>
+              </a:spcAft>
+              <a:buFont typeface="Arial" charset="0"/>
+              <a:buChar char="»"/>
+              <a:defRPr sz="2000" kern="1200">
+                <a:solidFill>
+                  <a:schemeClr val="tx1"/>
+                </a:solidFill>
+                <a:latin typeface="+mn-lt"/>
+                <a:ea typeface="+mn-ea"/>
+                <a:cs typeface="+mn-cs"/>
+              </a:defRPr>
+            </a:lvl5pPr>
+            <a:lvl6pPr marL="2514600" indent="-228600" algn="l" defTabSz="914400" rtl="0" eaLnBrk="1" latinLnBrk="0" hangingPunct="1">
+              <a:spcBef>
+                <a:spcPct val="20000"/>
+              </a:spcBef>
+              <a:buFont typeface="Arial" pitchFamily="34" charset="0"/>
+              <a:buChar char="•"/>
+              <a:defRPr sz="2000" kern="1200">
+                <a:solidFill>
+                  <a:schemeClr val="tx1"/>
+                </a:solidFill>
+                <a:latin typeface="+mn-lt"/>
+                <a:ea typeface="+mn-ea"/>
+                <a:cs typeface="+mn-cs"/>
+              </a:defRPr>
+            </a:lvl6pPr>
+            <a:lvl7pPr marL="2971800" indent="-228600" algn="l" defTabSz="914400" rtl="0" eaLnBrk="1" latinLnBrk="0" hangingPunct="1">
+              <a:spcBef>
+                <a:spcPct val="20000"/>
+              </a:spcBef>
+              <a:buFont typeface="Arial" pitchFamily="34" charset="0"/>
+              <a:buChar char="•"/>
+              <a:defRPr sz="2000" kern="1200">
+                <a:solidFill>
+                  <a:schemeClr val="tx1"/>
+                </a:solidFill>
+                <a:latin typeface="+mn-lt"/>
+                <a:ea typeface="+mn-ea"/>
+                <a:cs typeface="+mn-cs"/>
+              </a:defRPr>
+            </a:lvl7pPr>
+            <a:lvl8pPr marL="3429000" indent="-228600" algn="l" defTabSz="914400" rtl="0" eaLnBrk="1" latinLnBrk="0" hangingPunct="1">
+              <a:spcBef>
+                <a:spcPct val="20000"/>
+              </a:spcBef>
+              <a:buFont typeface="Arial" pitchFamily="34" charset="0"/>
+              <a:buChar char="•"/>
+              <a:defRPr sz="2000" kern="1200">
+                <a:solidFill>
+                  <a:schemeClr val="tx1"/>
+                </a:solidFill>
+                <a:latin typeface="+mn-lt"/>
+                <a:ea typeface="+mn-ea"/>
+                <a:cs typeface="+mn-cs"/>
+              </a:defRPr>
+            </a:lvl8pPr>
+            <a:lvl9pPr marL="3886200" indent="-228600" algn="l" defTabSz="914400" rtl="0" eaLnBrk="1" latinLnBrk="0" hangingPunct="1">
+              <a:spcBef>
+                <a:spcPct val="20000"/>
+              </a:spcBef>
+              <a:buFont typeface="Arial" pitchFamily="34" charset="0"/>
+              <a:buChar char="•"/>
+              <a:defRPr sz="2000" kern="1200">
+                <a:solidFill>
+                  <a:schemeClr val="tx1"/>
+                </a:solidFill>
+                <a:latin typeface="+mn-lt"/>
+                <a:ea typeface="+mn-ea"/>
+                <a:cs typeface="+mn-cs"/>
+              </a:defRPr>
+            </a:lvl9pPr>
+          </a:lstStyle>
+          <a:p>
+            <a:pPr>
+              <a:buFont typeface="Arial" panose="020B0604020202020204" pitchFamily="34" charset="0"/>
+              <a:buChar char="•"/>
+            </a:pPr>
+            <a:r>
+              <a:rPr lang="ru-RU" sz="2000" dirty="0" smtClean="0">
+                <a:solidFill>
+                  <a:schemeClr val="tx1"/>
+                </a:solidFill>
+                <a:latin typeface="Times New Roman" panose="02020603050405020304" pitchFamily="18" charset="0"/>
+                <a:cs typeface="Times New Roman" panose="02020603050405020304" pitchFamily="18" charset="0"/>
+              </a:rPr>
+              <a:t>Доступ к документу осуществляется по его адресу</a:t>
+            </a:r>
+          </a:p>
+          <a:p>
+            <a:pPr>
+              <a:buFont typeface="Arial" panose="020B0604020202020204" pitchFamily="34" charset="0"/>
+              <a:buChar char="•"/>
+            </a:pPr>
+            <a:r>
+              <a:rPr lang="ru-RU" sz="2000" dirty="0" smtClean="0">
+                <a:solidFill>
+                  <a:schemeClr val="tx1"/>
+                </a:solidFill>
+                <a:latin typeface="Times New Roman" panose="02020603050405020304" pitchFamily="18" charset="0"/>
+                <a:cs typeface="Times New Roman" panose="02020603050405020304" pitchFamily="18" charset="0"/>
+              </a:rPr>
+              <a:t>Адрес документа = Адрес компьютера + Адрес документа на машине (путь к документу)</a:t>
+            </a:r>
+          </a:p>
+          <a:p>
+            <a:pPr>
+              <a:buFont typeface="Arial" panose="020B0604020202020204" pitchFamily="34" charset="0"/>
+              <a:buChar char="•"/>
+            </a:pPr>
+            <a:r>
+              <a:rPr lang="ru-RU" sz="2000" dirty="0" smtClean="0">
+                <a:solidFill>
+                  <a:schemeClr val="tx1"/>
+                </a:solidFill>
+                <a:latin typeface="Times New Roman" panose="02020603050405020304" pitchFamily="18" charset="0"/>
+                <a:cs typeface="Times New Roman" panose="02020603050405020304" pitchFamily="18" charset="0"/>
+              </a:rPr>
+              <a:t>Адрес компьютера – его </a:t>
+            </a:r>
+            <a:r>
+              <a:rPr lang="en-US" sz="2000" dirty="0" smtClean="0">
+                <a:solidFill>
+                  <a:schemeClr val="tx1"/>
+                </a:solidFill>
+                <a:latin typeface="Times New Roman" panose="02020603050405020304" pitchFamily="18" charset="0"/>
+                <a:cs typeface="Times New Roman" panose="02020603050405020304" pitchFamily="18" charset="0"/>
+              </a:rPr>
+              <a:t>IP-</a:t>
+            </a:r>
+            <a:r>
+              <a:rPr lang="ru-RU" sz="2000" dirty="0" smtClean="0">
+                <a:solidFill>
+                  <a:schemeClr val="tx1"/>
+                </a:solidFill>
+                <a:latin typeface="Times New Roman" panose="02020603050405020304" pitchFamily="18" charset="0"/>
+                <a:cs typeface="Times New Roman" panose="02020603050405020304" pitchFamily="18" charset="0"/>
+              </a:rPr>
+              <a:t>адрес</a:t>
+            </a:r>
+          </a:p>
+          <a:p>
+            <a:pPr>
+              <a:buFont typeface="Arial" panose="020B0604020202020204" pitchFamily="34" charset="0"/>
+              <a:buChar char="•"/>
+            </a:pPr>
+            <a:endParaRPr lang="ru-RU" sz="2000" dirty="0">
+              <a:solidFill>
+                <a:schemeClr val="tx1"/>
+              </a:solidFill>
+              <a:latin typeface="Times New Roman" panose="02020603050405020304" pitchFamily="18" charset="0"/>
+              <a:cs typeface="Times New Roman" panose="02020603050405020304" pitchFamily="18" charset="0"/>
+            </a:endParaRPr>
+          </a:p>
+          <a:p>
+            <a:pPr indent="0"/>
+            <a:r>
+              <a:rPr lang="ru-RU" sz="2200" b="1" dirty="0">
+                <a:solidFill>
+                  <a:srgbClr val="FF0000"/>
+                </a:solidFill>
+              </a:rPr>
+              <a:t>Задание </a:t>
+            </a:r>
+            <a:r>
+              <a:rPr lang="ru-RU" sz="2200" b="1" dirty="0" smtClean="0">
+                <a:solidFill>
+                  <a:srgbClr val="FF0000"/>
+                </a:solidFill>
+              </a:rPr>
+              <a:t>4</a:t>
+            </a:r>
+          </a:p>
+          <a:p>
+            <a:pPr marL="457200" indent="-457200">
+              <a:buFont typeface="+mj-lt"/>
+              <a:buAutoNum type="arabicPeriod"/>
+            </a:pPr>
+            <a:r>
+              <a:rPr lang="ru-RU" sz="2000" dirty="0" smtClean="0">
+                <a:solidFill>
+                  <a:schemeClr val="tx1"/>
+                </a:solidFill>
+                <a:latin typeface="Times New Roman" panose="02020603050405020304" pitchFamily="18" charset="0"/>
+                <a:cs typeface="Times New Roman" panose="02020603050405020304" pitchFamily="18" charset="0"/>
+              </a:rPr>
+              <a:t>Зайти на сайт </a:t>
+            </a:r>
+            <a:r>
+              <a:rPr lang="en-US" sz="2000" dirty="0">
+                <a:solidFill>
+                  <a:schemeClr val="tx1"/>
+                </a:solidFill>
+                <a:latin typeface="Times New Roman" panose="02020603050405020304" pitchFamily="18" charset="0"/>
+                <a:cs typeface="Times New Roman" panose="02020603050405020304" pitchFamily="18" charset="0"/>
+                <a:hlinkClick r:id="rId3"/>
+              </a:rPr>
+              <a:t>https://2ip.ru</a:t>
+            </a:r>
+            <a:r>
+              <a:rPr lang="en-US" sz="2000" dirty="0" smtClean="0">
+                <a:solidFill>
+                  <a:schemeClr val="tx1"/>
+                </a:solidFill>
+                <a:latin typeface="Times New Roman" panose="02020603050405020304" pitchFamily="18" charset="0"/>
+                <a:cs typeface="Times New Roman" panose="02020603050405020304" pitchFamily="18" charset="0"/>
+                <a:hlinkClick r:id="rId3"/>
+              </a:rPr>
+              <a:t>/</a:t>
+            </a:r>
+            <a:endParaRPr lang="ru-RU" sz="2000" dirty="0" smtClean="0">
+              <a:solidFill>
+                <a:schemeClr val="tx1"/>
+              </a:solidFill>
+              <a:latin typeface="Times New Roman" panose="02020603050405020304" pitchFamily="18" charset="0"/>
+              <a:cs typeface="Times New Roman" panose="02020603050405020304" pitchFamily="18" charset="0"/>
+            </a:endParaRPr>
+          </a:p>
+          <a:p>
+            <a:pPr marL="457200" indent="-457200">
+              <a:buFont typeface="+mj-lt"/>
+              <a:buAutoNum type="arabicPeriod"/>
+            </a:pPr>
+            <a:r>
+              <a:rPr lang="ru-RU" sz="2000" dirty="0" smtClean="0">
+                <a:solidFill>
+                  <a:schemeClr val="tx1"/>
+                </a:solidFill>
+                <a:latin typeface="Times New Roman" panose="02020603050405020304" pitchFamily="18" charset="0"/>
+                <a:cs typeface="Times New Roman" panose="02020603050405020304" pitchFamily="18" charset="0"/>
+              </a:rPr>
+              <a:t>Узнать свой </a:t>
+            </a:r>
+            <a:r>
+              <a:rPr lang="en-US" sz="2000" dirty="0">
+                <a:solidFill>
+                  <a:schemeClr val="tx1"/>
+                </a:solidFill>
+                <a:latin typeface="Times New Roman" panose="02020603050405020304" pitchFamily="18" charset="0"/>
+                <a:cs typeface="Times New Roman" panose="02020603050405020304" pitchFamily="18" charset="0"/>
+              </a:rPr>
+              <a:t>IP</a:t>
+            </a:r>
+            <a:r>
+              <a:rPr lang="en-US" sz="2000" dirty="0" smtClean="0">
+                <a:solidFill>
+                  <a:schemeClr val="tx1"/>
+                </a:solidFill>
+                <a:latin typeface="Times New Roman" panose="02020603050405020304" pitchFamily="18" charset="0"/>
+                <a:cs typeface="Times New Roman" panose="02020603050405020304" pitchFamily="18" charset="0"/>
+              </a:rPr>
+              <a:t>-</a:t>
+            </a:r>
+            <a:r>
+              <a:rPr lang="ru-RU" sz="2000" dirty="0" smtClean="0">
+                <a:solidFill>
+                  <a:schemeClr val="tx1"/>
+                </a:solidFill>
+                <a:latin typeface="Times New Roman" panose="02020603050405020304" pitchFamily="18" charset="0"/>
+                <a:cs typeface="Times New Roman" panose="02020603050405020304" pitchFamily="18" charset="0"/>
+              </a:rPr>
+              <a:t>адрес</a:t>
+            </a:r>
           </a:p>
         </p:txBody>
       </p:sp>
     </p:spTree>
     <p:extLst>
       <p:ext uri="{BB962C8B-B14F-4D97-AF65-F5344CB8AC3E}">
-        <p14:creationId xmlns:p14="http://schemas.microsoft.com/office/powerpoint/2010/main" val="4131561368"/>
+        <p14:creationId xmlns:p14="http://schemas.microsoft.com/office/powerpoint/2010/main" val="748554564"/>
       </p:ext>
     </p:extLst>
   </p:cSld>
@@ -3220,15 +6668,23 @@
           <a:p>
             <a:r>
               <a:rPr lang="en-US" dirty="0" smtClean="0"/>
-              <a:t>Web-</a:t>
+              <a:t>IP</a:t>
             </a:r>
             <a:r>
               <a:rPr lang="ru-RU" dirty="0" smtClean="0"/>
-              <a:t>сервер на </a:t>
+              <a:t>-адрес, </a:t>
             </a:r>
             <a:r>
               <a:rPr lang="en-US" dirty="0" smtClean="0"/>
-              <a:t>Flask</a:t>
+              <a:t>DNS </a:t>
+            </a:r>
+            <a:r>
+              <a:rPr lang="ru-RU" dirty="0" smtClean="0"/>
+              <a:t>и </a:t>
+            </a:r>
+            <a:r>
+              <a:rPr lang="en-US" dirty="0" smtClean="0"/>
+              <a:t>URL</a:t>
             </a:r>
             <a:endParaRPr lang="ru-RU" dirty="0"/>
           </a:p>
@@ -3236,38 +6692,388 @@
       </p:sp>
       <p:sp>
         <p:nvSpPr>
-          <p:cNvPr id="4" name="Текст 3">
+          <p:cNvPr id="5" name="Текст 3">
             <a:extLst>
               <a:ext uri="{FF2B5EF4-FFF2-40B4-BE49-F238E27FC236}">
                 <a16:creationId xmlns:a16="http://schemas.microsoft.com/office/drawing/2014/main" id="{74C82C9C-F2A8-41A8-880B-73811E3EFC36}"/>
               </a:ext>
             </a:extLst>
           </p:cNvPr>
-          <p:cNvSpPr>
-            <a:spLocks noGrp="1"/>
+          <p:cNvSpPr txBox="1">
+            <a:spLocks/>
           </p:cNvSpPr>
-          <p:nvPr>
-            <p:ph type="body" sz="quarter" idx="11"/>
-          </p:nvPr>
+          <p:nvPr/>
         </p:nvSpPr>
-        <p:spPr>
+        <p:spPr bwMode="auto">
           <a:xfrm>
-            <a:off x="253096" y="6534445"/>
-            <a:ext cx="8602515" cy="323557"/>
+            <a:off x="253096" y="1332411"/>
+            <a:ext cx="8333555" cy="4763589"/>
           </a:xfrm>
+          <a:prstGeom prst="rect">
+            <a:avLst/>
+          </a:prstGeom>
+          <a:noFill/>
+          <a:ln>
+            <a:noFill/>
+          </a:ln>
+          <a:extLst>
+            <a:ext uri="{909E8E84-426E-40DD-AFC4-6F175D3DCCD1}">
+              <a14:hiddenFill xmlns:a14="http://schemas.microsoft.com/office/drawing/2010/main">
+                <a:solidFill>
+                  <a:srgbClr val="FFFFFF"/>
+                </a:solidFill>
+              </a14:hiddenFill>
+            </a:ext>
+            <a:ext uri="{91240B29-F687-4F45-9708-019B960494DF}">
+              <a14:hiddenLine xmlns:a14="http://schemas.microsoft.com/office/drawing/2010/main" w="9525">
+                <a:solidFill>
+                  <a:srgbClr val="000000"/>
+                </a:solidFill>
+                <a:miter lim="800000"/>
+                <a:headEnd/>
+                <a:tailEnd/>
+              </a14:hiddenLine>
+            </a:ext>
+          </a:extLst>
         </p:spPr>
         <p:txBody>
-          <a:bodyPr/>
-          <a:lstStyle/>
-          <a:p>
-            <a:endParaRPr lang="ru-RU" dirty="0"/>
+          <a:bodyPr vert="horz" wrap="square" lIns="91440" tIns="45720" rIns="91440" bIns="45720" numCol="1" anchor="t" anchorCtr="0" compatLnSpc="1">
+            <a:prstTxWarp prst="textNoShape">
+              <a:avLst/>
+            </a:prstTxWarp>
+            <a:normAutofit/>
+          </a:bodyPr>
+          <a:lstStyle>
+            <a:lvl1pPr marL="0" marR="0" indent="-342900" algn="l" defTabSz="180000" rtl="0" eaLnBrk="1" fontAlgn="auto" latinLnBrk="0" hangingPunct="1">
+              <a:lnSpc>
+                <a:spcPct val="100000"/>
+              </a:lnSpc>
+              <a:spcBef>
+                <a:spcPct val="20000"/>
+              </a:spcBef>
+              <a:spcAft>
+                <a:spcPts val="0"/>
+              </a:spcAft>
+              <a:buClrTx/>
+              <a:buSzTx/>
+              <a:buFont typeface="Arial" pitchFamily="34" charset="0"/>
+              <a:buNone/>
+              <a:tabLst/>
+              <a:defRPr sz="900" kern="1200">
+                <a:solidFill>
+                  <a:schemeClr val="tx1">
+                    <a:lumMod val="50000"/>
+                    <a:lumOff val="50000"/>
+                  </a:schemeClr>
+                </a:solidFill>
+                <a:latin typeface="Arial" pitchFamily="34" charset="0"/>
+                <a:ea typeface="+mn-ea"/>
+                <a:cs typeface="Arial" pitchFamily="34" charset="0"/>
+              </a:defRPr>
+            </a:lvl1pPr>
+            <a:lvl2pPr marL="742950" indent="-285750" algn="l" rtl="0" eaLnBrk="0" fontAlgn="base" hangingPunct="0">
+              <a:spcBef>
+                <a:spcPct val="20000"/>
+              </a:spcBef>
+              <a:spcAft>
+                <a:spcPct val="0"/>
+              </a:spcAft>
+              <a:buFont typeface="Arial" charset="0"/>
+              <a:buChar char="–"/>
+              <a:defRPr sz="2800" kern="1200">
+                <a:solidFill>
+                  <a:schemeClr val="tx1"/>
+                </a:solidFill>
+                <a:latin typeface="+mn-lt"/>
+                <a:ea typeface="+mn-ea"/>
+                <a:cs typeface="+mn-cs"/>
+              </a:defRPr>
+            </a:lvl2pPr>
+            <a:lvl3pPr marL="1143000" indent="-228600" algn="l" rtl="0" eaLnBrk="0" fontAlgn="base" hangingPunct="0">
+              <a:spcBef>
+                <a:spcPct val="20000"/>
+              </a:spcBef>
+              <a:spcAft>
+                <a:spcPct val="0"/>
+              </a:spcAft>
+              <a:buFont typeface="Arial" charset="0"/>
+              <a:buChar char="•"/>
+              <a:defRPr sz="2400" kern="1200">
+                <a:solidFill>
+                  <a:schemeClr val="tx1"/>
+                </a:solidFill>
+                <a:latin typeface="+mn-lt"/>
+                <a:ea typeface="+mn-ea"/>
+                <a:cs typeface="+mn-cs"/>
+              </a:defRPr>
+            </a:lvl3pPr>
+            <a:lvl4pPr marL="1600200" indent="-228600" algn="l" rtl="0" eaLnBrk="0" fontAlgn="base" hangingPunct="0">
+              <a:spcBef>
+                <a:spcPct val="20000"/>
+              </a:spcBef>
+              <a:spcAft>
+                <a:spcPct val="0"/>
+              </a:spcAft>
+              <a:buFont typeface="Arial" charset="0"/>
+              <a:buChar char="–"/>
+              <a:defRPr sz="2000" kern="1200">
+                <a:solidFill>
+                  <a:schemeClr val="tx1"/>
+                </a:solidFill>
+                <a:latin typeface="+mn-lt"/>
+                <a:ea typeface="+mn-ea"/>
+                <a:cs typeface="+mn-cs"/>
+              </a:defRPr>
+            </a:lvl4pPr>
+            <a:lvl5pPr marL="2057400" indent="-228600" algn="l" rtl="0" eaLnBrk="0" fontAlgn="base" hangingPunct="0">
+              <a:spcBef>
+                <a:spcPct val="20000"/>
+              </a:spcBef>
+              <a:spcAft>
+                <a:spcPct val="0"/>
+              </a:spcAft>
+              <a:buFont typeface="Arial" charset="0"/>
+              <a:buChar char="»"/>
+              <a:defRPr sz="2000" kern="1200">
+                <a:solidFill>
+                  <a:schemeClr val="tx1"/>
+                </a:solidFill>
+                <a:latin typeface="+mn-lt"/>
+                <a:ea typeface="+mn-ea"/>
+                <a:cs typeface="+mn-cs"/>
+              </a:defRPr>
+            </a:lvl5pPr>
+            <a:lvl6pPr marL="2514600" indent="-228600" algn="l" defTabSz="914400" rtl="0" eaLnBrk="1" latinLnBrk="0" hangingPunct="1">
+              <a:spcBef>
+                <a:spcPct val="20000"/>
+              </a:spcBef>
+              <a:buFont typeface="Arial" pitchFamily="34" charset="0"/>
+              <a:buChar char="•"/>
+              <a:defRPr sz="2000" kern="1200">
+                <a:solidFill>
+                  <a:schemeClr val="tx1"/>
+                </a:solidFill>
+                <a:latin typeface="+mn-lt"/>
+                <a:ea typeface="+mn-ea"/>
+                <a:cs typeface="+mn-cs"/>
+              </a:defRPr>
+            </a:lvl6pPr>
+            <a:lvl7pPr marL="2971800" indent="-228600" algn="l" defTabSz="914400" rtl="0" eaLnBrk="1" latinLnBrk="0" hangingPunct="1">
+              <a:spcBef>
+                <a:spcPct val="20000"/>
+              </a:spcBef>
+              <a:buFont typeface="Arial" pitchFamily="34" charset="0"/>
+              <a:buChar char="•"/>
+              <a:defRPr sz="2000" kern="1200">
+                <a:solidFill>
+                  <a:schemeClr val="tx1"/>
+                </a:solidFill>
+                <a:latin typeface="+mn-lt"/>
+                <a:ea typeface="+mn-ea"/>
+                <a:cs typeface="+mn-cs"/>
+              </a:defRPr>
+            </a:lvl7pPr>
+            <a:lvl8pPr marL="3429000" indent="-228600" algn="l" defTabSz="914400" rtl="0" eaLnBrk="1" latinLnBrk="0" hangingPunct="1">
+              <a:spcBef>
+                <a:spcPct val="20000"/>
+              </a:spcBef>
+              <a:buFont typeface="Arial" pitchFamily="34" charset="0"/>
+              <a:buChar char="•"/>
+              <a:defRPr sz="2000" kern="1200">
+                <a:solidFill>
+                  <a:schemeClr val="tx1"/>
+                </a:solidFill>
+                <a:latin typeface="+mn-lt"/>
+                <a:ea typeface="+mn-ea"/>
+                <a:cs typeface="+mn-cs"/>
+              </a:defRPr>
+            </a:lvl8pPr>
+            <a:lvl9pPr marL="3886200" indent="-228600" algn="l" defTabSz="914400" rtl="0" eaLnBrk="1" latinLnBrk="0" hangingPunct="1">
+              <a:spcBef>
+                <a:spcPct val="20000"/>
+              </a:spcBef>
+              <a:buFont typeface="Arial" pitchFamily="34" charset="0"/>
+              <a:buChar char="•"/>
+              <a:defRPr sz="2000" kern="1200">
+                <a:solidFill>
+                  <a:schemeClr val="tx1"/>
+                </a:solidFill>
+                <a:latin typeface="+mn-lt"/>
+                <a:ea typeface="+mn-ea"/>
+                <a:cs typeface="+mn-cs"/>
+              </a:defRPr>
+            </a:lvl9pPr>
+          </a:lstStyle>
+          <a:p>
+            <a:pPr algn="ctr"/>
+            <a:r>
+              <a:rPr lang="en-US" sz="2000" strike="sngStrike" dirty="0" smtClean="0">
+                <a:solidFill>
+                  <a:schemeClr val="tx1"/>
+                </a:solidFill>
+                <a:latin typeface="Times New Roman" panose="02020603050405020304" pitchFamily="18" charset="0"/>
+                <a:cs typeface="Times New Roman" panose="02020603050405020304" pitchFamily="18" charset="0"/>
+              </a:rPr>
+              <a:t>213.180.193.56</a:t>
+            </a:r>
+            <a:r>
+              <a:rPr lang="en-US" sz="2000" dirty="0" smtClean="0">
+                <a:solidFill>
+                  <a:schemeClr val="tx1"/>
+                </a:solidFill>
+                <a:latin typeface="Times New Roman" panose="02020603050405020304" pitchFamily="18" charset="0"/>
+                <a:cs typeface="Times New Roman" panose="02020603050405020304" pitchFamily="18" charset="0"/>
+              </a:rPr>
+              <a:t> --------------------&gt; yandex.ru</a:t>
+            </a:r>
+          </a:p>
+          <a:p>
+            <a:endParaRPr lang="en-US" sz="2000" dirty="0">
+              <a:solidFill>
+                <a:schemeClr val="tx1"/>
+              </a:solidFill>
+              <a:latin typeface="Times New Roman" panose="02020603050405020304" pitchFamily="18" charset="0"/>
+              <a:cs typeface="Times New Roman" panose="02020603050405020304" pitchFamily="18" charset="0"/>
+            </a:endParaRPr>
+          </a:p>
+          <a:p>
+            <a:pPr algn="just"/>
+            <a:r>
+              <a:rPr lang="ru-RU" sz="2000" dirty="0" smtClean="0">
+                <a:solidFill>
+                  <a:schemeClr val="tx1"/>
+                </a:solidFill>
+                <a:latin typeface="Times New Roman" panose="02020603050405020304" pitchFamily="18" charset="0"/>
+                <a:cs typeface="Times New Roman" panose="02020603050405020304" pitchFamily="18" charset="0"/>
+              </a:rPr>
+              <a:t>Доменные имена</a:t>
+            </a:r>
+            <a:r>
+              <a:rPr lang="ru-RU" sz="2000" dirty="0">
+                <a:solidFill>
+                  <a:schemeClr val="tx1"/>
+                </a:solidFill>
+                <a:latin typeface="Times New Roman" panose="02020603050405020304" pitchFamily="18" charset="0"/>
+                <a:cs typeface="Times New Roman" panose="02020603050405020304" pitchFamily="18" charset="0"/>
+              </a:rPr>
+              <a:t> служат двум основным целям:</a:t>
+            </a:r>
+          </a:p>
+          <a:p>
+            <a:pPr algn="just">
+              <a:buFont typeface="Arial" panose="020B0604020202020204" pitchFamily="34" charset="0"/>
+              <a:buChar char="•"/>
+            </a:pPr>
+            <a:r>
+              <a:rPr lang="ru-RU" sz="2000" dirty="0">
+                <a:solidFill>
+                  <a:schemeClr val="tx1"/>
+                </a:solidFill>
+                <a:latin typeface="Times New Roman" panose="02020603050405020304" pitchFamily="18" charset="0"/>
+                <a:cs typeface="Times New Roman" panose="02020603050405020304" pitchFamily="18" charset="0"/>
+              </a:rPr>
+              <a:t>удобство запоминания адресного пространства (IP запомнить сложнее)</a:t>
+            </a:r>
+          </a:p>
+          <a:p>
+            <a:pPr algn="just">
+              <a:buFont typeface="Arial" panose="020B0604020202020204" pitchFamily="34" charset="0"/>
+              <a:buChar char="•"/>
+            </a:pPr>
+            <a:r>
+              <a:rPr lang="ru-RU" sz="2000" dirty="0">
+                <a:solidFill>
+                  <a:schemeClr val="tx1"/>
+                </a:solidFill>
+                <a:latin typeface="Times New Roman" panose="02020603050405020304" pitchFamily="18" charset="0"/>
+                <a:cs typeface="Times New Roman" panose="02020603050405020304" pitchFamily="18" charset="0"/>
+              </a:rPr>
+              <a:t>возможность переносить свой ресурс на </a:t>
+            </a:r>
+            <a:r>
+              <a:rPr lang="ru-RU" sz="2000" dirty="0" smtClean="0">
+                <a:solidFill>
+                  <a:schemeClr val="tx1"/>
+                </a:solidFill>
+                <a:latin typeface="Times New Roman" panose="02020603050405020304" pitchFamily="18" charset="0"/>
+                <a:cs typeface="Times New Roman" panose="02020603050405020304" pitchFamily="18" charset="0"/>
+              </a:rPr>
+              <a:t>разные</a:t>
+            </a:r>
+            <a:r>
+              <a:rPr lang="en-US" sz="2000" dirty="0" smtClean="0">
+                <a:solidFill>
+                  <a:schemeClr val="tx1"/>
+                </a:solidFill>
+                <a:latin typeface="Times New Roman" panose="02020603050405020304" pitchFamily="18" charset="0"/>
+                <a:cs typeface="Times New Roman" panose="02020603050405020304" pitchFamily="18" charset="0"/>
+              </a:rPr>
+              <a:t> </a:t>
+            </a:r>
+            <a:r>
+              <a:rPr lang="ru-RU" sz="2000" dirty="0" smtClean="0">
+                <a:solidFill>
+                  <a:schemeClr val="tx1"/>
+                </a:solidFill>
+                <a:latin typeface="Times New Roman" panose="02020603050405020304" pitchFamily="18" charset="0"/>
+                <a:cs typeface="Times New Roman" panose="02020603050405020304" pitchFamily="18" charset="0"/>
+              </a:rPr>
+              <a:t>хостинги, </a:t>
+            </a:r>
+            <a:r>
+              <a:rPr lang="ru-RU" sz="2000" dirty="0">
+                <a:solidFill>
+                  <a:schemeClr val="tx1"/>
+                </a:solidFill>
+                <a:latin typeface="Times New Roman" panose="02020603050405020304" pitchFamily="18" charset="0"/>
+                <a:cs typeface="Times New Roman" panose="02020603050405020304" pitchFamily="18" charset="0"/>
+              </a:rPr>
+              <a:t>где ему будут предоставляться различные IP адреса, и при этом не </a:t>
+            </a:r>
+            <a:r>
+              <a:rPr lang="ru-RU" sz="2000" dirty="0" smtClean="0">
+                <a:solidFill>
+                  <a:schemeClr val="tx1"/>
+                </a:solidFill>
+                <a:latin typeface="Times New Roman" panose="02020603050405020304" pitchFamily="18" charset="0"/>
+                <a:cs typeface="Times New Roman" panose="02020603050405020304" pitchFamily="18" charset="0"/>
+              </a:rPr>
+              <a:t>нужно менять адреса </a:t>
+            </a:r>
+            <a:r>
+              <a:rPr lang="ru-RU" sz="2000" dirty="0">
+                <a:solidFill>
+                  <a:schemeClr val="tx1"/>
+                </a:solidFill>
+                <a:latin typeface="Times New Roman" panose="02020603050405020304" pitchFamily="18" charset="0"/>
+                <a:cs typeface="Times New Roman" panose="02020603050405020304" pitchFamily="18" charset="0"/>
+              </a:rPr>
+              <a:t>для доступа к документам </a:t>
+            </a:r>
+            <a:r>
+              <a:rPr lang="ru-RU" sz="2000" dirty="0" smtClean="0">
+                <a:solidFill>
+                  <a:schemeClr val="tx1"/>
+                </a:solidFill>
+                <a:latin typeface="Times New Roman" panose="02020603050405020304" pitchFamily="18" charset="0"/>
+                <a:cs typeface="Times New Roman" panose="02020603050405020304" pitchFamily="18" charset="0"/>
+              </a:rPr>
+              <a:t>сайта</a:t>
+            </a:r>
+            <a:endParaRPr lang="ru-RU" dirty="0">
+              <a:solidFill>
+                <a:schemeClr val="tx1"/>
+              </a:solidFill>
+              <a:latin typeface="Times New Roman" panose="02020603050405020304" pitchFamily="18" charset="0"/>
+              <a:cs typeface="Times New Roman" panose="02020603050405020304" pitchFamily="18" charset="0"/>
+            </a:endParaRPr>
           </a:p>
         </p:txBody>
       </p:sp>
     </p:spTree>
     <p:extLst>
       <p:ext uri="{BB962C8B-B14F-4D97-AF65-F5344CB8AC3E}">
-        <p14:creationId xmlns:p14="http://schemas.microsoft.com/office/powerpoint/2010/main" val="4162874310"/>
+        <p14:creationId xmlns:p14="http://schemas.microsoft.com/office/powerpoint/2010/main" val="1329809019"/>
       </p:ext>
     </p:extLst>
   </p:cSld>
@@ -3306,18 +7112,593 @@
         </p:nvSpPr>
         <p:spPr/>
         <p:txBody>
-          <a:bodyPr>
+          <a:bodyPr/>
+          <a:lstStyle/>
+          <a:p>
+            <a:r>
+              <a:rPr lang="en-US" dirty="0" smtClean="0"/>
+              <a:t>IP</a:t>
+            </a:r>
+            <a:r>
+              <a:rPr lang="ru-RU" dirty="0" smtClean="0"/>
+              <a:t>-адрес, </a:t>
+            </a:r>
+            <a:r>
+              <a:rPr lang="en-US" dirty="0" smtClean="0"/>
+              <a:t>DNS </a:t>
+            </a:r>
+            <a:r>
+              <a:rPr lang="ru-RU" dirty="0" smtClean="0"/>
+              <a:t>и </a:t>
+            </a:r>
+            <a:r>
+              <a:rPr lang="en-US" dirty="0" smtClean="0"/>
+              <a:t>URL</a:t>
+            </a:r>
+            <a:endParaRPr lang="ru-RU" dirty="0"/>
+          </a:p>
+        </p:txBody>
+      </p:sp>
+      <p:sp>
+        <p:nvSpPr>
+          <p:cNvPr id="5" name="Текст 3">
+            <a:extLst>
+              <a:ext uri="{FF2B5EF4-FFF2-40B4-BE49-F238E27FC236}">
+                <a16:creationId xmlns:a16="http://schemas.microsoft.com/office/drawing/2014/main" id="{74C82C9C-F2A8-41A8-880B-73811E3EFC36}"/>
+              </a:ext>
+            </a:extLst>
+          </p:cNvPr>
+          <p:cNvSpPr txBox="1">
+            <a:spLocks/>
+          </p:cNvSpPr>
+          <p:nvPr/>
+        </p:nvSpPr>
+        <p:spPr bwMode="auto">
+          <a:xfrm>
+            <a:off x="253096" y="1332411"/>
+            <a:ext cx="8333555" cy="4763589"/>
+          </a:xfrm>
+          <a:prstGeom prst="rect">
+            <a:avLst/>
+          </a:prstGeom>
+          <a:noFill/>
+          <a:ln>
+            <a:noFill/>
+          </a:ln>
+          <a:extLst>
+            <a:ext uri="{909E8E84-426E-40DD-AFC4-6F175D3DCCD1}">
+              <a14:hiddenFill xmlns:a14="http://schemas.microsoft.com/office/drawing/2010/main">
+                <a:solidFill>
+                  <a:srgbClr val="FFFFFF"/>
+                </a:solidFill>
+              </a14:hiddenFill>
+            </a:ext>
+            <a:ext uri="{91240B29-F687-4F45-9708-019B960494DF}">
+              <a14:hiddenLine xmlns:a14="http://schemas.microsoft.com/office/drawing/2010/main" w="9525">
+                <a:solidFill>
+                  <a:srgbClr val="000000"/>
+                </a:solidFill>
+                <a:miter lim="800000"/>
+                <a:headEnd/>
+                <a:tailEnd/>
+              </a14:hiddenLine>
+            </a:ext>
+          </a:extLst>
+        </p:spPr>
+        <p:txBody>
+          <a:bodyPr vert="horz" wrap="square" lIns="91440" tIns="45720" rIns="91440" bIns="45720" numCol="1" anchor="t" anchorCtr="0" compatLnSpc="1">
+            <a:prstTxWarp prst="textNoShape">
+              <a:avLst/>
+            </a:prstTxWarp>
             <a:normAutofit/>
           </a:bodyPr>
+          <a:lstStyle>
+            <a:lvl1pPr marL="0" marR="0" indent="-342900" algn="l" defTabSz="180000" rtl="0" eaLnBrk="1" fontAlgn="auto" latinLnBrk="0" hangingPunct="1">
+              <a:lnSpc>
+                <a:spcPct val="100000"/>
+              </a:lnSpc>
+              <a:spcBef>
+                <a:spcPct val="20000"/>
+              </a:spcBef>
+              <a:spcAft>
+                <a:spcPts val="0"/>
+              </a:spcAft>
+              <a:buClrTx/>
+              <a:buSzTx/>
+              <a:buFont typeface="Arial" pitchFamily="34" charset="0"/>
+              <a:buNone/>
+              <a:tabLst/>
+              <a:defRPr sz="900" kern="1200">
+                <a:solidFill>
+                  <a:schemeClr val="tx1">
+                    <a:lumMod val="50000"/>
+                    <a:lumOff val="50000"/>
+                  </a:schemeClr>
+                </a:solidFill>
+                <a:latin typeface="Arial" pitchFamily="34" charset="0"/>
+                <a:ea typeface="+mn-ea"/>
+                <a:cs typeface="Arial" pitchFamily="34" charset="0"/>
+              </a:defRPr>
+            </a:lvl1pPr>
+            <a:lvl2pPr marL="742950" indent="-285750" algn="l" rtl="0" eaLnBrk="0" fontAlgn="base" hangingPunct="0">
+              <a:spcBef>
+                <a:spcPct val="20000"/>
+              </a:spcBef>
+              <a:spcAft>
+                <a:spcPct val="0"/>
+              </a:spcAft>
+              <a:buFont typeface="Arial" charset="0"/>
+              <a:buChar char="–"/>
+              <a:defRPr sz="2800" kern="1200">
+                <a:solidFill>
+                  <a:schemeClr val="tx1"/>
+                </a:solidFill>
+                <a:latin typeface="+mn-lt"/>
+                <a:ea typeface="+mn-ea"/>
+                <a:cs typeface="+mn-cs"/>
+              </a:defRPr>
+            </a:lvl2pPr>
+            <a:lvl3pPr marL="1143000" indent="-228600" algn="l" rtl="0" eaLnBrk="0" fontAlgn="base" hangingPunct="0">
+              <a:spcBef>
+                <a:spcPct val="20000"/>
+              </a:spcBef>
+              <a:spcAft>
+                <a:spcPct val="0"/>
+              </a:spcAft>
+              <a:buFont typeface="Arial" charset="0"/>
+              <a:buChar char="•"/>
+              <a:defRPr sz="2400" kern="1200">
+                <a:solidFill>
+                  <a:schemeClr val="tx1"/>
+                </a:solidFill>
+                <a:latin typeface="+mn-lt"/>
+                <a:ea typeface="+mn-ea"/>
+                <a:cs typeface="+mn-cs"/>
+              </a:defRPr>
+            </a:lvl3pPr>
+            <a:lvl4pPr marL="1600200" indent="-228600" algn="l" rtl="0" eaLnBrk="0" fontAlgn="base" hangingPunct="0">
+              <a:spcBef>
+                <a:spcPct val="20000"/>
+              </a:spcBef>
+              <a:spcAft>
+                <a:spcPct val="0"/>
+              </a:spcAft>
+              <a:buFont typeface="Arial" charset="0"/>
+              <a:buChar char="–"/>
+              <a:defRPr sz="2000" kern="1200">
+                <a:solidFill>
+                  <a:schemeClr val="tx1"/>
+                </a:solidFill>
+                <a:latin typeface="+mn-lt"/>
+                <a:ea typeface="+mn-ea"/>
+                <a:cs typeface="+mn-cs"/>
+              </a:defRPr>
+            </a:lvl4pPr>
+            <a:lvl5pPr marL="2057400" indent="-228600" algn="l" rtl="0" eaLnBrk="0" fontAlgn="base" hangingPunct="0">
+              <a:spcBef>
+                <a:spcPct val="20000"/>
+              </a:spcBef>
+              <a:spcAft>
+                <a:spcPct val="0"/>
+              </a:spcAft>
+              <a:buFont typeface="Arial" charset="0"/>
+              <a:buChar char="»"/>
+              <a:defRPr sz="2000" kern="1200">
+                <a:solidFill>
+                  <a:schemeClr val="tx1"/>
+                </a:solidFill>
+                <a:latin typeface="+mn-lt"/>
+                <a:ea typeface="+mn-ea"/>
+                <a:cs typeface="+mn-cs"/>
+              </a:defRPr>
+            </a:lvl5pPr>
+            <a:lvl6pPr marL="2514600" indent="-228600" algn="l" defTabSz="914400" rtl="0" eaLnBrk="1" latinLnBrk="0" hangingPunct="1">
+              <a:spcBef>
+                <a:spcPct val="20000"/>
+              </a:spcBef>
+              <a:buFont typeface="Arial" pitchFamily="34" charset="0"/>
+              <a:buChar char="•"/>
+              <a:defRPr sz="2000" kern="1200">
+                <a:solidFill>
+                  <a:schemeClr val="tx1"/>
+                </a:solidFill>
+                <a:latin typeface="+mn-lt"/>
+                <a:ea typeface="+mn-ea"/>
+                <a:cs typeface="+mn-cs"/>
+              </a:defRPr>
+            </a:lvl6pPr>
+            <a:lvl7pPr marL="2971800" indent="-228600" algn="l" defTabSz="914400" rtl="0" eaLnBrk="1" latinLnBrk="0" hangingPunct="1">
+              <a:spcBef>
+                <a:spcPct val="20000"/>
+              </a:spcBef>
+              <a:buFont typeface="Arial" pitchFamily="34" charset="0"/>
+              <a:buChar char="•"/>
+              <a:defRPr sz="2000" kern="1200">
+                <a:solidFill>
+                  <a:schemeClr val="tx1"/>
+                </a:solidFill>
+                <a:latin typeface="+mn-lt"/>
+                <a:ea typeface="+mn-ea"/>
+                <a:cs typeface="+mn-cs"/>
+              </a:defRPr>
+            </a:lvl7pPr>
+            <a:lvl8pPr marL="3429000" indent="-228600" algn="l" defTabSz="914400" rtl="0" eaLnBrk="1" latinLnBrk="0" hangingPunct="1">
+              <a:spcBef>
+                <a:spcPct val="20000"/>
+              </a:spcBef>
+              <a:buFont typeface="Arial" pitchFamily="34" charset="0"/>
+              <a:buChar char="•"/>
+              <a:defRPr sz="2000" kern="1200">
+                <a:solidFill>
+                  <a:schemeClr val="tx1"/>
+                </a:solidFill>
+                <a:latin typeface="+mn-lt"/>
+                <a:ea typeface="+mn-ea"/>
+                <a:cs typeface="+mn-cs"/>
+              </a:defRPr>
+            </a:lvl8pPr>
+            <a:lvl9pPr marL="3886200" indent="-228600" algn="l" defTabSz="914400" rtl="0" eaLnBrk="1" latinLnBrk="0" hangingPunct="1">
+              <a:spcBef>
+                <a:spcPct val="20000"/>
+              </a:spcBef>
+              <a:buFont typeface="Arial" pitchFamily="34" charset="0"/>
+              <a:buChar char="•"/>
+              <a:defRPr sz="2000" kern="1200">
+                <a:solidFill>
+                  <a:schemeClr val="tx1"/>
+                </a:solidFill>
+                <a:latin typeface="+mn-lt"/>
+                <a:ea typeface="+mn-ea"/>
+                <a:cs typeface="+mn-cs"/>
+              </a:defRPr>
+            </a:lvl9pPr>
+          </a:lstStyle>
+          <a:p>
+            <a:pPr>
+              <a:buFont typeface="Arial" panose="020B0604020202020204" pitchFamily="34" charset="0"/>
+              <a:buChar char="•"/>
+            </a:pPr>
+            <a:r>
+              <a:rPr lang="ru-RU" sz="2000" dirty="0" smtClean="0">
+                <a:solidFill>
+                  <a:schemeClr val="tx1"/>
+                </a:solidFill>
+                <a:latin typeface="Times New Roman" panose="02020603050405020304" pitchFamily="18" charset="0"/>
+                <a:cs typeface="Times New Roman" panose="02020603050405020304" pitchFamily="18" charset="0"/>
+              </a:rPr>
+              <a:t>Доступ к документу осуществляется по его адресу</a:t>
+            </a:r>
+            <a:endParaRPr lang="en-US" sz="2000" dirty="0" smtClean="0">
+              <a:solidFill>
+                <a:schemeClr val="tx1"/>
+              </a:solidFill>
+              <a:latin typeface="Times New Roman" panose="02020603050405020304" pitchFamily="18" charset="0"/>
+              <a:cs typeface="Times New Roman" panose="02020603050405020304" pitchFamily="18" charset="0"/>
+            </a:endParaRPr>
+          </a:p>
+          <a:p>
+            <a:pPr>
+              <a:buFont typeface="Arial" panose="020B0604020202020204" pitchFamily="34" charset="0"/>
+              <a:buChar char="•"/>
+            </a:pPr>
+            <a:r>
+              <a:rPr lang="ru-RU" sz="2000" dirty="0">
+                <a:solidFill>
+                  <a:schemeClr val="tx1"/>
+                </a:solidFill>
+                <a:latin typeface="Times New Roman" panose="02020603050405020304" pitchFamily="18" charset="0"/>
+                <a:cs typeface="Times New Roman" panose="02020603050405020304" pitchFamily="18" charset="0"/>
+              </a:rPr>
+              <a:t>Такой адрес в системе </a:t>
+            </a:r>
+            <a:r>
+              <a:rPr lang="en-US" sz="2000" dirty="0">
+                <a:solidFill>
+                  <a:schemeClr val="tx1"/>
+                </a:solidFill>
+                <a:latin typeface="Times New Roman" panose="02020603050405020304" pitchFamily="18" charset="0"/>
+                <a:cs typeface="Times New Roman" panose="02020603050405020304" pitchFamily="18" charset="0"/>
+              </a:rPr>
+              <a:t>WWW </a:t>
+            </a:r>
+            <a:r>
+              <a:rPr lang="ru-RU" sz="2000" dirty="0">
+                <a:solidFill>
+                  <a:schemeClr val="tx1"/>
+                </a:solidFill>
+                <a:latin typeface="Times New Roman" panose="02020603050405020304" pitchFamily="18" charset="0"/>
+                <a:cs typeface="Times New Roman" panose="02020603050405020304" pitchFamily="18" charset="0"/>
+              </a:rPr>
+              <a:t>называется </a:t>
+            </a:r>
+            <a:r>
+              <a:rPr lang="en-US" sz="2000" dirty="0" smtClean="0">
+                <a:solidFill>
+                  <a:schemeClr val="tx1"/>
+                </a:solidFill>
+                <a:latin typeface="Times New Roman" panose="02020603050405020304" pitchFamily="18" charset="0"/>
+                <a:cs typeface="Times New Roman" panose="02020603050405020304" pitchFamily="18" charset="0"/>
+              </a:rPr>
+              <a:t>URL</a:t>
+            </a:r>
+          </a:p>
+          <a:p>
+            <a:pPr>
+              <a:buFont typeface="Arial" panose="020B0604020202020204" pitchFamily="34" charset="0"/>
+              <a:buChar char="•"/>
+            </a:pPr>
+            <a:endParaRPr lang="en-US" sz="2000" dirty="0">
+              <a:solidFill>
+                <a:schemeClr val="tx1"/>
+              </a:solidFill>
+              <a:latin typeface="Times New Roman" panose="02020603050405020304" pitchFamily="18" charset="0"/>
+              <a:cs typeface="Times New Roman" panose="02020603050405020304" pitchFamily="18" charset="0"/>
+            </a:endParaRPr>
+          </a:p>
+          <a:p>
+            <a:pPr>
+              <a:buFont typeface="Arial" panose="020B0604020202020204" pitchFamily="34" charset="0"/>
+              <a:buChar char="•"/>
+            </a:pPr>
+            <a:endParaRPr lang="en-US" sz="2000" dirty="0" smtClean="0">
+              <a:solidFill>
+                <a:schemeClr val="tx1"/>
+              </a:solidFill>
+              <a:latin typeface="Times New Roman" panose="02020603050405020304" pitchFamily="18" charset="0"/>
+              <a:cs typeface="Times New Roman" panose="02020603050405020304" pitchFamily="18" charset="0"/>
+            </a:endParaRPr>
+          </a:p>
+          <a:p>
+            <a:pPr>
+              <a:buFont typeface="Arial" panose="020B0604020202020204" pitchFamily="34" charset="0"/>
+              <a:buChar char="•"/>
+            </a:pPr>
+            <a:r>
+              <a:rPr lang="en-US" sz="2000" dirty="0" smtClean="0">
+                <a:solidFill>
+                  <a:schemeClr val="tx1"/>
+                </a:solidFill>
+                <a:latin typeface="Times New Roman" panose="02020603050405020304" pitchFamily="18" charset="0"/>
+                <a:cs typeface="Times New Roman" panose="02020603050405020304" pitchFamily="18" charset="0"/>
+              </a:rPr>
+              <a:t>http – </a:t>
+            </a:r>
+            <a:r>
+              <a:rPr lang="ru-RU" sz="2000" dirty="0" smtClean="0">
+                <a:solidFill>
+                  <a:schemeClr val="tx1"/>
+                </a:solidFill>
+                <a:latin typeface="Times New Roman" panose="02020603050405020304" pitchFamily="18" charset="0"/>
+                <a:cs typeface="Times New Roman" panose="02020603050405020304" pitchFamily="18" charset="0"/>
+              </a:rPr>
+              <a:t>с помощью какого протокола нужно загружать документ</a:t>
+            </a:r>
+          </a:p>
+          <a:p>
+            <a:pPr>
+              <a:buFont typeface="Arial" panose="020B0604020202020204" pitchFamily="34" charset="0"/>
+              <a:buChar char="•"/>
+            </a:pPr>
+            <a:r>
+              <a:rPr lang="en-US" sz="2000" dirty="0" smtClean="0">
+                <a:solidFill>
+                  <a:schemeClr val="tx1"/>
+                </a:solidFill>
+                <a:latin typeface="Times New Roman" panose="02020603050405020304" pitchFamily="18" charset="0"/>
+                <a:cs typeface="Times New Roman" panose="02020603050405020304" pitchFamily="18" charset="0"/>
+              </a:rPr>
+              <a:t>server.org – </a:t>
+            </a:r>
+            <a:r>
+              <a:rPr lang="ru-RU" sz="2000" dirty="0" smtClean="0">
+                <a:solidFill>
+                  <a:schemeClr val="tx1"/>
+                </a:solidFill>
+                <a:latin typeface="Times New Roman" panose="02020603050405020304" pitchFamily="18" charset="0"/>
+                <a:cs typeface="Times New Roman" panose="02020603050405020304" pitchFamily="18" charset="0"/>
+              </a:rPr>
+              <a:t>доменное</a:t>
+            </a:r>
+            <a:r>
+              <a:rPr lang="en-US" sz="2000" dirty="0" smtClean="0">
+                <a:solidFill>
+                  <a:schemeClr val="tx1"/>
+                </a:solidFill>
+                <a:latin typeface="Times New Roman" panose="02020603050405020304" pitchFamily="18" charset="0"/>
+                <a:cs typeface="Times New Roman" panose="02020603050405020304" pitchFamily="18" charset="0"/>
+              </a:rPr>
+              <a:t> </a:t>
+            </a:r>
+            <a:r>
+              <a:rPr lang="ru-RU" sz="2000" dirty="0" smtClean="0">
+                <a:solidFill>
+                  <a:schemeClr val="tx1"/>
+                </a:solidFill>
+                <a:latin typeface="Times New Roman" panose="02020603050405020304" pitchFamily="18" charset="0"/>
+                <a:cs typeface="Times New Roman" panose="02020603050405020304" pitchFamily="18" charset="0"/>
+              </a:rPr>
+              <a:t>имя машины, где лежит документ</a:t>
+            </a:r>
+          </a:p>
+          <a:p>
+            <a:pPr>
+              <a:buFont typeface="Arial" panose="020B0604020202020204" pitchFamily="34" charset="0"/>
+              <a:buChar char="•"/>
+            </a:pPr>
+            <a:r>
+              <a:rPr lang="ru-RU" sz="2000" dirty="0" smtClean="0">
+                <a:solidFill>
+                  <a:schemeClr val="tx1"/>
+                </a:solidFill>
+                <a:latin typeface="Times New Roman" panose="02020603050405020304" pitchFamily="18" charset="0"/>
+                <a:cs typeface="Times New Roman" panose="02020603050405020304" pitchFamily="18" charset="0"/>
+              </a:rPr>
+              <a:t>8080 – </a:t>
+            </a:r>
+            <a:r>
+              <a:rPr lang="en-US" sz="2000" dirty="0" smtClean="0">
+                <a:solidFill>
+                  <a:schemeClr val="tx1"/>
+                </a:solidFill>
+                <a:latin typeface="Times New Roman" panose="02020603050405020304" pitchFamily="18" charset="0"/>
+                <a:cs typeface="Times New Roman" panose="02020603050405020304" pitchFamily="18" charset="0"/>
+              </a:rPr>
+              <a:t>TCP </a:t>
+            </a:r>
+            <a:r>
+              <a:rPr lang="ru-RU" sz="2000" dirty="0" smtClean="0">
+                <a:solidFill>
+                  <a:schemeClr val="tx1"/>
+                </a:solidFill>
+                <a:latin typeface="Times New Roman" panose="02020603050405020304" pitchFamily="18" charset="0"/>
+                <a:cs typeface="Times New Roman" panose="02020603050405020304" pitchFamily="18" charset="0"/>
+              </a:rPr>
+              <a:t>порт, который по умолчанию использует протокол </a:t>
+            </a:r>
+            <a:r>
+              <a:rPr lang="en-US" sz="2000" dirty="0" smtClean="0">
+                <a:solidFill>
+                  <a:schemeClr val="tx1"/>
+                </a:solidFill>
+                <a:latin typeface="Times New Roman" panose="02020603050405020304" pitchFamily="18" charset="0"/>
+                <a:cs typeface="Times New Roman" panose="02020603050405020304" pitchFamily="18" charset="0"/>
+              </a:rPr>
+              <a:t>http</a:t>
+            </a:r>
+            <a:r>
+              <a:rPr lang="ru-RU" sz="2000" dirty="0" smtClean="0">
+                <a:solidFill>
+                  <a:schemeClr val="tx1"/>
+                </a:solidFill>
+                <a:latin typeface="Times New Roman" panose="02020603050405020304" pitchFamily="18" charset="0"/>
+                <a:cs typeface="Times New Roman" panose="02020603050405020304" pitchFamily="18" charset="0"/>
+              </a:rPr>
+              <a:t> (можно не писать)</a:t>
+            </a:r>
+          </a:p>
+          <a:p>
+            <a:pPr>
+              <a:buFont typeface="Arial" panose="020B0604020202020204" pitchFamily="34" charset="0"/>
+              <a:buChar char="•"/>
+            </a:pPr>
+            <a:r>
+              <a:rPr lang="en-US" sz="2000" dirty="0" smtClean="0">
+                <a:solidFill>
+                  <a:schemeClr val="tx1"/>
+                </a:solidFill>
+                <a:latin typeface="Times New Roman" panose="02020603050405020304" pitchFamily="18" charset="0"/>
+                <a:cs typeface="Times New Roman" panose="02020603050405020304" pitchFamily="18" charset="0"/>
+              </a:rPr>
+              <a:t>/path/doc.html </a:t>
+            </a:r>
+            <a:r>
+              <a:rPr lang="ru-RU" sz="2000" dirty="0" smtClean="0">
+                <a:solidFill>
+                  <a:schemeClr val="tx1"/>
+                </a:solidFill>
+                <a:latin typeface="Times New Roman" panose="02020603050405020304" pitchFamily="18" charset="0"/>
+                <a:cs typeface="Times New Roman" panose="02020603050405020304" pitchFamily="18" charset="0"/>
+              </a:rPr>
+              <a:t> - путь к файлу на диску, по отношению к некоторой директории (для статических документов)</a:t>
+            </a:r>
+            <a:endParaRPr lang="ru-RU" sz="2000" dirty="0">
+              <a:solidFill>
+                <a:schemeClr val="tx1"/>
+              </a:solidFill>
+              <a:latin typeface="Times New Roman" panose="02020603050405020304" pitchFamily="18" charset="0"/>
+              <a:cs typeface="Times New Roman" panose="02020603050405020304" pitchFamily="18" charset="0"/>
+            </a:endParaRPr>
+          </a:p>
+          <a:p>
+            <a:pPr indent="0"/>
+            <a:endParaRPr lang="ru-RU" sz="2000" dirty="0" smtClean="0">
+              <a:solidFill>
+                <a:schemeClr val="tx1"/>
+              </a:solidFill>
+              <a:latin typeface="Times New Roman" panose="02020603050405020304" pitchFamily="18" charset="0"/>
+              <a:cs typeface="Times New Roman" panose="02020603050405020304" pitchFamily="18" charset="0"/>
+            </a:endParaRPr>
+          </a:p>
+        </p:txBody>
+      </p:sp>
+      <p:pic>
+        <p:nvPicPr>
+          <p:cNvPr id="2" name="Рисунок 1"/>
+          <p:cNvPicPr>
+            <a:picLocks noChangeAspect="1"/>
+          </p:cNvPicPr>
+          <p:nvPr/>
+        </p:nvPicPr>
+        <p:blipFill>
+          <a:blip r:embed="rId3">
+            <a:extLst>
+              <a:ext uri="{28A0092B-C50C-407E-A947-70E740481C1C}">
+                <a14:useLocalDpi xmlns:a14="http://schemas.microsoft.com/office/drawing/2010/main" val="0"/>
+              </a:ext>
+            </a:extLst>
+          </a:blip>
+          <a:stretch>
+            <a:fillRect/>
+          </a:stretch>
+        </p:blipFill>
+        <p:spPr>
+          <a:xfrm>
+            <a:off x="948010" y="2224087"/>
+            <a:ext cx="6943725" cy="466725"/>
+          </a:xfrm>
+          <a:prstGeom prst="rect">
+            <a:avLst/>
+          </a:prstGeom>
+        </p:spPr>
+      </p:pic>
+    </p:spTree>
+    <p:extLst>
+      <p:ext uri="{BB962C8B-B14F-4D97-AF65-F5344CB8AC3E}">
+        <p14:creationId xmlns:p14="http://schemas.microsoft.com/office/powerpoint/2010/main" val="3222524124"/>
+      </p:ext>
+    </p:extLst>
+  </p:cSld>
+  <p:clrMapOvr>
+    <a:masterClrMapping/>
+  </p:clrMapOvr>
+</p:sld>
+</file>
+
+<file path=ppt/slides/slide14.xml><?xml version="1.0" encoding="utf-8"?>
+<p:sld xmlns:a="http://schemas.openxmlformats.org/drawingml/2006/main" xmlns:r="http://schemas.openxmlformats.org/officeDocument/2006/relationships" xmlns:p="http://schemas.openxmlformats.org/presentationml/2006/main">
+  <p:cSld>
+    <p:spTree>
+      <p:nvGrpSpPr>
+        <p:cNvPr id="1" name=""/>
+        <p:cNvGrpSpPr/>
+        <p:nvPr/>
+      </p:nvGrpSpPr>
+      <p:grpSpPr>
+        <a:xfrm>
+          <a:off x="0" y="0"/>
+          <a:ext cx="0" cy="0"/>
+          <a:chOff x="0" y="0"/>
+          <a:chExt cx="0" cy="0"/>
+        </a:xfrm>
+      </p:grpSpPr>
+      <p:sp>
+        <p:nvSpPr>
+          <p:cNvPr id="3" name="Заголовок 2"/>
+          <p:cNvSpPr>
+            <a:spLocks noGrp="1"/>
+          </p:cNvSpPr>
+          <p:nvPr>
+            <p:ph type="title"/>
+          </p:nvPr>
+        </p:nvSpPr>
+        <p:spPr/>
+        <p:txBody>
+          <a:bodyPr/>
           <a:lstStyle/>
           <a:p>
             <a:r>
               <a:rPr lang="ru-RU" dirty="0" smtClean="0"/>
-              <a:t>Запросы с помощью </a:t>
-            </a:r>
-            <a:r>
-              <a:rPr lang="en-US" dirty="0" smtClean="0"/>
-              <a:t>curl</a:t>
+              <a:t>Клиент-серверная архитектура</a:t>
             </a:r>
             <a:endParaRPr lang="ru-RU" dirty="0"/>
           </a:p>
@@ -3356,7 +7737,438 @@
     </p:spTree>
     <p:extLst>
       <p:ext uri="{BB962C8B-B14F-4D97-AF65-F5344CB8AC3E}">
-        <p14:creationId xmlns:p14="http://schemas.microsoft.com/office/powerpoint/2010/main" val="1377602629"/>
+        <p14:creationId xmlns:p14="http://schemas.microsoft.com/office/powerpoint/2010/main" val="2226781273"/>
+      </p:ext>
+    </p:extLst>
+  </p:cSld>
+  <p:clrMapOvr>
+    <a:masterClrMapping/>
+  </p:clrMapOvr>
+</p:sld>
+</file>
+
+<file path=ppt/slides/slide15.xml><?xml version="1.0" encoding="utf-8"?>
+<p:sld xmlns:a="http://schemas.openxmlformats.org/drawingml/2006/main" xmlns:r="http://schemas.openxmlformats.org/officeDocument/2006/relationships" xmlns:p="http://schemas.openxmlformats.org/presentationml/2006/main">
+  <p:cSld>
+    <p:spTree>
+      <p:nvGrpSpPr>
+        <p:cNvPr id="1" name=""/>
+        <p:cNvGrpSpPr/>
+        <p:nvPr/>
+      </p:nvGrpSpPr>
+      <p:grpSpPr>
+        <a:xfrm>
+          <a:off x="0" y="0"/>
+          <a:ext cx="0" cy="0"/>
+          <a:chOff x="0" y="0"/>
+          <a:chExt cx="0" cy="0"/>
+        </a:xfrm>
+      </p:grpSpPr>
+      <p:sp>
+        <p:nvSpPr>
+          <p:cNvPr id="3" name="Заголовок 2"/>
+          <p:cNvSpPr>
+            <a:spLocks noGrp="1"/>
+          </p:cNvSpPr>
+          <p:nvPr>
+            <p:ph type="title"/>
+          </p:nvPr>
+        </p:nvSpPr>
+        <p:spPr/>
+        <p:txBody>
+          <a:bodyPr/>
+          <a:lstStyle/>
+          <a:p>
+            <a:r>
+              <a:rPr lang="ru-RU" dirty="0" smtClean="0"/>
+              <a:t>Веб-сервис</a:t>
+            </a:r>
+            <a:endParaRPr lang="ru-RU" dirty="0"/>
+          </a:p>
+        </p:txBody>
+      </p:sp>
+      <p:sp>
+        <p:nvSpPr>
+          <p:cNvPr id="4" name="Текст 3">
+            <a:extLst>
+              <a:ext uri="{FF2B5EF4-FFF2-40B4-BE49-F238E27FC236}">
+                <a16:creationId xmlns:a16="http://schemas.microsoft.com/office/drawing/2014/main" id="{74C82C9C-F2A8-41A8-880B-73811E3EFC36}"/>
+              </a:ext>
+            </a:extLst>
+          </p:cNvPr>
+          <p:cNvSpPr>
+            <a:spLocks noGrp="1"/>
+          </p:cNvSpPr>
+          <p:nvPr>
+            <p:ph type="body" sz="quarter" idx="11"/>
+          </p:nvPr>
+        </p:nvSpPr>
+        <p:spPr>
+          <a:xfrm>
+            <a:off x="253096" y="6534445"/>
+            <a:ext cx="8602515" cy="323557"/>
+          </a:xfrm>
+        </p:spPr>
+        <p:txBody>
+          <a:bodyPr/>
+          <a:lstStyle/>
+          <a:p>
+            <a:endParaRPr lang="ru-RU" dirty="0"/>
+          </a:p>
+        </p:txBody>
+      </p:sp>
+    </p:spTree>
+    <p:extLst>
+      <p:ext uri="{BB962C8B-B14F-4D97-AF65-F5344CB8AC3E}">
+        <p14:creationId xmlns:p14="http://schemas.microsoft.com/office/powerpoint/2010/main" val="268162285"/>
+      </p:ext>
+    </p:extLst>
+  </p:cSld>
+  <p:clrMapOvr>
+    <a:masterClrMapping/>
+  </p:clrMapOvr>
+</p:sld>
+</file>
+
+<file path=ppt/slides/slide16.xml><?xml version="1.0" encoding="utf-8"?>
+<p:sld xmlns:a="http://schemas.openxmlformats.org/drawingml/2006/main" xmlns:r="http://schemas.openxmlformats.org/officeDocument/2006/relationships" xmlns:p="http://schemas.openxmlformats.org/presentationml/2006/main">
+  <p:cSld>
+    <p:spTree>
+      <p:nvGrpSpPr>
+        <p:cNvPr id="1" name=""/>
+        <p:cNvGrpSpPr/>
+        <p:nvPr/>
+      </p:nvGrpSpPr>
+      <p:grpSpPr>
+        <a:xfrm>
+          <a:off x="0" y="0"/>
+          <a:ext cx="0" cy="0"/>
+          <a:chOff x="0" y="0"/>
+          <a:chExt cx="0" cy="0"/>
+        </a:xfrm>
+      </p:grpSpPr>
+      <p:sp>
+        <p:nvSpPr>
+          <p:cNvPr id="3" name="Заголовок 2"/>
+          <p:cNvSpPr>
+            <a:spLocks noGrp="1"/>
+          </p:cNvSpPr>
+          <p:nvPr>
+            <p:ph type="title"/>
+          </p:nvPr>
+        </p:nvSpPr>
+        <p:spPr/>
+        <p:txBody>
+          <a:bodyPr/>
+          <a:lstStyle/>
+          <a:p>
+            <a:r>
+              <a:rPr lang="en-US" dirty="0" smtClean="0"/>
+              <a:t>Frontend</a:t>
+            </a:r>
+            <a:r>
+              <a:rPr lang="ru-RU" dirty="0" smtClean="0"/>
+              <a:t> и </a:t>
+            </a:r>
+            <a:r>
+              <a:rPr lang="en-US" dirty="0" smtClean="0"/>
+              <a:t>Backend</a:t>
+            </a:r>
+            <a:endParaRPr lang="ru-RU" dirty="0"/>
+          </a:p>
+        </p:txBody>
+      </p:sp>
+      <p:sp>
+        <p:nvSpPr>
+          <p:cNvPr id="4" name="Текст 3">
+            <a:extLst>
+              <a:ext uri="{FF2B5EF4-FFF2-40B4-BE49-F238E27FC236}">
+                <a16:creationId xmlns:a16="http://schemas.microsoft.com/office/drawing/2014/main" id="{74C82C9C-F2A8-41A8-880B-73811E3EFC36}"/>
+              </a:ext>
+            </a:extLst>
+          </p:cNvPr>
+          <p:cNvSpPr>
+            <a:spLocks noGrp="1"/>
+          </p:cNvSpPr>
+          <p:nvPr>
+            <p:ph type="body" sz="quarter" idx="11"/>
+          </p:nvPr>
+        </p:nvSpPr>
+        <p:spPr>
+          <a:xfrm>
+            <a:off x="253096" y="6534445"/>
+            <a:ext cx="8602515" cy="323557"/>
+          </a:xfrm>
+        </p:spPr>
+        <p:txBody>
+          <a:bodyPr/>
+          <a:lstStyle/>
+          <a:p>
+            <a:endParaRPr lang="ru-RU" dirty="0"/>
+          </a:p>
+        </p:txBody>
+      </p:sp>
+    </p:spTree>
+    <p:extLst>
+      <p:ext uri="{BB962C8B-B14F-4D97-AF65-F5344CB8AC3E}">
+        <p14:creationId xmlns:p14="http://schemas.microsoft.com/office/powerpoint/2010/main" val="2283449239"/>
+      </p:ext>
+    </p:extLst>
+  </p:cSld>
+  <p:clrMapOvr>
+    <a:masterClrMapping/>
+  </p:clrMapOvr>
+</p:sld>
+</file>
+
+<file path=ppt/slides/slide17.xml><?xml version="1.0" encoding="utf-8"?>
+<p:sld xmlns:a="http://schemas.openxmlformats.org/drawingml/2006/main" xmlns:r="http://schemas.openxmlformats.org/officeDocument/2006/relationships" xmlns:p="http://schemas.openxmlformats.org/presentationml/2006/main">
+  <p:cSld>
+    <p:spTree>
+      <p:nvGrpSpPr>
+        <p:cNvPr id="1" name=""/>
+        <p:cNvGrpSpPr/>
+        <p:nvPr/>
+      </p:nvGrpSpPr>
+      <p:grpSpPr>
+        <a:xfrm>
+          <a:off x="0" y="0"/>
+          <a:ext cx="0" cy="0"/>
+          <a:chOff x="0" y="0"/>
+          <a:chExt cx="0" cy="0"/>
+        </a:xfrm>
+      </p:grpSpPr>
+      <p:sp>
+        <p:nvSpPr>
+          <p:cNvPr id="3" name="Заголовок 2"/>
+          <p:cNvSpPr>
+            <a:spLocks noGrp="1"/>
+          </p:cNvSpPr>
+          <p:nvPr>
+            <p:ph type="title"/>
+          </p:nvPr>
+        </p:nvSpPr>
+        <p:spPr/>
+        <p:txBody>
+          <a:bodyPr/>
+          <a:lstStyle/>
+          <a:p>
+            <a:r>
+              <a:rPr lang="en-US" dirty="0" smtClean="0"/>
+              <a:t>HTTP</a:t>
+            </a:r>
+            <a:endParaRPr lang="ru-RU" dirty="0"/>
+          </a:p>
+        </p:txBody>
+      </p:sp>
+      <p:sp>
+        <p:nvSpPr>
+          <p:cNvPr id="4" name="Текст 3">
+            <a:extLst>
+              <a:ext uri="{FF2B5EF4-FFF2-40B4-BE49-F238E27FC236}">
+                <a16:creationId xmlns:a16="http://schemas.microsoft.com/office/drawing/2014/main" id="{74C82C9C-F2A8-41A8-880B-73811E3EFC36}"/>
+              </a:ext>
+            </a:extLst>
+          </p:cNvPr>
+          <p:cNvSpPr>
+            <a:spLocks noGrp="1"/>
+          </p:cNvSpPr>
+          <p:nvPr>
+            <p:ph type="body" sz="quarter" idx="11"/>
+          </p:nvPr>
+        </p:nvSpPr>
+        <p:spPr>
+          <a:xfrm>
+            <a:off x="253096" y="6534445"/>
+            <a:ext cx="8602515" cy="323557"/>
+          </a:xfrm>
+        </p:spPr>
+        <p:txBody>
+          <a:bodyPr/>
+          <a:lstStyle/>
+          <a:p>
+            <a:endParaRPr lang="ru-RU" dirty="0"/>
+          </a:p>
+        </p:txBody>
+      </p:sp>
+    </p:spTree>
+    <p:extLst>
+      <p:ext uri="{BB962C8B-B14F-4D97-AF65-F5344CB8AC3E}">
+        <p14:creationId xmlns:p14="http://schemas.microsoft.com/office/powerpoint/2010/main" val="3914534789"/>
+      </p:ext>
+    </p:extLst>
+  </p:cSld>
+  <p:clrMapOvr>
+    <a:masterClrMapping/>
+  </p:clrMapOvr>
+</p:sld>
+</file>
+
+<file path=ppt/slides/slide18.xml><?xml version="1.0" encoding="utf-8"?>
+<p:sld xmlns:a="http://schemas.openxmlformats.org/drawingml/2006/main" xmlns:r="http://schemas.openxmlformats.org/officeDocument/2006/relationships" xmlns:p="http://schemas.openxmlformats.org/presentationml/2006/main">
+  <p:cSld>
+    <p:spTree>
+      <p:nvGrpSpPr>
+        <p:cNvPr id="1" name=""/>
+        <p:cNvGrpSpPr/>
+        <p:nvPr/>
+      </p:nvGrpSpPr>
+      <p:grpSpPr>
+        <a:xfrm>
+          <a:off x="0" y="0"/>
+          <a:ext cx="0" cy="0"/>
+          <a:chOff x="0" y="0"/>
+          <a:chExt cx="0" cy="0"/>
+        </a:xfrm>
+      </p:grpSpPr>
+      <p:sp>
+        <p:nvSpPr>
+          <p:cNvPr id="3" name="Заголовок 2"/>
+          <p:cNvSpPr>
+            <a:spLocks noGrp="1"/>
+          </p:cNvSpPr>
+          <p:nvPr>
+            <p:ph type="title"/>
+          </p:nvPr>
+        </p:nvSpPr>
+        <p:spPr/>
+        <p:txBody>
+          <a:bodyPr/>
+          <a:lstStyle/>
+          <a:p>
+            <a:r>
+              <a:rPr lang="en-US" dirty="0" smtClean="0"/>
+              <a:t>Web-</a:t>
+            </a:r>
+            <a:r>
+              <a:rPr lang="ru-RU" dirty="0" smtClean="0"/>
+              <a:t>серверы</a:t>
+            </a:r>
+            <a:endParaRPr lang="ru-RU" dirty="0"/>
+          </a:p>
+        </p:txBody>
+      </p:sp>
+      <p:sp>
+        <p:nvSpPr>
+          <p:cNvPr id="4" name="Текст 3">
+            <a:extLst>
+              <a:ext uri="{FF2B5EF4-FFF2-40B4-BE49-F238E27FC236}">
+                <a16:creationId xmlns:a16="http://schemas.microsoft.com/office/drawing/2014/main" id="{74C82C9C-F2A8-41A8-880B-73811E3EFC36}"/>
+              </a:ext>
+            </a:extLst>
+          </p:cNvPr>
+          <p:cNvSpPr>
+            <a:spLocks noGrp="1"/>
+          </p:cNvSpPr>
+          <p:nvPr>
+            <p:ph type="body" sz="quarter" idx="11"/>
+          </p:nvPr>
+        </p:nvSpPr>
+        <p:spPr>
+          <a:xfrm>
+            <a:off x="253096" y="6534445"/>
+            <a:ext cx="8602515" cy="323557"/>
+          </a:xfrm>
+        </p:spPr>
+        <p:txBody>
+          <a:bodyPr/>
+          <a:lstStyle/>
+          <a:p>
+            <a:endParaRPr lang="ru-RU" dirty="0"/>
+          </a:p>
+        </p:txBody>
+      </p:sp>
+    </p:spTree>
+    <p:extLst>
+      <p:ext uri="{BB962C8B-B14F-4D97-AF65-F5344CB8AC3E}">
+        <p14:creationId xmlns:p14="http://schemas.microsoft.com/office/powerpoint/2010/main" val="3824670363"/>
+      </p:ext>
+    </p:extLst>
+  </p:cSld>
+  <p:clrMapOvr>
+    <a:masterClrMapping/>
+  </p:clrMapOvr>
+</p:sld>
+</file>
+
+<file path=ppt/slides/slide19.xml><?xml version="1.0" encoding="utf-8"?>
+<p:sld xmlns:a="http://schemas.openxmlformats.org/drawingml/2006/main" xmlns:r="http://schemas.openxmlformats.org/officeDocument/2006/relationships" xmlns:p="http://schemas.openxmlformats.org/presentationml/2006/main">
+  <p:cSld>
+    <p:spTree>
+      <p:nvGrpSpPr>
+        <p:cNvPr id="1" name=""/>
+        <p:cNvGrpSpPr/>
+        <p:nvPr/>
+      </p:nvGrpSpPr>
+      <p:grpSpPr>
+        <a:xfrm>
+          <a:off x="0" y="0"/>
+          <a:ext cx="0" cy="0"/>
+          <a:chOff x="0" y="0"/>
+          <a:chExt cx="0" cy="0"/>
+        </a:xfrm>
+      </p:grpSpPr>
+      <p:sp>
+        <p:nvSpPr>
+          <p:cNvPr id="3" name="Заголовок 2"/>
+          <p:cNvSpPr>
+            <a:spLocks noGrp="1"/>
+          </p:cNvSpPr>
+          <p:nvPr>
+            <p:ph type="title"/>
+          </p:nvPr>
+        </p:nvSpPr>
+        <p:spPr/>
+        <p:txBody>
+          <a:bodyPr/>
+          <a:lstStyle/>
+          <a:p>
+            <a:r>
+              <a:rPr lang="en-US" dirty="0" smtClean="0"/>
+              <a:t>Web-</a:t>
+            </a:r>
+            <a:r>
+              <a:rPr lang="ru-RU" dirty="0" smtClean="0"/>
+              <a:t>клиенты</a:t>
+            </a:r>
+            <a:endParaRPr lang="ru-RU" dirty="0"/>
+          </a:p>
+        </p:txBody>
+      </p:sp>
+      <p:sp>
+        <p:nvSpPr>
+          <p:cNvPr id="4" name="Текст 3">
+            <a:extLst>
+              <a:ext uri="{FF2B5EF4-FFF2-40B4-BE49-F238E27FC236}">
+                <a16:creationId xmlns:a16="http://schemas.microsoft.com/office/drawing/2014/main" id="{74C82C9C-F2A8-41A8-880B-73811E3EFC36}"/>
+              </a:ext>
+            </a:extLst>
+          </p:cNvPr>
+          <p:cNvSpPr>
+            <a:spLocks noGrp="1"/>
+          </p:cNvSpPr>
+          <p:nvPr>
+            <p:ph type="body" sz="quarter" idx="11"/>
+          </p:nvPr>
+        </p:nvSpPr>
+        <p:spPr>
+          <a:xfrm>
+            <a:off x="253096" y="6534445"/>
+            <a:ext cx="8602515" cy="323557"/>
+          </a:xfrm>
+        </p:spPr>
+        <p:txBody>
+          <a:bodyPr/>
+          <a:lstStyle/>
+          <a:p>
+            <a:endParaRPr lang="ru-RU" dirty="0"/>
+          </a:p>
+        </p:txBody>
+      </p:sp>
+    </p:spTree>
+    <p:extLst>
+      <p:ext uri="{BB962C8B-B14F-4D97-AF65-F5344CB8AC3E}">
+        <p14:creationId xmlns:p14="http://schemas.microsoft.com/office/powerpoint/2010/main" val="4131561368"/>
       </p:ext>
     </p:extLst>
   </p:cSld>
@@ -3400,11 +8212,7 @@
           <a:p>
             <a:r>
               <a:rPr lang="ru-RU" dirty="0" smtClean="0"/>
-              <a:t>Что такое </a:t>
-            </a:r>
-            <a:r>
-              <a:rPr lang="ru-RU" dirty="0" smtClean="0"/>
-              <a:t>интернет?</a:t>
+              <a:t>Что такое интернет?</a:t>
             </a:r>
             <a:endParaRPr lang="ru-RU" dirty="0"/>
           </a:p>
@@ -3439,7 +8247,7 @@
           <a:lstStyle/>
           <a:p>
             <a:r>
-              <a:rPr lang="ru-RU" sz="1600" dirty="0" smtClean="0">
+              <a:rPr lang="ru-RU" sz="2000" dirty="0" smtClean="0">
                 <a:solidFill>
                   <a:schemeClr val="tx1"/>
                 </a:solidFill>
@@ -3450,7 +8258,7 @@
             </a:r>
           </a:p>
           <a:p>
-            <a:endParaRPr lang="ru-RU" sz="1600" dirty="0" smtClean="0">
+            <a:endParaRPr lang="ru-RU" sz="2000" dirty="0" smtClean="0">
               <a:solidFill>
                 <a:schemeClr val="tx1"/>
               </a:solidFill>
@@ -3460,7 +8268,7 @@
           </a:p>
           <a:p>
             <a:r>
-              <a:rPr lang="ru-RU" sz="1600" dirty="0" smtClean="0">
+              <a:rPr lang="ru-RU" sz="2000" dirty="0" smtClean="0">
                 <a:solidFill>
                   <a:schemeClr val="tx1"/>
                 </a:solidFill>
@@ -3476,7 +8284,7 @@
               <a:buChar char="•"/>
             </a:pPr>
             <a:r>
-              <a:rPr lang="ru-RU" sz="1600" dirty="0" smtClean="0">
+              <a:rPr lang="ru-RU" sz="2000" dirty="0" smtClean="0">
                 <a:solidFill>
                   <a:schemeClr val="tx1"/>
                 </a:solidFill>
@@ -3492,7 +8300,7 @@
               <a:buChar char="•"/>
             </a:pPr>
             <a:r>
-              <a:rPr lang="ru-RU" sz="1600" dirty="0" smtClean="0">
+              <a:rPr lang="ru-RU" sz="2000" dirty="0" smtClean="0">
                 <a:solidFill>
                   <a:schemeClr val="tx1"/>
                 </a:solidFill>
@@ -3508,7 +8316,7 @@
               <a:buChar char="•"/>
             </a:pPr>
             <a:r>
-              <a:rPr lang="ru-RU" sz="1600" dirty="0" smtClean="0">
+              <a:rPr lang="ru-RU" sz="2000" dirty="0" smtClean="0">
                 <a:solidFill>
                   <a:schemeClr val="tx1"/>
                 </a:solidFill>
@@ -3524,7 +8332,7 @@
               <a:buChar char="•"/>
             </a:pPr>
             <a:r>
-              <a:rPr lang="ru-RU" sz="1600" dirty="0" smtClean="0">
+              <a:rPr lang="ru-RU" sz="2000" dirty="0" smtClean="0">
                 <a:solidFill>
                   <a:schemeClr val="tx1"/>
                 </a:solidFill>
@@ -3540,7 +8348,7 @@
               <a:buChar char="•"/>
             </a:pPr>
             <a:r>
-              <a:rPr lang="ru-RU" sz="1600" dirty="0" smtClean="0">
+              <a:rPr lang="ru-RU" sz="2000" dirty="0" smtClean="0">
                 <a:solidFill>
                   <a:schemeClr val="tx1"/>
                 </a:solidFill>
@@ -3556,7 +8364,7 @@
               <a:buChar char="•"/>
             </a:pPr>
             <a:r>
-              <a:rPr lang="ru-RU" sz="1600" dirty="0" smtClean="0">
+              <a:rPr lang="ru-RU" sz="2000" dirty="0" smtClean="0">
                 <a:solidFill>
                   <a:schemeClr val="tx1"/>
                 </a:solidFill>
@@ -3572,7 +8380,7 @@
               <a:buChar char="•"/>
             </a:pPr>
             <a:r>
-              <a:rPr lang="ru-RU" sz="1600" dirty="0">
+              <a:rPr lang="ru-RU" sz="2000" dirty="0">
                 <a:solidFill>
                   <a:schemeClr val="tx1"/>
                 </a:solidFill>
@@ -3582,29 +8390,19 @@
               <a:t>и</a:t>
             </a:r>
             <a:r>
-              <a:rPr lang="ru-RU" sz="1600" dirty="0" smtClean="0">
-                <a:solidFill>
-                  <a:schemeClr val="tx1"/>
-                </a:solidFill>
-                <a:latin typeface="Times New Roman" panose="02020603050405020304" pitchFamily="18" charset="0"/>
-                <a:cs typeface="Times New Roman" panose="02020603050405020304" pitchFamily="18" charset="0"/>
-              </a:rPr>
-              <a:t> т.д.</a:t>
-            </a:r>
-            <a:r>
-              <a:rPr lang="ru-RU" sz="1600" dirty="0" smtClean="0">
-                <a:solidFill>
-                  <a:schemeClr val="tx1"/>
-                </a:solidFill>
-                <a:latin typeface="Times New Roman" panose="02020603050405020304" pitchFamily="18" charset="0"/>
-                <a:cs typeface="Times New Roman" panose="02020603050405020304" pitchFamily="18" charset="0"/>
-              </a:rPr>
-              <a:t> </a:t>
+              <a:rPr lang="ru-RU" sz="2000" dirty="0" smtClean="0">
+                <a:solidFill>
+                  <a:schemeClr val="tx1"/>
+                </a:solidFill>
+                <a:latin typeface="Times New Roman" panose="02020603050405020304" pitchFamily="18" charset="0"/>
+                <a:cs typeface="Times New Roman" panose="02020603050405020304" pitchFamily="18" charset="0"/>
+              </a:rPr>
+              <a:t> т.д. </a:t>
             </a:r>
           </a:p>
           <a:p>
             <a:pPr indent="0"/>
-            <a:endParaRPr lang="ru-RU" sz="1600" dirty="0" smtClean="0">
+            <a:endParaRPr lang="ru-RU" sz="2000" dirty="0" smtClean="0">
               <a:solidFill>
                 <a:schemeClr val="tx1"/>
               </a:solidFill>
@@ -3614,7 +8412,7 @@
           </a:p>
           <a:p>
             <a:r>
-              <a:rPr lang="ru-RU" sz="1600" dirty="0" smtClean="0">
+              <a:rPr lang="ru-RU" sz="2000" dirty="0" smtClean="0">
                 <a:solidFill>
                   <a:schemeClr val="tx1"/>
                 </a:solidFill>
@@ -3624,7 +8422,7 @@
               <a:t>Интернет – это </a:t>
             </a:r>
             <a:r>
-              <a:rPr lang="ru-RU" sz="1600" b="1" dirty="0" smtClean="0">
+              <a:rPr lang="ru-RU" sz="2000" b="1" dirty="0" smtClean="0">
                 <a:solidFill>
                   <a:schemeClr val="tx1"/>
                 </a:solidFill>
@@ -3634,7 +8432,7 @@
               <a:t>среда</a:t>
             </a:r>
             <a:r>
-              <a:rPr lang="ru-RU" sz="1600" dirty="0" smtClean="0">
+              <a:rPr lang="ru-RU" sz="2000" dirty="0" smtClean="0">
                 <a:solidFill>
                   <a:schemeClr val="tx1"/>
                 </a:solidFill>
@@ -3663,6 +8461,186 @@
       </p:par>
     </p:tnLst>
   </p:timing>
+</p:sld>
+</file>
+
+<file path=ppt/slides/slide20.xml><?xml version="1.0" encoding="utf-8"?>
+<p:sld xmlns:a="http://schemas.openxmlformats.org/drawingml/2006/main" xmlns:r="http://schemas.openxmlformats.org/officeDocument/2006/relationships" xmlns:p="http://schemas.openxmlformats.org/presentationml/2006/main">
+  <p:cSld>
+    <p:spTree>
+      <p:nvGrpSpPr>
+        <p:cNvPr id="1" name=""/>
+        <p:cNvGrpSpPr/>
+        <p:nvPr/>
+      </p:nvGrpSpPr>
+      <p:grpSpPr>
+        <a:xfrm>
+          <a:off x="0" y="0"/>
+          <a:ext cx="0" cy="0"/>
+          <a:chOff x="0" y="0"/>
+          <a:chExt cx="0" cy="0"/>
+        </a:xfrm>
+      </p:grpSpPr>
+      <p:sp>
+        <p:nvSpPr>
+          <p:cNvPr id="3" name="Заголовок 2"/>
+          <p:cNvSpPr>
+            <a:spLocks noGrp="1"/>
+          </p:cNvSpPr>
+          <p:nvPr>
+            <p:ph type="title"/>
+          </p:nvPr>
+        </p:nvSpPr>
+        <p:spPr/>
+        <p:txBody>
+          <a:bodyPr/>
+          <a:lstStyle/>
+          <a:p>
+            <a:r>
+              <a:rPr lang="en-US" dirty="0" smtClean="0"/>
+              <a:t>Web-</a:t>
+            </a:r>
+            <a:r>
+              <a:rPr lang="ru-RU" dirty="0" smtClean="0"/>
+              <a:t>сервер на </a:t>
+            </a:r>
+            <a:r>
+              <a:rPr lang="en-US" dirty="0" smtClean="0"/>
+              <a:t>Flask</a:t>
+            </a:r>
+            <a:endParaRPr lang="ru-RU" dirty="0"/>
+          </a:p>
+        </p:txBody>
+      </p:sp>
+      <p:sp>
+        <p:nvSpPr>
+          <p:cNvPr id="4" name="Текст 3">
+            <a:extLst>
+              <a:ext uri="{FF2B5EF4-FFF2-40B4-BE49-F238E27FC236}">
+                <a16:creationId xmlns:a16="http://schemas.microsoft.com/office/drawing/2014/main" id="{74C82C9C-F2A8-41A8-880B-73811E3EFC36}"/>
+              </a:ext>
+            </a:extLst>
+          </p:cNvPr>
+          <p:cNvSpPr>
+            <a:spLocks noGrp="1"/>
+          </p:cNvSpPr>
+          <p:nvPr>
+            <p:ph type="body" sz="quarter" idx="11"/>
+          </p:nvPr>
+        </p:nvSpPr>
+        <p:spPr>
+          <a:xfrm>
+            <a:off x="253096" y="6534445"/>
+            <a:ext cx="8602515" cy="323557"/>
+          </a:xfrm>
+        </p:spPr>
+        <p:txBody>
+          <a:bodyPr/>
+          <a:lstStyle/>
+          <a:p>
+            <a:endParaRPr lang="ru-RU" dirty="0"/>
+          </a:p>
+        </p:txBody>
+      </p:sp>
+    </p:spTree>
+    <p:extLst>
+      <p:ext uri="{BB962C8B-B14F-4D97-AF65-F5344CB8AC3E}">
+        <p14:creationId xmlns:p14="http://schemas.microsoft.com/office/powerpoint/2010/main" val="4162874310"/>
+      </p:ext>
+    </p:extLst>
+  </p:cSld>
+  <p:clrMapOvr>
+    <a:masterClrMapping/>
+  </p:clrMapOvr>
+</p:sld>
+</file>
+
+<file path=ppt/slides/slide21.xml><?xml version="1.0" encoding="utf-8"?>
+<p:sld xmlns:a="http://schemas.openxmlformats.org/drawingml/2006/main" xmlns:r="http://schemas.openxmlformats.org/officeDocument/2006/relationships" xmlns:p="http://schemas.openxmlformats.org/presentationml/2006/main">
+  <p:cSld>
+    <p:spTree>
+      <p:nvGrpSpPr>
+        <p:cNvPr id="1" name=""/>
+        <p:cNvGrpSpPr/>
+        <p:nvPr/>
+      </p:nvGrpSpPr>
+      <p:grpSpPr>
+        <a:xfrm>
+          <a:off x="0" y="0"/>
+          <a:ext cx="0" cy="0"/>
+          <a:chOff x="0" y="0"/>
+          <a:chExt cx="0" cy="0"/>
+        </a:xfrm>
+      </p:grpSpPr>
+      <p:sp>
+        <p:nvSpPr>
+          <p:cNvPr id="3" name="Заголовок 2"/>
+          <p:cNvSpPr>
+            <a:spLocks noGrp="1"/>
+          </p:cNvSpPr>
+          <p:nvPr>
+            <p:ph type="title"/>
+          </p:nvPr>
+        </p:nvSpPr>
+        <p:spPr/>
+        <p:txBody>
+          <a:bodyPr>
+            <a:normAutofit/>
+          </a:bodyPr>
+          <a:lstStyle/>
+          <a:p>
+            <a:r>
+              <a:rPr lang="ru-RU" dirty="0" smtClean="0"/>
+              <a:t>Запросы с помощью </a:t>
+            </a:r>
+            <a:r>
+              <a:rPr lang="en-US" dirty="0" smtClean="0"/>
+              <a:t>curl</a:t>
+            </a:r>
+            <a:endParaRPr lang="ru-RU" dirty="0"/>
+          </a:p>
+        </p:txBody>
+      </p:sp>
+      <p:sp>
+        <p:nvSpPr>
+          <p:cNvPr id="4" name="Текст 3">
+            <a:extLst>
+              <a:ext uri="{FF2B5EF4-FFF2-40B4-BE49-F238E27FC236}">
+                <a16:creationId xmlns:a16="http://schemas.microsoft.com/office/drawing/2014/main" id="{74C82C9C-F2A8-41A8-880B-73811E3EFC36}"/>
+              </a:ext>
+            </a:extLst>
+          </p:cNvPr>
+          <p:cNvSpPr>
+            <a:spLocks noGrp="1"/>
+          </p:cNvSpPr>
+          <p:nvPr>
+            <p:ph type="body" sz="quarter" idx="11"/>
+          </p:nvPr>
+        </p:nvSpPr>
+        <p:spPr>
+          <a:xfrm>
+            <a:off x="253096" y="6534445"/>
+            <a:ext cx="8602515" cy="323557"/>
+          </a:xfrm>
+        </p:spPr>
+        <p:txBody>
+          <a:bodyPr/>
+          <a:lstStyle/>
+          <a:p>
+            <a:endParaRPr lang="ru-RU" dirty="0"/>
+          </a:p>
+        </p:txBody>
+      </p:sp>
+    </p:spTree>
+    <p:extLst>
+      <p:ext uri="{BB962C8B-B14F-4D97-AF65-F5344CB8AC3E}">
+        <p14:creationId xmlns:p14="http://schemas.microsoft.com/office/powerpoint/2010/main" val="1377602629"/>
+      </p:ext>
+    </p:extLst>
+  </p:cSld>
+  <p:clrMapOvr>
+    <a:masterClrMapping/>
+  </p:clrMapOvr>
 </p:sld>
 </file>
 
@@ -3738,22 +8716,69 @@
         </p:spPr>
         <p:txBody>
           <a:bodyPr anchor="t">
-            <a:normAutofit fontScale="92500" lnSpcReduction="20000"/>
+            <a:normAutofit/>
           </a:bodyPr>
           <a:lstStyle/>
           <a:p>
-            <a:r>
-              <a:rPr lang="ru-RU" sz="1600" dirty="0">
-                <a:solidFill>
-                  <a:schemeClr val="tx1"/>
-                </a:solidFill>
-                <a:latin typeface="Times New Roman" panose="02020603050405020304" pitchFamily="18" charset="0"/>
-                <a:cs typeface="Times New Roman" panose="02020603050405020304" pitchFamily="18" charset="0"/>
-              </a:rPr>
-              <a:t>Что же такое </a:t>
-            </a:r>
-            <a:r>
-              <a:rPr lang="en-US" sz="1600" dirty="0">
+            <a:pPr>
+              <a:buFont typeface="Arial" panose="020B0604020202020204" pitchFamily="34" charset="0"/>
+              <a:buChar char="•"/>
+            </a:pPr>
+            <a:r>
+              <a:rPr lang="en-US" sz="2000" dirty="0" smtClean="0">
+                <a:solidFill>
+                  <a:schemeClr val="tx1"/>
+                </a:solidFill>
+                <a:latin typeface="Times New Roman" panose="02020603050405020304" pitchFamily="18" charset="0"/>
+                <a:cs typeface="Times New Roman" panose="02020603050405020304" pitchFamily="18" charset="0"/>
+              </a:rPr>
+              <a:t>WWW </a:t>
+            </a:r>
+            <a:r>
+              <a:rPr lang="ru-RU" sz="2000" dirty="0">
+                <a:solidFill>
+                  <a:schemeClr val="tx1"/>
+                </a:solidFill>
+                <a:latin typeface="Times New Roman" panose="02020603050405020304" pitchFamily="18" charset="0"/>
+                <a:cs typeface="Times New Roman" panose="02020603050405020304" pitchFamily="18" charset="0"/>
+              </a:rPr>
+              <a:t>–</a:t>
+            </a:r>
+            <a:r>
+              <a:rPr lang="ru-RU" sz="2000" dirty="0" smtClean="0">
+                <a:solidFill>
+                  <a:schemeClr val="tx1"/>
+                </a:solidFill>
+                <a:latin typeface="Times New Roman" panose="02020603050405020304" pitchFamily="18" charset="0"/>
+                <a:cs typeface="Times New Roman" panose="02020603050405020304" pitchFamily="18" charset="0"/>
+              </a:rPr>
+              <a:t> это </a:t>
+            </a:r>
+            <a:r>
+              <a:rPr lang="ru-RU" sz="2000" dirty="0">
+                <a:solidFill>
+                  <a:schemeClr val="tx1"/>
+                </a:solidFill>
+                <a:latin typeface="Times New Roman" panose="02020603050405020304" pitchFamily="18" charset="0"/>
+                <a:cs typeface="Times New Roman" panose="02020603050405020304" pitchFamily="18" charset="0"/>
+              </a:rPr>
+              <a:t>один из частных случаев применения сети интернет</a:t>
+            </a:r>
+            <a:endParaRPr lang="ru-RU" sz="2000" dirty="0" smtClean="0">
+              <a:solidFill>
+                <a:schemeClr val="tx1"/>
+              </a:solidFill>
+              <a:latin typeface="Times New Roman" panose="02020603050405020304" pitchFamily="18" charset="0"/>
+              <a:cs typeface="Times New Roman" panose="02020603050405020304" pitchFamily="18" charset="0"/>
+            </a:endParaRPr>
+          </a:p>
+          <a:p>
+            <a:pPr>
+              <a:buFont typeface="Arial" panose="020B0604020202020204" pitchFamily="34" charset="0"/>
+              <a:buChar char="•"/>
+            </a:pPr>
+            <a:r>
+              <a:rPr lang="en-US" sz="2000" dirty="0" smtClean="0">
                 <a:solidFill>
                   <a:schemeClr val="tx1"/>
                 </a:solidFill>
@@ -3763,17 +8788,104 @@
               <a:t>WWW</a:t>
             </a:r>
             <a:r>
-              <a:rPr lang="ru-RU" sz="1600" dirty="0">
-                <a:solidFill>
-                  <a:schemeClr val="tx1"/>
-                </a:solidFill>
-                <a:latin typeface="Times New Roman" panose="02020603050405020304" pitchFamily="18" charset="0"/>
-                <a:cs typeface="Times New Roman" panose="02020603050405020304" pitchFamily="18" charset="0"/>
-              </a:rPr>
-              <a:t>? </a:t>
-            </a:r>
-            <a:r>
-              <a:rPr lang="en-US" sz="1600" dirty="0">
+              <a:rPr lang="ru-RU" sz="2000" dirty="0" smtClean="0">
+                <a:solidFill>
+                  <a:schemeClr val="tx1"/>
+                </a:solidFill>
+                <a:latin typeface="Times New Roman" panose="02020603050405020304" pitchFamily="18" charset="0"/>
+                <a:cs typeface="Times New Roman" panose="02020603050405020304" pitchFamily="18" charset="0"/>
+              </a:rPr>
+              <a:t> </a:t>
+            </a:r>
+            <a:r>
+              <a:rPr lang="ru-RU" sz="2000" dirty="0">
+                <a:solidFill>
+                  <a:schemeClr val="tx1"/>
+                </a:solidFill>
+                <a:latin typeface="Times New Roman" panose="02020603050405020304" pitchFamily="18" charset="0"/>
+                <a:cs typeface="Times New Roman" panose="02020603050405020304" pitchFamily="18" charset="0"/>
+              </a:rPr>
+              <a:t>– это множество взаимосвязанных документов, которые находятся на различных компьютерах в сети </a:t>
+            </a:r>
+            <a:r>
+              <a:rPr lang="ru-RU" sz="2000" dirty="0" smtClean="0">
+                <a:solidFill>
+                  <a:schemeClr val="tx1"/>
+                </a:solidFill>
+                <a:latin typeface="Times New Roman" panose="02020603050405020304" pitchFamily="18" charset="0"/>
+                <a:cs typeface="Times New Roman" panose="02020603050405020304" pitchFamily="18" charset="0"/>
+              </a:rPr>
+              <a:t>Интернет</a:t>
+            </a:r>
+            <a:endParaRPr lang="en-US" sz="2000" dirty="0" smtClean="0">
+              <a:solidFill>
+                <a:schemeClr val="tx1"/>
+              </a:solidFill>
+              <a:latin typeface="Times New Roman" panose="02020603050405020304" pitchFamily="18" charset="0"/>
+              <a:cs typeface="Times New Roman" panose="02020603050405020304" pitchFamily="18" charset="0"/>
+            </a:endParaRPr>
+          </a:p>
+          <a:p>
+            <a:pPr>
+              <a:buFont typeface="Arial" panose="020B0604020202020204" pitchFamily="34" charset="0"/>
+              <a:buChar char="•"/>
+            </a:pPr>
+            <a:r>
+              <a:rPr lang="ru-RU" sz="2000" dirty="0" smtClean="0">
+                <a:solidFill>
+                  <a:schemeClr val="tx1"/>
+                </a:solidFill>
+                <a:latin typeface="Times New Roman" panose="02020603050405020304" pitchFamily="18" charset="0"/>
+                <a:cs typeface="Times New Roman" panose="02020603050405020304" pitchFamily="18" charset="0"/>
+              </a:rPr>
+              <a:t>Документы </a:t>
+            </a:r>
+            <a:r>
+              <a:rPr lang="ru-RU" sz="2000" dirty="0">
+                <a:solidFill>
+                  <a:schemeClr val="tx1"/>
+                </a:solidFill>
+                <a:latin typeface="Times New Roman" panose="02020603050405020304" pitchFamily="18" charset="0"/>
+                <a:cs typeface="Times New Roman" panose="02020603050405020304" pitchFamily="18" charset="0"/>
+              </a:rPr>
+              <a:t>ссылаются друг на друга посредством </a:t>
+            </a:r>
+            <a:r>
+              <a:rPr lang="ru-RU" sz="2000" dirty="0" smtClean="0">
+                <a:solidFill>
+                  <a:schemeClr val="tx1"/>
+                </a:solidFill>
+                <a:latin typeface="Times New Roman" panose="02020603050405020304" pitchFamily="18" charset="0"/>
+                <a:cs typeface="Times New Roman" panose="02020603050405020304" pitchFamily="18" charset="0"/>
+                <a:hlinkClick r:id="rId3"/>
+              </a:rPr>
+              <a:t>гиперссылок</a:t>
+            </a:r>
+            <a:endParaRPr lang="ru-RU" sz="2000" dirty="0">
+              <a:solidFill>
+                <a:schemeClr val="tx1"/>
+              </a:solidFill>
+              <a:latin typeface="Times New Roman" panose="02020603050405020304" pitchFamily="18" charset="0"/>
+              <a:cs typeface="Times New Roman" panose="02020603050405020304" pitchFamily="18" charset="0"/>
+            </a:endParaRPr>
+          </a:p>
+          <a:p>
+            <a:pPr>
+              <a:buFont typeface="Arial" panose="020B0604020202020204" pitchFamily="34" charset="0"/>
+              <a:buChar char="•"/>
+            </a:pPr>
+            <a:r>
+              <a:rPr lang="ru-RU" sz="2000" dirty="0">
+                <a:solidFill>
+                  <a:schemeClr val="tx1"/>
+                </a:solidFill>
+                <a:latin typeface="Times New Roman" panose="02020603050405020304" pitchFamily="18" charset="0"/>
+                <a:cs typeface="Times New Roman" panose="02020603050405020304" pitchFamily="18" charset="0"/>
+              </a:rPr>
+              <a:t>Изначально </a:t>
+            </a:r>
+            <a:r>
+              <a:rPr lang="en-US" sz="2000" dirty="0" smtClean="0">
                 <a:solidFill>
                   <a:schemeClr val="tx1"/>
                 </a:solidFill>
@@ -3783,194 +8895,7 @@
               <a:t>WWW</a:t>
             </a:r>
             <a:r>
-              <a:rPr lang="ru-RU" sz="1600" dirty="0">
-                <a:solidFill>
-                  <a:schemeClr val="tx1"/>
-                </a:solidFill>
-                <a:latin typeface="Times New Roman" panose="02020603050405020304" pitchFamily="18" charset="0"/>
-                <a:cs typeface="Times New Roman" panose="02020603050405020304" pitchFamily="18" charset="0"/>
-              </a:rPr>
-              <a:t> – это сеть которая работает, условно, поверх интернета. Это один из частных случаев применения сети интернет. Она состоит из документов.  </a:t>
-            </a:r>
-            <a:r>
-              <a:rPr lang="en-US" sz="1600" dirty="0">
-                <a:solidFill>
-                  <a:schemeClr val="tx1"/>
-                </a:solidFill>
-                <a:latin typeface="Times New Roman" panose="02020603050405020304" pitchFamily="18" charset="0"/>
-                <a:cs typeface="Times New Roman" panose="02020603050405020304" pitchFamily="18" charset="0"/>
-              </a:rPr>
-              <a:t>WWW</a:t>
-            </a:r>
-            <a:r>
-              <a:rPr lang="ru-RU" sz="1600" dirty="0">
-                <a:solidFill>
-                  <a:schemeClr val="tx1"/>
-                </a:solidFill>
-                <a:latin typeface="Times New Roman" panose="02020603050405020304" pitchFamily="18" charset="0"/>
-                <a:cs typeface="Times New Roman" panose="02020603050405020304" pitchFamily="18" charset="0"/>
-              </a:rPr>
-              <a:t> – это множество взаимосвязанных документов, которые находятся на различных компьютерах в сети Интернет. Это не только само множество документов но и правила и алгоритмы передачи этих документов по сети, с одной машины, на другую.</a:t>
-            </a:r>
-          </a:p>
-          <a:p>
-            <a:r>
-              <a:rPr lang="ru-RU" sz="1600" dirty="0">
-                <a:solidFill>
-                  <a:schemeClr val="tx1"/>
-                </a:solidFill>
-                <a:latin typeface="Times New Roman" panose="02020603050405020304" pitchFamily="18" charset="0"/>
-                <a:cs typeface="Times New Roman" panose="02020603050405020304" pitchFamily="18" charset="0"/>
-              </a:rPr>
-              <a:t>Что значит взаимосвязанных – это значит что документы ссылаются друг на друга. Ссылаются посредством ссылок, которые называются гиперссылками</a:t>
-            </a:r>
-            <a:r>
-              <a:rPr lang="ru-RU" sz="1600" dirty="0" smtClean="0">
-                <a:solidFill>
-                  <a:schemeClr val="tx1"/>
-                </a:solidFill>
-                <a:latin typeface="Times New Roman" panose="02020603050405020304" pitchFamily="18" charset="0"/>
-                <a:cs typeface="Times New Roman" panose="02020603050405020304" pitchFamily="18" charset="0"/>
-              </a:rPr>
-              <a:t>.</a:t>
-            </a:r>
-          </a:p>
-          <a:p>
-            <a:r>
-              <a:rPr lang="ru-RU" sz="1600" dirty="0" smtClean="0">
-                <a:solidFill>
-                  <a:schemeClr val="tx1"/>
-                </a:solidFill>
-                <a:latin typeface="Times New Roman" panose="02020603050405020304" pitchFamily="18" charset="0"/>
-                <a:cs typeface="Times New Roman" panose="02020603050405020304" pitchFamily="18" charset="0"/>
-              </a:rPr>
-              <a:t>Есть разные документы, они лежат на разных сайтах и ссылаются друг на друга посредством </a:t>
-            </a:r>
-            <a:r>
-              <a:rPr lang="ru-RU" sz="1600" dirty="0" smtClean="0">
-                <a:solidFill>
-                  <a:schemeClr val="tx1"/>
-                </a:solidFill>
-                <a:latin typeface="Times New Roman" panose="02020603050405020304" pitchFamily="18" charset="0"/>
-                <a:cs typeface="Times New Roman" panose="02020603050405020304" pitchFamily="18" charset="0"/>
-                <a:hlinkClick r:id="rId2"/>
-              </a:rPr>
-              <a:t>гиперссылок</a:t>
-            </a:r>
-            <a:r>
-              <a:rPr lang="ru-RU" sz="1600" dirty="0" smtClean="0">
-                <a:solidFill>
-                  <a:schemeClr val="tx1"/>
-                </a:solidFill>
-                <a:latin typeface="Times New Roman" panose="02020603050405020304" pitchFamily="18" charset="0"/>
-                <a:cs typeface="Times New Roman" panose="02020603050405020304" pitchFamily="18" charset="0"/>
-              </a:rPr>
-              <a:t>. *Щелкнуть по ссылке пройти на вики* Ссылки могут ссылаться как на документы лежащие на одном сайте *На страничке есть статья про </a:t>
-            </a:r>
-            <a:r>
-              <a:rPr lang="ru-RU" sz="1600" dirty="0" err="1" smtClean="0">
-                <a:solidFill>
-                  <a:schemeClr val="tx1"/>
-                </a:solidFill>
-                <a:latin typeface="Times New Roman" panose="02020603050405020304" pitchFamily="18" charset="0"/>
-                <a:cs typeface="Times New Roman" panose="02020603050405020304" pitchFamily="18" charset="0"/>
-              </a:rPr>
-              <a:t>троллинг</a:t>
-            </a:r>
-            <a:r>
-              <a:rPr lang="ru-RU" sz="1600" dirty="0" smtClean="0">
-                <a:solidFill>
-                  <a:schemeClr val="tx1"/>
-                </a:solidFill>
-                <a:latin typeface="Times New Roman" panose="02020603050405020304" pitchFamily="18" charset="0"/>
-                <a:cs typeface="Times New Roman" panose="02020603050405020304" pitchFamily="18" charset="0"/>
-              </a:rPr>
-              <a:t>*, так и на разных сайтах *Уйти на другой сайт по ссылке*. </a:t>
-            </a:r>
-          </a:p>
-          <a:p>
-            <a:r>
-              <a:rPr lang="ru-RU" sz="1600" dirty="0">
-                <a:solidFill>
-                  <a:schemeClr val="tx1"/>
-                </a:solidFill>
-                <a:latin typeface="Times New Roman" panose="02020603050405020304" pitchFamily="18" charset="0"/>
-                <a:cs typeface="Times New Roman" panose="02020603050405020304" pitchFamily="18" charset="0"/>
-              </a:rPr>
-              <a:t>В системе </a:t>
-            </a:r>
-            <a:r>
-              <a:rPr lang="en-US" sz="1600" dirty="0">
-                <a:solidFill>
-                  <a:schemeClr val="tx1"/>
-                </a:solidFill>
-                <a:latin typeface="Times New Roman" panose="02020603050405020304" pitchFamily="18" charset="0"/>
-                <a:cs typeface="Times New Roman" panose="02020603050405020304" pitchFamily="18" charset="0"/>
-              </a:rPr>
-              <a:t>WWW</a:t>
-            </a:r>
-            <a:r>
-              <a:rPr lang="ru-RU" sz="1600" dirty="0">
-                <a:solidFill>
-                  <a:schemeClr val="tx1"/>
-                </a:solidFill>
-                <a:latin typeface="Times New Roman" panose="02020603050405020304" pitchFamily="18" charset="0"/>
-                <a:cs typeface="Times New Roman" panose="02020603050405020304" pitchFamily="18" charset="0"/>
-              </a:rPr>
-              <a:t> помимо гипертекстовых документов (</a:t>
-            </a:r>
-            <a:r>
-              <a:rPr lang="ru-RU" sz="1600" dirty="0" err="1">
-                <a:solidFill>
-                  <a:schemeClr val="tx1"/>
-                </a:solidFill>
-                <a:latin typeface="Times New Roman" panose="02020603050405020304" pitchFamily="18" charset="0"/>
-                <a:cs typeface="Times New Roman" panose="02020603050405020304" pitchFamily="18" charset="0"/>
-              </a:rPr>
-              <a:t>хтмл</a:t>
-            </a:r>
-            <a:r>
-              <a:rPr lang="ru-RU" sz="1600" dirty="0">
-                <a:solidFill>
-                  <a:schemeClr val="tx1"/>
-                </a:solidFill>
-                <a:latin typeface="Times New Roman" panose="02020603050405020304" pitchFamily="18" charset="0"/>
-                <a:cs typeface="Times New Roman" panose="02020603050405020304" pitchFamily="18" charset="0"/>
-              </a:rPr>
-              <a:t> файлов), есть огромное количество других документов: изображения, стили (</a:t>
-            </a:r>
-            <a:r>
-              <a:rPr lang="ru-RU" sz="1600" dirty="0" err="1">
-                <a:solidFill>
-                  <a:schemeClr val="tx1"/>
-                </a:solidFill>
-                <a:latin typeface="Times New Roman" panose="02020603050405020304" pitchFamily="18" charset="0"/>
-                <a:cs typeface="Times New Roman" panose="02020603050405020304" pitchFamily="18" charset="0"/>
-              </a:rPr>
-              <a:t>сиэсэс</a:t>
-            </a:r>
-            <a:r>
-              <a:rPr lang="ru-RU" sz="1600" dirty="0">
-                <a:solidFill>
-                  <a:schemeClr val="tx1"/>
-                </a:solidFill>
-                <a:latin typeface="Times New Roman" panose="02020603050405020304" pitchFamily="18" charset="0"/>
-                <a:cs typeface="Times New Roman" panose="02020603050405020304" pitchFamily="18" charset="0"/>
-              </a:rPr>
-              <a:t> файлы), </a:t>
-            </a:r>
-            <a:r>
-              <a:rPr lang="ru-RU" sz="1600" dirty="0" err="1">
-                <a:solidFill>
-                  <a:schemeClr val="tx1"/>
-                </a:solidFill>
-                <a:latin typeface="Times New Roman" panose="02020603050405020304" pitchFamily="18" charset="0"/>
-                <a:cs typeface="Times New Roman" panose="02020603050405020304" pitchFamily="18" charset="0"/>
-              </a:rPr>
-              <a:t>джава</a:t>
-            </a:r>
-            <a:r>
-              <a:rPr lang="ru-RU" sz="1600" dirty="0">
+              <a:rPr lang="ru-RU" sz="2000" dirty="0" smtClean="0">
                 <a:solidFill>
                   <a:schemeClr val="tx1"/>
                 </a:solidFill>
@@ -3980,132 +8905,46 @@
               <a:t> </a:t>
             </a:r>
             <a:r>
-              <a:rPr lang="ru-RU" sz="1600" dirty="0" err="1">
-                <a:solidFill>
-                  <a:schemeClr val="tx1"/>
-                </a:solidFill>
-                <a:latin typeface="Times New Roman" panose="02020603050405020304" pitchFamily="18" charset="0"/>
-                <a:cs typeface="Times New Roman" panose="02020603050405020304" pitchFamily="18" charset="0"/>
-              </a:rPr>
-              <a:t>срипт</a:t>
-            </a:r>
-            <a:r>
-              <a:rPr lang="ru-RU" sz="1600" dirty="0">
-                <a:solidFill>
-                  <a:schemeClr val="tx1"/>
-                </a:solidFill>
-                <a:latin typeface="Times New Roman" panose="02020603050405020304" pitchFamily="18" charset="0"/>
-                <a:cs typeface="Times New Roman" panose="02020603050405020304" pitchFamily="18" charset="0"/>
-              </a:rPr>
-              <a:t> для оживления </a:t>
-            </a:r>
-            <a:r>
-              <a:rPr lang="ru-RU" sz="1600" dirty="0" err="1">
-                <a:solidFill>
-                  <a:schemeClr val="tx1"/>
-                </a:solidFill>
-                <a:latin typeface="Times New Roman" panose="02020603050405020304" pitchFamily="18" charset="0"/>
-                <a:cs typeface="Times New Roman" panose="02020603050405020304" pitchFamily="18" charset="0"/>
-              </a:rPr>
-              <a:t>хтмл</a:t>
-            </a:r>
-            <a:r>
-              <a:rPr lang="ru-RU" sz="1600" dirty="0">
-                <a:solidFill>
-                  <a:schemeClr val="tx1"/>
-                </a:solidFill>
-                <a:latin typeface="Times New Roman" panose="02020603050405020304" pitchFamily="18" charset="0"/>
-                <a:cs typeface="Times New Roman" panose="02020603050405020304" pitchFamily="18" charset="0"/>
-              </a:rPr>
-              <a:t> документа.</a:t>
-            </a:r>
-          </a:p>
-          <a:p>
-            <a:r>
-              <a:rPr lang="ru-RU" sz="1600" dirty="0" smtClean="0">
-                <a:solidFill>
-                  <a:schemeClr val="tx1"/>
-                </a:solidFill>
-                <a:latin typeface="Times New Roman" panose="02020603050405020304" pitchFamily="18" charset="0"/>
-                <a:cs typeface="Times New Roman" panose="02020603050405020304" pitchFamily="18" charset="0"/>
-              </a:rPr>
-              <a:t>Эти документы могут загружаться совместно с загрузкой основного (</a:t>
-            </a:r>
-            <a:r>
-              <a:rPr lang="ru-RU" sz="1600" dirty="0" err="1" smtClean="0">
-                <a:solidFill>
-                  <a:schemeClr val="tx1"/>
-                </a:solidFill>
-                <a:latin typeface="Times New Roman" panose="02020603050405020304" pitchFamily="18" charset="0"/>
-                <a:cs typeface="Times New Roman" panose="02020603050405020304" pitchFamily="18" charset="0"/>
-              </a:rPr>
-              <a:t>хтмл</a:t>
-            </a:r>
-            <a:r>
-              <a:rPr lang="ru-RU" sz="1600" dirty="0" smtClean="0">
-                <a:solidFill>
-                  <a:schemeClr val="tx1"/>
-                </a:solidFill>
-                <a:latin typeface="Times New Roman" panose="02020603050405020304" pitchFamily="18" charset="0"/>
-                <a:cs typeface="Times New Roman" panose="02020603050405020304" pitchFamily="18" charset="0"/>
-              </a:rPr>
-              <a:t> документа). Вы видите загружались так же картинки на вики, как </a:t>
-            </a:r>
-            <a:r>
-              <a:rPr lang="ru-RU" sz="1600" dirty="0" err="1" smtClean="0">
-                <a:solidFill>
-                  <a:schemeClr val="tx1"/>
-                </a:solidFill>
-                <a:latin typeface="Times New Roman" panose="02020603050405020304" pitchFamily="18" charset="0"/>
-                <a:cs typeface="Times New Roman" panose="02020603050405020304" pitchFamily="18" charset="0"/>
-              </a:rPr>
-              <a:t>поялялось</a:t>
-            </a:r>
-            <a:r>
-              <a:rPr lang="ru-RU" sz="1600" dirty="0" smtClean="0">
-                <a:solidFill>
-                  <a:schemeClr val="tx1"/>
-                </a:solidFill>
-                <a:latin typeface="Times New Roman" panose="02020603050405020304" pitchFamily="18" charset="0"/>
-                <a:cs typeface="Times New Roman" panose="02020603050405020304" pitchFamily="18" charset="0"/>
-              </a:rPr>
-              <a:t> окошко при наведении на ссылку – это сработал </a:t>
-            </a:r>
-            <a:r>
-              <a:rPr lang="ru-RU" sz="1600" dirty="0" err="1" smtClean="0">
-                <a:solidFill>
-                  <a:schemeClr val="tx1"/>
-                </a:solidFill>
-                <a:latin typeface="Times New Roman" panose="02020603050405020304" pitchFamily="18" charset="0"/>
-                <a:cs typeface="Times New Roman" panose="02020603050405020304" pitchFamily="18" charset="0"/>
-              </a:rPr>
-              <a:t>джава</a:t>
-            </a:r>
-            <a:r>
-              <a:rPr lang="ru-RU" sz="1600" dirty="0" smtClean="0">
-                <a:solidFill>
-                  <a:schemeClr val="tx1"/>
-                </a:solidFill>
-                <a:latin typeface="Times New Roman" panose="02020603050405020304" pitchFamily="18" charset="0"/>
-                <a:cs typeface="Times New Roman" panose="02020603050405020304" pitchFamily="18" charset="0"/>
-              </a:rPr>
-              <a:t> скрипт.</a:t>
-            </a:r>
-          </a:p>
-          <a:p>
-            <a:r>
-              <a:rPr lang="ru-RU" sz="1600" dirty="0" smtClean="0">
-                <a:solidFill>
-                  <a:schemeClr val="tx1"/>
-                </a:solidFill>
-                <a:latin typeface="Times New Roman" panose="02020603050405020304" pitchFamily="18" charset="0"/>
-                <a:cs typeface="Times New Roman" panose="02020603050405020304" pitchFamily="18" charset="0"/>
-              </a:rPr>
-              <a:t>Изначально ВВВ задумывалась как система документации, предполагалось, что это система для научного сообщества. Люди могли публиковать результаты своих исследований и ссылаться друг на друга. В научном сообществе ссылки – это неотъемлемая часть научных работ, и ссылки очень важны. Со временем эта идея сильно переросла научное сообщество и стало намного шире. И получилось что получилось.</a:t>
-            </a:r>
-          </a:p>
-          <a:p>
-            <a:endParaRPr lang="ru-RU" sz="1600" dirty="0">
+              <a:rPr lang="ru-RU" sz="2000" dirty="0">
+                <a:solidFill>
+                  <a:schemeClr val="tx1"/>
+                </a:solidFill>
+                <a:latin typeface="Times New Roman" panose="02020603050405020304" pitchFamily="18" charset="0"/>
+                <a:cs typeface="Times New Roman" panose="02020603050405020304" pitchFamily="18" charset="0"/>
+              </a:rPr>
+              <a:t>задумывалась как система </a:t>
+            </a:r>
+            <a:r>
+              <a:rPr lang="ru-RU" sz="2000" dirty="0" smtClean="0">
+                <a:solidFill>
+                  <a:schemeClr val="tx1"/>
+                </a:solidFill>
+                <a:latin typeface="Times New Roman" panose="02020603050405020304" pitchFamily="18" charset="0"/>
+                <a:cs typeface="Times New Roman" panose="02020603050405020304" pitchFamily="18" charset="0"/>
+              </a:rPr>
+              <a:t>документации </a:t>
+            </a:r>
+            <a:r>
+              <a:rPr lang="ru-RU" sz="2000" dirty="0">
+                <a:solidFill>
+                  <a:schemeClr val="tx1"/>
+                </a:solidFill>
+                <a:latin typeface="Times New Roman" panose="02020603050405020304" pitchFamily="18" charset="0"/>
+                <a:cs typeface="Times New Roman" panose="02020603050405020304" pitchFamily="18" charset="0"/>
+              </a:rPr>
+              <a:t>для научного </a:t>
+            </a:r>
+            <a:r>
+              <a:rPr lang="ru-RU" sz="2000" dirty="0" smtClean="0">
+                <a:solidFill>
+                  <a:schemeClr val="tx1"/>
+                </a:solidFill>
+                <a:latin typeface="Times New Roman" panose="02020603050405020304" pitchFamily="18" charset="0"/>
+                <a:cs typeface="Times New Roman" panose="02020603050405020304" pitchFamily="18" charset="0"/>
+              </a:rPr>
+              <a:t>сообщества, теперь же это нечто большее</a:t>
+            </a:r>
+            <a:endParaRPr lang="ru-RU" sz="2000" dirty="0">
               <a:solidFill>
                 <a:schemeClr val="tx1"/>
               </a:solidFill>
@@ -4177,36 +9016,6 @@
       </p:sp>
       <p:sp>
         <p:nvSpPr>
-          <p:cNvPr id="4" name="Текст 3">
-            <a:extLst>
-              <a:ext uri="{FF2B5EF4-FFF2-40B4-BE49-F238E27FC236}">
-                <a16:creationId xmlns:a16="http://schemas.microsoft.com/office/drawing/2014/main" id="{74C82C9C-F2A8-41A8-880B-73811E3EFC36}"/>
-              </a:ext>
-            </a:extLst>
-          </p:cNvPr>
-          <p:cNvSpPr>
-            <a:spLocks noGrp="1"/>
-          </p:cNvSpPr>
-          <p:nvPr>
-            <p:ph type="body" sz="quarter" idx="11"/>
-          </p:nvPr>
-        </p:nvSpPr>
-        <p:spPr>
-          <a:xfrm>
-            <a:off x="253096" y="6534445"/>
-            <a:ext cx="8602515" cy="323557"/>
-          </a:xfrm>
-        </p:spPr>
-        <p:txBody>
-          <a:bodyPr/>
-          <a:lstStyle/>
-          <a:p>
-            <a:endParaRPr lang="ru-RU" dirty="0"/>
-          </a:p>
-        </p:txBody>
-      </p:sp>
-      <p:sp>
-        <p:nvSpPr>
           <p:cNvPr id="5" name="Текст 3">
             <a:extLst>
               <a:ext uri="{FF2B5EF4-FFF2-40B4-BE49-F238E27FC236}">
@@ -4421,17 +9230,17 @@
           </a:lstStyle>
           <a:p>
             <a:r>
-              <a:rPr lang="ru-RU" sz="1600" dirty="0" smtClean="0">
-                <a:solidFill>
-                  <a:schemeClr val="tx1"/>
-                </a:solidFill>
-                <a:latin typeface="Times New Roman" panose="02020603050405020304" pitchFamily="18" charset="0"/>
-                <a:cs typeface="Times New Roman" panose="02020603050405020304" pitchFamily="18" charset="0"/>
-              </a:rPr>
-              <a:t>Кратко о том какие бывают документы. Типы документов задаются с  помощью </a:t>
-            </a:r>
-            <a:r>
-              <a:rPr lang="en-US" sz="1600" dirty="0" smtClean="0">
+              <a:rPr lang="ru-RU" sz="2000" dirty="0" smtClean="0">
+                <a:solidFill>
+                  <a:schemeClr val="tx1"/>
+                </a:solidFill>
+                <a:latin typeface="Times New Roman" panose="02020603050405020304" pitchFamily="18" charset="0"/>
+                <a:cs typeface="Times New Roman" panose="02020603050405020304" pitchFamily="18" charset="0"/>
+              </a:rPr>
+              <a:t>Типы документов задаются с  помощью </a:t>
+            </a:r>
+            <a:r>
+              <a:rPr lang="en-US" sz="2000" dirty="0" smtClean="0">
                 <a:solidFill>
                   <a:schemeClr val="tx1"/>
                 </a:solidFill>
@@ -4441,7 +9250,7 @@
               <a:t>MIME</a:t>
             </a:r>
             <a:r>
-              <a:rPr lang="ru-RU" sz="1600" dirty="0">
+              <a:rPr lang="ru-RU" sz="2000" dirty="0">
                 <a:solidFill>
                   <a:schemeClr val="tx1"/>
                 </a:solidFill>
@@ -4451,34 +9260,26 @@
               <a:t>-</a:t>
             </a:r>
             <a:r>
-              <a:rPr lang="ru-RU" sz="1600" dirty="0" smtClean="0">
-                <a:solidFill>
-                  <a:schemeClr val="tx1"/>
-                </a:solidFill>
-                <a:latin typeface="Times New Roman" panose="02020603050405020304" pitchFamily="18" charset="0"/>
-                <a:cs typeface="Times New Roman" panose="02020603050405020304" pitchFamily="18" charset="0"/>
-              </a:rPr>
-              <a:t>типов: это строчка, обычно из двух слов, разделенных </a:t>
-            </a:r>
-            <a:r>
-              <a:rPr lang="ru-RU" sz="1600" dirty="0" err="1" smtClean="0">
-                <a:solidFill>
-                  <a:schemeClr val="tx1"/>
-                </a:solidFill>
-                <a:latin typeface="Times New Roman" panose="02020603050405020304" pitchFamily="18" charset="0"/>
-                <a:cs typeface="Times New Roman" panose="02020603050405020304" pitchFamily="18" charset="0"/>
-              </a:rPr>
-              <a:t>слешом</a:t>
-            </a:r>
-            <a:r>
-              <a:rPr lang="ru-RU" sz="1600" dirty="0" smtClean="0">
-                <a:solidFill>
-                  <a:schemeClr val="tx1"/>
-                </a:solidFill>
-                <a:latin typeface="Times New Roman" panose="02020603050405020304" pitchFamily="18" charset="0"/>
-                <a:cs typeface="Times New Roman" panose="02020603050405020304" pitchFamily="18" charset="0"/>
-              </a:rPr>
-              <a:t>. </a:t>
+              <a:rPr lang="ru-RU" sz="2000" dirty="0" smtClean="0">
+                <a:solidFill>
+                  <a:schemeClr val="tx1"/>
+                </a:solidFill>
+                <a:latin typeface="Times New Roman" panose="02020603050405020304" pitchFamily="18" charset="0"/>
+                <a:cs typeface="Times New Roman" panose="02020603050405020304" pitchFamily="18" charset="0"/>
+              </a:rPr>
+              <a:t>типов: это строчка, обычно из двух слов, разделенных слешем.</a:t>
+            </a:r>
+          </a:p>
+          <a:p>
+            <a:r>
+              <a:rPr lang="ru-RU" sz="2000" dirty="0" smtClean="0">
+                <a:solidFill>
+                  <a:schemeClr val="tx1"/>
+                </a:solidFill>
+                <a:latin typeface="Times New Roman" panose="02020603050405020304" pitchFamily="18" charset="0"/>
+                <a:cs typeface="Times New Roman" panose="02020603050405020304" pitchFamily="18" charset="0"/>
+              </a:rPr>
+              <a:t>Типы документов: </a:t>
             </a:r>
           </a:p>
           <a:p>
@@ -4487,7 +9288,7 @@
               <a:buChar char="•"/>
             </a:pPr>
             <a:r>
-              <a:rPr lang="en-US" sz="1600" dirty="0">
+              <a:rPr lang="en-US" sz="2000" dirty="0">
                 <a:solidFill>
                   <a:schemeClr val="tx1"/>
                 </a:solidFill>
@@ -4503,7 +9304,7 @@
               <a:buChar char="•"/>
             </a:pPr>
             <a:r>
-              <a:rPr lang="en-US" sz="1600" dirty="0" smtClean="0">
+              <a:rPr lang="en-US" sz="2000" dirty="0" smtClean="0">
                 <a:solidFill>
                   <a:schemeClr val="tx1"/>
                 </a:solidFill>
@@ -4513,7 +9314,7 @@
               <a:t>text/</a:t>
             </a:r>
             <a:r>
-              <a:rPr lang="en-US" sz="1600" dirty="0" err="1" smtClean="0">
+              <a:rPr lang="en-US" sz="2000" dirty="0" err="1" smtClean="0">
                 <a:solidFill>
                   <a:schemeClr val="tx1"/>
                 </a:solidFill>
@@ -4522,7 +9323,7 @@
               </a:rPr>
               <a:t>css</a:t>
             </a:r>
-            <a:endParaRPr lang="en-US" sz="1600" dirty="0">
+            <a:endParaRPr lang="en-US" sz="2000" dirty="0">
               <a:solidFill>
                 <a:schemeClr val="tx1"/>
               </a:solidFill>
@@ -4536,7 +9337,7 @@
               <a:buChar char="•"/>
             </a:pPr>
             <a:r>
-              <a:rPr lang="en-US" sz="1600" dirty="0" smtClean="0">
+              <a:rPr lang="en-US" sz="2000" dirty="0" smtClean="0">
                 <a:solidFill>
                   <a:schemeClr val="tx1"/>
                 </a:solidFill>
@@ -4546,7 +9347,7 @@
               <a:t>text/</a:t>
             </a:r>
             <a:r>
-              <a:rPr lang="en-US" sz="1600" dirty="0" err="1" smtClean="0">
+              <a:rPr lang="en-US" sz="2000" dirty="0" err="1" smtClean="0">
                 <a:solidFill>
                   <a:schemeClr val="tx1"/>
                 </a:solidFill>
@@ -4555,7 +9356,7 @@
               </a:rPr>
               <a:t>javascript</a:t>
             </a:r>
-            <a:endParaRPr lang="en-US" sz="1600" dirty="0">
+            <a:endParaRPr lang="en-US" sz="2000" dirty="0">
               <a:solidFill>
                 <a:schemeClr val="tx1"/>
               </a:solidFill>
@@ -4569,7 +9370,7 @@
               <a:buChar char="•"/>
             </a:pPr>
             <a:r>
-              <a:rPr lang="en-US" sz="1600" dirty="0" smtClean="0">
+              <a:rPr lang="en-US" sz="2000" dirty="0" smtClean="0">
                 <a:solidFill>
                   <a:schemeClr val="tx1"/>
                 </a:solidFill>
@@ -4579,7 +9380,7 @@
               <a:t>image/</a:t>
             </a:r>
             <a:r>
-              <a:rPr lang="en-US" sz="1600" dirty="0" err="1" smtClean="0">
+              <a:rPr lang="en-US" sz="2000" dirty="0" err="1" smtClean="0">
                 <a:solidFill>
                   <a:schemeClr val="tx1"/>
                 </a:solidFill>
@@ -4588,7 +9389,7 @@
               </a:rPr>
               <a:t>png</a:t>
             </a:r>
-            <a:endParaRPr lang="en-US" sz="1600" dirty="0">
+            <a:endParaRPr lang="en-US" sz="2000" dirty="0">
               <a:solidFill>
                 <a:schemeClr val="tx1"/>
               </a:solidFill>
@@ -4602,7 +9403,7 @@
               <a:buChar char="•"/>
             </a:pPr>
             <a:r>
-              <a:rPr lang="en-US" sz="1600" dirty="0" smtClean="0">
+              <a:rPr lang="en-US" sz="2000" dirty="0" smtClean="0">
                 <a:solidFill>
                   <a:schemeClr val="tx1"/>
                 </a:solidFill>
@@ -4611,7 +9412,7 @@
               </a:rPr>
               <a:t>video/mp4</a:t>
             </a:r>
-            <a:endParaRPr lang="en-US" sz="1600" dirty="0">
+            <a:endParaRPr lang="en-US" sz="2000" dirty="0">
               <a:solidFill>
                 <a:schemeClr val="tx1"/>
               </a:solidFill>
@@ -4625,7 +9426,7 @@
               <a:buChar char="•"/>
             </a:pPr>
             <a:r>
-              <a:rPr lang="en-US" sz="1600" dirty="0" smtClean="0">
+              <a:rPr lang="en-US" sz="2000" dirty="0" smtClean="0">
                 <a:solidFill>
                   <a:schemeClr val="tx1"/>
                 </a:solidFill>
@@ -4634,7 +9435,7 @@
               </a:rPr>
               <a:t>text/xml</a:t>
             </a:r>
-            <a:endParaRPr lang="en-US" sz="1600" dirty="0">
+            <a:endParaRPr lang="en-US" sz="2000" dirty="0">
               <a:solidFill>
                 <a:schemeClr val="tx1"/>
               </a:solidFill>
@@ -4648,7 +9449,7 @@
               <a:buChar char="•"/>
             </a:pPr>
             <a:r>
-              <a:rPr lang="en-US" sz="1600" dirty="0" smtClean="0">
+              <a:rPr lang="en-US" sz="2000" dirty="0" smtClean="0">
                 <a:solidFill>
                   <a:schemeClr val="tx1"/>
                 </a:solidFill>
@@ -4658,7 +9459,7 @@
               <a:t>application/</a:t>
             </a:r>
             <a:r>
-              <a:rPr lang="en-US" sz="1600" dirty="0" err="1" smtClean="0">
+              <a:rPr lang="en-US" sz="2000" dirty="0" err="1" smtClean="0">
                 <a:solidFill>
                   <a:schemeClr val="tx1"/>
                 </a:solidFill>
@@ -4667,7 +9468,7 @@
               </a:rPr>
               <a:t>json</a:t>
             </a:r>
-            <a:endParaRPr lang="en-US" sz="1600" dirty="0">
+            <a:endParaRPr lang="en-US" sz="2000" dirty="0">
               <a:solidFill>
                 <a:schemeClr val="tx1"/>
               </a:solidFill>
@@ -4681,102 +9482,50 @@
               <a:buChar char="•"/>
             </a:pPr>
             <a:r>
-              <a:rPr lang="ru-RU" sz="1600" dirty="0" smtClean="0">
-                <a:solidFill>
-                  <a:schemeClr val="tx1"/>
-                </a:solidFill>
-                <a:latin typeface="Times New Roman" panose="02020603050405020304" pitchFamily="18" charset="0"/>
-                <a:cs typeface="Times New Roman" panose="02020603050405020304" pitchFamily="18" charset="0"/>
-                <a:hlinkClick r:id="rId2"/>
+              <a:rPr lang="ru-RU" sz="2000" dirty="0" smtClean="0">
+                <a:solidFill>
+                  <a:schemeClr val="tx1"/>
+                </a:solidFill>
+                <a:latin typeface="Times New Roman" panose="02020603050405020304" pitchFamily="18" charset="0"/>
+                <a:cs typeface="Times New Roman" panose="02020603050405020304" pitchFamily="18" charset="0"/>
+                <a:hlinkClick r:id="rId3"/>
               </a:rPr>
               <a:t>Полный </a:t>
             </a:r>
             <a:r>
-              <a:rPr lang="ru-RU" sz="1600" dirty="0">
-                <a:solidFill>
-                  <a:schemeClr val="tx1"/>
-                </a:solidFill>
-                <a:latin typeface="Times New Roman" panose="02020603050405020304" pitchFamily="18" charset="0"/>
-                <a:cs typeface="Times New Roman" panose="02020603050405020304" pitchFamily="18" charset="0"/>
-                <a:hlinkClick r:id="rId2"/>
+              <a:rPr lang="ru-RU" sz="2000" dirty="0">
+                <a:solidFill>
+                  <a:schemeClr val="tx1"/>
+                </a:solidFill>
+                <a:latin typeface="Times New Roman" panose="02020603050405020304" pitchFamily="18" charset="0"/>
+                <a:cs typeface="Times New Roman" panose="02020603050405020304" pitchFamily="18" charset="0"/>
+                <a:hlinkClick r:id="rId3"/>
               </a:rPr>
               <a:t>список </a:t>
             </a:r>
             <a:r>
-              <a:rPr lang="en-US" sz="1600" dirty="0">
-                <a:solidFill>
-                  <a:schemeClr val="tx1"/>
-                </a:solidFill>
-                <a:latin typeface="Times New Roman" panose="02020603050405020304" pitchFamily="18" charset="0"/>
-                <a:cs typeface="Times New Roman" panose="02020603050405020304" pitchFamily="18" charset="0"/>
-                <a:hlinkClick r:id="rId2"/>
+              <a:rPr lang="en-US" sz="2000" dirty="0">
+                <a:solidFill>
+                  <a:schemeClr val="tx1"/>
+                </a:solidFill>
+                <a:latin typeface="Times New Roman" panose="02020603050405020304" pitchFamily="18" charset="0"/>
+                <a:cs typeface="Times New Roman" panose="02020603050405020304" pitchFamily="18" charset="0"/>
+                <a:hlinkClick r:id="rId3"/>
               </a:rPr>
               <a:t>MIME </a:t>
             </a:r>
             <a:r>
-              <a:rPr lang="ru-RU" sz="1600" dirty="0" smtClean="0">
-                <a:solidFill>
-                  <a:schemeClr val="tx1"/>
-                </a:solidFill>
-                <a:latin typeface="Times New Roman" panose="02020603050405020304" pitchFamily="18" charset="0"/>
-                <a:cs typeface="Times New Roman" panose="02020603050405020304" pitchFamily="18" charset="0"/>
-                <a:hlinkClick r:id="rId2"/>
+              <a:rPr lang="ru-RU" sz="2000" dirty="0" smtClean="0">
+                <a:solidFill>
+                  <a:schemeClr val="tx1"/>
+                </a:solidFill>
+                <a:latin typeface="Times New Roman" panose="02020603050405020304" pitchFamily="18" charset="0"/>
+                <a:cs typeface="Times New Roman" panose="02020603050405020304" pitchFamily="18" charset="0"/>
+                <a:hlinkClick r:id="rId3"/>
               </a:rPr>
               <a:t>типов</a:t>
             </a:r>
-            <a:endParaRPr lang="ru-RU" sz="1600" dirty="0" smtClean="0">
-              <a:solidFill>
-                <a:schemeClr val="tx1"/>
-              </a:solidFill>
-              <a:latin typeface="Times New Roman" panose="02020603050405020304" pitchFamily="18" charset="0"/>
-              <a:cs typeface="Times New Roman" panose="02020603050405020304" pitchFamily="18" charset="0"/>
-            </a:endParaRPr>
-          </a:p>
-          <a:p>
-            <a:pPr indent="0"/>
-            <a:r>
-              <a:rPr lang="ru-RU" sz="1600" dirty="0" smtClean="0">
-                <a:solidFill>
-                  <a:schemeClr val="tx1"/>
-                </a:solidFill>
-                <a:latin typeface="Times New Roman" panose="02020603050405020304" pitchFamily="18" charset="0"/>
-                <a:cs typeface="Times New Roman" panose="02020603050405020304" pitchFamily="18" charset="0"/>
-              </a:rPr>
-              <a:t>*Пару слов о каждом пункте, о </a:t>
-            </a:r>
-            <a:r>
-              <a:rPr lang="en-US" sz="1600" dirty="0" err="1" smtClean="0">
-                <a:solidFill>
-                  <a:schemeClr val="tx1"/>
-                </a:solidFill>
-                <a:latin typeface="Times New Roman" panose="02020603050405020304" pitchFamily="18" charset="0"/>
-                <a:cs typeface="Times New Roman" panose="02020603050405020304" pitchFamily="18" charset="0"/>
-              </a:rPr>
-              <a:t>json</a:t>
-            </a:r>
-            <a:r>
-              <a:rPr lang="ru-RU" sz="1600" dirty="0" smtClean="0">
-                <a:solidFill>
-                  <a:schemeClr val="tx1"/>
-                </a:solidFill>
-                <a:latin typeface="Times New Roman" panose="02020603050405020304" pitchFamily="18" charset="0"/>
-                <a:cs typeface="Times New Roman" panose="02020603050405020304" pitchFamily="18" charset="0"/>
-              </a:rPr>
-              <a:t> следующий слайд*</a:t>
-            </a:r>
-          </a:p>
-          <a:p>
-            <a:r>
-              <a:rPr lang="ru-RU" sz="1600" dirty="0" smtClean="0">
-                <a:solidFill>
-                  <a:schemeClr val="tx1"/>
-                </a:solidFill>
-                <a:latin typeface="Times New Roman" panose="02020603050405020304" pitchFamily="18" charset="0"/>
-                <a:cs typeface="Times New Roman" panose="02020603050405020304" pitchFamily="18" charset="0"/>
-              </a:rPr>
-              <a:t>Как видно документы бывают разных типов. Всегда важно указывать тип документы, чтобы компьютер мог понять, что это не текст, скажем, а изображение, или видео.</a:t>
-            </a:r>
-            <a:endParaRPr lang="ru-RU" sz="1600" dirty="0">
+            <a:endParaRPr lang="ru-RU" sz="2000" dirty="0" smtClean="0">
               <a:solidFill>
                 <a:schemeClr val="tx1"/>
               </a:solidFill>
@@ -4840,42 +9589,8 @@
           <a:p>
             <a:r>
               <a:rPr lang="en-US" dirty="0" smtClean="0"/>
-              <a:t>application/</a:t>
-            </a:r>
-            <a:r>
-              <a:rPr lang="en-US" dirty="0" err="1" smtClean="0"/>
-              <a:t>json</a:t>
-            </a:r>
-            <a:endParaRPr lang="ru-RU" dirty="0"/>
-          </a:p>
-        </p:txBody>
-      </p:sp>
-      <p:sp>
-        <p:nvSpPr>
-          <p:cNvPr id="4" name="Текст 3">
-            <a:extLst>
-              <a:ext uri="{FF2B5EF4-FFF2-40B4-BE49-F238E27FC236}">
-                <a16:creationId xmlns:a16="http://schemas.microsoft.com/office/drawing/2014/main" id="{74C82C9C-F2A8-41A8-880B-73811E3EFC36}"/>
-              </a:ext>
-            </a:extLst>
-          </p:cNvPr>
-          <p:cNvSpPr>
-            <a:spLocks noGrp="1"/>
-          </p:cNvSpPr>
-          <p:nvPr>
-            <p:ph type="body" sz="quarter" idx="11"/>
-          </p:nvPr>
-        </p:nvSpPr>
-        <p:spPr>
-          <a:xfrm>
-            <a:off x="253096" y="6534445"/>
-            <a:ext cx="8602515" cy="323557"/>
-          </a:xfrm>
-        </p:spPr>
-        <p:txBody>
-          <a:bodyPr/>
-          <a:lstStyle/>
-          <a:p>
+              <a:t>text/html</a:t>
+            </a:r>
             <a:endParaRPr lang="ru-RU" dirty="0"/>
           </a:p>
         </p:txBody>
@@ -5095,7 +9810,7 @@
             </a:lvl9pPr>
           </a:lstStyle>
           <a:p>
-            <a:endParaRPr lang="ru-RU" sz="1600" dirty="0">
+            <a:endParaRPr lang="ru-RU" sz="1800" dirty="0" smtClean="0">
               <a:solidFill>
                 <a:schemeClr val="tx1"/>
               </a:solidFill>
@@ -5105,10 +9820,40 @@
           </a:p>
         </p:txBody>
       </p:sp>
+      <p:pic>
+        <p:nvPicPr>
+          <p:cNvPr id="2" name="Рисунок 1"/>
+          <p:cNvPicPr>
+            <a:picLocks noChangeAspect="1"/>
+          </p:cNvPicPr>
+          <p:nvPr/>
+        </p:nvPicPr>
+        <p:blipFill>
+          <a:blip r:embed="rId3">
+            <a:extLst>
+              <a:ext uri="{28A0092B-C50C-407E-A947-70E740481C1C}">
+                <a14:useLocalDpi xmlns:a14="http://schemas.microsoft.com/office/drawing/2010/main" val="0"/>
+              </a:ext>
+            </a:extLst>
+          </a:blip>
+          <a:stretch>
+            <a:fillRect/>
+          </a:stretch>
+        </p:blipFill>
+        <p:spPr>
+          <a:xfrm>
+            <a:off x="0" y="1503123"/>
+            <a:ext cx="9144000" cy="3851753"/>
+          </a:xfrm>
+          <a:prstGeom prst="rect">
+            <a:avLst/>
+          </a:prstGeom>
+        </p:spPr>
+      </p:pic>
     </p:spTree>
     <p:extLst>
       <p:ext uri="{BB962C8B-B14F-4D97-AF65-F5344CB8AC3E}">
-        <p14:creationId xmlns:p14="http://schemas.microsoft.com/office/powerpoint/2010/main" val="3136048946"/>
+        <p14:creationId xmlns:p14="http://schemas.microsoft.com/office/powerpoint/2010/main" val="1002434784"/>
       </p:ext>
     </p:extLst>
   </p:cSld>
@@ -5158,8 +9903,8 @@
           <a:lstStyle/>
           <a:p>
             <a:r>
-              <a:rPr lang="en-US" dirty="0" smtClean="0"/>
-              <a:t>URL</a:t>
+              <a:rPr lang="ru-RU" dirty="0" smtClean="0"/>
+              <a:t>Задание 1</a:t>
             </a:r>
             <a:endParaRPr lang="ru-RU" dirty="0"/>
           </a:p>
@@ -5167,44 +9912,383 @@
       </p:sp>
       <p:sp>
         <p:nvSpPr>
-          <p:cNvPr id="4" name="Текст 3">
+          <p:cNvPr id="5" name="Текст 3">
             <a:extLst>
               <a:ext uri="{FF2B5EF4-FFF2-40B4-BE49-F238E27FC236}">
                 <a16:creationId xmlns:a16="http://schemas.microsoft.com/office/drawing/2014/main" id="{74C82C9C-F2A8-41A8-880B-73811E3EFC36}"/>
               </a:ext>
             </a:extLst>
           </p:cNvPr>
-          <p:cNvSpPr>
-            <a:spLocks noGrp="1"/>
+          <p:cNvSpPr txBox="1">
+            <a:spLocks/>
           </p:cNvSpPr>
-          <p:nvPr>
-            <p:ph type="body" sz="quarter" idx="11"/>
-          </p:nvPr>
+          <p:nvPr/>
         </p:nvSpPr>
-        <p:spPr>
+        <p:spPr bwMode="auto">
           <a:xfrm>
-            <a:off x="253096" y="6534445"/>
-            <a:ext cx="8602515" cy="323557"/>
+            <a:off x="253096" y="1332411"/>
+            <a:ext cx="8333555" cy="4763589"/>
           </a:xfrm>
+          <a:prstGeom prst="rect">
+            <a:avLst/>
+          </a:prstGeom>
+          <a:noFill/>
+          <a:ln>
+            <a:noFill/>
+          </a:ln>
+          <a:extLst>
+            <a:ext uri="{909E8E84-426E-40DD-AFC4-6F175D3DCCD1}">
+              <a14:hiddenFill xmlns:a14="http://schemas.microsoft.com/office/drawing/2010/main">
+                <a:solidFill>
+                  <a:srgbClr val="FFFFFF"/>
+                </a:solidFill>
+              </a14:hiddenFill>
+            </a:ext>
+            <a:ext uri="{91240B29-F687-4F45-9708-019B960494DF}">
+              <a14:hiddenLine xmlns:a14="http://schemas.microsoft.com/office/drawing/2010/main" w="9525">
+                <a:solidFill>
+                  <a:srgbClr val="000000"/>
+                </a:solidFill>
+                <a:miter lim="800000"/>
+                <a:headEnd/>
+                <a:tailEnd/>
+              </a14:hiddenLine>
+            </a:ext>
+          </a:extLst>
         </p:spPr>
         <p:txBody>
-          <a:bodyPr/>
-          <a:lstStyle/>
-          <a:p>
-            <a:endParaRPr lang="ru-RU" dirty="0"/>
+          <a:bodyPr vert="horz" wrap="square" lIns="91440" tIns="45720" rIns="91440" bIns="45720" numCol="1" anchor="t" anchorCtr="0" compatLnSpc="1">
+            <a:prstTxWarp prst="textNoShape">
+              <a:avLst/>
+            </a:prstTxWarp>
+            <a:normAutofit/>
+          </a:bodyPr>
+          <a:lstStyle>
+            <a:lvl1pPr marL="0" marR="0" indent="-342900" algn="l" defTabSz="180000" rtl="0" eaLnBrk="1" fontAlgn="auto" latinLnBrk="0" hangingPunct="1">
+              <a:lnSpc>
+                <a:spcPct val="100000"/>
+              </a:lnSpc>
+              <a:spcBef>
+                <a:spcPct val="20000"/>
+              </a:spcBef>
+              <a:spcAft>
+                <a:spcPts val="0"/>
+              </a:spcAft>
+              <a:buClrTx/>
+              <a:buSzTx/>
+              <a:buFont typeface="Arial" pitchFamily="34" charset="0"/>
+              <a:buNone/>
+              <a:tabLst/>
+              <a:defRPr sz="900" kern="1200">
+                <a:solidFill>
+                  <a:schemeClr val="tx1">
+                    <a:lumMod val="50000"/>
+                    <a:lumOff val="50000"/>
+                  </a:schemeClr>
+                </a:solidFill>
+                <a:latin typeface="Arial" pitchFamily="34" charset="0"/>
+                <a:ea typeface="+mn-ea"/>
+                <a:cs typeface="Arial" pitchFamily="34" charset="0"/>
+              </a:defRPr>
+            </a:lvl1pPr>
+            <a:lvl2pPr marL="742950" indent="-285750" algn="l" rtl="0" eaLnBrk="0" fontAlgn="base" hangingPunct="0">
+              <a:spcBef>
+                <a:spcPct val="20000"/>
+              </a:spcBef>
+              <a:spcAft>
+                <a:spcPct val="0"/>
+              </a:spcAft>
+              <a:buFont typeface="Arial" charset="0"/>
+              <a:buChar char="–"/>
+              <a:defRPr sz="2800" kern="1200">
+                <a:solidFill>
+                  <a:schemeClr val="tx1"/>
+                </a:solidFill>
+                <a:latin typeface="+mn-lt"/>
+                <a:ea typeface="+mn-ea"/>
+                <a:cs typeface="+mn-cs"/>
+              </a:defRPr>
+            </a:lvl2pPr>
+            <a:lvl3pPr marL="1143000" indent="-228600" algn="l" rtl="0" eaLnBrk="0" fontAlgn="base" hangingPunct="0">
+              <a:spcBef>
+                <a:spcPct val="20000"/>
+              </a:spcBef>
+              <a:spcAft>
+                <a:spcPct val="0"/>
+              </a:spcAft>
+              <a:buFont typeface="Arial" charset="0"/>
+              <a:buChar char="•"/>
+              <a:defRPr sz="2400" kern="1200">
+                <a:solidFill>
+                  <a:schemeClr val="tx1"/>
+                </a:solidFill>
+                <a:latin typeface="+mn-lt"/>
+                <a:ea typeface="+mn-ea"/>
+                <a:cs typeface="+mn-cs"/>
+              </a:defRPr>
+            </a:lvl3pPr>
+            <a:lvl4pPr marL="1600200" indent="-228600" algn="l" rtl="0" eaLnBrk="0" fontAlgn="base" hangingPunct="0">
+              <a:spcBef>
+                <a:spcPct val="20000"/>
+              </a:spcBef>
+              <a:spcAft>
+                <a:spcPct val="0"/>
+              </a:spcAft>
+              <a:buFont typeface="Arial" charset="0"/>
+              <a:buChar char="–"/>
+              <a:defRPr sz="2000" kern="1200">
+                <a:solidFill>
+                  <a:schemeClr val="tx1"/>
+                </a:solidFill>
+                <a:latin typeface="+mn-lt"/>
+                <a:ea typeface="+mn-ea"/>
+                <a:cs typeface="+mn-cs"/>
+              </a:defRPr>
+            </a:lvl4pPr>
+            <a:lvl5pPr marL="2057400" indent="-228600" algn="l" rtl="0" eaLnBrk="0" fontAlgn="base" hangingPunct="0">
+              <a:spcBef>
+                <a:spcPct val="20000"/>
+              </a:spcBef>
+              <a:spcAft>
+                <a:spcPct val="0"/>
+              </a:spcAft>
+              <a:buFont typeface="Arial" charset="0"/>
+              <a:buChar char="»"/>
+              <a:defRPr sz="2000" kern="1200">
+                <a:solidFill>
+                  <a:schemeClr val="tx1"/>
+                </a:solidFill>
+                <a:latin typeface="+mn-lt"/>
+                <a:ea typeface="+mn-ea"/>
+                <a:cs typeface="+mn-cs"/>
+              </a:defRPr>
+            </a:lvl5pPr>
+            <a:lvl6pPr marL="2514600" indent="-228600" algn="l" defTabSz="914400" rtl="0" eaLnBrk="1" latinLnBrk="0" hangingPunct="1">
+              <a:spcBef>
+                <a:spcPct val="20000"/>
+              </a:spcBef>
+              <a:buFont typeface="Arial" pitchFamily="34" charset="0"/>
+              <a:buChar char="•"/>
+              <a:defRPr sz="2000" kern="1200">
+                <a:solidFill>
+                  <a:schemeClr val="tx1"/>
+                </a:solidFill>
+                <a:latin typeface="+mn-lt"/>
+                <a:ea typeface="+mn-ea"/>
+                <a:cs typeface="+mn-cs"/>
+              </a:defRPr>
+            </a:lvl6pPr>
+            <a:lvl7pPr marL="2971800" indent="-228600" algn="l" defTabSz="914400" rtl="0" eaLnBrk="1" latinLnBrk="0" hangingPunct="1">
+              <a:spcBef>
+                <a:spcPct val="20000"/>
+              </a:spcBef>
+              <a:buFont typeface="Arial" pitchFamily="34" charset="0"/>
+              <a:buChar char="•"/>
+              <a:defRPr sz="2000" kern="1200">
+                <a:solidFill>
+                  <a:schemeClr val="tx1"/>
+                </a:solidFill>
+                <a:latin typeface="+mn-lt"/>
+                <a:ea typeface="+mn-ea"/>
+                <a:cs typeface="+mn-cs"/>
+              </a:defRPr>
+            </a:lvl7pPr>
+            <a:lvl8pPr marL="3429000" indent="-228600" algn="l" defTabSz="914400" rtl="0" eaLnBrk="1" latinLnBrk="0" hangingPunct="1">
+              <a:spcBef>
+                <a:spcPct val="20000"/>
+              </a:spcBef>
+              <a:buFont typeface="Arial" pitchFamily="34" charset="0"/>
+              <a:buChar char="•"/>
+              <a:defRPr sz="2000" kern="1200">
+                <a:solidFill>
+                  <a:schemeClr val="tx1"/>
+                </a:solidFill>
+                <a:latin typeface="+mn-lt"/>
+                <a:ea typeface="+mn-ea"/>
+                <a:cs typeface="+mn-cs"/>
+              </a:defRPr>
+            </a:lvl8pPr>
+            <a:lvl9pPr marL="3886200" indent="-228600" algn="l" defTabSz="914400" rtl="0" eaLnBrk="1" latinLnBrk="0" hangingPunct="1">
+              <a:spcBef>
+                <a:spcPct val="20000"/>
+              </a:spcBef>
+              <a:buFont typeface="Arial" pitchFamily="34" charset="0"/>
+              <a:buChar char="•"/>
+              <a:defRPr sz="2000" kern="1200">
+                <a:solidFill>
+                  <a:schemeClr val="tx1"/>
+                </a:solidFill>
+                <a:latin typeface="+mn-lt"/>
+                <a:ea typeface="+mn-ea"/>
+                <a:cs typeface="+mn-cs"/>
+              </a:defRPr>
+            </a:lvl9pPr>
+          </a:lstStyle>
+          <a:p>
+            <a:pPr>
+              <a:buAutoNum type="arabicPeriod"/>
+            </a:pPr>
+            <a:r>
+              <a:rPr lang="ru-RU" sz="2000" dirty="0" smtClean="0">
+                <a:solidFill>
+                  <a:schemeClr val="tx1"/>
+                </a:solidFill>
+                <a:latin typeface="Times New Roman" panose="02020603050405020304" pitchFamily="18" charset="0"/>
+                <a:cs typeface="Times New Roman" panose="02020603050405020304" pitchFamily="18" charset="0"/>
+              </a:rPr>
+              <a:t>Зайти на сайт </a:t>
+            </a:r>
+            <a:r>
+              <a:rPr lang="en-US" sz="2000" dirty="0">
+                <a:solidFill>
+                  <a:schemeClr val="tx1"/>
+                </a:solidFill>
+                <a:latin typeface="Times New Roman" panose="02020603050405020304" pitchFamily="18" charset="0"/>
+                <a:cs typeface="Times New Roman" panose="02020603050405020304" pitchFamily="18" charset="0"/>
+                <a:hlinkClick r:id="rId3"/>
+              </a:rPr>
+              <a:t>http://milk.com</a:t>
+            </a:r>
+            <a:r>
+              <a:rPr lang="en-US" sz="2000" dirty="0" smtClean="0">
+                <a:solidFill>
+                  <a:schemeClr val="tx1"/>
+                </a:solidFill>
+                <a:latin typeface="Times New Roman" panose="02020603050405020304" pitchFamily="18" charset="0"/>
+                <a:cs typeface="Times New Roman" panose="02020603050405020304" pitchFamily="18" charset="0"/>
+                <a:hlinkClick r:id="rId3"/>
+              </a:rPr>
+              <a:t>/</a:t>
+            </a:r>
+            <a:endParaRPr lang="ru-RU" sz="2000" dirty="0" smtClean="0">
+              <a:solidFill>
+                <a:schemeClr val="tx1"/>
+              </a:solidFill>
+              <a:latin typeface="Times New Roman" panose="02020603050405020304" pitchFamily="18" charset="0"/>
+              <a:cs typeface="Times New Roman" panose="02020603050405020304" pitchFamily="18" charset="0"/>
+            </a:endParaRPr>
+          </a:p>
+          <a:p>
+            <a:pPr>
+              <a:buAutoNum type="arabicPeriod"/>
+            </a:pPr>
+            <a:r>
+              <a:rPr lang="ru-RU" sz="2000" dirty="0" smtClean="0">
+                <a:solidFill>
+                  <a:schemeClr val="tx1"/>
+                </a:solidFill>
+                <a:latin typeface="Times New Roman" panose="02020603050405020304" pitchFamily="18" charset="0"/>
+                <a:cs typeface="Times New Roman" panose="02020603050405020304" pitchFamily="18" charset="0"/>
+              </a:rPr>
+              <a:t>Войти в режим разработчика</a:t>
+            </a:r>
+          </a:p>
+          <a:p>
+            <a:pPr>
+              <a:buAutoNum type="arabicPeriod"/>
+            </a:pPr>
+            <a:r>
+              <a:rPr lang="ru-RU" sz="2000" dirty="0" smtClean="0">
+                <a:solidFill>
+                  <a:schemeClr val="tx1"/>
+                </a:solidFill>
+                <a:latin typeface="Times New Roman" panose="02020603050405020304" pitchFamily="18" charset="0"/>
+                <a:cs typeface="Times New Roman" panose="02020603050405020304" pitchFamily="18" charset="0"/>
+              </a:rPr>
+              <a:t>Ссылка на какой документ указана в коде первой?</a:t>
+            </a:r>
+          </a:p>
+          <a:p>
+            <a:pPr>
+              <a:buAutoNum type="arabicPeriod"/>
+            </a:pPr>
+            <a:r>
+              <a:rPr lang="ru-RU" sz="2000" dirty="0" smtClean="0">
+                <a:solidFill>
+                  <a:schemeClr val="tx1"/>
+                </a:solidFill>
+                <a:latin typeface="Times New Roman" panose="02020603050405020304" pitchFamily="18" charset="0"/>
+                <a:cs typeface="Times New Roman" panose="02020603050405020304" pitchFamily="18" charset="0"/>
+              </a:rPr>
+              <a:t>Для чего нужен этот документ?</a:t>
+            </a:r>
+          </a:p>
+          <a:p>
+            <a:pPr>
+              <a:buAutoNum type="arabicPeriod"/>
+            </a:pPr>
+            <a:r>
+              <a:rPr lang="ru-RU" sz="2000" dirty="0" smtClean="0">
+                <a:solidFill>
+                  <a:schemeClr val="tx1"/>
+                </a:solidFill>
+                <a:latin typeface="Times New Roman" panose="02020603050405020304" pitchFamily="18" charset="0"/>
+                <a:cs typeface="Times New Roman" panose="02020603050405020304" pitchFamily="18" charset="0"/>
+              </a:rPr>
+              <a:t>Название первого загружаемого изображения?</a:t>
+            </a:r>
+          </a:p>
+          <a:p>
+            <a:pPr>
+              <a:buAutoNum type="arabicPeriod"/>
+            </a:pPr>
+            <a:r>
+              <a:rPr lang="ru-RU" sz="2000" dirty="0" smtClean="0">
+                <a:solidFill>
+                  <a:schemeClr val="tx1"/>
+                </a:solidFill>
+                <a:latin typeface="Times New Roman" panose="02020603050405020304" pitchFamily="18" charset="0"/>
+                <a:cs typeface="Times New Roman" panose="02020603050405020304" pitchFamily="18" charset="0"/>
+              </a:rPr>
+              <a:t>Что делает тег </a:t>
+            </a:r>
+            <a:r>
+              <a:rPr lang="en-US" sz="2000" dirty="0" smtClean="0">
+                <a:solidFill>
+                  <a:schemeClr val="tx1"/>
+                </a:solidFill>
+                <a:latin typeface="Times New Roman" panose="02020603050405020304" pitchFamily="18" charset="0"/>
+                <a:cs typeface="Times New Roman" panose="02020603050405020304" pitchFamily="18" charset="0"/>
+              </a:rPr>
+              <a:t>&lt;b&gt;&lt;/b&gt;</a:t>
+            </a:r>
+            <a:r>
+              <a:rPr lang="ru-RU" sz="2000" dirty="0" smtClean="0">
+                <a:solidFill>
+                  <a:schemeClr val="tx1"/>
+                </a:solidFill>
+                <a:latin typeface="Times New Roman" panose="02020603050405020304" pitchFamily="18" charset="0"/>
+                <a:cs typeface="Times New Roman" panose="02020603050405020304" pitchFamily="18" charset="0"/>
+              </a:rPr>
+              <a:t>?</a:t>
+            </a:r>
+            <a:endParaRPr lang="ru-RU" sz="2000" dirty="0" smtClean="0">
+              <a:solidFill>
+                <a:schemeClr val="tx1"/>
+              </a:solidFill>
+              <a:latin typeface="Times New Roman" panose="02020603050405020304" pitchFamily="18" charset="0"/>
+              <a:cs typeface="Times New Roman" panose="02020603050405020304" pitchFamily="18" charset="0"/>
+            </a:endParaRPr>
           </a:p>
         </p:txBody>
       </p:sp>
     </p:spTree>
     <p:extLst>
       <p:ext uri="{BB962C8B-B14F-4D97-AF65-F5344CB8AC3E}">
-        <p14:creationId xmlns:p14="http://schemas.microsoft.com/office/powerpoint/2010/main" val="748554564"/>
+        <p14:creationId xmlns:p14="http://schemas.microsoft.com/office/powerpoint/2010/main" val="4126958588"/>
       </p:ext>
     </p:extLst>
   </p:cSld>
   <p:clrMapOvr>
     <a:masterClrMapping/>
   </p:clrMapOvr>
+  <p:timing>
+    <p:tnLst>
+      <p:par>
+        <p:cTn id="1" dur="indefinite" restart="never" nodeType="tmRoot"/>
+      </p:par>
+    </p:tnLst>
+  </p:timing>
 </p:sld>
 </file>
 
@@ -5241,46 +10325,50 @@
           <a:lstStyle/>
           <a:p>
             <a:r>
-              <a:rPr lang="ru-RU" dirty="0" smtClean="0"/>
-              <a:t>Протоколы передачи данных</a:t>
+              <a:rPr lang="en-US" dirty="0" smtClean="0"/>
+              <a:t>application/</a:t>
+            </a:r>
+            <a:r>
+              <a:rPr lang="en-US" dirty="0" err="1" smtClean="0"/>
+              <a:t>json</a:t>
             </a:r>
             <a:endParaRPr lang="ru-RU" dirty="0"/>
           </a:p>
         </p:txBody>
       </p:sp>
+      <p:pic>
+        <p:nvPicPr>
+          <p:cNvPr id="4" name="Рисунок 3"/>
+          <p:cNvPicPr>
+            <a:picLocks noChangeAspect="1"/>
+          </p:cNvPicPr>
+          <p:nvPr/>
+        </p:nvPicPr>
+        <p:blipFill>
+          <a:blip r:embed="rId3">
+            <a:extLst>
+              <a:ext uri="{28A0092B-C50C-407E-A947-70E740481C1C}">
+                <a14:useLocalDpi xmlns:a14="http://schemas.microsoft.com/office/drawing/2010/main" val="0"/>
+              </a:ext>
+            </a:extLst>
+          </a:blip>
+          <a:stretch>
+            <a:fillRect/>
+          </a:stretch>
+        </p:blipFill>
+        <p:spPr>
+          <a:xfrm>
+            <a:off x="369569" y="1100137"/>
+            <a:ext cx="5334001" cy="5386501"/>
+          </a:xfrm>
+          <a:prstGeom prst="rect">
+            <a:avLst/>
+          </a:prstGeom>
+        </p:spPr>
+      </p:pic>
       <p:sp>
         <p:nvSpPr>
-          <p:cNvPr id="4" name="Текст 3">
-            <a:extLst>
-              <a:ext uri="{FF2B5EF4-FFF2-40B4-BE49-F238E27FC236}">
-                <a16:creationId xmlns:a16="http://schemas.microsoft.com/office/drawing/2014/main" id="{74C82C9C-F2A8-41A8-880B-73811E3EFC36}"/>
-              </a:ext>
-            </a:extLst>
-          </p:cNvPr>
-          <p:cNvSpPr>
-            <a:spLocks noGrp="1"/>
-          </p:cNvSpPr>
-          <p:nvPr>
-            <p:ph type="body" sz="quarter" idx="11"/>
-          </p:nvPr>
-        </p:nvSpPr>
-        <p:spPr>
-          <a:xfrm>
-            <a:off x="253096" y="6534445"/>
-            <a:ext cx="8602515" cy="323557"/>
-          </a:xfrm>
-        </p:spPr>
-        <p:txBody>
-          <a:bodyPr/>
-          <a:lstStyle/>
-          <a:p>
-            <a:endParaRPr lang="ru-RU" dirty="0"/>
-          </a:p>
-        </p:txBody>
-      </p:sp>
-      <p:sp>
-        <p:nvSpPr>
-          <p:cNvPr id="5" name="Текст 3">
+          <p:cNvPr id="6" name="Текст 3">
             <a:extLst>
               <a:ext uri="{FF2B5EF4-FFF2-40B4-BE49-F238E27FC236}">
                 <a16:creationId xmlns:a16="http://schemas.microsoft.com/office/drawing/2014/main" id="{74C82C9C-F2A8-41A8-880B-73811E3EFC36}"/>
@@ -5294,8 +10382,482 @@
         </p:nvSpPr>
         <p:spPr bwMode="auto">
           <a:xfrm>
-            <a:off x="253096" y="1332411"/>
-            <a:ext cx="8333555" cy="4763589"/>
+            <a:off x="5810250" y="1397317"/>
+            <a:ext cx="3223260" cy="682943"/>
+          </a:xfrm>
+          <a:prstGeom prst="rect">
+            <a:avLst/>
+          </a:prstGeom>
+          <a:noFill/>
+          <a:ln>
+            <a:noFill/>
+          </a:ln>
+          <a:extLst>
+            <a:ext uri="{909E8E84-426E-40DD-AFC4-6F175D3DCCD1}">
+              <a14:hiddenFill xmlns:a14="http://schemas.microsoft.com/office/drawing/2010/main">
+                <a:solidFill>
+                  <a:srgbClr val="FFFFFF"/>
+                </a:solidFill>
+              </a14:hiddenFill>
+            </a:ext>
+            <a:ext uri="{91240B29-F687-4F45-9708-019B960494DF}">
+              <a14:hiddenLine xmlns:a14="http://schemas.microsoft.com/office/drawing/2010/main" w="9525">
+                <a:solidFill>
+                  <a:srgbClr val="000000"/>
+                </a:solidFill>
+                <a:miter lim="800000"/>
+                <a:headEnd/>
+                <a:tailEnd/>
+              </a14:hiddenLine>
+            </a:ext>
+          </a:extLst>
+        </p:spPr>
+        <p:txBody>
+          <a:bodyPr vert="horz" wrap="square" lIns="91440" tIns="45720" rIns="91440" bIns="45720" numCol="1" anchor="t" anchorCtr="0" compatLnSpc="1">
+            <a:prstTxWarp prst="textNoShape">
+              <a:avLst/>
+            </a:prstTxWarp>
+            <a:normAutofit lnSpcReduction="10000"/>
+          </a:bodyPr>
+          <a:lstStyle>
+            <a:lvl1pPr marL="0" marR="0" indent="-342900" algn="l" defTabSz="180000" rtl="0" eaLnBrk="1" fontAlgn="auto" latinLnBrk="0" hangingPunct="1">
+              <a:lnSpc>
+                <a:spcPct val="100000"/>
+              </a:lnSpc>
+              <a:spcBef>
+                <a:spcPct val="20000"/>
+              </a:spcBef>
+              <a:spcAft>
+                <a:spcPts val="0"/>
+              </a:spcAft>
+              <a:buClrTx/>
+              <a:buSzTx/>
+              <a:buFont typeface="Arial" pitchFamily="34" charset="0"/>
+              <a:buNone/>
+              <a:tabLst/>
+              <a:defRPr sz="900" kern="1200">
+                <a:solidFill>
+                  <a:schemeClr val="tx1">
+                    <a:lumMod val="50000"/>
+                    <a:lumOff val="50000"/>
+                  </a:schemeClr>
+                </a:solidFill>
+                <a:latin typeface="Arial" pitchFamily="34" charset="0"/>
+                <a:ea typeface="+mn-ea"/>
+                <a:cs typeface="Arial" pitchFamily="34" charset="0"/>
+              </a:defRPr>
+            </a:lvl1pPr>
+            <a:lvl2pPr marL="742950" indent="-285750" algn="l" rtl="0" eaLnBrk="0" fontAlgn="base" hangingPunct="0">
+              <a:spcBef>
+                <a:spcPct val="20000"/>
+              </a:spcBef>
+              <a:spcAft>
+                <a:spcPct val="0"/>
+              </a:spcAft>
+              <a:buFont typeface="Arial" charset="0"/>
+              <a:buChar char="–"/>
+              <a:defRPr sz="2800" kern="1200">
+                <a:solidFill>
+                  <a:schemeClr val="tx1"/>
+                </a:solidFill>
+                <a:latin typeface="+mn-lt"/>
+                <a:ea typeface="+mn-ea"/>
+                <a:cs typeface="+mn-cs"/>
+              </a:defRPr>
+            </a:lvl2pPr>
+            <a:lvl3pPr marL="1143000" indent="-228600" algn="l" rtl="0" eaLnBrk="0" fontAlgn="base" hangingPunct="0">
+              <a:spcBef>
+                <a:spcPct val="20000"/>
+              </a:spcBef>
+              <a:spcAft>
+                <a:spcPct val="0"/>
+              </a:spcAft>
+              <a:buFont typeface="Arial" charset="0"/>
+              <a:buChar char="•"/>
+              <a:defRPr sz="2400" kern="1200">
+                <a:solidFill>
+                  <a:schemeClr val="tx1"/>
+                </a:solidFill>
+                <a:latin typeface="+mn-lt"/>
+                <a:ea typeface="+mn-ea"/>
+                <a:cs typeface="+mn-cs"/>
+              </a:defRPr>
+            </a:lvl3pPr>
+            <a:lvl4pPr marL="1600200" indent="-228600" algn="l" rtl="0" eaLnBrk="0" fontAlgn="base" hangingPunct="0">
+              <a:spcBef>
+                <a:spcPct val="20000"/>
+              </a:spcBef>
+              <a:spcAft>
+                <a:spcPct val="0"/>
+              </a:spcAft>
+              <a:buFont typeface="Arial" charset="0"/>
+              <a:buChar char="–"/>
+              <a:defRPr sz="2000" kern="1200">
+                <a:solidFill>
+                  <a:schemeClr val="tx1"/>
+                </a:solidFill>
+                <a:latin typeface="+mn-lt"/>
+                <a:ea typeface="+mn-ea"/>
+                <a:cs typeface="+mn-cs"/>
+              </a:defRPr>
+            </a:lvl4pPr>
+            <a:lvl5pPr marL="2057400" indent="-228600" algn="l" rtl="0" eaLnBrk="0" fontAlgn="base" hangingPunct="0">
+              <a:spcBef>
+                <a:spcPct val="20000"/>
+              </a:spcBef>
+              <a:spcAft>
+                <a:spcPct val="0"/>
+              </a:spcAft>
+              <a:buFont typeface="Arial" charset="0"/>
+              <a:buChar char="»"/>
+              <a:defRPr sz="2000" kern="1200">
+                <a:solidFill>
+                  <a:schemeClr val="tx1"/>
+                </a:solidFill>
+                <a:latin typeface="+mn-lt"/>
+                <a:ea typeface="+mn-ea"/>
+                <a:cs typeface="+mn-cs"/>
+              </a:defRPr>
+            </a:lvl5pPr>
+            <a:lvl6pPr marL="2514600" indent="-228600" algn="l" defTabSz="914400" rtl="0" eaLnBrk="1" latinLnBrk="0" hangingPunct="1">
+              <a:spcBef>
+                <a:spcPct val="20000"/>
+              </a:spcBef>
+              <a:buFont typeface="Arial" pitchFamily="34" charset="0"/>
+              <a:buChar char="•"/>
+              <a:defRPr sz="2000" kern="1200">
+                <a:solidFill>
+                  <a:schemeClr val="tx1"/>
+                </a:solidFill>
+                <a:latin typeface="+mn-lt"/>
+                <a:ea typeface="+mn-ea"/>
+                <a:cs typeface="+mn-cs"/>
+              </a:defRPr>
+            </a:lvl6pPr>
+            <a:lvl7pPr marL="2971800" indent="-228600" algn="l" defTabSz="914400" rtl="0" eaLnBrk="1" latinLnBrk="0" hangingPunct="1">
+              <a:spcBef>
+                <a:spcPct val="20000"/>
+              </a:spcBef>
+              <a:buFont typeface="Arial" pitchFamily="34" charset="0"/>
+              <a:buChar char="•"/>
+              <a:defRPr sz="2000" kern="1200">
+                <a:solidFill>
+                  <a:schemeClr val="tx1"/>
+                </a:solidFill>
+                <a:latin typeface="+mn-lt"/>
+                <a:ea typeface="+mn-ea"/>
+                <a:cs typeface="+mn-cs"/>
+              </a:defRPr>
+            </a:lvl7pPr>
+            <a:lvl8pPr marL="3429000" indent="-228600" algn="l" defTabSz="914400" rtl="0" eaLnBrk="1" latinLnBrk="0" hangingPunct="1">
+              <a:spcBef>
+                <a:spcPct val="20000"/>
+              </a:spcBef>
+              <a:buFont typeface="Arial" pitchFamily="34" charset="0"/>
+              <a:buChar char="•"/>
+              <a:defRPr sz="2000" kern="1200">
+                <a:solidFill>
+                  <a:schemeClr val="tx1"/>
+                </a:solidFill>
+                <a:latin typeface="+mn-lt"/>
+                <a:ea typeface="+mn-ea"/>
+                <a:cs typeface="+mn-cs"/>
+              </a:defRPr>
+            </a:lvl8pPr>
+            <a:lvl9pPr marL="3886200" indent="-228600" algn="l" defTabSz="914400" rtl="0" eaLnBrk="1" latinLnBrk="0" hangingPunct="1">
+              <a:spcBef>
+                <a:spcPct val="20000"/>
+              </a:spcBef>
+              <a:buFont typeface="Arial" pitchFamily="34" charset="0"/>
+              <a:buChar char="•"/>
+              <a:defRPr sz="2000" kern="1200">
+                <a:solidFill>
+                  <a:schemeClr val="tx1"/>
+                </a:solidFill>
+                <a:latin typeface="+mn-lt"/>
+                <a:ea typeface="+mn-ea"/>
+                <a:cs typeface="+mn-cs"/>
+              </a:defRPr>
+            </a:lvl9pPr>
+          </a:lstStyle>
+          <a:p>
+            <a:pPr algn="just">
+              <a:buFont typeface="Arial" panose="020B0604020202020204" pitchFamily="34" charset="0"/>
+              <a:buChar char="•"/>
+            </a:pPr>
+            <a:r>
+              <a:rPr lang="ru-RU" sz="2000" dirty="0" smtClean="0">
+                <a:solidFill>
+                  <a:schemeClr val="tx1"/>
+                </a:solidFill>
+                <a:latin typeface="Times New Roman" panose="02020603050405020304" pitchFamily="18" charset="0"/>
+                <a:cs typeface="Times New Roman" panose="02020603050405020304" pitchFamily="18" charset="0"/>
+              </a:rPr>
+              <a:t>Индекс дома, адрес, город</a:t>
+            </a:r>
+          </a:p>
+        </p:txBody>
+      </p:sp>
+      <p:sp>
+        <p:nvSpPr>
+          <p:cNvPr id="7" name="Текст 3">
+            <a:extLst>
+              <a:ext uri="{FF2B5EF4-FFF2-40B4-BE49-F238E27FC236}">
+                <a16:creationId xmlns:a16="http://schemas.microsoft.com/office/drawing/2014/main" id="{74C82C9C-F2A8-41A8-880B-73811E3EFC36}"/>
+              </a:ext>
+            </a:extLst>
+          </p:cNvPr>
+          <p:cNvSpPr txBox="1">
+            <a:spLocks/>
+          </p:cNvSpPr>
+          <p:nvPr/>
+        </p:nvSpPr>
+        <p:spPr bwMode="auto">
+          <a:xfrm>
+            <a:off x="5798820" y="2846070"/>
+            <a:ext cx="3223260" cy="971550"/>
+          </a:xfrm>
+          <a:prstGeom prst="rect">
+            <a:avLst/>
+          </a:prstGeom>
+          <a:noFill/>
+          <a:ln>
+            <a:noFill/>
+          </a:ln>
+          <a:extLst>
+            <a:ext uri="{909E8E84-426E-40DD-AFC4-6F175D3DCCD1}">
+              <a14:hiddenFill xmlns:a14="http://schemas.microsoft.com/office/drawing/2010/main">
+                <a:solidFill>
+                  <a:srgbClr val="FFFFFF"/>
+                </a:solidFill>
+              </a14:hiddenFill>
+            </a:ext>
+            <a:ext uri="{91240B29-F687-4F45-9708-019B960494DF}">
+              <a14:hiddenLine xmlns:a14="http://schemas.microsoft.com/office/drawing/2010/main" w="9525">
+                <a:solidFill>
+                  <a:srgbClr val="000000"/>
+                </a:solidFill>
+                <a:miter lim="800000"/>
+                <a:headEnd/>
+                <a:tailEnd/>
+              </a14:hiddenLine>
+            </a:ext>
+          </a:extLst>
+        </p:spPr>
+        <p:txBody>
+          <a:bodyPr vert="horz" wrap="square" lIns="91440" tIns="45720" rIns="91440" bIns="45720" numCol="1" anchor="t" anchorCtr="0" compatLnSpc="1">
+            <a:prstTxWarp prst="textNoShape">
+              <a:avLst/>
+            </a:prstTxWarp>
+            <a:normAutofit lnSpcReduction="10000"/>
+          </a:bodyPr>
+          <a:lstStyle>
+            <a:lvl1pPr marL="0" marR="0" indent="-342900" algn="l" defTabSz="180000" rtl="0" eaLnBrk="1" fontAlgn="auto" latinLnBrk="0" hangingPunct="1">
+              <a:lnSpc>
+                <a:spcPct val="100000"/>
+              </a:lnSpc>
+              <a:spcBef>
+                <a:spcPct val="20000"/>
+              </a:spcBef>
+              <a:spcAft>
+                <a:spcPts val="0"/>
+              </a:spcAft>
+              <a:buClrTx/>
+              <a:buSzTx/>
+              <a:buFont typeface="Arial" pitchFamily="34" charset="0"/>
+              <a:buNone/>
+              <a:tabLst/>
+              <a:defRPr sz="900" kern="1200">
+                <a:solidFill>
+                  <a:schemeClr val="tx1">
+                    <a:lumMod val="50000"/>
+                    <a:lumOff val="50000"/>
+                  </a:schemeClr>
+                </a:solidFill>
+                <a:latin typeface="Arial" pitchFamily="34" charset="0"/>
+                <a:ea typeface="+mn-ea"/>
+                <a:cs typeface="Arial" pitchFamily="34" charset="0"/>
+              </a:defRPr>
+            </a:lvl1pPr>
+            <a:lvl2pPr marL="742950" indent="-285750" algn="l" rtl="0" eaLnBrk="0" fontAlgn="base" hangingPunct="0">
+              <a:spcBef>
+                <a:spcPct val="20000"/>
+              </a:spcBef>
+              <a:spcAft>
+                <a:spcPct val="0"/>
+              </a:spcAft>
+              <a:buFont typeface="Arial" charset="0"/>
+              <a:buChar char="–"/>
+              <a:defRPr sz="2800" kern="1200">
+                <a:solidFill>
+                  <a:schemeClr val="tx1"/>
+                </a:solidFill>
+                <a:latin typeface="+mn-lt"/>
+                <a:ea typeface="+mn-ea"/>
+                <a:cs typeface="+mn-cs"/>
+              </a:defRPr>
+            </a:lvl2pPr>
+            <a:lvl3pPr marL="1143000" indent="-228600" algn="l" rtl="0" eaLnBrk="0" fontAlgn="base" hangingPunct="0">
+              <a:spcBef>
+                <a:spcPct val="20000"/>
+              </a:spcBef>
+              <a:spcAft>
+                <a:spcPct val="0"/>
+              </a:spcAft>
+              <a:buFont typeface="Arial" charset="0"/>
+              <a:buChar char="•"/>
+              <a:defRPr sz="2400" kern="1200">
+                <a:solidFill>
+                  <a:schemeClr val="tx1"/>
+                </a:solidFill>
+                <a:latin typeface="+mn-lt"/>
+                <a:ea typeface="+mn-ea"/>
+                <a:cs typeface="+mn-cs"/>
+              </a:defRPr>
+            </a:lvl3pPr>
+            <a:lvl4pPr marL="1600200" indent="-228600" algn="l" rtl="0" eaLnBrk="0" fontAlgn="base" hangingPunct="0">
+              <a:spcBef>
+                <a:spcPct val="20000"/>
+              </a:spcBef>
+              <a:spcAft>
+                <a:spcPct val="0"/>
+              </a:spcAft>
+              <a:buFont typeface="Arial" charset="0"/>
+              <a:buChar char="–"/>
+              <a:defRPr sz="2000" kern="1200">
+                <a:solidFill>
+                  <a:schemeClr val="tx1"/>
+                </a:solidFill>
+                <a:latin typeface="+mn-lt"/>
+                <a:ea typeface="+mn-ea"/>
+                <a:cs typeface="+mn-cs"/>
+              </a:defRPr>
+            </a:lvl4pPr>
+            <a:lvl5pPr marL="2057400" indent="-228600" algn="l" rtl="0" eaLnBrk="0" fontAlgn="base" hangingPunct="0">
+              <a:spcBef>
+                <a:spcPct val="20000"/>
+              </a:spcBef>
+              <a:spcAft>
+                <a:spcPct val="0"/>
+              </a:spcAft>
+              <a:buFont typeface="Arial" charset="0"/>
+              <a:buChar char="»"/>
+              <a:defRPr sz="2000" kern="1200">
+                <a:solidFill>
+                  <a:schemeClr val="tx1"/>
+                </a:solidFill>
+                <a:latin typeface="+mn-lt"/>
+                <a:ea typeface="+mn-ea"/>
+                <a:cs typeface="+mn-cs"/>
+              </a:defRPr>
+            </a:lvl5pPr>
+            <a:lvl6pPr marL="2514600" indent="-228600" algn="l" defTabSz="914400" rtl="0" eaLnBrk="1" latinLnBrk="0" hangingPunct="1">
+              <a:spcBef>
+                <a:spcPct val="20000"/>
+              </a:spcBef>
+              <a:buFont typeface="Arial" pitchFamily="34" charset="0"/>
+              <a:buChar char="•"/>
+              <a:defRPr sz="2000" kern="1200">
+                <a:solidFill>
+                  <a:schemeClr val="tx1"/>
+                </a:solidFill>
+                <a:latin typeface="+mn-lt"/>
+                <a:ea typeface="+mn-ea"/>
+                <a:cs typeface="+mn-cs"/>
+              </a:defRPr>
+            </a:lvl6pPr>
+            <a:lvl7pPr marL="2971800" indent="-228600" algn="l" defTabSz="914400" rtl="0" eaLnBrk="1" latinLnBrk="0" hangingPunct="1">
+              <a:spcBef>
+                <a:spcPct val="20000"/>
+              </a:spcBef>
+              <a:buFont typeface="Arial" pitchFamily="34" charset="0"/>
+              <a:buChar char="•"/>
+              <a:defRPr sz="2000" kern="1200">
+                <a:solidFill>
+                  <a:schemeClr val="tx1"/>
+                </a:solidFill>
+                <a:latin typeface="+mn-lt"/>
+                <a:ea typeface="+mn-ea"/>
+                <a:cs typeface="+mn-cs"/>
+              </a:defRPr>
+            </a:lvl7pPr>
+            <a:lvl8pPr marL="3429000" indent="-228600" algn="l" defTabSz="914400" rtl="0" eaLnBrk="1" latinLnBrk="0" hangingPunct="1">
+              <a:spcBef>
+                <a:spcPct val="20000"/>
+              </a:spcBef>
+              <a:buFont typeface="Arial" pitchFamily="34" charset="0"/>
+              <a:buChar char="•"/>
+              <a:defRPr sz="2000" kern="1200">
+                <a:solidFill>
+                  <a:schemeClr val="tx1"/>
+                </a:solidFill>
+                <a:latin typeface="+mn-lt"/>
+                <a:ea typeface="+mn-ea"/>
+                <a:cs typeface="+mn-cs"/>
+              </a:defRPr>
+            </a:lvl8pPr>
+            <a:lvl9pPr marL="3886200" indent="-228600" algn="l" defTabSz="914400" rtl="0" eaLnBrk="1" latinLnBrk="0" hangingPunct="1">
+              <a:spcBef>
+                <a:spcPct val="20000"/>
+              </a:spcBef>
+              <a:buFont typeface="Arial" pitchFamily="34" charset="0"/>
+              <a:buChar char="•"/>
+              <a:defRPr sz="2000" kern="1200">
+                <a:solidFill>
+                  <a:schemeClr val="tx1"/>
+                </a:solidFill>
+                <a:latin typeface="+mn-lt"/>
+                <a:ea typeface="+mn-ea"/>
+                <a:cs typeface="+mn-cs"/>
+              </a:defRPr>
+            </a:lvl9pPr>
+          </a:lstStyle>
+          <a:p>
+            <a:pPr algn="just">
+              <a:buFont typeface="Arial" panose="020B0604020202020204" pitchFamily="34" charset="0"/>
+              <a:buChar char="•"/>
+            </a:pPr>
+            <a:r>
+              <a:rPr lang="ru-RU" sz="2000" dirty="0" smtClean="0">
+                <a:solidFill>
+                  <a:schemeClr val="tx1"/>
+                </a:solidFill>
+                <a:latin typeface="Times New Roman" panose="02020603050405020304" pitchFamily="18" charset="0"/>
+                <a:cs typeface="Times New Roman" panose="02020603050405020304" pitchFamily="18" charset="0"/>
+              </a:rPr>
+              <a:t>Н</a:t>
+            </a:r>
+            <a:r>
+              <a:rPr lang="ru-RU" sz="2000" dirty="0" smtClean="0">
+                <a:solidFill>
+                  <a:schemeClr val="tx1"/>
+                </a:solidFill>
+                <a:latin typeface="Times New Roman" panose="02020603050405020304" pitchFamily="18" charset="0"/>
+                <a:cs typeface="Times New Roman" panose="02020603050405020304" pitchFamily="18" charset="0"/>
+              </a:rPr>
+              <a:t>омера телефонов с такой фамилией в справочнике</a:t>
+            </a:r>
+          </a:p>
+        </p:txBody>
+      </p:sp>
+      <p:sp>
+        <p:nvSpPr>
+          <p:cNvPr id="8" name="Текст 3">
+            <a:extLst>
+              <a:ext uri="{FF2B5EF4-FFF2-40B4-BE49-F238E27FC236}">
+                <a16:creationId xmlns:a16="http://schemas.microsoft.com/office/drawing/2014/main" id="{74C82C9C-F2A8-41A8-880B-73811E3EFC36}"/>
+              </a:ext>
+            </a:extLst>
+          </p:cNvPr>
+          <p:cNvSpPr txBox="1">
+            <a:spLocks/>
+          </p:cNvSpPr>
+          <p:nvPr/>
+        </p:nvSpPr>
+        <p:spPr bwMode="auto">
+          <a:xfrm>
+            <a:off x="5814060" y="5223510"/>
+            <a:ext cx="3223260" cy="834390"/>
           </a:xfrm>
           <a:prstGeom prst="rect">
             <a:avLst/>
@@ -5493,41 +11055,21 @@
             </a:lvl9pPr>
           </a:lstStyle>
           <a:p>
-            <a:r>
-              <a:rPr lang="ru-RU" sz="1600" smtClean="0">
-                <a:solidFill>
-                  <a:schemeClr val="tx1"/>
-                </a:solidFill>
-                <a:latin typeface="Times New Roman" panose="02020603050405020304" pitchFamily="18" charset="0"/>
-                <a:cs typeface="Times New Roman" panose="02020603050405020304" pitchFamily="18" charset="0"/>
-              </a:rPr>
-              <a:t>Интернет – это глобальная сеть передачи данных.</a:t>
-            </a:r>
-          </a:p>
-          <a:p>
-            <a:r>
-              <a:rPr lang="ru-RU" sz="1600" smtClean="0">
-                <a:solidFill>
-                  <a:schemeClr val="tx1"/>
-                </a:solidFill>
-                <a:latin typeface="Times New Roman" panose="02020603050405020304" pitchFamily="18" charset="0"/>
-                <a:cs typeface="Times New Roman" panose="02020603050405020304" pitchFamily="18" charset="0"/>
-              </a:rPr>
-              <a:t>Образовался как объединение разнородных локальных сетей: сети институтов, каких-то местных провайдеров, они объединялись, постепенно возникла гловальная сеть интернет.</a:t>
-            </a:r>
-          </a:p>
-          <a:p>
-            <a:r>
-              <a:rPr lang="ru-RU" sz="1600" smtClean="0">
-                <a:solidFill>
-                  <a:schemeClr val="tx1"/>
-                </a:solidFill>
-                <a:latin typeface="Times New Roman" panose="02020603050405020304" pitchFamily="18" charset="0"/>
-                <a:cs typeface="Times New Roman" panose="02020603050405020304" pitchFamily="18" charset="0"/>
-              </a:rPr>
-              <a:t>Позволяет передать любые виды данных, будьто втидео сигнал, файл, отделыьные байты, между произвольными двумя машинами, подключенными к сети интернет. Интернет – это просто среда для передачи данных. В интернете работает большое колличество </a:t>
-            </a:r>
-            <a:endParaRPr lang="ru-RU" sz="1600" dirty="0">
+            <a:pPr algn="just">
+              <a:buFont typeface="Arial" panose="020B0604020202020204" pitchFamily="34" charset="0"/>
+              <a:buChar char="•"/>
+            </a:pPr>
+            <a:r>
+              <a:rPr lang="ru-RU" sz="2000" dirty="0" smtClean="0">
+                <a:solidFill>
+                  <a:schemeClr val="tx1"/>
+                </a:solidFill>
+                <a:latin typeface="Times New Roman" panose="02020603050405020304" pitchFamily="18" charset="0"/>
+                <a:cs typeface="Times New Roman" panose="02020603050405020304" pitchFamily="18" charset="0"/>
+              </a:rPr>
+              <a:t>Список одобренных пользователей</a:t>
+            </a:r>
+            <a:endParaRPr lang="ru-RU" sz="2000" dirty="0" smtClean="0">
               <a:solidFill>
                 <a:schemeClr val="tx1"/>
               </a:solidFill>
@@ -5540,13 +11082,20 @@
     </p:spTree>
     <p:extLst>
       <p:ext uri="{BB962C8B-B14F-4D97-AF65-F5344CB8AC3E}">
-        <p14:creationId xmlns:p14="http://schemas.microsoft.com/office/powerpoint/2010/main" val="274450019"/>
+        <p14:creationId xmlns:p14="http://schemas.microsoft.com/office/powerpoint/2010/main" val="3136048946"/>
       </p:ext>
     </p:extLst>
   </p:cSld>
   <p:clrMapOvr>
     <a:masterClrMapping/>
   </p:clrMapOvr>
+  <p:timing>
+    <p:tnLst>
+      <p:par>
+        <p:cTn id="1" dur="indefinite" restart="never" nodeType="tmRoot"/>
+      </p:par>
+    </p:tnLst>
+  </p:timing>
 </p:sld>
 </file>
 
@@ -5584,7 +11133,11 @@
           <a:p>
             <a:r>
               <a:rPr lang="ru-RU" dirty="0" smtClean="0"/>
-              <a:t>Клиент-серверная архитектура</a:t>
+              <a:t>Задание </a:t>
+            </a:r>
+            <a:r>
+              <a:rPr lang="ru-RU" dirty="0" smtClean="0"/>
+              <a:t>2</a:t>
             </a:r>
             <a:endParaRPr lang="ru-RU" dirty="0"/>
           </a:p>
@@ -5592,44 +11145,524 @@
       </p:sp>
       <p:sp>
         <p:nvSpPr>
-          <p:cNvPr id="4" name="Текст 3">
+          <p:cNvPr id="6" name="Текст 3">
             <a:extLst>
               <a:ext uri="{FF2B5EF4-FFF2-40B4-BE49-F238E27FC236}">
                 <a16:creationId xmlns:a16="http://schemas.microsoft.com/office/drawing/2014/main" id="{74C82C9C-F2A8-41A8-880B-73811E3EFC36}"/>
               </a:ext>
             </a:extLst>
           </p:cNvPr>
-          <p:cNvSpPr>
-            <a:spLocks noGrp="1"/>
+          <p:cNvSpPr txBox="1">
+            <a:spLocks/>
           </p:cNvSpPr>
-          <p:nvPr>
-            <p:ph type="body" sz="quarter" idx="11"/>
-          </p:nvPr>
+          <p:nvPr/>
         </p:nvSpPr>
-        <p:spPr>
+        <p:spPr bwMode="auto">
           <a:xfrm>
-            <a:off x="253096" y="6534445"/>
-            <a:ext cx="8602515" cy="323557"/>
+            <a:off x="253096" y="1332411"/>
+            <a:ext cx="8333555" cy="4763589"/>
           </a:xfrm>
+          <a:prstGeom prst="rect">
+            <a:avLst/>
+          </a:prstGeom>
+          <a:noFill/>
+          <a:ln>
+            <a:noFill/>
+          </a:ln>
+          <a:extLst>
+            <a:ext uri="{909E8E84-426E-40DD-AFC4-6F175D3DCCD1}">
+              <a14:hiddenFill xmlns:a14="http://schemas.microsoft.com/office/drawing/2010/main">
+                <a:solidFill>
+                  <a:srgbClr val="FFFFFF"/>
+                </a:solidFill>
+              </a14:hiddenFill>
+            </a:ext>
+            <a:ext uri="{91240B29-F687-4F45-9708-019B960494DF}">
+              <a14:hiddenLine xmlns:a14="http://schemas.microsoft.com/office/drawing/2010/main" w="9525">
+                <a:solidFill>
+                  <a:srgbClr val="000000"/>
+                </a:solidFill>
+                <a:miter lim="800000"/>
+                <a:headEnd/>
+                <a:tailEnd/>
+              </a14:hiddenLine>
+            </a:ext>
+          </a:extLst>
         </p:spPr>
         <p:txBody>
-          <a:bodyPr/>
-          <a:lstStyle/>
-          <a:p>
-            <a:endParaRPr lang="ru-RU" dirty="0"/>
+          <a:bodyPr vert="horz" wrap="square" lIns="91440" tIns="45720" rIns="91440" bIns="45720" numCol="1" anchor="t" anchorCtr="0" compatLnSpc="1">
+            <a:prstTxWarp prst="textNoShape">
+              <a:avLst/>
+            </a:prstTxWarp>
+            <a:normAutofit/>
+          </a:bodyPr>
+          <a:lstStyle>
+            <a:lvl1pPr marL="0" marR="0" indent="-342900" algn="l" defTabSz="180000" rtl="0" eaLnBrk="1" fontAlgn="auto" latinLnBrk="0" hangingPunct="1">
+              <a:lnSpc>
+                <a:spcPct val="100000"/>
+              </a:lnSpc>
+              <a:spcBef>
+                <a:spcPct val="20000"/>
+              </a:spcBef>
+              <a:spcAft>
+                <a:spcPts val="0"/>
+              </a:spcAft>
+              <a:buClrTx/>
+              <a:buSzTx/>
+              <a:buFont typeface="Arial" pitchFamily="34" charset="0"/>
+              <a:buNone/>
+              <a:tabLst/>
+              <a:defRPr sz="900" kern="1200">
+                <a:solidFill>
+                  <a:schemeClr val="tx1">
+                    <a:lumMod val="50000"/>
+                    <a:lumOff val="50000"/>
+                  </a:schemeClr>
+                </a:solidFill>
+                <a:latin typeface="Arial" pitchFamily="34" charset="0"/>
+                <a:ea typeface="+mn-ea"/>
+                <a:cs typeface="Arial" pitchFamily="34" charset="0"/>
+              </a:defRPr>
+            </a:lvl1pPr>
+            <a:lvl2pPr marL="742950" indent="-285750" algn="l" rtl="0" eaLnBrk="0" fontAlgn="base" hangingPunct="0">
+              <a:spcBef>
+                <a:spcPct val="20000"/>
+              </a:spcBef>
+              <a:spcAft>
+                <a:spcPct val="0"/>
+              </a:spcAft>
+              <a:buFont typeface="Arial" charset="0"/>
+              <a:buChar char="–"/>
+              <a:defRPr sz="2800" kern="1200">
+                <a:solidFill>
+                  <a:schemeClr val="tx1"/>
+                </a:solidFill>
+                <a:latin typeface="+mn-lt"/>
+                <a:ea typeface="+mn-ea"/>
+                <a:cs typeface="+mn-cs"/>
+              </a:defRPr>
+            </a:lvl2pPr>
+            <a:lvl3pPr marL="1143000" indent="-228600" algn="l" rtl="0" eaLnBrk="0" fontAlgn="base" hangingPunct="0">
+              <a:spcBef>
+                <a:spcPct val="20000"/>
+              </a:spcBef>
+              <a:spcAft>
+                <a:spcPct val="0"/>
+              </a:spcAft>
+              <a:buFont typeface="Arial" charset="0"/>
+              <a:buChar char="•"/>
+              <a:defRPr sz="2400" kern="1200">
+                <a:solidFill>
+                  <a:schemeClr val="tx1"/>
+                </a:solidFill>
+                <a:latin typeface="+mn-lt"/>
+                <a:ea typeface="+mn-ea"/>
+                <a:cs typeface="+mn-cs"/>
+              </a:defRPr>
+            </a:lvl3pPr>
+            <a:lvl4pPr marL="1600200" indent="-228600" algn="l" rtl="0" eaLnBrk="0" fontAlgn="base" hangingPunct="0">
+              <a:spcBef>
+                <a:spcPct val="20000"/>
+              </a:spcBef>
+              <a:spcAft>
+                <a:spcPct val="0"/>
+              </a:spcAft>
+              <a:buFont typeface="Arial" charset="0"/>
+              <a:buChar char="–"/>
+              <a:defRPr sz="2000" kern="1200">
+                <a:solidFill>
+                  <a:schemeClr val="tx1"/>
+                </a:solidFill>
+                <a:latin typeface="+mn-lt"/>
+                <a:ea typeface="+mn-ea"/>
+                <a:cs typeface="+mn-cs"/>
+              </a:defRPr>
+            </a:lvl4pPr>
+            <a:lvl5pPr marL="2057400" indent="-228600" algn="l" rtl="0" eaLnBrk="0" fontAlgn="base" hangingPunct="0">
+              <a:spcBef>
+                <a:spcPct val="20000"/>
+              </a:spcBef>
+              <a:spcAft>
+                <a:spcPct val="0"/>
+              </a:spcAft>
+              <a:buFont typeface="Arial" charset="0"/>
+              <a:buChar char="»"/>
+              <a:defRPr sz="2000" kern="1200">
+                <a:solidFill>
+                  <a:schemeClr val="tx1"/>
+                </a:solidFill>
+                <a:latin typeface="+mn-lt"/>
+                <a:ea typeface="+mn-ea"/>
+                <a:cs typeface="+mn-cs"/>
+              </a:defRPr>
+            </a:lvl5pPr>
+            <a:lvl6pPr marL="2514600" indent="-228600" algn="l" defTabSz="914400" rtl="0" eaLnBrk="1" latinLnBrk="0" hangingPunct="1">
+              <a:spcBef>
+                <a:spcPct val="20000"/>
+              </a:spcBef>
+              <a:buFont typeface="Arial" pitchFamily="34" charset="0"/>
+              <a:buChar char="•"/>
+              <a:defRPr sz="2000" kern="1200">
+                <a:solidFill>
+                  <a:schemeClr val="tx1"/>
+                </a:solidFill>
+                <a:latin typeface="+mn-lt"/>
+                <a:ea typeface="+mn-ea"/>
+                <a:cs typeface="+mn-cs"/>
+              </a:defRPr>
+            </a:lvl6pPr>
+            <a:lvl7pPr marL="2971800" indent="-228600" algn="l" defTabSz="914400" rtl="0" eaLnBrk="1" latinLnBrk="0" hangingPunct="1">
+              <a:spcBef>
+                <a:spcPct val="20000"/>
+              </a:spcBef>
+              <a:buFont typeface="Arial" pitchFamily="34" charset="0"/>
+              <a:buChar char="•"/>
+              <a:defRPr sz="2000" kern="1200">
+                <a:solidFill>
+                  <a:schemeClr val="tx1"/>
+                </a:solidFill>
+                <a:latin typeface="+mn-lt"/>
+                <a:ea typeface="+mn-ea"/>
+                <a:cs typeface="+mn-cs"/>
+              </a:defRPr>
+            </a:lvl7pPr>
+            <a:lvl8pPr marL="3429000" indent="-228600" algn="l" defTabSz="914400" rtl="0" eaLnBrk="1" latinLnBrk="0" hangingPunct="1">
+              <a:spcBef>
+                <a:spcPct val="20000"/>
+              </a:spcBef>
+              <a:buFont typeface="Arial" pitchFamily="34" charset="0"/>
+              <a:buChar char="•"/>
+              <a:defRPr sz="2000" kern="1200">
+                <a:solidFill>
+                  <a:schemeClr val="tx1"/>
+                </a:solidFill>
+                <a:latin typeface="+mn-lt"/>
+                <a:ea typeface="+mn-ea"/>
+                <a:cs typeface="+mn-cs"/>
+              </a:defRPr>
+            </a:lvl8pPr>
+            <a:lvl9pPr marL="3886200" indent="-228600" algn="l" defTabSz="914400" rtl="0" eaLnBrk="1" latinLnBrk="0" hangingPunct="1">
+              <a:spcBef>
+                <a:spcPct val="20000"/>
+              </a:spcBef>
+              <a:buFont typeface="Arial" pitchFamily="34" charset="0"/>
+              <a:buChar char="•"/>
+              <a:defRPr sz="2000" kern="1200">
+                <a:solidFill>
+                  <a:schemeClr val="tx1"/>
+                </a:solidFill>
+                <a:latin typeface="+mn-lt"/>
+                <a:ea typeface="+mn-ea"/>
+                <a:cs typeface="+mn-cs"/>
+              </a:defRPr>
+            </a:lvl9pPr>
+          </a:lstStyle>
+          <a:p>
+            <a:pPr>
+              <a:buAutoNum type="arabicPeriod"/>
+            </a:pPr>
+            <a:r>
+              <a:rPr lang="ru-RU" sz="2000" dirty="0" smtClean="0">
+                <a:solidFill>
+                  <a:schemeClr val="tx1"/>
+                </a:solidFill>
+                <a:latin typeface="Times New Roman" panose="02020603050405020304" pitchFamily="18" charset="0"/>
+                <a:cs typeface="Times New Roman" panose="02020603050405020304" pitchFamily="18" charset="0"/>
+              </a:rPr>
+              <a:t>Составить </a:t>
+            </a:r>
+            <a:r>
+              <a:rPr lang="en-US" sz="2000" dirty="0" smtClean="0">
+                <a:solidFill>
+                  <a:schemeClr val="tx1"/>
+                </a:solidFill>
+                <a:latin typeface="Times New Roman" panose="02020603050405020304" pitchFamily="18" charset="0"/>
+                <a:cs typeface="Times New Roman" panose="02020603050405020304" pitchFamily="18" charset="0"/>
+              </a:rPr>
+              <a:t>JSON</a:t>
+            </a:r>
+            <a:r>
+              <a:rPr lang="ru-RU" sz="2000" dirty="0">
+                <a:solidFill>
+                  <a:schemeClr val="tx1"/>
+                </a:solidFill>
+                <a:latin typeface="Times New Roman" panose="02020603050405020304" pitchFamily="18" charset="0"/>
+                <a:cs typeface="Times New Roman" panose="02020603050405020304" pitchFamily="18" charset="0"/>
+              </a:rPr>
+              <a:t> </a:t>
+            </a:r>
+            <a:r>
+              <a:rPr lang="ru-RU" sz="2000" dirty="0" smtClean="0">
+                <a:solidFill>
+                  <a:schemeClr val="tx1"/>
+                </a:solidFill>
+                <a:latin typeface="Times New Roman" panose="02020603050405020304" pitchFamily="18" charset="0"/>
+                <a:cs typeface="Times New Roman" panose="02020603050405020304" pitchFamily="18" charset="0"/>
+              </a:rPr>
+              <a:t>с ключом </a:t>
+            </a:r>
+            <a:r>
+              <a:rPr lang="en-US" sz="2000" dirty="0" smtClean="0">
+                <a:solidFill>
+                  <a:schemeClr val="tx1"/>
+                </a:solidFill>
+                <a:latin typeface="Times New Roman" panose="02020603050405020304" pitchFamily="18" charset="0"/>
+                <a:cs typeface="Times New Roman" panose="02020603050405020304" pitchFamily="18" charset="0"/>
+              </a:rPr>
+              <a:t>message</a:t>
+            </a:r>
+            <a:r>
+              <a:rPr lang="ru-RU" sz="2000" dirty="0" smtClean="0">
+                <a:solidFill>
+                  <a:schemeClr val="tx1"/>
+                </a:solidFill>
+                <a:latin typeface="Times New Roman" panose="02020603050405020304" pitchFamily="18" charset="0"/>
+                <a:cs typeface="Times New Roman" panose="02020603050405020304" pitchFamily="18" charset="0"/>
+              </a:rPr>
+              <a:t> и значением </a:t>
+            </a:r>
+            <a:r>
+              <a:rPr lang="en-US" sz="2000" dirty="0" smtClean="0">
+                <a:solidFill>
+                  <a:schemeClr val="tx1"/>
+                </a:solidFill>
+                <a:latin typeface="Times New Roman" panose="02020603050405020304" pitchFamily="18" charset="0"/>
+                <a:cs typeface="Times New Roman" panose="02020603050405020304" pitchFamily="18" charset="0"/>
+              </a:rPr>
+              <a:t>Hello world!</a:t>
+            </a:r>
+          </a:p>
+          <a:p>
+            <a:pPr>
+              <a:buAutoNum type="arabicPeriod"/>
+            </a:pPr>
+            <a:r>
+              <a:rPr lang="ru-RU" sz="2000" dirty="0" smtClean="0">
+                <a:solidFill>
+                  <a:schemeClr val="tx1"/>
+                </a:solidFill>
+                <a:latin typeface="Times New Roman" panose="02020603050405020304" pitchFamily="18" charset="0"/>
+                <a:cs typeface="Times New Roman" panose="02020603050405020304" pitchFamily="18" charset="0"/>
+              </a:rPr>
+              <a:t>Составить </a:t>
+            </a:r>
+            <a:r>
+              <a:rPr lang="en-US" sz="2000" dirty="0" smtClean="0">
+                <a:solidFill>
+                  <a:schemeClr val="tx1"/>
+                </a:solidFill>
+                <a:latin typeface="Times New Roman" panose="02020603050405020304" pitchFamily="18" charset="0"/>
+                <a:cs typeface="Times New Roman" panose="02020603050405020304" pitchFamily="18" charset="0"/>
+              </a:rPr>
+              <a:t>JSON</a:t>
+            </a:r>
+            <a:r>
+              <a:rPr lang="ru-RU" sz="2000" dirty="0">
+                <a:solidFill>
+                  <a:schemeClr val="tx1"/>
+                </a:solidFill>
+                <a:latin typeface="Times New Roman" panose="02020603050405020304" pitchFamily="18" charset="0"/>
+                <a:cs typeface="Times New Roman" panose="02020603050405020304" pitchFamily="18" charset="0"/>
+              </a:rPr>
+              <a:t> </a:t>
+            </a:r>
+            <a:r>
+              <a:rPr lang="ru-RU" sz="2000" dirty="0" smtClean="0">
+                <a:solidFill>
+                  <a:schemeClr val="tx1"/>
+                </a:solidFill>
+                <a:latin typeface="Times New Roman" panose="02020603050405020304" pitchFamily="18" charset="0"/>
+                <a:cs typeface="Times New Roman" panose="02020603050405020304" pitchFamily="18" charset="0"/>
+              </a:rPr>
+              <a:t>с ключами </a:t>
+            </a:r>
+            <a:r>
+              <a:rPr lang="en-US" sz="2000" dirty="0" smtClean="0">
+                <a:solidFill>
+                  <a:schemeClr val="tx1"/>
+                </a:solidFill>
+                <a:latin typeface="Times New Roman" panose="02020603050405020304" pitchFamily="18" charset="0"/>
+                <a:cs typeface="Times New Roman" panose="02020603050405020304" pitchFamily="18" charset="0"/>
+              </a:rPr>
+              <a:t>name, surname, age,</a:t>
+            </a:r>
+            <a:r>
+              <a:rPr lang="ru-RU" sz="2000" dirty="0" smtClean="0">
+                <a:solidFill>
+                  <a:schemeClr val="tx1"/>
+                </a:solidFill>
+                <a:latin typeface="Times New Roman" panose="02020603050405020304" pitchFamily="18" charset="0"/>
+                <a:cs typeface="Times New Roman" panose="02020603050405020304" pitchFamily="18" charset="0"/>
+              </a:rPr>
+              <a:t> </a:t>
+            </a:r>
+            <a:r>
+              <a:rPr lang="en-US" sz="2000" dirty="0" err="1" smtClean="0">
+                <a:solidFill>
+                  <a:schemeClr val="tx1"/>
+                </a:solidFill>
+                <a:latin typeface="Times New Roman" panose="02020603050405020304" pitchFamily="18" charset="0"/>
+                <a:cs typeface="Times New Roman" panose="02020603050405020304" pitchFamily="18" charset="0"/>
+              </a:rPr>
+              <a:t>fav_pl</a:t>
+            </a:r>
+            <a:r>
+              <a:rPr lang="ru-RU" sz="2000" dirty="0" smtClean="0">
+                <a:solidFill>
+                  <a:schemeClr val="tx1"/>
+                </a:solidFill>
+                <a:latin typeface="Times New Roman" panose="02020603050405020304" pitchFamily="18" charset="0"/>
+                <a:cs typeface="Times New Roman" panose="02020603050405020304" pitchFamily="18" charset="0"/>
+              </a:rPr>
+              <a:t> (любимый язык программирования).</a:t>
+            </a:r>
+          </a:p>
+          <a:p>
+            <a:pPr>
+              <a:buAutoNum type="arabicPeriod"/>
+            </a:pPr>
+            <a:r>
+              <a:rPr lang="ru-RU" sz="2000" dirty="0" smtClean="0">
+                <a:solidFill>
+                  <a:schemeClr val="tx1"/>
+                </a:solidFill>
+                <a:latin typeface="Times New Roman" panose="02020603050405020304" pitchFamily="18" charset="0"/>
+                <a:cs typeface="Times New Roman" panose="02020603050405020304" pitchFamily="18" charset="0"/>
+              </a:rPr>
+              <a:t>Составить </a:t>
+            </a:r>
+            <a:r>
+              <a:rPr lang="en-US" sz="2000" dirty="0" smtClean="0">
+                <a:solidFill>
+                  <a:schemeClr val="tx1"/>
+                </a:solidFill>
+                <a:latin typeface="Times New Roman" panose="02020603050405020304" pitchFamily="18" charset="0"/>
+                <a:cs typeface="Times New Roman" panose="02020603050405020304" pitchFamily="18" charset="0"/>
+              </a:rPr>
+              <a:t>JSON c </a:t>
+            </a:r>
+            <a:r>
+              <a:rPr lang="ru-RU" sz="2000" dirty="0" smtClean="0">
+                <a:solidFill>
+                  <a:schemeClr val="tx1"/>
+                </a:solidFill>
+                <a:latin typeface="Times New Roman" panose="02020603050405020304" pitchFamily="18" charset="0"/>
+                <a:cs typeface="Times New Roman" panose="02020603050405020304" pitchFamily="18" charset="0"/>
+              </a:rPr>
+              <a:t>ключами: название команды, название кейса, число человек в команде, состав команды (</a:t>
+            </a:r>
+            <a:r>
+              <a:rPr lang="ru-RU" sz="2000" dirty="0" err="1" smtClean="0">
+                <a:solidFill>
+                  <a:schemeClr val="tx1"/>
+                </a:solidFill>
+                <a:latin typeface="Times New Roman" panose="02020603050405020304" pitchFamily="18" charset="0"/>
+                <a:cs typeface="Times New Roman" panose="02020603050405020304" pitchFamily="18" charset="0"/>
+              </a:rPr>
+              <a:t>айди</a:t>
+            </a:r>
+            <a:r>
+              <a:rPr lang="ru-RU" sz="2000" dirty="0" smtClean="0">
+                <a:solidFill>
+                  <a:schemeClr val="tx1"/>
+                </a:solidFill>
+                <a:latin typeface="Times New Roman" panose="02020603050405020304" pitchFamily="18" charset="0"/>
+                <a:cs typeface="Times New Roman" panose="02020603050405020304" pitchFamily="18" charset="0"/>
+              </a:rPr>
+              <a:t> человека, его имя, фамилия, ник в </a:t>
+            </a:r>
+            <a:r>
+              <a:rPr lang="ru-RU" sz="2000" dirty="0" err="1" smtClean="0">
+                <a:solidFill>
+                  <a:schemeClr val="tx1"/>
+                </a:solidFill>
+                <a:latin typeface="Times New Roman" panose="02020603050405020304" pitchFamily="18" charset="0"/>
+                <a:cs typeface="Times New Roman" panose="02020603050405020304" pitchFamily="18" charset="0"/>
+              </a:rPr>
+              <a:t>слаке</a:t>
+            </a:r>
+            <a:r>
+              <a:rPr lang="ru-RU" sz="2000" dirty="0" smtClean="0">
+                <a:solidFill>
+                  <a:schemeClr val="tx1"/>
+                </a:solidFill>
+                <a:latin typeface="Times New Roman" panose="02020603050405020304" pitchFamily="18" charset="0"/>
+                <a:cs typeface="Times New Roman" panose="02020603050405020304" pitchFamily="18" charset="0"/>
+              </a:rPr>
+              <a:t>, </a:t>
+            </a:r>
+            <a:r>
+              <a:rPr lang="en-US" sz="2000" dirty="0" smtClean="0">
+                <a:solidFill>
+                  <a:schemeClr val="tx1"/>
+                </a:solidFill>
+                <a:latin typeface="Times New Roman" panose="02020603050405020304" pitchFamily="18" charset="0"/>
+                <a:cs typeface="Times New Roman" panose="02020603050405020304" pitchFamily="18" charset="0"/>
+              </a:rPr>
+              <a:t>e</a:t>
+            </a:r>
+            <a:r>
+              <a:rPr lang="ru-RU" sz="2000" dirty="0" smtClean="0">
+                <a:solidFill>
+                  <a:schemeClr val="tx1"/>
+                </a:solidFill>
+                <a:latin typeface="Times New Roman" panose="02020603050405020304" pitchFamily="18" charset="0"/>
+                <a:cs typeface="Times New Roman" panose="02020603050405020304" pitchFamily="18" charset="0"/>
+              </a:rPr>
+              <a:t>-</a:t>
+            </a:r>
+            <a:r>
+              <a:rPr lang="en-US" sz="2000" dirty="0" smtClean="0">
+                <a:solidFill>
+                  <a:schemeClr val="tx1"/>
+                </a:solidFill>
+                <a:latin typeface="Times New Roman" panose="02020603050405020304" pitchFamily="18" charset="0"/>
+                <a:cs typeface="Times New Roman" panose="02020603050405020304" pitchFamily="18" charset="0"/>
+              </a:rPr>
+              <a:t>mail</a:t>
+            </a:r>
+            <a:r>
+              <a:rPr lang="ru-RU" sz="2000" dirty="0" smtClean="0">
+                <a:solidFill>
+                  <a:schemeClr val="tx1"/>
+                </a:solidFill>
+                <a:latin typeface="Times New Roman" panose="02020603050405020304" pitchFamily="18" charset="0"/>
+                <a:cs typeface="Times New Roman" panose="02020603050405020304" pitchFamily="18" charset="0"/>
+              </a:rPr>
+              <a:t>, роль в команде)</a:t>
+            </a:r>
+          </a:p>
+          <a:p>
+            <a:pPr>
+              <a:buAutoNum type="arabicPeriod"/>
+            </a:pPr>
+            <a:endParaRPr lang="ru-RU" sz="1800" dirty="0" smtClean="0">
+              <a:solidFill>
+                <a:schemeClr val="tx1"/>
+              </a:solidFill>
+              <a:latin typeface="Times New Roman" panose="02020603050405020304" pitchFamily="18" charset="0"/>
+              <a:cs typeface="Times New Roman" panose="02020603050405020304" pitchFamily="18" charset="0"/>
+            </a:endParaRPr>
           </a:p>
         </p:txBody>
       </p:sp>
     </p:spTree>
     <p:extLst>
       <p:ext uri="{BB962C8B-B14F-4D97-AF65-F5344CB8AC3E}">
-        <p14:creationId xmlns:p14="http://schemas.microsoft.com/office/powerpoint/2010/main" val="2226781273"/>
+        <p14:creationId xmlns:p14="http://schemas.microsoft.com/office/powerpoint/2010/main" val="2865641527"/>
       </p:ext>
     </p:extLst>
   </p:cSld>
   <p:clrMapOvr>
     <a:masterClrMapping/>
   </p:clrMapOvr>
+  <p:timing>
+    <p:tnLst>
+      <p:par>
+        <p:cTn id="1" dur="indefinite" restart="never" nodeType="tmRoot"/>
+      </p:par>
+    </p:tnLst>
+  </p:timing>
 </p:sld>
 </file>
 
@@ -5666,16 +11699,8 @@
           <a:lstStyle/>
           <a:p>
             <a:r>
-              <a:rPr lang="en-US" dirty="0" smtClean="0"/>
-              <a:t>Frontend</a:t>
-            </a:r>
-            <a:r>
               <a:rPr lang="ru-RU" dirty="0" smtClean="0"/>
-              <a:t> и </a:t>
-            </a:r>
-            <a:r>
-              <a:rPr lang="en-US" dirty="0" smtClean="0"/>
-              <a:t>Backend</a:t>
+              <a:t>Документы: замечание</a:t>
             </a:r>
             <a:endParaRPr lang="ru-RU" dirty="0"/>
           </a:p>
@@ -5711,10 +11736,420 @@
           </a:p>
         </p:txBody>
       </p:sp>
+      <p:sp>
+        <p:nvSpPr>
+          <p:cNvPr id="5" name="Текст 3">
+            <a:extLst>
+              <a:ext uri="{FF2B5EF4-FFF2-40B4-BE49-F238E27FC236}">
+                <a16:creationId xmlns:a16="http://schemas.microsoft.com/office/drawing/2014/main" id="{74C82C9C-F2A8-41A8-880B-73811E3EFC36}"/>
+              </a:ext>
+            </a:extLst>
+          </p:cNvPr>
+          <p:cNvSpPr txBox="1">
+            <a:spLocks/>
+          </p:cNvSpPr>
+          <p:nvPr/>
+        </p:nvSpPr>
+        <p:spPr bwMode="auto">
+          <a:xfrm>
+            <a:off x="253096" y="1332411"/>
+            <a:ext cx="8333555" cy="4763589"/>
+          </a:xfrm>
+          <a:prstGeom prst="rect">
+            <a:avLst/>
+          </a:prstGeom>
+          <a:noFill/>
+          <a:ln>
+            <a:noFill/>
+          </a:ln>
+          <a:extLst>
+            <a:ext uri="{909E8E84-426E-40DD-AFC4-6F175D3DCCD1}">
+              <a14:hiddenFill xmlns:a14="http://schemas.microsoft.com/office/drawing/2010/main">
+                <a:solidFill>
+                  <a:srgbClr val="FFFFFF"/>
+                </a:solidFill>
+              </a14:hiddenFill>
+            </a:ext>
+            <a:ext uri="{91240B29-F687-4F45-9708-019B960494DF}">
+              <a14:hiddenLine xmlns:a14="http://schemas.microsoft.com/office/drawing/2010/main" w="9525">
+                <a:solidFill>
+                  <a:srgbClr val="000000"/>
+                </a:solidFill>
+                <a:miter lim="800000"/>
+                <a:headEnd/>
+                <a:tailEnd/>
+              </a14:hiddenLine>
+            </a:ext>
+          </a:extLst>
+        </p:spPr>
+        <p:txBody>
+          <a:bodyPr vert="horz" wrap="square" lIns="91440" tIns="45720" rIns="91440" bIns="45720" numCol="1" anchor="t" anchorCtr="0" compatLnSpc="1">
+            <a:prstTxWarp prst="textNoShape">
+              <a:avLst/>
+            </a:prstTxWarp>
+            <a:normAutofit/>
+          </a:bodyPr>
+          <a:lstStyle>
+            <a:lvl1pPr marL="0" marR="0" indent="-342900" algn="l" defTabSz="180000" rtl="0" eaLnBrk="1" fontAlgn="auto" latinLnBrk="0" hangingPunct="1">
+              <a:lnSpc>
+                <a:spcPct val="100000"/>
+              </a:lnSpc>
+              <a:spcBef>
+                <a:spcPct val="20000"/>
+              </a:spcBef>
+              <a:spcAft>
+                <a:spcPts val="0"/>
+              </a:spcAft>
+              <a:buClrTx/>
+              <a:buSzTx/>
+              <a:buFont typeface="Arial" pitchFamily="34" charset="0"/>
+              <a:buNone/>
+              <a:tabLst/>
+              <a:defRPr sz="900" kern="1200">
+                <a:solidFill>
+                  <a:schemeClr val="tx1">
+                    <a:lumMod val="50000"/>
+                    <a:lumOff val="50000"/>
+                  </a:schemeClr>
+                </a:solidFill>
+                <a:latin typeface="Arial" pitchFamily="34" charset="0"/>
+                <a:ea typeface="+mn-ea"/>
+                <a:cs typeface="Arial" pitchFamily="34" charset="0"/>
+              </a:defRPr>
+            </a:lvl1pPr>
+            <a:lvl2pPr marL="742950" indent="-285750" algn="l" rtl="0" eaLnBrk="0" fontAlgn="base" hangingPunct="0">
+              <a:spcBef>
+                <a:spcPct val="20000"/>
+              </a:spcBef>
+              <a:spcAft>
+                <a:spcPct val="0"/>
+              </a:spcAft>
+              <a:buFont typeface="Arial" charset="0"/>
+              <a:buChar char="–"/>
+              <a:defRPr sz="2800" kern="1200">
+                <a:solidFill>
+                  <a:schemeClr val="tx1"/>
+                </a:solidFill>
+                <a:latin typeface="+mn-lt"/>
+                <a:ea typeface="+mn-ea"/>
+                <a:cs typeface="+mn-cs"/>
+              </a:defRPr>
+            </a:lvl2pPr>
+            <a:lvl3pPr marL="1143000" indent="-228600" algn="l" rtl="0" eaLnBrk="0" fontAlgn="base" hangingPunct="0">
+              <a:spcBef>
+                <a:spcPct val="20000"/>
+              </a:spcBef>
+              <a:spcAft>
+                <a:spcPct val="0"/>
+              </a:spcAft>
+              <a:buFont typeface="Arial" charset="0"/>
+              <a:buChar char="•"/>
+              <a:defRPr sz="2400" kern="1200">
+                <a:solidFill>
+                  <a:schemeClr val="tx1"/>
+                </a:solidFill>
+                <a:latin typeface="+mn-lt"/>
+                <a:ea typeface="+mn-ea"/>
+                <a:cs typeface="+mn-cs"/>
+              </a:defRPr>
+            </a:lvl3pPr>
+            <a:lvl4pPr marL="1600200" indent="-228600" algn="l" rtl="0" eaLnBrk="0" fontAlgn="base" hangingPunct="0">
+              <a:spcBef>
+                <a:spcPct val="20000"/>
+              </a:spcBef>
+              <a:spcAft>
+                <a:spcPct val="0"/>
+              </a:spcAft>
+              <a:buFont typeface="Arial" charset="0"/>
+              <a:buChar char="–"/>
+              <a:defRPr sz="2000" kern="1200">
+                <a:solidFill>
+                  <a:schemeClr val="tx1"/>
+                </a:solidFill>
+                <a:latin typeface="+mn-lt"/>
+                <a:ea typeface="+mn-ea"/>
+                <a:cs typeface="+mn-cs"/>
+              </a:defRPr>
+            </a:lvl4pPr>
+            <a:lvl5pPr marL="2057400" indent="-228600" algn="l" rtl="0" eaLnBrk="0" fontAlgn="base" hangingPunct="0">
+              <a:spcBef>
+                <a:spcPct val="20000"/>
+              </a:spcBef>
+              <a:spcAft>
+                <a:spcPct val="0"/>
+              </a:spcAft>
+              <a:buFont typeface="Arial" charset="0"/>
+              <a:buChar char="»"/>
+              <a:defRPr sz="2000" kern="1200">
+                <a:solidFill>
+                  <a:schemeClr val="tx1"/>
+                </a:solidFill>
+                <a:latin typeface="+mn-lt"/>
+                <a:ea typeface="+mn-ea"/>
+                <a:cs typeface="+mn-cs"/>
+              </a:defRPr>
+            </a:lvl5pPr>
+            <a:lvl6pPr marL="2514600" indent="-228600" algn="l" defTabSz="914400" rtl="0" eaLnBrk="1" latinLnBrk="0" hangingPunct="1">
+              <a:spcBef>
+                <a:spcPct val="20000"/>
+              </a:spcBef>
+              <a:buFont typeface="Arial" pitchFamily="34" charset="0"/>
+              <a:buChar char="•"/>
+              <a:defRPr sz="2000" kern="1200">
+                <a:solidFill>
+                  <a:schemeClr val="tx1"/>
+                </a:solidFill>
+                <a:latin typeface="+mn-lt"/>
+                <a:ea typeface="+mn-ea"/>
+                <a:cs typeface="+mn-cs"/>
+              </a:defRPr>
+            </a:lvl6pPr>
+            <a:lvl7pPr marL="2971800" indent="-228600" algn="l" defTabSz="914400" rtl="0" eaLnBrk="1" latinLnBrk="0" hangingPunct="1">
+              <a:spcBef>
+                <a:spcPct val="20000"/>
+              </a:spcBef>
+              <a:buFont typeface="Arial" pitchFamily="34" charset="0"/>
+              <a:buChar char="•"/>
+              <a:defRPr sz="2000" kern="1200">
+                <a:solidFill>
+                  <a:schemeClr val="tx1"/>
+                </a:solidFill>
+                <a:latin typeface="+mn-lt"/>
+                <a:ea typeface="+mn-ea"/>
+                <a:cs typeface="+mn-cs"/>
+              </a:defRPr>
+            </a:lvl7pPr>
+            <a:lvl8pPr marL="3429000" indent="-228600" algn="l" defTabSz="914400" rtl="0" eaLnBrk="1" latinLnBrk="0" hangingPunct="1">
+              <a:spcBef>
+                <a:spcPct val="20000"/>
+              </a:spcBef>
+              <a:buFont typeface="Arial" pitchFamily="34" charset="0"/>
+              <a:buChar char="•"/>
+              <a:defRPr sz="2000" kern="1200">
+                <a:solidFill>
+                  <a:schemeClr val="tx1"/>
+                </a:solidFill>
+                <a:latin typeface="+mn-lt"/>
+                <a:ea typeface="+mn-ea"/>
+                <a:cs typeface="+mn-cs"/>
+              </a:defRPr>
+            </a:lvl8pPr>
+            <a:lvl9pPr marL="3886200" indent="-228600" algn="l" defTabSz="914400" rtl="0" eaLnBrk="1" latinLnBrk="0" hangingPunct="1">
+              <a:spcBef>
+                <a:spcPct val="20000"/>
+              </a:spcBef>
+              <a:buFont typeface="Arial" pitchFamily="34" charset="0"/>
+              <a:buChar char="•"/>
+              <a:defRPr sz="2000" kern="1200">
+                <a:solidFill>
+                  <a:schemeClr val="tx1"/>
+                </a:solidFill>
+                <a:latin typeface="+mn-lt"/>
+                <a:ea typeface="+mn-ea"/>
+                <a:cs typeface="+mn-cs"/>
+              </a:defRPr>
+            </a:lvl9pPr>
+          </a:lstStyle>
+          <a:p>
+            <a:pPr indent="0"/>
+            <a:r>
+              <a:rPr lang="ru-RU" sz="2000" dirty="0">
+                <a:solidFill>
+                  <a:schemeClr val="tx1"/>
+                </a:solidFill>
+                <a:latin typeface="Times New Roman" panose="02020603050405020304" pitchFamily="18" charset="0"/>
+                <a:cs typeface="Times New Roman" panose="02020603050405020304" pitchFamily="18" charset="0"/>
+              </a:rPr>
+              <a:t>Документы могут </a:t>
+            </a:r>
+            <a:r>
+              <a:rPr lang="ru-RU" sz="2000" dirty="0" smtClean="0">
+                <a:solidFill>
+                  <a:schemeClr val="tx1"/>
+                </a:solidFill>
+                <a:latin typeface="Times New Roman" panose="02020603050405020304" pitchFamily="18" charset="0"/>
+                <a:cs typeface="Times New Roman" panose="02020603050405020304" pitchFamily="18" charset="0"/>
+              </a:rPr>
+              <a:t>быть:</a:t>
+            </a:r>
+          </a:p>
+          <a:p>
+            <a:pPr indent="0"/>
+            <a:endParaRPr lang="ru-RU" sz="2000" dirty="0">
+              <a:solidFill>
+                <a:schemeClr val="tx1"/>
+              </a:solidFill>
+              <a:latin typeface="Times New Roman" panose="02020603050405020304" pitchFamily="18" charset="0"/>
+              <a:cs typeface="Times New Roman" panose="02020603050405020304" pitchFamily="18" charset="0"/>
+            </a:endParaRPr>
+          </a:p>
+          <a:p>
+            <a:pPr marL="342900">
+              <a:buFont typeface="Arial" panose="020B0604020202020204" pitchFamily="34" charset="0"/>
+              <a:buChar char="•"/>
+            </a:pPr>
+            <a:r>
+              <a:rPr lang="ru-RU" sz="2000" b="1" dirty="0" smtClean="0">
+                <a:solidFill>
+                  <a:schemeClr val="tx1"/>
+                </a:solidFill>
+                <a:latin typeface="Times New Roman" panose="02020603050405020304" pitchFamily="18" charset="0"/>
+                <a:cs typeface="Times New Roman" panose="02020603050405020304" pitchFamily="18" charset="0"/>
+              </a:rPr>
+              <a:t>Статические</a:t>
+            </a:r>
+            <a:endParaRPr lang="ru-RU" sz="2000" b="1" dirty="0">
+              <a:solidFill>
+                <a:schemeClr val="tx1"/>
+              </a:solidFill>
+              <a:latin typeface="Times New Roman" panose="02020603050405020304" pitchFamily="18" charset="0"/>
+              <a:cs typeface="Times New Roman" panose="02020603050405020304" pitchFamily="18" charset="0"/>
+            </a:endParaRPr>
+          </a:p>
+          <a:p>
+            <a:pPr marL="1085850" lvl="1">
+              <a:buFont typeface="Arial" panose="020B0604020202020204" pitchFamily="34" charset="0"/>
+              <a:buChar char="•"/>
+            </a:pPr>
+            <a:r>
+              <a:rPr lang="ru-RU" sz="2000" dirty="0" smtClean="0">
+                <a:solidFill>
+                  <a:schemeClr val="tx1"/>
+                </a:solidFill>
+                <a:latin typeface="Times New Roman" panose="02020603050405020304" pitchFamily="18" charset="0"/>
+                <a:cs typeface="Times New Roman" panose="02020603050405020304" pitchFamily="18" charset="0"/>
+              </a:rPr>
+              <a:t>Это </a:t>
+            </a:r>
+            <a:r>
+              <a:rPr lang="ru-RU" sz="2000" dirty="0">
+                <a:solidFill>
+                  <a:schemeClr val="tx1"/>
+                </a:solidFill>
+                <a:latin typeface="Times New Roman" panose="02020603050405020304" pitchFamily="18" charset="0"/>
+                <a:cs typeface="Times New Roman" panose="02020603050405020304" pitchFamily="18" charset="0"/>
+              </a:rPr>
+              <a:t>файлы на дисках сервера</a:t>
+            </a:r>
+          </a:p>
+          <a:p>
+            <a:pPr marL="342900">
+              <a:buFont typeface="Arial" panose="020B0604020202020204" pitchFamily="34" charset="0"/>
+              <a:buChar char="•"/>
+            </a:pPr>
+            <a:r>
+              <a:rPr lang="ru-RU" sz="2000" b="1" dirty="0" smtClean="0">
+                <a:solidFill>
+                  <a:schemeClr val="tx1"/>
+                </a:solidFill>
+                <a:latin typeface="Times New Roman" panose="02020603050405020304" pitchFamily="18" charset="0"/>
+                <a:cs typeface="Times New Roman" panose="02020603050405020304" pitchFamily="18" charset="0"/>
+              </a:rPr>
+              <a:t>Динамические</a:t>
+            </a:r>
+            <a:endParaRPr lang="ru-RU" sz="2000" b="1" dirty="0">
+              <a:solidFill>
+                <a:schemeClr val="tx1"/>
+              </a:solidFill>
+              <a:latin typeface="Times New Roman" panose="02020603050405020304" pitchFamily="18" charset="0"/>
+              <a:cs typeface="Times New Roman" panose="02020603050405020304" pitchFamily="18" charset="0"/>
+            </a:endParaRPr>
+          </a:p>
+          <a:p>
+            <a:pPr marL="1085850" lvl="1">
+              <a:buFont typeface="Arial" panose="020B0604020202020204" pitchFamily="34" charset="0"/>
+              <a:buChar char="•"/>
+            </a:pPr>
+            <a:r>
+              <a:rPr lang="ru-RU" sz="2000" dirty="0" smtClean="0">
+                <a:solidFill>
+                  <a:schemeClr val="tx1"/>
+                </a:solidFill>
+                <a:latin typeface="Times New Roman" panose="02020603050405020304" pitchFamily="18" charset="0"/>
+                <a:cs typeface="Times New Roman" panose="02020603050405020304" pitchFamily="18" charset="0"/>
+              </a:rPr>
+              <a:t>Создаются </a:t>
+            </a:r>
+            <a:r>
+              <a:rPr lang="ru-RU" sz="2000" dirty="0">
+                <a:solidFill>
+                  <a:schemeClr val="tx1"/>
+                </a:solidFill>
+                <a:latin typeface="Times New Roman" panose="02020603050405020304" pitchFamily="18" charset="0"/>
+                <a:cs typeface="Times New Roman" panose="02020603050405020304" pitchFamily="18" charset="0"/>
+              </a:rPr>
+              <a:t>на каждый запрос</a:t>
+            </a:r>
+          </a:p>
+          <a:p>
+            <a:pPr marL="1085850" lvl="1">
+              <a:buFont typeface="Arial" panose="020B0604020202020204" pitchFamily="34" charset="0"/>
+              <a:buChar char="•"/>
+            </a:pPr>
+            <a:r>
+              <a:rPr lang="ru-RU" sz="2000" dirty="0" smtClean="0">
+                <a:solidFill>
+                  <a:schemeClr val="tx1"/>
+                </a:solidFill>
+                <a:latin typeface="Times New Roman" panose="02020603050405020304" pitchFamily="18" charset="0"/>
+                <a:cs typeface="Times New Roman" panose="02020603050405020304" pitchFamily="18" charset="0"/>
+              </a:rPr>
+              <a:t>Содержимое может </a:t>
+            </a:r>
+            <a:r>
+              <a:rPr lang="ru-RU" sz="2000" dirty="0" err="1" smtClean="0">
+                <a:solidFill>
+                  <a:schemeClr val="tx1"/>
+                </a:solidFill>
+                <a:latin typeface="Times New Roman" panose="02020603050405020304" pitchFamily="18" charset="0"/>
+                <a:cs typeface="Times New Roman" panose="02020603050405020304" pitchFamily="18" charset="0"/>
+              </a:rPr>
+              <a:t>зависить</a:t>
+            </a:r>
+            <a:r>
+              <a:rPr lang="ru-RU" sz="2000" dirty="0" smtClean="0">
+                <a:solidFill>
+                  <a:schemeClr val="tx1"/>
+                </a:solidFill>
+                <a:latin typeface="Times New Roman" panose="02020603050405020304" pitchFamily="18" charset="0"/>
+                <a:cs typeface="Times New Roman" panose="02020603050405020304" pitchFamily="18" charset="0"/>
+              </a:rPr>
+              <a:t> </a:t>
+            </a:r>
+            <a:r>
+              <a:rPr lang="ru-RU" sz="2000" dirty="0">
+                <a:solidFill>
+                  <a:schemeClr val="tx1"/>
+                </a:solidFill>
+                <a:latin typeface="Times New Roman" panose="02020603050405020304" pitchFamily="18" charset="0"/>
+                <a:cs typeface="Times New Roman" panose="02020603050405020304" pitchFamily="18" charset="0"/>
+              </a:rPr>
+              <a:t>от времени и </a:t>
+            </a:r>
+            <a:r>
+              <a:rPr lang="ru-RU" sz="2000" dirty="0" smtClean="0">
+                <a:solidFill>
+                  <a:schemeClr val="tx1"/>
+                </a:solidFill>
+                <a:latin typeface="Times New Roman" panose="02020603050405020304" pitchFamily="18" charset="0"/>
+                <a:cs typeface="Times New Roman" panose="02020603050405020304" pitchFamily="18" charset="0"/>
+              </a:rPr>
+              <a:t>пользователя</a:t>
+            </a:r>
+            <a:endParaRPr lang="ru-RU" sz="2000" dirty="0">
+              <a:solidFill>
+                <a:schemeClr val="tx1"/>
+              </a:solidFill>
+              <a:latin typeface="Times New Roman" panose="02020603050405020304" pitchFamily="18" charset="0"/>
+              <a:cs typeface="Times New Roman" panose="02020603050405020304" pitchFamily="18" charset="0"/>
+            </a:endParaRPr>
+          </a:p>
+        </p:txBody>
+      </p:sp>
     </p:spTree>
     <p:extLst>
       <p:ext uri="{BB962C8B-B14F-4D97-AF65-F5344CB8AC3E}">
-        <p14:creationId xmlns:p14="http://schemas.microsoft.com/office/powerpoint/2010/main" val="2283449239"/>
+        <p14:creationId xmlns:p14="http://schemas.microsoft.com/office/powerpoint/2010/main" val="1847986376"/>
       </p:ext>
     </p:extLst>
   </p:cSld>

--- a/Разработка веб-сервисов. Часть 1.pptx
+++ b/Разработка веб-сервисов. Часть 1.pptx
@@ -5,33 +5,34 @@
     <p:sldMasterId id="2147483648" r:id="rId1"/>
   </p:sldMasterIdLst>
   <p:notesMasterIdLst>
-    <p:notesMasterId r:id="rId23"/>
+    <p:notesMasterId r:id="rId24"/>
   </p:notesMasterIdLst>
   <p:handoutMasterIdLst>
-    <p:handoutMasterId r:id="rId24"/>
+    <p:handoutMasterId r:id="rId25"/>
   </p:handoutMasterIdLst>
   <p:sldIdLst>
     <p:sldId id="256" r:id="rId2"/>
-    <p:sldId id="372" r:id="rId3"/>
-    <p:sldId id="403" r:id="rId4"/>
-    <p:sldId id="374" r:id="rId5"/>
-    <p:sldId id="405" r:id="rId6"/>
-    <p:sldId id="407" r:id="rId7"/>
-    <p:sldId id="404" r:id="rId8"/>
-    <p:sldId id="406" r:id="rId9"/>
-    <p:sldId id="408" r:id="rId10"/>
-    <p:sldId id="409" r:id="rId11"/>
-    <p:sldId id="375" r:id="rId12"/>
-    <p:sldId id="410" r:id="rId13"/>
-    <p:sldId id="411" r:id="rId14"/>
-    <p:sldId id="376" r:id="rId15"/>
-    <p:sldId id="413" r:id="rId16"/>
-    <p:sldId id="401" r:id="rId17"/>
-    <p:sldId id="412" r:id="rId18"/>
-    <p:sldId id="378" r:id="rId19"/>
-    <p:sldId id="377" r:id="rId20"/>
-    <p:sldId id="379" r:id="rId21"/>
-    <p:sldId id="380" r:id="rId22"/>
+    <p:sldId id="414" r:id="rId3"/>
+    <p:sldId id="372" r:id="rId4"/>
+    <p:sldId id="403" r:id="rId5"/>
+    <p:sldId id="374" r:id="rId6"/>
+    <p:sldId id="405" r:id="rId7"/>
+    <p:sldId id="407" r:id="rId8"/>
+    <p:sldId id="404" r:id="rId9"/>
+    <p:sldId id="406" r:id="rId10"/>
+    <p:sldId id="408" r:id="rId11"/>
+    <p:sldId id="409" r:id="rId12"/>
+    <p:sldId id="375" r:id="rId13"/>
+    <p:sldId id="410" r:id="rId14"/>
+    <p:sldId id="411" r:id="rId15"/>
+    <p:sldId id="376" r:id="rId16"/>
+    <p:sldId id="413" r:id="rId17"/>
+    <p:sldId id="401" r:id="rId18"/>
+    <p:sldId id="412" r:id="rId19"/>
+    <p:sldId id="378" r:id="rId20"/>
+    <p:sldId id="377" r:id="rId21"/>
+    <p:sldId id="379" r:id="rId22"/>
+    <p:sldId id="380" r:id="rId23"/>
   </p:sldIdLst>
   <p:sldSz cx="9144000" cy="6858000" type="screen4x3"/>
   <p:notesSz cx="6797675" cy="9775825"/>
@@ -306,7 +307,7 @@
               <a:pPr>
                 <a:defRPr/>
               </a:pPr>
-              <a:t>03.07.2018</a:t>
+              <a:t>04.07.2018</a:t>
             </a:fld>
             <a:endParaRPr lang="ru-RU"/>
           </a:p>
@@ -505,7 +506,7 @@
               <a:pPr>
                 <a:defRPr/>
               </a:pPr>
-              <a:t>03.07.2018</a:t>
+              <a:t>04.07.2018</a:t>
             </a:fld>
             <a:endParaRPr lang="ru-RU"/>
           </a:p>
@@ -960,15 +961,62 @@
           <a:p>
             <a:r>
               <a:rPr lang="ru-RU" dirty="0" smtClean="0"/>
-              <a:t>По 1.</a:t>
+              <a:t>Документы это не тоже самое что и файлы, документы могут быть </a:t>
+            </a:r>
+            <a:r>
+              <a:rPr lang="ru-RU" dirty="0" err="1" smtClean="0"/>
+              <a:t>стат</a:t>
+            </a:r>
+            <a:r>
+              <a:rPr lang="ru-RU" dirty="0" smtClean="0"/>
+              <a:t>, могут быть динам.</a:t>
+            </a:r>
+          </a:p>
+          <a:p>
+            <a:r>
+              <a:rPr lang="ru-RU" dirty="0" smtClean="0"/>
+              <a:t>Статические</a:t>
             </a:r>
             <a:r>
               <a:rPr lang="ru-RU" baseline="0" dirty="0" smtClean="0"/>
-              <a:t> Например, ключи: товар, количество, цена, артикул и </a:t>
-            </a:r>
-            <a:r>
-              <a:rPr lang="ru-RU" baseline="0" dirty="0" err="1" smtClean="0"/>
-              <a:t>тэдэ</a:t>
+              <a:t> – это файлы которые лежат на диске веб-сервера. </a:t>
+            </a:r>
+          </a:p>
+          <a:p>
+            <a:r>
+              <a:rPr lang="ru-RU" baseline="0" dirty="0" smtClean="0"/>
+              <a:t>Эти документы не существуют в виде какого-то файла, а генерируются на лету по запросу.</a:t>
+            </a:r>
+          </a:p>
+          <a:p>
+            <a:endParaRPr lang="ru-RU" baseline="0" dirty="0" smtClean="0"/>
+          </a:p>
+          <a:p>
+            <a:r>
+              <a:rPr lang="ru-RU" baseline="0" dirty="0" smtClean="0"/>
+              <a:t>Для примеры: статическим документом будет </a:t>
+            </a:r>
+            <a:r>
+              <a:rPr lang="en-US" baseline="0" dirty="0" smtClean="0"/>
+              <a:t>text/html </a:t>
+            </a:r>
+            <a:r>
+              <a:rPr lang="ru-RU" baseline="0" dirty="0" smtClean="0"/>
+              <a:t>из Задания 1, все картинки и стили из него. </a:t>
+            </a:r>
+          </a:p>
+          <a:p>
+            <a:r>
+              <a:rPr lang="ru-RU" baseline="0" dirty="0" smtClean="0"/>
+              <a:t>А динамическими могут быть </a:t>
+            </a:r>
+            <a:r>
+              <a:rPr lang="en-US" baseline="0" dirty="0" smtClean="0"/>
+              <a:t>JSON</a:t>
+            </a:r>
+            <a:r>
+              <a:rPr lang="ru-RU" baseline="0" dirty="0" smtClean="0"/>
+              <a:t> которые получаются по какому-либо запросу.</a:t>
             </a:r>
             <a:endParaRPr lang="ru-RU" dirty="0"/>
           </a:p>
@@ -1006,7 +1054,7 @@
     </p:spTree>
     <p:extLst>
       <p:ext uri="{BB962C8B-B14F-4D97-AF65-F5344CB8AC3E}">
-        <p14:creationId xmlns:p14="http://schemas.microsoft.com/office/powerpoint/2010/main" val="253080296"/>
+        <p14:creationId xmlns:p14="http://schemas.microsoft.com/office/powerpoint/2010/main" val="987596077"/>
       </p:ext>
     </p:extLst>
   </p:cSld>
@@ -1062,79 +1110,15 @@
           <a:p>
             <a:r>
               <a:rPr lang="ru-RU" dirty="0" smtClean="0"/>
-              <a:t>Чтобы получить доступ к какому-то конкретному документу, надо знать адрес</a:t>
+              <a:t>По 1.</a:t>
             </a:r>
             <a:r>
               <a:rPr lang="ru-RU" baseline="0" dirty="0" smtClean="0"/>
-              <a:t> этого документа.</a:t>
-            </a:r>
-          </a:p>
-          <a:p>
-            <a:r>
-              <a:rPr lang="ru-RU" baseline="0" dirty="0" smtClean="0"/>
-              <a:t>Так как д</a:t>
-            </a:r>
-            <a:r>
-              <a:rPr lang="ru-RU" dirty="0" smtClean="0"/>
-              <a:t>окументы обычно лежат или</a:t>
-            </a:r>
-            <a:r>
-              <a:rPr lang="ru-RU" baseline="0" dirty="0" smtClean="0"/>
-              <a:t> генерируются на каких-то компьютерах, то адрес документа будет состоять из двух частей:</a:t>
-            </a:r>
-          </a:p>
-          <a:p>
-            <a:r>
-              <a:rPr lang="ru-RU" baseline="0" dirty="0" smtClean="0"/>
-              <a:t>из адреса машины и адреса документа на этой машине.</a:t>
-            </a:r>
-          </a:p>
-          <a:p>
-            <a:r>
-              <a:rPr lang="ru-RU" baseline="0" dirty="0" smtClean="0"/>
-              <a:t>У каждой машины подключенной к сети машины есть так называемый </a:t>
-            </a:r>
-            <a:r>
-              <a:rPr lang="en-US" baseline="0" dirty="0" err="1" smtClean="0"/>
-              <a:t>ip</a:t>
-            </a:r>
-            <a:r>
-              <a:rPr lang="en-US" baseline="0" dirty="0" smtClean="0"/>
-              <a:t>-</a:t>
-            </a:r>
-            <a:r>
-              <a:rPr lang="ru-RU" baseline="0" dirty="0" smtClean="0"/>
-              <a:t>адрес. Это и есть адрес компьютера.</a:t>
-            </a:r>
-          </a:p>
-          <a:p>
-            <a:r>
-              <a:rPr lang="ru-RU" baseline="0" dirty="0" smtClean="0"/>
-              <a:t>*ЕСЛИ ВДРУГ СПРОСЯТ, По </a:t>
-            </a:r>
-            <a:r>
-              <a:rPr lang="ru-RU" baseline="0" dirty="0" err="1" smtClean="0"/>
-              <a:t>айпи</a:t>
-            </a:r>
-            <a:r>
-              <a:rPr lang="ru-RU" baseline="0" dirty="0" smtClean="0"/>
-              <a:t> нереально зайти на сайт, так как, на одном </a:t>
-            </a:r>
-            <a:r>
-              <a:rPr lang="ru-RU" baseline="0" dirty="0" err="1" smtClean="0"/>
-              <a:t>айпи</a:t>
-            </a:r>
-            <a:r>
-              <a:rPr lang="ru-RU" baseline="0" dirty="0" smtClean="0"/>
-              <a:t> могут быть несколько сайтов, сайт может лежать на разных серверах, надо знать документ где лежит, порт и </a:t>
+              <a:t> Например, ключи: товар, количество, цена, артикул и </a:t>
             </a:r>
             <a:r>
               <a:rPr lang="ru-RU" baseline="0" dirty="0" err="1" smtClean="0"/>
               <a:t>тэдэ</a:t>
-            </a:r>
-            <a:r>
-              <a:rPr lang="ru-RU" baseline="0" dirty="0" smtClean="0"/>
-              <a:t>*</a:t>
             </a:r>
             <a:endParaRPr lang="ru-RU" dirty="0"/>
           </a:p>
@@ -1172,7 +1156,7 @@
     </p:spTree>
     <p:extLst>
       <p:ext uri="{BB962C8B-B14F-4D97-AF65-F5344CB8AC3E}">
-        <p14:creationId xmlns:p14="http://schemas.microsoft.com/office/powerpoint/2010/main" val="253124027"/>
+        <p14:creationId xmlns:p14="http://schemas.microsoft.com/office/powerpoint/2010/main" val="253080296"/>
       </p:ext>
     </p:extLst>
   </p:cSld>
@@ -1227,74 +1211,80 @@
           <a:lstStyle/>
           <a:p>
             <a:r>
-              <a:rPr lang="ru-RU" sz="1200" b="0" i="0" kern="1200" dirty="0" smtClean="0">
-                <a:solidFill>
-                  <a:schemeClr val="tx1"/>
-                </a:solidFill>
-                <a:effectLst/>
-                <a:latin typeface="+mn-lt"/>
-                <a:ea typeface="+mn-ea"/>
-                <a:cs typeface="+mn-cs"/>
-              </a:rPr>
-              <a:t>Машины</a:t>
-            </a:r>
-            <a:r>
-              <a:rPr lang="ru-RU" sz="1200" b="0" i="0" kern="1200" baseline="0" dirty="0" smtClean="0">
-                <a:solidFill>
-                  <a:schemeClr val="tx1"/>
-                </a:solidFill>
-                <a:effectLst/>
-                <a:latin typeface="+mn-lt"/>
-                <a:ea typeface="+mn-ea"/>
-                <a:cs typeface="+mn-cs"/>
-              </a:rPr>
-              <a:t> оперируют исключительно цифрами и что удобно для машины неудобно для человека, поэтому люди придумали так называемые доменные имена, которые этот ряд цифр заменят на буквы.</a:t>
-            </a:r>
-          </a:p>
-          <a:p>
-            <a:r>
-              <a:rPr lang="ru-RU" sz="1200" b="0" i="0" kern="1200" baseline="0" dirty="0" smtClean="0">
-                <a:solidFill>
-                  <a:schemeClr val="tx1"/>
-                </a:solidFill>
-                <a:effectLst/>
-                <a:latin typeface="+mn-lt"/>
-                <a:ea typeface="+mn-ea"/>
-                <a:cs typeface="+mn-cs"/>
-              </a:rPr>
-              <a:t>Таким образом, </a:t>
-            </a:r>
-            <a:r>
-              <a:rPr lang="ru-RU" sz="1200" b="0" i="0" kern="1200" baseline="0" dirty="0" smtClean="0">
-                <a:solidFill>
-                  <a:schemeClr val="tx1"/>
-                </a:solidFill>
-                <a:effectLst/>
-                <a:latin typeface="Times New Roman" panose="02020603050405020304" pitchFamily="18" charset="0"/>
-                <a:ea typeface="+mn-ea"/>
-                <a:cs typeface="Times New Roman" panose="02020603050405020304" pitchFamily="18" charset="0"/>
-              </a:rPr>
-              <a:t>д</a:t>
-            </a:r>
-            <a:r>
-              <a:rPr lang="ru-RU" sz="1200" dirty="0" smtClean="0">
-                <a:solidFill>
-                  <a:schemeClr val="tx1"/>
-                </a:solidFill>
-                <a:latin typeface="Times New Roman" panose="02020603050405020304" pitchFamily="18" charset="0"/>
-                <a:cs typeface="Times New Roman" panose="02020603050405020304" pitchFamily="18" charset="0"/>
-              </a:rPr>
-              <a:t>оменные имена служат двум основным целям:</a:t>
-            </a:r>
-            <a:r>
-              <a:rPr lang="ru-RU" sz="1200" baseline="0" dirty="0" smtClean="0">
-                <a:solidFill>
-                  <a:schemeClr val="tx1"/>
-                </a:solidFill>
-                <a:latin typeface="Times New Roman" panose="02020603050405020304" pitchFamily="18" charset="0"/>
-                <a:cs typeface="Times New Roman" panose="02020603050405020304" pitchFamily="18" charset="0"/>
-              </a:rPr>
-              <a:t> …</a:t>
+              <a:rPr lang="ru-RU" dirty="0" smtClean="0"/>
+              <a:t>Чтобы получить доступ к какому-то конкретному документу, надо знать адрес</a:t>
+            </a:r>
+            <a:r>
+              <a:rPr lang="ru-RU" baseline="0" dirty="0" smtClean="0"/>
+              <a:t> этого документа.</a:t>
+            </a:r>
+          </a:p>
+          <a:p>
+            <a:r>
+              <a:rPr lang="ru-RU" baseline="0" dirty="0" smtClean="0"/>
+              <a:t>Так как д</a:t>
+            </a:r>
+            <a:r>
+              <a:rPr lang="ru-RU" dirty="0" smtClean="0"/>
+              <a:t>окументы обычно лежат или</a:t>
+            </a:r>
+            <a:r>
+              <a:rPr lang="ru-RU" baseline="0" dirty="0" smtClean="0"/>
+              <a:t> генерируются на каких-то компьютерах, то адрес документа будет состоять из двух частей:</a:t>
+            </a:r>
+          </a:p>
+          <a:p>
+            <a:r>
+              <a:rPr lang="ru-RU" baseline="0" dirty="0" smtClean="0"/>
+              <a:t>из адреса машины и адреса документа на этой машине.</a:t>
+            </a:r>
+          </a:p>
+          <a:p>
+            <a:r>
+              <a:rPr lang="ru-RU" baseline="0" dirty="0" smtClean="0"/>
+              <a:t>У каждой машины подключенной к сети машины есть так называемый </a:t>
+            </a:r>
+            <a:r>
+              <a:rPr lang="en-US" baseline="0" dirty="0" err="1" smtClean="0"/>
+              <a:t>ip</a:t>
+            </a:r>
+            <a:r>
+              <a:rPr lang="en-US" baseline="0" dirty="0" smtClean="0"/>
+              <a:t>-</a:t>
+            </a:r>
+            <a:r>
+              <a:rPr lang="ru-RU" baseline="0" dirty="0" smtClean="0"/>
+              <a:t>адрес. Это и есть адрес компьютера.</a:t>
+            </a:r>
+          </a:p>
+          <a:p>
+            <a:r>
+              <a:rPr lang="ru-RU" baseline="0" dirty="0" smtClean="0"/>
+              <a:t>*ЕСЛИ ВДРУГ СПРОСЯТ, По </a:t>
+            </a:r>
+            <a:r>
+              <a:rPr lang="ru-RU" baseline="0" dirty="0" err="1" smtClean="0"/>
+              <a:t>айпи</a:t>
+            </a:r>
+            <a:r>
+              <a:rPr lang="ru-RU" baseline="0" dirty="0" smtClean="0"/>
+              <a:t> нереально зайти на сайт, так как, на одном </a:t>
+            </a:r>
+            <a:r>
+              <a:rPr lang="ru-RU" baseline="0" dirty="0" err="1" smtClean="0"/>
+              <a:t>айпи</a:t>
+            </a:r>
+            <a:r>
+              <a:rPr lang="ru-RU" baseline="0" dirty="0" smtClean="0"/>
+              <a:t> могут быть несколько сайтов, сайт может лежать на разных серверах, надо знать документ где лежит, порт и </a:t>
+            </a:r>
+            <a:r>
+              <a:rPr lang="ru-RU" baseline="0" dirty="0" err="1" smtClean="0"/>
+              <a:t>тэдэ</a:t>
+            </a:r>
+            <a:r>
+              <a:rPr lang="ru-RU" baseline="0" dirty="0" smtClean="0"/>
+              <a:t>*</a:t>
             </a:r>
             <a:endParaRPr lang="ru-RU" dirty="0"/>
           </a:p>
@@ -1332,7 +1322,7 @@
     </p:spTree>
     <p:extLst>
       <p:ext uri="{BB962C8B-B14F-4D97-AF65-F5344CB8AC3E}">
-        <p14:creationId xmlns:p14="http://schemas.microsoft.com/office/powerpoint/2010/main" val="1364011116"/>
+        <p14:creationId xmlns:p14="http://schemas.microsoft.com/office/powerpoint/2010/main" val="253124027"/>
       </p:ext>
     </p:extLst>
   </p:cSld>
@@ -1386,10 +1376,56 @@
           <a:bodyPr/>
           <a:lstStyle/>
           <a:p>
-            <a:pPr>
-              <a:buFont typeface="Arial" panose="020B0604020202020204" pitchFamily="34" charset="0"/>
-              <a:buNone/>
-            </a:pPr>
+            <a:r>
+              <a:rPr lang="ru-RU" sz="1200" b="0" i="0" kern="1200" dirty="0" smtClean="0">
+                <a:solidFill>
+                  <a:schemeClr val="tx1"/>
+                </a:solidFill>
+                <a:effectLst/>
+                <a:latin typeface="+mn-lt"/>
+                <a:ea typeface="+mn-ea"/>
+                <a:cs typeface="+mn-cs"/>
+              </a:rPr>
+              <a:t>Машины</a:t>
+            </a:r>
+            <a:r>
+              <a:rPr lang="ru-RU" sz="1200" b="0" i="0" kern="1200" baseline="0" dirty="0" smtClean="0">
+                <a:solidFill>
+                  <a:schemeClr val="tx1"/>
+                </a:solidFill>
+                <a:effectLst/>
+                <a:latin typeface="+mn-lt"/>
+                <a:ea typeface="+mn-ea"/>
+                <a:cs typeface="+mn-cs"/>
+              </a:rPr>
+              <a:t> оперируют исключительно цифрами и что удобно для машины неудобно для человека, поэтому люди придумали так называемые доменные имена, которые этот ряд цифр заменят на буквы.</a:t>
+            </a:r>
+          </a:p>
+          <a:p>
+            <a:r>
+              <a:rPr lang="ru-RU" sz="1200" b="0" i="0" kern="1200" baseline="0" dirty="0" smtClean="0">
+                <a:solidFill>
+                  <a:schemeClr val="tx1"/>
+                </a:solidFill>
+                <a:effectLst/>
+                <a:latin typeface="+mn-lt"/>
+                <a:ea typeface="+mn-ea"/>
+                <a:cs typeface="+mn-cs"/>
+              </a:rPr>
+              <a:t>Таким образом, </a:t>
+            </a:r>
+            <a:r>
+              <a:rPr lang="ru-RU" sz="1200" b="0" i="0" kern="1200" baseline="0" dirty="0" smtClean="0">
+                <a:solidFill>
+                  <a:schemeClr val="tx1"/>
+                </a:solidFill>
+                <a:effectLst/>
+                <a:latin typeface="Times New Roman" panose="02020603050405020304" pitchFamily="18" charset="0"/>
+                <a:ea typeface="+mn-ea"/>
+                <a:cs typeface="Times New Roman" panose="02020603050405020304" pitchFamily="18" charset="0"/>
+              </a:rPr>
+              <a:t>д</a:t>
+            </a:r>
             <a:r>
               <a:rPr lang="ru-RU" sz="1200" dirty="0" smtClean="0">
                 <a:solidFill>
@@ -1398,30 +1434,7 @@
                 <a:latin typeface="Times New Roman" panose="02020603050405020304" pitchFamily="18" charset="0"/>
                 <a:cs typeface="Times New Roman" panose="02020603050405020304" pitchFamily="18" charset="0"/>
               </a:rPr>
-              <a:t>Доступ к документу осуществляется по его адресу. </a:t>
-            </a:r>
-            <a:endParaRPr lang="en-US" sz="1200" dirty="0" smtClean="0">
-              <a:solidFill>
-                <a:schemeClr val="tx1"/>
-              </a:solidFill>
-              <a:latin typeface="Times New Roman" panose="02020603050405020304" pitchFamily="18" charset="0"/>
-              <a:cs typeface="Times New Roman" panose="02020603050405020304" pitchFamily="18" charset="0"/>
-            </a:endParaRPr>
-          </a:p>
-          <a:p>
-            <a:pPr>
-              <a:buFont typeface="Arial" panose="020B0604020202020204" pitchFamily="34" charset="0"/>
-              <a:buNone/>
-            </a:pPr>
-            <a:r>
-              <a:rPr lang="ru-RU" sz="1200" dirty="0" smtClean="0">
-                <a:solidFill>
-                  <a:schemeClr val="tx1"/>
-                </a:solidFill>
-                <a:latin typeface="Times New Roman" panose="02020603050405020304" pitchFamily="18" charset="0"/>
-                <a:cs typeface="Times New Roman" panose="02020603050405020304" pitchFamily="18" charset="0"/>
-              </a:rPr>
-              <a:t>Такой</a:t>
+              <a:t>оменные имена служат двум основным целям:</a:t>
             </a:r>
             <a:r>
               <a:rPr lang="ru-RU" sz="1200" baseline="0" dirty="0" smtClean="0">
@@ -1431,236 +1444,9 @@
                 <a:latin typeface="Times New Roman" panose="02020603050405020304" pitchFamily="18" charset="0"/>
                 <a:cs typeface="Times New Roman" panose="02020603050405020304" pitchFamily="18" charset="0"/>
               </a:rPr>
-              <a:t> адрес в системе </a:t>
-            </a:r>
-            <a:r>
-              <a:rPr lang="en-US" sz="1200" baseline="0" dirty="0" smtClean="0">
-                <a:solidFill>
-                  <a:schemeClr val="tx1"/>
-                </a:solidFill>
-                <a:latin typeface="Times New Roman" panose="02020603050405020304" pitchFamily="18" charset="0"/>
-                <a:cs typeface="Times New Roman" panose="02020603050405020304" pitchFamily="18" charset="0"/>
-              </a:rPr>
-              <a:t>WWW </a:t>
-            </a:r>
-            <a:r>
-              <a:rPr lang="ru-RU" sz="1200" dirty="0" smtClean="0">
-                <a:solidFill>
-                  <a:schemeClr val="tx1"/>
-                </a:solidFill>
-                <a:latin typeface="Times New Roman" panose="02020603050405020304" pitchFamily="18" charset="0"/>
-                <a:cs typeface="Times New Roman" panose="02020603050405020304" pitchFamily="18" charset="0"/>
-              </a:rPr>
-              <a:t>называется</a:t>
-            </a:r>
-            <a:r>
-              <a:rPr lang="ru-RU" sz="1200" baseline="0" dirty="0" smtClean="0">
-                <a:solidFill>
-                  <a:schemeClr val="tx1"/>
-                </a:solidFill>
-                <a:latin typeface="Times New Roman" panose="02020603050405020304" pitchFamily="18" charset="0"/>
-                <a:cs typeface="Times New Roman" panose="02020603050405020304" pitchFamily="18" charset="0"/>
-              </a:rPr>
-              <a:t> </a:t>
-            </a:r>
-            <a:r>
-              <a:rPr lang="en-US" sz="1200" baseline="0" dirty="0" smtClean="0">
-                <a:solidFill>
-                  <a:schemeClr val="tx1"/>
-                </a:solidFill>
-                <a:latin typeface="Times New Roman" panose="02020603050405020304" pitchFamily="18" charset="0"/>
-                <a:cs typeface="Times New Roman" panose="02020603050405020304" pitchFamily="18" charset="0"/>
-              </a:rPr>
-              <a:t>URL</a:t>
-            </a:r>
-            <a:endParaRPr lang="ru-RU" sz="1200" baseline="0" dirty="0" smtClean="0">
-              <a:solidFill>
-                <a:schemeClr val="tx1"/>
-              </a:solidFill>
-              <a:latin typeface="Times New Roman" panose="02020603050405020304" pitchFamily="18" charset="0"/>
-              <a:cs typeface="Times New Roman" panose="02020603050405020304" pitchFamily="18" charset="0"/>
-            </a:endParaRPr>
-          </a:p>
-          <a:p>
-            <a:pPr>
-              <a:buFont typeface="Arial" panose="020B0604020202020204" pitchFamily="34" charset="0"/>
-              <a:buNone/>
-            </a:pPr>
-            <a:r>
-              <a:rPr lang="ru-RU" sz="1200" baseline="0" dirty="0" smtClean="0">
-                <a:solidFill>
-                  <a:schemeClr val="tx1"/>
-                </a:solidFill>
-                <a:latin typeface="Times New Roman" panose="02020603050405020304" pitchFamily="18" charset="0"/>
-                <a:cs typeface="Times New Roman" panose="02020603050405020304" pitchFamily="18" charset="0"/>
-              </a:rPr>
-              <a:t>Пример на слайде</a:t>
-            </a:r>
-          </a:p>
-          <a:p>
-            <a:pPr>
-              <a:buFont typeface="Arial" panose="020B0604020202020204" pitchFamily="34" charset="0"/>
-              <a:buNone/>
-            </a:pPr>
-            <a:r>
-              <a:rPr lang="ru-RU" sz="1200" baseline="0" dirty="0" smtClean="0">
-                <a:solidFill>
-                  <a:schemeClr val="tx1"/>
-                </a:solidFill>
-                <a:latin typeface="Times New Roman" panose="02020603050405020304" pitchFamily="18" charset="0"/>
-                <a:cs typeface="Times New Roman" panose="02020603050405020304" pitchFamily="18" charset="0"/>
-              </a:rPr>
-              <a:t>Первое с чего начинается </a:t>
-            </a:r>
-            <a:r>
-              <a:rPr lang="en-US" sz="1200" baseline="0" dirty="0" smtClean="0">
-                <a:solidFill>
-                  <a:schemeClr val="tx1"/>
-                </a:solidFill>
-                <a:latin typeface="Times New Roman" panose="02020603050405020304" pitchFamily="18" charset="0"/>
-                <a:cs typeface="Times New Roman" panose="02020603050405020304" pitchFamily="18" charset="0"/>
-              </a:rPr>
-              <a:t>URL</a:t>
-            </a:r>
-            <a:r>
-              <a:rPr lang="ru-RU" sz="1200" baseline="0" dirty="0" smtClean="0">
-                <a:solidFill>
-                  <a:schemeClr val="tx1"/>
-                </a:solidFill>
-                <a:latin typeface="Times New Roman" panose="02020603050405020304" pitchFamily="18" charset="0"/>
-                <a:cs typeface="Times New Roman" panose="02020603050405020304" pitchFamily="18" charset="0"/>
-              </a:rPr>
-              <a:t> это:</a:t>
-            </a:r>
-          </a:p>
-          <a:p>
-            <a:pPr marL="228600" indent="-228600">
-              <a:buFont typeface="Arial" panose="020B0604020202020204" pitchFamily="34" charset="0"/>
-              <a:buAutoNum type="arabicPeriod"/>
-            </a:pPr>
-            <a:r>
-              <a:rPr lang="ru-RU" sz="1200" baseline="0" dirty="0" smtClean="0">
-                <a:solidFill>
-                  <a:schemeClr val="tx1"/>
-                </a:solidFill>
-                <a:latin typeface="Times New Roman" panose="02020603050405020304" pitchFamily="18" charset="0"/>
-                <a:cs typeface="Times New Roman" panose="02020603050405020304" pitchFamily="18" charset="0"/>
-              </a:rPr>
-              <a:t>….</a:t>
-            </a:r>
-          </a:p>
-          <a:p>
-            <a:pPr marL="0" indent="0">
-              <a:buFont typeface="Arial" panose="020B0604020202020204" pitchFamily="34" charset="0"/>
-              <a:buNone/>
-            </a:pPr>
-            <a:r>
-              <a:rPr lang="ru-RU" sz="1200" baseline="0" dirty="0" smtClean="0">
-                <a:solidFill>
-                  <a:schemeClr val="tx1"/>
-                </a:solidFill>
-                <a:latin typeface="Times New Roman" panose="02020603050405020304" pitchFamily="18" charset="0"/>
-                <a:cs typeface="Times New Roman" panose="02020603050405020304" pitchFamily="18" charset="0"/>
-              </a:rPr>
-              <a:t>Протокол – это набор стандартных соглашений, которые определяют обмен между данными. </a:t>
-            </a:r>
-            <a:r>
-              <a:rPr lang="ru-RU" sz="1200" b="0" i="0" kern="1200" dirty="0" smtClean="0">
-                <a:solidFill>
-                  <a:schemeClr val="tx1"/>
-                </a:solidFill>
-                <a:effectLst/>
-                <a:latin typeface="+mn-lt"/>
-                <a:ea typeface="+mn-ea"/>
-                <a:cs typeface="+mn-cs"/>
-              </a:rPr>
-              <a:t>Протокол HTTP используется при пересылке </a:t>
-            </a:r>
-            <a:r>
-              <a:rPr lang="ru-RU" sz="1200" b="0" i="0" kern="1200" dirty="0" err="1" smtClean="0">
-                <a:solidFill>
-                  <a:schemeClr val="tx1"/>
-                </a:solidFill>
-                <a:effectLst/>
-                <a:latin typeface="+mn-lt"/>
-                <a:ea typeface="+mn-ea"/>
-                <a:cs typeface="+mn-cs"/>
-              </a:rPr>
-              <a:t>Web</a:t>
-            </a:r>
-            <a:r>
-              <a:rPr lang="ru-RU" sz="1200" b="0" i="0" kern="1200" dirty="0" smtClean="0">
-                <a:solidFill>
-                  <a:schemeClr val="tx1"/>
-                </a:solidFill>
-                <a:effectLst/>
-                <a:latin typeface="+mn-lt"/>
-                <a:ea typeface="+mn-ea"/>
-                <a:cs typeface="+mn-cs"/>
-              </a:rPr>
-              <a:t>-страниц между компьютерами, подключенными к одной сети</a:t>
-            </a:r>
-          </a:p>
-          <a:p>
-            <a:pPr marL="0" indent="0">
-              <a:buFont typeface="Arial" panose="020B0604020202020204" pitchFamily="34" charset="0"/>
-              <a:buNone/>
-            </a:pPr>
-            <a:r>
-              <a:rPr lang="ru-RU" sz="1200" b="0" i="0" kern="1200" dirty="0" smtClean="0">
-                <a:solidFill>
-                  <a:schemeClr val="tx1"/>
-                </a:solidFill>
-                <a:effectLst/>
-                <a:latin typeface="+mn-lt"/>
-                <a:ea typeface="+mn-ea"/>
-                <a:cs typeface="+mn-cs"/>
-              </a:rPr>
-              <a:t>Что</a:t>
-            </a:r>
-            <a:r>
-              <a:rPr lang="ru-RU" sz="1200" b="0" i="0" kern="1200" baseline="0" dirty="0" smtClean="0">
-                <a:solidFill>
-                  <a:schemeClr val="tx1"/>
-                </a:solidFill>
-                <a:effectLst/>
-                <a:latin typeface="+mn-lt"/>
-                <a:ea typeface="+mn-ea"/>
-                <a:cs typeface="+mn-cs"/>
-              </a:rPr>
-              <a:t> такое порт? Дело в том, что документы по интернету передаются не от машины к машине, на самом деле, а от конкретной программы к конкретной программе (например, веб сервер – на одной стороне, браузер Интернет эксплорер на другой </a:t>
-            </a:r>
-            <a:r>
-              <a:rPr lang="ru-RU" sz="1200" b="0" i="0" kern="1200" baseline="0" dirty="0" err="1" smtClean="0">
-                <a:solidFill>
-                  <a:schemeClr val="tx1"/>
-                </a:solidFill>
-                <a:effectLst/>
-                <a:latin typeface="+mn-lt"/>
-                <a:ea typeface="+mn-ea"/>
-                <a:cs typeface="+mn-cs"/>
-              </a:rPr>
-              <a:t>строне</a:t>
-            </a:r>
-            <a:r>
-              <a:rPr lang="ru-RU" sz="1200" b="0" i="0" kern="1200" baseline="0" dirty="0" smtClean="0">
-                <a:solidFill>
-                  <a:schemeClr val="tx1"/>
-                </a:solidFill>
-                <a:effectLst/>
-                <a:latin typeface="+mn-lt"/>
-                <a:ea typeface="+mn-ea"/>
-                <a:cs typeface="+mn-cs"/>
-              </a:rPr>
-              <a:t>). Но на компьютере очень много разных программ, которые имеют доступ к интернету и слушают его в ожидании запросов. Поэтому нужен для каждой такой программы особый канал, особый адрес, где она прослушивает интернет в ожидании запроса. С конкретной программой связан конкретный порт ( не более 65535 портов). Таким образом данные будут попадать к конкретной программе, а не к любой.</a:t>
-            </a:r>
-            <a:endParaRPr lang="ru-RU" sz="1200" dirty="0" smtClean="0">
-              <a:solidFill>
-                <a:schemeClr val="tx1"/>
-              </a:solidFill>
-              <a:latin typeface="Times New Roman" panose="02020603050405020304" pitchFamily="18" charset="0"/>
-              <a:cs typeface="Times New Roman" panose="02020603050405020304" pitchFamily="18" charset="0"/>
-            </a:endParaRPr>
+              <a:t> …</a:t>
+            </a:r>
+            <a:endParaRPr lang="ru-RU" dirty="0"/>
           </a:p>
         </p:txBody>
       </p:sp>
@@ -1688,6 +1474,370 @@
                 <a:defRPr/>
               </a:pPr>
               <a:t>13</a:t>
+            </a:fld>
+            <a:endParaRPr lang="ru-RU"/>
+          </a:p>
+        </p:txBody>
+      </p:sp>
+    </p:spTree>
+    <p:extLst>
+      <p:ext uri="{BB962C8B-B14F-4D97-AF65-F5344CB8AC3E}">
+        <p14:creationId xmlns:p14="http://schemas.microsoft.com/office/powerpoint/2010/main" val="1364011116"/>
+      </p:ext>
+    </p:extLst>
+  </p:cSld>
+  <p:clrMapOvr>
+    <a:masterClrMapping/>
+  </p:clrMapOvr>
+</p:notes>
+</file>
+
+<file path=ppt/notesSlides/notesSlide14.xml><?xml version="1.0" encoding="utf-8"?>
+<p:notes xmlns:a="http://schemas.openxmlformats.org/drawingml/2006/main" xmlns:r="http://schemas.openxmlformats.org/officeDocument/2006/relationships" xmlns:p="http://schemas.openxmlformats.org/presentationml/2006/main">
+  <p:cSld>
+    <p:spTree>
+      <p:nvGrpSpPr>
+        <p:cNvPr id="1" name=""/>
+        <p:cNvGrpSpPr/>
+        <p:nvPr/>
+      </p:nvGrpSpPr>
+      <p:grpSpPr>
+        <a:xfrm>
+          <a:off x="0" y="0"/>
+          <a:ext cx="0" cy="0"/>
+          <a:chOff x="0" y="0"/>
+          <a:chExt cx="0" cy="0"/>
+        </a:xfrm>
+      </p:grpSpPr>
+      <p:sp>
+        <p:nvSpPr>
+          <p:cNvPr id="2" name="Образ слайда 1"/>
+          <p:cNvSpPr>
+            <a:spLocks noGrp="1" noRot="1" noChangeAspect="1"/>
+          </p:cNvSpPr>
+          <p:nvPr>
+            <p:ph type="sldImg"/>
+          </p:nvPr>
+        </p:nvSpPr>
+        <p:spPr/>
+      </p:sp>
+      <p:sp>
+        <p:nvSpPr>
+          <p:cNvPr id="3" name="Заметки 2"/>
+          <p:cNvSpPr>
+            <a:spLocks noGrp="1"/>
+          </p:cNvSpPr>
+          <p:nvPr>
+            <p:ph type="body" idx="1"/>
+          </p:nvPr>
+        </p:nvSpPr>
+        <p:spPr/>
+        <p:txBody>
+          <a:bodyPr/>
+          <a:lstStyle/>
+          <a:p>
+            <a:pPr>
+              <a:buFont typeface="Arial" panose="020B0604020202020204" pitchFamily="34" charset="0"/>
+              <a:buNone/>
+            </a:pPr>
+            <a:r>
+              <a:rPr lang="ru-RU" sz="1200" dirty="0" smtClean="0">
+                <a:solidFill>
+                  <a:schemeClr val="tx1"/>
+                </a:solidFill>
+                <a:latin typeface="Times New Roman" panose="02020603050405020304" pitchFamily="18" charset="0"/>
+                <a:cs typeface="Times New Roman" panose="02020603050405020304" pitchFamily="18" charset="0"/>
+              </a:rPr>
+              <a:t>Доступ к документу осуществляется по его адресу. </a:t>
+            </a:r>
+            <a:endParaRPr lang="en-US" sz="1200" dirty="0" smtClean="0">
+              <a:solidFill>
+                <a:schemeClr val="tx1"/>
+              </a:solidFill>
+              <a:latin typeface="Times New Roman" panose="02020603050405020304" pitchFamily="18" charset="0"/>
+              <a:cs typeface="Times New Roman" panose="02020603050405020304" pitchFamily="18" charset="0"/>
+            </a:endParaRPr>
+          </a:p>
+          <a:p>
+            <a:pPr>
+              <a:buFont typeface="Arial" panose="020B0604020202020204" pitchFamily="34" charset="0"/>
+              <a:buNone/>
+            </a:pPr>
+            <a:r>
+              <a:rPr lang="ru-RU" sz="1200" dirty="0" smtClean="0">
+                <a:solidFill>
+                  <a:schemeClr val="tx1"/>
+                </a:solidFill>
+                <a:latin typeface="Times New Roman" panose="02020603050405020304" pitchFamily="18" charset="0"/>
+                <a:cs typeface="Times New Roman" panose="02020603050405020304" pitchFamily="18" charset="0"/>
+              </a:rPr>
+              <a:t>Такой</a:t>
+            </a:r>
+            <a:r>
+              <a:rPr lang="ru-RU" sz="1200" baseline="0" dirty="0" smtClean="0">
+                <a:solidFill>
+                  <a:schemeClr val="tx1"/>
+                </a:solidFill>
+                <a:latin typeface="Times New Roman" panose="02020603050405020304" pitchFamily="18" charset="0"/>
+                <a:cs typeface="Times New Roman" panose="02020603050405020304" pitchFamily="18" charset="0"/>
+              </a:rPr>
+              <a:t> адрес в системе </a:t>
+            </a:r>
+            <a:r>
+              <a:rPr lang="en-US" sz="1200" baseline="0" dirty="0" smtClean="0">
+                <a:solidFill>
+                  <a:schemeClr val="tx1"/>
+                </a:solidFill>
+                <a:latin typeface="Times New Roman" panose="02020603050405020304" pitchFamily="18" charset="0"/>
+                <a:cs typeface="Times New Roman" panose="02020603050405020304" pitchFamily="18" charset="0"/>
+              </a:rPr>
+              <a:t>WWW </a:t>
+            </a:r>
+            <a:r>
+              <a:rPr lang="ru-RU" sz="1200" dirty="0" smtClean="0">
+                <a:solidFill>
+                  <a:schemeClr val="tx1"/>
+                </a:solidFill>
+                <a:latin typeface="Times New Roman" panose="02020603050405020304" pitchFamily="18" charset="0"/>
+                <a:cs typeface="Times New Roman" panose="02020603050405020304" pitchFamily="18" charset="0"/>
+              </a:rPr>
+              <a:t>называется</a:t>
+            </a:r>
+            <a:r>
+              <a:rPr lang="ru-RU" sz="1200" baseline="0" dirty="0" smtClean="0">
+                <a:solidFill>
+                  <a:schemeClr val="tx1"/>
+                </a:solidFill>
+                <a:latin typeface="Times New Roman" panose="02020603050405020304" pitchFamily="18" charset="0"/>
+                <a:cs typeface="Times New Roman" panose="02020603050405020304" pitchFamily="18" charset="0"/>
+              </a:rPr>
+              <a:t> </a:t>
+            </a:r>
+            <a:r>
+              <a:rPr lang="en-US" sz="1200" baseline="0" dirty="0" smtClean="0">
+                <a:solidFill>
+                  <a:schemeClr val="tx1"/>
+                </a:solidFill>
+                <a:latin typeface="Times New Roman" panose="02020603050405020304" pitchFamily="18" charset="0"/>
+                <a:cs typeface="Times New Roman" panose="02020603050405020304" pitchFamily="18" charset="0"/>
+              </a:rPr>
+              <a:t>URL</a:t>
+            </a:r>
+            <a:endParaRPr lang="ru-RU" sz="1200" baseline="0" dirty="0" smtClean="0">
+              <a:solidFill>
+                <a:schemeClr val="tx1"/>
+              </a:solidFill>
+              <a:latin typeface="Times New Roman" panose="02020603050405020304" pitchFamily="18" charset="0"/>
+              <a:cs typeface="Times New Roman" panose="02020603050405020304" pitchFamily="18" charset="0"/>
+            </a:endParaRPr>
+          </a:p>
+          <a:p>
+            <a:pPr>
+              <a:buFont typeface="Arial" panose="020B0604020202020204" pitchFamily="34" charset="0"/>
+              <a:buNone/>
+            </a:pPr>
+            <a:r>
+              <a:rPr lang="ru-RU" sz="1200" baseline="0" dirty="0" smtClean="0">
+                <a:solidFill>
+                  <a:schemeClr val="tx1"/>
+                </a:solidFill>
+                <a:latin typeface="Times New Roman" panose="02020603050405020304" pitchFamily="18" charset="0"/>
+                <a:cs typeface="Times New Roman" panose="02020603050405020304" pitchFamily="18" charset="0"/>
+              </a:rPr>
+              <a:t>Пример на слайде</a:t>
+            </a:r>
+          </a:p>
+          <a:p>
+            <a:pPr>
+              <a:buFont typeface="Arial" panose="020B0604020202020204" pitchFamily="34" charset="0"/>
+              <a:buNone/>
+            </a:pPr>
+            <a:r>
+              <a:rPr lang="ru-RU" sz="1200" baseline="0" dirty="0" smtClean="0">
+                <a:solidFill>
+                  <a:schemeClr val="tx1"/>
+                </a:solidFill>
+                <a:latin typeface="Times New Roman" panose="02020603050405020304" pitchFamily="18" charset="0"/>
+                <a:cs typeface="Times New Roman" panose="02020603050405020304" pitchFamily="18" charset="0"/>
+              </a:rPr>
+              <a:t>Первое с чего начинается </a:t>
+            </a:r>
+            <a:r>
+              <a:rPr lang="en-US" sz="1200" baseline="0" dirty="0" smtClean="0">
+                <a:solidFill>
+                  <a:schemeClr val="tx1"/>
+                </a:solidFill>
+                <a:latin typeface="Times New Roman" panose="02020603050405020304" pitchFamily="18" charset="0"/>
+                <a:cs typeface="Times New Roman" panose="02020603050405020304" pitchFamily="18" charset="0"/>
+              </a:rPr>
+              <a:t>URL</a:t>
+            </a:r>
+            <a:r>
+              <a:rPr lang="ru-RU" sz="1200" baseline="0" dirty="0" smtClean="0">
+                <a:solidFill>
+                  <a:schemeClr val="tx1"/>
+                </a:solidFill>
+                <a:latin typeface="Times New Roman" panose="02020603050405020304" pitchFamily="18" charset="0"/>
+                <a:cs typeface="Times New Roman" panose="02020603050405020304" pitchFamily="18" charset="0"/>
+              </a:rPr>
+              <a:t> это:</a:t>
+            </a:r>
+          </a:p>
+          <a:p>
+            <a:pPr marL="228600" indent="-228600">
+              <a:buFont typeface="Arial" panose="020B0604020202020204" pitchFamily="34" charset="0"/>
+              <a:buAutoNum type="arabicPeriod"/>
+            </a:pPr>
+            <a:r>
+              <a:rPr lang="ru-RU" sz="1200" baseline="0" dirty="0" smtClean="0">
+                <a:solidFill>
+                  <a:schemeClr val="tx1"/>
+                </a:solidFill>
+                <a:latin typeface="Times New Roman" panose="02020603050405020304" pitchFamily="18" charset="0"/>
+                <a:cs typeface="Times New Roman" panose="02020603050405020304" pitchFamily="18" charset="0"/>
+              </a:rPr>
+              <a:t>….</a:t>
+            </a:r>
+          </a:p>
+          <a:p>
+            <a:pPr marL="0" indent="0">
+              <a:buFont typeface="Arial" panose="020B0604020202020204" pitchFamily="34" charset="0"/>
+              <a:buNone/>
+            </a:pPr>
+            <a:r>
+              <a:rPr lang="ru-RU" sz="1200" baseline="0" dirty="0" smtClean="0">
+                <a:solidFill>
+                  <a:schemeClr val="tx1"/>
+                </a:solidFill>
+                <a:latin typeface="Times New Roman" panose="02020603050405020304" pitchFamily="18" charset="0"/>
+                <a:cs typeface="Times New Roman" panose="02020603050405020304" pitchFamily="18" charset="0"/>
+              </a:rPr>
+              <a:t>Протокол – это набор стандартных соглашений, которые определяют обмен между данными. </a:t>
+            </a:r>
+            <a:r>
+              <a:rPr lang="ru-RU" sz="1200" b="0" i="0" kern="1200" dirty="0" smtClean="0">
+                <a:solidFill>
+                  <a:schemeClr val="tx1"/>
+                </a:solidFill>
+                <a:effectLst/>
+                <a:latin typeface="+mn-lt"/>
+                <a:ea typeface="+mn-ea"/>
+                <a:cs typeface="+mn-cs"/>
+              </a:rPr>
+              <a:t>Протокол HTTP используется при пересылке </a:t>
+            </a:r>
+            <a:r>
+              <a:rPr lang="ru-RU" sz="1200" b="0" i="0" kern="1200" dirty="0" err="1" smtClean="0">
+                <a:solidFill>
+                  <a:schemeClr val="tx1"/>
+                </a:solidFill>
+                <a:effectLst/>
+                <a:latin typeface="+mn-lt"/>
+                <a:ea typeface="+mn-ea"/>
+                <a:cs typeface="+mn-cs"/>
+              </a:rPr>
+              <a:t>Web</a:t>
+            </a:r>
+            <a:r>
+              <a:rPr lang="ru-RU" sz="1200" b="0" i="0" kern="1200" dirty="0" smtClean="0">
+                <a:solidFill>
+                  <a:schemeClr val="tx1"/>
+                </a:solidFill>
+                <a:effectLst/>
+                <a:latin typeface="+mn-lt"/>
+                <a:ea typeface="+mn-ea"/>
+                <a:cs typeface="+mn-cs"/>
+              </a:rPr>
+              <a:t>-страниц между компьютерами, подключенными к одной сети</a:t>
+            </a:r>
+          </a:p>
+          <a:p>
+            <a:pPr marL="0" indent="0">
+              <a:buFont typeface="Arial" panose="020B0604020202020204" pitchFamily="34" charset="0"/>
+              <a:buNone/>
+            </a:pPr>
+            <a:r>
+              <a:rPr lang="ru-RU" sz="1200" b="0" i="0" kern="1200" dirty="0" smtClean="0">
+                <a:solidFill>
+                  <a:schemeClr val="tx1"/>
+                </a:solidFill>
+                <a:effectLst/>
+                <a:latin typeface="+mn-lt"/>
+                <a:ea typeface="+mn-ea"/>
+                <a:cs typeface="+mn-cs"/>
+              </a:rPr>
+              <a:t>Что</a:t>
+            </a:r>
+            <a:r>
+              <a:rPr lang="ru-RU" sz="1200" b="0" i="0" kern="1200" baseline="0" dirty="0" smtClean="0">
+                <a:solidFill>
+                  <a:schemeClr val="tx1"/>
+                </a:solidFill>
+                <a:effectLst/>
+                <a:latin typeface="+mn-lt"/>
+                <a:ea typeface="+mn-ea"/>
+                <a:cs typeface="+mn-cs"/>
+              </a:rPr>
+              <a:t> такое порт? Дело в том, что документы по интернету передаются не от машины к машине, на самом деле, а от конкретной программы к конкретной программе (например, веб сервер – на одной стороне, браузер Интернет эксплорер на другой </a:t>
+            </a:r>
+            <a:r>
+              <a:rPr lang="ru-RU" sz="1200" b="0" i="0" kern="1200" baseline="0" dirty="0" err="1" smtClean="0">
+                <a:solidFill>
+                  <a:schemeClr val="tx1"/>
+                </a:solidFill>
+                <a:effectLst/>
+                <a:latin typeface="+mn-lt"/>
+                <a:ea typeface="+mn-ea"/>
+                <a:cs typeface="+mn-cs"/>
+              </a:rPr>
+              <a:t>строне</a:t>
+            </a:r>
+            <a:r>
+              <a:rPr lang="ru-RU" sz="1200" b="0" i="0" kern="1200" baseline="0" dirty="0" smtClean="0">
+                <a:solidFill>
+                  <a:schemeClr val="tx1"/>
+                </a:solidFill>
+                <a:effectLst/>
+                <a:latin typeface="+mn-lt"/>
+                <a:ea typeface="+mn-ea"/>
+                <a:cs typeface="+mn-cs"/>
+              </a:rPr>
+              <a:t>). Но на компьютере очень много разных программ, которые имеют доступ к интернету и слушают его в ожидании запросов. Поэтому нужен для каждой такой программы особый канал, особый адрес, где она прослушивает интернет в ожидании запроса. С конкретной программой связан конкретный порт ( не более 65535 портов). Таким образом данные будут попадать к конкретной программе, а не к любой.</a:t>
+            </a:r>
+            <a:endParaRPr lang="ru-RU" sz="1200" dirty="0" smtClean="0">
+              <a:solidFill>
+                <a:schemeClr val="tx1"/>
+              </a:solidFill>
+              <a:latin typeface="Times New Roman" panose="02020603050405020304" pitchFamily="18" charset="0"/>
+              <a:cs typeface="Times New Roman" panose="02020603050405020304" pitchFamily="18" charset="0"/>
+            </a:endParaRPr>
+          </a:p>
+        </p:txBody>
+      </p:sp>
+      <p:sp>
+        <p:nvSpPr>
+          <p:cNvPr id="4" name="Номер слайда 3"/>
+          <p:cNvSpPr>
+            <a:spLocks noGrp="1"/>
+          </p:cNvSpPr>
+          <p:nvPr>
+            <p:ph type="sldNum" sz="quarter" idx="10"/>
+          </p:nvPr>
+        </p:nvSpPr>
+        <p:spPr/>
+        <p:txBody>
+          <a:bodyPr/>
+          <a:lstStyle/>
+          <a:p>
+            <a:pPr>
+              <a:defRPr/>
+            </a:pPr>
+            <a:fld id="{DB2C8497-7A30-49CA-AF05-93FA02A474A9}" type="slidenum">
+              <a:rPr lang="ru-RU" smtClean="0"/>
+              <a:pPr>
+                <a:defRPr/>
+              </a:pPr>
+              <a:t>14</a:t>
             </a:fld>
             <a:endParaRPr lang="ru-RU"/>
           </a:p>
@@ -1965,7 +2115,7 @@
     </p:spTree>
     <p:extLst>
       <p:ext uri="{BB962C8B-B14F-4D97-AF65-F5344CB8AC3E}">
-        <p14:creationId xmlns:p14="http://schemas.microsoft.com/office/powerpoint/2010/main" val="1851659095"/>
+        <p14:creationId xmlns:p14="http://schemas.microsoft.com/office/powerpoint/2010/main" val="772404358"/>
       </p:ext>
     </p:extLst>
   </p:cSld>
@@ -2027,18 +2177,10 @@
                 <a:latin typeface="Times New Roman" panose="02020603050405020304" pitchFamily="18" charset="0"/>
                 <a:cs typeface="Times New Roman" panose="02020603050405020304" pitchFamily="18" charset="0"/>
               </a:rPr>
-              <a:t>Что же такое </a:t>
-            </a:r>
-            <a:r>
-              <a:rPr lang="en-US" sz="1200" dirty="0" smtClean="0">
-                <a:solidFill>
-                  <a:schemeClr val="tx1"/>
-                </a:solidFill>
-                <a:latin typeface="Times New Roman" panose="02020603050405020304" pitchFamily="18" charset="0"/>
-                <a:cs typeface="Times New Roman" panose="02020603050405020304" pitchFamily="18" charset="0"/>
-              </a:rPr>
-              <a:t>WWW</a:t>
-            </a:r>
+              <a:t>Интернет – это глобальная сеть передачи данных.</a:t>
+            </a:r>
+          </a:p>
+          <a:p>
             <a:r>
               <a:rPr lang="ru-RU" sz="1200" dirty="0" smtClean="0">
                 <a:solidFill>
@@ -2047,7 +2189,7 @@
                 <a:latin typeface="Times New Roman" panose="02020603050405020304" pitchFamily="18" charset="0"/>
                 <a:cs typeface="Times New Roman" panose="02020603050405020304" pitchFamily="18" charset="0"/>
               </a:rPr>
-              <a:t>?</a:t>
+              <a:t>Образовался он, как объединение разнородных локальных сетей. </a:t>
             </a:r>
           </a:p>
           <a:p>
@@ -2059,10 +2201,18 @@
                 <a:latin typeface="Times New Roman" panose="02020603050405020304" pitchFamily="18" charset="0"/>
                 <a:cs typeface="Times New Roman" panose="02020603050405020304" pitchFamily="18" charset="0"/>
               </a:rPr>
-              <a:t>Это один из частных случаев применения сети интернет. </a:t>
-            </a:r>
-          </a:p>
-          <a:p>
+              <a:t>Что такое локальная сеть? Это,</a:t>
+            </a:r>
+            <a:r>
+              <a:rPr lang="ru-RU" sz="1200" baseline="0" dirty="0" smtClean="0">
+                <a:solidFill>
+                  <a:schemeClr val="tx1"/>
+                </a:solidFill>
+                <a:latin typeface="Times New Roman" panose="02020603050405020304" pitchFamily="18" charset="0"/>
+                <a:cs typeface="Times New Roman" panose="02020603050405020304" pitchFamily="18" charset="0"/>
+              </a:rPr>
+              <a:t> г</a:t>
+            </a:r>
             <a:r>
               <a:rPr lang="ru-RU" sz="1200" dirty="0" smtClean="0">
                 <a:solidFill>
@@ -2071,8 +2221,20 @@
                 <a:latin typeface="Times New Roman" panose="02020603050405020304" pitchFamily="18" charset="0"/>
                 <a:cs typeface="Times New Roman" panose="02020603050405020304" pitchFamily="18" charset="0"/>
               </a:rPr>
-              <a:t>Это </a:t>
-            </a:r>
+              <a:t>рубо</a:t>
+            </a:r>
+            <a:r>
+              <a:rPr lang="ru-RU" sz="1200" baseline="0" dirty="0" smtClean="0">
+                <a:solidFill>
+                  <a:schemeClr val="tx1"/>
+                </a:solidFill>
+                <a:latin typeface="Times New Roman" panose="02020603050405020304" pitchFamily="18" charset="0"/>
+                <a:cs typeface="Times New Roman" panose="02020603050405020304" pitchFamily="18" charset="0"/>
+              </a:rPr>
+              <a:t> говоря, взяли несколько компьютеров физически находящихся рядом: компьютеры в одном офисе, доме, школе или классе, объединили их с помощью каких-то каналов связи в единую систему – вот и получилась локальная сеть.</a:t>
+            </a:r>
+          </a:p>
+          <a:p>
             <a:r>
               <a:rPr lang="ru-RU" sz="1200" dirty="0" smtClean="0">
                 <a:solidFill>
@@ -2081,7 +2243,17 @@
                 <a:latin typeface="Times New Roman" panose="02020603050405020304" pitchFamily="18" charset="0"/>
                 <a:cs typeface="Times New Roman" panose="02020603050405020304" pitchFamily="18" charset="0"/>
               </a:rPr>
-              <a:t>сеть которая работает, условно, поверх </a:t>
+              <a:t>Таким образом,</a:t>
+            </a:r>
+            <a:r>
+              <a:rPr lang="ru-RU" sz="1200" baseline="0" dirty="0" smtClean="0">
+                <a:solidFill>
+                  <a:schemeClr val="tx1"/>
+                </a:solidFill>
+                <a:latin typeface="Times New Roman" panose="02020603050405020304" pitchFamily="18" charset="0"/>
+                <a:cs typeface="Times New Roman" panose="02020603050405020304" pitchFamily="18" charset="0"/>
+              </a:rPr>
+              <a:t> были локальные сети разных научных</a:t>
             </a:r>
             <a:r>
               <a:rPr lang="ru-RU" sz="1200" dirty="0" smtClean="0">
@@ -2091,7 +2263,17 @@
                 <a:latin typeface="Times New Roman" panose="02020603050405020304" pitchFamily="18" charset="0"/>
                 <a:cs typeface="Times New Roman" panose="02020603050405020304" pitchFamily="18" charset="0"/>
               </a:rPr>
-              <a:t>интернета и она </a:t>
+              <a:t> институтов, каких-то местных провайдеров, они объединялись, объединялись, пока постепенно и не возникла глобальная сеть, которая</a:t>
+            </a:r>
+            <a:r>
+              <a:rPr lang="ru-RU" sz="1200" baseline="0" dirty="0" smtClean="0">
+                <a:solidFill>
+                  <a:schemeClr val="tx1"/>
+                </a:solidFill>
+                <a:latin typeface="Times New Roman" panose="02020603050405020304" pitchFamily="18" charset="0"/>
+                <a:cs typeface="Times New Roman" panose="02020603050405020304" pitchFamily="18" charset="0"/>
+              </a:rPr>
+              <a:t> и называется</a:t>
             </a:r>
             <a:r>
               <a:rPr lang="ru-RU" sz="1200" dirty="0" smtClean="0">
@@ -2101,8 +2283,10 @@
                 <a:latin typeface="Times New Roman" panose="02020603050405020304" pitchFamily="18" charset="0"/>
                 <a:cs typeface="Times New Roman" panose="02020603050405020304" pitchFamily="18" charset="0"/>
               </a:rPr>
-              <a:t>состоит из документов. </a:t>
-            </a:r>
+              <a:t> Интернет.</a:t>
+            </a:r>
+          </a:p>
+          <a:p>
             <a:r>
               <a:rPr lang="ru-RU" sz="1200" dirty="0" smtClean="0">
                 <a:solidFill>
@@ -2111,28 +2295,17 @@
                 <a:latin typeface="Times New Roman" panose="02020603050405020304" pitchFamily="18" charset="0"/>
                 <a:cs typeface="Times New Roman" panose="02020603050405020304" pitchFamily="18" charset="0"/>
               </a:rPr>
-              <a:t>Причем документы, связаны друг с другом по средством ссылок, которые называются гиперссылками.</a:t>
-            </a:r>
-          </a:p>
-          <a:p>
-            <a:endParaRPr lang="ru-RU" sz="1200" dirty="0" smtClean="0">
-              <a:solidFill>
-                <a:schemeClr val="tx1"/>
-              </a:solidFill>
-              <a:latin typeface="Times New Roman" panose="02020603050405020304" pitchFamily="18" charset="0"/>
-              <a:cs typeface="Times New Roman" panose="02020603050405020304" pitchFamily="18" charset="0"/>
-            </a:endParaRPr>
-          </a:p>
-          <a:p>
-            <a:r>
-              <a:rPr lang="en-US" sz="1200" dirty="0" smtClean="0">
-                <a:solidFill>
-                  <a:schemeClr val="tx1"/>
-                </a:solidFill>
-                <a:latin typeface="Times New Roman" panose="02020603050405020304" pitchFamily="18" charset="0"/>
-                <a:cs typeface="Times New Roman" panose="02020603050405020304" pitchFamily="18" charset="0"/>
-              </a:rPr>
-              <a:t>WWW</a:t>
+              <a:t>Интернет</a:t>
+            </a:r>
+            <a:r>
+              <a:rPr lang="ru-RU" sz="1200" baseline="0" dirty="0" smtClean="0">
+                <a:solidFill>
+                  <a:schemeClr val="tx1"/>
+                </a:solidFill>
+                <a:latin typeface="Times New Roman" panose="02020603050405020304" pitchFamily="18" charset="0"/>
+                <a:cs typeface="Times New Roman" panose="02020603050405020304" pitchFamily="18" charset="0"/>
+              </a:rPr>
+              <a:t> п</a:t>
             </a:r>
             <a:r>
               <a:rPr lang="ru-RU" sz="1200" dirty="0" smtClean="0">
@@ -2142,8 +2315,10 @@
                 <a:latin typeface="Times New Roman" panose="02020603050405020304" pitchFamily="18" charset="0"/>
                 <a:cs typeface="Times New Roman" panose="02020603050405020304" pitchFamily="18" charset="0"/>
               </a:rPr>
-              <a:t> </a:t>
-            </a:r>
+              <a:t>озволяет передавать любые виды данных, будь то видеосигнал, файл, отдельные байты, между произвольными двумя машинами, подключенными к сети интернет. </a:t>
+            </a:r>
+          </a:p>
+          <a:p>
             <a:r>
               <a:rPr lang="ru-RU" sz="1200" dirty="0" smtClean="0">
                 <a:solidFill>
@@ -2152,10 +2327,18 @@
                 <a:latin typeface="Times New Roman" panose="02020603050405020304" pitchFamily="18" charset="0"/>
                 <a:cs typeface="Times New Roman" panose="02020603050405020304" pitchFamily="18" charset="0"/>
               </a:rPr>
-              <a:t>– это множество взаимосвязанных документов, которые находятся на различных компьютерах в сети Интернет. </a:t>
-            </a:r>
-          </a:p>
-          <a:p>
+              <a:t>Интернет – по</a:t>
+            </a:r>
+            <a:r>
+              <a:rPr lang="ru-RU" sz="1200" baseline="0" dirty="0" smtClean="0">
+                <a:solidFill>
+                  <a:schemeClr val="tx1"/>
+                </a:solidFill>
+                <a:latin typeface="Times New Roman" panose="02020603050405020304" pitchFamily="18" charset="0"/>
+                <a:cs typeface="Times New Roman" panose="02020603050405020304" pitchFamily="18" charset="0"/>
+              </a:rPr>
+              <a:t> сути, это</a:t>
+            </a:r>
             <a:r>
               <a:rPr lang="ru-RU" sz="1200" dirty="0" smtClean="0">
                 <a:solidFill>
@@ -2164,170 +2347,7 @@
                 <a:latin typeface="Times New Roman" panose="02020603050405020304" pitchFamily="18" charset="0"/>
                 <a:cs typeface="Times New Roman" panose="02020603050405020304" pitchFamily="18" charset="0"/>
               </a:rPr>
-              <a:t>Что значит взаимосвязанных – это значит что документы ссылаются друг на </a:t>
-            </a:r>
-            <a:r>
-              <a:rPr lang="ru-RU" sz="1200" dirty="0" smtClean="0">
-                <a:solidFill>
-                  <a:schemeClr val="tx1"/>
-                </a:solidFill>
-                <a:latin typeface="Times New Roman" panose="02020603050405020304" pitchFamily="18" charset="0"/>
-                <a:cs typeface="Times New Roman" panose="02020603050405020304" pitchFamily="18" charset="0"/>
-              </a:rPr>
-              <a:t>друга.</a:t>
-            </a:r>
-          </a:p>
-          <a:p>
-            <a:r>
-              <a:rPr lang="ru-RU" sz="1200" dirty="0" smtClean="0">
-                <a:solidFill>
-                  <a:schemeClr val="tx1"/>
-                </a:solidFill>
-                <a:latin typeface="Times New Roman" panose="02020603050405020304" pitchFamily="18" charset="0"/>
-                <a:cs typeface="Times New Roman" panose="02020603050405020304" pitchFamily="18" charset="0"/>
-              </a:rPr>
-              <a:t>Есть </a:t>
-            </a:r>
-            <a:r>
-              <a:rPr lang="ru-RU" sz="1200" dirty="0" smtClean="0">
-                <a:solidFill>
-                  <a:schemeClr val="tx1"/>
-                </a:solidFill>
-                <a:latin typeface="Times New Roman" panose="02020603050405020304" pitchFamily="18" charset="0"/>
-                <a:cs typeface="Times New Roman" panose="02020603050405020304" pitchFamily="18" charset="0"/>
-              </a:rPr>
-              <a:t>разные документы, они лежат на разных сайтах и ссылаются друг на друга посредством </a:t>
-            </a:r>
-            <a:r>
-              <a:rPr lang="ru-RU" sz="1200" dirty="0" smtClean="0">
-                <a:solidFill>
-                  <a:schemeClr val="tx1"/>
-                </a:solidFill>
-                <a:latin typeface="Times New Roman" panose="02020603050405020304" pitchFamily="18" charset="0"/>
-                <a:cs typeface="Times New Roman" panose="02020603050405020304" pitchFamily="18" charset="0"/>
-                <a:hlinkClick r:id="rId3"/>
-              </a:rPr>
-              <a:t>гиперссылок</a:t>
-            </a:r>
-            <a:r>
-              <a:rPr lang="ru-RU" sz="1200" dirty="0" smtClean="0">
-                <a:solidFill>
-                  <a:schemeClr val="tx1"/>
-                </a:solidFill>
-                <a:latin typeface="Times New Roman" panose="02020603050405020304" pitchFamily="18" charset="0"/>
-                <a:cs typeface="Times New Roman" panose="02020603050405020304" pitchFamily="18" charset="0"/>
-              </a:rPr>
-              <a:t>.</a:t>
-            </a:r>
-          </a:p>
-          <a:p>
-            <a:endParaRPr lang="ru-RU" sz="1200" dirty="0" smtClean="0">
-              <a:solidFill>
-                <a:schemeClr val="tx1"/>
-              </a:solidFill>
-              <a:latin typeface="Times New Roman" panose="02020603050405020304" pitchFamily="18" charset="0"/>
-              <a:cs typeface="Times New Roman" panose="02020603050405020304" pitchFamily="18" charset="0"/>
-            </a:endParaRPr>
-          </a:p>
-          <a:p>
-            <a:r>
-              <a:rPr lang="ru-RU" sz="1200" dirty="0" smtClean="0">
-                <a:solidFill>
-                  <a:schemeClr val="tx1"/>
-                </a:solidFill>
-                <a:latin typeface="Times New Roman" panose="02020603050405020304" pitchFamily="18" charset="0"/>
-                <a:cs typeface="Times New Roman" panose="02020603050405020304" pitchFamily="18" charset="0"/>
-              </a:rPr>
-              <a:t> *Щелкнуть по ссылке пройти на вики* </a:t>
-            </a:r>
-          </a:p>
-          <a:p>
-            <a:r>
-              <a:rPr lang="ru-RU" sz="1200" dirty="0" smtClean="0">
-                <a:solidFill>
-                  <a:schemeClr val="tx1"/>
-                </a:solidFill>
-                <a:latin typeface="Times New Roman" panose="02020603050405020304" pitchFamily="18" charset="0"/>
-                <a:cs typeface="Times New Roman" panose="02020603050405020304" pitchFamily="18" charset="0"/>
-              </a:rPr>
-              <a:t>Ссылки могут ссылаться как на документы лежащие на одном сайте </a:t>
-            </a:r>
-          </a:p>
-          <a:p>
-            <a:r>
-              <a:rPr lang="ru-RU" sz="1200" dirty="0" smtClean="0">
-                <a:solidFill>
-                  <a:schemeClr val="tx1"/>
-                </a:solidFill>
-                <a:latin typeface="Times New Roman" panose="02020603050405020304" pitchFamily="18" charset="0"/>
-                <a:cs typeface="Times New Roman" panose="02020603050405020304" pitchFamily="18" charset="0"/>
-              </a:rPr>
-              <a:t>*На страничке есть статья про </a:t>
-            </a:r>
-            <a:r>
-              <a:rPr lang="ru-RU" sz="1200" dirty="0" err="1" smtClean="0">
-                <a:solidFill>
-                  <a:schemeClr val="tx1"/>
-                </a:solidFill>
-                <a:latin typeface="Times New Roman" panose="02020603050405020304" pitchFamily="18" charset="0"/>
-                <a:cs typeface="Times New Roman" panose="02020603050405020304" pitchFamily="18" charset="0"/>
-              </a:rPr>
-              <a:t>троллинг</a:t>
-            </a:r>
-            <a:r>
-              <a:rPr lang="ru-RU" sz="1200" dirty="0" smtClean="0">
-                <a:solidFill>
-                  <a:schemeClr val="tx1"/>
-                </a:solidFill>
-                <a:latin typeface="Times New Roman" panose="02020603050405020304" pitchFamily="18" charset="0"/>
-                <a:cs typeface="Times New Roman" panose="02020603050405020304" pitchFamily="18" charset="0"/>
-              </a:rPr>
-              <a:t>*,</a:t>
-            </a:r>
-          </a:p>
-          <a:p>
-            <a:r>
-              <a:rPr lang="ru-RU" sz="1200" dirty="0" smtClean="0">
-                <a:solidFill>
-                  <a:schemeClr val="tx1"/>
-                </a:solidFill>
-                <a:latin typeface="Times New Roman" panose="02020603050405020304" pitchFamily="18" charset="0"/>
-                <a:cs typeface="Times New Roman" panose="02020603050405020304" pitchFamily="18" charset="0"/>
-              </a:rPr>
-              <a:t> так и на разных сайтах </a:t>
-            </a:r>
-          </a:p>
-          <a:p>
-            <a:r>
-              <a:rPr lang="ru-RU" sz="1200" dirty="0" smtClean="0">
-                <a:solidFill>
-                  <a:schemeClr val="tx1"/>
-                </a:solidFill>
-                <a:latin typeface="Times New Roman" panose="02020603050405020304" pitchFamily="18" charset="0"/>
-                <a:cs typeface="Times New Roman" panose="02020603050405020304" pitchFamily="18" charset="0"/>
-              </a:rPr>
-              <a:t>*Уйти на другой сайт по ссылке*. </a:t>
-            </a:r>
-          </a:p>
-          <a:p>
-            <a:endParaRPr lang="ru-RU" sz="1200" dirty="0" smtClean="0">
-              <a:solidFill>
-                <a:schemeClr val="tx1"/>
-              </a:solidFill>
-              <a:latin typeface="Times New Roman" panose="02020603050405020304" pitchFamily="18" charset="0"/>
-              <a:cs typeface="Times New Roman" panose="02020603050405020304" pitchFamily="18" charset="0"/>
-            </a:endParaRPr>
-          </a:p>
-          <a:p>
-            <a:r>
-              <a:rPr lang="ru-RU" sz="1200" dirty="0" smtClean="0">
-                <a:solidFill>
-                  <a:schemeClr val="tx1"/>
-                </a:solidFill>
-                <a:latin typeface="Times New Roman" panose="02020603050405020304" pitchFamily="18" charset="0"/>
-                <a:cs typeface="Times New Roman" panose="02020603050405020304" pitchFamily="18" charset="0"/>
-              </a:rPr>
-              <a:t>Изначально ВВВ задумывалась как система документации, предполагалось, что это система для научного сообщества. Люди могли публиковать результаты своих исследований и ссылаться друг на друга. В научном сообществе ссылки – это неотъемлемая часть научных работ, и ссылки очень важны. Со временем эта идея сильно переросла научное сообщество и стала намного шире. И получилось что получилось.</a:t>
+              <a:t> просто среда для передачи данных.</a:t>
             </a:r>
           </a:p>
         </p:txBody>
@@ -2364,7 +2384,7 @@
     </p:spTree>
     <p:extLst>
       <p:ext uri="{BB962C8B-B14F-4D97-AF65-F5344CB8AC3E}">
-        <p14:creationId xmlns:p14="http://schemas.microsoft.com/office/powerpoint/2010/main" val="10662522"/>
+        <p14:creationId xmlns:p14="http://schemas.microsoft.com/office/powerpoint/2010/main" val="1851659095"/>
       </p:ext>
     </p:extLst>
   </p:cSld>
@@ -2426,27 +2446,18 @@
                 <a:latin typeface="Times New Roman" panose="02020603050405020304" pitchFamily="18" charset="0"/>
                 <a:cs typeface="Times New Roman" panose="02020603050405020304" pitchFamily="18" charset="0"/>
               </a:rPr>
-              <a:t>Кратко о том какие бывают документы. </a:t>
-            </a:r>
-          </a:p>
-          <a:p>
-            <a:pPr marL="0" marR="0" lvl="0" indent="0" algn="l" defTabSz="914400" rtl="0" eaLnBrk="1" fontAlgn="base" latinLnBrk="0" hangingPunct="1">
-              <a:lnSpc>
-                <a:spcPct val="100000"/>
-              </a:lnSpc>
-              <a:spcBef>
-                <a:spcPct val="30000"/>
-              </a:spcBef>
-              <a:spcAft>
-                <a:spcPct val="0"/>
-              </a:spcAft>
-              <a:buClrTx/>
-              <a:buSzTx/>
-              <a:buFontTx/>
-              <a:buNone/>
-              <a:tabLst/>
-              <a:defRPr/>
-            </a:pPr>
+              <a:t>Что же такое </a:t>
+            </a:r>
+            <a:r>
+              <a:rPr lang="en-US" sz="1200" dirty="0" smtClean="0">
+                <a:solidFill>
+                  <a:schemeClr val="tx1"/>
+                </a:solidFill>
+                <a:latin typeface="Times New Roman" panose="02020603050405020304" pitchFamily="18" charset="0"/>
+                <a:cs typeface="Times New Roman" panose="02020603050405020304" pitchFamily="18" charset="0"/>
+              </a:rPr>
+              <a:t>WWW</a:t>
+            </a:r>
             <a:r>
               <a:rPr lang="ru-RU" sz="1200" dirty="0" smtClean="0">
                 <a:solidFill>
@@ -2455,18 +2466,10 @@
                 <a:latin typeface="Times New Roman" panose="02020603050405020304" pitchFamily="18" charset="0"/>
                 <a:cs typeface="Times New Roman" panose="02020603050405020304" pitchFamily="18" charset="0"/>
               </a:rPr>
-              <a:t>Как говорилось ранее, по интернету можно передавать текст, видео,</a:t>
-            </a:r>
-            <a:r>
-              <a:rPr lang="ru-RU" sz="1200" baseline="0" dirty="0" smtClean="0">
-                <a:solidFill>
-                  <a:schemeClr val="tx1"/>
-                </a:solidFill>
-                <a:latin typeface="Times New Roman" panose="02020603050405020304" pitchFamily="18" charset="0"/>
-                <a:cs typeface="Times New Roman" panose="02020603050405020304" pitchFamily="18" charset="0"/>
-              </a:rPr>
-              <a:t> изображения, аудио. То есть документы </a:t>
-            </a:r>
+              <a:t>?</a:t>
+            </a:r>
+          </a:p>
+          <a:p>
             <a:r>
               <a:rPr lang="ru-RU" sz="1200" dirty="0" smtClean="0">
                 <a:solidFill>
@@ -2475,27 +2478,10 @@
                 <a:latin typeface="Times New Roman" panose="02020603050405020304" pitchFamily="18" charset="0"/>
                 <a:cs typeface="Times New Roman" panose="02020603050405020304" pitchFamily="18" charset="0"/>
               </a:rPr>
-              <a:t>бывают разных типов. </a:t>
-            </a:r>
-          </a:p>
-          <a:p>
-            <a:pPr marL="0" marR="0" lvl="0" indent="0" algn="l" defTabSz="914400" rtl="0" eaLnBrk="1" fontAlgn="base" latinLnBrk="0" hangingPunct="1">
-              <a:lnSpc>
-                <a:spcPct val="100000"/>
-              </a:lnSpc>
-              <a:spcBef>
-                <a:spcPct val="30000"/>
-              </a:spcBef>
-              <a:spcAft>
-                <a:spcPct val="0"/>
-              </a:spcAft>
-              <a:buClrTx/>
-              <a:buSzTx/>
-              <a:buFontTx/>
-              <a:buNone/>
-              <a:tabLst/>
-              <a:defRPr/>
-            </a:pPr>
+              <a:t>Это один из частных случаев применения сети интернет. </a:t>
+            </a:r>
+          </a:p>
+          <a:p>
             <a:r>
               <a:rPr lang="ru-RU" sz="1200" dirty="0" smtClean="0">
                 <a:solidFill>
@@ -2504,139 +2490,10 @@
                 <a:latin typeface="Times New Roman" panose="02020603050405020304" pitchFamily="18" charset="0"/>
                 <a:cs typeface="Times New Roman" panose="02020603050405020304" pitchFamily="18" charset="0"/>
               </a:rPr>
-              <a:t>И всегда важно указывать тип документа, чтобы компьютер мог понять, что это не текст, скажем, а изображение. Для этого каждому</a:t>
-            </a:r>
-            <a:r>
-              <a:rPr lang="ru-RU" sz="1200" baseline="0" dirty="0" smtClean="0">
-                <a:solidFill>
-                  <a:schemeClr val="tx1"/>
-                </a:solidFill>
-                <a:latin typeface="Times New Roman" panose="02020603050405020304" pitchFamily="18" charset="0"/>
-                <a:cs typeface="Times New Roman" panose="02020603050405020304" pitchFamily="18" charset="0"/>
-              </a:rPr>
-              <a:t> документу соответствует его тип.</a:t>
-            </a:r>
-          </a:p>
-          <a:p>
-            <a:r>
-              <a:rPr lang="ru-RU" sz="1200" dirty="0" smtClean="0">
-                <a:solidFill>
-                  <a:schemeClr val="tx1"/>
-                </a:solidFill>
-                <a:latin typeface="Times New Roman" panose="02020603050405020304" pitchFamily="18" charset="0"/>
-                <a:cs typeface="Times New Roman" panose="02020603050405020304" pitchFamily="18" charset="0"/>
-              </a:rPr>
-              <a:t>Типы документов задаются с  помощью </a:t>
-            </a:r>
-            <a:r>
-              <a:rPr lang="en-US" sz="1200" dirty="0" smtClean="0">
-                <a:solidFill>
-                  <a:schemeClr val="tx1"/>
-                </a:solidFill>
-                <a:latin typeface="Times New Roman" panose="02020603050405020304" pitchFamily="18" charset="0"/>
-                <a:cs typeface="Times New Roman" panose="02020603050405020304" pitchFamily="18" charset="0"/>
-              </a:rPr>
-              <a:t>MIME</a:t>
-            </a:r>
-            <a:r>
-              <a:rPr lang="ru-RU" sz="1200" dirty="0" smtClean="0">
-                <a:solidFill>
-                  <a:schemeClr val="tx1"/>
-                </a:solidFill>
-                <a:latin typeface="Times New Roman" panose="02020603050405020304" pitchFamily="18" charset="0"/>
-                <a:cs typeface="Times New Roman" panose="02020603050405020304" pitchFamily="18" charset="0"/>
-              </a:rPr>
-              <a:t>-типов: это строчка, обычно из двух слов, разделенных слешем.</a:t>
-            </a:r>
-          </a:p>
-          <a:p>
-            <a:r>
-              <a:rPr lang="ru-RU" sz="1200" dirty="0" smtClean="0">
-                <a:solidFill>
-                  <a:schemeClr val="tx1"/>
-                </a:solidFill>
-                <a:latin typeface="Times New Roman" panose="02020603050405020304" pitchFamily="18" charset="0"/>
-                <a:cs typeface="Times New Roman" panose="02020603050405020304" pitchFamily="18" charset="0"/>
-              </a:rPr>
-              <a:t>Типы документов: </a:t>
-            </a:r>
-          </a:p>
-          <a:p>
-            <a:pPr marL="0" marR="0" lvl="0" indent="0" algn="l" defTabSz="914400" rtl="0" eaLnBrk="1" fontAlgn="base" latinLnBrk="0" hangingPunct="1">
-              <a:lnSpc>
-                <a:spcPct val="100000"/>
-              </a:lnSpc>
-              <a:spcBef>
-                <a:spcPct val="30000"/>
-              </a:spcBef>
-              <a:spcAft>
-                <a:spcPct val="0"/>
-              </a:spcAft>
-              <a:buClrTx/>
-              <a:buSzTx/>
-              <a:buFontTx/>
-              <a:buNone/>
-              <a:tabLst/>
-              <a:defRPr/>
-            </a:pPr>
-            <a:r>
-              <a:rPr lang="ru-RU" sz="1200" baseline="0" dirty="0" smtClean="0">
-                <a:solidFill>
-                  <a:schemeClr val="tx1"/>
-                </a:solidFill>
-                <a:latin typeface="Times New Roman" panose="02020603050405020304" pitchFamily="18" charset="0"/>
-                <a:cs typeface="Times New Roman" panose="02020603050405020304" pitchFamily="18" charset="0"/>
-              </a:rPr>
-              <a:t>*Перечисление*</a:t>
-            </a:r>
-          </a:p>
-          <a:p>
-            <a:pPr marL="0" marR="0" lvl="0" indent="0" algn="l" defTabSz="914400" rtl="0" eaLnBrk="1" fontAlgn="base" latinLnBrk="0" hangingPunct="1">
-              <a:lnSpc>
-                <a:spcPct val="100000"/>
-              </a:lnSpc>
-              <a:spcBef>
-                <a:spcPct val="30000"/>
-              </a:spcBef>
-              <a:spcAft>
-                <a:spcPct val="0"/>
-              </a:spcAft>
-              <a:buClrTx/>
-              <a:buSzTx/>
-              <a:buFontTx/>
-              <a:buNone/>
-              <a:tabLst/>
-              <a:defRPr/>
-            </a:pPr>
-            <a:r>
-              <a:rPr lang="ru-RU" sz="1200" baseline="0" dirty="0" smtClean="0">
-                <a:solidFill>
-                  <a:schemeClr val="tx1"/>
-                </a:solidFill>
-                <a:latin typeface="Times New Roman" panose="02020603050405020304" pitchFamily="18" charset="0"/>
-                <a:cs typeface="Times New Roman" panose="02020603050405020304" pitchFamily="18" charset="0"/>
-              </a:rPr>
-              <a:t>Рассмотрим некоторые из них.</a:t>
-            </a:r>
-          </a:p>
-          <a:p>
-            <a:pPr marL="0" marR="0" lvl="0" indent="0" algn="l" defTabSz="914400" rtl="0" eaLnBrk="1" fontAlgn="base" latinLnBrk="0" hangingPunct="1">
-              <a:lnSpc>
-                <a:spcPct val="100000"/>
-              </a:lnSpc>
-              <a:spcBef>
-                <a:spcPct val="30000"/>
-              </a:spcBef>
-              <a:spcAft>
-                <a:spcPct val="0"/>
-              </a:spcAft>
-              <a:buClrTx/>
-              <a:buSzTx/>
-              <a:buFontTx/>
-              <a:buNone/>
-              <a:tabLst/>
-              <a:defRPr/>
-            </a:pPr>
+              <a:t>Это сеть которая работает, условно, поверх интернета и она состоит из документов. Причем документы, связаны друг с другом по средством ссылок, которые называются гиперссылками.</a:t>
+            </a:r>
+          </a:p>
+          <a:p>
             <a:endParaRPr lang="ru-RU" sz="1200" dirty="0" smtClean="0">
               <a:solidFill>
                 <a:schemeClr val="tx1"/>
@@ -2646,7 +2503,181 @@
             </a:endParaRPr>
           </a:p>
           <a:p>
-            <a:endParaRPr lang="ru-RU" dirty="0"/>
+            <a:r>
+              <a:rPr lang="en-US" sz="1200" dirty="0" smtClean="0">
+                <a:solidFill>
+                  <a:schemeClr val="tx1"/>
+                </a:solidFill>
+                <a:latin typeface="Times New Roman" panose="02020603050405020304" pitchFamily="18" charset="0"/>
+                <a:cs typeface="Times New Roman" panose="02020603050405020304" pitchFamily="18" charset="0"/>
+              </a:rPr>
+              <a:t>WWW</a:t>
+            </a:r>
+            <a:r>
+              <a:rPr lang="ru-RU" sz="1200" dirty="0" smtClean="0">
+                <a:solidFill>
+                  <a:schemeClr val="tx1"/>
+                </a:solidFill>
+                <a:latin typeface="Times New Roman" panose="02020603050405020304" pitchFamily="18" charset="0"/>
+                <a:cs typeface="Times New Roman" panose="02020603050405020304" pitchFamily="18" charset="0"/>
+              </a:rPr>
+              <a:t> – это множество взаимосвязанных документов, которые находятся на различных компьютерах в сети Интернет. </a:t>
+            </a:r>
+          </a:p>
+          <a:p>
+            <a:r>
+              <a:rPr lang="ru-RU" sz="1200" dirty="0" smtClean="0">
+                <a:solidFill>
+                  <a:schemeClr val="tx1"/>
+                </a:solidFill>
+                <a:latin typeface="Times New Roman" panose="02020603050405020304" pitchFamily="18" charset="0"/>
+                <a:cs typeface="Times New Roman" panose="02020603050405020304" pitchFamily="18" charset="0"/>
+              </a:rPr>
+              <a:t>Что значит взаимосвязанных – это значит что документы ссылаются друг на друга.</a:t>
+            </a:r>
+          </a:p>
+          <a:p>
+            <a:r>
+              <a:rPr lang="ru-RU" sz="1200" dirty="0" smtClean="0">
+                <a:solidFill>
+                  <a:schemeClr val="tx1"/>
+                </a:solidFill>
+                <a:latin typeface="Times New Roman" panose="02020603050405020304" pitchFamily="18" charset="0"/>
+                <a:cs typeface="Times New Roman" panose="02020603050405020304" pitchFamily="18" charset="0"/>
+              </a:rPr>
+              <a:t>Есть разные документы, они лежат на разных сайтах и ссылаются друг на друга посредством </a:t>
+            </a:r>
+            <a:r>
+              <a:rPr lang="ru-RU" sz="1200" dirty="0" smtClean="0">
+                <a:solidFill>
+                  <a:schemeClr val="tx1"/>
+                </a:solidFill>
+                <a:latin typeface="Times New Roman" panose="02020603050405020304" pitchFamily="18" charset="0"/>
+                <a:cs typeface="Times New Roman" panose="02020603050405020304" pitchFamily="18" charset="0"/>
+                <a:hlinkClick r:id="rId3"/>
+              </a:rPr>
+              <a:t>гиперссылок</a:t>
+            </a:r>
+            <a:r>
+              <a:rPr lang="ru-RU" sz="1200" dirty="0" smtClean="0">
+                <a:solidFill>
+                  <a:schemeClr val="tx1"/>
+                </a:solidFill>
+                <a:latin typeface="Times New Roman" panose="02020603050405020304" pitchFamily="18" charset="0"/>
+                <a:cs typeface="Times New Roman" panose="02020603050405020304" pitchFamily="18" charset="0"/>
+              </a:rPr>
+              <a:t>.</a:t>
+            </a:r>
+          </a:p>
+          <a:p>
+            <a:endParaRPr lang="ru-RU" sz="1200" dirty="0" smtClean="0">
+              <a:solidFill>
+                <a:schemeClr val="tx1"/>
+              </a:solidFill>
+              <a:latin typeface="Times New Roman" panose="02020603050405020304" pitchFamily="18" charset="0"/>
+              <a:cs typeface="Times New Roman" panose="02020603050405020304" pitchFamily="18" charset="0"/>
+            </a:endParaRPr>
+          </a:p>
+          <a:p>
+            <a:r>
+              <a:rPr lang="ru-RU" sz="1200" dirty="0" smtClean="0">
+                <a:solidFill>
+                  <a:schemeClr val="tx1"/>
+                </a:solidFill>
+                <a:latin typeface="Times New Roman" panose="02020603050405020304" pitchFamily="18" charset="0"/>
+                <a:cs typeface="Times New Roman" panose="02020603050405020304" pitchFamily="18" charset="0"/>
+              </a:rPr>
+              <a:t> *Щелкнуть по ссылке пройти на вики* </a:t>
+            </a:r>
+          </a:p>
+          <a:p>
+            <a:r>
+              <a:rPr lang="ru-RU" sz="1200" dirty="0" smtClean="0">
+                <a:solidFill>
+                  <a:schemeClr val="tx1"/>
+                </a:solidFill>
+                <a:latin typeface="Times New Roman" panose="02020603050405020304" pitchFamily="18" charset="0"/>
+                <a:cs typeface="Times New Roman" panose="02020603050405020304" pitchFamily="18" charset="0"/>
+              </a:rPr>
+              <a:t>Ссылки могут ссылаться как на документы лежащие на одном сайте </a:t>
+            </a:r>
+          </a:p>
+          <a:p>
+            <a:r>
+              <a:rPr lang="ru-RU" sz="1200" dirty="0" smtClean="0">
+                <a:solidFill>
+                  <a:schemeClr val="tx1"/>
+                </a:solidFill>
+                <a:latin typeface="Times New Roman" panose="02020603050405020304" pitchFamily="18" charset="0"/>
+                <a:cs typeface="Times New Roman" panose="02020603050405020304" pitchFamily="18" charset="0"/>
+              </a:rPr>
+              <a:t>*На страничке есть статья про </a:t>
+            </a:r>
+            <a:r>
+              <a:rPr lang="ru-RU" sz="1200" dirty="0" err="1" smtClean="0">
+                <a:solidFill>
+                  <a:schemeClr val="tx1"/>
+                </a:solidFill>
+                <a:latin typeface="Times New Roman" panose="02020603050405020304" pitchFamily="18" charset="0"/>
+                <a:cs typeface="Times New Roman" panose="02020603050405020304" pitchFamily="18" charset="0"/>
+              </a:rPr>
+              <a:t>троллинг</a:t>
+            </a:r>
+            <a:r>
+              <a:rPr lang="ru-RU" sz="1200" dirty="0" smtClean="0">
+                <a:solidFill>
+                  <a:schemeClr val="tx1"/>
+                </a:solidFill>
+                <a:latin typeface="Times New Roman" panose="02020603050405020304" pitchFamily="18" charset="0"/>
+                <a:cs typeface="Times New Roman" panose="02020603050405020304" pitchFamily="18" charset="0"/>
+              </a:rPr>
+              <a:t>*,</a:t>
+            </a:r>
+          </a:p>
+          <a:p>
+            <a:r>
+              <a:rPr lang="ru-RU" sz="1200" dirty="0" smtClean="0">
+                <a:solidFill>
+                  <a:schemeClr val="tx1"/>
+                </a:solidFill>
+                <a:latin typeface="Times New Roman" panose="02020603050405020304" pitchFamily="18" charset="0"/>
+                <a:cs typeface="Times New Roman" panose="02020603050405020304" pitchFamily="18" charset="0"/>
+              </a:rPr>
+              <a:t> так и на разных сайтах </a:t>
+            </a:r>
+          </a:p>
+          <a:p>
+            <a:r>
+              <a:rPr lang="ru-RU" sz="1200" dirty="0" smtClean="0">
+                <a:solidFill>
+                  <a:schemeClr val="tx1"/>
+                </a:solidFill>
+                <a:latin typeface="Times New Roman" panose="02020603050405020304" pitchFamily="18" charset="0"/>
+                <a:cs typeface="Times New Roman" panose="02020603050405020304" pitchFamily="18" charset="0"/>
+              </a:rPr>
+              <a:t>*Уйти на другой сайт по ссылке*. </a:t>
+            </a:r>
+          </a:p>
+          <a:p>
+            <a:endParaRPr lang="ru-RU" sz="1200" dirty="0" smtClean="0">
+              <a:solidFill>
+                <a:schemeClr val="tx1"/>
+              </a:solidFill>
+              <a:latin typeface="Times New Roman" panose="02020603050405020304" pitchFamily="18" charset="0"/>
+              <a:cs typeface="Times New Roman" panose="02020603050405020304" pitchFamily="18" charset="0"/>
+            </a:endParaRPr>
+          </a:p>
+          <a:p>
+            <a:r>
+              <a:rPr lang="ru-RU" sz="1200" dirty="0" smtClean="0">
+                <a:solidFill>
+                  <a:schemeClr val="tx1"/>
+                </a:solidFill>
+                <a:latin typeface="Times New Roman" panose="02020603050405020304" pitchFamily="18" charset="0"/>
+                <a:cs typeface="Times New Roman" panose="02020603050405020304" pitchFamily="18" charset="0"/>
+              </a:rPr>
+              <a:t>Изначально ВВВ задумывалась как система документации, предполагалось, что это система для научного сообщества. Люди могли публиковать результаты своих исследований и ссылаться друг на друга. В научном сообществе ссылки – это неотъемлемая часть научных работ, и ссылки очень важны. Со временем эта идея сильно переросла научное сообщество и стала намного шире. И получилось что получилось.</a:t>
+            </a:r>
           </a:p>
         </p:txBody>
       </p:sp>
@@ -2682,7 +2713,7 @@
     </p:spTree>
     <p:extLst>
       <p:ext uri="{BB962C8B-B14F-4D97-AF65-F5344CB8AC3E}">
-        <p14:creationId xmlns:p14="http://schemas.microsoft.com/office/powerpoint/2010/main" val="1393404372"/>
+        <p14:creationId xmlns:p14="http://schemas.microsoft.com/office/powerpoint/2010/main" val="10662522"/>
       </p:ext>
     </p:extLst>
   </p:cSld>
@@ -2744,7 +2775,36 @@
                 <a:latin typeface="Times New Roman" panose="02020603050405020304" pitchFamily="18" charset="0"/>
                 <a:cs typeface="Times New Roman" panose="02020603050405020304" pitchFamily="18" charset="0"/>
               </a:rPr>
-              <a:t>Это самые важные файлы.</a:t>
+              <a:t>Кратко о том какие бывают документы. </a:t>
+            </a:r>
+          </a:p>
+          <a:p>
+            <a:pPr marL="0" marR="0" lvl="0" indent="0" algn="l" defTabSz="914400" rtl="0" eaLnBrk="1" fontAlgn="base" latinLnBrk="0" hangingPunct="1">
+              <a:lnSpc>
+                <a:spcPct val="100000"/>
+              </a:lnSpc>
+              <a:spcBef>
+                <a:spcPct val="30000"/>
+              </a:spcBef>
+              <a:spcAft>
+                <a:spcPct val="0"/>
+              </a:spcAft>
+              <a:buClrTx/>
+              <a:buSzTx/>
+              <a:buFontTx/>
+              <a:buNone/>
+              <a:tabLst/>
+              <a:defRPr/>
+            </a:pPr>
+            <a:r>
+              <a:rPr lang="ru-RU" sz="1200" dirty="0" smtClean="0">
+                <a:solidFill>
+                  <a:schemeClr val="tx1"/>
+                </a:solidFill>
+                <a:latin typeface="Times New Roman" panose="02020603050405020304" pitchFamily="18" charset="0"/>
+                <a:cs typeface="Times New Roman" panose="02020603050405020304" pitchFamily="18" charset="0"/>
+              </a:rPr>
+              <a:t>Как говорилось ранее, по интернету можно передавать текст, видео,</a:t>
             </a:r>
             <a:r>
               <a:rPr lang="ru-RU" sz="1200" baseline="0" dirty="0" smtClean="0">
@@ -2754,17 +2814,46 @@
                 <a:latin typeface="Times New Roman" panose="02020603050405020304" pitchFamily="18" charset="0"/>
                 <a:cs typeface="Times New Roman" panose="02020603050405020304" pitchFamily="18" charset="0"/>
               </a:rPr>
-              <a:t> Для передачи и хранения таких файлов и был разработан </a:t>
-            </a:r>
-            <a:r>
-              <a:rPr lang="en-US" sz="1200" baseline="0" dirty="0" smtClean="0">
-                <a:solidFill>
-                  <a:schemeClr val="tx1"/>
-                </a:solidFill>
-                <a:latin typeface="Times New Roman" panose="02020603050405020304" pitchFamily="18" charset="0"/>
-                <a:cs typeface="Times New Roman" panose="02020603050405020304" pitchFamily="18" charset="0"/>
-              </a:rPr>
-              <a:t>WWW</a:t>
+              <a:t> изображения, аудио. То есть документы </a:t>
+            </a:r>
+            <a:r>
+              <a:rPr lang="ru-RU" sz="1200" dirty="0" smtClean="0">
+                <a:solidFill>
+                  <a:schemeClr val="tx1"/>
+                </a:solidFill>
+                <a:latin typeface="Times New Roman" panose="02020603050405020304" pitchFamily="18" charset="0"/>
+                <a:cs typeface="Times New Roman" panose="02020603050405020304" pitchFamily="18" charset="0"/>
+              </a:rPr>
+              <a:t>бывают разных типов. </a:t>
+            </a:r>
+          </a:p>
+          <a:p>
+            <a:pPr marL="0" marR="0" lvl="0" indent="0" algn="l" defTabSz="914400" rtl="0" eaLnBrk="1" fontAlgn="base" latinLnBrk="0" hangingPunct="1">
+              <a:lnSpc>
+                <a:spcPct val="100000"/>
+              </a:lnSpc>
+              <a:spcBef>
+                <a:spcPct val="30000"/>
+              </a:spcBef>
+              <a:spcAft>
+                <a:spcPct val="0"/>
+              </a:spcAft>
+              <a:buClrTx/>
+              <a:buSzTx/>
+              <a:buFontTx/>
+              <a:buNone/>
+              <a:tabLst/>
+              <a:defRPr/>
+            </a:pPr>
+            <a:r>
+              <a:rPr lang="ru-RU" sz="1200" dirty="0" smtClean="0">
+                <a:solidFill>
+                  <a:schemeClr val="tx1"/>
+                </a:solidFill>
+                <a:latin typeface="Times New Roman" panose="02020603050405020304" pitchFamily="18" charset="0"/>
+                <a:cs typeface="Times New Roman" panose="02020603050405020304" pitchFamily="18" charset="0"/>
+              </a:rPr>
+              <a:t>И всегда важно указывать тип документа, чтобы компьютер мог понять, что это не текст, скажем, а изображение. Для этого каждому</a:t>
             </a:r>
             <a:r>
               <a:rPr lang="ru-RU" sz="1200" baseline="0" dirty="0" smtClean="0">
@@ -2774,8 +2863,71 @@
                 <a:latin typeface="Times New Roman" panose="02020603050405020304" pitchFamily="18" charset="0"/>
                 <a:cs typeface="Times New Roman" panose="02020603050405020304" pitchFamily="18" charset="0"/>
               </a:rPr>
-              <a:t>. По факту это </a:t>
-            </a:r>
+              <a:t> документу соответствует его тип.</a:t>
+            </a:r>
+          </a:p>
+          <a:p>
+            <a:r>
+              <a:rPr lang="ru-RU" sz="1200" dirty="0" smtClean="0">
+                <a:solidFill>
+                  <a:schemeClr val="tx1"/>
+                </a:solidFill>
+                <a:latin typeface="Times New Roman" panose="02020603050405020304" pitchFamily="18" charset="0"/>
+                <a:cs typeface="Times New Roman" panose="02020603050405020304" pitchFamily="18" charset="0"/>
+              </a:rPr>
+              <a:t>Типы документов задаются с  помощью </a:t>
+            </a:r>
+            <a:r>
+              <a:rPr lang="en-US" sz="1200" dirty="0" smtClean="0">
+                <a:solidFill>
+                  <a:schemeClr val="tx1"/>
+                </a:solidFill>
+                <a:latin typeface="Times New Roman" panose="02020603050405020304" pitchFamily="18" charset="0"/>
+                <a:cs typeface="Times New Roman" panose="02020603050405020304" pitchFamily="18" charset="0"/>
+              </a:rPr>
+              <a:t>MIME</a:t>
+            </a:r>
+            <a:r>
+              <a:rPr lang="ru-RU" sz="1200" dirty="0" smtClean="0">
+                <a:solidFill>
+                  <a:schemeClr val="tx1"/>
+                </a:solidFill>
+                <a:latin typeface="Times New Roman" panose="02020603050405020304" pitchFamily="18" charset="0"/>
+                <a:cs typeface="Times New Roman" panose="02020603050405020304" pitchFamily="18" charset="0"/>
+              </a:rPr>
+              <a:t>-типов: это строчка, обычно из двух слов, разделенных слешем.</a:t>
+            </a:r>
+          </a:p>
+          <a:p>
+            <a:r>
+              <a:rPr lang="ru-RU" sz="1200" dirty="0" smtClean="0">
+                <a:solidFill>
+                  <a:schemeClr val="tx1"/>
+                </a:solidFill>
+                <a:latin typeface="Times New Roman" panose="02020603050405020304" pitchFamily="18" charset="0"/>
+                <a:cs typeface="Times New Roman" panose="02020603050405020304" pitchFamily="18" charset="0"/>
+              </a:rPr>
+              <a:t>Типы документов: </a:t>
+            </a:r>
+          </a:p>
+          <a:p>
+            <a:pPr marL="0" marR="0" lvl="0" indent="0" algn="l" defTabSz="914400" rtl="0" eaLnBrk="1" fontAlgn="base" latinLnBrk="0" hangingPunct="1">
+              <a:lnSpc>
+                <a:spcPct val="100000"/>
+              </a:lnSpc>
+              <a:spcBef>
+                <a:spcPct val="30000"/>
+              </a:spcBef>
+              <a:spcAft>
+                <a:spcPct val="0"/>
+              </a:spcAft>
+              <a:buClrTx/>
+              <a:buSzTx/>
+              <a:buFontTx/>
+              <a:buNone/>
+              <a:tabLst/>
+              <a:defRPr/>
+            </a:pPr>
             <a:r>
               <a:rPr lang="ru-RU" sz="1200" baseline="0" dirty="0" smtClean="0">
                 <a:solidFill>
@@ -2784,8 +2936,27 @@
                 <a:latin typeface="Times New Roman" panose="02020603050405020304" pitchFamily="18" charset="0"/>
                 <a:cs typeface="Times New Roman" panose="02020603050405020304" pitchFamily="18" charset="0"/>
               </a:rPr>
-              <a:t>не только текст, это разметка</a:t>
-            </a:r>
+              <a:t>*Перечисление*</a:t>
+            </a:r>
+          </a:p>
+          <a:p>
+            <a:pPr marL="0" marR="0" lvl="0" indent="0" algn="l" defTabSz="914400" rtl="0" eaLnBrk="1" fontAlgn="base" latinLnBrk="0" hangingPunct="1">
+              <a:lnSpc>
+                <a:spcPct val="100000"/>
+              </a:lnSpc>
+              <a:spcBef>
+                <a:spcPct val="30000"/>
+              </a:spcBef>
+              <a:spcAft>
+                <a:spcPct val="0"/>
+              </a:spcAft>
+              <a:buClrTx/>
+              <a:buSzTx/>
+              <a:buFontTx/>
+              <a:buNone/>
+              <a:tabLst/>
+              <a:defRPr/>
+            </a:pPr>
             <a:r>
               <a:rPr lang="ru-RU" sz="1200" baseline="0" dirty="0" smtClean="0">
                 <a:solidFill>
@@ -2794,196 +2965,27 @@
                 <a:latin typeface="Times New Roman" panose="02020603050405020304" pitchFamily="18" charset="0"/>
                 <a:cs typeface="Times New Roman" panose="02020603050405020304" pitchFamily="18" charset="0"/>
               </a:rPr>
-              <a:t>, сходная с разметкой книг</a:t>
-            </a:r>
-            <a:r>
-              <a:rPr lang="ru-RU" sz="1200" baseline="0" dirty="0" smtClean="0">
-                <a:solidFill>
-                  <a:schemeClr val="tx1"/>
-                </a:solidFill>
-                <a:latin typeface="Times New Roman" panose="02020603050405020304" pitchFamily="18" charset="0"/>
-                <a:cs typeface="Times New Roman" panose="02020603050405020304" pitchFamily="18" charset="0"/>
-              </a:rPr>
-              <a:t>: есть заголовки, основная часть, какие-то таблицы и так далее. По факту - </a:t>
-            </a:r>
-            <a:r>
-              <a:rPr lang="ru-RU" sz="1200" baseline="0" dirty="0" smtClean="0">
-                <a:solidFill>
-                  <a:schemeClr val="tx1"/>
-                </a:solidFill>
-                <a:latin typeface="Times New Roman" panose="02020603050405020304" pitchFamily="18" charset="0"/>
-                <a:cs typeface="Times New Roman" panose="02020603050405020304" pitchFamily="18" charset="0"/>
-              </a:rPr>
-              <a:t>это текст, смешанный с тегами. На слайде вы видите текст и теги. </a:t>
-            </a:r>
-            <a:endParaRPr lang="ru-RU" sz="1200" baseline="0" dirty="0" smtClean="0">
-              <a:solidFill>
-                <a:schemeClr val="tx1"/>
-              </a:solidFill>
-              <a:latin typeface="Times New Roman" panose="02020603050405020304" pitchFamily="18" charset="0"/>
-              <a:cs typeface="Times New Roman" panose="02020603050405020304" pitchFamily="18" charset="0"/>
-            </a:endParaRPr>
-          </a:p>
-          <a:p>
-            <a:r>
-              <a:rPr lang="ru-RU" sz="1200" baseline="0" dirty="0" smtClean="0">
-                <a:solidFill>
-                  <a:schemeClr val="tx1"/>
-                </a:solidFill>
-                <a:latin typeface="Times New Roman" panose="02020603050405020304" pitchFamily="18" charset="0"/>
-                <a:cs typeface="Times New Roman" panose="02020603050405020304" pitchFamily="18" charset="0"/>
-              </a:rPr>
-              <a:t>Теги </a:t>
-            </a:r>
-            <a:r>
-              <a:rPr lang="ru-RU" sz="1200" baseline="0" dirty="0" smtClean="0">
-                <a:solidFill>
-                  <a:schemeClr val="tx1"/>
-                </a:solidFill>
-                <a:latin typeface="Times New Roman" panose="02020603050405020304" pitchFamily="18" charset="0"/>
-                <a:cs typeface="Times New Roman" panose="02020603050405020304" pitchFamily="18" charset="0"/>
-              </a:rPr>
-              <a:t>- это конструкции в угловых скобках. </a:t>
-            </a:r>
-            <a:endParaRPr lang="ru-RU" sz="1200" baseline="0" dirty="0" smtClean="0">
-              <a:solidFill>
-                <a:schemeClr val="tx1"/>
-              </a:solidFill>
-              <a:latin typeface="Times New Roman" panose="02020603050405020304" pitchFamily="18" charset="0"/>
-              <a:cs typeface="Times New Roman" panose="02020603050405020304" pitchFamily="18" charset="0"/>
-            </a:endParaRPr>
-          </a:p>
-          <a:p>
-            <a:r>
-              <a:rPr lang="ru-RU" sz="1200" baseline="0" dirty="0" smtClean="0">
-                <a:solidFill>
-                  <a:schemeClr val="tx1"/>
-                </a:solidFill>
-                <a:latin typeface="Times New Roman" panose="02020603050405020304" pitchFamily="18" charset="0"/>
-                <a:cs typeface="Times New Roman" panose="02020603050405020304" pitchFamily="18" charset="0"/>
-              </a:rPr>
-              <a:t>У </a:t>
-            </a:r>
-            <a:r>
-              <a:rPr lang="ru-RU" sz="1200" baseline="0" dirty="0" smtClean="0">
-                <a:solidFill>
-                  <a:schemeClr val="tx1"/>
-                </a:solidFill>
-                <a:latin typeface="Times New Roman" panose="02020603050405020304" pitchFamily="18" charset="0"/>
-                <a:cs typeface="Times New Roman" panose="02020603050405020304" pitchFamily="18" charset="0"/>
-              </a:rPr>
-              <a:t>тегов есть </a:t>
-            </a:r>
-            <a:r>
-              <a:rPr lang="ru-RU" sz="1200" baseline="0" dirty="0" smtClean="0">
-                <a:solidFill>
-                  <a:schemeClr val="tx1"/>
-                </a:solidFill>
-                <a:latin typeface="Times New Roman" panose="02020603050405020304" pitchFamily="18" charset="0"/>
-                <a:cs typeface="Times New Roman" panose="02020603050405020304" pitchFamily="18" charset="0"/>
-              </a:rPr>
-              <a:t>атрибуты – это свойства, которые можно задавать, </a:t>
-            </a:r>
-            <a:r>
-              <a:rPr lang="ru-RU" sz="1200" baseline="0" dirty="0" smtClean="0">
-                <a:solidFill>
-                  <a:schemeClr val="tx1"/>
-                </a:solidFill>
-                <a:latin typeface="Times New Roman" panose="02020603050405020304" pitchFamily="18" charset="0"/>
-                <a:cs typeface="Times New Roman" panose="02020603050405020304" pitchFamily="18" charset="0"/>
-              </a:rPr>
-              <a:t>у которых есть имя и значение. </a:t>
-            </a:r>
-            <a:endParaRPr lang="ru-RU" sz="1200" baseline="0" dirty="0" smtClean="0">
-              <a:solidFill>
-                <a:schemeClr val="tx1"/>
-              </a:solidFill>
-              <a:latin typeface="Times New Roman" panose="02020603050405020304" pitchFamily="18" charset="0"/>
-              <a:cs typeface="Times New Roman" panose="02020603050405020304" pitchFamily="18" charset="0"/>
-            </a:endParaRPr>
-          </a:p>
-          <a:p>
-            <a:r>
-              <a:rPr lang="ru-RU" sz="1200" baseline="0" dirty="0" smtClean="0">
-                <a:solidFill>
-                  <a:schemeClr val="tx1"/>
-                </a:solidFill>
-                <a:latin typeface="Times New Roman" panose="02020603050405020304" pitchFamily="18" charset="0"/>
-                <a:cs typeface="Times New Roman" panose="02020603050405020304" pitchFamily="18" charset="0"/>
-              </a:rPr>
-              <a:t>И </a:t>
-            </a:r>
-            <a:r>
-              <a:rPr lang="ru-RU" sz="1200" baseline="0" dirty="0" smtClean="0">
-                <a:solidFill>
-                  <a:schemeClr val="tx1"/>
-                </a:solidFill>
-                <a:latin typeface="Times New Roman" panose="02020603050405020304" pitchFamily="18" charset="0"/>
-                <a:cs typeface="Times New Roman" panose="02020603050405020304" pitchFamily="18" charset="0"/>
-              </a:rPr>
-              <a:t>есть просто текст.</a:t>
-            </a:r>
-            <a:endParaRPr lang="en-US" sz="1200" baseline="0" dirty="0" smtClean="0">
-              <a:solidFill>
-                <a:schemeClr val="tx1"/>
-              </a:solidFill>
-              <a:latin typeface="Times New Roman" panose="02020603050405020304" pitchFamily="18" charset="0"/>
-              <a:cs typeface="Times New Roman" panose="02020603050405020304" pitchFamily="18" charset="0"/>
-            </a:endParaRPr>
-          </a:p>
-          <a:p>
-            <a:r>
-              <a:rPr lang="ru-RU" sz="1200" baseline="0" dirty="0" smtClean="0">
-                <a:solidFill>
-                  <a:schemeClr val="tx1"/>
-                </a:solidFill>
-                <a:latin typeface="Times New Roman" panose="02020603050405020304" pitchFamily="18" charset="0"/>
-                <a:cs typeface="Times New Roman" panose="02020603050405020304" pitchFamily="18" charset="0"/>
-              </a:rPr>
-              <a:t>Сейчас используется для проектирования пользовательского интерфейса</a:t>
-            </a:r>
-            <a:r>
-              <a:rPr lang="ru-RU" sz="1200" baseline="0" dirty="0" smtClean="0">
-                <a:solidFill>
-                  <a:schemeClr val="tx1"/>
-                </a:solidFill>
-                <a:latin typeface="Times New Roman" panose="02020603050405020304" pitchFamily="18" charset="0"/>
-                <a:cs typeface="Times New Roman" panose="02020603050405020304" pitchFamily="18" charset="0"/>
-              </a:rPr>
-              <a:t>.</a:t>
-            </a:r>
-          </a:p>
-          <a:p>
-            <a:r>
-              <a:rPr lang="ru-RU" sz="1200" baseline="0" dirty="0" smtClean="0">
-                <a:solidFill>
-                  <a:schemeClr val="tx1"/>
-                </a:solidFill>
-                <a:latin typeface="Times New Roman" panose="02020603050405020304" pitchFamily="18" charset="0"/>
-                <a:cs typeface="Times New Roman" panose="02020603050405020304" pitchFamily="18" charset="0"/>
-              </a:rPr>
-              <a:t>*Открыть последнюю ссылку в вики, показать что есть меню, слева текст, справа место для рекламы и </a:t>
-            </a:r>
-            <a:r>
-              <a:rPr lang="ru-RU" sz="1200" baseline="0" dirty="0" err="1" smtClean="0">
-                <a:solidFill>
-                  <a:schemeClr val="tx1"/>
-                </a:solidFill>
-                <a:latin typeface="Times New Roman" panose="02020603050405020304" pitchFamily="18" charset="0"/>
-                <a:cs typeface="Times New Roman" panose="02020603050405020304" pitchFamily="18" charset="0"/>
-              </a:rPr>
-              <a:t>тэдэ</a:t>
-            </a:r>
-            <a:r>
-              <a:rPr lang="ru-RU" sz="1200" baseline="0" dirty="0" smtClean="0">
-                <a:solidFill>
-                  <a:schemeClr val="tx1"/>
-                </a:solidFill>
-                <a:latin typeface="Times New Roman" panose="02020603050405020304" pitchFamily="18" charset="0"/>
-                <a:cs typeface="Times New Roman" panose="02020603050405020304" pitchFamily="18" charset="0"/>
-              </a:rPr>
-              <a:t>. Открыть страничку в режиме разработчика, объяснить как это делать*</a:t>
-            </a:r>
+              <a:t>Рассмотрим некоторые из них.</a:t>
+            </a:r>
+          </a:p>
+          <a:p>
+            <a:pPr marL="0" marR="0" lvl="0" indent="0" algn="l" defTabSz="914400" rtl="0" eaLnBrk="1" fontAlgn="base" latinLnBrk="0" hangingPunct="1">
+              <a:lnSpc>
+                <a:spcPct val="100000"/>
+              </a:lnSpc>
+              <a:spcBef>
+                <a:spcPct val="30000"/>
+              </a:spcBef>
+              <a:spcAft>
+                <a:spcPct val="0"/>
+              </a:spcAft>
+              <a:buClrTx/>
+              <a:buSzTx/>
+              <a:buFontTx/>
+              <a:buNone/>
+              <a:tabLst/>
+              <a:defRPr/>
+            </a:pPr>
             <a:endParaRPr lang="ru-RU" sz="1200" dirty="0" smtClean="0">
               <a:solidFill>
                 <a:schemeClr val="tx1"/>
@@ -2991,38 +2993,6 @@
               <a:latin typeface="Times New Roman" panose="02020603050405020304" pitchFamily="18" charset="0"/>
               <a:cs typeface="Times New Roman" panose="02020603050405020304" pitchFamily="18" charset="0"/>
             </a:endParaRPr>
-          </a:p>
-          <a:p>
-            <a:endParaRPr lang="ru-RU" dirty="0" smtClean="0"/>
-          </a:p>
-          <a:p>
-            <a:r>
-              <a:rPr lang="ru-RU" dirty="0" smtClean="0"/>
-              <a:t>Когда вы заходите</a:t>
-            </a:r>
-            <a:r>
-              <a:rPr lang="ru-RU" baseline="0" dirty="0" smtClean="0"/>
-              <a:t> на какую-то страничку в интернете, то у вас чаще всего загружается </a:t>
-            </a:r>
-            <a:r>
-              <a:rPr lang="en-US" baseline="0" dirty="0" smtClean="0"/>
-              <a:t>html</a:t>
-            </a:r>
-            <a:r>
-              <a:rPr lang="ru-RU" baseline="0" dirty="0" smtClean="0"/>
-              <a:t> документ, который в свою очередь загружает другие документы.</a:t>
-            </a:r>
-          </a:p>
-          <a:p>
-            <a:r>
-              <a:rPr lang="ru-RU" baseline="0" dirty="0" smtClean="0"/>
-              <a:t>*На слайде показать какие файлы загружает</a:t>
-            </a:r>
-            <a:r>
-              <a:rPr lang="ru-RU" baseline="0" dirty="0" smtClean="0"/>
-              <a:t>*</a:t>
-            </a:r>
-            <a:endParaRPr lang="ru-RU" dirty="0" smtClean="0"/>
           </a:p>
           <a:p>
             <a:endParaRPr lang="ru-RU" dirty="0"/>
@@ -3061,7 +3031,7 @@
     </p:spTree>
     <p:extLst>
       <p:ext uri="{BB962C8B-B14F-4D97-AF65-F5344CB8AC3E}">
-        <p14:creationId xmlns:p14="http://schemas.microsoft.com/office/powerpoint/2010/main" val="1422340325"/>
+        <p14:creationId xmlns:p14="http://schemas.microsoft.com/office/powerpoint/2010/main" val="1393404372"/>
       </p:ext>
     </p:extLst>
   </p:cSld>
@@ -3115,6 +3085,170 @@
           <a:bodyPr/>
           <a:lstStyle/>
           <a:p>
+            <a:r>
+              <a:rPr lang="ru-RU" sz="1200" dirty="0" smtClean="0">
+                <a:solidFill>
+                  <a:schemeClr val="tx1"/>
+                </a:solidFill>
+                <a:latin typeface="Times New Roman" panose="02020603050405020304" pitchFamily="18" charset="0"/>
+                <a:cs typeface="Times New Roman" panose="02020603050405020304" pitchFamily="18" charset="0"/>
+              </a:rPr>
+              <a:t>Это самые важные файлы.</a:t>
+            </a:r>
+            <a:r>
+              <a:rPr lang="ru-RU" sz="1200" baseline="0" dirty="0" smtClean="0">
+                <a:solidFill>
+                  <a:schemeClr val="tx1"/>
+                </a:solidFill>
+                <a:latin typeface="Times New Roman" panose="02020603050405020304" pitchFamily="18" charset="0"/>
+                <a:cs typeface="Times New Roman" panose="02020603050405020304" pitchFamily="18" charset="0"/>
+              </a:rPr>
+              <a:t> Для передачи и хранения таких файлов и был разработан </a:t>
+            </a:r>
+            <a:r>
+              <a:rPr lang="en-US" sz="1200" baseline="0" dirty="0" smtClean="0">
+                <a:solidFill>
+                  <a:schemeClr val="tx1"/>
+                </a:solidFill>
+                <a:latin typeface="Times New Roman" panose="02020603050405020304" pitchFamily="18" charset="0"/>
+                <a:cs typeface="Times New Roman" panose="02020603050405020304" pitchFamily="18" charset="0"/>
+              </a:rPr>
+              <a:t>WWW</a:t>
+            </a:r>
+            <a:r>
+              <a:rPr lang="ru-RU" sz="1200" baseline="0" dirty="0" smtClean="0">
+                <a:solidFill>
+                  <a:schemeClr val="tx1"/>
+                </a:solidFill>
+                <a:latin typeface="Times New Roman" panose="02020603050405020304" pitchFamily="18" charset="0"/>
+                <a:cs typeface="Times New Roman" panose="02020603050405020304" pitchFamily="18" charset="0"/>
+              </a:rPr>
+              <a:t>. По факту это не только текст, это разметка, сходная с разметкой книг: есть заголовки, основная часть, какие-то таблицы и так далее. По факту - это текст, смешанный с тегами. На слайде вы видите текст и теги. </a:t>
+            </a:r>
+          </a:p>
+          <a:p>
+            <a:r>
+              <a:rPr lang="ru-RU" sz="1200" baseline="0" dirty="0" smtClean="0">
+                <a:solidFill>
+                  <a:schemeClr val="tx1"/>
+                </a:solidFill>
+                <a:latin typeface="Times New Roman" panose="02020603050405020304" pitchFamily="18" charset="0"/>
+                <a:cs typeface="Times New Roman" panose="02020603050405020304" pitchFamily="18" charset="0"/>
+              </a:rPr>
+              <a:t>Теги - это конструкции в угловых скобках. </a:t>
+            </a:r>
+          </a:p>
+          <a:p>
+            <a:r>
+              <a:rPr lang="ru-RU" sz="1200" baseline="0" dirty="0" smtClean="0">
+                <a:solidFill>
+                  <a:schemeClr val="tx1"/>
+                </a:solidFill>
+                <a:latin typeface="Times New Roman" panose="02020603050405020304" pitchFamily="18" charset="0"/>
+                <a:cs typeface="Times New Roman" panose="02020603050405020304" pitchFamily="18" charset="0"/>
+              </a:rPr>
+              <a:t>У тегов есть атрибуты – это свойства, которые можно задавать, у которых есть имя и значение. </a:t>
+            </a:r>
+          </a:p>
+          <a:p>
+            <a:r>
+              <a:rPr lang="ru-RU" sz="1200" baseline="0" dirty="0" smtClean="0">
+                <a:solidFill>
+                  <a:schemeClr val="tx1"/>
+                </a:solidFill>
+                <a:latin typeface="Times New Roman" panose="02020603050405020304" pitchFamily="18" charset="0"/>
+                <a:cs typeface="Times New Roman" panose="02020603050405020304" pitchFamily="18" charset="0"/>
+              </a:rPr>
+              <a:t>И есть просто текст.</a:t>
+            </a:r>
+            <a:endParaRPr lang="en-US" sz="1200" baseline="0" dirty="0" smtClean="0">
+              <a:solidFill>
+                <a:schemeClr val="tx1"/>
+              </a:solidFill>
+              <a:latin typeface="Times New Roman" panose="02020603050405020304" pitchFamily="18" charset="0"/>
+              <a:cs typeface="Times New Roman" panose="02020603050405020304" pitchFamily="18" charset="0"/>
+            </a:endParaRPr>
+          </a:p>
+          <a:p>
+            <a:r>
+              <a:rPr lang="ru-RU" sz="1200" baseline="0" dirty="0" smtClean="0">
+                <a:solidFill>
+                  <a:schemeClr val="tx1"/>
+                </a:solidFill>
+                <a:latin typeface="Times New Roman" panose="02020603050405020304" pitchFamily="18" charset="0"/>
+                <a:cs typeface="Times New Roman" panose="02020603050405020304" pitchFamily="18" charset="0"/>
+              </a:rPr>
+              <a:t>Сейчас используется для проектирования пользовательского интерфейса.</a:t>
+            </a:r>
+          </a:p>
+          <a:p>
+            <a:r>
+              <a:rPr lang="ru-RU" sz="1200" baseline="0" dirty="0" smtClean="0">
+                <a:solidFill>
+                  <a:schemeClr val="tx1"/>
+                </a:solidFill>
+                <a:latin typeface="Times New Roman" panose="02020603050405020304" pitchFamily="18" charset="0"/>
+                <a:cs typeface="Times New Roman" panose="02020603050405020304" pitchFamily="18" charset="0"/>
+              </a:rPr>
+              <a:t>*Открыть последнюю ссылку в вики, показать что есть меню, слева текст, справа место для рекламы и </a:t>
+            </a:r>
+            <a:r>
+              <a:rPr lang="ru-RU" sz="1200" baseline="0" dirty="0" err="1" smtClean="0">
+                <a:solidFill>
+                  <a:schemeClr val="tx1"/>
+                </a:solidFill>
+                <a:latin typeface="Times New Roman" panose="02020603050405020304" pitchFamily="18" charset="0"/>
+                <a:cs typeface="Times New Roman" panose="02020603050405020304" pitchFamily="18" charset="0"/>
+              </a:rPr>
+              <a:t>тэдэ</a:t>
+            </a:r>
+            <a:r>
+              <a:rPr lang="ru-RU" sz="1200" baseline="0" dirty="0" smtClean="0">
+                <a:solidFill>
+                  <a:schemeClr val="tx1"/>
+                </a:solidFill>
+                <a:latin typeface="Times New Roman" panose="02020603050405020304" pitchFamily="18" charset="0"/>
+                <a:cs typeface="Times New Roman" panose="02020603050405020304" pitchFamily="18" charset="0"/>
+              </a:rPr>
+              <a:t>. Открыть страничку в режиме разработчика, объяснить как это делать*</a:t>
+            </a:r>
+            <a:endParaRPr lang="ru-RU" sz="1200" dirty="0" smtClean="0">
+              <a:solidFill>
+                <a:schemeClr val="tx1"/>
+              </a:solidFill>
+              <a:latin typeface="Times New Roman" panose="02020603050405020304" pitchFamily="18" charset="0"/>
+              <a:cs typeface="Times New Roman" panose="02020603050405020304" pitchFamily="18" charset="0"/>
+            </a:endParaRPr>
+          </a:p>
+          <a:p>
+            <a:endParaRPr lang="ru-RU" dirty="0" smtClean="0"/>
+          </a:p>
+          <a:p>
+            <a:r>
+              <a:rPr lang="ru-RU" dirty="0" smtClean="0"/>
+              <a:t>Когда вы заходите</a:t>
+            </a:r>
+            <a:r>
+              <a:rPr lang="ru-RU" baseline="0" dirty="0" smtClean="0"/>
+              <a:t> на какую-то страничку в интернете, то у вас чаще всего загружается </a:t>
+            </a:r>
+            <a:r>
+              <a:rPr lang="en-US" baseline="0" dirty="0" smtClean="0"/>
+              <a:t>html</a:t>
+            </a:r>
+            <a:r>
+              <a:rPr lang="ru-RU" baseline="0" dirty="0" smtClean="0"/>
+              <a:t> документ, который в свою очередь загружает другие документы.</a:t>
+            </a:r>
+          </a:p>
+          <a:p>
+            <a:r>
+              <a:rPr lang="ru-RU" baseline="0" dirty="0" smtClean="0"/>
+              <a:t>*На слайде показать какие файлы загружает*</a:t>
+            </a:r>
+            <a:endParaRPr lang="ru-RU" dirty="0" smtClean="0"/>
+          </a:p>
+          <a:p>
             <a:endParaRPr lang="ru-RU" dirty="0"/>
           </a:p>
         </p:txBody>
@@ -3151,7 +3285,7 @@
     </p:spTree>
     <p:extLst>
       <p:ext uri="{BB962C8B-B14F-4D97-AF65-F5344CB8AC3E}">
-        <p14:creationId xmlns:p14="http://schemas.microsoft.com/office/powerpoint/2010/main" val="3198554829"/>
+        <p14:creationId xmlns:p14="http://schemas.microsoft.com/office/powerpoint/2010/main" val="1422340325"/>
       </p:ext>
     </p:extLst>
   </p:cSld>
@@ -3205,474 +3339,6 @@
           <a:bodyPr/>
           <a:lstStyle/>
           <a:p>
-            <a:r>
-              <a:rPr lang="ru-RU" sz="1200" b="0" i="0" kern="1200" dirty="0" smtClean="0">
-                <a:solidFill>
-                  <a:schemeClr val="tx1"/>
-                </a:solidFill>
-                <a:effectLst/>
-                <a:latin typeface="+mn-lt"/>
-                <a:ea typeface="+mn-ea"/>
-                <a:cs typeface="+mn-cs"/>
-              </a:rPr>
-              <a:t>Это формат который пришел из языка </a:t>
-            </a:r>
-            <a:r>
-              <a:rPr lang="en-US" sz="1200" b="0" i="0" kern="1200" dirty="0" smtClean="0">
-                <a:solidFill>
-                  <a:schemeClr val="tx1"/>
-                </a:solidFill>
-                <a:effectLst/>
-                <a:latin typeface="+mn-lt"/>
-                <a:ea typeface="+mn-ea"/>
-                <a:cs typeface="+mn-cs"/>
-              </a:rPr>
-              <a:t>JavaScript</a:t>
-            </a:r>
-          </a:p>
-          <a:p>
-            <a:r>
-              <a:rPr lang="ru-RU" sz="1200" b="0" i="0" kern="1200" dirty="0" smtClean="0">
-                <a:solidFill>
-                  <a:schemeClr val="tx1"/>
-                </a:solidFill>
-                <a:effectLst/>
-                <a:latin typeface="+mn-lt"/>
-                <a:ea typeface="+mn-ea"/>
-                <a:cs typeface="+mn-cs"/>
-              </a:rPr>
-              <a:t>Похож </a:t>
-            </a:r>
-            <a:r>
-              <a:rPr lang="ru-RU" sz="1200" b="0" i="0" kern="1200" dirty="0" smtClean="0">
-                <a:solidFill>
-                  <a:schemeClr val="tx1"/>
-                </a:solidFill>
-                <a:effectLst/>
-                <a:latin typeface="+mn-lt"/>
-                <a:ea typeface="+mn-ea"/>
-                <a:cs typeface="+mn-cs"/>
-              </a:rPr>
-              <a:t>на словарь </a:t>
-            </a:r>
-            <a:r>
-              <a:rPr lang="en-US" sz="1200" b="0" i="0" kern="1200" dirty="0" smtClean="0">
-                <a:solidFill>
-                  <a:schemeClr val="tx1"/>
-                </a:solidFill>
-                <a:effectLst/>
-                <a:latin typeface="+mn-lt"/>
-                <a:ea typeface="+mn-ea"/>
-                <a:cs typeface="+mn-cs"/>
-              </a:rPr>
-              <a:t>Python.</a:t>
-            </a:r>
-            <a:endParaRPr lang="ru-RU" sz="1200" b="0" i="0" kern="1200" dirty="0" smtClean="0">
-              <a:solidFill>
-                <a:schemeClr val="tx1"/>
-              </a:solidFill>
-              <a:effectLst/>
-              <a:latin typeface="+mn-lt"/>
-              <a:ea typeface="+mn-ea"/>
-              <a:cs typeface="+mn-cs"/>
-            </a:endParaRPr>
-          </a:p>
-          <a:p>
-            <a:r>
-              <a:rPr lang="ru-RU" sz="1200" b="0" i="0" kern="1200" dirty="0" smtClean="0">
-                <a:solidFill>
-                  <a:schemeClr val="tx1"/>
-                </a:solidFill>
-                <a:effectLst/>
-                <a:latin typeface="+mn-lt"/>
-                <a:ea typeface="+mn-ea"/>
-                <a:cs typeface="+mn-cs"/>
-              </a:rPr>
-              <a:t>JSON-текст представляет собой (в закодированном виде):</a:t>
-            </a:r>
-          </a:p>
-          <a:p>
-            <a:r>
-              <a:rPr lang="ru-RU" sz="1200" b="0" i="0" kern="1200" dirty="0" smtClean="0">
-                <a:solidFill>
-                  <a:schemeClr val="tx1"/>
-                </a:solidFill>
-                <a:effectLst/>
-                <a:latin typeface="+mn-lt"/>
-                <a:ea typeface="+mn-ea"/>
-                <a:cs typeface="+mn-cs"/>
-              </a:rPr>
-              <a:t>Набор пар </a:t>
-            </a:r>
-            <a:r>
-              <a:rPr lang="ru-RU" sz="1200" b="0" i="1" kern="1200" dirty="0" smtClean="0">
-                <a:solidFill>
-                  <a:schemeClr val="tx1"/>
-                </a:solidFill>
-                <a:effectLst/>
-                <a:latin typeface="+mn-lt"/>
-                <a:ea typeface="+mn-ea"/>
-                <a:cs typeface="+mn-cs"/>
-              </a:rPr>
-              <a:t>ключ: значение</a:t>
-            </a:r>
-            <a:r>
-              <a:rPr lang="ru-RU" sz="1200" b="0" i="0" kern="1200" dirty="0" smtClean="0">
-                <a:solidFill>
-                  <a:schemeClr val="tx1"/>
-                </a:solidFill>
-                <a:effectLst/>
-                <a:latin typeface="+mn-lt"/>
-                <a:ea typeface="+mn-ea"/>
-                <a:cs typeface="+mn-cs"/>
-              </a:rPr>
-              <a:t>.</a:t>
-            </a:r>
-          </a:p>
-          <a:p>
-            <a:pPr marL="0" marR="0" lvl="0" indent="0" algn="l" defTabSz="914400" rtl="0" eaLnBrk="1" fontAlgn="base" latinLnBrk="0" hangingPunct="1">
-              <a:lnSpc>
-                <a:spcPct val="100000"/>
-              </a:lnSpc>
-              <a:spcBef>
-                <a:spcPct val="30000"/>
-              </a:spcBef>
-              <a:spcAft>
-                <a:spcPct val="0"/>
-              </a:spcAft>
-              <a:buClrTx/>
-              <a:buSzTx/>
-              <a:buFontTx/>
-              <a:buNone/>
-              <a:tabLst/>
-              <a:defRPr/>
-            </a:pPr>
-            <a:r>
-              <a:rPr lang="ru-RU" sz="1200" b="0" i="0" kern="1200" dirty="0" smtClean="0">
-                <a:solidFill>
-                  <a:schemeClr val="tx1"/>
-                </a:solidFill>
-                <a:effectLst/>
-                <a:latin typeface="+mn-lt"/>
-                <a:ea typeface="+mn-ea"/>
-                <a:cs typeface="+mn-cs"/>
-              </a:rPr>
-              <a:t>Тело </a:t>
-            </a:r>
-            <a:r>
-              <a:rPr lang="en-US" sz="1200" b="0" i="0" kern="1200" dirty="0" smtClean="0">
-                <a:solidFill>
-                  <a:schemeClr val="tx1"/>
-                </a:solidFill>
-                <a:effectLst/>
-                <a:latin typeface="+mn-lt"/>
-                <a:ea typeface="+mn-ea"/>
-                <a:cs typeface="+mn-cs"/>
-              </a:rPr>
-              <a:t>JSON </a:t>
-            </a:r>
-            <a:r>
-              <a:rPr lang="ru-RU" sz="1200" b="0" i="0" kern="1200" dirty="0" smtClean="0">
-                <a:solidFill>
-                  <a:schemeClr val="tx1"/>
-                </a:solidFill>
-                <a:effectLst/>
-                <a:latin typeface="+mn-lt"/>
-                <a:ea typeface="+mn-ea"/>
-                <a:cs typeface="+mn-cs"/>
-              </a:rPr>
-              <a:t>заключено в фигурные скобки. Слева от двоеточия</a:t>
-            </a:r>
-            <a:r>
-              <a:rPr lang="ru-RU" sz="1200" b="0" i="0" kern="1200" baseline="0" dirty="0" smtClean="0">
-                <a:solidFill>
-                  <a:schemeClr val="tx1"/>
-                </a:solidFill>
-                <a:effectLst/>
-                <a:latin typeface="+mn-lt"/>
-                <a:ea typeface="+mn-ea"/>
-                <a:cs typeface="+mn-cs"/>
-              </a:rPr>
-              <a:t> – ключ, справа – значение. Например для первого </a:t>
-            </a:r>
-            <a:r>
-              <a:rPr lang="en-US" sz="1200" b="0" i="0" kern="1200" baseline="0" dirty="0" smtClean="0">
-                <a:solidFill>
-                  <a:schemeClr val="tx1"/>
-                </a:solidFill>
-                <a:effectLst/>
-                <a:latin typeface="+mn-lt"/>
-                <a:ea typeface="+mn-ea"/>
-                <a:cs typeface="+mn-cs"/>
-              </a:rPr>
-              <a:t>JSONA</a:t>
-            </a:r>
-            <a:r>
-              <a:rPr lang="ru-RU" sz="1200" b="0" i="0" kern="1200" baseline="0" dirty="0" smtClean="0">
-                <a:solidFill>
-                  <a:schemeClr val="tx1"/>
-                </a:solidFill>
-                <a:effectLst/>
-                <a:latin typeface="+mn-lt"/>
-                <a:ea typeface="+mn-ea"/>
-                <a:cs typeface="+mn-cs"/>
-              </a:rPr>
-              <a:t> и т.д.</a:t>
-            </a:r>
-            <a:endParaRPr lang="ru-RU" sz="1200" b="0" i="0" kern="1200" dirty="0" smtClean="0">
-              <a:solidFill>
-                <a:schemeClr val="tx1"/>
-              </a:solidFill>
-              <a:effectLst/>
-              <a:latin typeface="+mn-lt"/>
-              <a:ea typeface="+mn-ea"/>
-              <a:cs typeface="+mn-cs"/>
-            </a:endParaRPr>
-          </a:p>
-          <a:p>
-            <a:endParaRPr lang="en-US" sz="1200" b="0" i="0" kern="1200" dirty="0" smtClean="0">
-              <a:solidFill>
-                <a:schemeClr val="tx1"/>
-              </a:solidFill>
-              <a:effectLst/>
-              <a:latin typeface="+mn-lt"/>
-              <a:ea typeface="+mn-ea"/>
-              <a:cs typeface="+mn-cs"/>
-            </a:endParaRPr>
-          </a:p>
-          <a:p>
-            <a:r>
-              <a:rPr lang="ru-RU" sz="1200" b="0" i="0" kern="1200" dirty="0" smtClean="0">
-                <a:solidFill>
-                  <a:schemeClr val="tx1"/>
-                </a:solidFill>
-                <a:effectLst/>
-                <a:latin typeface="+mn-lt"/>
-                <a:ea typeface="+mn-ea"/>
-                <a:cs typeface="+mn-cs"/>
-              </a:rPr>
-              <a:t>Ключом может быть только строка</a:t>
-            </a:r>
-            <a:r>
-              <a:rPr lang="en-US" sz="1200" b="0" i="0" kern="1200" dirty="0" smtClean="0">
-                <a:solidFill>
-                  <a:schemeClr val="tx1"/>
-                </a:solidFill>
-                <a:effectLst/>
-                <a:latin typeface="+mn-lt"/>
-                <a:ea typeface="+mn-ea"/>
-                <a:cs typeface="+mn-cs"/>
-              </a:rPr>
-              <a:t>.</a:t>
-            </a:r>
-            <a:endParaRPr lang="ru-RU" sz="1200" b="0" i="0" kern="1200" dirty="0" smtClean="0">
-              <a:solidFill>
-                <a:schemeClr val="tx1"/>
-              </a:solidFill>
-              <a:effectLst/>
-              <a:latin typeface="+mn-lt"/>
-              <a:ea typeface="+mn-ea"/>
-              <a:cs typeface="+mn-cs"/>
-            </a:endParaRPr>
-          </a:p>
-          <a:p>
-            <a:r>
-              <a:rPr lang="ru-RU" sz="1200" b="0" i="0" kern="1200" dirty="0" smtClean="0">
-                <a:solidFill>
-                  <a:schemeClr val="tx1"/>
-                </a:solidFill>
-                <a:effectLst/>
-                <a:latin typeface="+mn-lt"/>
-                <a:ea typeface="+mn-ea"/>
-                <a:cs typeface="+mn-cs"/>
-              </a:rPr>
-              <a:t>В качестве значений в JSON могут быть использованы:</a:t>
-            </a:r>
-            <a:endParaRPr lang="en-US" sz="1200" b="0" i="0" kern="1200" dirty="0" smtClean="0">
-              <a:solidFill>
-                <a:schemeClr val="tx1"/>
-              </a:solidFill>
-              <a:effectLst/>
-              <a:latin typeface="+mn-lt"/>
-              <a:ea typeface="+mn-ea"/>
-              <a:cs typeface="+mn-cs"/>
-            </a:endParaRPr>
-          </a:p>
-          <a:p>
-            <a:r>
-              <a:rPr lang="ru-RU" sz="1200" b="1" i="0" kern="1200" dirty="0" smtClean="0">
-                <a:solidFill>
-                  <a:schemeClr val="tx1"/>
-                </a:solidFill>
-                <a:effectLst/>
-                <a:latin typeface="+mn-lt"/>
-                <a:ea typeface="+mn-ea"/>
-                <a:cs typeface="+mn-cs"/>
-              </a:rPr>
-              <a:t>Число</a:t>
-            </a:r>
-            <a:endParaRPr lang="en-US" sz="1200" b="1" i="0" kern="1200" dirty="0" smtClean="0">
-              <a:solidFill>
-                <a:schemeClr val="tx1"/>
-              </a:solidFill>
-              <a:effectLst/>
-              <a:latin typeface="+mn-lt"/>
-              <a:ea typeface="+mn-ea"/>
-              <a:cs typeface="+mn-cs"/>
-            </a:endParaRPr>
-          </a:p>
-          <a:p>
-            <a:r>
-              <a:rPr lang="ru-RU" sz="1200" b="1" i="0" kern="1200" dirty="0" smtClean="0">
-                <a:solidFill>
-                  <a:schemeClr val="tx1"/>
-                </a:solidFill>
-                <a:effectLst/>
-                <a:latin typeface="+mn-lt"/>
-                <a:ea typeface="+mn-ea"/>
-                <a:cs typeface="+mn-cs"/>
-              </a:rPr>
-              <a:t>Строка</a:t>
-            </a:r>
-            <a:endParaRPr lang="en-US" sz="1200" b="1" i="0" kern="1200" dirty="0" smtClean="0">
-              <a:solidFill>
-                <a:schemeClr val="tx1"/>
-              </a:solidFill>
-              <a:effectLst/>
-              <a:latin typeface="+mn-lt"/>
-              <a:ea typeface="+mn-ea"/>
-              <a:cs typeface="+mn-cs"/>
-            </a:endParaRPr>
-          </a:p>
-          <a:p>
-            <a:r>
-              <a:rPr lang="en-US" sz="1200" b="0" i="1" kern="1200" dirty="0" smtClean="0">
-                <a:solidFill>
-                  <a:schemeClr val="tx1"/>
-                </a:solidFill>
-                <a:effectLst/>
-                <a:latin typeface="+mn-lt"/>
-                <a:ea typeface="+mn-ea"/>
-                <a:cs typeface="+mn-cs"/>
-              </a:rPr>
-              <a:t>TRUE, FALSE</a:t>
-            </a:r>
-            <a:endParaRPr lang="en-US" sz="1200" b="0" i="0" kern="1200" dirty="0" smtClean="0">
-              <a:solidFill>
-                <a:schemeClr val="tx1"/>
-              </a:solidFill>
-              <a:effectLst/>
-              <a:latin typeface="+mn-lt"/>
-              <a:ea typeface="+mn-ea"/>
-              <a:cs typeface="+mn-cs"/>
-            </a:endParaRPr>
-          </a:p>
-          <a:p>
-            <a:r>
-              <a:rPr lang="ru-RU" sz="1200" b="1" i="0" kern="1200" dirty="0" smtClean="0">
-                <a:solidFill>
-                  <a:schemeClr val="tx1"/>
-                </a:solidFill>
-                <a:effectLst/>
-                <a:latin typeface="+mn-lt"/>
-                <a:ea typeface="+mn-ea"/>
-                <a:cs typeface="+mn-cs"/>
-              </a:rPr>
-              <a:t>Массив</a:t>
-            </a:r>
-            <a:endParaRPr lang="en-US" sz="1200" b="1" i="0" kern="1200" dirty="0" smtClean="0">
-              <a:solidFill>
-                <a:schemeClr val="tx1"/>
-              </a:solidFill>
-              <a:effectLst/>
-              <a:latin typeface="+mn-lt"/>
-              <a:ea typeface="+mn-ea"/>
-              <a:cs typeface="+mn-cs"/>
-            </a:endParaRPr>
-          </a:p>
-          <a:p>
-            <a:r>
-              <a:rPr lang="en-US" sz="1200" b="1" i="0" kern="1200" dirty="0" smtClean="0">
-                <a:solidFill>
-                  <a:schemeClr val="tx1"/>
-                </a:solidFill>
-                <a:effectLst/>
-                <a:latin typeface="+mn-lt"/>
-                <a:ea typeface="+mn-ea"/>
-                <a:cs typeface="+mn-cs"/>
-              </a:rPr>
-              <a:t>JSON</a:t>
-            </a:r>
-            <a:endParaRPr lang="ru-RU" sz="1200" b="1" i="0" kern="1200" dirty="0" smtClean="0">
-              <a:solidFill>
-                <a:schemeClr val="tx1"/>
-              </a:solidFill>
-              <a:effectLst/>
-              <a:latin typeface="+mn-lt"/>
-              <a:ea typeface="+mn-ea"/>
-              <a:cs typeface="+mn-cs"/>
-            </a:endParaRPr>
-          </a:p>
-          <a:p>
-            <a:endParaRPr lang="ru-RU" sz="1200" b="0" i="0" kern="1200" dirty="0" smtClean="0">
-              <a:solidFill>
-                <a:schemeClr val="tx1"/>
-              </a:solidFill>
-              <a:effectLst/>
-              <a:latin typeface="+mn-lt"/>
-              <a:ea typeface="+mn-ea"/>
-              <a:cs typeface="+mn-cs"/>
-            </a:endParaRPr>
-          </a:p>
-          <a:p>
-            <a:r>
-              <a:rPr lang="en-US" sz="1200" b="0" i="0" kern="1200" dirty="0" smtClean="0">
-                <a:solidFill>
-                  <a:schemeClr val="tx1"/>
-                </a:solidFill>
-                <a:effectLst/>
-                <a:latin typeface="+mn-lt"/>
-                <a:ea typeface="+mn-ea"/>
-                <a:cs typeface="+mn-cs"/>
-              </a:rPr>
-              <a:t>JSON</a:t>
-            </a:r>
-            <a:r>
-              <a:rPr lang="ru-RU" sz="1200" b="0" i="0" kern="1200" baseline="0" dirty="0" smtClean="0">
-                <a:solidFill>
-                  <a:schemeClr val="tx1"/>
-                </a:solidFill>
-                <a:effectLst/>
-                <a:latin typeface="+mn-lt"/>
-                <a:ea typeface="+mn-ea"/>
-                <a:cs typeface="+mn-cs"/>
-              </a:rPr>
-              <a:t> </a:t>
-            </a:r>
-            <a:r>
-              <a:rPr lang="ru-RU" sz="1200" b="0" i="0" kern="1200" baseline="0" dirty="0" smtClean="0">
-                <a:solidFill>
-                  <a:schemeClr val="tx1"/>
-                </a:solidFill>
-                <a:effectLst/>
-                <a:latin typeface="+mn-lt"/>
-                <a:ea typeface="+mn-ea"/>
-                <a:cs typeface="+mn-cs"/>
-              </a:rPr>
-              <a:t>мы будем использовать в наших веб </a:t>
-            </a:r>
-            <a:r>
-              <a:rPr lang="ru-RU" sz="1200" b="0" i="0" kern="1200" baseline="0" dirty="0" smtClean="0">
-                <a:solidFill>
-                  <a:schemeClr val="tx1"/>
-                </a:solidFill>
-                <a:effectLst/>
-                <a:latin typeface="+mn-lt"/>
-                <a:ea typeface="+mn-ea"/>
-                <a:cs typeface="+mn-cs"/>
-              </a:rPr>
-              <a:t>приложениях, поэтому пару задачек на эту тему</a:t>
-            </a:r>
             <a:endParaRPr lang="ru-RU" dirty="0"/>
           </a:p>
         </p:txBody>
@@ -3709,7 +3375,7 @@
     </p:spTree>
     <p:extLst>
       <p:ext uri="{BB962C8B-B14F-4D97-AF65-F5344CB8AC3E}">
-        <p14:creationId xmlns:p14="http://schemas.microsoft.com/office/powerpoint/2010/main" val="813356846"/>
+        <p14:creationId xmlns:p14="http://schemas.microsoft.com/office/powerpoint/2010/main" val="3198554829"/>
       </p:ext>
     </p:extLst>
   </p:cSld>
@@ -3764,12 +3430,436 @@
           <a:lstStyle/>
           <a:p>
             <a:r>
-              <a:rPr lang="ru-RU" dirty="0" smtClean="0"/>
-              <a:t>Сохранять их где-то,</a:t>
-            </a:r>
-            <a:r>
-              <a:rPr lang="ru-RU" baseline="0" dirty="0" smtClean="0"/>
-              <a:t> они потом нужны будут</a:t>
+              <a:rPr lang="ru-RU" sz="1200" b="0" i="0" kern="1200" dirty="0" smtClean="0">
+                <a:solidFill>
+                  <a:schemeClr val="tx1"/>
+                </a:solidFill>
+                <a:effectLst/>
+                <a:latin typeface="+mn-lt"/>
+                <a:ea typeface="+mn-ea"/>
+                <a:cs typeface="+mn-cs"/>
+              </a:rPr>
+              <a:t>Это формат который пришел из языка </a:t>
+            </a:r>
+            <a:r>
+              <a:rPr lang="en-US" sz="1200" b="0" i="0" kern="1200" dirty="0" smtClean="0">
+                <a:solidFill>
+                  <a:schemeClr val="tx1"/>
+                </a:solidFill>
+                <a:effectLst/>
+                <a:latin typeface="+mn-lt"/>
+                <a:ea typeface="+mn-ea"/>
+                <a:cs typeface="+mn-cs"/>
+              </a:rPr>
+              <a:t>JavaScript</a:t>
+            </a:r>
+          </a:p>
+          <a:p>
+            <a:r>
+              <a:rPr lang="ru-RU" sz="1200" b="0" i="0" kern="1200" dirty="0" smtClean="0">
+                <a:solidFill>
+                  <a:schemeClr val="tx1"/>
+                </a:solidFill>
+                <a:effectLst/>
+                <a:latin typeface="+mn-lt"/>
+                <a:ea typeface="+mn-ea"/>
+                <a:cs typeface="+mn-cs"/>
+              </a:rPr>
+              <a:t>Похож на словарь </a:t>
+            </a:r>
+            <a:r>
+              <a:rPr lang="en-US" sz="1200" b="0" i="0" kern="1200" dirty="0" smtClean="0">
+                <a:solidFill>
+                  <a:schemeClr val="tx1"/>
+                </a:solidFill>
+                <a:effectLst/>
+                <a:latin typeface="+mn-lt"/>
+                <a:ea typeface="+mn-ea"/>
+                <a:cs typeface="+mn-cs"/>
+              </a:rPr>
+              <a:t>Python.</a:t>
+            </a:r>
+            <a:endParaRPr lang="ru-RU" sz="1200" b="0" i="0" kern="1200" dirty="0" smtClean="0">
+              <a:solidFill>
+                <a:schemeClr val="tx1"/>
+              </a:solidFill>
+              <a:effectLst/>
+              <a:latin typeface="+mn-lt"/>
+              <a:ea typeface="+mn-ea"/>
+              <a:cs typeface="+mn-cs"/>
+            </a:endParaRPr>
+          </a:p>
+          <a:p>
+            <a:r>
+              <a:rPr lang="ru-RU" sz="1200" b="0" i="0" kern="1200" dirty="0" smtClean="0">
+                <a:solidFill>
+                  <a:schemeClr val="tx1"/>
+                </a:solidFill>
+                <a:effectLst/>
+                <a:latin typeface="+mn-lt"/>
+                <a:ea typeface="+mn-ea"/>
+                <a:cs typeface="+mn-cs"/>
+              </a:rPr>
+              <a:t>JSON-текст представляет собой (в закодированном виде):</a:t>
+            </a:r>
+          </a:p>
+          <a:p>
+            <a:r>
+              <a:rPr lang="ru-RU" sz="1200" b="0" i="0" kern="1200" dirty="0" smtClean="0">
+                <a:solidFill>
+                  <a:schemeClr val="tx1"/>
+                </a:solidFill>
+                <a:effectLst/>
+                <a:latin typeface="+mn-lt"/>
+                <a:ea typeface="+mn-ea"/>
+                <a:cs typeface="+mn-cs"/>
+              </a:rPr>
+              <a:t>Набор пар </a:t>
+            </a:r>
+            <a:r>
+              <a:rPr lang="ru-RU" sz="1200" b="0" i="1" kern="1200" dirty="0" smtClean="0">
+                <a:solidFill>
+                  <a:schemeClr val="tx1"/>
+                </a:solidFill>
+                <a:effectLst/>
+                <a:latin typeface="+mn-lt"/>
+                <a:ea typeface="+mn-ea"/>
+                <a:cs typeface="+mn-cs"/>
+              </a:rPr>
+              <a:t>ключ: значение</a:t>
+            </a:r>
+            <a:r>
+              <a:rPr lang="ru-RU" sz="1200" b="0" i="0" kern="1200" dirty="0" smtClean="0">
+                <a:solidFill>
+                  <a:schemeClr val="tx1"/>
+                </a:solidFill>
+                <a:effectLst/>
+                <a:latin typeface="+mn-lt"/>
+                <a:ea typeface="+mn-ea"/>
+                <a:cs typeface="+mn-cs"/>
+              </a:rPr>
+              <a:t>.</a:t>
+            </a:r>
+          </a:p>
+          <a:p>
+            <a:pPr marL="0" marR="0" lvl="0" indent="0" algn="l" defTabSz="914400" rtl="0" eaLnBrk="1" fontAlgn="base" latinLnBrk="0" hangingPunct="1">
+              <a:lnSpc>
+                <a:spcPct val="100000"/>
+              </a:lnSpc>
+              <a:spcBef>
+                <a:spcPct val="30000"/>
+              </a:spcBef>
+              <a:spcAft>
+                <a:spcPct val="0"/>
+              </a:spcAft>
+              <a:buClrTx/>
+              <a:buSzTx/>
+              <a:buFontTx/>
+              <a:buNone/>
+              <a:tabLst/>
+              <a:defRPr/>
+            </a:pPr>
+            <a:r>
+              <a:rPr lang="ru-RU" sz="1200" b="0" i="0" kern="1200" dirty="0" smtClean="0">
+                <a:solidFill>
+                  <a:schemeClr val="tx1"/>
+                </a:solidFill>
+                <a:effectLst/>
+                <a:latin typeface="+mn-lt"/>
+                <a:ea typeface="+mn-ea"/>
+                <a:cs typeface="+mn-cs"/>
+              </a:rPr>
+              <a:t>Тело </a:t>
+            </a:r>
+            <a:r>
+              <a:rPr lang="en-US" sz="1200" b="0" i="0" kern="1200" dirty="0" smtClean="0">
+                <a:solidFill>
+                  <a:schemeClr val="tx1"/>
+                </a:solidFill>
+                <a:effectLst/>
+                <a:latin typeface="+mn-lt"/>
+                <a:ea typeface="+mn-ea"/>
+                <a:cs typeface="+mn-cs"/>
+              </a:rPr>
+              <a:t>JSON </a:t>
+            </a:r>
+            <a:r>
+              <a:rPr lang="ru-RU" sz="1200" b="0" i="0" kern="1200" dirty="0" smtClean="0">
+                <a:solidFill>
+                  <a:schemeClr val="tx1"/>
+                </a:solidFill>
+                <a:effectLst/>
+                <a:latin typeface="+mn-lt"/>
+                <a:ea typeface="+mn-ea"/>
+                <a:cs typeface="+mn-cs"/>
+              </a:rPr>
+              <a:t>заключено в фигурные скобки. Слева от двоеточия</a:t>
+            </a:r>
+            <a:r>
+              <a:rPr lang="ru-RU" sz="1200" b="0" i="0" kern="1200" baseline="0" dirty="0" smtClean="0">
+                <a:solidFill>
+                  <a:schemeClr val="tx1"/>
+                </a:solidFill>
+                <a:effectLst/>
+                <a:latin typeface="+mn-lt"/>
+                <a:ea typeface="+mn-ea"/>
+                <a:cs typeface="+mn-cs"/>
+              </a:rPr>
+              <a:t> – ключ, справа – значение. Например для первого </a:t>
+            </a:r>
+            <a:r>
+              <a:rPr lang="en-US" sz="1200" b="0" i="0" kern="1200" baseline="0" dirty="0" smtClean="0">
+                <a:solidFill>
+                  <a:schemeClr val="tx1"/>
+                </a:solidFill>
+                <a:effectLst/>
+                <a:latin typeface="+mn-lt"/>
+                <a:ea typeface="+mn-ea"/>
+                <a:cs typeface="+mn-cs"/>
+              </a:rPr>
+              <a:t>JSONA</a:t>
+            </a:r>
+            <a:r>
+              <a:rPr lang="ru-RU" sz="1200" b="0" i="0" kern="1200" baseline="0" dirty="0" smtClean="0">
+                <a:solidFill>
+                  <a:schemeClr val="tx1"/>
+                </a:solidFill>
+                <a:effectLst/>
+                <a:latin typeface="+mn-lt"/>
+                <a:ea typeface="+mn-ea"/>
+                <a:cs typeface="+mn-cs"/>
+              </a:rPr>
+              <a:t> и т.д.</a:t>
+            </a:r>
+            <a:endParaRPr lang="ru-RU" sz="1200" b="0" i="0" kern="1200" dirty="0" smtClean="0">
+              <a:solidFill>
+                <a:schemeClr val="tx1"/>
+              </a:solidFill>
+              <a:effectLst/>
+              <a:latin typeface="+mn-lt"/>
+              <a:ea typeface="+mn-ea"/>
+              <a:cs typeface="+mn-cs"/>
+            </a:endParaRPr>
+          </a:p>
+          <a:p>
+            <a:endParaRPr lang="en-US" sz="1200" b="0" i="0" kern="1200" dirty="0" smtClean="0">
+              <a:solidFill>
+                <a:schemeClr val="tx1"/>
+              </a:solidFill>
+              <a:effectLst/>
+              <a:latin typeface="+mn-lt"/>
+              <a:ea typeface="+mn-ea"/>
+              <a:cs typeface="+mn-cs"/>
+            </a:endParaRPr>
+          </a:p>
+          <a:p>
+            <a:r>
+              <a:rPr lang="ru-RU" sz="1200" b="0" i="0" kern="1200" dirty="0" smtClean="0">
+                <a:solidFill>
+                  <a:schemeClr val="tx1"/>
+                </a:solidFill>
+                <a:effectLst/>
+                <a:latin typeface="+mn-lt"/>
+                <a:ea typeface="+mn-ea"/>
+                <a:cs typeface="+mn-cs"/>
+              </a:rPr>
+              <a:t>Ключом может быть только строка</a:t>
+            </a:r>
+            <a:r>
+              <a:rPr lang="en-US" sz="1200" b="0" i="0" kern="1200" dirty="0" smtClean="0">
+                <a:solidFill>
+                  <a:schemeClr val="tx1"/>
+                </a:solidFill>
+                <a:effectLst/>
+                <a:latin typeface="+mn-lt"/>
+                <a:ea typeface="+mn-ea"/>
+                <a:cs typeface="+mn-cs"/>
+              </a:rPr>
+              <a:t>.</a:t>
+            </a:r>
+            <a:endParaRPr lang="ru-RU" sz="1200" b="0" i="0" kern="1200" dirty="0" smtClean="0">
+              <a:solidFill>
+                <a:schemeClr val="tx1"/>
+              </a:solidFill>
+              <a:effectLst/>
+              <a:latin typeface="+mn-lt"/>
+              <a:ea typeface="+mn-ea"/>
+              <a:cs typeface="+mn-cs"/>
+            </a:endParaRPr>
+          </a:p>
+          <a:p>
+            <a:r>
+              <a:rPr lang="ru-RU" sz="1200" b="0" i="0" kern="1200" dirty="0" smtClean="0">
+                <a:solidFill>
+                  <a:schemeClr val="tx1"/>
+                </a:solidFill>
+                <a:effectLst/>
+                <a:latin typeface="+mn-lt"/>
+                <a:ea typeface="+mn-ea"/>
+                <a:cs typeface="+mn-cs"/>
+              </a:rPr>
+              <a:t>В качестве значений в JSON могут быть использованы:</a:t>
+            </a:r>
+            <a:endParaRPr lang="en-US" sz="1200" b="0" i="0" kern="1200" dirty="0" smtClean="0">
+              <a:solidFill>
+                <a:schemeClr val="tx1"/>
+              </a:solidFill>
+              <a:effectLst/>
+              <a:latin typeface="+mn-lt"/>
+              <a:ea typeface="+mn-ea"/>
+              <a:cs typeface="+mn-cs"/>
+            </a:endParaRPr>
+          </a:p>
+          <a:p>
+            <a:r>
+              <a:rPr lang="ru-RU" sz="1200" b="1" i="0" kern="1200" dirty="0" smtClean="0">
+                <a:solidFill>
+                  <a:schemeClr val="tx1"/>
+                </a:solidFill>
+                <a:effectLst/>
+                <a:latin typeface="+mn-lt"/>
+                <a:ea typeface="+mn-ea"/>
+                <a:cs typeface="+mn-cs"/>
+              </a:rPr>
+              <a:t>Число</a:t>
+            </a:r>
+            <a:endParaRPr lang="en-US" sz="1200" b="1" i="0" kern="1200" dirty="0" smtClean="0">
+              <a:solidFill>
+                <a:schemeClr val="tx1"/>
+              </a:solidFill>
+              <a:effectLst/>
+              <a:latin typeface="+mn-lt"/>
+              <a:ea typeface="+mn-ea"/>
+              <a:cs typeface="+mn-cs"/>
+            </a:endParaRPr>
+          </a:p>
+          <a:p>
+            <a:r>
+              <a:rPr lang="ru-RU" sz="1200" b="1" i="0" kern="1200" dirty="0" smtClean="0">
+                <a:solidFill>
+                  <a:schemeClr val="tx1"/>
+                </a:solidFill>
+                <a:effectLst/>
+                <a:latin typeface="+mn-lt"/>
+                <a:ea typeface="+mn-ea"/>
+                <a:cs typeface="+mn-cs"/>
+              </a:rPr>
+              <a:t>Строка</a:t>
+            </a:r>
+            <a:endParaRPr lang="en-US" sz="1200" b="1" i="0" kern="1200" dirty="0" smtClean="0">
+              <a:solidFill>
+                <a:schemeClr val="tx1"/>
+              </a:solidFill>
+              <a:effectLst/>
+              <a:latin typeface="+mn-lt"/>
+              <a:ea typeface="+mn-ea"/>
+              <a:cs typeface="+mn-cs"/>
+            </a:endParaRPr>
+          </a:p>
+          <a:p>
+            <a:r>
+              <a:rPr lang="en-US" sz="1200" b="0" i="1" kern="1200" dirty="0" smtClean="0">
+                <a:solidFill>
+                  <a:schemeClr val="tx1"/>
+                </a:solidFill>
+                <a:effectLst/>
+                <a:latin typeface="+mn-lt"/>
+                <a:ea typeface="+mn-ea"/>
+                <a:cs typeface="+mn-cs"/>
+              </a:rPr>
+              <a:t>TRUE, FALSE</a:t>
+            </a:r>
+            <a:endParaRPr lang="en-US" sz="1200" b="0" i="0" kern="1200" dirty="0" smtClean="0">
+              <a:solidFill>
+                <a:schemeClr val="tx1"/>
+              </a:solidFill>
+              <a:effectLst/>
+              <a:latin typeface="+mn-lt"/>
+              <a:ea typeface="+mn-ea"/>
+              <a:cs typeface="+mn-cs"/>
+            </a:endParaRPr>
+          </a:p>
+          <a:p>
+            <a:r>
+              <a:rPr lang="ru-RU" sz="1200" b="1" i="0" kern="1200" dirty="0" smtClean="0">
+                <a:solidFill>
+                  <a:schemeClr val="tx1"/>
+                </a:solidFill>
+                <a:effectLst/>
+                <a:latin typeface="+mn-lt"/>
+                <a:ea typeface="+mn-ea"/>
+                <a:cs typeface="+mn-cs"/>
+              </a:rPr>
+              <a:t>Массив</a:t>
+            </a:r>
+            <a:endParaRPr lang="en-US" sz="1200" b="1" i="0" kern="1200" dirty="0" smtClean="0">
+              <a:solidFill>
+                <a:schemeClr val="tx1"/>
+              </a:solidFill>
+              <a:effectLst/>
+              <a:latin typeface="+mn-lt"/>
+              <a:ea typeface="+mn-ea"/>
+              <a:cs typeface="+mn-cs"/>
+            </a:endParaRPr>
+          </a:p>
+          <a:p>
+            <a:r>
+              <a:rPr lang="en-US" sz="1200" b="1" i="0" kern="1200" dirty="0" smtClean="0">
+                <a:solidFill>
+                  <a:schemeClr val="tx1"/>
+                </a:solidFill>
+                <a:effectLst/>
+                <a:latin typeface="+mn-lt"/>
+                <a:ea typeface="+mn-ea"/>
+                <a:cs typeface="+mn-cs"/>
+              </a:rPr>
+              <a:t>JSON</a:t>
+            </a:r>
+            <a:endParaRPr lang="ru-RU" sz="1200" b="1" i="0" kern="1200" dirty="0" smtClean="0">
+              <a:solidFill>
+                <a:schemeClr val="tx1"/>
+              </a:solidFill>
+              <a:effectLst/>
+              <a:latin typeface="+mn-lt"/>
+              <a:ea typeface="+mn-ea"/>
+              <a:cs typeface="+mn-cs"/>
+            </a:endParaRPr>
+          </a:p>
+          <a:p>
+            <a:endParaRPr lang="ru-RU" sz="1200" b="0" i="0" kern="1200" dirty="0" smtClean="0">
+              <a:solidFill>
+                <a:schemeClr val="tx1"/>
+              </a:solidFill>
+              <a:effectLst/>
+              <a:latin typeface="+mn-lt"/>
+              <a:ea typeface="+mn-ea"/>
+              <a:cs typeface="+mn-cs"/>
+            </a:endParaRPr>
+          </a:p>
+          <a:p>
+            <a:r>
+              <a:rPr lang="en-US" sz="1200" b="0" i="0" kern="1200" dirty="0" smtClean="0">
+                <a:solidFill>
+                  <a:schemeClr val="tx1"/>
+                </a:solidFill>
+                <a:effectLst/>
+                <a:latin typeface="+mn-lt"/>
+                <a:ea typeface="+mn-ea"/>
+                <a:cs typeface="+mn-cs"/>
+              </a:rPr>
+              <a:t>JSON</a:t>
+            </a:r>
+            <a:r>
+              <a:rPr lang="ru-RU" sz="1200" b="0" i="0" kern="1200" baseline="0" dirty="0" smtClean="0">
+                <a:solidFill>
+                  <a:schemeClr val="tx1"/>
+                </a:solidFill>
+                <a:effectLst/>
+                <a:latin typeface="+mn-lt"/>
+                <a:ea typeface="+mn-ea"/>
+                <a:cs typeface="+mn-cs"/>
+              </a:rPr>
+              <a:t> мы будем использовать в наших веб приложениях, поэтому пару задачек на эту тему</a:t>
             </a:r>
             <a:endParaRPr lang="ru-RU" dirty="0"/>
           </a:p>
@@ -3807,7 +3897,7 @@
     </p:spTree>
     <p:extLst>
       <p:ext uri="{BB962C8B-B14F-4D97-AF65-F5344CB8AC3E}">
-        <p14:creationId xmlns:p14="http://schemas.microsoft.com/office/powerpoint/2010/main" val="2743639933"/>
+        <p14:creationId xmlns:p14="http://schemas.microsoft.com/office/powerpoint/2010/main" val="813356846"/>
       </p:ext>
     </p:extLst>
   </p:cSld>
@@ -3863,62 +3953,11 @@
           <a:p>
             <a:r>
               <a:rPr lang="ru-RU" dirty="0" smtClean="0"/>
-              <a:t>Документы это не тоже самое что и файлы, документы могут быть </a:t>
-            </a:r>
-            <a:r>
-              <a:rPr lang="ru-RU" dirty="0" err="1" smtClean="0"/>
-              <a:t>стат</a:t>
-            </a:r>
-            <a:r>
-              <a:rPr lang="ru-RU" dirty="0" smtClean="0"/>
-              <a:t>, могут быть динам.</a:t>
-            </a:r>
-          </a:p>
-          <a:p>
-            <a:r>
-              <a:rPr lang="ru-RU" dirty="0" smtClean="0"/>
-              <a:t>Статические</a:t>
+              <a:t>Сохранять их где-то,</a:t>
             </a:r>
             <a:r>
               <a:rPr lang="ru-RU" baseline="0" dirty="0" smtClean="0"/>
-              <a:t> – это файлы которые лежат на диске веб-сервера. </a:t>
-            </a:r>
-          </a:p>
-          <a:p>
-            <a:r>
-              <a:rPr lang="ru-RU" baseline="0" dirty="0" smtClean="0"/>
-              <a:t>Эти документы не существуют в виде какого-то файла, а генерируются на лету по запросу.</a:t>
-            </a:r>
-          </a:p>
-          <a:p>
-            <a:endParaRPr lang="ru-RU" baseline="0" dirty="0" smtClean="0"/>
-          </a:p>
-          <a:p>
-            <a:r>
-              <a:rPr lang="ru-RU" baseline="0" dirty="0" smtClean="0"/>
-              <a:t>Для примеры: статическим документом будет </a:t>
-            </a:r>
-            <a:r>
-              <a:rPr lang="en-US" baseline="0" dirty="0" smtClean="0"/>
-              <a:t>text/html </a:t>
-            </a:r>
-            <a:r>
-              <a:rPr lang="ru-RU" baseline="0" dirty="0" smtClean="0"/>
-              <a:t>из Задания 1, все картинки и стили из него. </a:t>
-            </a:r>
-          </a:p>
-          <a:p>
-            <a:r>
-              <a:rPr lang="ru-RU" baseline="0" dirty="0" smtClean="0"/>
-              <a:t>А динамическими могут быть </a:t>
-            </a:r>
-            <a:r>
-              <a:rPr lang="en-US" baseline="0" dirty="0" smtClean="0"/>
-              <a:t>JSON</a:t>
-            </a:r>
-            <a:r>
-              <a:rPr lang="ru-RU" baseline="0" dirty="0" smtClean="0"/>
-              <a:t> которые получаются по какому-либо запросу.</a:t>
+              <a:t> они потом нужны будут</a:t>
             </a:r>
             <a:endParaRPr lang="ru-RU" dirty="0"/>
           </a:p>
@@ -3956,7 +3995,7 @@
     </p:spTree>
     <p:extLst>
       <p:ext uri="{BB962C8B-B14F-4D97-AF65-F5344CB8AC3E}">
-        <p14:creationId xmlns:p14="http://schemas.microsoft.com/office/powerpoint/2010/main" val="987596077"/>
+        <p14:creationId xmlns:p14="http://schemas.microsoft.com/office/powerpoint/2010/main" val="2743639933"/>
       </p:ext>
     </p:extLst>
   </p:cSld>
@@ -5155,7 +5194,7 @@
               <a:pPr>
                 <a:defRPr/>
               </a:pPr>
-              <a:t>03.07.2018</a:t>
+              <a:t>04.07.2018</a:t>
             </a:fld>
             <a:endParaRPr lang="ru-RU"/>
           </a:p>
@@ -5837,11 +5876,7 @@
           <a:p>
             <a:r>
               <a:rPr lang="ru-RU" dirty="0" smtClean="0"/>
-              <a:t>Задание </a:t>
-            </a:r>
-            <a:r>
-              <a:rPr lang="ru-RU" dirty="0" smtClean="0"/>
-              <a:t>3</a:t>
+              <a:t>Документы: замечание</a:t>
             </a:r>
             <a:endParaRPr lang="ru-RU" dirty="0"/>
           </a:p>
@@ -5849,7 +5884,37 @@
       </p:sp>
       <p:sp>
         <p:nvSpPr>
-          <p:cNvPr id="6" name="Текст 3">
+          <p:cNvPr id="4" name="Текст 3">
+            <a:extLst>
+              <a:ext uri="{FF2B5EF4-FFF2-40B4-BE49-F238E27FC236}">
+                <a16:creationId xmlns:a16="http://schemas.microsoft.com/office/drawing/2014/main" id="{74C82C9C-F2A8-41A8-880B-73811E3EFC36}"/>
+              </a:ext>
+            </a:extLst>
+          </p:cNvPr>
+          <p:cNvSpPr>
+            <a:spLocks noGrp="1"/>
+          </p:cNvSpPr>
+          <p:nvPr>
+            <p:ph type="body" sz="quarter" idx="11"/>
+          </p:nvPr>
+        </p:nvSpPr>
+        <p:spPr>
+          <a:xfrm>
+            <a:off x="253096" y="6534445"/>
+            <a:ext cx="8602515" cy="323557"/>
+          </a:xfrm>
+        </p:spPr>
+        <p:txBody>
+          <a:bodyPr/>
+          <a:lstStyle/>
+          <a:p>
+            <a:endParaRPr lang="ru-RU" dirty="0"/>
+          </a:p>
+        </p:txBody>
+      </p:sp>
+      <p:sp>
+        <p:nvSpPr>
+          <p:cNvPr id="5" name="Текст 3">
             <a:extLst>
               <a:ext uri="{FF2B5EF4-FFF2-40B4-BE49-F238E27FC236}">
                 <a16:creationId xmlns:a16="http://schemas.microsoft.com/office/drawing/2014/main" id="{74C82C9C-F2A8-41A8-880B-73811E3EFC36}"/>
@@ -6064,6 +6129,16 @@
           <a:p>
             <a:pPr indent="0"/>
             <a:r>
+              <a:rPr lang="ru-RU" sz="2000" dirty="0">
+                <a:solidFill>
+                  <a:schemeClr val="tx1"/>
+                </a:solidFill>
+                <a:latin typeface="Times New Roman" panose="02020603050405020304" pitchFamily="18" charset="0"/>
+                <a:cs typeface="Times New Roman" panose="02020603050405020304" pitchFamily="18" charset="0"/>
+              </a:rPr>
+              <a:t>Документы могут </a:t>
+            </a:r>
+            <a:r>
               <a:rPr lang="ru-RU" sz="2000" dirty="0" smtClean="0">
                 <a:solidFill>
                   <a:schemeClr val="tx1"/>
@@ -6071,64 +6146,12 @@
                 <a:latin typeface="Times New Roman" panose="02020603050405020304" pitchFamily="18" charset="0"/>
                 <a:cs typeface="Times New Roman" panose="02020603050405020304" pitchFamily="18" charset="0"/>
               </a:rPr>
-              <a:t>Придумать </a:t>
-            </a:r>
-            <a:r>
-              <a:rPr lang="en-US" sz="2000" dirty="0" smtClean="0">
-                <a:solidFill>
-                  <a:schemeClr val="tx1"/>
-                </a:solidFill>
-                <a:latin typeface="Times New Roman" panose="02020603050405020304" pitchFamily="18" charset="0"/>
-                <a:cs typeface="Times New Roman" panose="02020603050405020304" pitchFamily="18" charset="0"/>
-              </a:rPr>
-              <a:t>JSON</a:t>
-            </a:r>
-            <a:r>
-              <a:rPr lang="ru-RU" sz="2000" dirty="0" smtClean="0">
-                <a:solidFill>
-                  <a:schemeClr val="tx1"/>
-                </a:solidFill>
-                <a:latin typeface="Times New Roman" panose="02020603050405020304" pitchFamily="18" charset="0"/>
-                <a:cs typeface="Times New Roman" panose="02020603050405020304" pitchFamily="18" charset="0"/>
-              </a:rPr>
-              <a:t>, который бы мы могли получить по запросу:</a:t>
-            </a:r>
-          </a:p>
-          <a:p>
-            <a:pPr>
-              <a:buAutoNum type="arabicPeriod"/>
-            </a:pPr>
-            <a:r>
-              <a:rPr lang="ru-RU" sz="2000" dirty="0" smtClean="0">
-                <a:solidFill>
-                  <a:schemeClr val="tx1"/>
-                </a:solidFill>
-                <a:latin typeface="Times New Roman" panose="02020603050405020304" pitchFamily="18" charset="0"/>
-                <a:cs typeface="Times New Roman" panose="02020603050405020304" pitchFamily="18" charset="0"/>
-              </a:rPr>
-              <a:t>о наиболее часто покупаемом товаре в интернет магазине</a:t>
-            </a:r>
-          </a:p>
-          <a:p>
-            <a:pPr>
-              <a:buAutoNum type="arabicPeriod"/>
-            </a:pPr>
-            <a:r>
-              <a:rPr lang="ru-RU" sz="2000" dirty="0" smtClean="0">
-                <a:solidFill>
-                  <a:schemeClr val="tx1"/>
-                </a:solidFill>
-                <a:latin typeface="Times New Roman" panose="02020603050405020304" pitchFamily="18" charset="0"/>
-                <a:cs typeface="Times New Roman" panose="02020603050405020304" pitchFamily="18" charset="0"/>
-              </a:rPr>
-              <a:t>касаемо вашего кейса</a:t>
-            </a:r>
-          </a:p>
-          <a:p>
-            <a:pPr>
-              <a:buAutoNum type="arabicPeriod"/>
-            </a:pPr>
-            <a:endParaRPr lang="ru-RU" sz="1800" dirty="0" smtClean="0">
+              <a:t>быть:</a:t>
+            </a:r>
+          </a:p>
+          <a:p>
+            <a:pPr indent="0"/>
+            <a:endParaRPr lang="ru-RU" sz="2000" dirty="0">
               <a:solidFill>
                 <a:schemeClr val="tx1"/>
               </a:solidFill>
@@ -6136,25 +6159,179 @@
               <a:cs typeface="Times New Roman" panose="02020603050405020304" pitchFamily="18" charset="0"/>
             </a:endParaRPr>
           </a:p>
+          <a:p>
+            <a:pPr marL="342900">
+              <a:buFont typeface="Arial" panose="020B0604020202020204" pitchFamily="34" charset="0"/>
+              <a:buChar char="•"/>
+            </a:pPr>
+            <a:r>
+              <a:rPr lang="ru-RU" sz="2000" b="1" dirty="0" smtClean="0">
+                <a:solidFill>
+                  <a:schemeClr val="tx1"/>
+                </a:solidFill>
+                <a:latin typeface="Times New Roman" panose="02020603050405020304" pitchFamily="18" charset="0"/>
+                <a:cs typeface="Times New Roman" panose="02020603050405020304" pitchFamily="18" charset="0"/>
+              </a:rPr>
+              <a:t>Статические</a:t>
+            </a:r>
+            <a:endParaRPr lang="ru-RU" sz="2000" b="1" dirty="0">
+              <a:solidFill>
+                <a:schemeClr val="tx1"/>
+              </a:solidFill>
+              <a:latin typeface="Times New Roman" panose="02020603050405020304" pitchFamily="18" charset="0"/>
+              <a:cs typeface="Times New Roman" panose="02020603050405020304" pitchFamily="18" charset="0"/>
+            </a:endParaRPr>
+          </a:p>
+          <a:p>
+            <a:pPr marL="1085850" lvl="1">
+              <a:buFont typeface="Arial" panose="020B0604020202020204" pitchFamily="34" charset="0"/>
+              <a:buChar char="•"/>
+            </a:pPr>
+            <a:r>
+              <a:rPr lang="ru-RU" sz="2000" dirty="0" smtClean="0">
+                <a:solidFill>
+                  <a:schemeClr val="tx1"/>
+                </a:solidFill>
+                <a:latin typeface="Times New Roman" panose="02020603050405020304" pitchFamily="18" charset="0"/>
+                <a:cs typeface="Times New Roman" panose="02020603050405020304" pitchFamily="18" charset="0"/>
+              </a:rPr>
+              <a:t>Это </a:t>
+            </a:r>
+            <a:r>
+              <a:rPr lang="ru-RU" sz="2000" dirty="0">
+                <a:solidFill>
+                  <a:schemeClr val="tx1"/>
+                </a:solidFill>
+                <a:latin typeface="Times New Roman" panose="02020603050405020304" pitchFamily="18" charset="0"/>
+                <a:cs typeface="Times New Roman" panose="02020603050405020304" pitchFamily="18" charset="0"/>
+              </a:rPr>
+              <a:t>файлы на дисках сервера</a:t>
+            </a:r>
+          </a:p>
+          <a:p>
+            <a:pPr marL="342900">
+              <a:buFont typeface="Arial" panose="020B0604020202020204" pitchFamily="34" charset="0"/>
+              <a:buChar char="•"/>
+            </a:pPr>
+            <a:r>
+              <a:rPr lang="ru-RU" sz="2000" b="1" dirty="0" smtClean="0">
+                <a:solidFill>
+                  <a:schemeClr val="tx1"/>
+                </a:solidFill>
+                <a:latin typeface="Times New Roman" panose="02020603050405020304" pitchFamily="18" charset="0"/>
+                <a:cs typeface="Times New Roman" panose="02020603050405020304" pitchFamily="18" charset="0"/>
+              </a:rPr>
+              <a:t>Динамические</a:t>
+            </a:r>
+            <a:endParaRPr lang="ru-RU" sz="2000" b="1" dirty="0">
+              <a:solidFill>
+                <a:schemeClr val="tx1"/>
+              </a:solidFill>
+              <a:latin typeface="Times New Roman" panose="02020603050405020304" pitchFamily="18" charset="0"/>
+              <a:cs typeface="Times New Roman" panose="02020603050405020304" pitchFamily="18" charset="0"/>
+            </a:endParaRPr>
+          </a:p>
+          <a:p>
+            <a:pPr marL="1085850" lvl="1">
+              <a:buFont typeface="Arial" panose="020B0604020202020204" pitchFamily="34" charset="0"/>
+              <a:buChar char="•"/>
+            </a:pPr>
+            <a:r>
+              <a:rPr lang="ru-RU" sz="2000" dirty="0" smtClean="0">
+                <a:solidFill>
+                  <a:schemeClr val="tx1"/>
+                </a:solidFill>
+                <a:latin typeface="Times New Roman" panose="02020603050405020304" pitchFamily="18" charset="0"/>
+                <a:cs typeface="Times New Roman" panose="02020603050405020304" pitchFamily="18" charset="0"/>
+              </a:rPr>
+              <a:t>Создаются </a:t>
+            </a:r>
+            <a:r>
+              <a:rPr lang="ru-RU" sz="2000" dirty="0">
+                <a:solidFill>
+                  <a:schemeClr val="tx1"/>
+                </a:solidFill>
+                <a:latin typeface="Times New Roman" panose="02020603050405020304" pitchFamily="18" charset="0"/>
+                <a:cs typeface="Times New Roman" panose="02020603050405020304" pitchFamily="18" charset="0"/>
+              </a:rPr>
+              <a:t>на каждый запрос</a:t>
+            </a:r>
+          </a:p>
+          <a:p>
+            <a:pPr marL="1085850" lvl="1">
+              <a:buFont typeface="Arial" panose="020B0604020202020204" pitchFamily="34" charset="0"/>
+              <a:buChar char="•"/>
+            </a:pPr>
+            <a:r>
+              <a:rPr lang="ru-RU" sz="2000" dirty="0" smtClean="0">
+                <a:solidFill>
+                  <a:schemeClr val="tx1"/>
+                </a:solidFill>
+                <a:latin typeface="Times New Roman" panose="02020603050405020304" pitchFamily="18" charset="0"/>
+                <a:cs typeface="Times New Roman" panose="02020603050405020304" pitchFamily="18" charset="0"/>
+              </a:rPr>
+              <a:t>Содержимое может </a:t>
+            </a:r>
+            <a:r>
+              <a:rPr lang="ru-RU" sz="2000" dirty="0" err="1" smtClean="0">
+                <a:solidFill>
+                  <a:schemeClr val="tx1"/>
+                </a:solidFill>
+                <a:latin typeface="Times New Roman" panose="02020603050405020304" pitchFamily="18" charset="0"/>
+                <a:cs typeface="Times New Roman" panose="02020603050405020304" pitchFamily="18" charset="0"/>
+              </a:rPr>
+              <a:t>зависить</a:t>
+            </a:r>
+            <a:r>
+              <a:rPr lang="ru-RU" sz="2000" dirty="0" smtClean="0">
+                <a:solidFill>
+                  <a:schemeClr val="tx1"/>
+                </a:solidFill>
+                <a:latin typeface="Times New Roman" panose="02020603050405020304" pitchFamily="18" charset="0"/>
+                <a:cs typeface="Times New Roman" panose="02020603050405020304" pitchFamily="18" charset="0"/>
+              </a:rPr>
+              <a:t> </a:t>
+            </a:r>
+            <a:r>
+              <a:rPr lang="ru-RU" sz="2000" dirty="0">
+                <a:solidFill>
+                  <a:schemeClr val="tx1"/>
+                </a:solidFill>
+                <a:latin typeface="Times New Roman" panose="02020603050405020304" pitchFamily="18" charset="0"/>
+                <a:cs typeface="Times New Roman" panose="02020603050405020304" pitchFamily="18" charset="0"/>
+              </a:rPr>
+              <a:t>от времени и </a:t>
+            </a:r>
+            <a:r>
+              <a:rPr lang="ru-RU" sz="2000" dirty="0" smtClean="0">
+                <a:solidFill>
+                  <a:schemeClr val="tx1"/>
+                </a:solidFill>
+                <a:latin typeface="Times New Roman" panose="02020603050405020304" pitchFamily="18" charset="0"/>
+                <a:cs typeface="Times New Roman" panose="02020603050405020304" pitchFamily="18" charset="0"/>
+              </a:rPr>
+              <a:t>пользователя</a:t>
+            </a:r>
+            <a:endParaRPr lang="ru-RU" sz="2000" dirty="0">
+              <a:solidFill>
+                <a:schemeClr val="tx1"/>
+              </a:solidFill>
+              <a:latin typeface="Times New Roman" panose="02020603050405020304" pitchFamily="18" charset="0"/>
+              <a:cs typeface="Times New Roman" panose="02020603050405020304" pitchFamily="18" charset="0"/>
+            </a:endParaRPr>
+          </a:p>
         </p:txBody>
       </p:sp>
     </p:spTree>
     <p:extLst>
       <p:ext uri="{BB962C8B-B14F-4D97-AF65-F5344CB8AC3E}">
-        <p14:creationId xmlns:p14="http://schemas.microsoft.com/office/powerpoint/2010/main" val="3177216634"/>
+        <p14:creationId xmlns:p14="http://schemas.microsoft.com/office/powerpoint/2010/main" val="1847986376"/>
       </p:ext>
     </p:extLst>
   </p:cSld>
   <p:clrMapOvr>
     <a:masterClrMapping/>
   </p:clrMapOvr>
-  <p:timing>
-    <p:tnLst>
-      <p:par>
-        <p:cTn id="1" dur="indefinite" restart="never" nodeType="tmRoot"/>
-      </p:par>
-    </p:tnLst>
-  </p:timing>
 </p:sld>
 </file>
 
@@ -6191,24 +6368,8 @@
           <a:lstStyle/>
           <a:p>
             <a:r>
-              <a:rPr lang="en-US" dirty="0" smtClean="0"/>
-              <a:t>IP</a:t>
-            </a:r>
-            <a:r>
               <a:rPr lang="ru-RU" dirty="0" smtClean="0"/>
-              <a:t>-адрес, </a:t>
-            </a:r>
-            <a:r>
-              <a:rPr lang="en-US" dirty="0" smtClean="0"/>
-              <a:t>DNS </a:t>
-            </a:r>
-            <a:r>
-              <a:rPr lang="ru-RU" dirty="0" smtClean="0"/>
-              <a:t>и </a:t>
-            </a:r>
-            <a:r>
-              <a:rPr lang="en-US" dirty="0" smtClean="0"/>
-              <a:t>URL</a:t>
+              <a:t>Задание 3</a:t>
             </a:r>
             <a:endParaRPr lang="ru-RU" dirty="0"/>
           </a:p>
@@ -6216,7 +6377,7 @@
       </p:sp>
       <p:sp>
         <p:nvSpPr>
-          <p:cNvPr id="5" name="Текст 3">
+          <p:cNvPr id="6" name="Текст 3">
             <a:extLst>
               <a:ext uri="{FF2B5EF4-FFF2-40B4-BE49-F238E27FC236}">
                 <a16:creationId xmlns:a16="http://schemas.microsoft.com/office/drawing/2014/main" id="{74C82C9C-F2A8-41A8-880B-73811E3EFC36}"/>
@@ -6429,9 +6590,41 @@
             </a:lvl9pPr>
           </a:lstStyle>
           <a:p>
+            <a:pPr indent="0"/>
+            <a:r>
+              <a:rPr lang="ru-RU" sz="2000" dirty="0" smtClean="0">
+                <a:solidFill>
+                  <a:schemeClr val="tx1"/>
+                </a:solidFill>
+                <a:latin typeface="Times New Roman" panose="02020603050405020304" pitchFamily="18" charset="0"/>
+                <a:cs typeface="Times New Roman" panose="02020603050405020304" pitchFamily="18" charset="0"/>
+              </a:rPr>
+              <a:t>Придумать </a:t>
+            </a:r>
+            <a:r>
+              <a:rPr lang="en-US" sz="2000" dirty="0" smtClean="0">
+                <a:solidFill>
+                  <a:schemeClr val="tx1"/>
+                </a:solidFill>
+                <a:latin typeface="Times New Roman" panose="02020603050405020304" pitchFamily="18" charset="0"/>
+                <a:cs typeface="Times New Roman" panose="02020603050405020304" pitchFamily="18" charset="0"/>
+              </a:rPr>
+              <a:t>JSON</a:t>
+            </a:r>
+            <a:r>
+              <a:rPr lang="ru-RU" sz="2000" dirty="0" smtClean="0">
+                <a:solidFill>
+                  <a:schemeClr val="tx1"/>
+                </a:solidFill>
+                <a:latin typeface="Times New Roman" panose="02020603050405020304" pitchFamily="18" charset="0"/>
+                <a:cs typeface="Times New Roman" panose="02020603050405020304" pitchFamily="18" charset="0"/>
+              </a:rPr>
+              <a:t>, который бы мы могли получить по запросу:</a:t>
+            </a:r>
+          </a:p>
+          <a:p>
             <a:pPr>
-              <a:buFont typeface="Arial" panose="020B0604020202020204" pitchFamily="34" charset="0"/>
-              <a:buChar char="•"/>
+              <a:buAutoNum type="arabicPeriod"/>
             </a:pPr>
             <a:r>
               <a:rPr lang="ru-RU" sz="2000" dirty="0" smtClean="0">
@@ -6441,13 +6634,12 @@
                 <a:latin typeface="Times New Roman" panose="02020603050405020304" pitchFamily="18" charset="0"/>
                 <a:cs typeface="Times New Roman" panose="02020603050405020304" pitchFamily="18" charset="0"/>
               </a:rPr>
-              <a:t>Доступ к документу осуществляется по его адресу</a:t>
+              <a:t>о наиболее часто покупаемом товаре в интернет магазине</a:t>
             </a:r>
           </a:p>
           <a:p>
             <a:pPr>
-              <a:buFont typeface="Arial" panose="020B0604020202020204" pitchFamily="34" charset="0"/>
-              <a:buChar char="•"/>
+              <a:buAutoNum type="arabicPeriod"/>
             </a:pPr>
             <a:r>
               <a:rPr lang="ru-RU" sz="2000" dirty="0" smtClean="0">
@@ -6457,51 +6649,14 @@
                 <a:latin typeface="Times New Roman" panose="02020603050405020304" pitchFamily="18" charset="0"/>
                 <a:cs typeface="Times New Roman" panose="02020603050405020304" pitchFamily="18" charset="0"/>
               </a:rPr>
-              <a:t>Адрес документа = Адрес компьютера + Адрес документа на машине (путь к документу)</a:t>
+              <a:t>касаемо вашего кейса</a:t>
             </a:r>
           </a:p>
           <a:p>
             <a:pPr>
-              <a:buFont typeface="Arial" panose="020B0604020202020204" pitchFamily="34" charset="0"/>
-              <a:buChar char="•"/>
+              <a:buAutoNum type="arabicPeriod"/>
             </a:pPr>
-            <a:r>
-              <a:rPr lang="ru-RU" sz="2000" dirty="0" smtClean="0">
-                <a:solidFill>
-                  <a:schemeClr val="tx1"/>
-                </a:solidFill>
-                <a:latin typeface="Times New Roman" panose="02020603050405020304" pitchFamily="18" charset="0"/>
-                <a:cs typeface="Times New Roman" panose="02020603050405020304" pitchFamily="18" charset="0"/>
-              </a:rPr>
-              <a:t>Адрес компьютера – его </a:t>
-            </a:r>
-            <a:r>
-              <a:rPr lang="en-US" sz="2000" dirty="0" smtClean="0">
-                <a:solidFill>
-                  <a:schemeClr val="tx1"/>
-                </a:solidFill>
-                <a:latin typeface="Times New Roman" panose="02020603050405020304" pitchFamily="18" charset="0"/>
-                <a:cs typeface="Times New Roman" panose="02020603050405020304" pitchFamily="18" charset="0"/>
-              </a:rPr>
-              <a:t>IP-</a:t>
-            </a:r>
-            <a:r>
-              <a:rPr lang="ru-RU" sz="2000" dirty="0" smtClean="0">
-                <a:solidFill>
-                  <a:schemeClr val="tx1"/>
-                </a:solidFill>
-                <a:latin typeface="Times New Roman" panose="02020603050405020304" pitchFamily="18" charset="0"/>
-                <a:cs typeface="Times New Roman" panose="02020603050405020304" pitchFamily="18" charset="0"/>
-              </a:rPr>
-              <a:t>адрес</a:t>
-            </a:r>
-          </a:p>
-          <a:p>
-            <a:pPr>
-              <a:buFont typeface="Arial" panose="020B0604020202020204" pitchFamily="34" charset="0"/>
-              <a:buChar char="•"/>
-            </a:pPr>
-            <a:endParaRPr lang="ru-RU" sz="2000" dirty="0">
+            <a:endParaRPr lang="ru-RU" sz="1800" dirty="0" smtClean="0">
               <a:solidFill>
                 <a:schemeClr val="tx1"/>
               </a:solidFill>
@@ -6509,128 +6664,25 @@
               <a:cs typeface="Times New Roman" panose="02020603050405020304" pitchFamily="18" charset="0"/>
             </a:endParaRPr>
           </a:p>
-          <a:p>
-            <a:pPr indent="0"/>
-            <a:r>
-              <a:rPr lang="ru-RU" sz="2200" b="1" dirty="0">
-                <a:solidFill>
-                  <a:srgbClr val="FF0000"/>
-                </a:solidFill>
-              </a:rPr>
-              <a:t>Задание </a:t>
-            </a:r>
-            <a:r>
-              <a:rPr lang="ru-RU" sz="2200" b="1" dirty="0" smtClean="0">
-                <a:solidFill>
-                  <a:srgbClr val="FF0000"/>
-                </a:solidFill>
-              </a:rPr>
-              <a:t>4</a:t>
-            </a:r>
-          </a:p>
-          <a:p>
-            <a:pPr marL="457200" indent="-457200">
-              <a:buFont typeface="+mj-lt"/>
-              <a:buAutoNum type="arabicPeriod"/>
-            </a:pPr>
-            <a:r>
-              <a:rPr lang="ru-RU" sz="2000" dirty="0" smtClean="0">
-                <a:solidFill>
-                  <a:schemeClr val="tx1"/>
-                </a:solidFill>
-                <a:latin typeface="Times New Roman" panose="02020603050405020304" pitchFamily="18" charset="0"/>
-                <a:cs typeface="Times New Roman" panose="02020603050405020304" pitchFamily="18" charset="0"/>
-              </a:rPr>
-              <a:t>Зайти на сайт </a:t>
-            </a:r>
-            <a:r>
-              <a:rPr lang="en-US" sz="2000" dirty="0">
-                <a:solidFill>
-                  <a:schemeClr val="tx1"/>
-                </a:solidFill>
-                <a:latin typeface="Times New Roman" panose="02020603050405020304" pitchFamily="18" charset="0"/>
-                <a:cs typeface="Times New Roman" panose="02020603050405020304" pitchFamily="18" charset="0"/>
-                <a:hlinkClick r:id="rId3"/>
-              </a:rPr>
-              <a:t>https://2ip.ru</a:t>
-            </a:r>
-            <a:r>
-              <a:rPr lang="en-US" sz="2000" dirty="0" smtClean="0">
-                <a:solidFill>
-                  <a:schemeClr val="tx1"/>
-                </a:solidFill>
-                <a:latin typeface="Times New Roman" panose="02020603050405020304" pitchFamily="18" charset="0"/>
-                <a:cs typeface="Times New Roman" panose="02020603050405020304" pitchFamily="18" charset="0"/>
-                <a:hlinkClick r:id="rId3"/>
-              </a:rPr>
-              <a:t>/</a:t>
-            </a:r>
-            <a:endParaRPr lang="ru-RU" sz="2000" dirty="0" smtClean="0">
-              <a:solidFill>
-                <a:schemeClr val="tx1"/>
-              </a:solidFill>
-              <a:latin typeface="Times New Roman" panose="02020603050405020304" pitchFamily="18" charset="0"/>
-              <a:cs typeface="Times New Roman" panose="02020603050405020304" pitchFamily="18" charset="0"/>
-            </a:endParaRPr>
-          </a:p>
-          <a:p>
-            <a:pPr marL="457200" indent="-457200">
-              <a:buFont typeface="+mj-lt"/>
-              <a:buAutoNum type="arabicPeriod"/>
-            </a:pPr>
-            <a:r>
-              <a:rPr lang="ru-RU" sz="2000" dirty="0" smtClean="0">
-                <a:solidFill>
-                  <a:schemeClr val="tx1"/>
-                </a:solidFill>
-                <a:latin typeface="Times New Roman" panose="02020603050405020304" pitchFamily="18" charset="0"/>
-                <a:cs typeface="Times New Roman" panose="02020603050405020304" pitchFamily="18" charset="0"/>
-              </a:rPr>
-              <a:t>Узнать свой </a:t>
-            </a:r>
-            <a:r>
-              <a:rPr lang="en-US" sz="2000" dirty="0">
-                <a:solidFill>
-                  <a:schemeClr val="tx1"/>
-                </a:solidFill>
-                <a:latin typeface="Times New Roman" panose="02020603050405020304" pitchFamily="18" charset="0"/>
-                <a:cs typeface="Times New Roman" panose="02020603050405020304" pitchFamily="18" charset="0"/>
-              </a:rPr>
-              <a:t>IP</a:t>
-            </a:r>
-            <a:r>
-              <a:rPr lang="en-US" sz="2000" dirty="0" smtClean="0">
-                <a:solidFill>
-                  <a:schemeClr val="tx1"/>
-                </a:solidFill>
-                <a:latin typeface="Times New Roman" panose="02020603050405020304" pitchFamily="18" charset="0"/>
-                <a:cs typeface="Times New Roman" panose="02020603050405020304" pitchFamily="18" charset="0"/>
-              </a:rPr>
-              <a:t>-</a:t>
-            </a:r>
-            <a:r>
-              <a:rPr lang="ru-RU" sz="2000" dirty="0" smtClean="0">
-                <a:solidFill>
-                  <a:schemeClr val="tx1"/>
-                </a:solidFill>
-                <a:latin typeface="Times New Roman" panose="02020603050405020304" pitchFamily="18" charset="0"/>
-                <a:cs typeface="Times New Roman" panose="02020603050405020304" pitchFamily="18" charset="0"/>
-              </a:rPr>
-              <a:t>адрес</a:t>
-            </a:r>
-          </a:p>
         </p:txBody>
       </p:sp>
     </p:spTree>
     <p:extLst>
       <p:ext uri="{BB962C8B-B14F-4D97-AF65-F5344CB8AC3E}">
-        <p14:creationId xmlns:p14="http://schemas.microsoft.com/office/powerpoint/2010/main" val="748554564"/>
+        <p14:creationId xmlns:p14="http://schemas.microsoft.com/office/powerpoint/2010/main" val="3177216634"/>
       </p:ext>
     </p:extLst>
   </p:cSld>
   <p:clrMapOvr>
     <a:masterClrMapping/>
   </p:clrMapOvr>
+  <p:timing>
+    <p:tnLst>
+      <p:par>
+        <p:cTn id="1" dur="indefinite" restart="never" nodeType="tmRoot"/>
+      </p:par>
+    </p:tnLst>
+  </p:timing>
 </p:sld>
 </file>
 
@@ -6905,6 +6957,482 @@
             </a:lvl9pPr>
           </a:lstStyle>
           <a:p>
+            <a:pPr>
+              <a:buFont typeface="Arial" panose="020B0604020202020204" pitchFamily="34" charset="0"/>
+              <a:buChar char="•"/>
+            </a:pPr>
+            <a:r>
+              <a:rPr lang="ru-RU" sz="2000" dirty="0" smtClean="0">
+                <a:solidFill>
+                  <a:schemeClr val="tx1"/>
+                </a:solidFill>
+                <a:latin typeface="Times New Roman" panose="02020603050405020304" pitchFamily="18" charset="0"/>
+                <a:cs typeface="Times New Roman" panose="02020603050405020304" pitchFamily="18" charset="0"/>
+              </a:rPr>
+              <a:t>Доступ к документу осуществляется по его адресу</a:t>
+            </a:r>
+          </a:p>
+          <a:p>
+            <a:pPr>
+              <a:buFont typeface="Arial" panose="020B0604020202020204" pitchFamily="34" charset="0"/>
+              <a:buChar char="•"/>
+            </a:pPr>
+            <a:r>
+              <a:rPr lang="ru-RU" sz="2000" dirty="0" smtClean="0">
+                <a:solidFill>
+                  <a:schemeClr val="tx1"/>
+                </a:solidFill>
+                <a:latin typeface="Times New Roman" panose="02020603050405020304" pitchFamily="18" charset="0"/>
+                <a:cs typeface="Times New Roman" panose="02020603050405020304" pitchFamily="18" charset="0"/>
+              </a:rPr>
+              <a:t>Адрес документа = Адрес компьютера + Адрес документа на машине (путь к документу)</a:t>
+            </a:r>
+          </a:p>
+          <a:p>
+            <a:pPr>
+              <a:buFont typeface="Arial" panose="020B0604020202020204" pitchFamily="34" charset="0"/>
+              <a:buChar char="•"/>
+            </a:pPr>
+            <a:r>
+              <a:rPr lang="ru-RU" sz="2000" dirty="0" smtClean="0">
+                <a:solidFill>
+                  <a:schemeClr val="tx1"/>
+                </a:solidFill>
+                <a:latin typeface="Times New Roman" panose="02020603050405020304" pitchFamily="18" charset="0"/>
+                <a:cs typeface="Times New Roman" panose="02020603050405020304" pitchFamily="18" charset="0"/>
+              </a:rPr>
+              <a:t>Адрес компьютера – его </a:t>
+            </a:r>
+            <a:r>
+              <a:rPr lang="en-US" sz="2000" dirty="0" smtClean="0">
+                <a:solidFill>
+                  <a:schemeClr val="tx1"/>
+                </a:solidFill>
+                <a:latin typeface="Times New Roman" panose="02020603050405020304" pitchFamily="18" charset="0"/>
+                <a:cs typeface="Times New Roman" panose="02020603050405020304" pitchFamily="18" charset="0"/>
+              </a:rPr>
+              <a:t>IP-</a:t>
+            </a:r>
+            <a:r>
+              <a:rPr lang="ru-RU" sz="2000" dirty="0" smtClean="0">
+                <a:solidFill>
+                  <a:schemeClr val="tx1"/>
+                </a:solidFill>
+                <a:latin typeface="Times New Roman" panose="02020603050405020304" pitchFamily="18" charset="0"/>
+                <a:cs typeface="Times New Roman" panose="02020603050405020304" pitchFamily="18" charset="0"/>
+              </a:rPr>
+              <a:t>адрес</a:t>
+            </a:r>
+          </a:p>
+          <a:p>
+            <a:pPr>
+              <a:buFont typeface="Arial" panose="020B0604020202020204" pitchFamily="34" charset="0"/>
+              <a:buChar char="•"/>
+            </a:pPr>
+            <a:endParaRPr lang="ru-RU" sz="2000" dirty="0">
+              <a:solidFill>
+                <a:schemeClr val="tx1"/>
+              </a:solidFill>
+              <a:latin typeface="Times New Roman" panose="02020603050405020304" pitchFamily="18" charset="0"/>
+              <a:cs typeface="Times New Roman" panose="02020603050405020304" pitchFamily="18" charset="0"/>
+            </a:endParaRPr>
+          </a:p>
+          <a:p>
+            <a:pPr indent="0"/>
+            <a:r>
+              <a:rPr lang="ru-RU" sz="2200" b="1" dirty="0">
+                <a:solidFill>
+                  <a:srgbClr val="FF0000"/>
+                </a:solidFill>
+              </a:rPr>
+              <a:t>Задание </a:t>
+            </a:r>
+            <a:r>
+              <a:rPr lang="ru-RU" sz="2200" b="1" dirty="0" smtClean="0">
+                <a:solidFill>
+                  <a:srgbClr val="FF0000"/>
+                </a:solidFill>
+              </a:rPr>
+              <a:t>4</a:t>
+            </a:r>
+          </a:p>
+          <a:p>
+            <a:pPr marL="457200" indent="-457200">
+              <a:buFont typeface="+mj-lt"/>
+              <a:buAutoNum type="arabicPeriod"/>
+            </a:pPr>
+            <a:r>
+              <a:rPr lang="ru-RU" sz="2000" dirty="0" smtClean="0">
+                <a:solidFill>
+                  <a:schemeClr val="tx1"/>
+                </a:solidFill>
+                <a:latin typeface="Times New Roman" panose="02020603050405020304" pitchFamily="18" charset="0"/>
+                <a:cs typeface="Times New Roman" panose="02020603050405020304" pitchFamily="18" charset="0"/>
+              </a:rPr>
+              <a:t>Зайти на сайт </a:t>
+            </a:r>
+            <a:r>
+              <a:rPr lang="en-US" sz="2000" dirty="0">
+                <a:solidFill>
+                  <a:schemeClr val="tx1"/>
+                </a:solidFill>
+                <a:latin typeface="Times New Roman" panose="02020603050405020304" pitchFamily="18" charset="0"/>
+                <a:cs typeface="Times New Roman" panose="02020603050405020304" pitchFamily="18" charset="0"/>
+                <a:hlinkClick r:id="rId3"/>
+              </a:rPr>
+              <a:t>https://2ip.ru</a:t>
+            </a:r>
+            <a:r>
+              <a:rPr lang="en-US" sz="2000" dirty="0" smtClean="0">
+                <a:solidFill>
+                  <a:schemeClr val="tx1"/>
+                </a:solidFill>
+                <a:latin typeface="Times New Roman" panose="02020603050405020304" pitchFamily="18" charset="0"/>
+                <a:cs typeface="Times New Roman" panose="02020603050405020304" pitchFamily="18" charset="0"/>
+                <a:hlinkClick r:id="rId3"/>
+              </a:rPr>
+              <a:t>/</a:t>
+            </a:r>
+            <a:endParaRPr lang="ru-RU" sz="2000" dirty="0" smtClean="0">
+              <a:solidFill>
+                <a:schemeClr val="tx1"/>
+              </a:solidFill>
+              <a:latin typeface="Times New Roman" panose="02020603050405020304" pitchFamily="18" charset="0"/>
+              <a:cs typeface="Times New Roman" panose="02020603050405020304" pitchFamily="18" charset="0"/>
+            </a:endParaRPr>
+          </a:p>
+          <a:p>
+            <a:pPr marL="457200" indent="-457200">
+              <a:buFont typeface="+mj-lt"/>
+              <a:buAutoNum type="arabicPeriod"/>
+            </a:pPr>
+            <a:r>
+              <a:rPr lang="ru-RU" sz="2000" dirty="0" smtClean="0">
+                <a:solidFill>
+                  <a:schemeClr val="tx1"/>
+                </a:solidFill>
+                <a:latin typeface="Times New Roman" panose="02020603050405020304" pitchFamily="18" charset="0"/>
+                <a:cs typeface="Times New Roman" panose="02020603050405020304" pitchFamily="18" charset="0"/>
+              </a:rPr>
+              <a:t>Узнать свой </a:t>
+            </a:r>
+            <a:r>
+              <a:rPr lang="en-US" sz="2000" dirty="0">
+                <a:solidFill>
+                  <a:schemeClr val="tx1"/>
+                </a:solidFill>
+                <a:latin typeface="Times New Roman" panose="02020603050405020304" pitchFamily="18" charset="0"/>
+                <a:cs typeface="Times New Roman" panose="02020603050405020304" pitchFamily="18" charset="0"/>
+              </a:rPr>
+              <a:t>IP</a:t>
+            </a:r>
+            <a:r>
+              <a:rPr lang="en-US" sz="2000" dirty="0" smtClean="0">
+                <a:solidFill>
+                  <a:schemeClr val="tx1"/>
+                </a:solidFill>
+                <a:latin typeface="Times New Roman" panose="02020603050405020304" pitchFamily="18" charset="0"/>
+                <a:cs typeface="Times New Roman" panose="02020603050405020304" pitchFamily="18" charset="0"/>
+              </a:rPr>
+              <a:t>-</a:t>
+            </a:r>
+            <a:r>
+              <a:rPr lang="ru-RU" sz="2000" dirty="0" smtClean="0">
+                <a:solidFill>
+                  <a:schemeClr val="tx1"/>
+                </a:solidFill>
+                <a:latin typeface="Times New Roman" panose="02020603050405020304" pitchFamily="18" charset="0"/>
+                <a:cs typeface="Times New Roman" panose="02020603050405020304" pitchFamily="18" charset="0"/>
+              </a:rPr>
+              <a:t>адрес</a:t>
+            </a:r>
+          </a:p>
+        </p:txBody>
+      </p:sp>
+    </p:spTree>
+    <p:extLst>
+      <p:ext uri="{BB962C8B-B14F-4D97-AF65-F5344CB8AC3E}">
+        <p14:creationId xmlns:p14="http://schemas.microsoft.com/office/powerpoint/2010/main" val="748554564"/>
+      </p:ext>
+    </p:extLst>
+  </p:cSld>
+  <p:clrMapOvr>
+    <a:masterClrMapping/>
+  </p:clrMapOvr>
+</p:sld>
+</file>
+
+<file path=ppt/slides/slide13.xml><?xml version="1.0" encoding="utf-8"?>
+<p:sld xmlns:a="http://schemas.openxmlformats.org/drawingml/2006/main" xmlns:r="http://schemas.openxmlformats.org/officeDocument/2006/relationships" xmlns:p="http://schemas.openxmlformats.org/presentationml/2006/main">
+  <p:cSld>
+    <p:spTree>
+      <p:nvGrpSpPr>
+        <p:cNvPr id="1" name=""/>
+        <p:cNvGrpSpPr/>
+        <p:nvPr/>
+      </p:nvGrpSpPr>
+      <p:grpSpPr>
+        <a:xfrm>
+          <a:off x="0" y="0"/>
+          <a:ext cx="0" cy="0"/>
+          <a:chOff x="0" y="0"/>
+          <a:chExt cx="0" cy="0"/>
+        </a:xfrm>
+      </p:grpSpPr>
+      <p:sp>
+        <p:nvSpPr>
+          <p:cNvPr id="3" name="Заголовок 2"/>
+          <p:cNvSpPr>
+            <a:spLocks noGrp="1"/>
+          </p:cNvSpPr>
+          <p:nvPr>
+            <p:ph type="title"/>
+          </p:nvPr>
+        </p:nvSpPr>
+        <p:spPr/>
+        <p:txBody>
+          <a:bodyPr/>
+          <a:lstStyle/>
+          <a:p>
+            <a:r>
+              <a:rPr lang="en-US" dirty="0" smtClean="0"/>
+              <a:t>IP</a:t>
+            </a:r>
+            <a:r>
+              <a:rPr lang="ru-RU" dirty="0" smtClean="0"/>
+              <a:t>-адрес, </a:t>
+            </a:r>
+            <a:r>
+              <a:rPr lang="en-US" dirty="0" smtClean="0"/>
+              <a:t>DNS </a:t>
+            </a:r>
+            <a:r>
+              <a:rPr lang="ru-RU" dirty="0" smtClean="0"/>
+              <a:t>и </a:t>
+            </a:r>
+            <a:r>
+              <a:rPr lang="en-US" dirty="0" smtClean="0"/>
+              <a:t>URL</a:t>
+            </a:r>
+            <a:endParaRPr lang="ru-RU" dirty="0"/>
+          </a:p>
+        </p:txBody>
+      </p:sp>
+      <p:sp>
+        <p:nvSpPr>
+          <p:cNvPr id="5" name="Текст 3">
+            <a:extLst>
+              <a:ext uri="{FF2B5EF4-FFF2-40B4-BE49-F238E27FC236}">
+                <a16:creationId xmlns:a16="http://schemas.microsoft.com/office/drawing/2014/main" id="{74C82C9C-F2A8-41A8-880B-73811E3EFC36}"/>
+              </a:ext>
+            </a:extLst>
+          </p:cNvPr>
+          <p:cNvSpPr txBox="1">
+            <a:spLocks/>
+          </p:cNvSpPr>
+          <p:nvPr/>
+        </p:nvSpPr>
+        <p:spPr bwMode="auto">
+          <a:xfrm>
+            <a:off x="253096" y="1332411"/>
+            <a:ext cx="8333555" cy="4763589"/>
+          </a:xfrm>
+          <a:prstGeom prst="rect">
+            <a:avLst/>
+          </a:prstGeom>
+          <a:noFill/>
+          <a:ln>
+            <a:noFill/>
+          </a:ln>
+          <a:extLst>
+            <a:ext uri="{909E8E84-426E-40DD-AFC4-6F175D3DCCD1}">
+              <a14:hiddenFill xmlns:a14="http://schemas.microsoft.com/office/drawing/2010/main">
+                <a:solidFill>
+                  <a:srgbClr val="FFFFFF"/>
+                </a:solidFill>
+              </a14:hiddenFill>
+            </a:ext>
+            <a:ext uri="{91240B29-F687-4F45-9708-019B960494DF}">
+              <a14:hiddenLine xmlns:a14="http://schemas.microsoft.com/office/drawing/2010/main" w="9525">
+                <a:solidFill>
+                  <a:srgbClr val="000000"/>
+                </a:solidFill>
+                <a:miter lim="800000"/>
+                <a:headEnd/>
+                <a:tailEnd/>
+              </a14:hiddenLine>
+            </a:ext>
+          </a:extLst>
+        </p:spPr>
+        <p:txBody>
+          <a:bodyPr vert="horz" wrap="square" lIns="91440" tIns="45720" rIns="91440" bIns="45720" numCol="1" anchor="t" anchorCtr="0" compatLnSpc="1">
+            <a:prstTxWarp prst="textNoShape">
+              <a:avLst/>
+            </a:prstTxWarp>
+            <a:normAutofit/>
+          </a:bodyPr>
+          <a:lstStyle>
+            <a:lvl1pPr marL="0" marR="0" indent="-342900" algn="l" defTabSz="180000" rtl="0" eaLnBrk="1" fontAlgn="auto" latinLnBrk="0" hangingPunct="1">
+              <a:lnSpc>
+                <a:spcPct val="100000"/>
+              </a:lnSpc>
+              <a:spcBef>
+                <a:spcPct val="20000"/>
+              </a:spcBef>
+              <a:spcAft>
+                <a:spcPts val="0"/>
+              </a:spcAft>
+              <a:buClrTx/>
+              <a:buSzTx/>
+              <a:buFont typeface="Arial" pitchFamily="34" charset="0"/>
+              <a:buNone/>
+              <a:tabLst/>
+              <a:defRPr sz="900" kern="1200">
+                <a:solidFill>
+                  <a:schemeClr val="tx1">
+                    <a:lumMod val="50000"/>
+                    <a:lumOff val="50000"/>
+                  </a:schemeClr>
+                </a:solidFill>
+                <a:latin typeface="Arial" pitchFamily="34" charset="0"/>
+                <a:ea typeface="+mn-ea"/>
+                <a:cs typeface="Arial" pitchFamily="34" charset="0"/>
+              </a:defRPr>
+            </a:lvl1pPr>
+            <a:lvl2pPr marL="742950" indent="-285750" algn="l" rtl="0" eaLnBrk="0" fontAlgn="base" hangingPunct="0">
+              <a:spcBef>
+                <a:spcPct val="20000"/>
+              </a:spcBef>
+              <a:spcAft>
+                <a:spcPct val="0"/>
+              </a:spcAft>
+              <a:buFont typeface="Arial" charset="0"/>
+              <a:buChar char="–"/>
+              <a:defRPr sz="2800" kern="1200">
+                <a:solidFill>
+                  <a:schemeClr val="tx1"/>
+                </a:solidFill>
+                <a:latin typeface="+mn-lt"/>
+                <a:ea typeface="+mn-ea"/>
+                <a:cs typeface="+mn-cs"/>
+              </a:defRPr>
+            </a:lvl2pPr>
+            <a:lvl3pPr marL="1143000" indent="-228600" algn="l" rtl="0" eaLnBrk="0" fontAlgn="base" hangingPunct="0">
+              <a:spcBef>
+                <a:spcPct val="20000"/>
+              </a:spcBef>
+              <a:spcAft>
+                <a:spcPct val="0"/>
+              </a:spcAft>
+              <a:buFont typeface="Arial" charset="0"/>
+              <a:buChar char="•"/>
+              <a:defRPr sz="2400" kern="1200">
+                <a:solidFill>
+                  <a:schemeClr val="tx1"/>
+                </a:solidFill>
+                <a:latin typeface="+mn-lt"/>
+                <a:ea typeface="+mn-ea"/>
+                <a:cs typeface="+mn-cs"/>
+              </a:defRPr>
+            </a:lvl3pPr>
+            <a:lvl4pPr marL="1600200" indent="-228600" algn="l" rtl="0" eaLnBrk="0" fontAlgn="base" hangingPunct="0">
+              <a:spcBef>
+                <a:spcPct val="20000"/>
+              </a:spcBef>
+              <a:spcAft>
+                <a:spcPct val="0"/>
+              </a:spcAft>
+              <a:buFont typeface="Arial" charset="0"/>
+              <a:buChar char="–"/>
+              <a:defRPr sz="2000" kern="1200">
+                <a:solidFill>
+                  <a:schemeClr val="tx1"/>
+                </a:solidFill>
+                <a:latin typeface="+mn-lt"/>
+                <a:ea typeface="+mn-ea"/>
+                <a:cs typeface="+mn-cs"/>
+              </a:defRPr>
+            </a:lvl4pPr>
+            <a:lvl5pPr marL="2057400" indent="-228600" algn="l" rtl="0" eaLnBrk="0" fontAlgn="base" hangingPunct="0">
+              <a:spcBef>
+                <a:spcPct val="20000"/>
+              </a:spcBef>
+              <a:spcAft>
+                <a:spcPct val="0"/>
+              </a:spcAft>
+              <a:buFont typeface="Arial" charset="0"/>
+              <a:buChar char="»"/>
+              <a:defRPr sz="2000" kern="1200">
+                <a:solidFill>
+                  <a:schemeClr val="tx1"/>
+                </a:solidFill>
+                <a:latin typeface="+mn-lt"/>
+                <a:ea typeface="+mn-ea"/>
+                <a:cs typeface="+mn-cs"/>
+              </a:defRPr>
+            </a:lvl5pPr>
+            <a:lvl6pPr marL="2514600" indent="-228600" algn="l" defTabSz="914400" rtl="0" eaLnBrk="1" latinLnBrk="0" hangingPunct="1">
+              <a:spcBef>
+                <a:spcPct val="20000"/>
+              </a:spcBef>
+              <a:buFont typeface="Arial" pitchFamily="34" charset="0"/>
+              <a:buChar char="•"/>
+              <a:defRPr sz="2000" kern="1200">
+                <a:solidFill>
+                  <a:schemeClr val="tx1"/>
+                </a:solidFill>
+                <a:latin typeface="+mn-lt"/>
+                <a:ea typeface="+mn-ea"/>
+                <a:cs typeface="+mn-cs"/>
+              </a:defRPr>
+            </a:lvl6pPr>
+            <a:lvl7pPr marL="2971800" indent="-228600" algn="l" defTabSz="914400" rtl="0" eaLnBrk="1" latinLnBrk="0" hangingPunct="1">
+              <a:spcBef>
+                <a:spcPct val="20000"/>
+              </a:spcBef>
+              <a:buFont typeface="Arial" pitchFamily="34" charset="0"/>
+              <a:buChar char="•"/>
+              <a:defRPr sz="2000" kern="1200">
+                <a:solidFill>
+                  <a:schemeClr val="tx1"/>
+                </a:solidFill>
+                <a:latin typeface="+mn-lt"/>
+                <a:ea typeface="+mn-ea"/>
+                <a:cs typeface="+mn-cs"/>
+              </a:defRPr>
+            </a:lvl7pPr>
+            <a:lvl8pPr marL="3429000" indent="-228600" algn="l" defTabSz="914400" rtl="0" eaLnBrk="1" latinLnBrk="0" hangingPunct="1">
+              <a:spcBef>
+                <a:spcPct val="20000"/>
+              </a:spcBef>
+              <a:buFont typeface="Arial" pitchFamily="34" charset="0"/>
+              <a:buChar char="•"/>
+              <a:defRPr sz="2000" kern="1200">
+                <a:solidFill>
+                  <a:schemeClr val="tx1"/>
+                </a:solidFill>
+                <a:latin typeface="+mn-lt"/>
+                <a:ea typeface="+mn-ea"/>
+                <a:cs typeface="+mn-cs"/>
+              </a:defRPr>
+            </a:lvl8pPr>
+            <a:lvl9pPr marL="3886200" indent="-228600" algn="l" defTabSz="914400" rtl="0" eaLnBrk="1" latinLnBrk="0" hangingPunct="1">
+              <a:spcBef>
+                <a:spcPct val="20000"/>
+              </a:spcBef>
+              <a:buFont typeface="Arial" pitchFamily="34" charset="0"/>
+              <a:buChar char="•"/>
+              <a:defRPr sz="2000" kern="1200">
+                <a:solidFill>
+                  <a:schemeClr val="tx1"/>
+                </a:solidFill>
+                <a:latin typeface="+mn-lt"/>
+                <a:ea typeface="+mn-ea"/>
+                <a:cs typeface="+mn-cs"/>
+              </a:defRPr>
+            </a:lvl9pPr>
+          </a:lstStyle>
+          <a:p>
             <a:pPr algn="ctr"/>
             <a:r>
               <a:rPr lang="en-US" sz="2000" strike="sngStrike" dirty="0" smtClean="0">
@@ -7083,7 +7611,7 @@
 </p:sld>
 </file>
 
-<file path=ppt/slides/slide13.xml><?xml version="1.0" encoding="utf-8"?>
+<file path=ppt/slides/slide14.xml><?xml version="1.0" encoding="utf-8"?>
 <p:sld xmlns:a="http://schemas.openxmlformats.org/drawingml/2006/main" xmlns:r="http://schemas.openxmlformats.org/officeDocument/2006/relationships" xmlns:p="http://schemas.openxmlformats.org/presentationml/2006/main">
   <p:cSld>
     <p:spTree>
@@ -7664,89 +8192,6 @@
 </p:sld>
 </file>
 
-<file path=ppt/slides/slide14.xml><?xml version="1.0" encoding="utf-8"?>
-<p:sld xmlns:a="http://schemas.openxmlformats.org/drawingml/2006/main" xmlns:r="http://schemas.openxmlformats.org/officeDocument/2006/relationships" xmlns:p="http://schemas.openxmlformats.org/presentationml/2006/main">
-  <p:cSld>
-    <p:spTree>
-      <p:nvGrpSpPr>
-        <p:cNvPr id="1" name=""/>
-        <p:cNvGrpSpPr/>
-        <p:nvPr/>
-      </p:nvGrpSpPr>
-      <p:grpSpPr>
-        <a:xfrm>
-          <a:off x="0" y="0"/>
-          <a:ext cx="0" cy="0"/>
-          <a:chOff x="0" y="0"/>
-          <a:chExt cx="0" cy="0"/>
-        </a:xfrm>
-      </p:grpSpPr>
-      <p:sp>
-        <p:nvSpPr>
-          <p:cNvPr id="3" name="Заголовок 2"/>
-          <p:cNvSpPr>
-            <a:spLocks noGrp="1"/>
-          </p:cNvSpPr>
-          <p:nvPr>
-            <p:ph type="title"/>
-          </p:nvPr>
-        </p:nvSpPr>
-        <p:spPr/>
-        <p:txBody>
-          <a:bodyPr/>
-          <a:lstStyle/>
-          <a:p>
-            <a:r>
-              <a:rPr lang="ru-RU" dirty="0" smtClean="0"/>
-              <a:t>Клиент-серверная архитектура</a:t>
-            </a:r>
-            <a:endParaRPr lang="ru-RU" dirty="0"/>
-          </a:p>
-        </p:txBody>
-      </p:sp>
-      <p:sp>
-        <p:nvSpPr>
-          <p:cNvPr id="4" name="Текст 3">
-            <a:extLst>
-              <a:ext uri="{FF2B5EF4-FFF2-40B4-BE49-F238E27FC236}">
-                <a16:creationId xmlns:a16="http://schemas.microsoft.com/office/drawing/2014/main" id="{74C82C9C-F2A8-41A8-880B-73811E3EFC36}"/>
-              </a:ext>
-            </a:extLst>
-          </p:cNvPr>
-          <p:cNvSpPr>
-            <a:spLocks noGrp="1"/>
-          </p:cNvSpPr>
-          <p:nvPr>
-            <p:ph type="body" sz="quarter" idx="11"/>
-          </p:nvPr>
-        </p:nvSpPr>
-        <p:spPr>
-          <a:xfrm>
-            <a:off x="253096" y="6534445"/>
-            <a:ext cx="8602515" cy="323557"/>
-          </a:xfrm>
-        </p:spPr>
-        <p:txBody>
-          <a:bodyPr/>
-          <a:lstStyle/>
-          <a:p>
-            <a:endParaRPr lang="ru-RU" dirty="0"/>
-          </a:p>
-        </p:txBody>
-      </p:sp>
-    </p:spTree>
-    <p:extLst>
-      <p:ext uri="{BB962C8B-B14F-4D97-AF65-F5344CB8AC3E}">
-        <p14:creationId xmlns:p14="http://schemas.microsoft.com/office/powerpoint/2010/main" val="2226781273"/>
-      </p:ext>
-    </p:extLst>
-  </p:cSld>
-  <p:clrMapOvr>
-    <a:masterClrMapping/>
-  </p:clrMapOvr>
-</p:sld>
-</file>
-
 <file path=ppt/slides/slide15.xml><?xml version="1.0" encoding="utf-8"?>
 <p:sld xmlns:a="http://schemas.openxmlformats.org/drawingml/2006/main" xmlns:r="http://schemas.openxmlformats.org/officeDocument/2006/relationships" xmlns:p="http://schemas.openxmlformats.org/presentationml/2006/main">
   <p:cSld>
@@ -7781,7 +8226,7 @@
           <a:p>
             <a:r>
               <a:rPr lang="ru-RU" dirty="0" smtClean="0"/>
-              <a:t>Веб-сервис</a:t>
+              <a:t>Клиент-серверная архитектура</a:t>
             </a:r>
             <a:endParaRPr lang="ru-RU" dirty="0"/>
           </a:p>
@@ -7820,7 +8265,7 @@
     </p:spTree>
     <p:extLst>
       <p:ext uri="{BB962C8B-B14F-4D97-AF65-F5344CB8AC3E}">
-        <p14:creationId xmlns:p14="http://schemas.microsoft.com/office/powerpoint/2010/main" val="268162285"/>
+        <p14:creationId xmlns:p14="http://schemas.microsoft.com/office/powerpoint/2010/main" val="2226781273"/>
       </p:ext>
     </p:extLst>
   </p:cSld>
@@ -7863,16 +8308,8 @@
           <a:lstStyle/>
           <a:p>
             <a:r>
-              <a:rPr lang="en-US" dirty="0" smtClean="0"/>
-              <a:t>Frontend</a:t>
-            </a:r>
-            <a:r>
               <a:rPr lang="ru-RU" dirty="0" smtClean="0"/>
-              <a:t> и </a:t>
-            </a:r>
-            <a:r>
-              <a:rPr lang="en-US" dirty="0" smtClean="0"/>
-              <a:t>Backend</a:t>
+              <a:t>Веб-сервис</a:t>
             </a:r>
             <a:endParaRPr lang="ru-RU" dirty="0"/>
           </a:p>
@@ -7911,7 +8348,7 @@
     </p:spTree>
     <p:extLst>
       <p:ext uri="{BB962C8B-B14F-4D97-AF65-F5344CB8AC3E}">
-        <p14:creationId xmlns:p14="http://schemas.microsoft.com/office/powerpoint/2010/main" val="2283449239"/>
+        <p14:creationId xmlns:p14="http://schemas.microsoft.com/office/powerpoint/2010/main" val="268162285"/>
       </p:ext>
     </p:extLst>
   </p:cSld>
@@ -7955,7 +8392,15 @@
           <a:p>
             <a:r>
               <a:rPr lang="en-US" dirty="0" smtClean="0"/>
-              <a:t>HTTP</a:t>
+              <a:t>Frontend</a:t>
+            </a:r>
+            <a:r>
+              <a:rPr lang="ru-RU" dirty="0" smtClean="0"/>
+              <a:t> и </a:t>
+            </a:r>
+            <a:r>
+              <a:rPr lang="en-US" dirty="0" smtClean="0"/>
+              <a:t>Backend</a:t>
             </a:r>
             <a:endParaRPr lang="ru-RU" dirty="0"/>
           </a:p>
@@ -7994,7 +8439,7 @@
     </p:spTree>
     <p:extLst>
       <p:ext uri="{BB962C8B-B14F-4D97-AF65-F5344CB8AC3E}">
-        <p14:creationId xmlns:p14="http://schemas.microsoft.com/office/powerpoint/2010/main" val="3914534789"/>
+        <p14:creationId xmlns:p14="http://schemas.microsoft.com/office/powerpoint/2010/main" val="2283449239"/>
       </p:ext>
     </p:extLst>
   </p:cSld>
@@ -8038,11 +8483,7 @@
           <a:p>
             <a:r>
               <a:rPr lang="en-US" dirty="0" smtClean="0"/>
-              <a:t>Web-</a:t>
-            </a:r>
-            <a:r>
-              <a:rPr lang="ru-RU" dirty="0" smtClean="0"/>
-              <a:t>серверы</a:t>
+              <a:t>HTTP</a:t>
             </a:r>
             <a:endParaRPr lang="ru-RU" dirty="0"/>
           </a:p>
@@ -8081,7 +8522,7 @@
     </p:spTree>
     <p:extLst>
       <p:ext uri="{BB962C8B-B14F-4D97-AF65-F5344CB8AC3E}">
-        <p14:creationId xmlns:p14="http://schemas.microsoft.com/office/powerpoint/2010/main" val="3824670363"/>
+        <p14:creationId xmlns:p14="http://schemas.microsoft.com/office/powerpoint/2010/main" val="3914534789"/>
       </p:ext>
     </p:extLst>
   </p:cSld>
@@ -8129,7 +8570,7 @@
             </a:r>
             <a:r>
               <a:rPr lang="ru-RU" dirty="0" smtClean="0"/>
-              <a:t>клиенты</a:t>
+              <a:t>серверы</a:t>
             </a:r>
             <a:endParaRPr lang="ru-RU" dirty="0"/>
           </a:p>
@@ -8168,7 +8609,7 @@
     </p:spTree>
     <p:extLst>
       <p:ext uri="{BB962C8B-B14F-4D97-AF65-F5344CB8AC3E}">
-        <p14:creationId xmlns:p14="http://schemas.microsoft.com/office/powerpoint/2010/main" val="4131561368"/>
+        <p14:creationId xmlns:p14="http://schemas.microsoft.com/office/powerpoint/2010/main" val="3824670363"/>
       </p:ext>
     </p:extLst>
   </p:cSld>
@@ -8447,7 +8888,7 @@
     </p:spTree>
     <p:extLst>
       <p:ext uri="{BB962C8B-B14F-4D97-AF65-F5344CB8AC3E}">
-        <p14:creationId xmlns:p14="http://schemas.microsoft.com/office/powerpoint/2010/main" val="4248906456"/>
+        <p14:creationId xmlns:p14="http://schemas.microsoft.com/office/powerpoint/2010/main" val="3934989388"/>
       </p:ext>
     </p:extLst>
   </p:cSld>
@@ -8502,11 +8943,7 @@
             </a:r>
             <a:r>
               <a:rPr lang="ru-RU" dirty="0" smtClean="0"/>
-              <a:t>сервер на </a:t>
-            </a:r>
-            <a:r>
-              <a:rPr lang="en-US" dirty="0" smtClean="0"/>
-              <a:t>Flask</a:t>
+              <a:t>клиенты</a:t>
             </a:r>
             <a:endParaRPr lang="ru-RU" dirty="0"/>
           </a:p>
@@ -8545,6 +8982,97 @@
     </p:spTree>
     <p:extLst>
       <p:ext uri="{BB962C8B-B14F-4D97-AF65-F5344CB8AC3E}">
+        <p14:creationId xmlns:p14="http://schemas.microsoft.com/office/powerpoint/2010/main" val="4131561368"/>
+      </p:ext>
+    </p:extLst>
+  </p:cSld>
+  <p:clrMapOvr>
+    <a:masterClrMapping/>
+  </p:clrMapOvr>
+</p:sld>
+</file>
+
+<file path=ppt/slides/slide21.xml><?xml version="1.0" encoding="utf-8"?>
+<p:sld xmlns:a="http://schemas.openxmlformats.org/drawingml/2006/main" xmlns:r="http://schemas.openxmlformats.org/officeDocument/2006/relationships" xmlns:p="http://schemas.openxmlformats.org/presentationml/2006/main">
+  <p:cSld>
+    <p:spTree>
+      <p:nvGrpSpPr>
+        <p:cNvPr id="1" name=""/>
+        <p:cNvGrpSpPr/>
+        <p:nvPr/>
+      </p:nvGrpSpPr>
+      <p:grpSpPr>
+        <a:xfrm>
+          <a:off x="0" y="0"/>
+          <a:ext cx="0" cy="0"/>
+          <a:chOff x="0" y="0"/>
+          <a:chExt cx="0" cy="0"/>
+        </a:xfrm>
+      </p:grpSpPr>
+      <p:sp>
+        <p:nvSpPr>
+          <p:cNvPr id="3" name="Заголовок 2"/>
+          <p:cNvSpPr>
+            <a:spLocks noGrp="1"/>
+          </p:cNvSpPr>
+          <p:nvPr>
+            <p:ph type="title"/>
+          </p:nvPr>
+        </p:nvSpPr>
+        <p:spPr/>
+        <p:txBody>
+          <a:bodyPr/>
+          <a:lstStyle/>
+          <a:p>
+            <a:r>
+              <a:rPr lang="en-US" dirty="0" smtClean="0"/>
+              <a:t>Web-</a:t>
+            </a:r>
+            <a:r>
+              <a:rPr lang="ru-RU" dirty="0" smtClean="0"/>
+              <a:t>сервер на </a:t>
+            </a:r>
+            <a:r>
+              <a:rPr lang="en-US" dirty="0" smtClean="0"/>
+              <a:t>Flask</a:t>
+            </a:r>
+            <a:endParaRPr lang="ru-RU" dirty="0"/>
+          </a:p>
+        </p:txBody>
+      </p:sp>
+      <p:sp>
+        <p:nvSpPr>
+          <p:cNvPr id="4" name="Текст 3">
+            <a:extLst>
+              <a:ext uri="{FF2B5EF4-FFF2-40B4-BE49-F238E27FC236}">
+                <a16:creationId xmlns:a16="http://schemas.microsoft.com/office/drawing/2014/main" id="{74C82C9C-F2A8-41A8-880B-73811E3EFC36}"/>
+              </a:ext>
+            </a:extLst>
+          </p:cNvPr>
+          <p:cNvSpPr>
+            <a:spLocks noGrp="1"/>
+          </p:cNvSpPr>
+          <p:nvPr>
+            <p:ph type="body" sz="quarter" idx="11"/>
+          </p:nvPr>
+        </p:nvSpPr>
+        <p:spPr>
+          <a:xfrm>
+            <a:off x="253096" y="6534445"/>
+            <a:ext cx="8602515" cy="323557"/>
+          </a:xfrm>
+        </p:spPr>
+        <p:txBody>
+          <a:bodyPr/>
+          <a:lstStyle/>
+          <a:p>
+            <a:endParaRPr lang="ru-RU" dirty="0"/>
+          </a:p>
+        </p:txBody>
+      </p:sp>
+    </p:spTree>
+    <p:extLst>
+      <p:ext uri="{BB962C8B-B14F-4D97-AF65-F5344CB8AC3E}">
         <p14:creationId xmlns:p14="http://schemas.microsoft.com/office/powerpoint/2010/main" val="4162874310"/>
       </p:ext>
     </p:extLst>
@@ -8555,7 +9083,7 @@
 </p:sld>
 </file>
 
-<file path=ppt/slides/slide21.xml><?xml version="1.0" encoding="utf-8"?>
+<file path=ppt/slides/slide22.xml><?xml version="1.0" encoding="utf-8"?>
 <p:sld xmlns:a="http://schemas.openxmlformats.org/drawingml/2006/main" xmlns:r="http://schemas.openxmlformats.org/officeDocument/2006/relationships" xmlns:p="http://schemas.openxmlformats.org/presentationml/2006/main">
   <p:cSld>
     <p:spTree>
@@ -8678,15 +9206,7 @@
           <a:p>
             <a:r>
               <a:rPr lang="ru-RU" dirty="0" smtClean="0"/>
-              <a:t>Что такое </a:t>
-            </a:r>
-            <a:r>
-              <a:rPr lang="en-US" dirty="0" smtClean="0"/>
-              <a:t>WWW</a:t>
-            </a:r>
-            <a:r>
-              <a:rPr lang="ru-RU" dirty="0" smtClean="0"/>
-              <a:t>?</a:t>
+              <a:t>Что такое интернет?</a:t>
             </a:r>
             <a:endParaRPr lang="ru-RU" dirty="0"/>
           </a:p>
@@ -8720,30 +9240,6 @@
           </a:bodyPr>
           <a:lstStyle/>
           <a:p>
-            <a:pPr>
-              <a:buFont typeface="Arial" panose="020B0604020202020204" pitchFamily="34" charset="0"/>
-              <a:buChar char="•"/>
-            </a:pPr>
-            <a:r>
-              <a:rPr lang="en-US" sz="2000" dirty="0" smtClean="0">
-                <a:solidFill>
-                  <a:schemeClr val="tx1"/>
-                </a:solidFill>
-                <a:latin typeface="Times New Roman" panose="02020603050405020304" pitchFamily="18" charset="0"/>
-                <a:cs typeface="Times New Roman" panose="02020603050405020304" pitchFamily="18" charset="0"/>
-              </a:rPr>
-              <a:t>WWW </a:t>
-            </a:r>
-            <a:r>
-              <a:rPr lang="ru-RU" sz="2000" dirty="0">
-                <a:solidFill>
-                  <a:schemeClr val="tx1"/>
-                </a:solidFill>
-                <a:latin typeface="Times New Roman" panose="02020603050405020304" pitchFamily="18" charset="0"/>
-                <a:cs typeface="Times New Roman" panose="02020603050405020304" pitchFamily="18" charset="0"/>
-              </a:rPr>
-              <a:t>–</a:t>
-            </a:r>
             <a:r>
               <a:rPr lang="ru-RU" sz="2000" dirty="0" smtClean="0">
                 <a:solidFill>
@@ -8752,18 +9248,10 @@
                 <a:latin typeface="Times New Roman" panose="02020603050405020304" pitchFamily="18" charset="0"/>
                 <a:cs typeface="Times New Roman" panose="02020603050405020304" pitchFamily="18" charset="0"/>
               </a:rPr>
-              <a:t> это </a:t>
-            </a:r>
-            <a:r>
-              <a:rPr lang="ru-RU" sz="2000" dirty="0">
-                <a:solidFill>
-                  <a:schemeClr val="tx1"/>
-                </a:solidFill>
-                <a:latin typeface="Times New Roman" panose="02020603050405020304" pitchFamily="18" charset="0"/>
-                <a:cs typeface="Times New Roman" panose="02020603050405020304" pitchFamily="18" charset="0"/>
-              </a:rPr>
-              <a:t>один из частных случаев применения сети интернет</a:t>
-            </a:r>
+              <a:t>Интернет – это глобальная сеть передачи данных.</a:t>
+            </a:r>
+          </a:p>
+          <a:p>
             <a:endParaRPr lang="ru-RU" sz="2000" dirty="0" smtClean="0">
               <a:solidFill>
                 <a:schemeClr val="tx1"/>
@@ -8773,21 +9261,23 @@
             </a:endParaRPr>
           </a:p>
           <a:p>
+            <a:r>
+              <a:rPr lang="ru-RU" sz="2000" dirty="0" smtClean="0">
+                <a:solidFill>
+                  <a:schemeClr val="tx1"/>
+                </a:solidFill>
+                <a:latin typeface="Times New Roman" panose="02020603050405020304" pitchFamily="18" charset="0"/>
+                <a:cs typeface="Times New Roman" panose="02020603050405020304" pitchFamily="18" charset="0"/>
+              </a:rPr>
+              <a:t>Интернет позволяет передавать любые виды данных:</a:t>
+            </a:r>
+          </a:p>
+          <a:p>
             <a:pPr>
               <a:buFont typeface="Arial" panose="020B0604020202020204" pitchFamily="34" charset="0"/>
               <a:buChar char="•"/>
             </a:pPr>
             <a:r>
-              <a:rPr lang="en-US" sz="2000" dirty="0" smtClean="0">
-                <a:solidFill>
-                  <a:schemeClr val="tx1"/>
-                </a:solidFill>
-                <a:latin typeface="Times New Roman" panose="02020603050405020304" pitchFamily="18" charset="0"/>
-                <a:cs typeface="Times New Roman" panose="02020603050405020304" pitchFamily="18" charset="0"/>
-              </a:rPr>
-              <a:t>WWW</a:t>
-            </a:r>
-            <a:r>
               <a:rPr lang="ru-RU" sz="2000" dirty="0" smtClean="0">
                 <a:solidFill>
                   <a:schemeClr val="tx1"/>
@@ -8795,8 +9285,94 @@
                 <a:latin typeface="Times New Roman" panose="02020603050405020304" pitchFamily="18" charset="0"/>
                 <a:cs typeface="Times New Roman" panose="02020603050405020304" pitchFamily="18" charset="0"/>
               </a:rPr>
-              <a:t> </a:t>
-            </a:r>
+              <a:t>текст,</a:t>
+            </a:r>
+          </a:p>
+          <a:p>
+            <a:pPr>
+              <a:buFont typeface="Arial" panose="020B0604020202020204" pitchFamily="34" charset="0"/>
+              <a:buChar char="•"/>
+            </a:pPr>
+            <a:r>
+              <a:rPr lang="ru-RU" sz="2000" dirty="0" smtClean="0">
+                <a:solidFill>
+                  <a:schemeClr val="tx1"/>
+                </a:solidFill>
+                <a:latin typeface="Times New Roman" panose="02020603050405020304" pitchFamily="18" charset="0"/>
+                <a:cs typeface="Times New Roman" panose="02020603050405020304" pitchFamily="18" charset="0"/>
+              </a:rPr>
+              <a:t>видео,</a:t>
+            </a:r>
+          </a:p>
+          <a:p>
+            <a:pPr>
+              <a:buFont typeface="Arial" panose="020B0604020202020204" pitchFamily="34" charset="0"/>
+              <a:buChar char="•"/>
+            </a:pPr>
+            <a:r>
+              <a:rPr lang="ru-RU" sz="2000" dirty="0" smtClean="0">
+                <a:solidFill>
+                  <a:schemeClr val="tx1"/>
+                </a:solidFill>
+                <a:latin typeface="Times New Roman" panose="02020603050405020304" pitchFamily="18" charset="0"/>
+                <a:cs typeface="Times New Roman" panose="02020603050405020304" pitchFamily="18" charset="0"/>
+              </a:rPr>
+              <a:t>изображения,</a:t>
+            </a:r>
+          </a:p>
+          <a:p>
+            <a:pPr>
+              <a:buFont typeface="Arial" panose="020B0604020202020204" pitchFamily="34" charset="0"/>
+              <a:buChar char="•"/>
+            </a:pPr>
+            <a:r>
+              <a:rPr lang="ru-RU" sz="2000" dirty="0" smtClean="0">
+                <a:solidFill>
+                  <a:schemeClr val="tx1"/>
+                </a:solidFill>
+                <a:latin typeface="Times New Roman" panose="02020603050405020304" pitchFamily="18" charset="0"/>
+                <a:cs typeface="Times New Roman" panose="02020603050405020304" pitchFamily="18" charset="0"/>
+              </a:rPr>
+              <a:t>аудио, </a:t>
+            </a:r>
+          </a:p>
+          <a:p>
+            <a:pPr>
+              <a:buFont typeface="Arial" panose="020B0604020202020204" pitchFamily="34" charset="0"/>
+              <a:buChar char="•"/>
+            </a:pPr>
+            <a:r>
+              <a:rPr lang="ru-RU" sz="2000" dirty="0" smtClean="0">
+                <a:solidFill>
+                  <a:schemeClr val="tx1"/>
+                </a:solidFill>
+                <a:latin typeface="Times New Roman" panose="02020603050405020304" pitchFamily="18" charset="0"/>
+                <a:cs typeface="Times New Roman" panose="02020603050405020304" pitchFamily="18" charset="0"/>
+              </a:rPr>
+              <a:t>файл,</a:t>
+            </a:r>
+          </a:p>
+          <a:p>
+            <a:pPr>
+              <a:buFont typeface="Arial" panose="020B0604020202020204" pitchFamily="34" charset="0"/>
+              <a:buChar char="•"/>
+            </a:pPr>
+            <a:r>
+              <a:rPr lang="ru-RU" sz="2000" dirty="0" smtClean="0">
+                <a:solidFill>
+                  <a:schemeClr val="tx1"/>
+                </a:solidFill>
+                <a:latin typeface="Times New Roman" panose="02020603050405020304" pitchFamily="18" charset="0"/>
+                <a:cs typeface="Times New Roman" panose="02020603050405020304" pitchFamily="18" charset="0"/>
+              </a:rPr>
+              <a:t>отдельные байты </a:t>
+            </a:r>
+          </a:p>
+          <a:p>
+            <a:pPr>
+              <a:buFont typeface="Arial" panose="020B0604020202020204" pitchFamily="34" charset="0"/>
+              <a:buChar char="•"/>
+            </a:pPr>
             <a:r>
               <a:rPr lang="ru-RU" sz="2000" dirty="0">
                 <a:solidFill>
@@ -8805,7 +9381,7 @@
                 <a:latin typeface="Times New Roman" panose="02020603050405020304" pitchFamily="18" charset="0"/>
                 <a:cs typeface="Times New Roman" panose="02020603050405020304" pitchFamily="18" charset="0"/>
               </a:rPr>
-              <a:t>– это множество взаимосвязанных документов, которые находятся на различных компьютерах в сети </a:t>
+              <a:t>и</a:t>
             </a:r>
             <a:r>
               <a:rPr lang="ru-RU" sz="2000" dirty="0" smtClean="0">
@@ -8815,9 +9391,12 @@
                 <a:latin typeface="Times New Roman" panose="02020603050405020304" pitchFamily="18" charset="0"/>
                 <a:cs typeface="Times New Roman" panose="02020603050405020304" pitchFamily="18" charset="0"/>
               </a:rPr>
-              <a:t>Интернет</a:t>
-            </a:r>
-            <a:endParaRPr lang="en-US" sz="2000" dirty="0" smtClean="0">
+              <a:t> т.д. </a:t>
+            </a:r>
+          </a:p>
+          <a:p>
+            <a:pPr indent="0"/>
+            <a:endParaRPr lang="ru-RU" sz="2000" dirty="0" smtClean="0">
               <a:solidFill>
                 <a:schemeClr val="tx1"/>
               </a:solidFill>
@@ -8826,10 +9405,6 @@
             </a:endParaRPr>
           </a:p>
           <a:p>
-            <a:pPr>
-              <a:buFont typeface="Arial" panose="020B0604020202020204" pitchFamily="34" charset="0"/>
-              <a:buChar char="•"/>
-            </a:pPr>
             <a:r>
               <a:rPr lang="ru-RU" sz="2000" dirty="0" smtClean="0">
                 <a:solidFill>
@@ -8838,17 +9413,17 @@
                 <a:latin typeface="Times New Roman" panose="02020603050405020304" pitchFamily="18" charset="0"/>
                 <a:cs typeface="Times New Roman" panose="02020603050405020304" pitchFamily="18" charset="0"/>
               </a:rPr>
-              <a:t>Документы </a:t>
-            </a:r>
-            <a:r>
-              <a:rPr lang="ru-RU" sz="2000" dirty="0">
-                <a:solidFill>
-                  <a:schemeClr val="tx1"/>
-                </a:solidFill>
-                <a:latin typeface="Times New Roman" panose="02020603050405020304" pitchFamily="18" charset="0"/>
-                <a:cs typeface="Times New Roman" panose="02020603050405020304" pitchFamily="18" charset="0"/>
-              </a:rPr>
-              <a:t>ссылаются друг на друга посредством </a:t>
+              <a:t>Интернет – это </a:t>
+            </a:r>
+            <a:r>
+              <a:rPr lang="ru-RU" sz="2000" b="1" dirty="0" smtClean="0">
+                <a:solidFill>
+                  <a:schemeClr val="tx1"/>
+                </a:solidFill>
+                <a:latin typeface="Times New Roman" panose="02020603050405020304" pitchFamily="18" charset="0"/>
+                <a:cs typeface="Times New Roman" panose="02020603050405020304" pitchFamily="18" charset="0"/>
+              </a:rPr>
+              <a:t>среда</a:t>
             </a:r>
             <a:r>
               <a:rPr lang="ru-RU" sz="2000" dirty="0" smtClean="0">
@@ -8857,107 +9432,16 @@
                 </a:solidFill>
                 <a:latin typeface="Times New Roman" panose="02020603050405020304" pitchFamily="18" charset="0"/>
                 <a:cs typeface="Times New Roman" panose="02020603050405020304" pitchFamily="18" charset="0"/>
-                <a:hlinkClick r:id="rId3"/>
-              </a:rPr>
-              <a:t>гиперссылок</a:t>
-            </a:r>
-            <a:endParaRPr lang="ru-RU" sz="2000" dirty="0">
-              <a:solidFill>
-                <a:schemeClr val="tx1"/>
-              </a:solidFill>
-              <a:latin typeface="Times New Roman" panose="02020603050405020304" pitchFamily="18" charset="0"/>
-              <a:cs typeface="Times New Roman" panose="02020603050405020304" pitchFamily="18" charset="0"/>
-            </a:endParaRPr>
-          </a:p>
-          <a:p>
-            <a:pPr>
-              <a:buFont typeface="Arial" panose="020B0604020202020204" pitchFamily="34" charset="0"/>
-              <a:buChar char="•"/>
-            </a:pPr>
-            <a:r>
-              <a:rPr lang="ru-RU" sz="2000" dirty="0">
-                <a:solidFill>
-                  <a:schemeClr val="tx1"/>
-                </a:solidFill>
-                <a:latin typeface="Times New Roman" panose="02020603050405020304" pitchFamily="18" charset="0"/>
-                <a:cs typeface="Times New Roman" panose="02020603050405020304" pitchFamily="18" charset="0"/>
-              </a:rPr>
-              <a:t>Изначально </a:t>
-            </a:r>
-            <a:r>
-              <a:rPr lang="en-US" sz="2000" dirty="0" smtClean="0">
-                <a:solidFill>
-                  <a:schemeClr val="tx1"/>
-                </a:solidFill>
-                <a:latin typeface="Times New Roman" panose="02020603050405020304" pitchFamily="18" charset="0"/>
-                <a:cs typeface="Times New Roman" panose="02020603050405020304" pitchFamily="18" charset="0"/>
-              </a:rPr>
-              <a:t>WWW</a:t>
-            </a:r>
-            <a:r>
-              <a:rPr lang="ru-RU" sz="2000" dirty="0" smtClean="0">
-                <a:solidFill>
-                  <a:schemeClr val="tx1"/>
-                </a:solidFill>
-                <a:latin typeface="Times New Roman" panose="02020603050405020304" pitchFamily="18" charset="0"/>
-                <a:cs typeface="Times New Roman" panose="02020603050405020304" pitchFamily="18" charset="0"/>
-              </a:rPr>
-              <a:t> </a:t>
-            </a:r>
-            <a:r>
-              <a:rPr lang="ru-RU" sz="2000" dirty="0">
-                <a:solidFill>
-                  <a:schemeClr val="tx1"/>
-                </a:solidFill>
-                <a:latin typeface="Times New Roman" panose="02020603050405020304" pitchFamily="18" charset="0"/>
-                <a:cs typeface="Times New Roman" panose="02020603050405020304" pitchFamily="18" charset="0"/>
-              </a:rPr>
-              <a:t>задумывалась как система </a:t>
-            </a:r>
-            <a:r>
-              <a:rPr lang="ru-RU" sz="2000" dirty="0" smtClean="0">
-                <a:solidFill>
-                  <a:schemeClr val="tx1"/>
-                </a:solidFill>
-                <a:latin typeface="Times New Roman" panose="02020603050405020304" pitchFamily="18" charset="0"/>
-                <a:cs typeface="Times New Roman" panose="02020603050405020304" pitchFamily="18" charset="0"/>
-              </a:rPr>
-              <a:t>документации </a:t>
-            </a:r>
-            <a:r>
-              <a:rPr lang="ru-RU" sz="2000" dirty="0">
-                <a:solidFill>
-                  <a:schemeClr val="tx1"/>
-                </a:solidFill>
-                <a:latin typeface="Times New Roman" panose="02020603050405020304" pitchFamily="18" charset="0"/>
-                <a:cs typeface="Times New Roman" panose="02020603050405020304" pitchFamily="18" charset="0"/>
-              </a:rPr>
-              <a:t>для научного </a:t>
-            </a:r>
-            <a:r>
-              <a:rPr lang="ru-RU" sz="2000" dirty="0" smtClean="0">
-                <a:solidFill>
-                  <a:schemeClr val="tx1"/>
-                </a:solidFill>
-                <a:latin typeface="Times New Roman" panose="02020603050405020304" pitchFamily="18" charset="0"/>
-                <a:cs typeface="Times New Roman" panose="02020603050405020304" pitchFamily="18" charset="0"/>
-              </a:rPr>
-              <a:t>сообщества, теперь же это нечто большее</a:t>
-            </a:r>
-            <a:endParaRPr lang="ru-RU" sz="2000" dirty="0">
-              <a:solidFill>
-                <a:schemeClr val="tx1"/>
-              </a:solidFill>
-              <a:latin typeface="Times New Roman" panose="02020603050405020304" pitchFamily="18" charset="0"/>
-              <a:cs typeface="Times New Roman" panose="02020603050405020304" pitchFamily="18" charset="0"/>
-            </a:endParaRPr>
+              </a:rPr>
+              <a:t> для передачи данных.</a:t>
+            </a:r>
           </a:p>
         </p:txBody>
       </p:sp>
     </p:spTree>
     <p:extLst>
       <p:ext uri="{BB962C8B-B14F-4D97-AF65-F5344CB8AC3E}">
-        <p14:creationId xmlns:p14="http://schemas.microsoft.com/office/powerpoint/2010/main" val="3508205850"/>
+        <p14:creationId xmlns:p14="http://schemas.microsoft.com/office/powerpoint/2010/main" val="4248906456"/>
       </p:ext>
     </p:extLst>
   </p:cSld>
@@ -9008,6 +9492,336 @@
           <a:p>
             <a:r>
               <a:rPr lang="ru-RU" dirty="0" smtClean="0"/>
+              <a:t>Что такое </a:t>
+            </a:r>
+            <a:r>
+              <a:rPr lang="en-US" dirty="0" smtClean="0"/>
+              <a:t>WWW</a:t>
+            </a:r>
+            <a:r>
+              <a:rPr lang="ru-RU" dirty="0" smtClean="0"/>
+              <a:t>?</a:t>
+            </a:r>
+            <a:endParaRPr lang="ru-RU" dirty="0"/>
+          </a:p>
+        </p:txBody>
+      </p:sp>
+      <p:sp>
+        <p:nvSpPr>
+          <p:cNvPr id="4" name="Текст 3">
+            <a:extLst>
+              <a:ext uri="{FF2B5EF4-FFF2-40B4-BE49-F238E27FC236}">
+                <a16:creationId xmlns:a16="http://schemas.microsoft.com/office/drawing/2014/main" id="{74C82C9C-F2A8-41A8-880B-73811E3EFC36}"/>
+              </a:ext>
+            </a:extLst>
+          </p:cNvPr>
+          <p:cNvSpPr>
+            <a:spLocks noGrp="1"/>
+          </p:cNvSpPr>
+          <p:nvPr>
+            <p:ph type="body" sz="quarter" idx="11"/>
+          </p:nvPr>
+        </p:nvSpPr>
+        <p:spPr>
+          <a:xfrm>
+            <a:off x="253096" y="1332411"/>
+            <a:ext cx="8333555" cy="4763589"/>
+          </a:xfrm>
+        </p:spPr>
+        <p:txBody>
+          <a:bodyPr anchor="t">
+            <a:normAutofit/>
+          </a:bodyPr>
+          <a:lstStyle/>
+          <a:p>
+            <a:pPr>
+              <a:buFont typeface="Arial" panose="020B0604020202020204" pitchFamily="34" charset="0"/>
+              <a:buChar char="•"/>
+            </a:pPr>
+            <a:r>
+              <a:rPr lang="en-US" sz="2000" dirty="0" smtClean="0">
+                <a:solidFill>
+                  <a:schemeClr val="tx1"/>
+                </a:solidFill>
+                <a:latin typeface="Times New Roman" panose="02020603050405020304" pitchFamily="18" charset="0"/>
+                <a:cs typeface="Times New Roman" panose="02020603050405020304" pitchFamily="18" charset="0"/>
+              </a:rPr>
+              <a:t>WWW </a:t>
+            </a:r>
+            <a:r>
+              <a:rPr lang="ru-RU" sz="2000" dirty="0">
+                <a:solidFill>
+                  <a:schemeClr val="tx1"/>
+                </a:solidFill>
+                <a:latin typeface="Times New Roman" panose="02020603050405020304" pitchFamily="18" charset="0"/>
+                <a:cs typeface="Times New Roman" panose="02020603050405020304" pitchFamily="18" charset="0"/>
+              </a:rPr>
+              <a:t>–</a:t>
+            </a:r>
+            <a:r>
+              <a:rPr lang="ru-RU" sz="2000" dirty="0" smtClean="0">
+                <a:solidFill>
+                  <a:schemeClr val="tx1"/>
+                </a:solidFill>
+                <a:latin typeface="Times New Roman" panose="02020603050405020304" pitchFamily="18" charset="0"/>
+                <a:cs typeface="Times New Roman" panose="02020603050405020304" pitchFamily="18" charset="0"/>
+              </a:rPr>
+              <a:t> это </a:t>
+            </a:r>
+            <a:r>
+              <a:rPr lang="ru-RU" sz="2000" dirty="0">
+                <a:solidFill>
+                  <a:schemeClr val="tx1"/>
+                </a:solidFill>
+                <a:latin typeface="Times New Roman" panose="02020603050405020304" pitchFamily="18" charset="0"/>
+                <a:cs typeface="Times New Roman" panose="02020603050405020304" pitchFamily="18" charset="0"/>
+              </a:rPr>
+              <a:t>один из частных случаев применения сети интернет</a:t>
+            </a:r>
+            <a:endParaRPr lang="ru-RU" sz="2000" dirty="0" smtClean="0">
+              <a:solidFill>
+                <a:schemeClr val="tx1"/>
+              </a:solidFill>
+              <a:latin typeface="Times New Roman" panose="02020603050405020304" pitchFamily="18" charset="0"/>
+              <a:cs typeface="Times New Roman" panose="02020603050405020304" pitchFamily="18" charset="0"/>
+            </a:endParaRPr>
+          </a:p>
+          <a:p>
+            <a:pPr>
+              <a:buFont typeface="Arial" panose="020B0604020202020204" pitchFamily="34" charset="0"/>
+              <a:buChar char="•"/>
+            </a:pPr>
+            <a:r>
+              <a:rPr lang="en-US" sz="2000" dirty="0" smtClean="0">
+                <a:solidFill>
+                  <a:schemeClr val="tx1"/>
+                </a:solidFill>
+                <a:latin typeface="Times New Roman" panose="02020603050405020304" pitchFamily="18" charset="0"/>
+                <a:cs typeface="Times New Roman" panose="02020603050405020304" pitchFamily="18" charset="0"/>
+              </a:rPr>
+              <a:t>WWW</a:t>
+            </a:r>
+            <a:r>
+              <a:rPr lang="ru-RU" sz="2000" dirty="0" smtClean="0">
+                <a:solidFill>
+                  <a:schemeClr val="tx1"/>
+                </a:solidFill>
+                <a:latin typeface="Times New Roman" panose="02020603050405020304" pitchFamily="18" charset="0"/>
+                <a:cs typeface="Times New Roman" panose="02020603050405020304" pitchFamily="18" charset="0"/>
+              </a:rPr>
+              <a:t> </a:t>
+            </a:r>
+            <a:r>
+              <a:rPr lang="ru-RU" sz="2000" dirty="0">
+                <a:solidFill>
+                  <a:schemeClr val="tx1"/>
+                </a:solidFill>
+                <a:latin typeface="Times New Roman" panose="02020603050405020304" pitchFamily="18" charset="0"/>
+                <a:cs typeface="Times New Roman" panose="02020603050405020304" pitchFamily="18" charset="0"/>
+              </a:rPr>
+              <a:t>– это множество взаимосвязанных документов, которые находятся на различных компьютерах в сети </a:t>
+            </a:r>
+            <a:r>
+              <a:rPr lang="ru-RU" sz="2000" dirty="0" smtClean="0">
+                <a:solidFill>
+                  <a:schemeClr val="tx1"/>
+                </a:solidFill>
+                <a:latin typeface="Times New Roman" panose="02020603050405020304" pitchFamily="18" charset="0"/>
+                <a:cs typeface="Times New Roman" panose="02020603050405020304" pitchFamily="18" charset="0"/>
+              </a:rPr>
+              <a:t>Интернет</a:t>
+            </a:r>
+            <a:endParaRPr lang="en-US" sz="2000" dirty="0" smtClean="0">
+              <a:solidFill>
+                <a:schemeClr val="tx1"/>
+              </a:solidFill>
+              <a:latin typeface="Times New Roman" panose="02020603050405020304" pitchFamily="18" charset="0"/>
+              <a:cs typeface="Times New Roman" panose="02020603050405020304" pitchFamily="18" charset="0"/>
+            </a:endParaRPr>
+          </a:p>
+          <a:p>
+            <a:pPr>
+              <a:buFont typeface="Arial" panose="020B0604020202020204" pitchFamily="34" charset="0"/>
+              <a:buChar char="•"/>
+            </a:pPr>
+            <a:r>
+              <a:rPr lang="ru-RU" sz="2000" dirty="0" smtClean="0">
+                <a:solidFill>
+                  <a:schemeClr val="tx1"/>
+                </a:solidFill>
+                <a:latin typeface="Times New Roman" panose="02020603050405020304" pitchFamily="18" charset="0"/>
+                <a:cs typeface="Times New Roman" panose="02020603050405020304" pitchFamily="18" charset="0"/>
+              </a:rPr>
+              <a:t>Документы </a:t>
+            </a:r>
+            <a:r>
+              <a:rPr lang="ru-RU" sz="2000" dirty="0">
+                <a:solidFill>
+                  <a:schemeClr val="tx1"/>
+                </a:solidFill>
+                <a:latin typeface="Times New Roman" panose="02020603050405020304" pitchFamily="18" charset="0"/>
+                <a:cs typeface="Times New Roman" panose="02020603050405020304" pitchFamily="18" charset="0"/>
+              </a:rPr>
+              <a:t>ссылаются друг на друга посредством </a:t>
+            </a:r>
+            <a:r>
+              <a:rPr lang="ru-RU" sz="2000" dirty="0" smtClean="0">
+                <a:solidFill>
+                  <a:schemeClr val="tx1"/>
+                </a:solidFill>
+                <a:latin typeface="Times New Roman" panose="02020603050405020304" pitchFamily="18" charset="0"/>
+                <a:cs typeface="Times New Roman" panose="02020603050405020304" pitchFamily="18" charset="0"/>
+                <a:hlinkClick r:id="rId3"/>
+              </a:rPr>
+              <a:t>гиперссылок</a:t>
+            </a:r>
+            <a:endParaRPr lang="ru-RU" sz="2000" dirty="0">
+              <a:solidFill>
+                <a:schemeClr val="tx1"/>
+              </a:solidFill>
+              <a:latin typeface="Times New Roman" panose="02020603050405020304" pitchFamily="18" charset="0"/>
+              <a:cs typeface="Times New Roman" panose="02020603050405020304" pitchFamily="18" charset="0"/>
+            </a:endParaRPr>
+          </a:p>
+          <a:p>
+            <a:pPr>
+              <a:buFont typeface="Arial" panose="020B0604020202020204" pitchFamily="34" charset="0"/>
+              <a:buChar char="•"/>
+            </a:pPr>
+            <a:r>
+              <a:rPr lang="ru-RU" sz="2000" dirty="0">
+                <a:solidFill>
+                  <a:schemeClr val="tx1"/>
+                </a:solidFill>
+                <a:latin typeface="Times New Roman" panose="02020603050405020304" pitchFamily="18" charset="0"/>
+                <a:cs typeface="Times New Roman" panose="02020603050405020304" pitchFamily="18" charset="0"/>
+              </a:rPr>
+              <a:t>Изначально </a:t>
+            </a:r>
+            <a:r>
+              <a:rPr lang="en-US" sz="2000" dirty="0" smtClean="0">
+                <a:solidFill>
+                  <a:schemeClr val="tx1"/>
+                </a:solidFill>
+                <a:latin typeface="Times New Roman" panose="02020603050405020304" pitchFamily="18" charset="0"/>
+                <a:cs typeface="Times New Roman" panose="02020603050405020304" pitchFamily="18" charset="0"/>
+              </a:rPr>
+              <a:t>WWW</a:t>
+            </a:r>
+            <a:r>
+              <a:rPr lang="ru-RU" sz="2000" dirty="0" smtClean="0">
+                <a:solidFill>
+                  <a:schemeClr val="tx1"/>
+                </a:solidFill>
+                <a:latin typeface="Times New Roman" panose="02020603050405020304" pitchFamily="18" charset="0"/>
+                <a:cs typeface="Times New Roman" panose="02020603050405020304" pitchFamily="18" charset="0"/>
+              </a:rPr>
+              <a:t> </a:t>
+            </a:r>
+            <a:r>
+              <a:rPr lang="ru-RU" sz="2000" dirty="0">
+                <a:solidFill>
+                  <a:schemeClr val="tx1"/>
+                </a:solidFill>
+                <a:latin typeface="Times New Roman" panose="02020603050405020304" pitchFamily="18" charset="0"/>
+                <a:cs typeface="Times New Roman" panose="02020603050405020304" pitchFamily="18" charset="0"/>
+              </a:rPr>
+              <a:t>задумывалась как система </a:t>
+            </a:r>
+            <a:r>
+              <a:rPr lang="ru-RU" sz="2000" dirty="0" smtClean="0">
+                <a:solidFill>
+                  <a:schemeClr val="tx1"/>
+                </a:solidFill>
+                <a:latin typeface="Times New Roman" panose="02020603050405020304" pitchFamily="18" charset="0"/>
+                <a:cs typeface="Times New Roman" panose="02020603050405020304" pitchFamily="18" charset="0"/>
+              </a:rPr>
+              <a:t>документации </a:t>
+            </a:r>
+            <a:r>
+              <a:rPr lang="ru-RU" sz="2000" dirty="0">
+                <a:solidFill>
+                  <a:schemeClr val="tx1"/>
+                </a:solidFill>
+                <a:latin typeface="Times New Roman" panose="02020603050405020304" pitchFamily="18" charset="0"/>
+                <a:cs typeface="Times New Roman" panose="02020603050405020304" pitchFamily="18" charset="0"/>
+              </a:rPr>
+              <a:t>для научного </a:t>
+            </a:r>
+            <a:r>
+              <a:rPr lang="ru-RU" sz="2000" dirty="0" smtClean="0">
+                <a:solidFill>
+                  <a:schemeClr val="tx1"/>
+                </a:solidFill>
+                <a:latin typeface="Times New Roman" panose="02020603050405020304" pitchFamily="18" charset="0"/>
+                <a:cs typeface="Times New Roman" panose="02020603050405020304" pitchFamily="18" charset="0"/>
+              </a:rPr>
+              <a:t>сообщества, теперь же это нечто большее</a:t>
+            </a:r>
+            <a:endParaRPr lang="ru-RU" sz="2000" dirty="0">
+              <a:solidFill>
+                <a:schemeClr val="tx1"/>
+              </a:solidFill>
+              <a:latin typeface="Times New Roman" panose="02020603050405020304" pitchFamily="18" charset="0"/>
+              <a:cs typeface="Times New Roman" panose="02020603050405020304" pitchFamily="18" charset="0"/>
+            </a:endParaRPr>
+          </a:p>
+        </p:txBody>
+      </p:sp>
+    </p:spTree>
+    <p:extLst>
+      <p:ext uri="{BB962C8B-B14F-4D97-AF65-F5344CB8AC3E}">
+        <p14:creationId xmlns:p14="http://schemas.microsoft.com/office/powerpoint/2010/main" val="3508205850"/>
+      </p:ext>
+    </p:extLst>
+  </p:cSld>
+  <p:clrMapOvr>
+    <a:masterClrMapping/>
+  </p:clrMapOvr>
+  <p:timing>
+    <p:tnLst>
+      <p:par>
+        <p:cTn id="1" dur="indefinite" restart="never" nodeType="tmRoot"/>
+      </p:par>
+    </p:tnLst>
+  </p:timing>
+</p:sld>
+</file>
+
+<file path=ppt/slides/slide5.xml><?xml version="1.0" encoding="utf-8"?>
+<p:sld xmlns:a="http://schemas.openxmlformats.org/drawingml/2006/main" xmlns:r="http://schemas.openxmlformats.org/officeDocument/2006/relationships" xmlns:p="http://schemas.openxmlformats.org/presentationml/2006/main">
+  <p:cSld>
+    <p:spTree>
+      <p:nvGrpSpPr>
+        <p:cNvPr id="1" name=""/>
+        <p:cNvGrpSpPr/>
+        <p:nvPr/>
+      </p:nvGrpSpPr>
+      <p:grpSpPr>
+        <a:xfrm>
+          <a:off x="0" y="0"/>
+          <a:ext cx="0" cy="0"/>
+          <a:chOff x="0" y="0"/>
+          <a:chExt cx="0" cy="0"/>
+        </a:xfrm>
+      </p:grpSpPr>
+      <p:sp>
+        <p:nvSpPr>
+          <p:cNvPr id="3" name="Заголовок 2"/>
+          <p:cNvSpPr>
+            <a:spLocks noGrp="1"/>
+          </p:cNvSpPr>
+          <p:nvPr>
+            <p:ph type="title"/>
+          </p:nvPr>
+        </p:nvSpPr>
+        <p:spPr/>
+        <p:txBody>
+          <a:bodyPr/>
+          <a:lstStyle/>
+          <a:p>
+            <a:r>
+              <a:rPr lang="ru-RU" dirty="0" smtClean="0"/>
               <a:t>Документы. Типы документов</a:t>
             </a:r>
             <a:endParaRPr lang="ru-RU" dirty="0"/>
@@ -9555,7 +10369,7 @@
 </p:sld>
 </file>
 
-<file path=ppt/slides/slide5.xml><?xml version="1.0" encoding="utf-8"?>
+<file path=ppt/slides/slide6.xml><?xml version="1.0" encoding="utf-8"?>
 <p:sld xmlns:a="http://schemas.openxmlformats.org/drawingml/2006/main" xmlns:r="http://schemas.openxmlformats.org/officeDocument/2006/relationships" xmlns:p="http://schemas.openxmlformats.org/presentationml/2006/main">
   <p:cSld>
     <p:spTree>
@@ -9870,7 +10684,7 @@
 </p:sld>
 </file>
 
-<file path=ppt/slides/slide6.xml><?xml version="1.0" encoding="utf-8"?>
+<file path=ppt/slides/slide7.xml><?xml version="1.0" encoding="utf-8"?>
 <p:sld xmlns:a="http://schemas.openxmlformats.org/drawingml/2006/main" xmlns:r="http://schemas.openxmlformats.org/officeDocument/2006/relationships" xmlns:p="http://schemas.openxmlformats.org/presentationml/2006/main">
   <p:cSld>
     <p:spTree>
@@ -10262,13 +11076,6 @@
               </a:rPr>
               <a:t>?</a:t>
             </a:r>
-            <a:endParaRPr lang="ru-RU" sz="2000" dirty="0" smtClean="0">
-              <a:solidFill>
-                <a:schemeClr val="tx1"/>
-              </a:solidFill>
-              <a:latin typeface="Times New Roman" panose="02020603050405020304" pitchFamily="18" charset="0"/>
-              <a:cs typeface="Times New Roman" panose="02020603050405020304" pitchFamily="18" charset="0"/>
-            </a:endParaRPr>
           </a:p>
         </p:txBody>
       </p:sp>
@@ -10292,7 +11099,7 @@
 </p:sld>
 </file>
 
-<file path=ppt/slides/slide7.xml><?xml version="1.0" encoding="utf-8"?>
+<file path=ppt/slides/slide8.xml><?xml version="1.0" encoding="utf-8"?>
 <p:sld xmlns:a="http://schemas.openxmlformats.org/drawingml/2006/main" xmlns:r="http://schemas.openxmlformats.org/officeDocument/2006/relationships" xmlns:p="http://schemas.openxmlformats.org/presentationml/2006/main">
   <p:cSld>
     <p:spTree>
@@ -10825,17 +11632,7 @@
                 <a:latin typeface="Times New Roman" panose="02020603050405020304" pitchFamily="18" charset="0"/>
                 <a:cs typeface="Times New Roman" panose="02020603050405020304" pitchFamily="18" charset="0"/>
               </a:rPr>
-              <a:t>Н</a:t>
-            </a:r>
-            <a:r>
-              <a:rPr lang="ru-RU" sz="2000" dirty="0" smtClean="0">
-                <a:solidFill>
-                  <a:schemeClr val="tx1"/>
-                </a:solidFill>
-                <a:latin typeface="Times New Roman" panose="02020603050405020304" pitchFamily="18" charset="0"/>
-                <a:cs typeface="Times New Roman" panose="02020603050405020304" pitchFamily="18" charset="0"/>
-              </a:rPr>
-              <a:t>омера телефонов с такой фамилией в справочнике</a:t>
+              <a:t>Номера телефонов с такой фамилией в справочнике</a:t>
             </a:r>
           </a:p>
         </p:txBody>
@@ -11069,13 +11866,6 @@
               </a:rPr>
               <a:t>Список одобренных пользователей</a:t>
             </a:r>
-            <a:endParaRPr lang="ru-RU" sz="2000" dirty="0" smtClean="0">
-              <a:solidFill>
-                <a:schemeClr val="tx1"/>
-              </a:solidFill>
-              <a:latin typeface="Times New Roman" panose="02020603050405020304" pitchFamily="18" charset="0"/>
-              <a:cs typeface="Times New Roman" panose="02020603050405020304" pitchFamily="18" charset="0"/>
-            </a:endParaRPr>
           </a:p>
         </p:txBody>
       </p:sp>
@@ -11083,573 +11873,6 @@
     <p:extLst>
       <p:ext uri="{BB962C8B-B14F-4D97-AF65-F5344CB8AC3E}">
         <p14:creationId xmlns:p14="http://schemas.microsoft.com/office/powerpoint/2010/main" val="3136048946"/>
-      </p:ext>
-    </p:extLst>
-  </p:cSld>
-  <p:clrMapOvr>
-    <a:masterClrMapping/>
-  </p:clrMapOvr>
-  <p:timing>
-    <p:tnLst>
-      <p:par>
-        <p:cTn id="1" dur="indefinite" restart="never" nodeType="tmRoot"/>
-      </p:par>
-    </p:tnLst>
-  </p:timing>
-</p:sld>
-</file>
-
-<file path=ppt/slides/slide8.xml><?xml version="1.0" encoding="utf-8"?>
-<p:sld xmlns:a="http://schemas.openxmlformats.org/drawingml/2006/main" xmlns:r="http://schemas.openxmlformats.org/officeDocument/2006/relationships" xmlns:p="http://schemas.openxmlformats.org/presentationml/2006/main">
-  <p:cSld>
-    <p:spTree>
-      <p:nvGrpSpPr>
-        <p:cNvPr id="1" name=""/>
-        <p:cNvGrpSpPr/>
-        <p:nvPr/>
-      </p:nvGrpSpPr>
-      <p:grpSpPr>
-        <a:xfrm>
-          <a:off x="0" y="0"/>
-          <a:ext cx="0" cy="0"/>
-          <a:chOff x="0" y="0"/>
-          <a:chExt cx="0" cy="0"/>
-        </a:xfrm>
-      </p:grpSpPr>
-      <p:sp>
-        <p:nvSpPr>
-          <p:cNvPr id="3" name="Заголовок 2"/>
-          <p:cNvSpPr>
-            <a:spLocks noGrp="1"/>
-          </p:cNvSpPr>
-          <p:nvPr>
-            <p:ph type="title"/>
-          </p:nvPr>
-        </p:nvSpPr>
-        <p:spPr/>
-        <p:txBody>
-          <a:bodyPr/>
-          <a:lstStyle/>
-          <a:p>
-            <a:r>
-              <a:rPr lang="ru-RU" dirty="0" smtClean="0"/>
-              <a:t>Задание </a:t>
-            </a:r>
-            <a:r>
-              <a:rPr lang="ru-RU" dirty="0" smtClean="0"/>
-              <a:t>2</a:t>
-            </a:r>
-            <a:endParaRPr lang="ru-RU" dirty="0"/>
-          </a:p>
-        </p:txBody>
-      </p:sp>
-      <p:sp>
-        <p:nvSpPr>
-          <p:cNvPr id="6" name="Текст 3">
-            <a:extLst>
-              <a:ext uri="{FF2B5EF4-FFF2-40B4-BE49-F238E27FC236}">
-                <a16:creationId xmlns:a16="http://schemas.microsoft.com/office/drawing/2014/main" id="{74C82C9C-F2A8-41A8-880B-73811E3EFC36}"/>
-              </a:ext>
-            </a:extLst>
-          </p:cNvPr>
-          <p:cNvSpPr txBox="1">
-            <a:spLocks/>
-          </p:cNvSpPr>
-          <p:nvPr/>
-        </p:nvSpPr>
-        <p:spPr bwMode="auto">
-          <a:xfrm>
-            <a:off x="253096" y="1332411"/>
-            <a:ext cx="8333555" cy="4763589"/>
-          </a:xfrm>
-          <a:prstGeom prst="rect">
-            <a:avLst/>
-          </a:prstGeom>
-          <a:noFill/>
-          <a:ln>
-            <a:noFill/>
-          </a:ln>
-          <a:extLst>
-            <a:ext uri="{909E8E84-426E-40DD-AFC4-6F175D3DCCD1}">
-              <a14:hiddenFill xmlns:a14="http://schemas.microsoft.com/office/drawing/2010/main">
-                <a:solidFill>
-                  <a:srgbClr val="FFFFFF"/>
-                </a:solidFill>
-              </a14:hiddenFill>
-            </a:ext>
-            <a:ext uri="{91240B29-F687-4F45-9708-019B960494DF}">
-              <a14:hiddenLine xmlns:a14="http://schemas.microsoft.com/office/drawing/2010/main" w="9525">
-                <a:solidFill>
-                  <a:srgbClr val="000000"/>
-                </a:solidFill>
-                <a:miter lim="800000"/>
-                <a:headEnd/>
-                <a:tailEnd/>
-              </a14:hiddenLine>
-            </a:ext>
-          </a:extLst>
-        </p:spPr>
-        <p:txBody>
-          <a:bodyPr vert="horz" wrap="square" lIns="91440" tIns="45720" rIns="91440" bIns="45720" numCol="1" anchor="t" anchorCtr="0" compatLnSpc="1">
-            <a:prstTxWarp prst="textNoShape">
-              <a:avLst/>
-            </a:prstTxWarp>
-            <a:normAutofit/>
-          </a:bodyPr>
-          <a:lstStyle>
-            <a:lvl1pPr marL="0" marR="0" indent="-342900" algn="l" defTabSz="180000" rtl="0" eaLnBrk="1" fontAlgn="auto" latinLnBrk="0" hangingPunct="1">
-              <a:lnSpc>
-                <a:spcPct val="100000"/>
-              </a:lnSpc>
-              <a:spcBef>
-                <a:spcPct val="20000"/>
-              </a:spcBef>
-              <a:spcAft>
-                <a:spcPts val="0"/>
-              </a:spcAft>
-              <a:buClrTx/>
-              <a:buSzTx/>
-              <a:buFont typeface="Arial" pitchFamily="34" charset="0"/>
-              <a:buNone/>
-              <a:tabLst/>
-              <a:defRPr sz="900" kern="1200">
-                <a:solidFill>
-                  <a:schemeClr val="tx1">
-                    <a:lumMod val="50000"/>
-                    <a:lumOff val="50000"/>
-                  </a:schemeClr>
-                </a:solidFill>
-                <a:latin typeface="Arial" pitchFamily="34" charset="0"/>
-                <a:ea typeface="+mn-ea"/>
-                <a:cs typeface="Arial" pitchFamily="34" charset="0"/>
-              </a:defRPr>
-            </a:lvl1pPr>
-            <a:lvl2pPr marL="742950" indent="-285750" algn="l" rtl="0" eaLnBrk="0" fontAlgn="base" hangingPunct="0">
-              <a:spcBef>
-                <a:spcPct val="20000"/>
-              </a:spcBef>
-              <a:spcAft>
-                <a:spcPct val="0"/>
-              </a:spcAft>
-              <a:buFont typeface="Arial" charset="0"/>
-              <a:buChar char="–"/>
-              <a:defRPr sz="2800" kern="1200">
-                <a:solidFill>
-                  <a:schemeClr val="tx1"/>
-                </a:solidFill>
-                <a:latin typeface="+mn-lt"/>
-                <a:ea typeface="+mn-ea"/>
-                <a:cs typeface="+mn-cs"/>
-              </a:defRPr>
-            </a:lvl2pPr>
-            <a:lvl3pPr marL="1143000" indent="-228600" algn="l" rtl="0" eaLnBrk="0" fontAlgn="base" hangingPunct="0">
-              <a:spcBef>
-                <a:spcPct val="20000"/>
-              </a:spcBef>
-              <a:spcAft>
-                <a:spcPct val="0"/>
-              </a:spcAft>
-              <a:buFont typeface="Arial" charset="0"/>
-              <a:buChar char="•"/>
-              <a:defRPr sz="2400" kern="1200">
-                <a:solidFill>
-                  <a:schemeClr val="tx1"/>
-                </a:solidFill>
-                <a:latin typeface="+mn-lt"/>
-                <a:ea typeface="+mn-ea"/>
-                <a:cs typeface="+mn-cs"/>
-              </a:defRPr>
-            </a:lvl3pPr>
-            <a:lvl4pPr marL="1600200" indent="-228600" algn="l" rtl="0" eaLnBrk="0" fontAlgn="base" hangingPunct="0">
-              <a:spcBef>
-                <a:spcPct val="20000"/>
-              </a:spcBef>
-              <a:spcAft>
-                <a:spcPct val="0"/>
-              </a:spcAft>
-              <a:buFont typeface="Arial" charset="0"/>
-              <a:buChar char="–"/>
-              <a:defRPr sz="2000" kern="1200">
-                <a:solidFill>
-                  <a:schemeClr val="tx1"/>
-                </a:solidFill>
-                <a:latin typeface="+mn-lt"/>
-                <a:ea typeface="+mn-ea"/>
-                <a:cs typeface="+mn-cs"/>
-              </a:defRPr>
-            </a:lvl4pPr>
-            <a:lvl5pPr marL="2057400" indent="-228600" algn="l" rtl="0" eaLnBrk="0" fontAlgn="base" hangingPunct="0">
-              <a:spcBef>
-                <a:spcPct val="20000"/>
-              </a:spcBef>
-              <a:spcAft>
-                <a:spcPct val="0"/>
-              </a:spcAft>
-              <a:buFont typeface="Arial" charset="0"/>
-              <a:buChar char="»"/>
-              <a:defRPr sz="2000" kern="1200">
-                <a:solidFill>
-                  <a:schemeClr val="tx1"/>
-                </a:solidFill>
-                <a:latin typeface="+mn-lt"/>
-                <a:ea typeface="+mn-ea"/>
-                <a:cs typeface="+mn-cs"/>
-              </a:defRPr>
-            </a:lvl5pPr>
-            <a:lvl6pPr marL="2514600" indent="-228600" algn="l" defTabSz="914400" rtl="0" eaLnBrk="1" latinLnBrk="0" hangingPunct="1">
-              <a:spcBef>
-                <a:spcPct val="20000"/>
-              </a:spcBef>
-              <a:buFont typeface="Arial" pitchFamily="34" charset="0"/>
-              <a:buChar char="•"/>
-              <a:defRPr sz="2000" kern="1200">
-                <a:solidFill>
-                  <a:schemeClr val="tx1"/>
-                </a:solidFill>
-                <a:latin typeface="+mn-lt"/>
-                <a:ea typeface="+mn-ea"/>
-                <a:cs typeface="+mn-cs"/>
-              </a:defRPr>
-            </a:lvl6pPr>
-            <a:lvl7pPr marL="2971800" indent="-228600" algn="l" defTabSz="914400" rtl="0" eaLnBrk="1" latinLnBrk="0" hangingPunct="1">
-              <a:spcBef>
-                <a:spcPct val="20000"/>
-              </a:spcBef>
-              <a:buFont typeface="Arial" pitchFamily="34" charset="0"/>
-              <a:buChar char="•"/>
-              <a:defRPr sz="2000" kern="1200">
-                <a:solidFill>
-                  <a:schemeClr val="tx1"/>
-                </a:solidFill>
-                <a:latin typeface="+mn-lt"/>
-                <a:ea typeface="+mn-ea"/>
-                <a:cs typeface="+mn-cs"/>
-              </a:defRPr>
-            </a:lvl7pPr>
-            <a:lvl8pPr marL="3429000" indent="-228600" algn="l" defTabSz="914400" rtl="0" eaLnBrk="1" latinLnBrk="0" hangingPunct="1">
-              <a:spcBef>
-                <a:spcPct val="20000"/>
-              </a:spcBef>
-              <a:buFont typeface="Arial" pitchFamily="34" charset="0"/>
-              <a:buChar char="•"/>
-              <a:defRPr sz="2000" kern="1200">
-                <a:solidFill>
-                  <a:schemeClr val="tx1"/>
-                </a:solidFill>
-                <a:latin typeface="+mn-lt"/>
-                <a:ea typeface="+mn-ea"/>
-                <a:cs typeface="+mn-cs"/>
-              </a:defRPr>
-            </a:lvl8pPr>
-            <a:lvl9pPr marL="3886200" indent="-228600" algn="l" defTabSz="914400" rtl="0" eaLnBrk="1" latinLnBrk="0" hangingPunct="1">
-              <a:spcBef>
-                <a:spcPct val="20000"/>
-              </a:spcBef>
-              <a:buFont typeface="Arial" pitchFamily="34" charset="0"/>
-              <a:buChar char="•"/>
-              <a:defRPr sz="2000" kern="1200">
-                <a:solidFill>
-                  <a:schemeClr val="tx1"/>
-                </a:solidFill>
-                <a:latin typeface="+mn-lt"/>
-                <a:ea typeface="+mn-ea"/>
-                <a:cs typeface="+mn-cs"/>
-              </a:defRPr>
-            </a:lvl9pPr>
-          </a:lstStyle>
-          <a:p>
-            <a:pPr>
-              <a:buAutoNum type="arabicPeriod"/>
-            </a:pPr>
-            <a:r>
-              <a:rPr lang="ru-RU" sz="2000" dirty="0" smtClean="0">
-                <a:solidFill>
-                  <a:schemeClr val="tx1"/>
-                </a:solidFill>
-                <a:latin typeface="Times New Roman" panose="02020603050405020304" pitchFamily="18" charset="0"/>
-                <a:cs typeface="Times New Roman" panose="02020603050405020304" pitchFamily="18" charset="0"/>
-              </a:rPr>
-              <a:t>Составить </a:t>
-            </a:r>
-            <a:r>
-              <a:rPr lang="en-US" sz="2000" dirty="0" smtClean="0">
-                <a:solidFill>
-                  <a:schemeClr val="tx1"/>
-                </a:solidFill>
-                <a:latin typeface="Times New Roman" panose="02020603050405020304" pitchFamily="18" charset="0"/>
-                <a:cs typeface="Times New Roman" panose="02020603050405020304" pitchFamily="18" charset="0"/>
-              </a:rPr>
-              <a:t>JSON</a:t>
-            </a:r>
-            <a:r>
-              <a:rPr lang="ru-RU" sz="2000" dirty="0">
-                <a:solidFill>
-                  <a:schemeClr val="tx1"/>
-                </a:solidFill>
-                <a:latin typeface="Times New Roman" panose="02020603050405020304" pitchFamily="18" charset="0"/>
-                <a:cs typeface="Times New Roman" panose="02020603050405020304" pitchFamily="18" charset="0"/>
-              </a:rPr>
-              <a:t> </a:t>
-            </a:r>
-            <a:r>
-              <a:rPr lang="ru-RU" sz="2000" dirty="0" smtClean="0">
-                <a:solidFill>
-                  <a:schemeClr val="tx1"/>
-                </a:solidFill>
-                <a:latin typeface="Times New Roman" panose="02020603050405020304" pitchFamily="18" charset="0"/>
-                <a:cs typeface="Times New Roman" panose="02020603050405020304" pitchFamily="18" charset="0"/>
-              </a:rPr>
-              <a:t>с ключом </a:t>
-            </a:r>
-            <a:r>
-              <a:rPr lang="en-US" sz="2000" dirty="0" smtClean="0">
-                <a:solidFill>
-                  <a:schemeClr val="tx1"/>
-                </a:solidFill>
-                <a:latin typeface="Times New Roman" panose="02020603050405020304" pitchFamily="18" charset="0"/>
-                <a:cs typeface="Times New Roman" panose="02020603050405020304" pitchFamily="18" charset="0"/>
-              </a:rPr>
-              <a:t>message</a:t>
-            </a:r>
-            <a:r>
-              <a:rPr lang="ru-RU" sz="2000" dirty="0" smtClean="0">
-                <a:solidFill>
-                  <a:schemeClr val="tx1"/>
-                </a:solidFill>
-                <a:latin typeface="Times New Roman" panose="02020603050405020304" pitchFamily="18" charset="0"/>
-                <a:cs typeface="Times New Roman" panose="02020603050405020304" pitchFamily="18" charset="0"/>
-              </a:rPr>
-              <a:t> и значением </a:t>
-            </a:r>
-            <a:r>
-              <a:rPr lang="en-US" sz="2000" dirty="0" smtClean="0">
-                <a:solidFill>
-                  <a:schemeClr val="tx1"/>
-                </a:solidFill>
-                <a:latin typeface="Times New Roman" panose="02020603050405020304" pitchFamily="18" charset="0"/>
-                <a:cs typeface="Times New Roman" panose="02020603050405020304" pitchFamily="18" charset="0"/>
-              </a:rPr>
-              <a:t>Hello world!</a:t>
-            </a:r>
-          </a:p>
-          <a:p>
-            <a:pPr>
-              <a:buAutoNum type="arabicPeriod"/>
-            </a:pPr>
-            <a:r>
-              <a:rPr lang="ru-RU" sz="2000" dirty="0" smtClean="0">
-                <a:solidFill>
-                  <a:schemeClr val="tx1"/>
-                </a:solidFill>
-                <a:latin typeface="Times New Roman" panose="02020603050405020304" pitchFamily="18" charset="0"/>
-                <a:cs typeface="Times New Roman" panose="02020603050405020304" pitchFamily="18" charset="0"/>
-              </a:rPr>
-              <a:t>Составить </a:t>
-            </a:r>
-            <a:r>
-              <a:rPr lang="en-US" sz="2000" dirty="0" smtClean="0">
-                <a:solidFill>
-                  <a:schemeClr val="tx1"/>
-                </a:solidFill>
-                <a:latin typeface="Times New Roman" panose="02020603050405020304" pitchFamily="18" charset="0"/>
-                <a:cs typeface="Times New Roman" panose="02020603050405020304" pitchFamily="18" charset="0"/>
-              </a:rPr>
-              <a:t>JSON</a:t>
-            </a:r>
-            <a:r>
-              <a:rPr lang="ru-RU" sz="2000" dirty="0">
-                <a:solidFill>
-                  <a:schemeClr val="tx1"/>
-                </a:solidFill>
-                <a:latin typeface="Times New Roman" panose="02020603050405020304" pitchFamily="18" charset="0"/>
-                <a:cs typeface="Times New Roman" panose="02020603050405020304" pitchFamily="18" charset="0"/>
-              </a:rPr>
-              <a:t> </a:t>
-            </a:r>
-            <a:r>
-              <a:rPr lang="ru-RU" sz="2000" dirty="0" smtClean="0">
-                <a:solidFill>
-                  <a:schemeClr val="tx1"/>
-                </a:solidFill>
-                <a:latin typeface="Times New Roman" panose="02020603050405020304" pitchFamily="18" charset="0"/>
-                <a:cs typeface="Times New Roman" panose="02020603050405020304" pitchFamily="18" charset="0"/>
-              </a:rPr>
-              <a:t>с ключами </a:t>
-            </a:r>
-            <a:r>
-              <a:rPr lang="en-US" sz="2000" dirty="0" smtClean="0">
-                <a:solidFill>
-                  <a:schemeClr val="tx1"/>
-                </a:solidFill>
-                <a:latin typeface="Times New Roman" panose="02020603050405020304" pitchFamily="18" charset="0"/>
-                <a:cs typeface="Times New Roman" panose="02020603050405020304" pitchFamily="18" charset="0"/>
-              </a:rPr>
-              <a:t>name, surname, age,</a:t>
-            </a:r>
-            <a:r>
-              <a:rPr lang="ru-RU" sz="2000" dirty="0" smtClean="0">
-                <a:solidFill>
-                  <a:schemeClr val="tx1"/>
-                </a:solidFill>
-                <a:latin typeface="Times New Roman" panose="02020603050405020304" pitchFamily="18" charset="0"/>
-                <a:cs typeface="Times New Roman" panose="02020603050405020304" pitchFamily="18" charset="0"/>
-              </a:rPr>
-              <a:t> </a:t>
-            </a:r>
-            <a:r>
-              <a:rPr lang="en-US" sz="2000" dirty="0" err="1" smtClean="0">
-                <a:solidFill>
-                  <a:schemeClr val="tx1"/>
-                </a:solidFill>
-                <a:latin typeface="Times New Roman" panose="02020603050405020304" pitchFamily="18" charset="0"/>
-                <a:cs typeface="Times New Roman" panose="02020603050405020304" pitchFamily="18" charset="0"/>
-              </a:rPr>
-              <a:t>fav_pl</a:t>
-            </a:r>
-            <a:r>
-              <a:rPr lang="ru-RU" sz="2000" dirty="0" smtClean="0">
-                <a:solidFill>
-                  <a:schemeClr val="tx1"/>
-                </a:solidFill>
-                <a:latin typeface="Times New Roman" panose="02020603050405020304" pitchFamily="18" charset="0"/>
-                <a:cs typeface="Times New Roman" panose="02020603050405020304" pitchFamily="18" charset="0"/>
-              </a:rPr>
-              <a:t> (любимый язык программирования).</a:t>
-            </a:r>
-          </a:p>
-          <a:p>
-            <a:pPr>
-              <a:buAutoNum type="arabicPeriod"/>
-            </a:pPr>
-            <a:r>
-              <a:rPr lang="ru-RU" sz="2000" dirty="0" smtClean="0">
-                <a:solidFill>
-                  <a:schemeClr val="tx1"/>
-                </a:solidFill>
-                <a:latin typeface="Times New Roman" panose="02020603050405020304" pitchFamily="18" charset="0"/>
-                <a:cs typeface="Times New Roman" panose="02020603050405020304" pitchFamily="18" charset="0"/>
-              </a:rPr>
-              <a:t>Составить </a:t>
-            </a:r>
-            <a:r>
-              <a:rPr lang="en-US" sz="2000" dirty="0" smtClean="0">
-                <a:solidFill>
-                  <a:schemeClr val="tx1"/>
-                </a:solidFill>
-                <a:latin typeface="Times New Roman" panose="02020603050405020304" pitchFamily="18" charset="0"/>
-                <a:cs typeface="Times New Roman" panose="02020603050405020304" pitchFamily="18" charset="0"/>
-              </a:rPr>
-              <a:t>JSON c </a:t>
-            </a:r>
-            <a:r>
-              <a:rPr lang="ru-RU" sz="2000" dirty="0" smtClean="0">
-                <a:solidFill>
-                  <a:schemeClr val="tx1"/>
-                </a:solidFill>
-                <a:latin typeface="Times New Roman" panose="02020603050405020304" pitchFamily="18" charset="0"/>
-                <a:cs typeface="Times New Roman" panose="02020603050405020304" pitchFamily="18" charset="0"/>
-              </a:rPr>
-              <a:t>ключами: название команды, название кейса, число человек в команде, состав команды (</a:t>
-            </a:r>
-            <a:r>
-              <a:rPr lang="ru-RU" sz="2000" dirty="0" err="1" smtClean="0">
-                <a:solidFill>
-                  <a:schemeClr val="tx1"/>
-                </a:solidFill>
-                <a:latin typeface="Times New Roman" panose="02020603050405020304" pitchFamily="18" charset="0"/>
-                <a:cs typeface="Times New Roman" panose="02020603050405020304" pitchFamily="18" charset="0"/>
-              </a:rPr>
-              <a:t>айди</a:t>
-            </a:r>
-            <a:r>
-              <a:rPr lang="ru-RU" sz="2000" dirty="0" smtClean="0">
-                <a:solidFill>
-                  <a:schemeClr val="tx1"/>
-                </a:solidFill>
-                <a:latin typeface="Times New Roman" panose="02020603050405020304" pitchFamily="18" charset="0"/>
-                <a:cs typeface="Times New Roman" panose="02020603050405020304" pitchFamily="18" charset="0"/>
-              </a:rPr>
-              <a:t> человека, его имя, фамилия, ник в </a:t>
-            </a:r>
-            <a:r>
-              <a:rPr lang="ru-RU" sz="2000" dirty="0" err="1" smtClean="0">
-                <a:solidFill>
-                  <a:schemeClr val="tx1"/>
-                </a:solidFill>
-                <a:latin typeface="Times New Roman" panose="02020603050405020304" pitchFamily="18" charset="0"/>
-                <a:cs typeface="Times New Roman" panose="02020603050405020304" pitchFamily="18" charset="0"/>
-              </a:rPr>
-              <a:t>слаке</a:t>
-            </a:r>
-            <a:r>
-              <a:rPr lang="ru-RU" sz="2000" dirty="0" smtClean="0">
-                <a:solidFill>
-                  <a:schemeClr val="tx1"/>
-                </a:solidFill>
-                <a:latin typeface="Times New Roman" panose="02020603050405020304" pitchFamily="18" charset="0"/>
-                <a:cs typeface="Times New Roman" panose="02020603050405020304" pitchFamily="18" charset="0"/>
-              </a:rPr>
-              <a:t>, </a:t>
-            </a:r>
-            <a:r>
-              <a:rPr lang="en-US" sz="2000" dirty="0" smtClean="0">
-                <a:solidFill>
-                  <a:schemeClr val="tx1"/>
-                </a:solidFill>
-                <a:latin typeface="Times New Roman" panose="02020603050405020304" pitchFamily="18" charset="0"/>
-                <a:cs typeface="Times New Roman" panose="02020603050405020304" pitchFamily="18" charset="0"/>
-              </a:rPr>
-              <a:t>e</a:t>
-            </a:r>
-            <a:r>
-              <a:rPr lang="ru-RU" sz="2000" dirty="0" smtClean="0">
-                <a:solidFill>
-                  <a:schemeClr val="tx1"/>
-                </a:solidFill>
-                <a:latin typeface="Times New Roman" panose="02020603050405020304" pitchFamily="18" charset="0"/>
-                <a:cs typeface="Times New Roman" panose="02020603050405020304" pitchFamily="18" charset="0"/>
-              </a:rPr>
-              <a:t>-</a:t>
-            </a:r>
-            <a:r>
-              <a:rPr lang="en-US" sz="2000" dirty="0" smtClean="0">
-                <a:solidFill>
-                  <a:schemeClr val="tx1"/>
-                </a:solidFill>
-                <a:latin typeface="Times New Roman" panose="02020603050405020304" pitchFamily="18" charset="0"/>
-                <a:cs typeface="Times New Roman" panose="02020603050405020304" pitchFamily="18" charset="0"/>
-              </a:rPr>
-              <a:t>mail</a:t>
-            </a:r>
-            <a:r>
-              <a:rPr lang="ru-RU" sz="2000" dirty="0" smtClean="0">
-                <a:solidFill>
-                  <a:schemeClr val="tx1"/>
-                </a:solidFill>
-                <a:latin typeface="Times New Roman" panose="02020603050405020304" pitchFamily="18" charset="0"/>
-                <a:cs typeface="Times New Roman" panose="02020603050405020304" pitchFamily="18" charset="0"/>
-              </a:rPr>
-              <a:t>, роль в команде)</a:t>
-            </a:r>
-          </a:p>
-          <a:p>
-            <a:pPr>
-              <a:buAutoNum type="arabicPeriod"/>
-            </a:pPr>
-            <a:endParaRPr lang="ru-RU" sz="1800" dirty="0" smtClean="0">
-              <a:solidFill>
-                <a:schemeClr val="tx1"/>
-              </a:solidFill>
-              <a:latin typeface="Times New Roman" panose="02020603050405020304" pitchFamily="18" charset="0"/>
-              <a:cs typeface="Times New Roman" panose="02020603050405020304" pitchFamily="18" charset="0"/>
-            </a:endParaRPr>
-          </a:p>
-        </p:txBody>
-      </p:sp>
-    </p:spTree>
-    <p:extLst>
-      <p:ext uri="{BB962C8B-B14F-4D97-AF65-F5344CB8AC3E}">
-        <p14:creationId xmlns:p14="http://schemas.microsoft.com/office/powerpoint/2010/main" val="2865641527"/>
       </p:ext>
     </p:extLst>
   </p:cSld>
@@ -11700,7 +11923,7 @@
           <a:p>
             <a:r>
               <a:rPr lang="ru-RU" dirty="0" smtClean="0"/>
-              <a:t>Документы: замечание</a:t>
+              <a:t>Задание 2</a:t>
             </a:r>
             <a:endParaRPr lang="ru-RU" dirty="0"/>
           </a:p>
@@ -11708,37 +11931,7 @@
       </p:sp>
       <p:sp>
         <p:nvSpPr>
-          <p:cNvPr id="4" name="Текст 3">
-            <a:extLst>
-              <a:ext uri="{FF2B5EF4-FFF2-40B4-BE49-F238E27FC236}">
-                <a16:creationId xmlns:a16="http://schemas.microsoft.com/office/drawing/2014/main" id="{74C82C9C-F2A8-41A8-880B-73811E3EFC36}"/>
-              </a:ext>
-            </a:extLst>
-          </p:cNvPr>
-          <p:cNvSpPr>
-            <a:spLocks noGrp="1"/>
-          </p:cNvSpPr>
-          <p:nvPr>
-            <p:ph type="body" sz="quarter" idx="11"/>
-          </p:nvPr>
-        </p:nvSpPr>
-        <p:spPr>
-          <a:xfrm>
-            <a:off x="253096" y="6534445"/>
-            <a:ext cx="8602515" cy="323557"/>
-          </a:xfrm>
-        </p:spPr>
-        <p:txBody>
-          <a:bodyPr/>
-          <a:lstStyle/>
-          <a:p>
-            <a:endParaRPr lang="ru-RU" dirty="0"/>
-          </a:p>
-        </p:txBody>
-      </p:sp>
-      <p:sp>
-        <p:nvSpPr>
-          <p:cNvPr id="5" name="Текст 3">
+          <p:cNvPr id="6" name="Текст 3">
             <a:extLst>
               <a:ext uri="{FF2B5EF4-FFF2-40B4-BE49-F238E27FC236}">
                 <a16:creationId xmlns:a16="http://schemas.microsoft.com/office/drawing/2014/main" id="{74C82C9C-F2A8-41A8-880B-73811E3EFC36}"/>
@@ -11951,7 +12144,29 @@
             </a:lvl9pPr>
           </a:lstStyle>
           <a:p>
-            <a:pPr indent="0"/>
+            <a:pPr>
+              <a:buAutoNum type="arabicPeriod"/>
+            </a:pPr>
+            <a:r>
+              <a:rPr lang="ru-RU" sz="2000" dirty="0" smtClean="0">
+                <a:solidFill>
+                  <a:schemeClr val="tx1"/>
+                </a:solidFill>
+                <a:latin typeface="Times New Roman" panose="02020603050405020304" pitchFamily="18" charset="0"/>
+                <a:cs typeface="Times New Roman" panose="02020603050405020304" pitchFamily="18" charset="0"/>
+              </a:rPr>
+              <a:t>Составить </a:t>
+            </a:r>
+            <a:r>
+              <a:rPr lang="en-US" sz="2000" dirty="0" smtClean="0">
+                <a:solidFill>
+                  <a:schemeClr val="tx1"/>
+                </a:solidFill>
+                <a:latin typeface="Times New Roman" panose="02020603050405020304" pitchFamily="18" charset="0"/>
+                <a:cs typeface="Times New Roman" panose="02020603050405020304" pitchFamily="18" charset="0"/>
+              </a:rPr>
+              <a:t>JSON</a:t>
+            </a:r>
             <a:r>
               <a:rPr lang="ru-RU" sz="2000" dirty="0">
                 <a:solidFill>
@@ -11960,7 +12175,7 @@
                 <a:latin typeface="Times New Roman" panose="02020603050405020304" pitchFamily="18" charset="0"/>
                 <a:cs typeface="Times New Roman" panose="02020603050405020304" pitchFamily="18" charset="0"/>
               </a:rPr>
-              <a:t>Документы могут </a:t>
+              <a:t> </a:t>
             </a:r>
             <a:r>
               <a:rPr lang="ru-RU" sz="2000" dirty="0" smtClean="0">
@@ -11970,12 +12185,244 @@
                 <a:latin typeface="Times New Roman" panose="02020603050405020304" pitchFamily="18" charset="0"/>
                 <a:cs typeface="Times New Roman" panose="02020603050405020304" pitchFamily="18" charset="0"/>
               </a:rPr>
-              <a:t>быть:</a:t>
-            </a:r>
-          </a:p>
-          <a:p>
-            <a:pPr indent="0"/>
-            <a:endParaRPr lang="ru-RU" sz="2000" dirty="0">
+              <a:t>с ключом </a:t>
+            </a:r>
+            <a:r>
+              <a:rPr lang="en-US" sz="2000" dirty="0" smtClean="0">
+                <a:solidFill>
+                  <a:schemeClr val="tx1"/>
+                </a:solidFill>
+                <a:latin typeface="Times New Roman" panose="02020603050405020304" pitchFamily="18" charset="0"/>
+                <a:cs typeface="Times New Roman" panose="02020603050405020304" pitchFamily="18" charset="0"/>
+              </a:rPr>
+              <a:t>message</a:t>
+            </a:r>
+            <a:r>
+              <a:rPr lang="ru-RU" sz="2000" dirty="0" smtClean="0">
+                <a:solidFill>
+                  <a:schemeClr val="tx1"/>
+                </a:solidFill>
+                <a:latin typeface="Times New Roman" panose="02020603050405020304" pitchFamily="18" charset="0"/>
+                <a:cs typeface="Times New Roman" panose="02020603050405020304" pitchFamily="18" charset="0"/>
+              </a:rPr>
+              <a:t> и значением </a:t>
+            </a:r>
+            <a:r>
+              <a:rPr lang="en-US" sz="2000" dirty="0" smtClean="0">
+                <a:solidFill>
+                  <a:schemeClr val="tx1"/>
+                </a:solidFill>
+                <a:latin typeface="Times New Roman" panose="02020603050405020304" pitchFamily="18" charset="0"/>
+                <a:cs typeface="Times New Roman" panose="02020603050405020304" pitchFamily="18" charset="0"/>
+              </a:rPr>
+              <a:t>Hello world!</a:t>
+            </a:r>
+          </a:p>
+          <a:p>
+            <a:pPr>
+              <a:buAutoNum type="arabicPeriod"/>
+            </a:pPr>
+            <a:r>
+              <a:rPr lang="ru-RU" sz="2000" dirty="0" smtClean="0">
+                <a:solidFill>
+                  <a:schemeClr val="tx1"/>
+                </a:solidFill>
+                <a:latin typeface="Times New Roman" panose="02020603050405020304" pitchFamily="18" charset="0"/>
+                <a:cs typeface="Times New Roman" panose="02020603050405020304" pitchFamily="18" charset="0"/>
+              </a:rPr>
+              <a:t>Составить </a:t>
+            </a:r>
+            <a:r>
+              <a:rPr lang="en-US" sz="2000" dirty="0" smtClean="0">
+                <a:solidFill>
+                  <a:schemeClr val="tx1"/>
+                </a:solidFill>
+                <a:latin typeface="Times New Roman" panose="02020603050405020304" pitchFamily="18" charset="0"/>
+                <a:cs typeface="Times New Roman" panose="02020603050405020304" pitchFamily="18" charset="0"/>
+              </a:rPr>
+              <a:t>JSON</a:t>
+            </a:r>
+            <a:r>
+              <a:rPr lang="ru-RU" sz="2000" dirty="0">
+                <a:solidFill>
+                  <a:schemeClr val="tx1"/>
+                </a:solidFill>
+                <a:latin typeface="Times New Roman" panose="02020603050405020304" pitchFamily="18" charset="0"/>
+                <a:cs typeface="Times New Roman" panose="02020603050405020304" pitchFamily="18" charset="0"/>
+              </a:rPr>
+              <a:t> </a:t>
+            </a:r>
+            <a:r>
+              <a:rPr lang="ru-RU" sz="2000" dirty="0" smtClean="0">
+                <a:solidFill>
+                  <a:schemeClr val="tx1"/>
+                </a:solidFill>
+                <a:latin typeface="Times New Roman" panose="02020603050405020304" pitchFamily="18" charset="0"/>
+                <a:cs typeface="Times New Roman" panose="02020603050405020304" pitchFamily="18" charset="0"/>
+              </a:rPr>
+              <a:t>с ключами </a:t>
+            </a:r>
+            <a:r>
+              <a:rPr lang="en-US" sz="2000" dirty="0" smtClean="0">
+                <a:solidFill>
+                  <a:schemeClr val="tx1"/>
+                </a:solidFill>
+                <a:latin typeface="Times New Roman" panose="02020603050405020304" pitchFamily="18" charset="0"/>
+                <a:cs typeface="Times New Roman" panose="02020603050405020304" pitchFamily="18" charset="0"/>
+              </a:rPr>
+              <a:t>name, surname, age,</a:t>
+            </a:r>
+            <a:r>
+              <a:rPr lang="ru-RU" sz="2000" dirty="0" smtClean="0">
+                <a:solidFill>
+                  <a:schemeClr val="tx1"/>
+                </a:solidFill>
+                <a:latin typeface="Times New Roman" panose="02020603050405020304" pitchFamily="18" charset="0"/>
+                <a:cs typeface="Times New Roman" panose="02020603050405020304" pitchFamily="18" charset="0"/>
+              </a:rPr>
+              <a:t> </a:t>
+            </a:r>
+            <a:r>
+              <a:rPr lang="en-US" sz="2000" dirty="0" err="1" smtClean="0">
+                <a:solidFill>
+                  <a:schemeClr val="tx1"/>
+                </a:solidFill>
+                <a:latin typeface="Times New Roman" panose="02020603050405020304" pitchFamily="18" charset="0"/>
+                <a:cs typeface="Times New Roman" panose="02020603050405020304" pitchFamily="18" charset="0"/>
+              </a:rPr>
+              <a:t>fav_pl</a:t>
+            </a:r>
+            <a:r>
+              <a:rPr lang="ru-RU" sz="2000" dirty="0" smtClean="0">
+                <a:solidFill>
+                  <a:schemeClr val="tx1"/>
+                </a:solidFill>
+                <a:latin typeface="Times New Roman" panose="02020603050405020304" pitchFamily="18" charset="0"/>
+                <a:cs typeface="Times New Roman" panose="02020603050405020304" pitchFamily="18" charset="0"/>
+              </a:rPr>
+              <a:t> (любимый язык программирования).</a:t>
+            </a:r>
+          </a:p>
+          <a:p>
+            <a:pPr>
+              <a:buAutoNum type="arabicPeriod"/>
+            </a:pPr>
+            <a:r>
+              <a:rPr lang="ru-RU" sz="2000" dirty="0" smtClean="0">
+                <a:solidFill>
+                  <a:schemeClr val="tx1"/>
+                </a:solidFill>
+                <a:latin typeface="Times New Roman" panose="02020603050405020304" pitchFamily="18" charset="0"/>
+                <a:cs typeface="Times New Roman" panose="02020603050405020304" pitchFamily="18" charset="0"/>
+              </a:rPr>
+              <a:t>Составить </a:t>
+            </a:r>
+            <a:r>
+              <a:rPr lang="en-US" sz="2000" dirty="0" smtClean="0">
+                <a:solidFill>
+                  <a:schemeClr val="tx1"/>
+                </a:solidFill>
+                <a:latin typeface="Times New Roman" panose="02020603050405020304" pitchFamily="18" charset="0"/>
+                <a:cs typeface="Times New Roman" panose="02020603050405020304" pitchFamily="18" charset="0"/>
+              </a:rPr>
+              <a:t>JSON c </a:t>
+            </a:r>
+            <a:r>
+              <a:rPr lang="ru-RU" sz="2000" dirty="0" smtClean="0">
+                <a:solidFill>
+                  <a:schemeClr val="tx1"/>
+                </a:solidFill>
+                <a:latin typeface="Times New Roman" panose="02020603050405020304" pitchFamily="18" charset="0"/>
+                <a:cs typeface="Times New Roman" panose="02020603050405020304" pitchFamily="18" charset="0"/>
+              </a:rPr>
+              <a:t>ключами: название команды, название кейса, число человек в команде, состав команды (</a:t>
+            </a:r>
+            <a:r>
+              <a:rPr lang="ru-RU" sz="2000" dirty="0" err="1" smtClean="0">
+                <a:solidFill>
+                  <a:schemeClr val="tx1"/>
+                </a:solidFill>
+                <a:latin typeface="Times New Roman" panose="02020603050405020304" pitchFamily="18" charset="0"/>
+                <a:cs typeface="Times New Roman" panose="02020603050405020304" pitchFamily="18" charset="0"/>
+              </a:rPr>
+              <a:t>айди</a:t>
+            </a:r>
+            <a:r>
+              <a:rPr lang="ru-RU" sz="2000" dirty="0" smtClean="0">
+                <a:solidFill>
+                  <a:schemeClr val="tx1"/>
+                </a:solidFill>
+                <a:latin typeface="Times New Roman" panose="02020603050405020304" pitchFamily="18" charset="0"/>
+                <a:cs typeface="Times New Roman" panose="02020603050405020304" pitchFamily="18" charset="0"/>
+              </a:rPr>
+              <a:t> человека, его имя, фамилия, ник в </a:t>
+            </a:r>
+            <a:r>
+              <a:rPr lang="ru-RU" sz="2000" dirty="0" err="1" smtClean="0">
+                <a:solidFill>
+                  <a:schemeClr val="tx1"/>
+                </a:solidFill>
+                <a:latin typeface="Times New Roman" panose="02020603050405020304" pitchFamily="18" charset="0"/>
+                <a:cs typeface="Times New Roman" panose="02020603050405020304" pitchFamily="18" charset="0"/>
+              </a:rPr>
+              <a:t>слаке</a:t>
+            </a:r>
+            <a:r>
+              <a:rPr lang="ru-RU" sz="2000" dirty="0" smtClean="0">
+                <a:solidFill>
+                  <a:schemeClr val="tx1"/>
+                </a:solidFill>
+                <a:latin typeface="Times New Roman" panose="02020603050405020304" pitchFamily="18" charset="0"/>
+                <a:cs typeface="Times New Roman" panose="02020603050405020304" pitchFamily="18" charset="0"/>
+              </a:rPr>
+              <a:t>, </a:t>
+            </a:r>
+            <a:r>
+              <a:rPr lang="en-US" sz="2000" dirty="0" smtClean="0">
+                <a:solidFill>
+                  <a:schemeClr val="tx1"/>
+                </a:solidFill>
+                <a:latin typeface="Times New Roman" panose="02020603050405020304" pitchFamily="18" charset="0"/>
+                <a:cs typeface="Times New Roman" panose="02020603050405020304" pitchFamily="18" charset="0"/>
+              </a:rPr>
+              <a:t>e</a:t>
+            </a:r>
+            <a:r>
+              <a:rPr lang="ru-RU" sz="2000" dirty="0" smtClean="0">
+                <a:solidFill>
+                  <a:schemeClr val="tx1"/>
+                </a:solidFill>
+                <a:latin typeface="Times New Roman" panose="02020603050405020304" pitchFamily="18" charset="0"/>
+                <a:cs typeface="Times New Roman" panose="02020603050405020304" pitchFamily="18" charset="0"/>
+              </a:rPr>
+              <a:t>-</a:t>
+            </a:r>
+            <a:r>
+              <a:rPr lang="en-US" sz="2000" dirty="0" smtClean="0">
+                <a:solidFill>
+                  <a:schemeClr val="tx1"/>
+                </a:solidFill>
+                <a:latin typeface="Times New Roman" panose="02020603050405020304" pitchFamily="18" charset="0"/>
+                <a:cs typeface="Times New Roman" panose="02020603050405020304" pitchFamily="18" charset="0"/>
+              </a:rPr>
+              <a:t>mail</a:t>
+            </a:r>
+            <a:r>
+              <a:rPr lang="ru-RU" sz="2000" dirty="0" smtClean="0">
+                <a:solidFill>
+                  <a:schemeClr val="tx1"/>
+                </a:solidFill>
+                <a:latin typeface="Times New Roman" panose="02020603050405020304" pitchFamily="18" charset="0"/>
+                <a:cs typeface="Times New Roman" panose="02020603050405020304" pitchFamily="18" charset="0"/>
+              </a:rPr>
+              <a:t>, роль в команде)</a:t>
+            </a:r>
+          </a:p>
+          <a:p>
+            <a:pPr>
+              <a:buAutoNum type="arabicPeriod"/>
+            </a:pPr>
+            <a:endParaRPr lang="ru-RU" sz="1800" dirty="0" smtClean="0">
               <a:solidFill>
                 <a:schemeClr val="tx1"/>
               </a:solidFill>
@@ -11983,179 +12430,25 @@
               <a:cs typeface="Times New Roman" panose="02020603050405020304" pitchFamily="18" charset="0"/>
             </a:endParaRPr>
           </a:p>
-          <a:p>
-            <a:pPr marL="342900">
-              <a:buFont typeface="Arial" panose="020B0604020202020204" pitchFamily="34" charset="0"/>
-              <a:buChar char="•"/>
-            </a:pPr>
-            <a:r>
-              <a:rPr lang="ru-RU" sz="2000" b="1" dirty="0" smtClean="0">
-                <a:solidFill>
-                  <a:schemeClr val="tx1"/>
-                </a:solidFill>
-                <a:latin typeface="Times New Roman" panose="02020603050405020304" pitchFamily="18" charset="0"/>
-                <a:cs typeface="Times New Roman" panose="02020603050405020304" pitchFamily="18" charset="0"/>
-              </a:rPr>
-              <a:t>Статические</a:t>
-            </a:r>
-            <a:endParaRPr lang="ru-RU" sz="2000" b="1" dirty="0">
-              <a:solidFill>
-                <a:schemeClr val="tx1"/>
-              </a:solidFill>
-              <a:latin typeface="Times New Roman" panose="02020603050405020304" pitchFamily="18" charset="0"/>
-              <a:cs typeface="Times New Roman" panose="02020603050405020304" pitchFamily="18" charset="0"/>
-            </a:endParaRPr>
-          </a:p>
-          <a:p>
-            <a:pPr marL="1085850" lvl="1">
-              <a:buFont typeface="Arial" panose="020B0604020202020204" pitchFamily="34" charset="0"/>
-              <a:buChar char="•"/>
-            </a:pPr>
-            <a:r>
-              <a:rPr lang="ru-RU" sz="2000" dirty="0" smtClean="0">
-                <a:solidFill>
-                  <a:schemeClr val="tx1"/>
-                </a:solidFill>
-                <a:latin typeface="Times New Roman" panose="02020603050405020304" pitchFamily="18" charset="0"/>
-                <a:cs typeface="Times New Roman" panose="02020603050405020304" pitchFamily="18" charset="0"/>
-              </a:rPr>
-              <a:t>Это </a:t>
-            </a:r>
-            <a:r>
-              <a:rPr lang="ru-RU" sz="2000" dirty="0">
-                <a:solidFill>
-                  <a:schemeClr val="tx1"/>
-                </a:solidFill>
-                <a:latin typeface="Times New Roman" panose="02020603050405020304" pitchFamily="18" charset="0"/>
-                <a:cs typeface="Times New Roman" panose="02020603050405020304" pitchFamily="18" charset="0"/>
-              </a:rPr>
-              <a:t>файлы на дисках сервера</a:t>
-            </a:r>
-          </a:p>
-          <a:p>
-            <a:pPr marL="342900">
-              <a:buFont typeface="Arial" panose="020B0604020202020204" pitchFamily="34" charset="0"/>
-              <a:buChar char="•"/>
-            </a:pPr>
-            <a:r>
-              <a:rPr lang="ru-RU" sz="2000" b="1" dirty="0" smtClean="0">
-                <a:solidFill>
-                  <a:schemeClr val="tx1"/>
-                </a:solidFill>
-                <a:latin typeface="Times New Roman" panose="02020603050405020304" pitchFamily="18" charset="0"/>
-                <a:cs typeface="Times New Roman" panose="02020603050405020304" pitchFamily="18" charset="0"/>
-              </a:rPr>
-              <a:t>Динамические</a:t>
-            </a:r>
-            <a:endParaRPr lang="ru-RU" sz="2000" b="1" dirty="0">
-              <a:solidFill>
-                <a:schemeClr val="tx1"/>
-              </a:solidFill>
-              <a:latin typeface="Times New Roman" panose="02020603050405020304" pitchFamily="18" charset="0"/>
-              <a:cs typeface="Times New Roman" panose="02020603050405020304" pitchFamily="18" charset="0"/>
-            </a:endParaRPr>
-          </a:p>
-          <a:p>
-            <a:pPr marL="1085850" lvl="1">
-              <a:buFont typeface="Arial" panose="020B0604020202020204" pitchFamily="34" charset="0"/>
-              <a:buChar char="•"/>
-            </a:pPr>
-            <a:r>
-              <a:rPr lang="ru-RU" sz="2000" dirty="0" smtClean="0">
-                <a:solidFill>
-                  <a:schemeClr val="tx1"/>
-                </a:solidFill>
-                <a:latin typeface="Times New Roman" panose="02020603050405020304" pitchFamily="18" charset="0"/>
-                <a:cs typeface="Times New Roman" panose="02020603050405020304" pitchFamily="18" charset="0"/>
-              </a:rPr>
-              <a:t>Создаются </a:t>
-            </a:r>
-            <a:r>
-              <a:rPr lang="ru-RU" sz="2000" dirty="0">
-                <a:solidFill>
-                  <a:schemeClr val="tx1"/>
-                </a:solidFill>
-                <a:latin typeface="Times New Roman" panose="02020603050405020304" pitchFamily="18" charset="0"/>
-                <a:cs typeface="Times New Roman" panose="02020603050405020304" pitchFamily="18" charset="0"/>
-              </a:rPr>
-              <a:t>на каждый запрос</a:t>
-            </a:r>
-          </a:p>
-          <a:p>
-            <a:pPr marL="1085850" lvl="1">
-              <a:buFont typeface="Arial" panose="020B0604020202020204" pitchFamily="34" charset="0"/>
-              <a:buChar char="•"/>
-            </a:pPr>
-            <a:r>
-              <a:rPr lang="ru-RU" sz="2000" dirty="0" smtClean="0">
-                <a:solidFill>
-                  <a:schemeClr val="tx1"/>
-                </a:solidFill>
-                <a:latin typeface="Times New Roman" panose="02020603050405020304" pitchFamily="18" charset="0"/>
-                <a:cs typeface="Times New Roman" panose="02020603050405020304" pitchFamily="18" charset="0"/>
-              </a:rPr>
-              <a:t>Содержимое может </a:t>
-            </a:r>
-            <a:r>
-              <a:rPr lang="ru-RU" sz="2000" dirty="0" err="1" smtClean="0">
-                <a:solidFill>
-                  <a:schemeClr val="tx1"/>
-                </a:solidFill>
-                <a:latin typeface="Times New Roman" panose="02020603050405020304" pitchFamily="18" charset="0"/>
-                <a:cs typeface="Times New Roman" panose="02020603050405020304" pitchFamily="18" charset="0"/>
-              </a:rPr>
-              <a:t>зависить</a:t>
-            </a:r>
-            <a:r>
-              <a:rPr lang="ru-RU" sz="2000" dirty="0" smtClean="0">
-                <a:solidFill>
-                  <a:schemeClr val="tx1"/>
-                </a:solidFill>
-                <a:latin typeface="Times New Roman" panose="02020603050405020304" pitchFamily="18" charset="0"/>
-                <a:cs typeface="Times New Roman" panose="02020603050405020304" pitchFamily="18" charset="0"/>
-              </a:rPr>
-              <a:t> </a:t>
-            </a:r>
-            <a:r>
-              <a:rPr lang="ru-RU" sz="2000" dirty="0">
-                <a:solidFill>
-                  <a:schemeClr val="tx1"/>
-                </a:solidFill>
-                <a:latin typeface="Times New Roman" panose="02020603050405020304" pitchFamily="18" charset="0"/>
-                <a:cs typeface="Times New Roman" panose="02020603050405020304" pitchFamily="18" charset="0"/>
-              </a:rPr>
-              <a:t>от времени и </a:t>
-            </a:r>
-            <a:r>
-              <a:rPr lang="ru-RU" sz="2000" dirty="0" smtClean="0">
-                <a:solidFill>
-                  <a:schemeClr val="tx1"/>
-                </a:solidFill>
-                <a:latin typeface="Times New Roman" panose="02020603050405020304" pitchFamily="18" charset="0"/>
-                <a:cs typeface="Times New Roman" panose="02020603050405020304" pitchFamily="18" charset="0"/>
-              </a:rPr>
-              <a:t>пользователя</a:t>
-            </a:r>
-            <a:endParaRPr lang="ru-RU" sz="2000" dirty="0">
-              <a:solidFill>
-                <a:schemeClr val="tx1"/>
-              </a:solidFill>
-              <a:latin typeface="Times New Roman" panose="02020603050405020304" pitchFamily="18" charset="0"/>
-              <a:cs typeface="Times New Roman" panose="02020603050405020304" pitchFamily="18" charset="0"/>
-            </a:endParaRPr>
-          </a:p>
         </p:txBody>
       </p:sp>
     </p:spTree>
     <p:extLst>
       <p:ext uri="{BB962C8B-B14F-4D97-AF65-F5344CB8AC3E}">
-        <p14:creationId xmlns:p14="http://schemas.microsoft.com/office/powerpoint/2010/main" val="1847986376"/>
+        <p14:creationId xmlns:p14="http://schemas.microsoft.com/office/powerpoint/2010/main" val="2865641527"/>
       </p:ext>
     </p:extLst>
   </p:cSld>
   <p:clrMapOvr>
     <a:masterClrMapping/>
   </p:clrMapOvr>
+  <p:timing>
+    <p:tnLst>
+      <p:par>
+        <p:cTn id="1" dur="indefinite" restart="never" nodeType="tmRoot"/>
+      </p:par>
+    </p:tnLst>
+  </p:timing>
 </p:sld>
 </file>
 
